--- a/前端优化.pptx
+++ b/前端优化.pptx
@@ -10,7 +10,7 @@
   <p:sldIdLst>
     <p:sldId id="256" r:id="rId2"/>
     <p:sldId id="489" r:id="rId3"/>
-    <p:sldId id="498" r:id="rId4"/>
+    <p:sldId id="554" r:id="rId4"/>
     <p:sldId id="499" r:id="rId5"/>
     <p:sldId id="512" r:id="rId6"/>
     <p:sldId id="553" r:id="rId7"/>
@@ -198,7 +198,7 @@
             <a:fld id="{CE1D0BA2-A4A1-4B11-81FA-5EAFBA8CF391}" type="datetimeFigureOut">
               <a:rPr lang="zh-CN" altLang="en-US" smtClean="0"/>
               <a:pPr/>
-              <a:t>2016/6/21</a:t>
+              <a:t>2016/6/22</a:t>
             </a:fld>
             <a:endParaRPr lang="zh-CN" altLang="en-US"/>
           </a:p>
@@ -645,7 +645,11 @@
             </a:r>
             <a:r>
               <a:rPr lang="zh-CN" altLang="en-US" dirty="0" smtClean="0"/>
-              <a:t>前端的定义。但我也讲不清除</a:t>
+              <a:t>前端的定义。但我也讲不</a:t>
+            </a:r>
+            <a:r>
+              <a:rPr lang="zh-CN" altLang="en-US" dirty="0" smtClean="0"/>
+              <a:t>清</a:t>
             </a:r>
             <a:r>
               <a:rPr lang="en-US" altLang="zh-CN" dirty="0" smtClean="0"/>
@@ -653,7 +657,31 @@
             </a:r>
             <a:r>
               <a:rPr lang="zh-CN" altLang="en-US" dirty="0" smtClean="0"/>
-              <a:t>前端到底是什么，因为不同公司对前端的定义可能都不一样，甚至不同产品，不同开发模式，不同技术架构对前端定义可能都会不同。但是对客户或非技术领导来说，都一样，就是做页面。所以今天我也就糊涂一下，也就定义为做页面吧。那今天我分享前端优化，大家也可以理解为页面优化。因为今天来基本都是开发，最关系的可能技术关联比较大的就是如何优化。但我认为，前两个问题，才是难点，就像改</a:t>
+              <a:t>前端到底是什么，因为不同公司对前端的定义可能都不一样，甚至不同产品，不同开发模式，不同技术架构对前端定义可能都会不同。但是对客户或非技术领导来说，都一样，就是做页面。所以今天</a:t>
+            </a:r>
+            <a:r>
+              <a:rPr lang="zh-CN" altLang="en-US" dirty="0" smtClean="0"/>
+              <a:t>我们也就将就一下</a:t>
+            </a:r>
+            <a:r>
+              <a:rPr lang="zh-CN" altLang="en-US" dirty="0" smtClean="0"/>
+              <a:t>，也就定义为做页面吧。那今天我分享前端优化，大家也可以理解为页面优化</a:t>
+            </a:r>
+            <a:r>
+              <a:rPr lang="zh-CN" altLang="en-US" dirty="0" smtClean="0"/>
+              <a:t>。我看今天来听我啰嗦的基本</a:t>
+            </a:r>
+            <a:r>
+              <a:rPr lang="zh-CN" altLang="en-US" dirty="0" smtClean="0"/>
+              <a:t>都是开发</a:t>
+            </a:r>
+            <a:r>
+              <a:rPr lang="zh-CN" altLang="en-US" dirty="0" smtClean="0"/>
+              <a:t>，相信你们最关心就是</a:t>
+            </a:r>
+            <a:r>
+              <a:rPr lang="zh-CN" altLang="en-US" dirty="0" smtClean="0"/>
+              <a:t>如何优化。但我认为，前两个问题，才是难点，就像改</a:t>
             </a:r>
             <a:r>
               <a:rPr lang="en-US" altLang="zh-CN" dirty="0" smtClean="0"/>
@@ -661,15 +689,23 @@
             </a:r>
             <a:r>
               <a:rPr lang="zh-CN" altLang="en-US" dirty="0" smtClean="0"/>
-              <a:t>的难点在于发现</a:t>
+              <a:t>的难的不是改而再找</a:t>
             </a:r>
             <a:r>
               <a:rPr lang="en-US" altLang="zh-CN" dirty="0" smtClean="0"/>
-              <a:t>bug.</a:t>
+              <a:t>.</a:t>
             </a:r>
             <a:r>
               <a:rPr lang="zh-CN" altLang="en-US" dirty="0" smtClean="0"/>
-              <a:t>那我们先来看看为何优化。</a:t>
+              <a:t>那</a:t>
+            </a:r>
+            <a:r>
+              <a:rPr lang="zh-CN" altLang="en-US" dirty="0" smtClean="0"/>
+              <a:t>我们就先</a:t>
+            </a:r>
+            <a:r>
+              <a:rPr lang="zh-CN" altLang="en-US" dirty="0" smtClean="0"/>
+              <a:t>来看看为何优化。</a:t>
             </a:r>
             <a:endParaRPr lang="en-US" altLang="zh-CN" dirty="0" smtClean="0"/>
           </a:p>
@@ -761,15 +797,12 @@
                 <a:latin typeface="微软雅黑" panose="020B0503020204020204" pitchFamily="34" charset="-122"/>
                 <a:ea typeface="微软雅黑" panose="020B0503020204020204" pitchFamily="34" charset="-122"/>
               </a:rPr>
-              <a:t>进一步提升用户体验，留住用户</a:t>
-            </a:r>
-            <a:r>
-              <a:rPr lang="en-US" altLang="zh-CN" sz="1200" dirty="0" smtClean="0">
-                <a:latin typeface="微软雅黑" panose="020B0503020204020204" pitchFamily="34" charset="-122"/>
-                <a:ea typeface="微软雅黑" panose="020B0503020204020204" pitchFamily="34" charset="-122"/>
-              </a:rPr>
-              <a:t>…</a:t>
-            </a:r>
+              <a:t>那我们到底是为何要进行优化呢，优化的目的又是什么呢。可能大家会说。。。等等，确实这些都是，但我认为这些都不是根本目的，根本目的，也就是</a:t>
+            </a:r>
+            <a:endParaRPr lang="en-US" altLang="zh-CN" sz="1200" dirty="0" smtClean="0">
+              <a:latin typeface="微软雅黑" panose="020B0503020204020204" pitchFamily="34" charset="-122"/>
+              <a:ea typeface="微软雅黑" panose="020B0503020204020204" pitchFamily="34" charset="-122"/>
+            </a:endParaRPr>
           </a:p>
           <a:p>
             <a:r>
@@ -777,7 +810,63 @@
                 <a:latin typeface="微软雅黑" panose="020B0503020204020204" pitchFamily="34" charset="-122"/>
                 <a:ea typeface="微软雅黑" panose="020B0503020204020204" pitchFamily="34" charset="-122"/>
               </a:rPr>
-              <a:t>最终目的：增加效益，降低成本。</a:t>
+              <a:t>最终目标是：</a:t>
+            </a:r>
+            <a:r>
+              <a:rPr lang="zh-CN" altLang="en-US" sz="1200" dirty="0" smtClean="0">
+                <a:latin typeface="微软雅黑" panose="020B0503020204020204" pitchFamily="34" charset="-122"/>
+                <a:ea typeface="微软雅黑" panose="020B0503020204020204" pitchFamily="34" charset="-122"/>
+              </a:rPr>
+              <a:t>增加效益，降低成本。</a:t>
+            </a:r>
+            <a:endParaRPr lang="en-US" altLang="zh-CN" sz="1200" dirty="0" smtClean="0">
+              <a:latin typeface="微软雅黑" panose="020B0503020204020204" pitchFamily="34" charset="-122"/>
+              <a:ea typeface="微软雅黑" panose="020B0503020204020204" pitchFamily="34" charset="-122"/>
+            </a:endParaRPr>
+          </a:p>
+          <a:p>
+            <a:r>
+              <a:rPr lang="zh-CN" altLang="en-US" dirty="0" smtClean="0"/>
+              <a:t>怎么说呢，提升用户体验，可以增加用户粘性，从而提高产品口碑，增加产品销量，最终实现增加效益。</a:t>
+            </a:r>
+            <a:endParaRPr lang="en-US" altLang="zh-CN" dirty="0" smtClean="0"/>
+          </a:p>
+          <a:p>
+            <a:r>
+              <a:rPr lang="zh-CN" altLang="en-US" dirty="0" smtClean="0"/>
+              <a:t>解决兼容性</a:t>
+            </a:r>
+            <a:r>
+              <a:rPr lang="zh-CN" altLang="en-US" dirty="0" smtClean="0"/>
+              <a:t>，可以理解为适配性，即开发一套来兼容不同平台，从而降低成本。其他各种理由最终也可以推导到这根本原因上来，我就不一一推了。这时大家可能会说，这还用你讲啊，整个公司的人做</a:t>
+            </a:r>
+            <a:r>
+              <a:rPr lang="zh-CN" altLang="en-US" dirty="0" smtClean="0"/>
+              <a:t>的所有的事不都是以此为最终目标吗</a:t>
+            </a:r>
+            <a:r>
+              <a:rPr lang="zh-CN" altLang="en-US" dirty="0" smtClean="0"/>
+              <a:t>。确实如此，但这也体现了它的重要性，而我们做具体事情过程中可能会不知不觉的忘了它。其他不讲，就拿优化来说，</a:t>
+            </a:r>
+            <a:r>
+              <a:rPr lang="zh-CN" altLang="en-US" dirty="0" smtClean="0"/>
+              <a:t>如果不以这个目标为准则，</a:t>
+            </a:r>
+            <a:r>
+              <a:rPr lang="zh-CN" altLang="en-US" dirty="0" smtClean="0"/>
+              <a:t>我们在确定优化什么的时候，往往很容易进入到一个过度优化的死胡同，最终一阵优化过后很难达到预计目标或</a:t>
+            </a:r>
+            <a:r>
+              <a:rPr lang="zh-CN" altLang="en-US" dirty="0" smtClean="0"/>
+              <a:t>收益，这是就需要我们以这个</a:t>
+            </a:r>
+            <a:r>
+              <a:rPr lang="zh-CN" altLang="en-US" dirty="0" smtClean="0"/>
+              <a:t>最终</a:t>
+            </a:r>
+            <a:r>
+              <a:rPr lang="zh-CN" altLang="en-US" dirty="0" smtClean="0"/>
+              <a:t>目标为准则，明确该优化什么。</a:t>
             </a:r>
             <a:endParaRPr lang="zh-CN" altLang="en-US" dirty="0"/>
           </a:p>
@@ -866,7 +955,65 @@
           <a:p>
             <a:r>
               <a:rPr lang="zh-CN" altLang="en-US" dirty="0" smtClean="0"/>
-              <a:t>啊是穴 见效快，投入少，能降低过度优化风险。</a:t>
+              <a:t>那到底怎么确定该优化什么呢，</a:t>
+            </a:r>
+            <a:endParaRPr lang="en-US" altLang="zh-CN" dirty="0" smtClean="0"/>
+          </a:p>
+          <a:p>
+            <a:r>
+              <a:rPr lang="zh-CN" altLang="en-US" dirty="0" smtClean="0"/>
+              <a:t>啊</a:t>
+            </a:r>
+            <a:r>
+              <a:rPr lang="zh-CN" altLang="en-US" dirty="0" smtClean="0"/>
+              <a:t>是穴 </a:t>
+            </a:r>
+            <a:r>
+              <a:rPr lang="zh-CN" altLang="en-US" dirty="0" smtClean="0"/>
+              <a:t>在针灸中它是见效</a:t>
+            </a:r>
+            <a:r>
+              <a:rPr lang="zh-CN" altLang="en-US" dirty="0" smtClean="0"/>
+              <a:t>快，投入少</a:t>
+            </a:r>
+            <a:r>
+              <a:rPr lang="zh-CN" altLang="en-US" dirty="0" smtClean="0"/>
+              <a:t>，灵活性高的一种</a:t>
+            </a:r>
+            <a:r>
+              <a:rPr lang="zh-CN" altLang="en-US" sz="1200" b="0" i="0" kern="1200" dirty="0" smtClean="0">
+                <a:solidFill>
+                  <a:schemeClr val="tx1"/>
+                </a:solidFill>
+                <a:effectLst/>
+                <a:latin typeface="+mn-lt"/>
+                <a:ea typeface="+mn-ea"/>
+                <a:cs typeface="+mn-cs"/>
+              </a:rPr>
+              <a:t>治疗手段，直白点讲就是。。。</a:t>
+            </a:r>
+            <a:endParaRPr lang="en-US" altLang="zh-CN" sz="1200" b="0" i="0" kern="1200" dirty="0" smtClean="0">
+              <a:solidFill>
+                <a:schemeClr val="tx1"/>
+              </a:solidFill>
+              <a:effectLst/>
+              <a:latin typeface="+mn-lt"/>
+              <a:ea typeface="+mn-ea"/>
+              <a:cs typeface="+mn-cs"/>
+            </a:endParaRPr>
+          </a:p>
+          <a:p>
+            <a:r>
+              <a:rPr lang="zh-CN" altLang="en-US" sz="1200" b="0" i="0" kern="1200" smtClean="0">
+                <a:solidFill>
+                  <a:schemeClr val="tx1"/>
+                </a:solidFill>
+                <a:effectLst/>
+                <a:latin typeface="+mn-lt"/>
+                <a:ea typeface="+mn-ea"/>
+                <a:cs typeface="+mn-cs"/>
+              </a:rPr>
+              <a:t>应用到优化中就是那出问题优化哪，优点刚才讲了，我们讲讲缺点，反应慢（属于亡羊补牢），治标不治本（因为通常问题是在系统完成后出现，我们为维持稳定性，不会大动）。</a:t>
             </a:r>
             <a:endParaRPr lang="zh-CN" altLang="en-US" dirty="0"/>
           </a:p>
@@ -1207,7 +1354,7 @@
             <a:fld id="{D22439AA-DE3E-4136-8738-0A92E0638C7F}" type="datetimeFigureOut">
               <a:rPr lang="zh-CN" altLang="en-US" smtClean="0"/>
               <a:pPr/>
-              <a:t>2016/6/21</a:t>
+              <a:t>2016/6/22</a:t>
             </a:fld>
             <a:endParaRPr lang="zh-CN" altLang="en-US"/>
           </a:p>
@@ -1395,7 +1542,7 @@
             <a:fld id="{D22439AA-DE3E-4136-8738-0A92E0638C7F}" type="datetimeFigureOut">
               <a:rPr lang="zh-CN" altLang="en-US" smtClean="0"/>
               <a:pPr/>
-              <a:t>2016/6/21</a:t>
+              <a:t>2016/6/22</a:t>
             </a:fld>
             <a:endParaRPr lang="zh-CN" altLang="en-US"/>
           </a:p>
@@ -1583,7 +1730,7 @@
             <a:fld id="{D22439AA-DE3E-4136-8738-0A92E0638C7F}" type="datetimeFigureOut">
               <a:rPr lang="zh-CN" altLang="en-US" smtClean="0"/>
               <a:pPr/>
-              <a:t>2016/6/21</a:t>
+              <a:t>2016/6/22</a:t>
             </a:fld>
             <a:endParaRPr lang="zh-CN" altLang="en-US"/>
           </a:p>
@@ -1796,7 +1943,7 @@
             <a:fld id="{D22439AA-DE3E-4136-8738-0A92E0638C7F}" type="datetimeFigureOut">
               <a:rPr lang="zh-CN" altLang="en-US" smtClean="0"/>
               <a:pPr/>
-              <a:t>2016/6/21</a:t>
+              <a:t>2016/6/22</a:t>
             </a:fld>
             <a:endParaRPr lang="zh-CN" altLang="en-US"/>
           </a:p>
@@ -2050,7 +2197,7 @@
             <a:fld id="{D22439AA-DE3E-4136-8738-0A92E0638C7F}" type="datetimeFigureOut">
               <a:rPr lang="zh-CN" altLang="en-US" smtClean="0"/>
               <a:pPr/>
-              <a:t>2016/6/21</a:t>
+              <a:t>2016/6/22</a:t>
             </a:fld>
             <a:endParaRPr lang="zh-CN" altLang="en-US"/>
           </a:p>
@@ -2354,7 +2501,7 @@
             <a:fld id="{D22439AA-DE3E-4136-8738-0A92E0638C7F}" type="datetimeFigureOut">
               <a:rPr lang="zh-CN" altLang="en-US" smtClean="0"/>
               <a:pPr/>
-              <a:t>2016/6/21</a:t>
+              <a:t>2016/6/22</a:t>
             </a:fld>
             <a:endParaRPr lang="zh-CN" altLang="en-US"/>
           </a:p>
@@ -2798,7 +2945,7 @@
             <a:fld id="{D22439AA-DE3E-4136-8738-0A92E0638C7F}" type="datetimeFigureOut">
               <a:rPr lang="zh-CN" altLang="en-US" smtClean="0"/>
               <a:pPr/>
-              <a:t>2016/6/21</a:t>
+              <a:t>2016/6/22</a:t>
             </a:fld>
             <a:endParaRPr lang="zh-CN" altLang="en-US"/>
           </a:p>
@@ -2926,7 +3073,7 @@
             <a:fld id="{D22439AA-DE3E-4136-8738-0A92E0638C7F}" type="datetimeFigureOut">
               <a:rPr lang="zh-CN" altLang="en-US" smtClean="0"/>
               <a:pPr/>
-              <a:t>2016/6/21</a:t>
+              <a:t>2016/6/22</a:t>
             </a:fld>
             <a:endParaRPr lang="zh-CN" altLang="en-US"/>
           </a:p>
@@ -3023,7 +3170,7 @@
             <a:fld id="{D22439AA-DE3E-4136-8738-0A92E0638C7F}" type="datetimeFigureOut">
               <a:rPr lang="zh-CN" altLang="en-US" smtClean="0"/>
               <a:pPr/>
-              <a:t>2016/6/21</a:t>
+              <a:t>2016/6/22</a:t>
             </a:fld>
             <a:endParaRPr lang="zh-CN" altLang="en-US"/>
           </a:p>
@@ -3311,7 +3458,7 @@
             <a:fld id="{D22439AA-DE3E-4136-8738-0A92E0638C7F}" type="datetimeFigureOut">
               <a:rPr lang="zh-CN" altLang="en-US" smtClean="0"/>
               <a:pPr/>
-              <a:t>2016/6/21</a:t>
+              <a:t>2016/6/22</a:t>
             </a:fld>
             <a:endParaRPr lang="zh-CN" altLang="en-US"/>
           </a:p>
@@ -3575,7 +3722,7 @@
             <a:fld id="{D22439AA-DE3E-4136-8738-0A92E0638C7F}" type="datetimeFigureOut">
               <a:rPr lang="zh-CN" altLang="en-US" smtClean="0"/>
               <a:pPr/>
-              <a:t>2016/6/21</a:t>
+              <a:t>2016/6/22</a:t>
             </a:fld>
             <a:endParaRPr lang="zh-CN" altLang="en-US"/>
           </a:p>
@@ -3695,7 +3842,7 @@
             <a:fld id="{D22439AA-DE3E-4136-8738-0A92E0638C7F}" type="datetimeFigureOut">
               <a:rPr lang="zh-CN" altLang="en-US" smtClean="0"/>
               <a:pPr/>
-              <a:t>2016/6/21</a:t>
+              <a:t>2016/6/22</a:t>
             </a:fld>
             <a:endParaRPr lang="zh-CN" altLang="en-US"/>
           </a:p>
@@ -5768,7 +5915,7 @@
         </p:blipFill>
         <p:spPr>
           <a:xfrm>
-            <a:off x="2267744" y="1844824"/>
+            <a:off x="2276153" y="1865713"/>
             <a:ext cx="3640267" cy="3640267"/>
           </a:xfrm>
           <a:prstGeom prst="rect">
@@ -5776,10 +5923,283 @@
           </a:prstGeom>
         </p:spPr>
       </p:pic>
+      <p:sp>
+        <p:nvSpPr>
+          <p:cNvPr id="3" name="云形标注 2"/>
+          <p:cNvSpPr/>
+          <p:nvPr/>
+        </p:nvSpPr>
+        <p:spPr>
+          <a:xfrm rot="19744462">
+            <a:off x="254526" y="3356992"/>
+            <a:ext cx="1800200" cy="1080120"/>
+          </a:xfrm>
+          <a:prstGeom prst="cloudCallout">
+            <a:avLst>
+              <a:gd name="adj1" fmla="val 69483"/>
+              <a:gd name="adj2" fmla="val 62489"/>
+            </a:avLst>
+          </a:prstGeom>
+        </p:spPr>
+        <p:style>
+          <a:lnRef idx="1">
+            <a:schemeClr val="accent3"/>
+          </a:lnRef>
+          <a:fillRef idx="2">
+            <a:schemeClr val="accent3"/>
+          </a:fillRef>
+          <a:effectRef idx="1">
+            <a:schemeClr val="accent3"/>
+          </a:effectRef>
+          <a:fontRef idx="minor">
+            <a:schemeClr val="dk1"/>
+          </a:fontRef>
+        </p:style>
+        <p:txBody>
+          <a:bodyPr rtlCol="0" anchor="ctr"/>
+          <a:lstStyle/>
+          <a:p>
+            <a:pPr algn="ctr"/>
+            <a:r>
+              <a:rPr lang="zh-CN" altLang="en-US" b="1" dirty="0" smtClean="0"/>
+              <a:t>用户体验</a:t>
+            </a:r>
+            <a:endParaRPr lang="zh-CN" altLang="en-US" b="1" dirty="0"/>
+          </a:p>
+        </p:txBody>
+      </p:sp>
+      <p:sp>
+        <p:nvSpPr>
+          <p:cNvPr id="15" name="云形标注 14"/>
+          <p:cNvSpPr/>
+          <p:nvPr/>
+        </p:nvSpPr>
+        <p:spPr>
+          <a:xfrm>
+            <a:off x="917575" y="1700808"/>
+            <a:ext cx="1800200" cy="1080120"/>
+          </a:xfrm>
+          <a:prstGeom prst="cloudCallout">
+            <a:avLst>
+              <a:gd name="adj1" fmla="val 48353"/>
+              <a:gd name="adj2" fmla="val 84394"/>
+            </a:avLst>
+          </a:prstGeom>
+        </p:spPr>
+        <p:style>
+          <a:lnRef idx="1">
+            <a:schemeClr val="accent4"/>
+          </a:lnRef>
+          <a:fillRef idx="2">
+            <a:schemeClr val="accent4"/>
+          </a:fillRef>
+          <a:effectRef idx="1">
+            <a:schemeClr val="accent4"/>
+          </a:effectRef>
+          <a:fontRef idx="minor">
+            <a:schemeClr val="dk1"/>
+          </a:fontRef>
+        </p:style>
+        <p:txBody>
+          <a:bodyPr rtlCol="0" anchor="ctr"/>
+          <a:lstStyle/>
+          <a:p>
+            <a:pPr algn="ctr"/>
+            <a:r>
+              <a:rPr lang="zh-CN" altLang="en-US" b="1" dirty="0" smtClean="0"/>
+              <a:t>性能瓶颈</a:t>
+            </a:r>
+            <a:endParaRPr lang="zh-CN" altLang="en-US" b="1" dirty="0"/>
+          </a:p>
+        </p:txBody>
+      </p:sp>
+      <p:sp>
+        <p:nvSpPr>
+          <p:cNvPr id="16" name="云形标注 15"/>
+          <p:cNvSpPr/>
+          <p:nvPr/>
+        </p:nvSpPr>
+        <p:spPr>
+          <a:xfrm rot="1437605">
+            <a:off x="5658731" y="1291770"/>
+            <a:ext cx="2051321" cy="1080120"/>
+          </a:xfrm>
+          <a:prstGeom prst="cloudCallout">
+            <a:avLst>
+              <a:gd name="adj1" fmla="val -28308"/>
+              <a:gd name="adj2" fmla="val 93847"/>
+            </a:avLst>
+          </a:prstGeom>
+        </p:spPr>
+        <p:style>
+          <a:lnRef idx="1">
+            <a:schemeClr val="accent5"/>
+          </a:lnRef>
+          <a:fillRef idx="2">
+            <a:schemeClr val="accent5"/>
+          </a:fillRef>
+          <a:effectRef idx="1">
+            <a:schemeClr val="accent5"/>
+          </a:effectRef>
+          <a:fontRef idx="minor">
+            <a:schemeClr val="dk1"/>
+          </a:fontRef>
+        </p:style>
+        <p:txBody>
+          <a:bodyPr rtlCol="0" anchor="ctr"/>
+          <a:lstStyle/>
+          <a:p>
+            <a:pPr algn="ctr"/>
+            <a:r>
+              <a:rPr lang="zh-CN" altLang="en-US" b="1" dirty="0" smtClean="0"/>
+              <a:t>兼容性</a:t>
+            </a:r>
+            <a:endParaRPr lang="zh-CN" altLang="en-US" b="1" dirty="0"/>
+          </a:p>
+        </p:txBody>
+      </p:sp>
+      <p:sp>
+        <p:nvSpPr>
+          <p:cNvPr id="17" name="云形标注 16"/>
+          <p:cNvSpPr/>
+          <p:nvPr/>
+        </p:nvSpPr>
+        <p:spPr>
+          <a:xfrm rot="428542">
+            <a:off x="6360356" y="3032668"/>
+            <a:ext cx="1800200" cy="1080120"/>
+          </a:xfrm>
+          <a:prstGeom prst="cloudCallout">
+            <a:avLst>
+              <a:gd name="adj1" fmla="val -105708"/>
+              <a:gd name="adj2" fmla="val -8902"/>
+            </a:avLst>
+          </a:prstGeom>
+        </p:spPr>
+        <p:style>
+          <a:lnRef idx="1">
+            <a:schemeClr val="dk1"/>
+          </a:lnRef>
+          <a:fillRef idx="2">
+            <a:schemeClr val="dk1"/>
+          </a:fillRef>
+          <a:effectRef idx="1">
+            <a:schemeClr val="dk1"/>
+          </a:effectRef>
+          <a:fontRef idx="minor">
+            <a:schemeClr val="dk1"/>
+          </a:fontRef>
+        </p:style>
+        <p:txBody>
+          <a:bodyPr rtlCol="0" anchor="ctr"/>
+          <a:lstStyle/>
+          <a:p>
+            <a:pPr algn="ctr"/>
+            <a:r>
+              <a:rPr lang="zh-CN" altLang="en-US" b="1" dirty="0" smtClean="0"/>
+              <a:t>扩展性</a:t>
+            </a:r>
+            <a:endParaRPr lang="zh-CN" altLang="en-US" b="1" dirty="0"/>
+          </a:p>
+        </p:txBody>
+      </p:sp>
+      <p:sp>
+        <p:nvSpPr>
+          <p:cNvPr id="19" name="云形标注 18"/>
+          <p:cNvSpPr/>
+          <p:nvPr/>
+        </p:nvSpPr>
+        <p:spPr>
+          <a:xfrm rot="1795691">
+            <a:off x="5873545" y="4420095"/>
+            <a:ext cx="1800200" cy="1080120"/>
+          </a:xfrm>
+          <a:prstGeom prst="cloudCallout">
+            <a:avLst>
+              <a:gd name="adj1" fmla="val -112154"/>
+              <a:gd name="adj2" fmla="val -18745"/>
+            </a:avLst>
+          </a:prstGeom>
+        </p:spPr>
+        <p:style>
+          <a:lnRef idx="1">
+            <a:schemeClr val="accent2"/>
+          </a:lnRef>
+          <a:fillRef idx="2">
+            <a:schemeClr val="accent2"/>
+          </a:fillRef>
+          <a:effectRef idx="1">
+            <a:schemeClr val="accent2"/>
+          </a:effectRef>
+          <a:fontRef idx="minor">
+            <a:schemeClr val="dk1"/>
+          </a:fontRef>
+        </p:style>
+        <p:txBody>
+          <a:bodyPr rtlCol="0" anchor="ctr"/>
+          <a:lstStyle/>
+          <a:p>
+            <a:pPr algn="ctr"/>
+            <a:r>
+              <a:rPr lang="zh-CN" altLang="en-US" b="1" dirty="0" smtClean="0"/>
+              <a:t>。。。</a:t>
+            </a:r>
+            <a:endParaRPr lang="zh-CN" altLang="en-US" b="1" dirty="0"/>
+          </a:p>
+        </p:txBody>
+      </p:sp>
+      <p:sp>
+        <p:nvSpPr>
+          <p:cNvPr id="7" name="矩形 6"/>
+          <p:cNvSpPr/>
+          <p:nvPr/>
+        </p:nvSpPr>
+        <p:spPr>
+          <a:xfrm>
+            <a:off x="-7938" y="5904656"/>
+            <a:ext cx="9151938" cy="980728"/>
+          </a:xfrm>
+          <a:prstGeom prst="rect">
+            <a:avLst/>
+          </a:prstGeom>
+        </p:spPr>
+        <p:style>
+          <a:lnRef idx="1">
+            <a:schemeClr val="accent1"/>
+          </a:lnRef>
+          <a:fillRef idx="3">
+            <a:schemeClr val="accent1"/>
+          </a:fillRef>
+          <a:effectRef idx="2">
+            <a:schemeClr val="accent1"/>
+          </a:effectRef>
+          <a:fontRef idx="minor">
+            <a:schemeClr val="lt1"/>
+          </a:fontRef>
+        </p:style>
+        <p:txBody>
+          <a:bodyPr rtlCol="0" anchor="ctr"/>
+          <a:lstStyle/>
+          <a:p>
+            <a:pPr algn="ctr"/>
+            <a:r>
+              <a:rPr lang="zh-CN" altLang="en-US" sz="3600" dirty="0" smtClean="0">
+                <a:latin typeface="Adobe 仿宋 Std R" pitchFamily="18" charset="-122"/>
+                <a:ea typeface="Adobe 仿宋 Std R" pitchFamily="18" charset="-122"/>
+              </a:rPr>
+              <a:t>最终目标：增加效益，降低成本</a:t>
+            </a:r>
+            <a:endParaRPr lang="zh-CN" altLang="en-US" sz="3600" dirty="0">
+              <a:latin typeface="Adobe 仿宋 Std R" pitchFamily="18" charset="-122"/>
+              <a:ea typeface="Adobe 仿宋 Std R" pitchFamily="18" charset="-122"/>
+            </a:endParaRPr>
+          </a:p>
+        </p:txBody>
+      </p:sp>
     </p:spTree>
     <p:extLst>
       <p:ext uri="{BB962C8B-B14F-4D97-AF65-F5344CB8AC3E}">
-        <p14:creationId xmlns:p14="http://schemas.microsoft.com/office/powerpoint/2010/main" val="3671750136"/>
+        <p14:creationId xmlns:p14="http://schemas.microsoft.com/office/powerpoint/2010/main" val="2229085542"/>
       </p:ext>
     </p:extLst>
   </p:cSld>
@@ -5788,7 +6208,7 @@
   </p:clrMapOvr>
   <mc:AlternateContent xmlns:mc="http://schemas.openxmlformats.org/markup-compatibility/2006" xmlns:p14="http://schemas.microsoft.com/office/powerpoint/2010/main">
     <mc:Choice Requires="p14">
-      <p:transition p14:dur="0"/>
+      <p:transition p14:dur="10"/>
     </mc:Choice>
     <mc:Fallback xmlns="">
       <p:transition/>
@@ -5797,9 +6217,396 @@
   <p:timing>
     <p:tnLst>
       <p:par>
-        <p:cTn id="1" dur="indefinite" restart="never" nodeType="tmRoot"/>
+        <p:cTn id="1" dur="indefinite" restart="never" nodeType="tmRoot">
+          <p:childTnLst>
+            <p:seq concurrent="1" nextAc="seek">
+              <p:cTn id="2" dur="indefinite" nodeType="mainSeq">
+                <p:childTnLst>
+                  <p:par>
+                    <p:cTn id="3" fill="hold">
+                      <p:stCondLst>
+                        <p:cond delay="indefinite"/>
+                      </p:stCondLst>
+                      <p:childTnLst>
+                        <p:par>
+                          <p:cTn id="4" fill="hold">
+                            <p:stCondLst>
+                              <p:cond delay="0"/>
+                            </p:stCondLst>
+                            <p:childTnLst>
+                              <p:par>
+                                <p:cTn id="5" presetID="10" presetClass="entr" presetSubtype="0" fill="hold" grpId="0" nodeType="clickEffect">
+                                  <p:stCondLst>
+                                    <p:cond delay="0"/>
+                                  </p:stCondLst>
+                                  <p:childTnLst>
+                                    <p:set>
+                                      <p:cBhvr>
+                                        <p:cTn id="6" dur="1" fill="hold">
+                                          <p:stCondLst>
+                                            <p:cond delay="0"/>
+                                          </p:stCondLst>
+                                        </p:cTn>
+                                        <p:tgtEl>
+                                          <p:spTgt spid="3"/>
+                                        </p:tgtEl>
+                                        <p:attrNameLst>
+                                          <p:attrName>style.visibility</p:attrName>
+                                        </p:attrNameLst>
+                                      </p:cBhvr>
+                                      <p:to>
+                                        <p:strVal val="visible"/>
+                                      </p:to>
+                                    </p:set>
+                                    <p:animEffect transition="in" filter="fade">
+                                      <p:cBhvr>
+                                        <p:cTn id="7" dur="1000"/>
+                                        <p:tgtEl>
+                                          <p:spTgt spid="3"/>
+                                        </p:tgtEl>
+                                      </p:cBhvr>
+                                    </p:animEffect>
+                                  </p:childTnLst>
+                                </p:cTn>
+                              </p:par>
+                            </p:childTnLst>
+                          </p:cTn>
+                        </p:par>
+                      </p:childTnLst>
+                    </p:cTn>
+                  </p:par>
+                  <p:par>
+                    <p:cTn id="8" fill="hold">
+                      <p:stCondLst>
+                        <p:cond delay="indefinite"/>
+                      </p:stCondLst>
+                      <p:childTnLst>
+                        <p:par>
+                          <p:cTn id="9" fill="hold">
+                            <p:stCondLst>
+                              <p:cond delay="0"/>
+                            </p:stCondLst>
+                            <p:childTnLst>
+                              <p:par>
+                                <p:cTn id="10" presetID="10" presetClass="entr" presetSubtype="0" fill="hold" grpId="0" nodeType="clickEffect">
+                                  <p:stCondLst>
+                                    <p:cond delay="0"/>
+                                  </p:stCondLst>
+                                  <p:childTnLst>
+                                    <p:set>
+                                      <p:cBhvr>
+                                        <p:cTn id="11" dur="1" fill="hold">
+                                          <p:stCondLst>
+                                            <p:cond delay="0"/>
+                                          </p:stCondLst>
+                                        </p:cTn>
+                                        <p:tgtEl>
+                                          <p:spTgt spid="16"/>
+                                        </p:tgtEl>
+                                        <p:attrNameLst>
+                                          <p:attrName>style.visibility</p:attrName>
+                                        </p:attrNameLst>
+                                      </p:cBhvr>
+                                      <p:to>
+                                        <p:strVal val="visible"/>
+                                      </p:to>
+                                    </p:set>
+                                    <p:animEffect transition="in" filter="fade">
+                                      <p:cBhvr>
+                                        <p:cTn id="12" dur="500"/>
+                                        <p:tgtEl>
+                                          <p:spTgt spid="16"/>
+                                        </p:tgtEl>
+                                      </p:cBhvr>
+                                    </p:animEffect>
+                                  </p:childTnLst>
+                                </p:cTn>
+                              </p:par>
+                            </p:childTnLst>
+                          </p:cTn>
+                        </p:par>
+                      </p:childTnLst>
+                    </p:cTn>
+                  </p:par>
+                  <p:par>
+                    <p:cTn id="13" fill="hold">
+                      <p:stCondLst>
+                        <p:cond delay="indefinite"/>
+                      </p:stCondLst>
+                      <p:childTnLst>
+                        <p:par>
+                          <p:cTn id="14" fill="hold">
+                            <p:stCondLst>
+                              <p:cond delay="0"/>
+                            </p:stCondLst>
+                            <p:childTnLst>
+                              <p:par>
+                                <p:cTn id="15" presetID="10" presetClass="entr" presetSubtype="0" fill="hold" grpId="0" nodeType="clickEffect">
+                                  <p:stCondLst>
+                                    <p:cond delay="0"/>
+                                  </p:stCondLst>
+                                  <p:childTnLst>
+                                    <p:set>
+                                      <p:cBhvr>
+                                        <p:cTn id="16" dur="1" fill="hold">
+                                          <p:stCondLst>
+                                            <p:cond delay="0"/>
+                                          </p:stCondLst>
+                                        </p:cTn>
+                                        <p:tgtEl>
+                                          <p:spTgt spid="15"/>
+                                        </p:tgtEl>
+                                        <p:attrNameLst>
+                                          <p:attrName>style.visibility</p:attrName>
+                                        </p:attrNameLst>
+                                      </p:cBhvr>
+                                      <p:to>
+                                        <p:strVal val="visible"/>
+                                      </p:to>
+                                    </p:set>
+                                    <p:animEffect transition="in" filter="fade">
+                                      <p:cBhvr>
+                                        <p:cTn id="17" dur="500"/>
+                                        <p:tgtEl>
+                                          <p:spTgt spid="15"/>
+                                        </p:tgtEl>
+                                      </p:cBhvr>
+                                    </p:animEffect>
+                                  </p:childTnLst>
+                                </p:cTn>
+                              </p:par>
+                            </p:childTnLst>
+                          </p:cTn>
+                        </p:par>
+                      </p:childTnLst>
+                    </p:cTn>
+                  </p:par>
+                  <p:par>
+                    <p:cTn id="18" fill="hold">
+                      <p:stCondLst>
+                        <p:cond delay="indefinite"/>
+                      </p:stCondLst>
+                      <p:childTnLst>
+                        <p:par>
+                          <p:cTn id="19" fill="hold">
+                            <p:stCondLst>
+                              <p:cond delay="0"/>
+                            </p:stCondLst>
+                            <p:childTnLst>
+                              <p:par>
+                                <p:cTn id="20" presetID="10" presetClass="entr" presetSubtype="0" fill="hold" grpId="0" nodeType="clickEffect">
+                                  <p:stCondLst>
+                                    <p:cond delay="0"/>
+                                  </p:stCondLst>
+                                  <p:childTnLst>
+                                    <p:set>
+                                      <p:cBhvr>
+                                        <p:cTn id="21" dur="1" fill="hold">
+                                          <p:stCondLst>
+                                            <p:cond delay="0"/>
+                                          </p:stCondLst>
+                                        </p:cTn>
+                                        <p:tgtEl>
+                                          <p:spTgt spid="17"/>
+                                        </p:tgtEl>
+                                        <p:attrNameLst>
+                                          <p:attrName>style.visibility</p:attrName>
+                                        </p:attrNameLst>
+                                      </p:cBhvr>
+                                      <p:to>
+                                        <p:strVal val="visible"/>
+                                      </p:to>
+                                    </p:set>
+                                    <p:animEffect transition="in" filter="fade">
+                                      <p:cBhvr>
+                                        <p:cTn id="22" dur="500"/>
+                                        <p:tgtEl>
+                                          <p:spTgt spid="17"/>
+                                        </p:tgtEl>
+                                      </p:cBhvr>
+                                    </p:animEffect>
+                                  </p:childTnLst>
+                                </p:cTn>
+                              </p:par>
+                            </p:childTnLst>
+                          </p:cTn>
+                        </p:par>
+                      </p:childTnLst>
+                    </p:cTn>
+                  </p:par>
+                  <p:par>
+                    <p:cTn id="23" fill="hold">
+                      <p:stCondLst>
+                        <p:cond delay="indefinite"/>
+                      </p:stCondLst>
+                      <p:childTnLst>
+                        <p:par>
+                          <p:cTn id="24" fill="hold">
+                            <p:stCondLst>
+                              <p:cond delay="0"/>
+                            </p:stCondLst>
+                            <p:childTnLst>
+                              <p:par>
+                                <p:cTn id="25" presetID="10" presetClass="entr" presetSubtype="0" fill="hold" grpId="0" nodeType="clickEffect">
+                                  <p:stCondLst>
+                                    <p:cond delay="0"/>
+                                  </p:stCondLst>
+                                  <p:childTnLst>
+                                    <p:set>
+                                      <p:cBhvr>
+                                        <p:cTn id="26" dur="1" fill="hold">
+                                          <p:stCondLst>
+                                            <p:cond delay="0"/>
+                                          </p:stCondLst>
+                                        </p:cTn>
+                                        <p:tgtEl>
+                                          <p:spTgt spid="19"/>
+                                        </p:tgtEl>
+                                        <p:attrNameLst>
+                                          <p:attrName>style.visibility</p:attrName>
+                                        </p:attrNameLst>
+                                      </p:cBhvr>
+                                      <p:to>
+                                        <p:strVal val="visible"/>
+                                      </p:to>
+                                    </p:set>
+                                    <p:animEffect transition="in" filter="fade">
+                                      <p:cBhvr>
+                                        <p:cTn id="27" dur="500"/>
+                                        <p:tgtEl>
+                                          <p:spTgt spid="19"/>
+                                        </p:tgtEl>
+                                      </p:cBhvr>
+                                    </p:animEffect>
+                                  </p:childTnLst>
+                                </p:cTn>
+                              </p:par>
+                            </p:childTnLst>
+                          </p:cTn>
+                        </p:par>
+                      </p:childTnLst>
+                    </p:cTn>
+                  </p:par>
+                  <p:par>
+                    <p:cTn id="28" fill="hold">
+                      <p:stCondLst>
+                        <p:cond delay="indefinite"/>
+                      </p:stCondLst>
+                      <p:childTnLst>
+                        <p:par>
+                          <p:cTn id="29" fill="hold">
+                            <p:stCondLst>
+                              <p:cond delay="0"/>
+                            </p:stCondLst>
+                            <p:childTnLst>
+                              <p:par>
+                                <p:cTn id="30" presetID="2" presetClass="entr" presetSubtype="4" fill="hold" grpId="0" nodeType="clickEffect">
+                                  <p:stCondLst>
+                                    <p:cond delay="0"/>
+                                  </p:stCondLst>
+                                  <p:childTnLst>
+                                    <p:set>
+                                      <p:cBhvr>
+                                        <p:cTn id="31" dur="1" fill="hold">
+                                          <p:stCondLst>
+                                            <p:cond delay="0"/>
+                                          </p:stCondLst>
+                                        </p:cTn>
+                                        <p:tgtEl>
+                                          <p:spTgt spid="7"/>
+                                        </p:tgtEl>
+                                        <p:attrNameLst>
+                                          <p:attrName>style.visibility</p:attrName>
+                                        </p:attrNameLst>
+                                      </p:cBhvr>
+                                      <p:to>
+                                        <p:strVal val="visible"/>
+                                      </p:to>
+                                    </p:set>
+                                    <p:anim calcmode="lin" valueType="num">
+                                      <p:cBhvr additive="base">
+                                        <p:cTn id="32" dur="750" fill="hold"/>
+                                        <p:tgtEl>
+                                          <p:spTgt spid="7"/>
+                                        </p:tgtEl>
+                                        <p:attrNameLst>
+                                          <p:attrName>ppt_x</p:attrName>
+                                        </p:attrNameLst>
+                                      </p:cBhvr>
+                                      <p:tavLst>
+                                        <p:tav tm="0">
+                                          <p:val>
+                                            <p:strVal val="#ppt_x"/>
+                                          </p:val>
+                                        </p:tav>
+                                        <p:tav tm="100000">
+                                          <p:val>
+                                            <p:strVal val="#ppt_x"/>
+                                          </p:val>
+                                        </p:tav>
+                                      </p:tavLst>
+                                    </p:anim>
+                                    <p:anim calcmode="lin" valueType="num">
+                                      <p:cBhvr additive="base">
+                                        <p:cTn id="33" dur="750" fill="hold"/>
+                                        <p:tgtEl>
+                                          <p:spTgt spid="7"/>
+                                        </p:tgtEl>
+                                        <p:attrNameLst>
+                                          <p:attrName>ppt_y</p:attrName>
+                                        </p:attrNameLst>
+                                      </p:cBhvr>
+                                      <p:tavLst>
+                                        <p:tav tm="0">
+                                          <p:val>
+                                            <p:strVal val="1+#ppt_h/2"/>
+                                          </p:val>
+                                        </p:tav>
+                                        <p:tav tm="100000">
+                                          <p:val>
+                                            <p:strVal val="#ppt_y"/>
+                                          </p:val>
+                                        </p:tav>
+                                      </p:tavLst>
+                                    </p:anim>
+                                  </p:childTnLst>
+                                </p:cTn>
+                              </p:par>
+                            </p:childTnLst>
+                          </p:cTn>
+                        </p:par>
+                      </p:childTnLst>
+                    </p:cTn>
+                  </p:par>
+                </p:childTnLst>
+              </p:cTn>
+              <p:prevCondLst>
+                <p:cond evt="onPrev" delay="0">
+                  <p:tgtEl>
+                    <p:sldTgt/>
+                  </p:tgtEl>
+                </p:cond>
+              </p:prevCondLst>
+              <p:nextCondLst>
+                <p:cond evt="onNext" delay="0">
+                  <p:tgtEl>
+                    <p:sldTgt/>
+                  </p:tgtEl>
+                </p:cond>
+              </p:nextCondLst>
+            </p:seq>
+          </p:childTnLst>
+        </p:cTn>
       </p:par>
     </p:tnLst>
+    <p:bldLst>
+      <p:bldP spid="3" grpId="0" animBg="1"/>
+      <p:bldP spid="15" grpId="0" animBg="1"/>
+      <p:bldP spid="16" grpId="0" animBg="1"/>
+      <p:bldP spid="17" grpId="0" animBg="1"/>
+      <p:bldP spid="19" grpId="0" animBg="1"/>
+      <p:bldP spid="7" grpId="0" animBg="1"/>
+    </p:bldLst>
   </p:timing>
 </p:sld>
 </file>
@@ -6328,12 +7135,6 @@
               </a:rPr>
               <a:t>什么</a:t>
             </a:r>
-            <a:endParaRPr lang="zh-CN" altLang="en-US" sz="3200" b="1" dirty="0">
-              <a:solidFill>
-                <a:schemeClr val="bg1"/>
-              </a:solidFill>
-              <a:latin typeface="微软雅黑" pitchFamily="34" charset="-122"/>
-            </a:endParaRPr>
           </a:p>
         </p:txBody>
       </p:sp>
@@ -6477,6 +7278,63 @@
           </p:style>
         </p:cxnSp>
       </p:grpSp>
+      <p:sp>
+        <p:nvSpPr>
+          <p:cNvPr id="17" name="TextBox 16"/>
+          <p:cNvSpPr txBox="1"/>
+          <p:nvPr/>
+        </p:nvSpPr>
+        <p:spPr>
+          <a:xfrm>
+            <a:off x="307974" y="2780928"/>
+            <a:ext cx="5488162" cy="1061829"/>
+          </a:xfrm>
+          <a:prstGeom prst="rect">
+            <a:avLst/>
+          </a:prstGeom>
+          <a:noFill/>
+        </p:spPr>
+        <p:txBody>
+          <a:bodyPr wrap="square" rtlCol="0">
+            <a:spAutoFit/>
+          </a:bodyPr>
+          <a:lstStyle/>
+          <a:p>
+            <a:pPr>
+              <a:lnSpc>
+                <a:spcPct val="150000"/>
+              </a:lnSpc>
+            </a:pPr>
+            <a:r>
+              <a:rPr lang="zh-CN" altLang="en-US" b="1" dirty="0"/>
+              <a:t>推荐</a:t>
+            </a:r>
+            <a:r>
+              <a:rPr lang="zh-CN" altLang="en-US" b="1" dirty="0" smtClean="0"/>
+              <a:t>做法</a:t>
+            </a:r>
+            <a:r>
+              <a:rPr lang="zh-CN" altLang="en-US" b="1" dirty="0" smtClean="0"/>
+              <a:t>：</a:t>
+            </a:r>
+            <a:endParaRPr lang="en-US" altLang="zh-CN" b="1" dirty="0" smtClean="0"/>
+          </a:p>
+          <a:p>
+            <a:r>
+              <a:rPr lang="zh-CN" altLang="en-US" b="1" dirty="0" smtClean="0"/>
+              <a:t>         </a:t>
+            </a:r>
+            <a:r>
+              <a:rPr lang="zh-CN" altLang="en-US" dirty="0" smtClean="0"/>
+              <a:t>找好目标，做好定位，以防为主，防治结合</a:t>
+            </a:r>
+            <a:endParaRPr lang="zh-CN" altLang="en-US" dirty="0"/>
+          </a:p>
+          <a:p>
+            <a:endParaRPr lang="zh-CN" altLang="en-US" dirty="0"/>
+          </a:p>
+        </p:txBody>
+      </p:sp>
     </p:spTree>
     <p:extLst>
       <p:ext uri="{BB962C8B-B14F-4D97-AF65-F5344CB8AC3E}">
@@ -6487,11 +7345,11 @@
   <p:clrMapOvr>
     <a:masterClrMapping/>
   </p:clrMapOvr>
-  <mc:AlternateContent xmlns:mc="http://schemas.openxmlformats.org/markup-compatibility/2006">
-    <mc:Choice xmlns:p14="http://schemas.microsoft.com/office/powerpoint/2010/main" Requires="p14">
+  <mc:AlternateContent xmlns:mc="http://schemas.openxmlformats.org/markup-compatibility/2006" xmlns:p14="http://schemas.microsoft.com/office/powerpoint/2010/main">
+    <mc:Choice Requires="p14">
       <p:transition p14:dur="0"/>
     </mc:Choice>
-    <mc:Fallback>
+    <mc:Fallback xmlns="">
       <p:transition/>
     </mc:Fallback>
   </mc:AlternateContent>
@@ -6575,6 +7433,109 @@
                                         <p:cTn id="8" dur="500" fill="hold"/>
                                         <p:tgtEl>
                                           <p:spTgt spid="4">
+                                            <p:txEl>
+                                              <p:pRg st="1" end="1"/>
+                                            </p:txEl>
+                                          </p:spTgt>
+                                        </p:tgtEl>
+                                        <p:attrNameLst>
+                                          <p:attrName>ppt_y</p:attrName>
+                                        </p:attrNameLst>
+                                      </p:cBhvr>
+                                      <p:tavLst>
+                                        <p:tav tm="0">
+                                          <p:val>
+                                            <p:strVal val="1+#ppt_h/2"/>
+                                          </p:val>
+                                        </p:tav>
+                                        <p:tav tm="100000">
+                                          <p:val>
+                                            <p:strVal val="#ppt_y"/>
+                                          </p:val>
+                                        </p:tav>
+                                      </p:tavLst>
+                                    </p:anim>
+                                  </p:childTnLst>
+                                </p:cTn>
+                              </p:par>
+                            </p:childTnLst>
+                          </p:cTn>
+                        </p:par>
+                      </p:childTnLst>
+                    </p:cTn>
+                  </p:par>
+                  <p:par>
+                    <p:cTn id="9" fill="hold">
+                      <p:stCondLst>
+                        <p:cond delay="indefinite"/>
+                      </p:stCondLst>
+                      <p:childTnLst>
+                        <p:par>
+                          <p:cTn id="10" fill="hold">
+                            <p:stCondLst>
+                              <p:cond delay="0"/>
+                            </p:stCondLst>
+                            <p:childTnLst>
+                              <p:par>
+                                <p:cTn id="11" presetID="2" presetClass="entr" presetSubtype="4" fill="hold" nodeType="clickEffect">
+                                  <p:stCondLst>
+                                    <p:cond delay="0"/>
+                                  </p:stCondLst>
+                                  <p:childTnLst>
+                                    <p:set>
+                                      <p:cBhvr>
+                                        <p:cTn id="12" dur="1" fill="hold">
+                                          <p:stCondLst>
+                                            <p:cond delay="0"/>
+                                          </p:stCondLst>
+                                        </p:cTn>
+                                        <p:tgtEl>
+                                          <p:spTgt spid="17">
+                                            <p:txEl>
+                                              <p:pRg st="1" end="1"/>
+                                            </p:txEl>
+                                          </p:spTgt>
+                                        </p:tgtEl>
+                                        <p:attrNameLst>
+                                          <p:attrName>style.visibility</p:attrName>
+                                        </p:attrNameLst>
+                                      </p:cBhvr>
+                                      <p:to>
+                                        <p:strVal val="visible"/>
+                                      </p:to>
+                                    </p:set>
+                                    <p:anim calcmode="lin" valueType="num">
+                                      <p:cBhvr additive="base">
+                                        <p:cTn id="13" dur="500" fill="hold"/>
+                                        <p:tgtEl>
+                                          <p:spTgt spid="17">
+                                            <p:txEl>
+                                              <p:pRg st="1" end="1"/>
+                                            </p:txEl>
+                                          </p:spTgt>
+                                        </p:tgtEl>
+                                        <p:attrNameLst>
+                                          <p:attrName>ppt_x</p:attrName>
+                                        </p:attrNameLst>
+                                      </p:cBhvr>
+                                      <p:tavLst>
+                                        <p:tav tm="0">
+                                          <p:val>
+                                            <p:strVal val="#ppt_x"/>
+                                          </p:val>
+                                        </p:tav>
+                                        <p:tav tm="100000">
+                                          <p:val>
+                                            <p:strVal val="#ppt_x"/>
+                                          </p:val>
+                                        </p:tav>
+                                      </p:tavLst>
+                                    </p:anim>
+                                    <p:anim calcmode="lin" valueType="num">
+                                      <p:cBhvr additive="base">
+                                        <p:cTn id="14" dur="500" fill="hold"/>
+                                        <p:tgtEl>
+                                          <p:spTgt spid="17">
                                             <p:txEl>
                                               <p:pRg st="1" end="1"/>
                                             </p:txEl>
@@ -7140,15 +8101,6 @@
               </a:rPr>
               <a:t>如何优化</a:t>
             </a:r>
-            <a:endParaRPr lang="zh-CN" altLang="en-US" sz="3200" b="1" dirty="0">
-              <a:solidFill>
-                <a:schemeClr val="tx2">
-                  <a:lumMod val="20000"/>
-                  <a:lumOff val="80000"/>
-                </a:schemeClr>
-              </a:solidFill>
-              <a:latin typeface="微软雅黑" panose="020B0503020204020204" pitchFamily="34" charset="-122"/>
-            </a:endParaRPr>
           </a:p>
         </p:txBody>
       </p:sp>

--- a/前端优化.pptx
+++ b/前端优化.pptx
@@ -198,7 +198,7 @@
             <a:fld id="{CE1D0BA2-A4A1-4B11-81FA-5EAFBA8CF391}" type="datetimeFigureOut">
               <a:rPr lang="zh-CN" altLang="en-US" smtClean="0"/>
               <a:pPr/>
-              <a:t>2016/6/22</a:t>
+              <a:t>2016/6/23</a:t>
             </a:fld>
             <a:endParaRPr lang="zh-CN" altLang="en-US"/>
           </a:p>
@@ -645,11 +645,7 @@
             </a:r>
             <a:r>
               <a:rPr lang="zh-CN" altLang="en-US" dirty="0" smtClean="0"/>
-              <a:t>前端的定义。但我也讲不</a:t>
-            </a:r>
-            <a:r>
-              <a:rPr lang="zh-CN" altLang="en-US" dirty="0" smtClean="0"/>
-              <a:t>清</a:t>
+              <a:t>前端的定义。但我也讲不清</a:t>
             </a:r>
             <a:r>
               <a:rPr lang="en-US" altLang="zh-CN" dirty="0" smtClean="0"/>
@@ -657,31 +653,7 @@
             </a:r>
             <a:r>
               <a:rPr lang="zh-CN" altLang="en-US" dirty="0" smtClean="0"/>
-              <a:t>前端到底是什么，因为不同公司对前端的定义可能都不一样，甚至不同产品，不同开发模式，不同技术架构对前端定义可能都会不同。但是对客户或非技术领导来说，都一样，就是做页面。所以今天</a:t>
-            </a:r>
-            <a:r>
-              <a:rPr lang="zh-CN" altLang="en-US" dirty="0" smtClean="0"/>
-              <a:t>我们也就将就一下</a:t>
-            </a:r>
-            <a:r>
-              <a:rPr lang="zh-CN" altLang="en-US" dirty="0" smtClean="0"/>
-              <a:t>，也就定义为做页面吧。那今天我分享前端优化，大家也可以理解为页面优化</a:t>
-            </a:r>
-            <a:r>
-              <a:rPr lang="zh-CN" altLang="en-US" dirty="0" smtClean="0"/>
-              <a:t>。我看今天来听我啰嗦的基本</a:t>
-            </a:r>
-            <a:r>
-              <a:rPr lang="zh-CN" altLang="en-US" dirty="0" smtClean="0"/>
-              <a:t>都是开发</a:t>
-            </a:r>
-            <a:r>
-              <a:rPr lang="zh-CN" altLang="en-US" dirty="0" smtClean="0"/>
-              <a:t>，相信你们最关心就是</a:t>
-            </a:r>
-            <a:r>
-              <a:rPr lang="zh-CN" altLang="en-US" dirty="0" smtClean="0"/>
-              <a:t>如何优化。但我认为，前两个问题，才是难点，就像改</a:t>
+              <a:t>前端到底是什么，因为不同公司对前端的定义可能都不一样，甚至不同产品，不同开发模式，不同技术架构对前端定义可能都会不同。但是对客户或非技术领导来说，都一样，就是做页面。所以今天我们也就将就一下，也就定义为做页面吧。那今天我分享前端优化，大家也可以理解为页面优化。我看今天来听我啰嗦的基本都是开发，相信你们最关心就是如何优化。但我认为，前两个问题，才是难点，就像改</a:t>
             </a:r>
             <a:r>
               <a:rPr lang="en-US" altLang="zh-CN" dirty="0" smtClean="0"/>
@@ -697,15 +669,7 @@
             </a:r>
             <a:r>
               <a:rPr lang="zh-CN" altLang="en-US" dirty="0" smtClean="0"/>
-              <a:t>那</a:t>
-            </a:r>
-            <a:r>
-              <a:rPr lang="zh-CN" altLang="en-US" dirty="0" smtClean="0"/>
-              <a:t>我们就先</a:t>
-            </a:r>
-            <a:r>
-              <a:rPr lang="zh-CN" altLang="en-US" dirty="0" smtClean="0"/>
-              <a:t>来看看为何优化。</a:t>
+              <a:t>那我们就先来看看为何优化。</a:t>
             </a:r>
             <a:endParaRPr lang="en-US" altLang="zh-CN" dirty="0" smtClean="0"/>
           </a:p>
@@ -810,14 +774,7 @@
                 <a:latin typeface="微软雅黑" panose="020B0503020204020204" pitchFamily="34" charset="-122"/>
                 <a:ea typeface="微软雅黑" panose="020B0503020204020204" pitchFamily="34" charset="-122"/>
               </a:rPr>
-              <a:t>最终目标是：</a:t>
-            </a:r>
-            <a:r>
-              <a:rPr lang="zh-CN" altLang="en-US" sz="1200" dirty="0" smtClean="0">
-                <a:latin typeface="微软雅黑" panose="020B0503020204020204" pitchFamily="34" charset="-122"/>
-                <a:ea typeface="微软雅黑" panose="020B0503020204020204" pitchFamily="34" charset="-122"/>
-              </a:rPr>
-              <a:t>增加效益，降低成本。</a:t>
+              <a:t>最终目标是：增加效益，降低成本。</a:t>
             </a:r>
             <a:endParaRPr lang="en-US" altLang="zh-CN" sz="1200" dirty="0" smtClean="0">
               <a:latin typeface="微软雅黑" panose="020B0503020204020204" pitchFamily="34" charset="-122"/>
@@ -834,39 +791,7 @@
           <a:p>
             <a:r>
               <a:rPr lang="zh-CN" altLang="en-US" dirty="0" smtClean="0"/>
-              <a:t>解决兼容性</a:t>
-            </a:r>
-            <a:r>
-              <a:rPr lang="zh-CN" altLang="en-US" dirty="0" smtClean="0"/>
-              <a:t>，可以理解为适配性，即开发一套来兼容不同平台，从而降低成本。其他各种理由最终也可以推导到这根本原因上来，我就不一一推了。这时大家可能会说，这还用你讲啊，整个公司的人做</a:t>
-            </a:r>
-            <a:r>
-              <a:rPr lang="zh-CN" altLang="en-US" dirty="0" smtClean="0"/>
-              <a:t>的所有的事不都是以此为最终目标吗</a:t>
-            </a:r>
-            <a:r>
-              <a:rPr lang="zh-CN" altLang="en-US" dirty="0" smtClean="0"/>
-              <a:t>。确实如此，但这也体现了它的重要性，而我们做具体事情过程中可能会不知不觉的忘了它。其他不讲，就拿优化来说，</a:t>
-            </a:r>
-            <a:r>
-              <a:rPr lang="zh-CN" altLang="en-US" dirty="0" smtClean="0"/>
-              <a:t>如果不以这个目标为准则，</a:t>
-            </a:r>
-            <a:r>
-              <a:rPr lang="zh-CN" altLang="en-US" dirty="0" smtClean="0"/>
-              <a:t>我们在确定优化什么的时候，往往很容易进入到一个过度优化的死胡同，最终一阵优化过后很难达到预计目标或</a:t>
-            </a:r>
-            <a:r>
-              <a:rPr lang="zh-CN" altLang="en-US" dirty="0" smtClean="0"/>
-              <a:t>收益，这是就需要我们以这个</a:t>
-            </a:r>
-            <a:r>
-              <a:rPr lang="zh-CN" altLang="en-US" dirty="0" smtClean="0"/>
-              <a:t>最终</a:t>
-            </a:r>
-            <a:r>
-              <a:rPr lang="zh-CN" altLang="en-US" dirty="0" smtClean="0"/>
-              <a:t>目标为准则，明确该优化什么。</a:t>
+              <a:t>解决兼容性，可以理解为适配性，即开发一套来兼容不同平台，从而降低成本。其他各种理由最终也可以推导到这根本原因上来，我就不一一推了。这时大家可能会说，这还用你讲啊，整个公司的人做的所有的事不都是以此为最终目标吗。确实如此，但这也体现了它的重要性，而我们做具体事情过程中可能会不知不觉的忘了它。其他不讲，就拿优化来说，如果不以这个目标为准则，我们在确定优化什么的时候，往往很容易进入到一个过度优化的死胡同，最终一阵优化过后很难达到预计目标或收益，这是就需要我们以这个最终目标为准则，明确该优化什么。</a:t>
             </a:r>
             <a:endParaRPr lang="zh-CN" altLang="en-US" dirty="0"/>
           </a:p>
@@ -962,23 +887,7 @@
           <a:p>
             <a:r>
               <a:rPr lang="zh-CN" altLang="en-US" dirty="0" smtClean="0"/>
-              <a:t>啊</a:t>
-            </a:r>
-            <a:r>
-              <a:rPr lang="zh-CN" altLang="en-US" dirty="0" smtClean="0"/>
-              <a:t>是穴 </a:t>
-            </a:r>
-            <a:r>
-              <a:rPr lang="zh-CN" altLang="en-US" dirty="0" smtClean="0"/>
-              <a:t>在针灸中它是见效</a:t>
-            </a:r>
-            <a:r>
-              <a:rPr lang="zh-CN" altLang="en-US" dirty="0" smtClean="0"/>
-              <a:t>快，投入少</a:t>
-            </a:r>
-            <a:r>
-              <a:rPr lang="zh-CN" altLang="en-US" dirty="0" smtClean="0"/>
-              <a:t>，灵活性高的一种</a:t>
+              <a:t>啊是穴 在针灸中它是见效快，投入少，灵活性高的一种</a:t>
             </a:r>
             <a:r>
               <a:rPr lang="zh-CN" altLang="en-US" sz="1200" b="0" i="0" kern="1200" dirty="0" smtClean="0">
@@ -1004,7 +913,7 @@
           </a:p>
           <a:p>
             <a:r>
-              <a:rPr lang="zh-CN" altLang="en-US" sz="1200" b="0" i="0" kern="1200" smtClean="0">
+              <a:rPr lang="zh-CN" altLang="en-US" sz="1200" b="0" i="0" kern="1200" dirty="0" smtClean="0">
                 <a:solidFill>
                   <a:schemeClr val="tx1"/>
                 </a:solidFill>
@@ -1013,8 +922,150 @@
                 <a:ea typeface="+mn-ea"/>
                 <a:cs typeface="+mn-cs"/>
               </a:rPr>
-              <a:t>应用到优化中就是那出问题优化哪，优点刚才讲了，我们讲讲缺点，反应慢（属于亡羊补牢），治标不治本（因为通常问题是在系统完成后出现，我们为维持稳定性，不会大动）。</a:t>
-            </a:r>
+              <a:t>应用到优化中就是那出问题优化哪，优点刚才讲了，我们讲讲缺点</a:t>
+            </a:r>
+            <a:r>
+              <a:rPr lang="zh-CN" altLang="en-US" sz="1200" b="0" i="0" kern="1200" dirty="0" smtClean="0">
+                <a:solidFill>
+                  <a:schemeClr val="tx1"/>
+                </a:solidFill>
+                <a:effectLst/>
+                <a:latin typeface="+mn-lt"/>
+                <a:ea typeface="+mn-ea"/>
+                <a:cs typeface="+mn-cs"/>
+              </a:rPr>
+              <a:t>，</a:t>
+            </a:r>
+            <a:r>
+              <a:rPr lang="en-US" altLang="zh-CN" sz="1200" b="0" i="0" kern="1200" dirty="0" smtClean="0">
+                <a:solidFill>
+                  <a:schemeClr val="tx1"/>
+                </a:solidFill>
+                <a:effectLst/>
+                <a:latin typeface="+mn-lt"/>
+                <a:ea typeface="+mn-ea"/>
+                <a:cs typeface="+mn-cs"/>
+              </a:rPr>
+              <a:t>1</a:t>
+            </a:r>
+            <a:r>
+              <a:rPr lang="zh-CN" altLang="en-US" sz="1200" b="0" i="0" kern="1200" dirty="0" smtClean="0">
+                <a:solidFill>
+                  <a:schemeClr val="tx1"/>
+                </a:solidFill>
+                <a:effectLst/>
+                <a:latin typeface="+mn-lt"/>
+                <a:ea typeface="+mn-ea"/>
+                <a:cs typeface="+mn-cs"/>
+              </a:rPr>
+              <a:t>反应</a:t>
+            </a:r>
+            <a:r>
+              <a:rPr lang="zh-CN" altLang="en-US" sz="1200" b="0" i="0" kern="1200" dirty="0" smtClean="0">
+                <a:solidFill>
+                  <a:schemeClr val="tx1"/>
+                </a:solidFill>
+                <a:effectLst/>
+                <a:latin typeface="+mn-lt"/>
+                <a:ea typeface="+mn-ea"/>
+                <a:cs typeface="+mn-cs"/>
+              </a:rPr>
+              <a:t>慢（属于亡羊补牢</a:t>
+            </a:r>
+            <a:r>
+              <a:rPr lang="zh-CN" altLang="en-US" sz="1200" b="0" i="0" kern="1200" dirty="0" smtClean="0">
+                <a:solidFill>
+                  <a:schemeClr val="tx1"/>
+                </a:solidFill>
+                <a:effectLst/>
+                <a:latin typeface="+mn-lt"/>
+                <a:ea typeface="+mn-ea"/>
+                <a:cs typeface="+mn-cs"/>
+              </a:rPr>
+              <a:t>），</a:t>
+            </a:r>
+            <a:r>
+              <a:rPr lang="en-US" altLang="zh-CN" sz="1200" b="0" i="0" kern="1200" dirty="0" smtClean="0">
+                <a:solidFill>
+                  <a:schemeClr val="tx1"/>
+                </a:solidFill>
+                <a:effectLst/>
+                <a:latin typeface="+mn-lt"/>
+                <a:ea typeface="+mn-ea"/>
+                <a:cs typeface="+mn-cs"/>
+              </a:rPr>
+              <a:t>2</a:t>
+            </a:r>
+            <a:r>
+              <a:rPr lang="zh-CN" altLang="en-US" sz="1200" b="0" i="0" kern="1200" dirty="0" smtClean="0">
+                <a:solidFill>
+                  <a:schemeClr val="tx1"/>
+                </a:solidFill>
+                <a:effectLst/>
+                <a:latin typeface="+mn-lt"/>
+                <a:ea typeface="+mn-ea"/>
+                <a:cs typeface="+mn-cs"/>
+              </a:rPr>
+              <a:t>治标不治本</a:t>
+            </a:r>
+            <a:r>
+              <a:rPr lang="zh-CN" altLang="en-US" sz="1200" b="0" i="0" kern="1200" dirty="0" smtClean="0">
+                <a:solidFill>
+                  <a:schemeClr val="tx1"/>
+                </a:solidFill>
+                <a:effectLst/>
+                <a:latin typeface="+mn-lt"/>
+                <a:ea typeface="+mn-ea"/>
+                <a:cs typeface="+mn-cs"/>
+              </a:rPr>
+              <a:t>（因为通常问题是在系统完成后出现，我们为维持稳定性，不会大动）</a:t>
+            </a:r>
+            <a:r>
+              <a:rPr lang="zh-CN" altLang="en-US" sz="1200" b="0" i="0" kern="1200" dirty="0" smtClean="0">
+                <a:solidFill>
+                  <a:schemeClr val="tx1"/>
+                </a:solidFill>
+                <a:effectLst/>
+                <a:latin typeface="+mn-lt"/>
+                <a:ea typeface="+mn-ea"/>
+                <a:cs typeface="+mn-cs"/>
+              </a:rPr>
+              <a:t>。</a:t>
+            </a:r>
+            <a:endParaRPr lang="en-US" altLang="zh-CN" sz="1200" b="0" i="0" kern="1200" dirty="0" smtClean="0">
+              <a:solidFill>
+                <a:schemeClr val="tx1"/>
+              </a:solidFill>
+              <a:effectLst/>
+              <a:latin typeface="+mn-lt"/>
+              <a:ea typeface="+mn-ea"/>
+              <a:cs typeface="+mn-cs"/>
+            </a:endParaRPr>
+          </a:p>
+          <a:p>
+            <a:r>
+              <a:rPr lang="zh-CN" altLang="en-US" sz="1200" b="0" i="0" kern="1200" dirty="0" smtClean="0">
+                <a:solidFill>
+                  <a:schemeClr val="tx1"/>
+                </a:solidFill>
+                <a:effectLst/>
+                <a:latin typeface="+mn-lt"/>
+                <a:ea typeface="+mn-ea"/>
+                <a:cs typeface="+mn-cs"/>
+              </a:rPr>
+              <a:t>那是否有更好的做法呢，我没有去深入调研比较，我推荐的做法就是。。。</a:t>
+            </a:r>
+            <a:endParaRPr lang="en-US" altLang="zh-CN" sz="1200" b="0" i="0" kern="1200" dirty="0" smtClean="0">
+              <a:solidFill>
+                <a:schemeClr val="tx1"/>
+              </a:solidFill>
+              <a:effectLst/>
+              <a:latin typeface="+mn-lt"/>
+              <a:ea typeface="+mn-ea"/>
+              <a:cs typeface="+mn-cs"/>
+            </a:endParaRPr>
+          </a:p>
+          <a:p>
             <a:endParaRPr lang="zh-CN" altLang="en-US" dirty="0"/>
           </a:p>
         </p:txBody>
@@ -1354,7 +1405,7 @@
             <a:fld id="{D22439AA-DE3E-4136-8738-0A92E0638C7F}" type="datetimeFigureOut">
               <a:rPr lang="zh-CN" altLang="en-US" smtClean="0"/>
               <a:pPr/>
-              <a:t>2016/6/22</a:t>
+              <a:t>2016/6/23</a:t>
             </a:fld>
             <a:endParaRPr lang="zh-CN" altLang="en-US"/>
           </a:p>
@@ -1542,7 +1593,7 @@
             <a:fld id="{D22439AA-DE3E-4136-8738-0A92E0638C7F}" type="datetimeFigureOut">
               <a:rPr lang="zh-CN" altLang="en-US" smtClean="0"/>
               <a:pPr/>
-              <a:t>2016/6/22</a:t>
+              <a:t>2016/6/23</a:t>
             </a:fld>
             <a:endParaRPr lang="zh-CN" altLang="en-US"/>
           </a:p>
@@ -1730,7 +1781,7 @@
             <a:fld id="{D22439AA-DE3E-4136-8738-0A92E0638C7F}" type="datetimeFigureOut">
               <a:rPr lang="zh-CN" altLang="en-US" smtClean="0"/>
               <a:pPr/>
-              <a:t>2016/6/22</a:t>
+              <a:t>2016/6/23</a:t>
             </a:fld>
             <a:endParaRPr lang="zh-CN" altLang="en-US"/>
           </a:p>
@@ -1943,7 +1994,7 @@
             <a:fld id="{D22439AA-DE3E-4136-8738-0A92E0638C7F}" type="datetimeFigureOut">
               <a:rPr lang="zh-CN" altLang="en-US" smtClean="0"/>
               <a:pPr/>
-              <a:t>2016/6/22</a:t>
+              <a:t>2016/6/23</a:t>
             </a:fld>
             <a:endParaRPr lang="zh-CN" altLang="en-US"/>
           </a:p>
@@ -2197,7 +2248,7 @@
             <a:fld id="{D22439AA-DE3E-4136-8738-0A92E0638C7F}" type="datetimeFigureOut">
               <a:rPr lang="zh-CN" altLang="en-US" smtClean="0"/>
               <a:pPr/>
-              <a:t>2016/6/22</a:t>
+              <a:t>2016/6/23</a:t>
             </a:fld>
             <a:endParaRPr lang="zh-CN" altLang="en-US"/>
           </a:p>
@@ -2501,7 +2552,7 @@
             <a:fld id="{D22439AA-DE3E-4136-8738-0A92E0638C7F}" type="datetimeFigureOut">
               <a:rPr lang="zh-CN" altLang="en-US" smtClean="0"/>
               <a:pPr/>
-              <a:t>2016/6/22</a:t>
+              <a:t>2016/6/23</a:t>
             </a:fld>
             <a:endParaRPr lang="zh-CN" altLang="en-US"/>
           </a:p>
@@ -2945,7 +2996,7 @@
             <a:fld id="{D22439AA-DE3E-4136-8738-0A92E0638C7F}" type="datetimeFigureOut">
               <a:rPr lang="zh-CN" altLang="en-US" smtClean="0"/>
               <a:pPr/>
-              <a:t>2016/6/22</a:t>
+              <a:t>2016/6/23</a:t>
             </a:fld>
             <a:endParaRPr lang="zh-CN" altLang="en-US"/>
           </a:p>
@@ -3073,7 +3124,7 @@
             <a:fld id="{D22439AA-DE3E-4136-8738-0A92E0638C7F}" type="datetimeFigureOut">
               <a:rPr lang="zh-CN" altLang="en-US" smtClean="0"/>
               <a:pPr/>
-              <a:t>2016/6/22</a:t>
+              <a:t>2016/6/23</a:t>
             </a:fld>
             <a:endParaRPr lang="zh-CN" altLang="en-US"/>
           </a:p>
@@ -3170,7 +3221,7 @@
             <a:fld id="{D22439AA-DE3E-4136-8738-0A92E0638C7F}" type="datetimeFigureOut">
               <a:rPr lang="zh-CN" altLang="en-US" smtClean="0"/>
               <a:pPr/>
-              <a:t>2016/6/22</a:t>
+              <a:t>2016/6/23</a:t>
             </a:fld>
             <a:endParaRPr lang="zh-CN" altLang="en-US"/>
           </a:p>
@@ -3458,7 +3509,7 @@
             <a:fld id="{D22439AA-DE3E-4136-8738-0A92E0638C7F}" type="datetimeFigureOut">
               <a:rPr lang="zh-CN" altLang="en-US" smtClean="0"/>
               <a:pPr/>
-              <a:t>2016/6/22</a:t>
+              <a:t>2016/6/23</a:t>
             </a:fld>
             <a:endParaRPr lang="zh-CN" altLang="en-US"/>
           </a:p>
@@ -3722,7 +3773,7 @@
             <a:fld id="{D22439AA-DE3E-4136-8738-0A92E0638C7F}" type="datetimeFigureOut">
               <a:rPr lang="zh-CN" altLang="en-US" smtClean="0"/>
               <a:pPr/>
-              <a:t>2016/6/22</a:t>
+              <a:t>2016/6/23</a:t>
             </a:fld>
             <a:endParaRPr lang="zh-CN" altLang="en-US"/>
           </a:p>
@@ -3842,7 +3893,7 @@
             <a:fld id="{D22439AA-DE3E-4136-8738-0A92E0638C7F}" type="datetimeFigureOut">
               <a:rPr lang="zh-CN" altLang="en-US" smtClean="0"/>
               <a:pPr/>
-              <a:t>2016/6/22</a:t>
+              <a:t>2016/6/23</a:t>
             </a:fld>
             <a:endParaRPr lang="zh-CN" altLang="en-US"/>
           </a:p>
@@ -5362,9 +5413,310 @@
   <p:timing>
     <p:tnLst>
       <p:par>
-        <p:cTn id="1" dur="indefinite" restart="never" nodeType="tmRoot"/>
+        <p:cTn id="1" dur="indefinite" restart="never" nodeType="tmRoot">
+          <p:childTnLst>
+            <p:seq concurrent="1" nextAc="seek">
+              <p:cTn id="2" dur="indefinite" nodeType="mainSeq">
+                <p:childTnLst>
+                  <p:par>
+                    <p:cTn id="3" fill="hold">
+                      <p:stCondLst>
+                        <p:cond delay="indefinite"/>
+                      </p:stCondLst>
+                      <p:childTnLst>
+                        <p:par>
+                          <p:cTn id="4" fill="hold">
+                            <p:stCondLst>
+                              <p:cond delay="0"/>
+                            </p:stCondLst>
+                            <p:childTnLst>
+                              <p:par>
+                                <p:cTn id="5" presetID="2" presetClass="entr" presetSubtype="4" fill="hold" grpId="0" nodeType="clickEffect">
+                                  <p:stCondLst>
+                                    <p:cond delay="0"/>
+                                  </p:stCondLst>
+                                  <p:childTnLst>
+                                    <p:set>
+                                      <p:cBhvr>
+                                        <p:cTn id="6" dur="1" fill="hold">
+                                          <p:stCondLst>
+                                            <p:cond delay="0"/>
+                                          </p:stCondLst>
+                                        </p:cTn>
+                                        <p:tgtEl>
+                                          <p:spTgt spid="16"/>
+                                        </p:tgtEl>
+                                        <p:attrNameLst>
+                                          <p:attrName>style.visibility</p:attrName>
+                                        </p:attrNameLst>
+                                      </p:cBhvr>
+                                      <p:to>
+                                        <p:strVal val="visible"/>
+                                      </p:to>
+                                    </p:set>
+                                    <p:anim calcmode="lin" valueType="num">
+                                      <p:cBhvr additive="base">
+                                        <p:cTn id="7" dur="500" fill="hold"/>
+                                        <p:tgtEl>
+                                          <p:spTgt spid="16"/>
+                                        </p:tgtEl>
+                                        <p:attrNameLst>
+                                          <p:attrName>ppt_x</p:attrName>
+                                        </p:attrNameLst>
+                                      </p:cBhvr>
+                                      <p:tavLst>
+                                        <p:tav tm="0">
+                                          <p:val>
+                                            <p:strVal val="#ppt_x"/>
+                                          </p:val>
+                                        </p:tav>
+                                        <p:tav tm="100000">
+                                          <p:val>
+                                            <p:strVal val="#ppt_x"/>
+                                          </p:val>
+                                        </p:tav>
+                                      </p:tavLst>
+                                    </p:anim>
+                                    <p:anim calcmode="lin" valueType="num">
+                                      <p:cBhvr additive="base">
+                                        <p:cTn id="8" dur="500" fill="hold"/>
+                                        <p:tgtEl>
+                                          <p:spTgt spid="16"/>
+                                        </p:tgtEl>
+                                        <p:attrNameLst>
+                                          <p:attrName>ppt_y</p:attrName>
+                                        </p:attrNameLst>
+                                      </p:cBhvr>
+                                      <p:tavLst>
+                                        <p:tav tm="0">
+                                          <p:val>
+                                            <p:strVal val="1+#ppt_h/2"/>
+                                          </p:val>
+                                        </p:tav>
+                                        <p:tav tm="100000">
+                                          <p:val>
+                                            <p:strVal val="#ppt_y"/>
+                                          </p:val>
+                                        </p:tav>
+                                      </p:tavLst>
+                                    </p:anim>
+                                  </p:childTnLst>
+                                </p:cTn>
+                              </p:par>
+                            </p:childTnLst>
+                          </p:cTn>
+                        </p:par>
+                      </p:childTnLst>
+                    </p:cTn>
+                  </p:par>
+                  <p:par>
+                    <p:cTn id="9" fill="hold">
+                      <p:stCondLst>
+                        <p:cond delay="indefinite"/>
+                      </p:stCondLst>
+                      <p:childTnLst>
+                        <p:par>
+                          <p:cTn id="10" fill="hold">
+                            <p:stCondLst>
+                              <p:cond delay="0"/>
+                            </p:stCondLst>
+                            <p:childTnLst>
+                              <p:par>
+                                <p:cTn id="11" presetID="2" presetClass="entr" presetSubtype="4" fill="hold" grpId="0" nodeType="clickEffect">
+                                  <p:stCondLst>
+                                    <p:cond delay="0"/>
+                                  </p:stCondLst>
+                                  <p:childTnLst>
+                                    <p:set>
+                                      <p:cBhvr>
+                                        <p:cTn id="12" dur="1" fill="hold">
+                                          <p:stCondLst>
+                                            <p:cond delay="0"/>
+                                          </p:stCondLst>
+                                        </p:cTn>
+                                        <p:tgtEl>
+                                          <p:spTgt spid="17"/>
+                                        </p:tgtEl>
+                                        <p:attrNameLst>
+                                          <p:attrName>style.visibility</p:attrName>
+                                        </p:attrNameLst>
+                                      </p:cBhvr>
+                                      <p:to>
+                                        <p:strVal val="visible"/>
+                                      </p:to>
+                                    </p:set>
+                                    <p:anim calcmode="lin" valueType="num">
+                                      <p:cBhvr additive="base">
+                                        <p:cTn id="13" dur="500" fill="hold"/>
+                                        <p:tgtEl>
+                                          <p:spTgt spid="17"/>
+                                        </p:tgtEl>
+                                        <p:attrNameLst>
+                                          <p:attrName>ppt_x</p:attrName>
+                                        </p:attrNameLst>
+                                      </p:cBhvr>
+                                      <p:tavLst>
+                                        <p:tav tm="0">
+                                          <p:val>
+                                            <p:strVal val="#ppt_x"/>
+                                          </p:val>
+                                        </p:tav>
+                                        <p:tav tm="100000">
+                                          <p:val>
+                                            <p:strVal val="#ppt_x"/>
+                                          </p:val>
+                                        </p:tav>
+                                      </p:tavLst>
+                                    </p:anim>
+                                    <p:anim calcmode="lin" valueType="num">
+                                      <p:cBhvr additive="base">
+                                        <p:cTn id="14" dur="500" fill="hold"/>
+                                        <p:tgtEl>
+                                          <p:spTgt spid="17"/>
+                                        </p:tgtEl>
+                                        <p:attrNameLst>
+                                          <p:attrName>ppt_y</p:attrName>
+                                        </p:attrNameLst>
+                                      </p:cBhvr>
+                                      <p:tavLst>
+                                        <p:tav tm="0">
+                                          <p:val>
+                                            <p:strVal val="1+#ppt_h/2"/>
+                                          </p:val>
+                                        </p:tav>
+                                        <p:tav tm="100000">
+                                          <p:val>
+                                            <p:strVal val="#ppt_y"/>
+                                          </p:val>
+                                        </p:tav>
+                                      </p:tavLst>
+                                    </p:anim>
+                                  </p:childTnLst>
+                                </p:cTn>
+                              </p:par>
+                            </p:childTnLst>
+                          </p:cTn>
+                        </p:par>
+                      </p:childTnLst>
+                    </p:cTn>
+                  </p:par>
+                  <p:par>
+                    <p:cTn id="15" fill="hold">
+                      <p:stCondLst>
+                        <p:cond delay="indefinite"/>
+                      </p:stCondLst>
+                      <p:childTnLst>
+                        <p:par>
+                          <p:cTn id="16" fill="hold">
+                            <p:stCondLst>
+                              <p:cond delay="0"/>
+                            </p:stCondLst>
+                            <p:childTnLst>
+                              <p:par>
+                                <p:cTn id="17" presetID="2" presetClass="entr" presetSubtype="4" fill="hold" grpId="0" nodeType="clickEffect">
+                                  <p:stCondLst>
+                                    <p:cond delay="0"/>
+                                  </p:stCondLst>
+                                  <p:childTnLst>
+                                    <p:set>
+                                      <p:cBhvr>
+                                        <p:cTn id="18" dur="1" fill="hold">
+                                          <p:stCondLst>
+                                            <p:cond delay="0"/>
+                                          </p:stCondLst>
+                                        </p:cTn>
+                                        <p:tgtEl>
+                                          <p:spTgt spid="18"/>
+                                        </p:tgtEl>
+                                        <p:attrNameLst>
+                                          <p:attrName>style.visibility</p:attrName>
+                                        </p:attrNameLst>
+                                      </p:cBhvr>
+                                      <p:to>
+                                        <p:strVal val="visible"/>
+                                      </p:to>
+                                    </p:set>
+                                    <p:anim calcmode="lin" valueType="num">
+                                      <p:cBhvr additive="base">
+                                        <p:cTn id="19" dur="500" fill="hold"/>
+                                        <p:tgtEl>
+                                          <p:spTgt spid="18"/>
+                                        </p:tgtEl>
+                                        <p:attrNameLst>
+                                          <p:attrName>ppt_x</p:attrName>
+                                        </p:attrNameLst>
+                                      </p:cBhvr>
+                                      <p:tavLst>
+                                        <p:tav tm="0">
+                                          <p:val>
+                                            <p:strVal val="#ppt_x"/>
+                                          </p:val>
+                                        </p:tav>
+                                        <p:tav tm="100000">
+                                          <p:val>
+                                            <p:strVal val="#ppt_x"/>
+                                          </p:val>
+                                        </p:tav>
+                                      </p:tavLst>
+                                    </p:anim>
+                                    <p:anim calcmode="lin" valueType="num">
+                                      <p:cBhvr additive="base">
+                                        <p:cTn id="20" dur="500" fill="hold"/>
+                                        <p:tgtEl>
+                                          <p:spTgt spid="18"/>
+                                        </p:tgtEl>
+                                        <p:attrNameLst>
+                                          <p:attrName>ppt_y</p:attrName>
+                                        </p:attrNameLst>
+                                      </p:cBhvr>
+                                      <p:tavLst>
+                                        <p:tav tm="0">
+                                          <p:val>
+                                            <p:strVal val="1+#ppt_h/2"/>
+                                          </p:val>
+                                        </p:tav>
+                                        <p:tav tm="100000">
+                                          <p:val>
+                                            <p:strVal val="#ppt_y"/>
+                                          </p:val>
+                                        </p:tav>
+                                      </p:tavLst>
+                                    </p:anim>
+                                  </p:childTnLst>
+                                </p:cTn>
+                              </p:par>
+                            </p:childTnLst>
+                          </p:cTn>
+                        </p:par>
+                      </p:childTnLst>
+                    </p:cTn>
+                  </p:par>
+                </p:childTnLst>
+              </p:cTn>
+              <p:prevCondLst>
+                <p:cond evt="onPrev" delay="0">
+                  <p:tgtEl>
+                    <p:sldTgt/>
+                  </p:tgtEl>
+                </p:cond>
+              </p:prevCondLst>
+              <p:nextCondLst>
+                <p:cond evt="onNext" delay="0">
+                  <p:tgtEl>
+                    <p:sldTgt/>
+                  </p:tgtEl>
+                </p:cond>
+              </p:nextCondLst>
+            </p:seq>
+          </p:childTnLst>
+        </p:cTn>
       </p:par>
     </p:tnLst>
+    <p:bldLst>
+      <p:bldP spid="16" grpId="0" animBg="1"/>
+      <p:bldP spid="17" grpId="0" animBg="1"/>
+      <p:bldP spid="18" grpId="0" animBg="1"/>
+    </p:bldLst>
   </p:timing>
 </p:sld>
 </file>
@@ -7146,7 +7498,7 @@
         </p:nvSpPr>
         <p:spPr>
           <a:xfrm>
-            <a:off x="307975" y="1486047"/>
+            <a:off x="307975" y="1914903"/>
             <a:ext cx="1815753" cy="1061829"/>
           </a:xfrm>
           <a:prstGeom prst="rect">
@@ -7195,7 +7547,7 @@
         </p:nvGrpSpPr>
         <p:grpSpPr>
           <a:xfrm>
-            <a:off x="2123728" y="1372416"/>
+            <a:off x="2123728" y="1791600"/>
             <a:ext cx="2664296" cy="875881"/>
             <a:chOff x="2123728" y="1372416"/>
             <a:chExt cx="2664296" cy="875881"/>
@@ -7286,7 +7638,7 @@
         </p:nvSpPr>
         <p:spPr>
           <a:xfrm>
-            <a:off x="307974" y="2780928"/>
+            <a:off x="307974" y="3573016"/>
             <a:ext cx="5488162" cy="1061829"/>
           </a:xfrm>
           <a:prstGeom prst="rect">
@@ -7311,11 +7663,7 @@
             </a:r>
             <a:r>
               <a:rPr lang="zh-CN" altLang="en-US" b="1" dirty="0" smtClean="0"/>
-              <a:t>做法</a:t>
-            </a:r>
-            <a:r>
-              <a:rPr lang="zh-CN" altLang="en-US" b="1" dirty="0" smtClean="0"/>
-              <a:t>：</a:t>
+              <a:t>做法：</a:t>
             </a:r>
             <a:endParaRPr lang="en-US" altLang="zh-CN" b="1" dirty="0" smtClean="0"/>
           </a:p>
@@ -7477,7 +7825,7 @@
                             </p:stCondLst>
                             <p:childTnLst>
                               <p:par>
-                                <p:cTn id="11" presetID="2" presetClass="entr" presetSubtype="4" fill="hold" nodeType="clickEffect">
+                                <p:cTn id="11" presetID="2" presetClass="entr" presetSubtype="2" fill="hold" nodeType="clickEffect">
                                   <p:stCondLst>
                                     <p:cond delay="0"/>
                                   </p:stCondLst>
@@ -7485,6 +7833,97 @@
                                     <p:set>
                                       <p:cBhvr>
                                         <p:cTn id="12" dur="1" fill="hold">
+                                          <p:stCondLst>
+                                            <p:cond delay="0"/>
+                                          </p:stCondLst>
+                                        </p:cTn>
+                                        <p:tgtEl>
+                                          <p:spTgt spid="10"/>
+                                        </p:tgtEl>
+                                        <p:attrNameLst>
+                                          <p:attrName>style.visibility</p:attrName>
+                                        </p:attrNameLst>
+                                      </p:cBhvr>
+                                      <p:to>
+                                        <p:strVal val="visible"/>
+                                      </p:to>
+                                    </p:set>
+                                    <p:anim calcmode="lin" valueType="num">
+                                      <p:cBhvr additive="base">
+                                        <p:cTn id="13" dur="500" fill="hold"/>
+                                        <p:tgtEl>
+                                          <p:spTgt spid="10"/>
+                                        </p:tgtEl>
+                                        <p:attrNameLst>
+                                          <p:attrName>ppt_x</p:attrName>
+                                        </p:attrNameLst>
+                                      </p:cBhvr>
+                                      <p:tavLst>
+                                        <p:tav tm="0">
+                                          <p:val>
+                                            <p:strVal val="1+#ppt_w/2"/>
+                                          </p:val>
+                                        </p:tav>
+                                        <p:tav tm="100000">
+                                          <p:val>
+                                            <p:strVal val="#ppt_x"/>
+                                          </p:val>
+                                        </p:tav>
+                                      </p:tavLst>
+                                    </p:anim>
+                                    <p:anim calcmode="lin" valueType="num">
+                                      <p:cBhvr additive="base">
+                                        <p:cTn id="14" dur="500" fill="hold"/>
+                                        <p:tgtEl>
+                                          <p:spTgt spid="10"/>
+                                        </p:tgtEl>
+                                        <p:attrNameLst>
+                                          <p:attrName>ppt_y</p:attrName>
+                                        </p:attrNameLst>
+                                      </p:cBhvr>
+                                      <p:tavLst>
+                                        <p:tav tm="0">
+                                          <p:val>
+                                            <p:strVal val="#ppt_y"/>
+                                          </p:val>
+                                        </p:tav>
+                                        <p:tav tm="100000">
+                                          <p:val>
+                                            <p:strVal val="#ppt_y"/>
+                                          </p:val>
+                                        </p:tav>
+                                      </p:tavLst>
+                                    </p:anim>
+                                  </p:childTnLst>
+                                </p:cTn>
+                              </p:par>
+                            </p:childTnLst>
+                          </p:cTn>
+                        </p:par>
+                      </p:childTnLst>
+                    </p:cTn>
+                  </p:par>
+                  <p:par>
+                    <p:cTn id="15" fill="hold">
+                      <p:stCondLst>
+                        <p:cond delay="indefinite"/>
+                      </p:stCondLst>
+                      <p:childTnLst>
+                        <p:par>
+                          <p:cTn id="16" fill="hold">
+                            <p:stCondLst>
+                              <p:cond delay="0"/>
+                            </p:stCondLst>
+                            <p:childTnLst>
+                              <p:par>
+                                <p:cTn id="17" presetID="2" presetClass="entr" presetSubtype="4" fill="hold" nodeType="clickEffect">
+                                  <p:stCondLst>
+                                    <p:cond delay="0"/>
+                                  </p:stCondLst>
+                                  <p:childTnLst>
+                                    <p:set>
+                                      <p:cBhvr>
+                                        <p:cTn id="18" dur="1" fill="hold">
                                           <p:stCondLst>
                                             <p:cond delay="0"/>
                                           </p:stCondLst>
@@ -7506,7 +7945,7 @@
                                     </p:set>
                                     <p:anim calcmode="lin" valueType="num">
                                       <p:cBhvr additive="base">
-                                        <p:cTn id="13" dur="500" fill="hold"/>
+                                        <p:cTn id="19" dur="500" fill="hold"/>
                                         <p:tgtEl>
                                           <p:spTgt spid="17">
                                             <p:txEl>
@@ -7533,7 +7972,7 @@
                                     </p:anim>
                                     <p:anim calcmode="lin" valueType="num">
                                       <p:cBhvr additive="base">
-                                        <p:cTn id="14" dur="500" fill="hold"/>
+                                        <p:cTn id="20" dur="500" fill="hold"/>
                                         <p:tgtEl>
                                           <p:spTgt spid="17">
                                             <p:txEl>

--- a/前端优化.pptx
+++ b/前端优化.pptx
@@ -5,7 +5,7 @@
     <p:sldMasterId id="2147483660" r:id="rId1"/>
   </p:sldMasterIdLst>
   <p:notesMasterIdLst>
-    <p:notesMasterId r:id="rId8"/>
+    <p:notesMasterId r:id="rId11"/>
   </p:notesMasterIdLst>
   <p:sldIdLst>
     <p:sldId id="256" r:id="rId2"/>
@@ -14,6 +14,9 @@
     <p:sldId id="499" r:id="rId5"/>
     <p:sldId id="512" r:id="rId6"/>
     <p:sldId id="553" r:id="rId7"/>
+    <p:sldId id="555" r:id="rId8"/>
+    <p:sldId id="556" r:id="rId9"/>
+    <p:sldId id="557" r:id="rId10"/>
   </p:sldIdLst>
   <p:sldSz cx="9144000" cy="6858000" type="screen4x3"/>
   <p:notesSz cx="6858000" cy="9144000"/>
@@ -198,7 +201,7 @@
             <a:fld id="{CE1D0BA2-A4A1-4B11-81FA-5EAFBA8CF391}" type="datetimeFigureOut">
               <a:rPr lang="zh-CN" altLang="en-US" smtClean="0"/>
               <a:pPr/>
-              <a:t>2016/6/22</a:t>
+              <a:t>2016/6/26</a:t>
             </a:fld>
             <a:endParaRPr lang="zh-CN" altLang="en-US"/>
           </a:p>
@@ -535,7 +538,31 @@
           <a:p>
             <a:r>
               <a:rPr lang="zh-CN" altLang="en-US" dirty="0" smtClean="0"/>
-              <a:t>由于我主要还是在做后台，前端虽然也做过，但并没很深入去研究过。所以今天分享的内容不会太深入，只分享下我对前端优化的看法，很多可能只是个人看法，不当之处还请大家指正。</a:t>
+              <a:t>大多数人都知道我是在</a:t>
+            </a:r>
+            <a:r>
+              <a:rPr lang="zh-CN" altLang="en-US" dirty="0" smtClean="0"/>
+              <a:t>做</a:t>
+            </a:r>
+            <a:r>
+              <a:rPr lang="zh-CN" altLang="en-US" dirty="0" smtClean="0"/>
+              <a:t>后台的，其实我最先学习的编程技术就是前端部分，只是后来觉得自己美感实在太差了，不得不转后台了，因此我对前端也没太深入</a:t>
+            </a:r>
+            <a:r>
+              <a:rPr lang="zh-CN" altLang="en-US" dirty="0" smtClean="0"/>
+              <a:t>去</a:t>
+            </a:r>
+            <a:r>
+              <a:rPr lang="zh-CN" altLang="en-US" dirty="0" smtClean="0"/>
+              <a:t>研究。</a:t>
+            </a:r>
+            <a:r>
+              <a:rPr lang="zh-CN" altLang="en-US" dirty="0" smtClean="0"/>
+              <a:t>所以今天分享的内容不会太深入，只分享下我对前端优化的看法，很多可能只是个人看法</a:t>
+            </a:r>
+            <a:r>
+              <a:rPr lang="zh-CN" altLang="en-US" dirty="0" smtClean="0"/>
+              <a:t>，就算是抛砖引玉吧。</a:t>
             </a:r>
             <a:endParaRPr lang="en-US" altLang="zh-CN" dirty="0" smtClean="0"/>
           </a:p>
@@ -630,7 +657,15 @@
           <a:p>
             <a:r>
               <a:rPr lang="zh-CN" altLang="en-US" dirty="0" smtClean="0"/>
-              <a:t>先简单介绍今天的内容提要，分别是：。。。</a:t>
+              <a:t>先简单介绍</a:t>
+            </a:r>
+            <a:r>
+              <a:rPr lang="zh-CN" altLang="en-US" dirty="0" smtClean="0"/>
+              <a:t>今天要分享的内容，</a:t>
+            </a:r>
+            <a:r>
+              <a:rPr lang="zh-CN" altLang="en-US" dirty="0" smtClean="0"/>
+              <a:t>分别是：。。。</a:t>
             </a:r>
             <a:endParaRPr lang="en-US" altLang="zh-CN" dirty="0" smtClean="0"/>
           </a:p>
@@ -645,11 +680,7 @@
             </a:r>
             <a:r>
               <a:rPr lang="zh-CN" altLang="en-US" dirty="0" smtClean="0"/>
-              <a:t>前端的定义。但我也讲不</a:t>
-            </a:r>
-            <a:r>
-              <a:rPr lang="zh-CN" altLang="en-US" dirty="0" smtClean="0"/>
-              <a:t>清</a:t>
+              <a:t>前端的定义。但我也讲不清</a:t>
             </a:r>
             <a:r>
               <a:rPr lang="en-US" altLang="zh-CN" dirty="0" smtClean="0"/>
@@ -657,31 +688,15 @@
             </a:r>
             <a:r>
               <a:rPr lang="zh-CN" altLang="en-US" dirty="0" smtClean="0"/>
-              <a:t>前端到底是什么，因为不同公司对前端的定义可能都不一样，甚至不同产品，不同开发模式，不同技术架构对前端定义可能都会不同。但是对客户或非技术领导来说，都一样，就是做页面。所以今天</a:t>
+              <a:t>前端到底是什么，因为不同公司对前端的定义可能都不一样，甚至不同产品，不同开发模式，不同技术架构对前端定义可能都会不同。但是对客户或非技术领导来说，都一样，就是做页面。所以今天我们也就将就一下，也就定义为做页面吧。那今天我分享前端优化，大家也可以理解为页面优化。我看今天来听我啰嗦</a:t>
             </a:r>
             <a:r>
               <a:rPr lang="zh-CN" altLang="en-US" dirty="0" smtClean="0"/>
-              <a:t>我们也就将就一下</a:t>
+              <a:t>的大多是开发</a:t>
             </a:r>
             <a:r>
               <a:rPr lang="zh-CN" altLang="en-US" dirty="0" smtClean="0"/>
-              <a:t>，也就定义为做页面吧。那今天我分享前端优化，大家也可以理解为页面优化</a:t>
-            </a:r>
-            <a:r>
-              <a:rPr lang="zh-CN" altLang="en-US" dirty="0" smtClean="0"/>
-              <a:t>。我看今天来听我啰嗦的基本</a:t>
-            </a:r>
-            <a:r>
-              <a:rPr lang="zh-CN" altLang="en-US" dirty="0" smtClean="0"/>
-              <a:t>都是开发</a:t>
-            </a:r>
-            <a:r>
-              <a:rPr lang="zh-CN" altLang="en-US" dirty="0" smtClean="0"/>
-              <a:t>，相信你们最关心就是</a:t>
-            </a:r>
-            <a:r>
-              <a:rPr lang="zh-CN" altLang="en-US" dirty="0" smtClean="0"/>
-              <a:t>如何优化。但我认为，前两个问题，才是难点，就像改</a:t>
+              <a:t>，相信你们最关心就是如何优化。但我认为，前两个问题，才是难点，就像改</a:t>
             </a:r>
             <a:r>
               <a:rPr lang="en-US" altLang="zh-CN" dirty="0" smtClean="0"/>
@@ -697,15 +712,7 @@
             </a:r>
             <a:r>
               <a:rPr lang="zh-CN" altLang="en-US" dirty="0" smtClean="0"/>
-              <a:t>那</a:t>
-            </a:r>
-            <a:r>
-              <a:rPr lang="zh-CN" altLang="en-US" dirty="0" smtClean="0"/>
-              <a:t>我们就先</a:t>
-            </a:r>
-            <a:r>
-              <a:rPr lang="zh-CN" altLang="en-US" dirty="0" smtClean="0"/>
-              <a:t>来看看为何优化。</a:t>
+              <a:t>那我们就先来看看为何优化。</a:t>
             </a:r>
             <a:endParaRPr lang="en-US" altLang="zh-CN" dirty="0" smtClean="0"/>
           </a:p>
@@ -810,14 +817,7 @@
                 <a:latin typeface="微软雅黑" panose="020B0503020204020204" pitchFamily="34" charset="-122"/>
                 <a:ea typeface="微软雅黑" panose="020B0503020204020204" pitchFamily="34" charset="-122"/>
               </a:rPr>
-              <a:t>最终目标是：</a:t>
-            </a:r>
-            <a:r>
-              <a:rPr lang="zh-CN" altLang="en-US" sz="1200" dirty="0" smtClean="0">
-                <a:latin typeface="微软雅黑" panose="020B0503020204020204" pitchFamily="34" charset="-122"/>
-                <a:ea typeface="微软雅黑" panose="020B0503020204020204" pitchFamily="34" charset="-122"/>
-              </a:rPr>
-              <a:t>增加效益，降低成本。</a:t>
+              <a:t>最终目标是：增加效益，降低成本。</a:t>
             </a:r>
             <a:endParaRPr lang="en-US" altLang="zh-CN" sz="1200" dirty="0" smtClean="0">
               <a:latin typeface="微软雅黑" panose="020B0503020204020204" pitchFamily="34" charset="-122"/>
@@ -834,39 +834,51 @@
           <a:p>
             <a:r>
               <a:rPr lang="zh-CN" altLang="en-US" dirty="0" smtClean="0"/>
-              <a:t>解决兼容性</a:t>
+              <a:t>解决兼容性，可以理解为适配性，即开发一套来兼容</a:t>
             </a:r>
             <a:r>
               <a:rPr lang="zh-CN" altLang="en-US" dirty="0" smtClean="0"/>
-              <a:t>，可以理解为适配性，即开发一套来兼容不同平台，从而降低成本。其他各种理由最终也可以推导到这根本原因上来，我就不一一推了。这时大家可能会说，这还用你讲啊，整个公司的人做</a:t>
+              <a:t>不同设备或平台，减少开发工作量，从而</a:t>
             </a:r>
             <a:r>
               <a:rPr lang="zh-CN" altLang="en-US" dirty="0" smtClean="0"/>
-              <a:t>的所有的事不都是以此为最终目标吗</a:t>
+              <a:t>降低成本。其他各种理由最终也可以推导到这根本原因上来，我就不一一推了。这时大家可能会说，这还用你讲啊，整个公司的人做的所有的事不都是以此为最终目标吗。确实如此</a:t>
             </a:r>
             <a:r>
               <a:rPr lang="zh-CN" altLang="en-US" dirty="0" smtClean="0"/>
-              <a:t>。确实如此，但这也体现了它的重要性，而我们做具体事情过程中可能会不知不觉的忘了它。其他不讲，就拿优化来说，</a:t>
+              <a:t>，这</a:t>
             </a:r>
             <a:r>
               <a:rPr lang="zh-CN" altLang="en-US" dirty="0" smtClean="0"/>
-              <a:t>如果不以这个目标为准则，</a:t>
+              <a:t>也体现了它的重要性，而我们做具体事情过程中可能</a:t>
             </a:r>
             <a:r>
               <a:rPr lang="zh-CN" altLang="en-US" dirty="0" smtClean="0"/>
-              <a:t>我们在确定优化什么的时候，往往很容易进入到一个过度优化的死胡同，最终一阵优化过后很难达到预计目标或</a:t>
+              <a:t>会忽略了它</a:t>
             </a:r>
             <a:r>
               <a:rPr lang="zh-CN" altLang="en-US" dirty="0" smtClean="0"/>
-              <a:t>收益，这是就需要我们以这个</a:t>
+              <a:t>。其他不讲，就拿优化来说，如果不以这个目标为准则，我们在确定优化什么的时候，往往很容易进入到一个过度优化的死胡同，最终一阵优化</a:t>
             </a:r>
             <a:r>
               <a:rPr lang="zh-CN" altLang="en-US" dirty="0" smtClean="0"/>
-              <a:t>最终</a:t>
+              <a:t>过后看似目优化的达到了，但距离我们的根本目的确仍有距离，这时就</a:t>
             </a:r>
             <a:r>
               <a:rPr lang="zh-CN" altLang="en-US" dirty="0" smtClean="0"/>
-              <a:t>目标为准则，明确该优化什么。</a:t>
+              <a:t>需要我们以这个最终目标为准则</a:t>
+            </a:r>
+            <a:r>
+              <a:rPr lang="zh-CN" altLang="en-US" dirty="0" smtClean="0"/>
+              <a:t>，在动手优化前，明确</a:t>
+            </a:r>
+            <a:r>
+              <a:rPr lang="zh-CN" altLang="en-US" dirty="0" smtClean="0"/>
+              <a:t>该优化</a:t>
+            </a:r>
+            <a:r>
+              <a:rPr lang="zh-CN" altLang="en-US" dirty="0" smtClean="0"/>
+              <a:t>什么，优化到什么程度。</a:t>
             </a:r>
             <a:endParaRPr lang="zh-CN" altLang="en-US" dirty="0"/>
           </a:p>
@@ -955,30 +967,29 @@
           <a:p>
             <a:r>
               <a:rPr lang="zh-CN" altLang="en-US" dirty="0" smtClean="0"/>
-              <a:t>那到底怎么确定该优化什么呢，</a:t>
+              <a:t>那</a:t>
+            </a:r>
+            <a:r>
+              <a:rPr lang="zh-CN" altLang="en-US" dirty="0" smtClean="0"/>
+              <a:t>到底该优化什么呢，</a:t>
             </a:r>
             <a:endParaRPr lang="en-US" altLang="zh-CN" dirty="0" smtClean="0"/>
           </a:p>
           <a:p>
             <a:r>
               <a:rPr lang="zh-CN" altLang="en-US" dirty="0" smtClean="0"/>
-              <a:t>啊</a:t>
+              <a:t>我认为优化什么没有现成结果，而是根据具体产品具体分析，今天我不打算讲具体产品，而是想讲下，具有一定普适性的问题，也是前面我提到过的问题。如何确定</a:t>
             </a:r>
             <a:r>
               <a:rPr lang="zh-CN" altLang="en-US" dirty="0" smtClean="0"/>
-              <a:t>是穴 </a:t>
-            </a:r>
+              <a:t>该优化什么呢，</a:t>
+            </a:r>
+            <a:endParaRPr lang="en-US" altLang="zh-CN" dirty="0" smtClean="0"/>
+          </a:p>
+          <a:p>
             <a:r>
               <a:rPr lang="zh-CN" altLang="en-US" dirty="0" smtClean="0"/>
-              <a:t>在针灸中它是见效</a:t>
-            </a:r>
-            <a:r>
-              <a:rPr lang="zh-CN" altLang="en-US" dirty="0" smtClean="0"/>
-              <a:t>快，投入少</a:t>
-            </a:r>
-            <a:r>
-              <a:rPr lang="zh-CN" altLang="en-US" dirty="0" smtClean="0"/>
-              <a:t>，灵活性高的一种</a:t>
+              <a:t>啊是穴 在针灸中它是见效快，投入少，灵活性高的一种</a:t>
             </a:r>
             <a:r>
               <a:rPr lang="zh-CN" altLang="en-US" sz="1200" b="0" i="0" kern="1200" dirty="0" smtClean="0">
@@ -1004,7 +1015,7 @@
           </a:p>
           <a:p>
             <a:r>
-              <a:rPr lang="zh-CN" altLang="en-US" sz="1200" b="0" i="0" kern="1200" smtClean="0">
+              <a:rPr lang="zh-CN" altLang="en-US" sz="1200" b="0" i="0" kern="1200" dirty="0" smtClean="0">
                 <a:solidFill>
                   <a:schemeClr val="tx1"/>
                 </a:solidFill>
@@ -1013,7 +1024,95 @@
                 <a:ea typeface="+mn-ea"/>
                 <a:cs typeface="+mn-cs"/>
               </a:rPr>
-              <a:t>应用到优化中就是那出问题优化哪，优点刚才讲了，我们讲讲缺点，反应慢（属于亡羊补牢），治标不治本（因为通常问题是在系统完成后出现，我们为维持稳定性，不会大动）。</a:t>
+              <a:t>应用到优化中就是那出问题优化哪，优点刚才讲了，我们讲讲缺点，反应慢（属于亡羊补牢），治标不治本（因为通常问题是在系统完成后出现，我们为维持稳定性，</a:t>
+            </a:r>
+            <a:r>
+              <a:rPr lang="zh-CN" altLang="en-US" sz="1200" b="0" i="0" kern="1200" dirty="0" smtClean="0">
+                <a:solidFill>
+                  <a:schemeClr val="tx1"/>
+                </a:solidFill>
+                <a:effectLst/>
+                <a:latin typeface="+mn-lt"/>
+                <a:ea typeface="+mn-ea"/>
+                <a:cs typeface="+mn-cs"/>
+              </a:rPr>
+              <a:t>不会也不敢大</a:t>
+            </a:r>
+            <a:r>
+              <a:rPr lang="zh-CN" altLang="en-US" sz="1200" b="0" i="0" kern="1200" dirty="0" smtClean="0">
+                <a:solidFill>
+                  <a:schemeClr val="tx1"/>
+                </a:solidFill>
+                <a:effectLst/>
+                <a:latin typeface="+mn-lt"/>
+                <a:ea typeface="+mn-ea"/>
+                <a:cs typeface="+mn-cs"/>
+              </a:rPr>
+              <a:t>动）</a:t>
+            </a:r>
+            <a:r>
+              <a:rPr lang="zh-CN" altLang="en-US" sz="1200" b="0" i="0" kern="1200" dirty="0" smtClean="0">
+                <a:solidFill>
+                  <a:schemeClr val="tx1"/>
+                </a:solidFill>
+                <a:effectLst/>
+                <a:latin typeface="+mn-lt"/>
+                <a:ea typeface="+mn-ea"/>
+                <a:cs typeface="+mn-cs"/>
+              </a:rPr>
+              <a:t>。</a:t>
+            </a:r>
+            <a:endParaRPr lang="en-US" altLang="zh-CN" sz="1200" b="0" i="0" kern="1200" dirty="0" smtClean="0">
+              <a:solidFill>
+                <a:schemeClr val="tx1"/>
+              </a:solidFill>
+              <a:effectLst/>
+              <a:latin typeface="+mn-lt"/>
+              <a:ea typeface="+mn-ea"/>
+              <a:cs typeface="+mn-cs"/>
+            </a:endParaRPr>
+          </a:p>
+          <a:p>
+            <a:r>
+              <a:rPr lang="zh-CN" altLang="en-US" sz="1200" b="0" i="0" kern="1200" dirty="0" smtClean="0">
+                <a:solidFill>
+                  <a:schemeClr val="tx1"/>
+                </a:solidFill>
+                <a:effectLst/>
+                <a:latin typeface="+mn-lt"/>
+                <a:ea typeface="+mn-ea"/>
+                <a:cs typeface="+mn-cs"/>
+              </a:rPr>
+              <a:t>我推荐的做法是。。。</a:t>
+            </a:r>
+            <a:endParaRPr lang="en-US" altLang="zh-CN" sz="1200" b="0" i="0" kern="1200" dirty="0" smtClean="0">
+              <a:solidFill>
+                <a:schemeClr val="tx1"/>
+              </a:solidFill>
+              <a:effectLst/>
+              <a:latin typeface="+mn-lt"/>
+              <a:ea typeface="+mn-ea"/>
+              <a:cs typeface="+mn-cs"/>
+            </a:endParaRPr>
+          </a:p>
+          <a:p>
+            <a:r>
+              <a:rPr lang="zh-CN" altLang="en-US" dirty="0" smtClean="0"/>
+              <a:t>找好目标，做好定位： 以我们最终目标为原则，结合产品具体情况（如产品目标用户定位，销售模式，运营方式等等）来制定优化方向，和优化度。</a:t>
+            </a:r>
+            <a:endParaRPr lang="en-US" altLang="zh-CN" dirty="0" smtClean="0"/>
+          </a:p>
+          <a:p>
+            <a:r>
+              <a:rPr lang="zh-CN" altLang="en-US" dirty="0" smtClean="0"/>
+              <a:t>以防为主，防治结合： 我一直认为优化不是产品研发过程的一个阶段，而是伴随产品整个生命周期，从产品的原型设计，到技术架构，到开发，在到运维，每个阶段都应该考虑优化内容，因为只有这样我们才能做的以防为主，在上线前做好改做的优化。</a:t>
+            </a:r>
+            <a:endParaRPr lang="en-US" altLang="zh-CN" dirty="0" smtClean="0"/>
+          </a:p>
+          <a:p>
+            <a:r>
+              <a:rPr lang="zh-CN" altLang="en-US" dirty="0" smtClean="0"/>
+              <a:t>这做法说起来容易做起来难，需要每一个阶段的人员都对优化有一定了解，需要做的选择会很多。我是有一定选择困难症，所以今天不想，当然也没时间去深入的分享了。我们还是多关注下技术就能解决的如何优化吧。</a:t>
             </a:r>
             <a:endParaRPr lang="zh-CN" altLang="en-US" dirty="0"/>
           </a:p>
@@ -1102,29 +1201,8 @@
           <a:p>
             <a:r>
               <a:rPr lang="zh-CN" altLang="en-US" dirty="0" smtClean="0"/>
-              <a:t>修改：</a:t>
-            </a:r>
-            <a:endParaRPr lang="en-US" altLang="zh-CN" dirty="0" smtClean="0"/>
-          </a:p>
-          <a:p>
-            <a:r>
-              <a:rPr lang="en-US" altLang="zh-CN" dirty="0" smtClean="0"/>
-              <a:t>1</a:t>
-            </a:r>
-            <a:r>
-              <a:rPr lang="zh-CN" altLang="en-US" dirty="0" smtClean="0"/>
-              <a:t>、</a:t>
-            </a:r>
-            <a:r>
-              <a:rPr lang="en-US" altLang="zh-CN" dirty="0" smtClean="0"/>
-              <a:t> </a:t>
-            </a:r>
-            <a:r>
-              <a:rPr lang="zh-CN" altLang="en-US" dirty="0" smtClean="0"/>
-              <a:t>将这几句话做出动画效果</a:t>
-            </a:r>
-          </a:p>
-          <a:p>
+              <a:t>今天讲的如何优化，不是针对某一个产品，所以也没有前面讲的那些限制，我会尽量全的讲下各个优化点。因为比较多我们按影响角色分为</a:t>
+            </a:r>
             <a:endParaRPr lang="zh-CN" altLang="en-US" dirty="0"/>
           </a:p>
         </p:txBody>
@@ -1157,6 +1235,310 @@
     <p:extLst>
       <p:ext uri="{BB962C8B-B14F-4D97-AF65-F5344CB8AC3E}">
         <p14:creationId xmlns:p14="http://schemas.microsoft.com/office/powerpoint/2010/main" val="3423108873"/>
+      </p:ext>
+    </p:extLst>
+  </p:cSld>
+  <p:clrMapOvr>
+    <a:masterClrMapping/>
+  </p:clrMapOvr>
+</p:notes>
+</file>
+
+<file path=ppt/notesSlides/notesSlide6.xml><?xml version="1.0" encoding="utf-8"?>
+<p:notes xmlns:a="http://schemas.openxmlformats.org/drawingml/2006/main" xmlns:r="http://schemas.openxmlformats.org/officeDocument/2006/relationships" xmlns:p="http://schemas.openxmlformats.org/presentationml/2006/main">
+  <p:cSld>
+    <p:spTree>
+      <p:nvGrpSpPr>
+        <p:cNvPr id="1" name=""/>
+        <p:cNvGrpSpPr/>
+        <p:nvPr/>
+      </p:nvGrpSpPr>
+      <p:grpSpPr>
+        <a:xfrm>
+          <a:off x="0" y="0"/>
+          <a:ext cx="0" cy="0"/>
+          <a:chOff x="0" y="0"/>
+          <a:chExt cx="0" cy="0"/>
+        </a:xfrm>
+      </p:grpSpPr>
+      <p:sp>
+        <p:nvSpPr>
+          <p:cNvPr id="2" name="幻灯片图像占位符 1"/>
+          <p:cNvSpPr>
+            <a:spLocks noGrp="1" noRot="1" noChangeAspect="1"/>
+          </p:cNvSpPr>
+          <p:nvPr>
+            <p:ph type="sldImg"/>
+          </p:nvPr>
+        </p:nvSpPr>
+        <p:spPr/>
+      </p:sp>
+      <p:sp>
+        <p:nvSpPr>
+          <p:cNvPr id="3" name="备注占位符 2"/>
+          <p:cNvSpPr>
+            <a:spLocks noGrp="1"/>
+          </p:cNvSpPr>
+          <p:nvPr>
+            <p:ph type="body" idx="1"/>
+          </p:nvPr>
+        </p:nvSpPr>
+        <p:spPr/>
+        <p:txBody>
+          <a:bodyPr/>
+          <a:lstStyle/>
+          <a:p>
+            <a:r>
+              <a:rPr lang="zh-CN" altLang="en-US" dirty="0" smtClean="0"/>
+              <a:t>用户端优化，这里说的用户端优化，是指用户看在客户端看到的静态元素的优化，这种优化是成本最低，见效最快的优化，为什么这么说，大家看看这个图。 后台幸幸苦苦，又是架构，又是缓存，又是业务逻辑优化忙下来，可能也就减少了几条</a:t>
+            </a:r>
+            <a:r>
+              <a:rPr lang="en-US" altLang="zh-CN" dirty="0" err="1" smtClean="0"/>
+              <a:t>sql</a:t>
+            </a:r>
+            <a:r>
+              <a:rPr lang="en-US" altLang="zh-CN" dirty="0" smtClean="0"/>
+              <a:t> </a:t>
+            </a:r>
+            <a:r>
+              <a:rPr lang="zh-CN" altLang="en-US" dirty="0" smtClean="0"/>
+              <a:t>查询，节省了几十毫秒。而前端可能只需要优化一张图片就可以节省好几秒。</a:t>
+            </a:r>
+            <a:endParaRPr lang="en-US" altLang="zh-CN" dirty="0" smtClean="0"/>
+          </a:p>
+          <a:p>
+            <a:r>
+              <a:rPr lang="zh-CN" altLang="en-US" dirty="0" smtClean="0"/>
+              <a:t>这里拿教研打个比方，没优化前静态文件大小是</a:t>
+            </a:r>
+            <a:r>
+              <a:rPr lang="en-US" altLang="zh-CN" dirty="0" smtClean="0"/>
+              <a:t>30</a:t>
+            </a:r>
+            <a:r>
+              <a:rPr lang="zh-CN" altLang="en-US" dirty="0" smtClean="0"/>
+              <a:t>多</a:t>
+            </a:r>
+            <a:r>
+              <a:rPr lang="en-US" altLang="zh-CN" dirty="0" smtClean="0"/>
+              <a:t>M,</a:t>
+            </a:r>
+            <a:r>
+              <a:rPr lang="zh-CN" altLang="en-US" dirty="0" smtClean="0"/>
+              <a:t>优化后是</a:t>
+            </a:r>
+            <a:r>
+              <a:rPr lang="en-US" altLang="zh-CN" dirty="0" smtClean="0"/>
+              <a:t>10M</a:t>
+            </a:r>
+            <a:r>
+              <a:rPr lang="zh-CN" altLang="en-US" dirty="0" smtClean="0"/>
+              <a:t>以下。</a:t>
+            </a:r>
+            <a:endParaRPr lang="en-US" altLang="zh-CN" dirty="0" smtClean="0"/>
+          </a:p>
+          <a:p>
+            <a:r>
+              <a:rPr lang="zh-CN" altLang="en-US" dirty="0" smtClean="0"/>
+              <a:t>那用户端改优化什么呢，如何优化呢。</a:t>
+            </a:r>
+            <a:endParaRPr lang="en-US" altLang="zh-CN" dirty="0" smtClean="0"/>
+          </a:p>
+          <a:p>
+            <a:endParaRPr lang="zh-CN" altLang="en-US" dirty="0"/>
+          </a:p>
+        </p:txBody>
+      </p:sp>
+      <p:sp>
+        <p:nvSpPr>
+          <p:cNvPr id="4" name="灯片编号占位符 3"/>
+          <p:cNvSpPr>
+            <a:spLocks noGrp="1"/>
+          </p:cNvSpPr>
+          <p:nvPr>
+            <p:ph type="sldNum" sz="quarter" idx="10"/>
+          </p:nvPr>
+        </p:nvSpPr>
+        <p:spPr/>
+        <p:txBody>
+          <a:bodyPr/>
+          <a:lstStyle/>
+          <a:p>
+            <a:fld id="{2721F026-A56C-44A0-B1B5-6544C30C2BED}" type="slidenum">
+              <a:rPr lang="zh-CN" altLang="en-US" smtClean="0"/>
+              <a:pPr/>
+              <a:t>6</a:t>
+            </a:fld>
+            <a:endParaRPr lang="zh-CN" altLang="en-US"/>
+          </a:p>
+        </p:txBody>
+      </p:sp>
+    </p:spTree>
+    <p:extLst>
+      <p:ext uri="{BB962C8B-B14F-4D97-AF65-F5344CB8AC3E}">
+        <p14:creationId xmlns:p14="http://schemas.microsoft.com/office/powerpoint/2010/main" val="1381573"/>
+      </p:ext>
+    </p:extLst>
+  </p:cSld>
+  <p:clrMapOvr>
+    <a:masterClrMapping/>
+  </p:clrMapOvr>
+</p:notes>
+</file>
+
+<file path=ppt/notesSlides/notesSlide7.xml><?xml version="1.0" encoding="utf-8"?>
+<p:notes xmlns:a="http://schemas.openxmlformats.org/drawingml/2006/main" xmlns:r="http://schemas.openxmlformats.org/officeDocument/2006/relationships" xmlns:p="http://schemas.openxmlformats.org/presentationml/2006/main">
+  <p:cSld>
+    <p:spTree>
+      <p:nvGrpSpPr>
+        <p:cNvPr id="1" name=""/>
+        <p:cNvGrpSpPr/>
+        <p:nvPr/>
+      </p:nvGrpSpPr>
+      <p:grpSpPr>
+        <a:xfrm>
+          <a:off x="0" y="0"/>
+          <a:ext cx="0" cy="0"/>
+          <a:chOff x="0" y="0"/>
+          <a:chExt cx="0" cy="0"/>
+        </a:xfrm>
+      </p:grpSpPr>
+      <p:sp>
+        <p:nvSpPr>
+          <p:cNvPr id="2" name="幻灯片图像占位符 1"/>
+          <p:cNvSpPr>
+            <a:spLocks noGrp="1" noRot="1" noChangeAspect="1"/>
+          </p:cNvSpPr>
+          <p:nvPr>
+            <p:ph type="sldImg"/>
+          </p:nvPr>
+        </p:nvSpPr>
+        <p:spPr/>
+      </p:sp>
+      <p:sp>
+        <p:nvSpPr>
+          <p:cNvPr id="3" name="备注占位符 2"/>
+          <p:cNvSpPr>
+            <a:spLocks noGrp="1"/>
+          </p:cNvSpPr>
+          <p:nvPr>
+            <p:ph type="body" idx="1"/>
+          </p:nvPr>
+        </p:nvSpPr>
+        <p:spPr/>
+        <p:txBody>
+          <a:bodyPr/>
+          <a:lstStyle/>
+          <a:p>
+            <a:r>
+              <a:rPr lang="zh-CN" altLang="en-US" dirty="0" smtClean="0"/>
+              <a:t>有一句比较好的回答了这两个问题，这句话是这么说的，用户端优化就是。。。</a:t>
+            </a:r>
+            <a:endParaRPr lang="en-US" altLang="zh-CN" dirty="0" smtClean="0"/>
+          </a:p>
+          <a:p>
+            <a:r>
+              <a:rPr lang="zh-CN" altLang="en-US" dirty="0" smtClean="0"/>
+              <a:t>少，是少请求。请求量是服务器最大的敌人之一，因为请求是要消耗资源的，即消耗客户端资源，也消耗服务端资源。所以我们希望同样需求页面下，请求越少越好</a:t>
+            </a:r>
+            <a:endParaRPr lang="en-US" altLang="zh-CN" dirty="0" smtClean="0"/>
+          </a:p>
+          <a:p>
+            <a:r>
+              <a:rPr lang="zh-CN" altLang="en-US" dirty="0" smtClean="0"/>
+              <a:t>实现方式： 合并（</a:t>
+            </a:r>
+            <a:r>
+              <a:rPr lang="en-US" altLang="zh-CN" dirty="0" err="1" smtClean="0"/>
+              <a:t>js</a:t>
+            </a:r>
+            <a:r>
+              <a:rPr lang="en-US" altLang="zh-CN" dirty="0" smtClean="0"/>
+              <a:t> </a:t>
+            </a:r>
+            <a:r>
+              <a:rPr lang="zh-CN" altLang="en-US" dirty="0" smtClean="0"/>
+              <a:t>合并，</a:t>
+            </a:r>
+            <a:r>
+              <a:rPr lang="en-US" altLang="zh-CN" dirty="0" err="1" smtClean="0"/>
+              <a:t>css</a:t>
+            </a:r>
+            <a:r>
+              <a:rPr lang="en-US" altLang="zh-CN" dirty="0" smtClean="0"/>
+              <a:t> </a:t>
+            </a:r>
+            <a:r>
+              <a:rPr lang="zh-CN" altLang="en-US" dirty="0" smtClean="0"/>
+              <a:t>合并，图片合并），但千万注意我们前面说的最终目标，不能盲目合并，因为合并是有成本的，特别是在我们还没有实现合并自动化的时候，成本还不低，所以要求我们能适度合并，另外，有时合并还可能导致降低用户体验，比如说</a:t>
+            </a:r>
+            <a:r>
+              <a:rPr lang="en-US" altLang="zh-CN" dirty="0" err="1" smtClean="0"/>
+              <a:t>js</a:t>
+            </a:r>
+            <a:r>
+              <a:rPr lang="zh-CN" altLang="en-US" dirty="0" smtClean="0"/>
+              <a:t>合并，如果不是适度的话，本来页面部分功能是很快可用的，但因为</a:t>
+            </a:r>
+            <a:r>
+              <a:rPr lang="en-US" altLang="zh-CN" dirty="0" err="1" smtClean="0"/>
+              <a:t>js</a:t>
+            </a:r>
+            <a:r>
+              <a:rPr lang="en-US" altLang="zh-CN" dirty="0" smtClean="0"/>
+              <a:t> </a:t>
+            </a:r>
+            <a:r>
+              <a:rPr lang="zh-CN" altLang="en-US" dirty="0" smtClean="0"/>
+              <a:t>合并变成了</a:t>
+            </a:r>
+            <a:r>
+              <a:rPr lang="en-US" altLang="zh-CN" dirty="0" err="1" smtClean="0"/>
+              <a:t>js</a:t>
+            </a:r>
+            <a:r>
+              <a:rPr lang="en-US" altLang="zh-CN" dirty="0" smtClean="0"/>
+              <a:t> </a:t>
+            </a:r>
+            <a:r>
+              <a:rPr lang="zh-CN" altLang="en-US" dirty="0" smtClean="0"/>
+              <a:t>加载完成前完全不可用。</a:t>
+            </a:r>
+            <a:endParaRPr lang="en-US" altLang="zh-CN" smtClean="0"/>
+          </a:p>
+          <a:p>
+            <a:endParaRPr lang="zh-CN" altLang="en-US" dirty="0"/>
+          </a:p>
+        </p:txBody>
+      </p:sp>
+      <p:sp>
+        <p:nvSpPr>
+          <p:cNvPr id="4" name="灯片编号占位符 3"/>
+          <p:cNvSpPr>
+            <a:spLocks noGrp="1"/>
+          </p:cNvSpPr>
+          <p:nvPr>
+            <p:ph type="sldNum" sz="quarter" idx="10"/>
+          </p:nvPr>
+        </p:nvSpPr>
+        <p:spPr/>
+        <p:txBody>
+          <a:bodyPr/>
+          <a:lstStyle/>
+          <a:p>
+            <a:fld id="{2721F026-A56C-44A0-B1B5-6544C30C2BED}" type="slidenum">
+              <a:rPr lang="zh-CN" altLang="en-US" smtClean="0"/>
+              <a:pPr/>
+              <a:t>7</a:t>
+            </a:fld>
+            <a:endParaRPr lang="zh-CN" altLang="en-US"/>
+          </a:p>
+        </p:txBody>
+      </p:sp>
+    </p:spTree>
+    <p:extLst>
+      <p:ext uri="{BB962C8B-B14F-4D97-AF65-F5344CB8AC3E}">
+        <p14:creationId xmlns:p14="http://schemas.microsoft.com/office/powerpoint/2010/main" val="3934291510"/>
       </p:ext>
     </p:extLst>
   </p:cSld>
@@ -1354,7 +1736,7 @@
             <a:fld id="{D22439AA-DE3E-4136-8738-0A92E0638C7F}" type="datetimeFigureOut">
               <a:rPr lang="zh-CN" altLang="en-US" smtClean="0"/>
               <a:pPr/>
-              <a:t>2016/6/22</a:t>
+              <a:t>2016/6/26</a:t>
             </a:fld>
             <a:endParaRPr lang="zh-CN" altLang="en-US"/>
           </a:p>
@@ -1542,7 +1924,7 @@
             <a:fld id="{D22439AA-DE3E-4136-8738-0A92E0638C7F}" type="datetimeFigureOut">
               <a:rPr lang="zh-CN" altLang="en-US" smtClean="0"/>
               <a:pPr/>
-              <a:t>2016/6/22</a:t>
+              <a:t>2016/6/26</a:t>
             </a:fld>
             <a:endParaRPr lang="zh-CN" altLang="en-US"/>
           </a:p>
@@ -1730,7 +2112,7 @@
             <a:fld id="{D22439AA-DE3E-4136-8738-0A92E0638C7F}" type="datetimeFigureOut">
               <a:rPr lang="zh-CN" altLang="en-US" smtClean="0"/>
               <a:pPr/>
-              <a:t>2016/6/22</a:t>
+              <a:t>2016/6/26</a:t>
             </a:fld>
             <a:endParaRPr lang="zh-CN" altLang="en-US"/>
           </a:p>
@@ -1943,7 +2325,7 @@
             <a:fld id="{D22439AA-DE3E-4136-8738-0A92E0638C7F}" type="datetimeFigureOut">
               <a:rPr lang="zh-CN" altLang="en-US" smtClean="0"/>
               <a:pPr/>
-              <a:t>2016/6/22</a:t>
+              <a:t>2016/6/26</a:t>
             </a:fld>
             <a:endParaRPr lang="zh-CN" altLang="en-US"/>
           </a:p>
@@ -2197,7 +2579,7 @@
             <a:fld id="{D22439AA-DE3E-4136-8738-0A92E0638C7F}" type="datetimeFigureOut">
               <a:rPr lang="zh-CN" altLang="en-US" smtClean="0"/>
               <a:pPr/>
-              <a:t>2016/6/22</a:t>
+              <a:t>2016/6/26</a:t>
             </a:fld>
             <a:endParaRPr lang="zh-CN" altLang="en-US"/>
           </a:p>
@@ -2501,7 +2883,7 @@
             <a:fld id="{D22439AA-DE3E-4136-8738-0A92E0638C7F}" type="datetimeFigureOut">
               <a:rPr lang="zh-CN" altLang="en-US" smtClean="0"/>
               <a:pPr/>
-              <a:t>2016/6/22</a:t>
+              <a:t>2016/6/26</a:t>
             </a:fld>
             <a:endParaRPr lang="zh-CN" altLang="en-US"/>
           </a:p>
@@ -2945,7 +3327,7 @@
             <a:fld id="{D22439AA-DE3E-4136-8738-0A92E0638C7F}" type="datetimeFigureOut">
               <a:rPr lang="zh-CN" altLang="en-US" smtClean="0"/>
               <a:pPr/>
-              <a:t>2016/6/22</a:t>
+              <a:t>2016/6/26</a:t>
             </a:fld>
             <a:endParaRPr lang="zh-CN" altLang="en-US"/>
           </a:p>
@@ -3073,7 +3455,7 @@
             <a:fld id="{D22439AA-DE3E-4136-8738-0A92E0638C7F}" type="datetimeFigureOut">
               <a:rPr lang="zh-CN" altLang="en-US" smtClean="0"/>
               <a:pPr/>
-              <a:t>2016/6/22</a:t>
+              <a:t>2016/6/26</a:t>
             </a:fld>
             <a:endParaRPr lang="zh-CN" altLang="en-US"/>
           </a:p>
@@ -3170,7 +3552,7 @@
             <a:fld id="{D22439AA-DE3E-4136-8738-0A92E0638C7F}" type="datetimeFigureOut">
               <a:rPr lang="zh-CN" altLang="en-US" smtClean="0"/>
               <a:pPr/>
-              <a:t>2016/6/22</a:t>
+              <a:t>2016/6/26</a:t>
             </a:fld>
             <a:endParaRPr lang="zh-CN" altLang="en-US"/>
           </a:p>
@@ -3458,7 +3840,7 @@
             <a:fld id="{D22439AA-DE3E-4136-8738-0A92E0638C7F}" type="datetimeFigureOut">
               <a:rPr lang="zh-CN" altLang="en-US" smtClean="0"/>
               <a:pPr/>
-              <a:t>2016/6/22</a:t>
+              <a:t>2016/6/26</a:t>
             </a:fld>
             <a:endParaRPr lang="zh-CN" altLang="en-US"/>
           </a:p>
@@ -3722,7 +4104,7 @@
             <a:fld id="{D22439AA-DE3E-4136-8738-0A92E0638C7F}" type="datetimeFigureOut">
               <a:rPr lang="zh-CN" altLang="en-US" smtClean="0"/>
               <a:pPr/>
-              <a:t>2016/6/22</a:t>
+              <a:t>2016/6/26</a:t>
             </a:fld>
             <a:endParaRPr lang="zh-CN" altLang="en-US"/>
           </a:p>
@@ -3842,7 +4224,7 @@
             <a:fld id="{D22439AA-DE3E-4136-8738-0A92E0638C7F}" type="datetimeFigureOut">
               <a:rPr lang="zh-CN" altLang="en-US" smtClean="0"/>
               <a:pPr/>
-              <a:t>2016/6/22</a:t>
+              <a:t>2016/6/26</a:t>
             </a:fld>
             <a:endParaRPr lang="zh-CN" altLang="en-US"/>
           </a:p>
@@ -4465,6 +4847,16 @@
               <a:defRPr/>
             </a:pPr>
             <a:r>
+              <a:rPr lang="en-US" altLang="zh-CN" sz="5400" b="1" dirty="0" smtClean="0">
+                <a:solidFill>
+                  <a:schemeClr val="bg1"/>
+                </a:solidFill>
+                <a:latin typeface="方正大黑简体" pitchFamily="2" charset="-122"/>
+                <a:ea typeface="方正大黑简体" pitchFamily="2" charset="-122"/>
+              </a:rPr>
+              <a:t>WEB</a:t>
+            </a:r>
+            <a:r>
               <a:rPr lang="zh-CN" altLang="en-US" sz="5400" b="1" dirty="0" smtClean="0">
                 <a:solidFill>
                   <a:schemeClr val="bg1"/>
@@ -4472,7 +4864,17 @@
                 <a:latin typeface="方正大黑简体" pitchFamily="2" charset="-122"/>
                 <a:ea typeface="方正大黑简体" pitchFamily="2" charset="-122"/>
               </a:rPr>
-              <a:t>前端优化</a:t>
+              <a:t>前端</a:t>
+            </a:r>
+            <a:r>
+              <a:rPr lang="zh-CN" altLang="en-US" sz="5400" b="1" dirty="0" smtClean="0">
+                <a:solidFill>
+                  <a:schemeClr val="bg1"/>
+                </a:solidFill>
+                <a:latin typeface="方正大黑简体" pitchFamily="2" charset="-122"/>
+                <a:ea typeface="方正大黑简体" pitchFamily="2" charset="-122"/>
+              </a:rPr>
+              <a:t>优化</a:t>
             </a:r>
             <a:endParaRPr lang="en-US" altLang="zh-CN" sz="5400" b="1" dirty="0">
               <a:solidFill>
@@ -7146,7 +7548,7 @@
         </p:nvSpPr>
         <p:spPr>
           <a:xfrm>
-            <a:off x="307975" y="1486047"/>
+            <a:off x="307975" y="2511187"/>
             <a:ext cx="1815753" cy="1061829"/>
           </a:xfrm>
           <a:prstGeom prst="rect">
@@ -7195,7 +7597,7 @@
         </p:nvGrpSpPr>
         <p:grpSpPr>
           <a:xfrm>
-            <a:off x="2123728" y="1372416"/>
+            <a:off x="2123728" y="2397556"/>
             <a:ext cx="2664296" cy="875881"/>
             <a:chOff x="2123728" y="1372416"/>
             <a:chExt cx="2664296" cy="875881"/>
@@ -7286,7 +7688,7 @@
         </p:nvSpPr>
         <p:spPr>
           <a:xfrm>
-            <a:off x="307974" y="2780928"/>
+            <a:off x="307974" y="4167371"/>
             <a:ext cx="5488162" cy="1061829"/>
           </a:xfrm>
           <a:prstGeom prst="rect">
@@ -7311,11 +7713,7 @@
             </a:r>
             <a:r>
               <a:rPr lang="zh-CN" altLang="en-US" b="1" dirty="0" smtClean="0"/>
-              <a:t>做法</a:t>
-            </a:r>
-            <a:r>
-              <a:rPr lang="zh-CN" altLang="en-US" b="1" dirty="0" smtClean="0"/>
-              <a:t>：</a:t>
+              <a:t>做法：</a:t>
             </a:r>
             <a:endParaRPr lang="en-US" altLang="zh-CN" b="1" dirty="0" smtClean="0"/>
           </a:p>
@@ -7332,6 +7730,216 @@
           </a:p>
           <a:p>
             <a:endParaRPr lang="zh-CN" altLang="en-US" dirty="0"/>
+          </a:p>
+        </p:txBody>
+      </p:sp>
+      <p:sp>
+        <p:nvSpPr>
+          <p:cNvPr id="3" name="矩形 2"/>
+          <p:cNvSpPr/>
+          <p:nvPr/>
+        </p:nvSpPr>
+        <p:spPr>
+          <a:xfrm>
+            <a:off x="0" y="1052736"/>
+            <a:ext cx="9144000" cy="576064"/>
+          </a:xfrm>
+          <a:prstGeom prst="rect">
+            <a:avLst/>
+          </a:prstGeom>
+        </p:spPr>
+        <p:style>
+          <a:lnRef idx="1">
+            <a:schemeClr val="accent3"/>
+          </a:lnRef>
+          <a:fillRef idx="2">
+            <a:schemeClr val="accent3"/>
+          </a:fillRef>
+          <a:effectRef idx="1">
+            <a:schemeClr val="accent3"/>
+          </a:effectRef>
+          <a:fontRef idx="minor">
+            <a:schemeClr val="dk1"/>
+          </a:fontRef>
+        </p:style>
+        <p:txBody>
+          <a:bodyPr rtlCol="0" anchor="ctr"/>
+          <a:lstStyle/>
+          <a:p>
+            <a:pPr algn="ctr"/>
+            <a:r>
+              <a:rPr lang="zh-CN" altLang="en-US" dirty="0"/>
+              <a:t>如何确定该优化</a:t>
+            </a:r>
+            <a:r>
+              <a:rPr lang="zh-CN" altLang="en-US" dirty="0" smtClean="0"/>
+              <a:t>什么？</a:t>
+            </a:r>
+            <a:endParaRPr lang="zh-CN" altLang="en-US" dirty="0"/>
+          </a:p>
+        </p:txBody>
+      </p:sp>
+      <p:sp>
+        <p:nvSpPr>
+          <p:cNvPr id="5" name="矩形标注 4"/>
+          <p:cNvSpPr/>
+          <p:nvPr/>
+        </p:nvSpPr>
+        <p:spPr>
+          <a:xfrm>
+            <a:off x="4788024" y="2511187"/>
+            <a:ext cx="2520280" cy="1003935"/>
+          </a:xfrm>
+          <a:prstGeom prst="wedgeRectCallout">
+            <a:avLst>
+              <a:gd name="adj1" fmla="val -55225"/>
+              <a:gd name="adj2" fmla="val -18189"/>
+            </a:avLst>
+          </a:prstGeom>
+        </p:spPr>
+        <p:style>
+          <a:lnRef idx="1">
+            <a:schemeClr val="accent5"/>
+          </a:lnRef>
+          <a:fillRef idx="2">
+            <a:schemeClr val="accent5"/>
+          </a:fillRef>
+          <a:effectRef idx="1">
+            <a:schemeClr val="accent5"/>
+          </a:effectRef>
+          <a:fontRef idx="minor">
+            <a:schemeClr val="dk1"/>
+          </a:fontRef>
+        </p:style>
+        <p:txBody>
+          <a:bodyPr rtlCol="0" anchor="ctr"/>
+          <a:lstStyle/>
+          <a:p>
+            <a:pPr>
+              <a:lnSpc>
+                <a:spcPct val="150000"/>
+              </a:lnSpc>
+            </a:pPr>
+            <a:r>
+              <a:rPr lang="en-US" altLang="zh-CN" dirty="0" smtClean="0">
+                <a:solidFill>
+                  <a:srgbClr val="FF0000"/>
+                </a:solidFill>
+              </a:rPr>
+              <a:t>1.</a:t>
+            </a:r>
+            <a:r>
+              <a:rPr lang="zh-CN" altLang="en-US" dirty="0" smtClean="0">
+                <a:solidFill>
+                  <a:srgbClr val="FF0000"/>
+                </a:solidFill>
+              </a:rPr>
+              <a:t>反应慢，亡羊补牢</a:t>
+            </a:r>
+            <a:endParaRPr lang="en-US" altLang="zh-CN" dirty="0" smtClean="0">
+              <a:solidFill>
+                <a:srgbClr val="FF0000"/>
+              </a:solidFill>
+            </a:endParaRPr>
+          </a:p>
+          <a:p>
+            <a:pPr>
+              <a:lnSpc>
+                <a:spcPct val="150000"/>
+              </a:lnSpc>
+            </a:pPr>
+            <a:r>
+              <a:rPr lang="en-US" altLang="zh-CN" dirty="0" smtClean="0">
+                <a:solidFill>
+                  <a:srgbClr val="FF0000"/>
+                </a:solidFill>
+              </a:rPr>
+              <a:t>2.</a:t>
+            </a:r>
+            <a:r>
+              <a:rPr lang="zh-CN" altLang="en-US" dirty="0" smtClean="0">
+                <a:solidFill>
+                  <a:srgbClr val="FF0000"/>
+                </a:solidFill>
+              </a:rPr>
+              <a:t>治标不治本</a:t>
+            </a:r>
+            <a:endParaRPr lang="zh-CN" altLang="en-US" dirty="0">
+              <a:solidFill>
+                <a:srgbClr val="FF0000"/>
+              </a:solidFill>
+            </a:endParaRPr>
+          </a:p>
+        </p:txBody>
+      </p:sp>
+      <p:sp>
+        <p:nvSpPr>
+          <p:cNvPr id="6" name="矩形 5"/>
+          <p:cNvSpPr/>
+          <p:nvPr/>
+        </p:nvSpPr>
+        <p:spPr>
+          <a:xfrm>
+            <a:off x="2679288" y="3298848"/>
+            <a:ext cx="3620904" cy="1569660"/>
+          </a:xfrm>
+          <a:prstGeom prst="rect">
+            <a:avLst/>
+          </a:prstGeom>
+          <a:noFill/>
+        </p:spPr>
+        <p:txBody>
+          <a:bodyPr wrap="square" lIns="91440" tIns="45720" rIns="91440" bIns="45720">
+            <a:spAutoFit/>
+          </a:bodyPr>
+          <a:lstStyle/>
+          <a:p>
+            <a:pPr algn="ctr"/>
+            <a:r>
+              <a:rPr lang="en-US" altLang="zh-CN" sz="9600" b="1" dirty="0" smtClean="0">
+                <a:ln w="19050">
+                  <a:solidFill>
+                    <a:schemeClr val="tx2">
+                      <a:tint val="1000"/>
+                    </a:schemeClr>
+                  </a:solidFill>
+                  <a:prstDash val="solid"/>
+                </a:ln>
+                <a:solidFill>
+                  <a:schemeClr val="accent3"/>
+                </a:solidFill>
+                <a:effectLst>
+                  <a:outerShdw blurRad="50000" dist="50800" dir="7500000" algn="tl">
+                    <a:srgbClr val="000000">
+                      <a:shade val="5000"/>
+                      <a:alpha val="35000"/>
+                    </a:srgbClr>
+                  </a:outerShdw>
+                </a:effectLst>
+              </a:rPr>
+              <a:t>WHAT</a:t>
+            </a:r>
+            <a:endParaRPr lang="zh-CN" altLang="en-US" sz="9600" b="1" dirty="0">
+              <a:ln w="19050">
+                <a:solidFill>
+                  <a:schemeClr val="tx2">
+                    <a:tint val="1000"/>
+                  </a:schemeClr>
+                </a:solidFill>
+                <a:prstDash val="solid"/>
+              </a:ln>
+              <a:solidFill>
+                <a:schemeClr val="accent3"/>
+              </a:solidFill>
+              <a:effectLst>
+                <a:outerShdw blurRad="50000" dist="50800" dir="7500000" algn="tl">
+                  <a:srgbClr val="000000">
+                    <a:shade val="5000"/>
+                    <a:alpha val="35000"/>
+                  </a:srgbClr>
+                </a:outerShdw>
+              </a:effectLst>
+            </a:endParaRPr>
           </a:p>
         </p:txBody>
       </p:sp>
@@ -7345,11 +7953,11 @@
   <p:clrMapOvr>
     <a:masterClrMapping/>
   </p:clrMapOvr>
-  <mc:AlternateContent xmlns:mc="http://schemas.openxmlformats.org/markup-compatibility/2006" xmlns:p14="http://schemas.microsoft.com/office/powerpoint/2010/main">
-    <mc:Choice Requires="p14">
-      <p:transition p14:dur="0"/>
+  <mc:AlternateContent xmlns:mc="http://schemas.openxmlformats.org/markup-compatibility/2006">
+    <mc:Choice xmlns:p14="http://schemas.microsoft.com/office/powerpoint/2010/main" Requires="p14">
+      <p:transition p14:dur="10"/>
     </mc:Choice>
-    <mc:Fallback xmlns="">
+    <mc:Fallback>
       <p:transition/>
     </mc:Fallback>
   </mc:AlternateContent>
@@ -7374,24 +7982,73 @@
                             </p:stCondLst>
                             <p:childTnLst>
                               <p:par>
-                                <p:cTn id="5" presetID="2" presetClass="entr" presetSubtype="4" fill="hold" nodeType="clickEffect">
+                                <p:cTn id="5" presetID="10" presetClass="exit" presetSubtype="0" fill="hold" grpId="0" nodeType="clickEffect">
+                                  <p:stCondLst>
+                                    <p:cond delay="0"/>
+                                  </p:stCondLst>
+                                  <p:childTnLst>
+                                    <p:animEffect transition="out" filter="fade">
+                                      <p:cBhvr>
+                                        <p:cTn id="6" dur="500"/>
+                                        <p:tgtEl>
+                                          <p:spTgt spid="6"/>
+                                        </p:tgtEl>
+                                      </p:cBhvr>
+                                    </p:animEffect>
+                                    <p:set>
+                                      <p:cBhvr>
+                                        <p:cTn id="7" dur="1" fill="hold">
+                                          <p:stCondLst>
+                                            <p:cond delay="499"/>
+                                          </p:stCondLst>
+                                        </p:cTn>
+                                        <p:tgtEl>
+                                          <p:spTgt spid="6"/>
+                                        </p:tgtEl>
+                                        <p:attrNameLst>
+                                          <p:attrName>style.visibility</p:attrName>
+                                        </p:attrNameLst>
+                                      </p:cBhvr>
+                                      <p:to>
+                                        <p:strVal val="hidden"/>
+                                      </p:to>
+                                    </p:set>
+                                  </p:childTnLst>
+                                </p:cTn>
+                              </p:par>
+                            </p:childTnLst>
+                          </p:cTn>
+                        </p:par>
+                      </p:childTnLst>
+                    </p:cTn>
+                  </p:par>
+                  <p:par>
+                    <p:cTn id="8" fill="hold">
+                      <p:stCondLst>
+                        <p:cond delay="indefinite"/>
+                      </p:stCondLst>
+                      <p:childTnLst>
+                        <p:par>
+                          <p:cTn id="9" fill="hold">
+                            <p:stCondLst>
+                              <p:cond delay="0"/>
+                            </p:stCondLst>
+                            <p:childTnLst>
+                              <p:par>
+                                <p:cTn id="10" presetID="2" presetClass="entr" presetSubtype="8" fill="hold" grpId="0" nodeType="clickEffect">
                                   <p:stCondLst>
                                     <p:cond delay="0"/>
                                   </p:stCondLst>
                                   <p:childTnLst>
                                     <p:set>
                                       <p:cBhvr>
-                                        <p:cTn id="6" dur="1" fill="hold">
+                                        <p:cTn id="11" dur="1" fill="hold">
                                           <p:stCondLst>
                                             <p:cond delay="0"/>
                                           </p:stCondLst>
                                         </p:cTn>
                                         <p:tgtEl>
-                                          <p:spTgt spid="4">
-                                            <p:txEl>
-                                              <p:pRg st="1" end="1"/>
-                                            </p:txEl>
-                                          </p:spTgt>
+                                          <p:spTgt spid="3"/>
                                         </p:tgtEl>
                                         <p:attrNameLst>
                                           <p:attrName>style.visibility</p:attrName>
@@ -7403,13 +8060,100 @@
                                     </p:set>
                                     <p:anim calcmode="lin" valueType="num">
                                       <p:cBhvr additive="base">
-                                        <p:cTn id="7" dur="500" fill="hold"/>
+                                        <p:cTn id="12" dur="500" fill="hold"/>
                                         <p:tgtEl>
-                                          <p:spTgt spid="4">
-                                            <p:txEl>
-                                              <p:pRg st="1" end="1"/>
-                                            </p:txEl>
-                                          </p:spTgt>
+                                          <p:spTgt spid="3"/>
+                                        </p:tgtEl>
+                                        <p:attrNameLst>
+                                          <p:attrName>ppt_x</p:attrName>
+                                        </p:attrNameLst>
+                                      </p:cBhvr>
+                                      <p:tavLst>
+                                        <p:tav tm="0">
+                                          <p:val>
+                                            <p:strVal val="0-#ppt_w/2"/>
+                                          </p:val>
+                                        </p:tav>
+                                        <p:tav tm="100000">
+                                          <p:val>
+                                            <p:strVal val="#ppt_x"/>
+                                          </p:val>
+                                        </p:tav>
+                                      </p:tavLst>
+                                    </p:anim>
+                                    <p:anim calcmode="lin" valueType="num">
+                                      <p:cBhvr additive="base">
+                                        <p:cTn id="13" dur="500" fill="hold"/>
+                                        <p:tgtEl>
+                                          <p:spTgt spid="3"/>
+                                        </p:tgtEl>
+                                        <p:attrNameLst>
+                                          <p:attrName>ppt_y</p:attrName>
+                                        </p:attrNameLst>
+                                      </p:cBhvr>
+                                      <p:tavLst>
+                                        <p:tav tm="0">
+                                          <p:val>
+                                            <p:strVal val="#ppt_y"/>
+                                          </p:val>
+                                        </p:tav>
+                                        <p:tav tm="100000">
+                                          <p:val>
+                                            <p:strVal val="#ppt_y"/>
+                                          </p:val>
+                                        </p:tav>
+                                      </p:tavLst>
+                                    </p:anim>
+                                  </p:childTnLst>
+                                </p:cTn>
+                              </p:par>
+                            </p:childTnLst>
+                          </p:cTn>
+                        </p:par>
+                      </p:childTnLst>
+                    </p:cTn>
+                  </p:par>
+                  <p:par>
+                    <p:cTn id="14" fill="hold">
+                      <p:stCondLst>
+                        <p:cond delay="indefinite"/>
+                      </p:stCondLst>
+                      <p:childTnLst>
+                        <p:par>
+                          <p:cTn id="15" fill="hold">
+                            <p:stCondLst>
+                              <p:cond delay="0"/>
+                            </p:stCondLst>
+                            <p:childTnLst>
+                              <p:par>
+                                <p:cTn id="16" presetID="2" presetClass="entr" presetSubtype="1" fill="hold" grpId="0" nodeType="clickEffect">
+                                  <p:stCondLst>
+                                    <p:cond delay="0"/>
+                                  </p:stCondLst>
+                                  <p:childTnLst>
+                                    <p:set>
+                                      <p:cBhvr>
+                                        <p:cTn id="17" dur="1" fill="hold">
+                                          <p:stCondLst>
+                                            <p:cond delay="0"/>
+                                          </p:stCondLst>
+                                        </p:cTn>
+                                        <p:tgtEl>
+                                          <p:spTgt spid="4"/>
+                                        </p:tgtEl>
+                                        <p:attrNameLst>
+                                          <p:attrName>style.visibility</p:attrName>
+                                        </p:attrNameLst>
+                                      </p:cBhvr>
+                                      <p:to>
+                                        <p:strVal val="visible"/>
+                                      </p:to>
+                                    </p:set>
+                                    <p:anim calcmode="lin" valueType="num">
+                                      <p:cBhvr additive="base">
+                                        <p:cTn id="18" dur="500" fill="hold"/>
+                                        <p:tgtEl>
+                                          <p:spTgt spid="4"/>
                                         </p:tgtEl>
                                         <p:attrNameLst>
                                           <p:attrName>ppt_x</p:attrName>
@@ -7430,13 +8174,9 @@
                                     </p:anim>
                                     <p:anim calcmode="lin" valueType="num">
                                       <p:cBhvr additive="base">
-                                        <p:cTn id="8" dur="500" fill="hold"/>
+                                        <p:cTn id="19" dur="500" fill="hold"/>
                                         <p:tgtEl>
-                                          <p:spTgt spid="4">
-                                            <p:txEl>
-                                              <p:pRg st="1" end="1"/>
-                                            </p:txEl>
-                                          </p:spTgt>
+                                          <p:spTgt spid="4"/>
                                         </p:tgtEl>
                                         <p:attrNameLst>
                                           <p:attrName>ppt_y</p:attrName>
@@ -7445,7 +8185,7 @@
                                       <p:tavLst>
                                         <p:tav tm="0">
                                           <p:val>
-                                            <p:strVal val="1+#ppt_h/2"/>
+                                            <p:strVal val="0-#ppt_h/2"/>
                                           </p:val>
                                         </p:tav>
                                         <p:tav tm="100000">
@@ -7465,36 +8205,32 @@
                     </p:cTn>
                   </p:par>
                   <p:par>
-                    <p:cTn id="9" fill="hold">
+                    <p:cTn id="20" fill="hold">
                       <p:stCondLst>
                         <p:cond delay="indefinite"/>
                       </p:stCondLst>
                       <p:childTnLst>
                         <p:par>
-                          <p:cTn id="10" fill="hold">
+                          <p:cTn id="21" fill="hold">
                             <p:stCondLst>
                               <p:cond delay="0"/>
                             </p:stCondLst>
                             <p:childTnLst>
                               <p:par>
-                                <p:cTn id="11" presetID="2" presetClass="entr" presetSubtype="4" fill="hold" nodeType="clickEffect">
+                                <p:cTn id="22" presetID="2" presetClass="entr" presetSubtype="2" fill="hold" nodeType="clickEffect">
                                   <p:stCondLst>
                                     <p:cond delay="0"/>
                                   </p:stCondLst>
                                   <p:childTnLst>
                                     <p:set>
                                       <p:cBhvr>
-                                        <p:cTn id="12" dur="1" fill="hold">
+                                        <p:cTn id="23" dur="1" fill="hold">
                                           <p:stCondLst>
                                             <p:cond delay="0"/>
                                           </p:stCondLst>
                                         </p:cTn>
                                         <p:tgtEl>
-                                          <p:spTgt spid="17">
-                                            <p:txEl>
-                                              <p:pRg st="1" end="1"/>
-                                            </p:txEl>
-                                          </p:spTgt>
+                                          <p:spTgt spid="10"/>
                                         </p:tgtEl>
                                         <p:attrNameLst>
                                           <p:attrName>style.visibility</p:attrName>
@@ -7506,13 +8242,191 @@
                                     </p:set>
                                     <p:anim calcmode="lin" valueType="num">
                                       <p:cBhvr additive="base">
-                                        <p:cTn id="13" dur="500" fill="hold"/>
+                                        <p:cTn id="24" dur="500" fill="hold"/>
                                         <p:tgtEl>
-                                          <p:spTgt spid="17">
-                                            <p:txEl>
-                                              <p:pRg st="1" end="1"/>
-                                            </p:txEl>
-                                          </p:spTgt>
+                                          <p:spTgt spid="10"/>
+                                        </p:tgtEl>
+                                        <p:attrNameLst>
+                                          <p:attrName>ppt_x</p:attrName>
+                                        </p:attrNameLst>
+                                      </p:cBhvr>
+                                      <p:tavLst>
+                                        <p:tav tm="0">
+                                          <p:val>
+                                            <p:strVal val="1+#ppt_w/2"/>
+                                          </p:val>
+                                        </p:tav>
+                                        <p:tav tm="100000">
+                                          <p:val>
+                                            <p:strVal val="#ppt_x"/>
+                                          </p:val>
+                                        </p:tav>
+                                      </p:tavLst>
+                                    </p:anim>
+                                    <p:anim calcmode="lin" valueType="num">
+                                      <p:cBhvr additive="base">
+                                        <p:cTn id="25" dur="500" fill="hold"/>
+                                        <p:tgtEl>
+                                          <p:spTgt spid="10"/>
+                                        </p:tgtEl>
+                                        <p:attrNameLst>
+                                          <p:attrName>ppt_y</p:attrName>
+                                        </p:attrNameLst>
+                                      </p:cBhvr>
+                                      <p:tavLst>
+                                        <p:tav tm="0">
+                                          <p:val>
+                                            <p:strVal val="#ppt_y"/>
+                                          </p:val>
+                                        </p:tav>
+                                        <p:tav tm="100000">
+                                          <p:val>
+                                            <p:strVal val="#ppt_y"/>
+                                          </p:val>
+                                        </p:tav>
+                                      </p:tavLst>
+                                    </p:anim>
+                                  </p:childTnLst>
+                                </p:cTn>
+                              </p:par>
+                            </p:childTnLst>
+                          </p:cTn>
+                        </p:par>
+                      </p:childTnLst>
+                    </p:cTn>
+                  </p:par>
+                  <p:par>
+                    <p:cTn id="26" fill="hold">
+                      <p:stCondLst>
+                        <p:cond delay="indefinite"/>
+                      </p:stCondLst>
+                      <p:childTnLst>
+                        <p:par>
+                          <p:cTn id="27" fill="hold">
+                            <p:stCondLst>
+                              <p:cond delay="0"/>
+                            </p:stCondLst>
+                            <p:childTnLst>
+                              <p:par>
+                                <p:cTn id="28" presetID="2" presetClass="entr" presetSubtype="2" fill="hold" grpId="0" nodeType="clickEffect">
+                                  <p:stCondLst>
+                                    <p:cond delay="0"/>
+                                  </p:stCondLst>
+                                  <p:childTnLst>
+                                    <p:set>
+                                      <p:cBhvr>
+                                        <p:cTn id="29" dur="1" fill="hold">
+                                          <p:stCondLst>
+                                            <p:cond delay="0"/>
+                                          </p:stCondLst>
+                                        </p:cTn>
+                                        <p:tgtEl>
+                                          <p:spTgt spid="5"/>
+                                        </p:tgtEl>
+                                        <p:attrNameLst>
+                                          <p:attrName>style.visibility</p:attrName>
+                                        </p:attrNameLst>
+                                      </p:cBhvr>
+                                      <p:to>
+                                        <p:strVal val="visible"/>
+                                      </p:to>
+                                    </p:set>
+                                    <p:anim calcmode="lin" valueType="num">
+                                      <p:cBhvr additive="base">
+                                        <p:cTn id="30" dur="500" fill="hold"/>
+                                        <p:tgtEl>
+                                          <p:spTgt spid="5"/>
+                                        </p:tgtEl>
+                                        <p:attrNameLst>
+                                          <p:attrName>ppt_x</p:attrName>
+                                        </p:attrNameLst>
+                                      </p:cBhvr>
+                                      <p:tavLst>
+                                        <p:tav tm="0">
+                                          <p:val>
+                                            <p:strVal val="1+#ppt_w/2"/>
+                                          </p:val>
+                                        </p:tav>
+                                        <p:tav tm="100000">
+                                          <p:val>
+                                            <p:strVal val="#ppt_x"/>
+                                          </p:val>
+                                        </p:tav>
+                                      </p:tavLst>
+                                    </p:anim>
+                                    <p:anim calcmode="lin" valueType="num">
+                                      <p:cBhvr additive="base">
+                                        <p:cTn id="31" dur="500" fill="hold"/>
+                                        <p:tgtEl>
+                                          <p:spTgt spid="5"/>
+                                        </p:tgtEl>
+                                        <p:attrNameLst>
+                                          <p:attrName>ppt_y</p:attrName>
+                                        </p:attrNameLst>
+                                      </p:cBhvr>
+                                      <p:tavLst>
+                                        <p:tav tm="0">
+                                          <p:val>
+                                            <p:strVal val="#ppt_y"/>
+                                          </p:val>
+                                        </p:tav>
+                                        <p:tav tm="100000">
+                                          <p:val>
+                                            <p:strVal val="#ppt_y"/>
+                                          </p:val>
+                                        </p:tav>
+                                      </p:tavLst>
+                                    </p:anim>
+                                  </p:childTnLst>
+                                </p:cTn>
+                              </p:par>
+                            </p:childTnLst>
+                          </p:cTn>
+                        </p:par>
+                      </p:childTnLst>
+                    </p:cTn>
+                  </p:par>
+                  <p:par>
+                    <p:cTn id="32" fill="hold">
+                      <p:stCondLst>
+                        <p:cond delay="indefinite"/>
+                      </p:stCondLst>
+                      <p:childTnLst>
+                        <p:par>
+                          <p:cTn id="33" fill="hold">
+                            <p:stCondLst>
+                              <p:cond delay="0"/>
+                            </p:stCondLst>
+                            <p:childTnLst>
+                              <p:par>
+                                <p:cTn id="34" presetID="2" presetClass="entr" presetSubtype="4" fill="hold" grpId="0" nodeType="clickEffect">
+                                  <p:stCondLst>
+                                    <p:cond delay="0"/>
+                                  </p:stCondLst>
+                                  <p:childTnLst>
+                                    <p:set>
+                                      <p:cBhvr>
+                                        <p:cTn id="35" dur="1" fill="hold">
+                                          <p:stCondLst>
+                                            <p:cond delay="0"/>
+                                          </p:stCondLst>
+                                        </p:cTn>
+                                        <p:tgtEl>
+                                          <p:spTgt spid="17"/>
+                                        </p:tgtEl>
+                                        <p:attrNameLst>
+                                          <p:attrName>style.visibility</p:attrName>
+                                        </p:attrNameLst>
+                                      </p:cBhvr>
+                                      <p:to>
+                                        <p:strVal val="visible"/>
+                                      </p:to>
+                                    </p:set>
+                                    <p:anim calcmode="lin" valueType="num">
+                                      <p:cBhvr additive="base">
+                                        <p:cTn id="36" dur="500" fill="hold"/>
+                                        <p:tgtEl>
+                                          <p:spTgt spid="17"/>
                                         </p:tgtEl>
                                         <p:attrNameLst>
                                           <p:attrName>ppt_x</p:attrName>
@@ -7533,13 +8447,9 @@
                                     </p:anim>
                                     <p:anim calcmode="lin" valueType="num">
                                       <p:cBhvr additive="base">
-                                        <p:cTn id="14" dur="500" fill="hold"/>
+                                        <p:cTn id="37" dur="500" fill="hold"/>
                                         <p:tgtEl>
-                                          <p:spTgt spid="17">
-                                            <p:txEl>
-                                              <p:pRg st="1" end="1"/>
-                                            </p:txEl>
-                                          </p:spTgt>
+                                          <p:spTgt spid="17"/>
                                         </p:tgtEl>
                                         <p:attrNameLst>
                                           <p:attrName>ppt_y</p:attrName>
@@ -7588,6 +8498,13 @@
         </p:cTn>
       </p:par>
     </p:tnLst>
+    <p:bldLst>
+      <p:bldP spid="4" grpId="0"/>
+      <p:bldP spid="17" grpId="0"/>
+      <p:bldP spid="3" grpId="0" animBg="1"/>
+      <p:bldP spid="5" grpId="0" animBg="1"/>
+      <p:bldP spid="6" grpId="0"/>
+    </p:bldLst>
   </p:timing>
 </p:sld>
 </file>
@@ -8104,6 +9021,245 @@
           </a:p>
         </p:txBody>
       </p:sp>
+      <p:sp>
+        <p:nvSpPr>
+          <p:cNvPr id="4" name="矩形 3"/>
+          <p:cNvSpPr/>
+          <p:nvPr/>
+        </p:nvSpPr>
+        <p:spPr>
+          <a:xfrm>
+            <a:off x="3124617" y="2967335"/>
+            <a:ext cx="2894767" cy="1569660"/>
+          </a:xfrm>
+          <a:prstGeom prst="rect">
+            <a:avLst/>
+          </a:prstGeom>
+          <a:noFill/>
+        </p:spPr>
+        <p:txBody>
+          <a:bodyPr wrap="none" lIns="91440" tIns="45720" rIns="91440" bIns="45720">
+            <a:spAutoFit/>
+          </a:bodyPr>
+          <a:lstStyle/>
+          <a:p>
+            <a:pPr algn="ctr"/>
+            <a:r>
+              <a:rPr lang="en-US" altLang="zh-CN" sz="9600" b="1" cap="none" spc="0" dirty="0" smtClean="0">
+                <a:ln w="19050">
+                  <a:solidFill>
+                    <a:schemeClr val="tx2">
+                      <a:tint val="1000"/>
+                    </a:schemeClr>
+                  </a:solidFill>
+                  <a:prstDash val="solid"/>
+                </a:ln>
+                <a:solidFill>
+                  <a:schemeClr val="accent3"/>
+                </a:solidFill>
+                <a:effectLst>
+                  <a:outerShdw blurRad="50000" dist="50800" dir="7500000" algn="tl">
+                    <a:srgbClr val="000000">
+                      <a:shade val="5000"/>
+                      <a:alpha val="35000"/>
+                    </a:srgbClr>
+                  </a:outerShdw>
+                </a:effectLst>
+              </a:rPr>
+              <a:t>HOW</a:t>
+            </a:r>
+            <a:endParaRPr lang="zh-CN" altLang="en-US" sz="9600" b="1" cap="none" spc="0" dirty="0">
+              <a:ln w="19050">
+                <a:solidFill>
+                  <a:schemeClr val="tx2">
+                    <a:tint val="1000"/>
+                  </a:schemeClr>
+                </a:solidFill>
+                <a:prstDash val="solid"/>
+              </a:ln>
+              <a:solidFill>
+                <a:schemeClr val="accent3"/>
+              </a:solidFill>
+              <a:effectLst>
+                <a:outerShdw blurRad="50000" dist="50800" dir="7500000" algn="tl">
+                  <a:srgbClr val="000000">
+                    <a:shade val="5000"/>
+                    <a:alpha val="35000"/>
+                  </a:srgbClr>
+                </a:outerShdw>
+              </a:effectLst>
+            </a:endParaRPr>
+          </a:p>
+        </p:txBody>
+      </p:sp>
+      <p:sp>
+        <p:nvSpPr>
+          <p:cNvPr id="5" name="矩形 4"/>
+          <p:cNvSpPr/>
+          <p:nvPr/>
+        </p:nvSpPr>
+        <p:spPr>
+          <a:xfrm>
+            <a:off x="539552" y="1556792"/>
+            <a:ext cx="6912768" cy="720080"/>
+          </a:xfrm>
+          <a:prstGeom prst="rect">
+            <a:avLst/>
+          </a:prstGeom>
+        </p:spPr>
+        <p:style>
+          <a:lnRef idx="1">
+            <a:schemeClr val="accent3"/>
+          </a:lnRef>
+          <a:fillRef idx="2">
+            <a:schemeClr val="accent3"/>
+          </a:fillRef>
+          <a:effectRef idx="1">
+            <a:schemeClr val="accent3"/>
+          </a:effectRef>
+          <a:fontRef idx="minor">
+            <a:schemeClr val="dk1"/>
+          </a:fontRef>
+        </p:style>
+        <p:txBody>
+          <a:bodyPr rtlCol="0" anchor="ctr"/>
+          <a:lstStyle/>
+          <a:p>
+            <a:pPr algn="ctr"/>
+            <a:r>
+              <a:rPr lang="zh-CN" altLang="en-US" sz="2800" b="1" dirty="0" smtClean="0">
+                <a:solidFill>
+                  <a:schemeClr val="tx1">
+                    <a:lumMod val="75000"/>
+                    <a:lumOff val="25000"/>
+                  </a:schemeClr>
+                </a:solidFill>
+              </a:rPr>
+              <a:t>用户端优化</a:t>
+            </a:r>
+            <a:endParaRPr lang="zh-CN" altLang="en-US" sz="2800" b="1" dirty="0">
+              <a:solidFill>
+                <a:schemeClr val="tx1">
+                  <a:lumMod val="75000"/>
+                  <a:lumOff val="25000"/>
+                </a:schemeClr>
+              </a:solidFill>
+            </a:endParaRPr>
+          </a:p>
+        </p:txBody>
+      </p:sp>
+      <p:sp>
+        <p:nvSpPr>
+          <p:cNvPr id="16" name="矩形 15"/>
+          <p:cNvSpPr/>
+          <p:nvPr/>
+        </p:nvSpPr>
+        <p:spPr>
+          <a:xfrm>
+            <a:off x="539552" y="3068960"/>
+            <a:ext cx="6912768" cy="720080"/>
+          </a:xfrm>
+          <a:prstGeom prst="rect">
+            <a:avLst/>
+          </a:prstGeom>
+        </p:spPr>
+        <p:style>
+          <a:lnRef idx="1">
+            <a:schemeClr val="accent4"/>
+          </a:lnRef>
+          <a:fillRef idx="2">
+            <a:schemeClr val="accent4"/>
+          </a:fillRef>
+          <a:effectRef idx="1">
+            <a:schemeClr val="accent4"/>
+          </a:effectRef>
+          <a:fontRef idx="minor">
+            <a:schemeClr val="dk1"/>
+          </a:fontRef>
+        </p:style>
+        <p:txBody>
+          <a:bodyPr rtlCol="0" anchor="ctr"/>
+          <a:lstStyle/>
+          <a:p>
+            <a:pPr algn="ctr"/>
+            <a:r>
+              <a:rPr lang="zh-CN" altLang="en-US" sz="2800" b="1" dirty="0">
+                <a:solidFill>
+                  <a:schemeClr val="tx1">
+                    <a:lumMod val="75000"/>
+                    <a:lumOff val="25000"/>
+                  </a:schemeClr>
+                </a:solidFill>
+              </a:rPr>
+              <a:t>开发端优化</a:t>
+            </a:r>
+            <a:endParaRPr lang="zh-CN" altLang="en-US" sz="2800" b="1" dirty="0">
+              <a:solidFill>
+                <a:schemeClr val="tx1">
+                  <a:lumMod val="75000"/>
+                  <a:lumOff val="25000"/>
+                </a:schemeClr>
+              </a:solidFill>
+            </a:endParaRPr>
+          </a:p>
+        </p:txBody>
+      </p:sp>
+      <p:sp>
+        <p:nvSpPr>
+          <p:cNvPr id="17" name="矩形 16"/>
+          <p:cNvSpPr/>
+          <p:nvPr/>
+        </p:nvSpPr>
+        <p:spPr>
+          <a:xfrm>
+            <a:off x="539552" y="4509120"/>
+            <a:ext cx="6912768" cy="720080"/>
+          </a:xfrm>
+          <a:prstGeom prst="rect">
+            <a:avLst/>
+          </a:prstGeom>
+        </p:spPr>
+        <p:style>
+          <a:lnRef idx="1">
+            <a:schemeClr val="accent5"/>
+          </a:lnRef>
+          <a:fillRef idx="2">
+            <a:schemeClr val="accent5"/>
+          </a:fillRef>
+          <a:effectRef idx="1">
+            <a:schemeClr val="accent5"/>
+          </a:effectRef>
+          <a:fontRef idx="minor">
+            <a:schemeClr val="dk1"/>
+          </a:fontRef>
+        </p:style>
+        <p:txBody>
+          <a:bodyPr rtlCol="0" anchor="ctr"/>
+          <a:lstStyle/>
+          <a:p>
+            <a:pPr algn="ctr"/>
+            <a:r>
+              <a:rPr lang="zh-CN" altLang="en-US" sz="2800" b="1" dirty="0">
+                <a:solidFill>
+                  <a:schemeClr val="tx1">
+                    <a:lumMod val="75000"/>
+                    <a:lumOff val="25000"/>
+                  </a:schemeClr>
+                </a:solidFill>
+              </a:rPr>
+              <a:t>产品端优化</a:t>
+            </a:r>
+            <a:endParaRPr lang="zh-CN" altLang="en-US" sz="2800" b="1" dirty="0">
+              <a:solidFill>
+                <a:schemeClr val="tx1">
+                  <a:lumMod val="75000"/>
+                  <a:lumOff val="25000"/>
+                </a:schemeClr>
+              </a:solidFill>
+            </a:endParaRPr>
+          </a:p>
+        </p:txBody>
+      </p:sp>
     </p:spTree>
     <p:extLst>
       <p:ext uri="{BB962C8B-B14F-4D97-AF65-F5344CB8AC3E}">
@@ -8129,9 +9285,88 @@
   <p:timing>
     <p:tnLst>
       <p:par>
-        <p:cTn id="1" dur="indefinite" restart="never" nodeType="tmRoot"/>
+        <p:cTn id="1" dur="indefinite" restart="never" nodeType="tmRoot">
+          <p:childTnLst>
+            <p:seq concurrent="1" nextAc="seek">
+              <p:cTn id="2" dur="indefinite" nodeType="mainSeq">
+                <p:childTnLst>
+                  <p:par>
+                    <p:cTn id="3" fill="hold">
+                      <p:stCondLst>
+                        <p:cond delay="indefinite"/>
+                      </p:stCondLst>
+                      <p:childTnLst>
+                        <p:par>
+                          <p:cTn id="4" fill="hold">
+                            <p:stCondLst>
+                              <p:cond delay="0"/>
+                            </p:stCondLst>
+                            <p:childTnLst>
+                              <p:par>
+                                <p:cTn id="5" presetID="14" presetClass="exit" presetSubtype="10" fill="hold" grpId="0" nodeType="clickEffect">
+                                  <p:stCondLst>
+                                    <p:cond delay="0"/>
+                                  </p:stCondLst>
+                                  <p:childTnLst>
+                                    <p:animEffect transition="out" filter="randombar(horizontal)">
+                                      <p:cBhvr>
+                                        <p:cTn id="6" dur="500"/>
+                                        <p:tgtEl>
+                                          <p:spTgt spid="4"/>
+                                        </p:tgtEl>
+                                      </p:cBhvr>
+                                    </p:animEffect>
+                                    <p:set>
+                                      <p:cBhvr>
+                                        <p:cTn id="7" dur="1" fill="hold">
+                                          <p:stCondLst>
+                                            <p:cond delay="499"/>
+                                          </p:stCondLst>
+                                        </p:cTn>
+                                        <p:tgtEl>
+                                          <p:spTgt spid="4"/>
+                                        </p:tgtEl>
+                                        <p:attrNameLst>
+                                          <p:attrName>style.visibility</p:attrName>
+                                        </p:attrNameLst>
+                                      </p:cBhvr>
+                                      <p:to>
+                                        <p:strVal val="hidden"/>
+                                      </p:to>
+                                    </p:set>
+                                  </p:childTnLst>
+                                </p:cTn>
+                              </p:par>
+                            </p:childTnLst>
+                          </p:cTn>
+                        </p:par>
+                      </p:childTnLst>
+                    </p:cTn>
+                  </p:par>
+                </p:childTnLst>
+              </p:cTn>
+              <p:prevCondLst>
+                <p:cond evt="onPrev" delay="0">
+                  <p:tgtEl>
+                    <p:sldTgt/>
+                  </p:tgtEl>
+                </p:cond>
+              </p:prevCondLst>
+              <p:nextCondLst>
+                <p:cond evt="onNext" delay="0">
+                  <p:tgtEl>
+                    <p:sldTgt/>
+                  </p:tgtEl>
+                </p:cond>
+              </p:nextCondLst>
+            </p:seq>
+          </p:childTnLst>
+        </p:cTn>
       </p:par>
     </p:tnLst>
+    <p:bldLst>
+      <p:bldP spid="4" grpId="0"/>
+    </p:bldLst>
   </p:timing>
 </p:sld>
 </file>
@@ -8300,6 +9535,742 @@
           <a:p>
             <a:pPr algn="l"/>
             <a:r>
+              <a:rPr lang="zh-CN" altLang="en-US" dirty="0" smtClean="0">
+                <a:solidFill>
+                  <a:schemeClr val="bg1"/>
+                </a:solidFill>
+                <a:latin typeface="方正大黑简体" pitchFamily="2" charset="-122"/>
+                <a:ea typeface="方正大黑简体" pitchFamily="2" charset="-122"/>
+              </a:rPr>
+              <a:t>用户端优化</a:t>
+            </a:r>
+            <a:endParaRPr lang="zh-CN" altLang="en-US" dirty="0">
+              <a:solidFill>
+                <a:schemeClr val="bg1"/>
+              </a:solidFill>
+              <a:latin typeface="方正大黑简体" pitchFamily="2" charset="-122"/>
+              <a:ea typeface="方正大黑简体" pitchFamily="2" charset="-122"/>
+            </a:endParaRPr>
+          </a:p>
+        </p:txBody>
+      </p:sp>
+      <p:pic>
+        <p:nvPicPr>
+          <p:cNvPr id="1026" name="Picture 2"/>
+          <p:cNvPicPr>
+            <a:picLocks noChangeAspect="1" noChangeArrowheads="1"/>
+          </p:cNvPicPr>
+          <p:nvPr/>
+        </p:nvPicPr>
+        <p:blipFill>
+          <a:blip r:embed="rId3">
+            <a:extLst>
+              <a:ext uri="{28A0092B-C50C-407E-A947-70E740481C1C}">
+                <a14:useLocalDpi xmlns:a14="http://schemas.microsoft.com/office/drawing/2010/main" val="0"/>
+              </a:ext>
+            </a:extLst>
+          </a:blip>
+          <a:srcRect/>
+          <a:stretch>
+            <a:fillRect/>
+          </a:stretch>
+        </p:blipFill>
+        <p:spPr bwMode="auto">
+          <a:xfrm>
+            <a:off x="336550" y="1675234"/>
+            <a:ext cx="8469313" cy="3409950"/>
+          </a:xfrm>
+          <a:prstGeom prst="rect">
+            <a:avLst/>
+          </a:prstGeom>
+          <a:noFill/>
+          <a:ln>
+            <a:noFill/>
+          </a:ln>
+          <a:effectLst/>
+          <a:extLst>
+            <a:ext uri="{909E8E84-426E-40DD-AFC4-6F175D3DCCD1}">
+              <a14:hiddenFill xmlns:a14="http://schemas.microsoft.com/office/drawing/2010/main">
+                <a:solidFill>
+                  <a:schemeClr val="accent1"/>
+                </a:solidFill>
+              </a14:hiddenFill>
+            </a:ext>
+            <a:ext uri="{91240B29-F687-4F45-9708-019B960494DF}">
+              <a14:hiddenLine xmlns:a14="http://schemas.microsoft.com/office/drawing/2010/main" w="9525">
+                <a:solidFill>
+                  <a:schemeClr val="tx1"/>
+                </a:solidFill>
+                <a:miter lim="800000"/>
+                <a:headEnd/>
+                <a:tailEnd/>
+              </a14:hiddenLine>
+            </a:ext>
+            <a:ext uri="{AF507438-7753-43E0-B8FC-AC1667EBCBE1}">
+              <a14:hiddenEffects xmlns:a14="http://schemas.microsoft.com/office/drawing/2010/main">
+                <a:effectLst>
+                  <a:outerShdw dist="35921" dir="2700000" algn="ctr" rotWithShape="0">
+                    <a:schemeClr val="bg2"/>
+                  </a:outerShdw>
+                </a:effectLst>
+              </a14:hiddenEffects>
+            </a:ext>
+          </a:extLst>
+        </p:spPr>
+      </p:pic>
+    </p:spTree>
+    <p:extLst>
+      <p:ext uri="{BB962C8B-B14F-4D97-AF65-F5344CB8AC3E}">
+        <p14:creationId xmlns:p14="http://schemas.microsoft.com/office/powerpoint/2010/main" val="30049274"/>
+      </p:ext>
+    </p:extLst>
+  </p:cSld>
+  <p:clrMapOvr>
+    <a:masterClrMapping/>
+  </p:clrMapOvr>
+  <mc:AlternateContent xmlns:mc="http://schemas.openxmlformats.org/markup-compatibility/2006" xmlns:p14="http://schemas.microsoft.com/office/powerpoint/2010/main">
+    <mc:Choice Requires="p14">
+      <p:transition spd="slow" p14:dur="800">
+        <p:circle/>
+      </p:transition>
+    </mc:Choice>
+    <mc:Fallback xmlns="">
+      <p:transition spd="slow">
+        <p:circle/>
+      </p:transition>
+    </mc:Fallback>
+  </mc:AlternateContent>
+  <p:timing>
+    <p:tnLst>
+      <p:par>
+        <p:cTn id="1" dur="indefinite" restart="never" nodeType="tmRoot"/>
+      </p:par>
+    </p:tnLst>
+  </p:timing>
+</p:sld>
+</file>
+
+<file path=ppt/slides/slide7.xml><?xml version="1.0" encoding="utf-8"?>
+<p:sld xmlns:a="http://schemas.openxmlformats.org/drawingml/2006/main" xmlns:r="http://schemas.openxmlformats.org/officeDocument/2006/relationships" xmlns:p="http://schemas.openxmlformats.org/presentationml/2006/main">
+  <p:cSld>
+    <p:spTree>
+      <p:nvGrpSpPr>
+        <p:cNvPr id="1" name=""/>
+        <p:cNvGrpSpPr/>
+        <p:nvPr/>
+      </p:nvGrpSpPr>
+      <p:grpSpPr>
+        <a:xfrm>
+          <a:off x="0" y="0"/>
+          <a:ext cx="0" cy="0"/>
+          <a:chOff x="0" y="0"/>
+          <a:chExt cx="0" cy="0"/>
+        </a:xfrm>
+      </p:grpSpPr>
+      <p:grpSp>
+        <p:nvGrpSpPr>
+          <p:cNvPr id="3" name="组合 2"/>
+          <p:cNvGrpSpPr/>
+          <p:nvPr/>
+        </p:nvGrpSpPr>
+        <p:grpSpPr>
+          <a:xfrm>
+            <a:off x="0" y="-27384"/>
+            <a:ext cx="9144000" cy="1080120"/>
+            <a:chOff x="0" y="1628800"/>
+            <a:chExt cx="9144000" cy="2592288"/>
+          </a:xfrm>
+        </p:grpSpPr>
+        <p:sp>
+          <p:nvSpPr>
+            <p:cNvPr id="4" name="矩形 3"/>
+            <p:cNvSpPr/>
+            <p:nvPr/>
+          </p:nvSpPr>
+          <p:spPr>
+            <a:xfrm>
+              <a:off x="0" y="1628800"/>
+              <a:ext cx="6948264" cy="2592288"/>
+            </a:xfrm>
+            <a:prstGeom prst="rect">
+              <a:avLst/>
+            </a:prstGeom>
+            <a:solidFill>
+              <a:srgbClr val="002060"/>
+            </a:solidFill>
+            <a:ln>
+              <a:noFill/>
+            </a:ln>
+          </p:spPr>
+          <p:style>
+            <a:lnRef idx="2">
+              <a:schemeClr val="accent1">
+                <a:shade val="50000"/>
+              </a:schemeClr>
+            </a:lnRef>
+            <a:fillRef idx="1">
+              <a:schemeClr val="accent1"/>
+            </a:fillRef>
+            <a:effectRef idx="0">
+              <a:schemeClr val="accent1"/>
+            </a:effectRef>
+            <a:fontRef idx="minor">
+              <a:schemeClr val="lt1"/>
+            </a:fontRef>
+          </p:style>
+          <p:txBody>
+            <a:bodyPr rtlCol="0" anchor="ctr"/>
+            <a:lstStyle/>
+            <a:p>
+              <a:pPr algn="ctr"/>
+              <a:endParaRPr lang="zh-CN" altLang="en-US"/>
+            </a:p>
+          </p:txBody>
+        </p:sp>
+        <p:sp>
+          <p:nvSpPr>
+            <p:cNvPr id="5" name="矩形 4"/>
+            <p:cNvSpPr/>
+            <p:nvPr/>
+          </p:nvSpPr>
+          <p:spPr>
+            <a:xfrm>
+              <a:off x="6948264" y="1628800"/>
+              <a:ext cx="2195736" cy="2592288"/>
+            </a:xfrm>
+            <a:prstGeom prst="rect">
+              <a:avLst/>
+            </a:prstGeom>
+            <a:solidFill>
+              <a:srgbClr val="00B050"/>
+            </a:solidFill>
+            <a:ln>
+              <a:noFill/>
+            </a:ln>
+          </p:spPr>
+          <p:style>
+            <a:lnRef idx="2">
+              <a:schemeClr val="accent1">
+                <a:shade val="50000"/>
+              </a:schemeClr>
+            </a:lnRef>
+            <a:fillRef idx="1">
+              <a:schemeClr val="accent1"/>
+            </a:fillRef>
+            <a:effectRef idx="0">
+              <a:schemeClr val="accent1"/>
+            </a:effectRef>
+            <a:fontRef idx="minor">
+              <a:schemeClr val="lt1"/>
+            </a:fontRef>
+          </p:style>
+          <p:txBody>
+            <a:bodyPr rtlCol="0" anchor="ctr"/>
+            <a:lstStyle/>
+            <a:p>
+              <a:pPr algn="ctr"/>
+              <a:endParaRPr lang="zh-CN" altLang="en-US"/>
+            </a:p>
+          </p:txBody>
+        </p:sp>
+      </p:grpSp>
+      <p:sp>
+        <p:nvSpPr>
+          <p:cNvPr id="6" name="标题 3"/>
+          <p:cNvSpPr txBox="1">
+            <a:spLocks/>
+          </p:cNvSpPr>
+          <p:nvPr/>
+        </p:nvSpPr>
+        <p:spPr>
+          <a:xfrm>
+            <a:off x="432048" y="125760"/>
+            <a:ext cx="7812360" cy="1143000"/>
+          </a:xfrm>
+          <a:prstGeom prst="rect">
+            <a:avLst/>
+          </a:prstGeom>
+        </p:spPr>
+        <p:txBody>
+          <a:bodyPr>
+            <a:normAutofit/>
+          </a:bodyPr>
+          <a:lstStyle>
+            <a:lvl1pPr algn="ctr" defTabSz="914400" rtl="0" eaLnBrk="1" latinLnBrk="0" hangingPunct="1">
+              <a:spcBef>
+                <a:spcPct val="0"/>
+              </a:spcBef>
+              <a:buNone/>
+              <a:defRPr sz="4400" kern="1200">
+                <a:solidFill>
+                  <a:schemeClr val="tx1"/>
+                </a:solidFill>
+                <a:latin typeface="+mj-lt"/>
+                <a:ea typeface="+mj-ea"/>
+                <a:cs typeface="+mj-cs"/>
+              </a:defRPr>
+            </a:lvl1pPr>
+          </a:lstStyle>
+          <a:p>
+            <a:pPr algn="l"/>
+            <a:r>
+              <a:rPr lang="zh-CN" altLang="en-US" dirty="0">
+                <a:solidFill>
+                  <a:schemeClr val="bg1"/>
+                </a:solidFill>
+                <a:latin typeface="方正大黑简体" pitchFamily="2" charset="-122"/>
+                <a:ea typeface="方正大黑简体" pitchFamily="2" charset="-122"/>
+              </a:rPr>
+              <a:t>用户端优化</a:t>
+            </a:r>
+            <a:endParaRPr lang="zh-CN" altLang="en-US" dirty="0">
+              <a:solidFill>
+                <a:schemeClr val="bg1"/>
+              </a:solidFill>
+              <a:latin typeface="方正大黑简体" pitchFamily="2" charset="-122"/>
+              <a:ea typeface="方正大黑简体" pitchFamily="2" charset="-122"/>
+            </a:endParaRPr>
+          </a:p>
+        </p:txBody>
+      </p:sp>
+      <p:sp>
+        <p:nvSpPr>
+          <p:cNvPr id="10" name="内容占位符 2"/>
+          <p:cNvSpPr txBox="1">
+            <a:spLocks/>
+          </p:cNvSpPr>
+          <p:nvPr/>
+        </p:nvSpPr>
+        <p:spPr bwMode="auto">
+          <a:xfrm>
+            <a:off x="125796" y="1412776"/>
+            <a:ext cx="8910700" cy="648072"/>
+          </a:xfrm>
+          <a:prstGeom prst="rect">
+            <a:avLst/>
+          </a:prstGeom>
+          <a:noFill/>
+          <a:ln w="9525">
+            <a:noFill/>
+            <a:miter lim="800000"/>
+            <a:headEnd/>
+            <a:tailEnd/>
+          </a:ln>
+          <a:effectLst/>
+        </p:spPr>
+        <p:txBody>
+          <a:bodyPr vert="horz" wrap="square" lIns="91440" tIns="45720" rIns="91440" bIns="45720" numCol="1" anchor="t" anchorCtr="0" compatLnSpc="1">
+            <a:prstTxWarp prst="textNoShape">
+              <a:avLst/>
+            </a:prstTxWarp>
+          </a:bodyPr>
+          <a:lstStyle/>
+          <a:p>
+            <a:pPr marR="0" lvl="0" algn="l" defTabSz="914400" rtl="0" eaLnBrk="1" fontAlgn="base" latinLnBrk="0" hangingPunct="1">
+              <a:lnSpc>
+                <a:spcPct val="100000"/>
+              </a:lnSpc>
+              <a:spcBef>
+                <a:spcPct val="20000"/>
+              </a:spcBef>
+              <a:spcAft>
+                <a:spcPct val="0"/>
+              </a:spcAft>
+              <a:buClrTx/>
+              <a:buSzTx/>
+              <a:tabLst/>
+              <a:defRPr/>
+            </a:pPr>
+            <a:r>
+              <a:rPr kumimoji="1" lang="zh-CN" altLang="en-US" sz="2400" b="0" i="0" u="none" strike="noStrike" kern="0" cap="none" spc="0" normalizeH="0" baseline="0" noProof="0" dirty="0" smtClean="0">
+                <a:ln>
+                  <a:noFill/>
+                </a:ln>
+                <a:solidFill>
+                  <a:schemeClr val="tx1"/>
+                </a:solidFill>
+                <a:effectLst/>
+                <a:uLnTx/>
+                <a:uFillTx/>
+                <a:latin typeface="微软雅黑" pitchFamily="34" charset="-122"/>
+                <a:ea typeface="微软雅黑" pitchFamily="34" charset="-122"/>
+              </a:rPr>
+              <a:t>一场对抗用户请求的战争，要求我们做到“少”、“近”、“小”</a:t>
+            </a:r>
+            <a:endParaRPr kumimoji="1" lang="zh-CN" altLang="en-US" sz="2400" b="0" i="0" u="none" strike="noStrike" kern="0" cap="none" spc="0" normalizeH="0" baseline="0" noProof="0" dirty="0">
+              <a:ln>
+                <a:noFill/>
+              </a:ln>
+              <a:solidFill>
+                <a:schemeClr val="tx1"/>
+              </a:solidFill>
+              <a:effectLst/>
+              <a:uLnTx/>
+              <a:uFillTx/>
+              <a:latin typeface="微软雅黑" pitchFamily="34" charset="-122"/>
+              <a:ea typeface="微软雅黑" pitchFamily="34" charset="-122"/>
+            </a:endParaRPr>
+          </a:p>
+        </p:txBody>
+      </p:sp>
+      <p:sp>
+        <p:nvSpPr>
+          <p:cNvPr id="2" name="椭圆 1"/>
+          <p:cNvSpPr/>
+          <p:nvPr/>
+        </p:nvSpPr>
+        <p:spPr>
+          <a:xfrm>
+            <a:off x="125797" y="2780928"/>
+            <a:ext cx="2790020" cy="2376264"/>
+          </a:xfrm>
+          <a:prstGeom prst="ellipse">
+            <a:avLst/>
+          </a:prstGeom>
+        </p:spPr>
+        <p:style>
+          <a:lnRef idx="3">
+            <a:schemeClr val="lt1"/>
+          </a:lnRef>
+          <a:fillRef idx="1">
+            <a:schemeClr val="accent1"/>
+          </a:fillRef>
+          <a:effectRef idx="1">
+            <a:schemeClr val="accent1"/>
+          </a:effectRef>
+          <a:fontRef idx="minor">
+            <a:schemeClr val="lt1"/>
+          </a:fontRef>
+        </p:style>
+        <p:txBody>
+          <a:bodyPr rtlCol="0" anchor="ctr"/>
+          <a:lstStyle/>
+          <a:p>
+            <a:pPr algn="ctr"/>
+            <a:r>
+              <a:rPr lang="zh-CN" altLang="en-US" sz="3600" b="1" dirty="0" smtClean="0"/>
+              <a:t>少</a:t>
+            </a:r>
+            <a:endParaRPr lang="en-US" altLang="zh-CN" b="1" dirty="0" smtClean="0"/>
+          </a:p>
+          <a:p>
+            <a:r>
+              <a:rPr lang="zh-CN" altLang="en-US" dirty="0" smtClean="0"/>
+              <a:t>目的：少请求</a:t>
+            </a:r>
+            <a:endParaRPr lang="en-US" altLang="zh-CN" dirty="0" smtClean="0"/>
+          </a:p>
+          <a:p>
+            <a:r>
+              <a:rPr lang="zh-CN" altLang="en-US" dirty="0" smtClean="0"/>
+              <a:t>实现：合并</a:t>
+            </a:r>
+            <a:r>
+              <a:rPr lang="en-US" altLang="zh-CN" dirty="0" smtClean="0"/>
+              <a:t>+</a:t>
+            </a:r>
+            <a:r>
+              <a:rPr lang="zh-CN" altLang="en-US" dirty="0" smtClean="0"/>
+              <a:t>缓存</a:t>
+            </a:r>
+            <a:endParaRPr lang="zh-CN" altLang="en-US" dirty="0"/>
+          </a:p>
+        </p:txBody>
+      </p:sp>
+    </p:spTree>
+    <p:extLst>
+      <p:ext uri="{BB962C8B-B14F-4D97-AF65-F5344CB8AC3E}">
+        <p14:creationId xmlns:p14="http://schemas.microsoft.com/office/powerpoint/2010/main" val="3072570691"/>
+      </p:ext>
+    </p:extLst>
+  </p:cSld>
+  <p:clrMapOvr>
+    <a:masterClrMapping/>
+  </p:clrMapOvr>
+  <mc:AlternateContent xmlns:mc="http://schemas.openxmlformats.org/markup-compatibility/2006" xmlns:p14="http://schemas.microsoft.com/office/powerpoint/2010/main">
+    <mc:Choice Requires="p14">
+      <p:transition spd="slow" p14:dur="800">
+        <p:circle/>
+      </p:transition>
+    </mc:Choice>
+    <mc:Fallback xmlns="">
+      <p:transition spd="slow">
+        <p:circle/>
+      </p:transition>
+    </mc:Fallback>
+  </mc:AlternateContent>
+  <p:timing>
+    <p:tnLst>
+      <p:par>
+        <p:cTn id="1" dur="indefinite" restart="never" nodeType="tmRoot">
+          <p:childTnLst>
+            <p:seq concurrent="1" nextAc="seek">
+              <p:cTn id="2" dur="indefinite" nodeType="mainSeq">
+                <p:childTnLst>
+                  <p:par>
+                    <p:cTn id="3" fill="hold">
+                      <p:stCondLst>
+                        <p:cond delay="indefinite"/>
+                      </p:stCondLst>
+                      <p:childTnLst>
+                        <p:par>
+                          <p:cTn id="4" fill="hold">
+                            <p:stCondLst>
+                              <p:cond delay="0"/>
+                            </p:stCondLst>
+                            <p:childTnLst>
+                              <p:par>
+                                <p:cTn id="5" presetID="10" presetClass="entr" presetSubtype="0" fill="hold" grpId="0" nodeType="clickEffect">
+                                  <p:stCondLst>
+                                    <p:cond delay="0"/>
+                                  </p:stCondLst>
+                                  <p:iterate type="wd">
+                                    <p:tmPct val="9000"/>
+                                  </p:iterate>
+                                  <p:childTnLst>
+                                    <p:set>
+                                      <p:cBhvr>
+                                        <p:cTn id="6" dur="1" fill="hold">
+                                          <p:stCondLst>
+                                            <p:cond delay="0"/>
+                                          </p:stCondLst>
+                                        </p:cTn>
+                                        <p:tgtEl>
+                                          <p:spTgt spid="10"/>
+                                        </p:tgtEl>
+                                        <p:attrNameLst>
+                                          <p:attrName>style.visibility</p:attrName>
+                                        </p:attrNameLst>
+                                      </p:cBhvr>
+                                      <p:to>
+                                        <p:strVal val="visible"/>
+                                      </p:to>
+                                    </p:set>
+                                    <p:animEffect transition="in" filter="fade">
+                                      <p:cBhvr>
+                                        <p:cTn id="7" dur="500"/>
+                                        <p:tgtEl>
+                                          <p:spTgt spid="10"/>
+                                        </p:tgtEl>
+                                      </p:cBhvr>
+                                    </p:animEffect>
+                                  </p:childTnLst>
+                                  <p:subTnLst>
+                                    <p:animClr clrSpc="rgb" dir="cw">
+                                      <p:cBhvr override="childStyle">
+                                        <p:cTn dur="1" fill="hold" display="0" masterRel="nextClick" afterEffect="1"/>
+                                        <p:tgtEl>
+                                          <p:spTgt spid="10"/>
+                                        </p:tgtEl>
+                                        <p:attrNameLst>
+                                          <p:attrName>ppt_c</p:attrName>
+                                        </p:attrNameLst>
+                                      </p:cBhvr>
+                                      <p:to>
+                                        <a:srgbClr val="FF0000"/>
+                                      </p:to>
+                                    </p:animClr>
+                                  </p:subTnLst>
+                                </p:cTn>
+                              </p:par>
+                            </p:childTnLst>
+                          </p:cTn>
+                        </p:par>
+                      </p:childTnLst>
+                    </p:cTn>
+                  </p:par>
+                </p:childTnLst>
+              </p:cTn>
+              <p:prevCondLst>
+                <p:cond evt="onPrev" delay="0">
+                  <p:tgtEl>
+                    <p:sldTgt/>
+                  </p:tgtEl>
+                </p:cond>
+              </p:prevCondLst>
+              <p:nextCondLst>
+                <p:cond evt="onNext" delay="0">
+                  <p:tgtEl>
+                    <p:sldTgt/>
+                  </p:tgtEl>
+                </p:cond>
+              </p:nextCondLst>
+            </p:seq>
+          </p:childTnLst>
+        </p:cTn>
+      </p:par>
+    </p:tnLst>
+    <p:bldLst>
+      <p:bldP spid="10" grpId="0"/>
+    </p:bldLst>
+  </p:timing>
+</p:sld>
+</file>
+
+<file path=ppt/slides/slide8.xml><?xml version="1.0" encoding="utf-8"?>
+<p:sld xmlns:a="http://schemas.openxmlformats.org/drawingml/2006/main" xmlns:r="http://schemas.openxmlformats.org/officeDocument/2006/relationships" xmlns:p="http://schemas.openxmlformats.org/presentationml/2006/main">
+  <p:cSld>
+    <p:spTree>
+      <p:nvGrpSpPr>
+        <p:cNvPr id="1" name=""/>
+        <p:cNvGrpSpPr/>
+        <p:nvPr/>
+      </p:nvGrpSpPr>
+      <p:grpSpPr>
+        <a:xfrm>
+          <a:off x="0" y="0"/>
+          <a:ext cx="0" cy="0"/>
+          <a:chOff x="0" y="0"/>
+          <a:chExt cx="0" cy="0"/>
+        </a:xfrm>
+      </p:grpSpPr>
+      <p:grpSp>
+        <p:nvGrpSpPr>
+          <p:cNvPr id="3" name="组合 2"/>
+          <p:cNvGrpSpPr/>
+          <p:nvPr/>
+        </p:nvGrpSpPr>
+        <p:grpSpPr>
+          <a:xfrm>
+            <a:off x="0" y="-27384"/>
+            <a:ext cx="9144000" cy="1080120"/>
+            <a:chOff x="0" y="1628800"/>
+            <a:chExt cx="9144000" cy="2592288"/>
+          </a:xfrm>
+        </p:grpSpPr>
+        <p:sp>
+          <p:nvSpPr>
+            <p:cNvPr id="4" name="矩形 3"/>
+            <p:cNvSpPr/>
+            <p:nvPr/>
+          </p:nvSpPr>
+          <p:spPr>
+            <a:xfrm>
+              <a:off x="0" y="1628800"/>
+              <a:ext cx="6948264" cy="2592288"/>
+            </a:xfrm>
+            <a:prstGeom prst="rect">
+              <a:avLst/>
+            </a:prstGeom>
+            <a:solidFill>
+              <a:srgbClr val="002060"/>
+            </a:solidFill>
+            <a:ln>
+              <a:noFill/>
+            </a:ln>
+          </p:spPr>
+          <p:style>
+            <a:lnRef idx="2">
+              <a:schemeClr val="accent1">
+                <a:shade val="50000"/>
+              </a:schemeClr>
+            </a:lnRef>
+            <a:fillRef idx="1">
+              <a:schemeClr val="accent1"/>
+            </a:fillRef>
+            <a:effectRef idx="0">
+              <a:schemeClr val="accent1"/>
+            </a:effectRef>
+            <a:fontRef idx="minor">
+              <a:schemeClr val="lt1"/>
+            </a:fontRef>
+          </p:style>
+          <p:txBody>
+            <a:bodyPr rtlCol="0" anchor="ctr"/>
+            <a:lstStyle/>
+            <a:p>
+              <a:pPr algn="ctr"/>
+              <a:endParaRPr lang="zh-CN" altLang="en-US"/>
+            </a:p>
+          </p:txBody>
+        </p:sp>
+        <p:sp>
+          <p:nvSpPr>
+            <p:cNvPr id="5" name="矩形 4"/>
+            <p:cNvSpPr/>
+            <p:nvPr/>
+          </p:nvSpPr>
+          <p:spPr>
+            <a:xfrm>
+              <a:off x="6948264" y="1628800"/>
+              <a:ext cx="2195736" cy="2592288"/>
+            </a:xfrm>
+            <a:prstGeom prst="rect">
+              <a:avLst/>
+            </a:prstGeom>
+            <a:solidFill>
+              <a:srgbClr val="00B050"/>
+            </a:solidFill>
+            <a:ln>
+              <a:noFill/>
+            </a:ln>
+          </p:spPr>
+          <p:style>
+            <a:lnRef idx="2">
+              <a:schemeClr val="accent1">
+                <a:shade val="50000"/>
+              </a:schemeClr>
+            </a:lnRef>
+            <a:fillRef idx="1">
+              <a:schemeClr val="accent1"/>
+            </a:fillRef>
+            <a:effectRef idx="0">
+              <a:schemeClr val="accent1"/>
+            </a:effectRef>
+            <a:fontRef idx="minor">
+              <a:schemeClr val="lt1"/>
+            </a:fontRef>
+          </p:style>
+          <p:txBody>
+            <a:bodyPr rtlCol="0" anchor="ctr"/>
+            <a:lstStyle/>
+            <a:p>
+              <a:pPr algn="ctr"/>
+              <a:endParaRPr lang="zh-CN" altLang="en-US"/>
+            </a:p>
+          </p:txBody>
+        </p:sp>
+      </p:grpSp>
+      <p:sp>
+        <p:nvSpPr>
+          <p:cNvPr id="6" name="标题 3"/>
+          <p:cNvSpPr txBox="1">
+            <a:spLocks/>
+          </p:cNvSpPr>
+          <p:nvPr/>
+        </p:nvSpPr>
+        <p:spPr>
+          <a:xfrm>
+            <a:off x="432048" y="125760"/>
+            <a:ext cx="7812360" cy="1143000"/>
+          </a:xfrm>
+          <a:prstGeom prst="rect">
+            <a:avLst/>
+          </a:prstGeom>
+        </p:spPr>
+        <p:txBody>
+          <a:bodyPr>
+            <a:normAutofit/>
+          </a:bodyPr>
+          <a:lstStyle>
+            <a:lvl1pPr algn="ctr" defTabSz="914400" rtl="0" eaLnBrk="1" latinLnBrk="0" hangingPunct="1">
+              <a:spcBef>
+                <a:spcPct val="0"/>
+              </a:spcBef>
+              <a:buNone/>
+              <a:defRPr sz="4400" kern="1200">
+                <a:solidFill>
+                  <a:schemeClr val="tx1"/>
+                </a:solidFill>
+                <a:latin typeface="+mj-lt"/>
+                <a:ea typeface="+mj-ea"/>
+                <a:cs typeface="+mj-cs"/>
+              </a:defRPr>
+            </a:lvl1pPr>
+          </a:lstStyle>
+          <a:p>
+            <a:pPr algn="l"/>
+            <a:r>
               <a:rPr lang="zh-CN" altLang="en-US" dirty="0">
                 <a:solidFill>
                   <a:schemeClr val="bg1"/>
@@ -8430,7 +10401,330 @@
     </p:spTree>
     <p:extLst>
       <p:ext uri="{BB962C8B-B14F-4D97-AF65-F5344CB8AC3E}">
-        <p14:creationId xmlns:p14="http://schemas.microsoft.com/office/powerpoint/2010/main" val="30049274"/>
+        <p14:creationId xmlns:p14="http://schemas.microsoft.com/office/powerpoint/2010/main" val="3072570691"/>
+      </p:ext>
+    </p:extLst>
+  </p:cSld>
+  <p:clrMapOvr>
+    <a:masterClrMapping/>
+  </p:clrMapOvr>
+  <mc:AlternateContent xmlns:mc="http://schemas.openxmlformats.org/markup-compatibility/2006" xmlns:p14="http://schemas.microsoft.com/office/powerpoint/2010/main">
+    <mc:Choice Requires="p14">
+      <p:transition spd="slow" p14:dur="800">
+        <p:circle/>
+      </p:transition>
+    </mc:Choice>
+    <mc:Fallback xmlns="">
+      <p:transition spd="slow">
+        <p:circle/>
+      </p:transition>
+    </mc:Fallback>
+  </mc:AlternateContent>
+  <p:timing>
+    <p:tnLst>
+      <p:par>
+        <p:cTn id="1" dur="indefinite" restart="never" nodeType="tmRoot"/>
+      </p:par>
+    </p:tnLst>
+  </p:timing>
+</p:sld>
+</file>
+
+<file path=ppt/slides/slide9.xml><?xml version="1.0" encoding="utf-8"?>
+<p:sld xmlns:a="http://schemas.openxmlformats.org/drawingml/2006/main" xmlns:r="http://schemas.openxmlformats.org/officeDocument/2006/relationships" xmlns:p="http://schemas.openxmlformats.org/presentationml/2006/main">
+  <p:cSld>
+    <p:spTree>
+      <p:nvGrpSpPr>
+        <p:cNvPr id="1" name=""/>
+        <p:cNvGrpSpPr/>
+        <p:nvPr/>
+      </p:nvGrpSpPr>
+      <p:grpSpPr>
+        <a:xfrm>
+          <a:off x="0" y="0"/>
+          <a:ext cx="0" cy="0"/>
+          <a:chOff x="0" y="0"/>
+          <a:chExt cx="0" cy="0"/>
+        </a:xfrm>
+      </p:grpSpPr>
+      <p:grpSp>
+        <p:nvGrpSpPr>
+          <p:cNvPr id="3" name="组合 2"/>
+          <p:cNvGrpSpPr/>
+          <p:nvPr/>
+        </p:nvGrpSpPr>
+        <p:grpSpPr>
+          <a:xfrm>
+            <a:off x="0" y="-27384"/>
+            <a:ext cx="9144000" cy="1080120"/>
+            <a:chOff x="0" y="1628800"/>
+            <a:chExt cx="9144000" cy="2592288"/>
+          </a:xfrm>
+        </p:grpSpPr>
+        <p:sp>
+          <p:nvSpPr>
+            <p:cNvPr id="4" name="矩形 3"/>
+            <p:cNvSpPr/>
+            <p:nvPr/>
+          </p:nvSpPr>
+          <p:spPr>
+            <a:xfrm>
+              <a:off x="0" y="1628800"/>
+              <a:ext cx="6948264" cy="2592288"/>
+            </a:xfrm>
+            <a:prstGeom prst="rect">
+              <a:avLst/>
+            </a:prstGeom>
+            <a:solidFill>
+              <a:srgbClr val="002060"/>
+            </a:solidFill>
+            <a:ln>
+              <a:noFill/>
+            </a:ln>
+          </p:spPr>
+          <p:style>
+            <a:lnRef idx="2">
+              <a:schemeClr val="accent1">
+                <a:shade val="50000"/>
+              </a:schemeClr>
+            </a:lnRef>
+            <a:fillRef idx="1">
+              <a:schemeClr val="accent1"/>
+            </a:fillRef>
+            <a:effectRef idx="0">
+              <a:schemeClr val="accent1"/>
+            </a:effectRef>
+            <a:fontRef idx="minor">
+              <a:schemeClr val="lt1"/>
+            </a:fontRef>
+          </p:style>
+          <p:txBody>
+            <a:bodyPr rtlCol="0" anchor="ctr"/>
+            <a:lstStyle/>
+            <a:p>
+              <a:pPr algn="ctr"/>
+              <a:endParaRPr lang="zh-CN" altLang="en-US"/>
+            </a:p>
+          </p:txBody>
+        </p:sp>
+        <p:sp>
+          <p:nvSpPr>
+            <p:cNvPr id="5" name="矩形 4"/>
+            <p:cNvSpPr/>
+            <p:nvPr/>
+          </p:nvSpPr>
+          <p:spPr>
+            <a:xfrm>
+              <a:off x="6948264" y="1628800"/>
+              <a:ext cx="2195736" cy="2592288"/>
+            </a:xfrm>
+            <a:prstGeom prst="rect">
+              <a:avLst/>
+            </a:prstGeom>
+            <a:solidFill>
+              <a:srgbClr val="00B050"/>
+            </a:solidFill>
+            <a:ln>
+              <a:noFill/>
+            </a:ln>
+          </p:spPr>
+          <p:style>
+            <a:lnRef idx="2">
+              <a:schemeClr val="accent1">
+                <a:shade val="50000"/>
+              </a:schemeClr>
+            </a:lnRef>
+            <a:fillRef idx="1">
+              <a:schemeClr val="accent1"/>
+            </a:fillRef>
+            <a:effectRef idx="0">
+              <a:schemeClr val="accent1"/>
+            </a:effectRef>
+            <a:fontRef idx="minor">
+              <a:schemeClr val="lt1"/>
+            </a:fontRef>
+          </p:style>
+          <p:txBody>
+            <a:bodyPr rtlCol="0" anchor="ctr"/>
+            <a:lstStyle/>
+            <a:p>
+              <a:pPr algn="ctr"/>
+              <a:endParaRPr lang="zh-CN" altLang="en-US"/>
+            </a:p>
+          </p:txBody>
+        </p:sp>
+      </p:grpSp>
+      <p:sp>
+        <p:nvSpPr>
+          <p:cNvPr id="6" name="标题 3"/>
+          <p:cNvSpPr txBox="1">
+            <a:spLocks/>
+          </p:cNvSpPr>
+          <p:nvPr/>
+        </p:nvSpPr>
+        <p:spPr>
+          <a:xfrm>
+            <a:off x="432048" y="125760"/>
+            <a:ext cx="7812360" cy="1143000"/>
+          </a:xfrm>
+          <a:prstGeom prst="rect">
+            <a:avLst/>
+          </a:prstGeom>
+        </p:spPr>
+        <p:txBody>
+          <a:bodyPr>
+            <a:normAutofit/>
+          </a:bodyPr>
+          <a:lstStyle>
+            <a:lvl1pPr algn="ctr" defTabSz="914400" rtl="0" eaLnBrk="1" latinLnBrk="0" hangingPunct="1">
+              <a:spcBef>
+                <a:spcPct val="0"/>
+              </a:spcBef>
+              <a:buNone/>
+              <a:defRPr sz="4400" kern="1200">
+                <a:solidFill>
+                  <a:schemeClr val="tx1"/>
+                </a:solidFill>
+                <a:latin typeface="+mj-lt"/>
+                <a:ea typeface="+mj-ea"/>
+                <a:cs typeface="+mj-cs"/>
+              </a:defRPr>
+            </a:lvl1pPr>
+          </a:lstStyle>
+          <a:p>
+            <a:pPr algn="l"/>
+            <a:r>
+              <a:rPr lang="zh-CN" altLang="en-US" dirty="0">
+                <a:solidFill>
+                  <a:schemeClr val="bg1"/>
+                </a:solidFill>
+                <a:latin typeface="方正大黑简体" pitchFamily="2" charset="-122"/>
+                <a:ea typeface="方正大黑简体" pitchFamily="2" charset="-122"/>
+              </a:rPr>
+              <a:t>致谢</a:t>
+            </a:r>
+          </a:p>
+        </p:txBody>
+      </p:sp>
+      <p:pic>
+        <p:nvPicPr>
+          <p:cNvPr id="8" name="Picture 7" descr="D:\Program Files\Microsoft Office\MEDIA\CAGCAT10\j0284916.jpg"/>
+          <p:cNvPicPr>
+            <a:picLocks noChangeAspect="1" noChangeArrowheads="1"/>
+          </p:cNvPicPr>
+          <p:nvPr/>
+        </p:nvPicPr>
+        <p:blipFill>
+          <a:blip r:embed="rId2"/>
+          <a:srcRect/>
+          <a:stretch>
+            <a:fillRect/>
+          </a:stretch>
+        </p:blipFill>
+        <p:spPr bwMode="auto">
+          <a:xfrm>
+            <a:off x="4857752" y="2143116"/>
+            <a:ext cx="3888027" cy="2571768"/>
+          </a:xfrm>
+          <a:prstGeom prst="rect">
+            <a:avLst/>
+          </a:prstGeom>
+          <a:noFill/>
+        </p:spPr>
+      </p:pic>
+      <p:sp>
+        <p:nvSpPr>
+          <p:cNvPr id="9" name="内容占位符 2"/>
+          <p:cNvSpPr txBox="1">
+            <a:spLocks/>
+          </p:cNvSpPr>
+          <p:nvPr/>
+        </p:nvSpPr>
+        <p:spPr bwMode="auto">
+          <a:xfrm>
+            <a:off x="-36512" y="3286124"/>
+            <a:ext cx="8424863" cy="1428760"/>
+          </a:xfrm>
+          <a:prstGeom prst="rect">
+            <a:avLst/>
+          </a:prstGeom>
+          <a:noFill/>
+          <a:ln w="9525">
+            <a:noFill/>
+            <a:miter lim="800000"/>
+            <a:headEnd/>
+            <a:tailEnd/>
+          </a:ln>
+          <a:effectLst/>
+        </p:spPr>
+        <p:txBody>
+          <a:bodyPr vert="horz" wrap="square" lIns="91440" tIns="45720" rIns="91440" bIns="45720" numCol="1" anchor="t" anchorCtr="0" compatLnSpc="1">
+            <a:prstTxWarp prst="textNoShape">
+              <a:avLst/>
+            </a:prstTxWarp>
+          </a:bodyPr>
+          <a:lstStyle/>
+          <a:p>
+            <a:pPr marL="342900" marR="0" lvl="0" indent="-342900" algn="l" defTabSz="914400" rtl="0" eaLnBrk="1" fontAlgn="base" latinLnBrk="0" hangingPunct="1">
+              <a:lnSpc>
+                <a:spcPct val="100000"/>
+              </a:lnSpc>
+              <a:spcBef>
+                <a:spcPct val="20000"/>
+              </a:spcBef>
+              <a:spcAft>
+                <a:spcPct val="0"/>
+              </a:spcAft>
+              <a:buClrTx/>
+              <a:buSzTx/>
+              <a:buFontTx/>
+              <a:buChar char="•"/>
+              <a:tabLst/>
+              <a:defRPr/>
+            </a:pPr>
+            <a:r>
+              <a:rPr kumimoji="1" lang="zh-CN" altLang="en-US" sz="3600" kern="0" dirty="0">
+                <a:latin typeface="微软雅黑" pitchFamily="34" charset="-122"/>
+                <a:ea typeface="微软雅黑" pitchFamily="34" charset="-122"/>
+              </a:rPr>
+              <a:t>感谢聆听，</a:t>
+            </a:r>
+            <a:r>
+              <a:rPr kumimoji="1" lang="zh-CN" altLang="en-US" sz="3600" b="0" i="0" u="none" strike="noStrike" kern="0" cap="none" spc="0" normalizeH="0" baseline="0" noProof="0" dirty="0" smtClean="0">
+                <a:ln>
+                  <a:noFill/>
+                </a:ln>
+                <a:solidFill>
+                  <a:schemeClr val="tx1"/>
+                </a:solidFill>
+                <a:effectLst/>
+                <a:uLnTx/>
+                <a:uFillTx/>
+                <a:latin typeface="微软雅黑" pitchFamily="34" charset="-122"/>
+                <a:ea typeface="微软雅黑" pitchFamily="34" charset="-122"/>
+              </a:rPr>
+              <a:t>讨论交流！</a:t>
+            </a:r>
+            <a:endParaRPr kumimoji="1" lang="zh-CN" altLang="en-US" sz="2800" b="0" i="0" u="none" strike="noStrike" kern="0" cap="none" spc="0" normalizeH="0" baseline="0" noProof="0" dirty="0">
+              <a:ln>
+                <a:noFill/>
+              </a:ln>
+              <a:solidFill>
+                <a:schemeClr val="tx1"/>
+              </a:solidFill>
+              <a:effectLst/>
+              <a:uLnTx/>
+              <a:uFillTx/>
+              <a:latin typeface="微软雅黑" pitchFamily="34" charset="-122"/>
+              <a:ea typeface="微软雅黑" pitchFamily="34" charset="-122"/>
+            </a:endParaRPr>
+          </a:p>
+        </p:txBody>
+      </p:sp>
+    </p:spTree>
+    <p:extLst>
+      <p:ext uri="{BB962C8B-B14F-4D97-AF65-F5344CB8AC3E}">
+        <p14:creationId xmlns:p14="http://schemas.microsoft.com/office/powerpoint/2010/main" val="3072570691"/>
       </p:ext>
     </p:extLst>
   </p:cSld>

--- a/前端优化.pptx
+++ b/前端优化.pptx
@@ -201,7 +201,7 @@
             <a:fld id="{CE1D0BA2-A4A1-4B11-81FA-5EAFBA8CF391}" type="datetimeFigureOut">
               <a:rPr lang="zh-CN" altLang="en-US" smtClean="0"/>
               <a:pPr/>
-              <a:t>2016/6/26</a:t>
+              <a:t>2016/6/27</a:t>
             </a:fld>
             <a:endParaRPr lang="zh-CN" altLang="en-US"/>
           </a:p>
@@ -538,31 +538,7 @@
           <a:p>
             <a:r>
               <a:rPr lang="zh-CN" altLang="en-US" dirty="0" smtClean="0"/>
-              <a:t>大多数人都知道我是在</a:t>
-            </a:r>
-            <a:r>
-              <a:rPr lang="zh-CN" altLang="en-US" dirty="0" smtClean="0"/>
-              <a:t>做</a:t>
-            </a:r>
-            <a:r>
-              <a:rPr lang="zh-CN" altLang="en-US" dirty="0" smtClean="0"/>
-              <a:t>后台的，其实我最先学习的编程技术就是前端部分，只是后来觉得自己美感实在太差了，不得不转后台了，因此我对前端也没太深入</a:t>
-            </a:r>
-            <a:r>
-              <a:rPr lang="zh-CN" altLang="en-US" dirty="0" smtClean="0"/>
-              <a:t>去</a:t>
-            </a:r>
-            <a:r>
-              <a:rPr lang="zh-CN" altLang="en-US" dirty="0" smtClean="0"/>
-              <a:t>研究。</a:t>
-            </a:r>
-            <a:r>
-              <a:rPr lang="zh-CN" altLang="en-US" dirty="0" smtClean="0"/>
-              <a:t>所以今天分享的内容不会太深入，只分享下我对前端优化的看法，很多可能只是个人看法</a:t>
-            </a:r>
-            <a:r>
-              <a:rPr lang="zh-CN" altLang="en-US" dirty="0" smtClean="0"/>
-              <a:t>，就算是抛砖引玉吧。</a:t>
+              <a:t>大多数人都知道我是在做后台的，其实我最先学习的编程技术就是前端部分，只是后来觉得自己美感实在太差了，不得不转后台了，因此我对前端也没太深入去研究。所以今天分享的内容不会太深入，只分享下我对前端优化的看法，很多可能只是个人看法，就算是抛砖引玉吧。</a:t>
             </a:r>
             <a:endParaRPr lang="en-US" altLang="zh-CN" dirty="0" smtClean="0"/>
           </a:p>
@@ -657,15 +633,7 @@
           <a:p>
             <a:r>
               <a:rPr lang="zh-CN" altLang="en-US" dirty="0" smtClean="0"/>
-              <a:t>先简单介绍</a:t>
-            </a:r>
-            <a:r>
-              <a:rPr lang="zh-CN" altLang="en-US" dirty="0" smtClean="0"/>
-              <a:t>今天要分享的内容，</a:t>
-            </a:r>
-            <a:r>
-              <a:rPr lang="zh-CN" altLang="en-US" dirty="0" smtClean="0"/>
-              <a:t>分别是：。。。</a:t>
+              <a:t>先简单介绍今天要分享的内容，分别是：。。。</a:t>
             </a:r>
             <a:endParaRPr lang="en-US" altLang="zh-CN" dirty="0" smtClean="0"/>
           </a:p>
@@ -688,15 +656,7 @@
             </a:r>
             <a:r>
               <a:rPr lang="zh-CN" altLang="en-US" dirty="0" smtClean="0"/>
-              <a:t>前端到底是什么，因为不同公司对前端的定义可能都不一样，甚至不同产品，不同开发模式，不同技术架构对前端定义可能都会不同。但是对客户或非技术领导来说，都一样，就是做页面。所以今天我们也就将就一下，也就定义为做页面吧。那今天我分享前端优化，大家也可以理解为页面优化。我看今天来听我啰嗦</a:t>
-            </a:r>
-            <a:r>
-              <a:rPr lang="zh-CN" altLang="en-US" dirty="0" smtClean="0"/>
-              <a:t>的大多是开发</a:t>
-            </a:r>
-            <a:r>
-              <a:rPr lang="zh-CN" altLang="en-US" dirty="0" smtClean="0"/>
-              <a:t>，相信你们最关心就是如何优化。但我认为，前两个问题，才是难点，就像改</a:t>
+              <a:t>前端到底是什么，因为不同公司对前端的定义可能都不一样，甚至不同产品，不同开发模式，不同技术架构对前端定义可能都会不同。但是对客户或非技术领导来说，都一样，就是做页面。所以今天我们也就将就一下，也就定义为做页面吧。那今天我分享前端优化，大家也可以理解为页面优化。我看今天来听我啰嗦的大多是开发，相信你们最关心就是如何优化。但我认为，前两个问题，才是难点，就像改</a:t>
             </a:r>
             <a:r>
               <a:rPr lang="en-US" altLang="zh-CN" dirty="0" smtClean="0"/>
@@ -834,51 +794,7 @@
           <a:p>
             <a:r>
               <a:rPr lang="zh-CN" altLang="en-US" dirty="0" smtClean="0"/>
-              <a:t>解决兼容性，可以理解为适配性，即开发一套来兼容</a:t>
-            </a:r>
-            <a:r>
-              <a:rPr lang="zh-CN" altLang="en-US" dirty="0" smtClean="0"/>
-              <a:t>不同设备或平台，减少开发工作量，从而</a:t>
-            </a:r>
-            <a:r>
-              <a:rPr lang="zh-CN" altLang="en-US" dirty="0" smtClean="0"/>
-              <a:t>降低成本。其他各种理由最终也可以推导到这根本原因上来，我就不一一推了。这时大家可能会说，这还用你讲啊，整个公司的人做的所有的事不都是以此为最终目标吗。确实如此</a:t>
-            </a:r>
-            <a:r>
-              <a:rPr lang="zh-CN" altLang="en-US" dirty="0" smtClean="0"/>
-              <a:t>，这</a:t>
-            </a:r>
-            <a:r>
-              <a:rPr lang="zh-CN" altLang="en-US" dirty="0" smtClean="0"/>
-              <a:t>也体现了它的重要性，而我们做具体事情过程中可能</a:t>
-            </a:r>
-            <a:r>
-              <a:rPr lang="zh-CN" altLang="en-US" dirty="0" smtClean="0"/>
-              <a:t>会忽略了它</a:t>
-            </a:r>
-            <a:r>
-              <a:rPr lang="zh-CN" altLang="en-US" dirty="0" smtClean="0"/>
-              <a:t>。其他不讲，就拿优化来说，如果不以这个目标为准则，我们在确定优化什么的时候，往往很容易进入到一个过度优化的死胡同，最终一阵优化</a:t>
-            </a:r>
-            <a:r>
-              <a:rPr lang="zh-CN" altLang="en-US" dirty="0" smtClean="0"/>
-              <a:t>过后看似目优化的达到了，但距离我们的根本目的确仍有距离，这时就</a:t>
-            </a:r>
-            <a:r>
-              <a:rPr lang="zh-CN" altLang="en-US" dirty="0" smtClean="0"/>
-              <a:t>需要我们以这个最终目标为准则</a:t>
-            </a:r>
-            <a:r>
-              <a:rPr lang="zh-CN" altLang="en-US" dirty="0" smtClean="0"/>
-              <a:t>，在动手优化前，明确</a:t>
-            </a:r>
-            <a:r>
-              <a:rPr lang="zh-CN" altLang="en-US" dirty="0" smtClean="0"/>
-              <a:t>该优化</a:t>
-            </a:r>
-            <a:r>
-              <a:rPr lang="zh-CN" altLang="en-US" dirty="0" smtClean="0"/>
-              <a:t>什么，优化到什么程度。</a:t>
+              <a:t>解决兼容性，可以理解为适配性，即开发一套来兼容不同设备或平台，减少开发工作量，从而降低成本。其他各种理由最终也可以推导到这根本原因上来，我就不一一推了。这时大家可能会说，这还用你讲啊，整个公司的人做的所有的事不都是以此为最终目标吗。确实如此，这也体现了它的重要性，而我们做具体事情过程中可能会忽略了它。其他不讲，就拿优化来说，如果不以这个目标为准则，我们在确定优化什么的时候，往往很容易进入到一个过度优化的死胡同，最终一阵优化过后看似目优化的达到了，但距离我们的根本目的确仍有距离，这时就需要我们以这个最终目标为准则，在动手优化前，明确该优化什么，优化到什么程度。</a:t>
             </a:r>
             <a:endParaRPr lang="zh-CN" altLang="en-US" dirty="0"/>
           </a:p>
@@ -967,22 +883,14 @@
           <a:p>
             <a:r>
               <a:rPr lang="zh-CN" altLang="en-US" dirty="0" smtClean="0"/>
-              <a:t>那</a:t>
-            </a:r>
+              <a:t>那到底该优化什么呢，</a:t>
+            </a:r>
+            <a:endParaRPr lang="en-US" altLang="zh-CN" dirty="0" smtClean="0"/>
+          </a:p>
+          <a:p>
             <a:r>
               <a:rPr lang="zh-CN" altLang="en-US" dirty="0" smtClean="0"/>
-              <a:t>到底该优化什么呢，</a:t>
-            </a:r>
-            <a:endParaRPr lang="en-US" altLang="zh-CN" dirty="0" smtClean="0"/>
-          </a:p>
-          <a:p>
-            <a:r>
-              <a:rPr lang="zh-CN" altLang="en-US" dirty="0" smtClean="0"/>
-              <a:t>我认为优化什么没有现成结果，而是根据具体产品具体分析，今天我不打算讲具体产品，而是想讲下，具有一定普适性的问题，也是前面我提到过的问题。如何确定</a:t>
-            </a:r>
-            <a:r>
-              <a:rPr lang="zh-CN" altLang="en-US" dirty="0" smtClean="0"/>
-              <a:t>该优化什么呢，</a:t>
+              <a:t>我认为优化什么没有现成结果，而是根据具体产品具体分析，今天我不打算讲具体产品，而是想讲下，具有一定普适性的问题，也是前面我提到过的问题。如何确定该优化什么呢，</a:t>
             </a:r>
             <a:endParaRPr lang="en-US" altLang="zh-CN" dirty="0" smtClean="0"/>
           </a:p>
@@ -1024,43 +932,7 @@
                 <a:ea typeface="+mn-ea"/>
                 <a:cs typeface="+mn-cs"/>
               </a:rPr>
-              <a:t>应用到优化中就是那出问题优化哪，优点刚才讲了，我们讲讲缺点，反应慢（属于亡羊补牢），治标不治本（因为通常问题是在系统完成后出现，我们为维持稳定性，</a:t>
-            </a:r>
-            <a:r>
-              <a:rPr lang="zh-CN" altLang="en-US" sz="1200" b="0" i="0" kern="1200" dirty="0" smtClean="0">
-                <a:solidFill>
-                  <a:schemeClr val="tx1"/>
-                </a:solidFill>
-                <a:effectLst/>
-                <a:latin typeface="+mn-lt"/>
-                <a:ea typeface="+mn-ea"/>
-                <a:cs typeface="+mn-cs"/>
-              </a:rPr>
-              <a:t>不会也不敢大</a:t>
-            </a:r>
-            <a:r>
-              <a:rPr lang="zh-CN" altLang="en-US" sz="1200" b="0" i="0" kern="1200" dirty="0" smtClean="0">
-                <a:solidFill>
-                  <a:schemeClr val="tx1"/>
-                </a:solidFill>
-                <a:effectLst/>
-                <a:latin typeface="+mn-lt"/>
-                <a:ea typeface="+mn-ea"/>
-                <a:cs typeface="+mn-cs"/>
-              </a:rPr>
-              <a:t>动）</a:t>
-            </a:r>
-            <a:r>
-              <a:rPr lang="zh-CN" altLang="en-US" sz="1200" b="0" i="0" kern="1200" dirty="0" smtClean="0">
-                <a:solidFill>
-                  <a:schemeClr val="tx1"/>
-                </a:solidFill>
-                <a:effectLst/>
-                <a:latin typeface="+mn-lt"/>
-                <a:ea typeface="+mn-ea"/>
-                <a:cs typeface="+mn-cs"/>
-              </a:rPr>
-              <a:t>。</a:t>
+              <a:t>应用到优化中就是那出问题优化哪，优点刚才讲了，我们讲讲缺点，反应慢（属于亡羊补牢），治标不治本（因为通常问题是在系统完成后出现，我们为维持稳定性，不会也不敢大动）。</a:t>
             </a:r>
             <a:endParaRPr lang="en-US" altLang="zh-CN" sz="1200" b="0" i="0" kern="1200" dirty="0" smtClean="0">
               <a:solidFill>
@@ -1502,9 +1374,57 @@
             </a:r>
             <a:r>
               <a:rPr lang="zh-CN" altLang="en-US" dirty="0" smtClean="0"/>
-              <a:t>加载完成前完全不可用。</a:t>
-            </a:r>
-            <a:endParaRPr lang="en-US" altLang="zh-CN" smtClean="0"/>
+              <a:t>加载完成前完全不可用</a:t>
+            </a:r>
+            <a:r>
+              <a:rPr lang="zh-CN" altLang="en-US" dirty="0" smtClean="0"/>
+              <a:t>。</a:t>
+            </a:r>
+            <a:endParaRPr lang="en-US" altLang="zh-CN" dirty="0" smtClean="0"/>
+          </a:p>
+          <a:p>
+            <a:r>
+              <a:rPr lang="zh-CN" altLang="en-US" dirty="0" smtClean="0"/>
+              <a:t>缓存，客户端能做的缓存不多，但效果很好。主要就是设置页面缓存，大家可能很少特意去设置这个，到去找如何设置不缓存的情况居多。这是因为浏览器对没设置缓存时默认是开启缓存的，缓存的主要缺点就是更新麻烦，特别是</a:t>
+            </a:r>
+            <a:r>
+              <a:rPr lang="en-US" altLang="zh-CN" dirty="0" err="1" smtClean="0"/>
+              <a:t>iframe</a:t>
+            </a:r>
+            <a:r>
+              <a:rPr lang="en-US" altLang="zh-CN" dirty="0" smtClean="0"/>
+              <a:t> </a:t>
+            </a:r>
+            <a:r>
+              <a:rPr lang="zh-CN" altLang="en-US" dirty="0" smtClean="0"/>
+              <a:t>内嵌页面。以前为省事，部分常更新页面我们就直接设置不缓存了，特别难搞的就在请求后加个随机数，其实这是懒人做法，页面不常用还好，但如果这是个高并发页面，可能就会成系统瓶颈了。如何做好缓存与更新的平衡呢，增加版本，资源上请求后增加版本号，需要有更新的时候在有的更新资源后升级下版本号。看起来很不错，兼顾了缓存与更新。但又引入了新问题，开发成本增加，开发工作有一项变两项，虽然不难，但也是很繁琐的。</a:t>
+            </a:r>
+            <a:endParaRPr lang="en-US" altLang="zh-CN" dirty="0" smtClean="0"/>
+          </a:p>
+          <a:p>
+            <a:r>
+              <a:rPr lang="zh-CN" altLang="en-US" dirty="0" smtClean="0"/>
+              <a:t>出问题更难发现，如开发疲劳，遗忘那么几项版本号没更新，要发现是很困难的。</a:t>
+            </a:r>
+            <a:endParaRPr lang="en-US" altLang="zh-CN" dirty="0" smtClean="0"/>
+          </a:p>
+          <a:p>
+            <a:r>
+              <a:rPr lang="zh-CN" altLang="en-US" baseline="0" dirty="0" smtClean="0"/>
+              <a:t>那有解决方案没呢，有，但这已经</a:t>
+            </a:r>
+            <a:r>
+              <a:rPr lang="zh-CN" altLang="en-US" baseline="0" smtClean="0"/>
+              <a:t>是开发端优化的问题</a:t>
+            </a:r>
+            <a:r>
+              <a:rPr lang="zh-CN" altLang="en-US" baseline="0" dirty="0" smtClean="0"/>
+              <a:t>了，待讲开发优化在说。接下我们看另一个关键点“近”</a:t>
+            </a:r>
+            <a:endParaRPr lang="en-US" altLang="zh-CN" dirty="0" smtClean="0"/>
+          </a:p>
+          <a:p>
+            <a:endParaRPr lang="en-US" altLang="zh-CN" dirty="0" smtClean="0"/>
           </a:p>
           <a:p>
             <a:endParaRPr lang="zh-CN" altLang="en-US" dirty="0"/>
@@ -1736,7 +1656,7 @@
             <a:fld id="{D22439AA-DE3E-4136-8738-0A92E0638C7F}" type="datetimeFigureOut">
               <a:rPr lang="zh-CN" altLang="en-US" smtClean="0"/>
               <a:pPr/>
-              <a:t>2016/6/26</a:t>
+              <a:t>2016/6/27</a:t>
             </a:fld>
             <a:endParaRPr lang="zh-CN" altLang="en-US"/>
           </a:p>
@@ -1924,7 +1844,7 @@
             <a:fld id="{D22439AA-DE3E-4136-8738-0A92E0638C7F}" type="datetimeFigureOut">
               <a:rPr lang="zh-CN" altLang="en-US" smtClean="0"/>
               <a:pPr/>
-              <a:t>2016/6/26</a:t>
+              <a:t>2016/6/27</a:t>
             </a:fld>
             <a:endParaRPr lang="zh-CN" altLang="en-US"/>
           </a:p>
@@ -2112,7 +2032,7 @@
             <a:fld id="{D22439AA-DE3E-4136-8738-0A92E0638C7F}" type="datetimeFigureOut">
               <a:rPr lang="zh-CN" altLang="en-US" smtClean="0"/>
               <a:pPr/>
-              <a:t>2016/6/26</a:t>
+              <a:t>2016/6/27</a:t>
             </a:fld>
             <a:endParaRPr lang="zh-CN" altLang="en-US"/>
           </a:p>
@@ -2325,7 +2245,7 @@
             <a:fld id="{D22439AA-DE3E-4136-8738-0A92E0638C7F}" type="datetimeFigureOut">
               <a:rPr lang="zh-CN" altLang="en-US" smtClean="0"/>
               <a:pPr/>
-              <a:t>2016/6/26</a:t>
+              <a:t>2016/6/27</a:t>
             </a:fld>
             <a:endParaRPr lang="zh-CN" altLang="en-US"/>
           </a:p>
@@ -2579,7 +2499,7 @@
             <a:fld id="{D22439AA-DE3E-4136-8738-0A92E0638C7F}" type="datetimeFigureOut">
               <a:rPr lang="zh-CN" altLang="en-US" smtClean="0"/>
               <a:pPr/>
-              <a:t>2016/6/26</a:t>
+              <a:t>2016/6/27</a:t>
             </a:fld>
             <a:endParaRPr lang="zh-CN" altLang="en-US"/>
           </a:p>
@@ -2883,7 +2803,7 @@
             <a:fld id="{D22439AA-DE3E-4136-8738-0A92E0638C7F}" type="datetimeFigureOut">
               <a:rPr lang="zh-CN" altLang="en-US" smtClean="0"/>
               <a:pPr/>
-              <a:t>2016/6/26</a:t>
+              <a:t>2016/6/27</a:t>
             </a:fld>
             <a:endParaRPr lang="zh-CN" altLang="en-US"/>
           </a:p>
@@ -3327,7 +3247,7 @@
             <a:fld id="{D22439AA-DE3E-4136-8738-0A92E0638C7F}" type="datetimeFigureOut">
               <a:rPr lang="zh-CN" altLang="en-US" smtClean="0"/>
               <a:pPr/>
-              <a:t>2016/6/26</a:t>
+              <a:t>2016/6/27</a:t>
             </a:fld>
             <a:endParaRPr lang="zh-CN" altLang="en-US"/>
           </a:p>
@@ -3455,7 +3375,7 @@
             <a:fld id="{D22439AA-DE3E-4136-8738-0A92E0638C7F}" type="datetimeFigureOut">
               <a:rPr lang="zh-CN" altLang="en-US" smtClean="0"/>
               <a:pPr/>
-              <a:t>2016/6/26</a:t>
+              <a:t>2016/6/27</a:t>
             </a:fld>
             <a:endParaRPr lang="zh-CN" altLang="en-US"/>
           </a:p>
@@ -3552,7 +3472,7 @@
             <a:fld id="{D22439AA-DE3E-4136-8738-0A92E0638C7F}" type="datetimeFigureOut">
               <a:rPr lang="zh-CN" altLang="en-US" smtClean="0"/>
               <a:pPr/>
-              <a:t>2016/6/26</a:t>
+              <a:t>2016/6/27</a:t>
             </a:fld>
             <a:endParaRPr lang="zh-CN" altLang="en-US"/>
           </a:p>
@@ -3840,7 +3760,7 @@
             <a:fld id="{D22439AA-DE3E-4136-8738-0A92E0638C7F}" type="datetimeFigureOut">
               <a:rPr lang="zh-CN" altLang="en-US" smtClean="0"/>
               <a:pPr/>
-              <a:t>2016/6/26</a:t>
+              <a:t>2016/6/27</a:t>
             </a:fld>
             <a:endParaRPr lang="zh-CN" altLang="en-US"/>
           </a:p>
@@ -4104,7 +4024,7 @@
             <a:fld id="{D22439AA-DE3E-4136-8738-0A92E0638C7F}" type="datetimeFigureOut">
               <a:rPr lang="zh-CN" altLang="en-US" smtClean="0"/>
               <a:pPr/>
-              <a:t>2016/6/26</a:t>
+              <a:t>2016/6/27</a:t>
             </a:fld>
             <a:endParaRPr lang="zh-CN" altLang="en-US"/>
           </a:p>
@@ -4224,7 +4144,7 @@
             <a:fld id="{D22439AA-DE3E-4136-8738-0A92E0638C7F}" type="datetimeFigureOut">
               <a:rPr lang="zh-CN" altLang="en-US" smtClean="0"/>
               <a:pPr/>
-              <a:t>2016/6/26</a:t>
+              <a:t>2016/6/27</a:t>
             </a:fld>
             <a:endParaRPr lang="zh-CN" altLang="en-US"/>
           </a:p>
@@ -4864,17 +4784,7 @@
                 <a:latin typeface="方正大黑简体" pitchFamily="2" charset="-122"/>
                 <a:ea typeface="方正大黑简体" pitchFamily="2" charset="-122"/>
               </a:rPr>
-              <a:t>前端</a:t>
-            </a:r>
-            <a:r>
-              <a:rPr lang="zh-CN" altLang="en-US" sz="5400" b="1" dirty="0" smtClean="0">
-                <a:solidFill>
-                  <a:schemeClr val="bg1"/>
-                </a:solidFill>
-                <a:latin typeface="方正大黑简体" pitchFamily="2" charset="-122"/>
-                <a:ea typeface="方正大黑简体" pitchFamily="2" charset="-122"/>
-              </a:rPr>
-              <a:t>优化</a:t>
+              <a:t>前端优化</a:t>
             </a:r>
             <a:endParaRPr lang="en-US" altLang="zh-CN" sz="5400" b="1" dirty="0">
               <a:solidFill>
@@ -7953,11 +7863,11 @@
   <p:clrMapOvr>
     <a:masterClrMapping/>
   </p:clrMapOvr>
-  <mc:AlternateContent xmlns:mc="http://schemas.openxmlformats.org/markup-compatibility/2006">
-    <mc:Choice xmlns:p14="http://schemas.microsoft.com/office/powerpoint/2010/main" Requires="p14">
+  <mc:AlternateContent xmlns:mc="http://schemas.openxmlformats.org/markup-compatibility/2006" xmlns:p14="http://schemas.microsoft.com/office/powerpoint/2010/main">
+    <mc:Choice Requires="p14">
       <p:transition p14:dur="10"/>
     </mc:Choice>
-    <mc:Fallback>
+    <mc:Fallback xmlns="">
       <p:transition/>
     </mc:Fallback>
   </mc:AlternateContent>
@@ -9193,14 +9103,6 @@
               </a:rPr>
               <a:t>开发端优化</a:t>
             </a:r>
-            <a:endParaRPr lang="zh-CN" altLang="en-US" sz="2800" b="1" dirty="0">
-              <a:solidFill>
-                <a:schemeClr val="tx1">
-                  <a:lumMod val="75000"/>
-                  <a:lumOff val="25000"/>
-                </a:schemeClr>
-              </a:solidFill>
-            </a:endParaRPr>
           </a:p>
         </p:txBody>
       </p:sp>
@@ -9249,14 +9151,6 @@
               </a:rPr>
               <a:t>产品端优化</a:t>
             </a:r>
-            <a:endParaRPr lang="zh-CN" altLang="en-US" sz="2800" b="1" dirty="0">
-              <a:solidFill>
-                <a:schemeClr val="tx1">
-                  <a:lumMod val="75000"/>
-                  <a:lumOff val="25000"/>
-                </a:schemeClr>
-              </a:solidFill>
-            </a:endParaRPr>
           </a:p>
         </p:txBody>
       </p:sp>
@@ -9823,13 +9717,6 @@
               </a:rPr>
               <a:t>用户端优化</a:t>
             </a:r>
-            <a:endParaRPr lang="zh-CN" altLang="en-US" dirty="0">
-              <a:solidFill>
-                <a:schemeClr val="bg1"/>
-              </a:solidFill>
-              <a:latin typeface="方正大黑简体" pitchFamily="2" charset="-122"/>
-              <a:ea typeface="方正大黑简体" pitchFamily="2" charset="-122"/>
-            </a:endParaRPr>
           </a:p>
         </p:txBody>
       </p:sp>
@@ -9921,7 +9808,7 @@
         </p:nvSpPr>
         <p:spPr>
           <a:xfrm>
-            <a:off x="125797" y="2780928"/>
+            <a:off x="2699792" y="2564904"/>
             <a:ext cx="2790020" cy="2376264"/>
           </a:xfrm>
           <a:prstGeom prst="ellipse">
@@ -9974,6 +9861,229 @@
               <a:t>缓存</a:t>
             </a:r>
             <a:endParaRPr lang="zh-CN" altLang="en-US" dirty="0"/>
+          </a:p>
+        </p:txBody>
+      </p:sp>
+      <p:sp>
+        <p:nvSpPr>
+          <p:cNvPr id="8" name="线形标注 2(带强调线) 7"/>
+          <p:cNvSpPr/>
+          <p:nvPr/>
+        </p:nvSpPr>
+        <p:spPr>
+          <a:xfrm>
+            <a:off x="432047" y="3753036"/>
+            <a:ext cx="1715727" cy="1116124"/>
+          </a:xfrm>
+          <a:prstGeom prst="accentCallout2">
+            <a:avLst>
+              <a:gd name="adj1" fmla="val 80195"/>
+              <a:gd name="adj2" fmla="val 113551"/>
+              <a:gd name="adj3" fmla="val 78489"/>
+              <a:gd name="adj4" fmla="val 148206"/>
+              <a:gd name="adj5" fmla="val 51955"/>
+              <a:gd name="adj6" fmla="val 194265"/>
+            </a:avLst>
+          </a:prstGeom>
+        </p:spPr>
+        <p:style>
+          <a:lnRef idx="1">
+            <a:schemeClr val="accent1"/>
+          </a:lnRef>
+          <a:fillRef idx="2">
+            <a:schemeClr val="accent1"/>
+          </a:fillRef>
+          <a:effectRef idx="1">
+            <a:schemeClr val="accent1"/>
+          </a:effectRef>
+          <a:fontRef idx="minor">
+            <a:schemeClr val="dk1"/>
+          </a:fontRef>
+        </p:style>
+        <p:txBody>
+          <a:bodyPr rtlCol="0" anchor="ctr"/>
+          <a:lstStyle/>
+          <a:p>
+            <a:pPr marL="285750" indent="-285750">
+              <a:buFont typeface="Arial" pitchFamily="34" charset="0"/>
+              <a:buChar char="•"/>
+            </a:pPr>
+            <a:r>
+              <a:rPr lang="en-US" altLang="zh-CN" dirty="0" smtClean="0">
+                <a:solidFill>
+                  <a:srgbClr val="00B050"/>
+                </a:solidFill>
+              </a:rPr>
+              <a:t>JS </a:t>
+            </a:r>
+            <a:r>
+              <a:rPr lang="zh-CN" altLang="en-US" dirty="0" smtClean="0">
+                <a:solidFill>
+                  <a:srgbClr val="00B050"/>
+                </a:solidFill>
+              </a:rPr>
+              <a:t>合并</a:t>
+            </a:r>
+            <a:endParaRPr lang="en-US" altLang="zh-CN" dirty="0" smtClean="0">
+              <a:solidFill>
+                <a:srgbClr val="00B050"/>
+              </a:solidFill>
+            </a:endParaRPr>
+          </a:p>
+          <a:p>
+            <a:pPr marL="285750" indent="-285750">
+              <a:buFont typeface="Arial" pitchFamily="34" charset="0"/>
+              <a:buChar char="•"/>
+            </a:pPr>
+            <a:r>
+              <a:rPr lang="en-US" altLang="zh-CN" dirty="0" smtClean="0">
+                <a:solidFill>
+                  <a:srgbClr val="00B050"/>
+                </a:solidFill>
+              </a:rPr>
+              <a:t>CSS </a:t>
+            </a:r>
+            <a:r>
+              <a:rPr lang="zh-CN" altLang="en-US" dirty="0" smtClean="0">
+                <a:solidFill>
+                  <a:srgbClr val="00B050"/>
+                </a:solidFill>
+              </a:rPr>
+              <a:t>合并</a:t>
+            </a:r>
+            <a:endParaRPr lang="en-US" altLang="zh-CN" dirty="0" smtClean="0">
+              <a:solidFill>
+                <a:srgbClr val="00B050"/>
+              </a:solidFill>
+            </a:endParaRPr>
+          </a:p>
+          <a:p>
+            <a:pPr marL="285750" indent="-285750">
+              <a:buFont typeface="Arial" pitchFamily="34" charset="0"/>
+              <a:buChar char="•"/>
+            </a:pPr>
+            <a:r>
+              <a:rPr lang="zh-CN" altLang="en-US" dirty="0" smtClean="0">
+                <a:solidFill>
+                  <a:srgbClr val="00B050"/>
+                </a:solidFill>
+              </a:rPr>
+              <a:t>图片合并</a:t>
+            </a:r>
+            <a:endParaRPr lang="zh-CN" altLang="en-US" dirty="0">
+              <a:solidFill>
+                <a:srgbClr val="00B050"/>
+              </a:solidFill>
+            </a:endParaRPr>
+          </a:p>
+        </p:txBody>
+      </p:sp>
+      <p:sp>
+        <p:nvSpPr>
+          <p:cNvPr id="11" name="线形标注 2(带强调线) 10"/>
+          <p:cNvSpPr/>
+          <p:nvPr/>
+        </p:nvSpPr>
+        <p:spPr>
+          <a:xfrm>
+            <a:off x="6732240" y="2996952"/>
+            <a:ext cx="2016224" cy="966006"/>
+          </a:xfrm>
+          <a:prstGeom prst="accentCallout2">
+            <a:avLst>
+              <a:gd name="adj1" fmla="val 44352"/>
+              <a:gd name="adj2" fmla="val -15419"/>
+              <a:gd name="adj3" fmla="val 44353"/>
+              <a:gd name="adj4" fmla="val -67216"/>
+              <a:gd name="adj5" fmla="val 104012"/>
+              <a:gd name="adj6" fmla="val -93437"/>
+            </a:avLst>
+          </a:prstGeom>
+        </p:spPr>
+        <p:style>
+          <a:lnRef idx="1">
+            <a:schemeClr val="accent1"/>
+          </a:lnRef>
+          <a:fillRef idx="2">
+            <a:schemeClr val="accent1"/>
+          </a:fillRef>
+          <a:effectRef idx="1">
+            <a:schemeClr val="accent1"/>
+          </a:effectRef>
+          <a:fontRef idx="minor">
+            <a:schemeClr val="dk1"/>
+          </a:fontRef>
+        </p:style>
+        <p:txBody>
+          <a:bodyPr rtlCol="0" anchor="ctr"/>
+          <a:lstStyle/>
+          <a:p>
+            <a:pPr marL="285750" indent="-285750">
+              <a:buFont typeface="Arial" pitchFamily="34" charset="0"/>
+              <a:buChar char="•"/>
+            </a:pPr>
+            <a:endParaRPr lang="en-US" altLang="zh-CN" dirty="0" smtClean="0">
+              <a:solidFill>
+                <a:srgbClr val="00B050"/>
+              </a:solidFill>
+            </a:endParaRPr>
+          </a:p>
+          <a:p>
+            <a:pPr marL="285750" indent="-285750">
+              <a:buFont typeface="Arial" pitchFamily="34" charset="0"/>
+              <a:buChar char="•"/>
+            </a:pPr>
+            <a:r>
+              <a:rPr lang="zh-CN" altLang="en-US" dirty="0" smtClean="0">
+                <a:solidFill>
+                  <a:srgbClr val="00B050"/>
+                </a:solidFill>
+              </a:rPr>
+              <a:t>页面缓存</a:t>
+            </a:r>
+            <a:endParaRPr lang="en-US" altLang="zh-CN" dirty="0" smtClean="0">
+              <a:solidFill>
+                <a:srgbClr val="00B050"/>
+              </a:solidFill>
+            </a:endParaRPr>
+          </a:p>
+          <a:p>
+            <a:pPr marL="285750" indent="-285750">
+              <a:buFont typeface="Arial" pitchFamily="34" charset="0"/>
+              <a:buChar char="•"/>
+            </a:pPr>
+            <a:r>
+              <a:rPr lang="en-US" altLang="zh-CN" dirty="0" smtClean="0">
+                <a:solidFill>
+                  <a:srgbClr val="00B050"/>
+                </a:solidFill>
+              </a:rPr>
+              <a:t>AJAX </a:t>
+            </a:r>
+            <a:r>
+              <a:rPr lang="zh-CN" altLang="en-US" dirty="0" smtClean="0">
+                <a:solidFill>
+                  <a:srgbClr val="00B050"/>
+                </a:solidFill>
+              </a:rPr>
+              <a:t>结果缓存</a:t>
+            </a:r>
+            <a:endParaRPr lang="en-US" altLang="zh-CN" dirty="0" smtClean="0">
+              <a:solidFill>
+                <a:srgbClr val="00B050"/>
+              </a:solidFill>
+            </a:endParaRPr>
+          </a:p>
+          <a:p>
+            <a:pPr marL="285750" indent="-285750">
+              <a:buFont typeface="Arial" pitchFamily="34" charset="0"/>
+              <a:buChar char="•"/>
+            </a:pPr>
+            <a:endParaRPr lang="zh-CN" altLang="en-US" dirty="0">
+              <a:solidFill>
+                <a:srgbClr val="00B050"/>
+              </a:solidFill>
+            </a:endParaRPr>
           </a:p>
         </p:txBody>
       </p:sp>

--- a/前端优化.pptx
+++ b/前端优化.pptx
@@ -5,7 +5,7 @@
     <p:sldMasterId id="2147483660" r:id="rId1"/>
   </p:sldMasterIdLst>
   <p:notesMasterIdLst>
-    <p:notesMasterId r:id="rId11"/>
+    <p:notesMasterId r:id="rId12"/>
   </p:notesMasterIdLst>
   <p:sldIdLst>
     <p:sldId id="256" r:id="rId2"/>
@@ -16,7 +16,8 @@
     <p:sldId id="553" r:id="rId7"/>
     <p:sldId id="555" r:id="rId8"/>
     <p:sldId id="556" r:id="rId9"/>
-    <p:sldId id="557" r:id="rId10"/>
+    <p:sldId id="558" r:id="rId10"/>
+    <p:sldId id="557" r:id="rId11"/>
   </p:sldIdLst>
   <p:sldSz cx="9144000" cy="6858000" type="screen4x3"/>
   <p:notesSz cx="6858000" cy="9144000"/>
@@ -201,7 +202,7 @@
             <a:fld id="{CE1D0BA2-A4A1-4B11-81FA-5EAFBA8CF391}" type="datetimeFigureOut">
               <a:rPr lang="zh-CN" altLang="en-US" smtClean="0"/>
               <a:pPr/>
-              <a:t>2016/6/27</a:t>
+              <a:t>2016/7/4</a:t>
             </a:fld>
             <a:endParaRPr lang="zh-CN" altLang="en-US"/>
           </a:p>
@@ -1073,7 +1074,23 @@
           <a:p>
             <a:r>
               <a:rPr lang="zh-CN" altLang="en-US" dirty="0" smtClean="0"/>
-              <a:t>今天讲的如何优化，不是针对某一个产品，所以也没有前面讲的那些限制，我会尽量全的讲下各个优化点。因为比较多我们按影响角色分为</a:t>
+              <a:t>今天讲的如何优化，不是针对某一个产品，所以也没有前面讲的那些限制，我会尽量全的讲下各个优化点。因为比较</a:t>
+            </a:r>
+            <a:r>
+              <a:rPr lang="zh-CN" altLang="en-US" dirty="0" smtClean="0"/>
+              <a:t>多</a:t>
+            </a:r>
+            <a:r>
+              <a:rPr lang="en-US" altLang="zh-CN" dirty="0" smtClean="0"/>
+              <a:t>,</a:t>
+            </a:r>
+            <a:r>
+              <a:rPr lang="zh-CN" altLang="en-US" dirty="0" smtClean="0"/>
+              <a:t>我们</a:t>
+            </a:r>
+            <a:r>
+              <a:rPr lang="zh-CN" altLang="en-US" dirty="0" smtClean="0"/>
+              <a:t>按影响角色分为</a:t>
             </a:r>
             <a:endParaRPr lang="zh-CN" altLang="en-US" dirty="0"/>
           </a:p>
@@ -1162,7 +1179,51 @@
           <a:p>
             <a:r>
               <a:rPr lang="zh-CN" altLang="en-US" dirty="0" smtClean="0"/>
-              <a:t>用户端优化，这里说的用户端优化，是指用户看在客户端看到的静态元素的优化，这种优化是成本最低，见效最快的优化，为什么这么说，大家看看这个图。 后台幸幸苦苦，又是架构，又是缓存，又是业务逻辑优化忙下来，可能也就减少了几条</a:t>
+              <a:t>首先看下用户</a:t>
+            </a:r>
+            <a:r>
+              <a:rPr lang="zh-CN" altLang="en-US" dirty="0" smtClean="0"/>
+              <a:t>端优化，这里说的用户端优化，是指</a:t>
+            </a:r>
+            <a:r>
+              <a:rPr lang="zh-CN" altLang="en-US" dirty="0" smtClean="0"/>
+              <a:t>用户客户端优化</a:t>
+            </a:r>
+            <a:r>
+              <a:rPr lang="zh-CN" altLang="en-US" dirty="0" smtClean="0"/>
+              <a:t>，</a:t>
+            </a:r>
+            <a:r>
+              <a:rPr lang="zh-CN" altLang="en-US" dirty="0" smtClean="0"/>
+              <a:t>这类优化</a:t>
+            </a:r>
+            <a:r>
+              <a:rPr lang="zh-CN" altLang="en-US" dirty="0" smtClean="0"/>
+              <a:t>是成本最低，见效</a:t>
+            </a:r>
+            <a:r>
+              <a:rPr lang="zh-CN" altLang="en-US" dirty="0" smtClean="0"/>
+              <a:t>最快，</a:t>
+            </a:r>
+            <a:r>
+              <a:rPr lang="zh-CN" altLang="en-US" dirty="0" smtClean="0"/>
+              <a:t>为什么这么说，大家看看这个图。 后台幸幸苦苦</a:t>
+            </a:r>
+            <a:r>
+              <a:rPr lang="zh-CN" altLang="en-US" dirty="0" smtClean="0"/>
+              <a:t>，又是</a:t>
+            </a:r>
+            <a:r>
+              <a:rPr lang="zh-CN" altLang="en-US" dirty="0" smtClean="0"/>
+              <a:t>缓存，又是业务逻辑</a:t>
+            </a:r>
+            <a:r>
+              <a:rPr lang="zh-CN" altLang="en-US" dirty="0" smtClean="0"/>
+              <a:t>优化，甚至连架构也优化下来</a:t>
+            </a:r>
+            <a:r>
+              <a:rPr lang="zh-CN" altLang="en-US" dirty="0" smtClean="0"/>
+              <a:t>，可能也就减少了几条</a:t>
             </a:r>
             <a:r>
               <a:rPr lang="en-US" altLang="zh-CN" dirty="0" err="1" smtClean="0"/>
@@ -1212,7 +1273,15 @@
           <a:p>
             <a:r>
               <a:rPr lang="zh-CN" altLang="en-US" dirty="0" smtClean="0"/>
-              <a:t>那用户端改优化什么呢，如何优化呢。</a:t>
+              <a:t>那用户</a:t>
+            </a:r>
+            <a:r>
+              <a:rPr lang="zh-CN" altLang="en-US" dirty="0" smtClean="0"/>
+              <a:t>端该优化</a:t>
+            </a:r>
+            <a:r>
+              <a:rPr lang="zh-CN" altLang="en-US" dirty="0" smtClean="0"/>
+              <a:t>什么呢，如何优化呢。</a:t>
             </a:r>
             <a:endParaRPr lang="en-US" altLang="zh-CN" dirty="0" smtClean="0"/>
           </a:p>
@@ -1374,11 +1443,7 @@
             </a:r>
             <a:r>
               <a:rPr lang="zh-CN" altLang="en-US" dirty="0" smtClean="0"/>
-              <a:t>加载完成前完全不可用</a:t>
-            </a:r>
-            <a:r>
-              <a:rPr lang="zh-CN" altLang="en-US" dirty="0" smtClean="0"/>
-              <a:t>。</a:t>
+              <a:t>加载完成前完全不可用。</a:t>
             </a:r>
             <a:endParaRPr lang="en-US" altLang="zh-CN" dirty="0" smtClean="0"/>
           </a:p>
@@ -1411,15 +1476,7 @@
           <a:p>
             <a:r>
               <a:rPr lang="zh-CN" altLang="en-US" baseline="0" dirty="0" smtClean="0"/>
-              <a:t>那有解决方案没呢，有，但这已经</a:t>
-            </a:r>
-            <a:r>
-              <a:rPr lang="zh-CN" altLang="en-US" baseline="0" smtClean="0"/>
-              <a:t>是开发端优化的问题</a:t>
-            </a:r>
-            <a:r>
-              <a:rPr lang="zh-CN" altLang="en-US" baseline="0" dirty="0" smtClean="0"/>
-              <a:t>了，待讲开发优化在说。接下我们看另一个关键点“近”</a:t>
+              <a:t>那有解决方案没呢，有，但这已经是开发端优化的问题了，待讲开发优化在说。接下我们看另一个关键点“近”</a:t>
             </a:r>
             <a:endParaRPr lang="en-US" altLang="zh-CN" dirty="0" smtClean="0"/>
           </a:p>
@@ -1459,6 +1516,299 @@
     <p:extLst>
       <p:ext uri="{BB962C8B-B14F-4D97-AF65-F5344CB8AC3E}">
         <p14:creationId xmlns:p14="http://schemas.microsoft.com/office/powerpoint/2010/main" val="3934291510"/>
+      </p:ext>
+    </p:extLst>
+  </p:cSld>
+  <p:clrMapOvr>
+    <a:masterClrMapping/>
+  </p:clrMapOvr>
+</p:notes>
+</file>
+
+<file path=ppt/notesSlides/notesSlide8.xml><?xml version="1.0" encoding="utf-8"?>
+<p:notes xmlns:a="http://schemas.openxmlformats.org/drawingml/2006/main" xmlns:r="http://schemas.openxmlformats.org/officeDocument/2006/relationships" xmlns:p="http://schemas.openxmlformats.org/presentationml/2006/main">
+  <p:cSld>
+    <p:spTree>
+      <p:nvGrpSpPr>
+        <p:cNvPr id="1" name=""/>
+        <p:cNvGrpSpPr/>
+        <p:nvPr/>
+      </p:nvGrpSpPr>
+      <p:grpSpPr>
+        <a:xfrm>
+          <a:off x="0" y="0"/>
+          <a:ext cx="0" cy="0"/>
+          <a:chOff x="0" y="0"/>
+          <a:chExt cx="0" cy="0"/>
+        </a:xfrm>
+      </p:grpSpPr>
+      <p:sp>
+        <p:nvSpPr>
+          <p:cNvPr id="2" name="幻灯片图像占位符 1"/>
+          <p:cNvSpPr>
+            <a:spLocks noGrp="1" noRot="1" noChangeAspect="1"/>
+          </p:cNvSpPr>
+          <p:nvPr>
+            <p:ph type="sldImg"/>
+          </p:nvPr>
+        </p:nvSpPr>
+        <p:spPr/>
+      </p:sp>
+      <p:sp>
+        <p:nvSpPr>
+          <p:cNvPr id="3" name="备注占位符 2"/>
+          <p:cNvSpPr>
+            <a:spLocks noGrp="1"/>
+          </p:cNvSpPr>
+          <p:nvPr>
+            <p:ph type="body" idx="1"/>
+          </p:nvPr>
+        </p:nvSpPr>
+        <p:spPr/>
+        <p:txBody>
+          <a:bodyPr/>
+          <a:lstStyle/>
+          <a:p>
+            <a:r>
+              <a:rPr lang="zh-CN" altLang="en-US" dirty="0" smtClean="0"/>
+              <a:t>开发端优化，不是说由开发来做的优化，而是由代码和架构层面来做的优化。这类优化主要目的是降低维护难度，提高运行效率，增加扩展性。接下来我们来梳理可在哪些写代码上做哪些优化。</a:t>
+            </a:r>
+            <a:endParaRPr lang="en-US" altLang="zh-CN" dirty="0" smtClean="0"/>
+          </a:p>
+          <a:p>
+            <a:r>
+              <a:rPr lang="zh-CN" altLang="en-US" dirty="0" smtClean="0"/>
+              <a:t>先说编码层面的，</a:t>
+            </a:r>
+            <a:endParaRPr lang="en-US" altLang="zh-CN" dirty="0" smtClean="0"/>
+          </a:p>
+          <a:p>
+            <a:pPr marL="0" marR="0" indent="0" algn="l" defTabSz="914400" rtl="0" eaLnBrk="1" fontAlgn="auto" latinLnBrk="0" hangingPunct="1">
+              <a:lnSpc>
+                <a:spcPct val="100000"/>
+              </a:lnSpc>
+              <a:spcBef>
+                <a:spcPts val="0"/>
+              </a:spcBef>
+              <a:spcAft>
+                <a:spcPts val="0"/>
+              </a:spcAft>
+              <a:buClrTx/>
+              <a:buSzTx/>
+              <a:buFontTx/>
+              <a:buNone/>
+              <a:tabLst/>
+              <a:defRPr/>
+            </a:pPr>
+            <a:r>
+              <a:rPr lang="en-US" altLang="zh-CN" dirty="0" smtClean="0"/>
+              <a:t>CSS:</a:t>
+            </a:r>
+            <a:r>
+              <a:rPr lang="en-US" altLang="zh-CN" baseline="0" dirty="0" smtClean="0"/>
+              <a:t> </a:t>
+            </a:r>
+            <a:r>
+              <a:rPr lang="zh-CN" altLang="en-US" baseline="0" dirty="0" smtClean="0"/>
+              <a:t>首先优化体积，可以通过合写</a:t>
+            </a:r>
+            <a:r>
+              <a:rPr lang="en-US" altLang="zh-CN" baseline="0" dirty="0" smtClean="0"/>
+              <a:t>CSS,</a:t>
+            </a:r>
+            <a:r>
+              <a:rPr lang="zh-CN" altLang="en-US" baseline="0" dirty="0" smtClean="0"/>
+              <a:t>如以下</a:t>
+            </a:r>
+            <a:r>
+              <a:rPr lang="en-US" altLang="zh-CN" baseline="0" dirty="0" err="1" smtClean="0"/>
+              <a:t>css</a:t>
+            </a:r>
+            <a:r>
+              <a:rPr lang="zh-CN" altLang="en-US" baseline="0" dirty="0" smtClean="0"/>
+              <a:t>都是可以合写的，相信我们前端都用过。还有就是利用继承，</a:t>
+            </a:r>
+            <a:r>
+              <a:rPr lang="zh-CN" altLang="en-US" sz="1200" dirty="0" smtClean="0"/>
+              <a:t>把可共用的样式设置在父级元素上。</a:t>
+            </a:r>
+            <a:endParaRPr lang="en-US" altLang="zh-CN" sz="1200" dirty="0" smtClean="0"/>
+          </a:p>
+          <a:p>
+            <a:pPr marL="0" marR="0" indent="0" algn="l" defTabSz="914400" rtl="0" eaLnBrk="1" fontAlgn="auto" latinLnBrk="0" hangingPunct="1">
+              <a:lnSpc>
+                <a:spcPct val="100000"/>
+              </a:lnSpc>
+              <a:spcBef>
+                <a:spcPts val="0"/>
+              </a:spcBef>
+              <a:spcAft>
+                <a:spcPts val="0"/>
+              </a:spcAft>
+              <a:buClrTx/>
+              <a:buSzTx/>
+              <a:buFontTx/>
+              <a:buNone/>
+              <a:tabLst/>
+              <a:defRPr/>
+            </a:pPr>
+            <a:r>
+              <a:rPr lang="zh-CN" altLang="en-US" sz="1200" baseline="0" dirty="0" smtClean="0"/>
+              <a:t>然后是性能优化，移除</a:t>
+            </a:r>
+            <a:r>
+              <a:rPr lang="zh-CN" altLang="en-US" sz="1200" dirty="0" smtClean="0"/>
+              <a:t>移除多余的结构和重设，这既是体积优化也是性能优化，但</a:t>
+            </a:r>
+            <a:r>
+              <a:rPr lang="en-US" altLang="zh-CN" sz="1200" dirty="0" smtClean="0"/>
+              <a:t>reset </a:t>
+            </a:r>
+            <a:r>
+              <a:rPr lang="zh-CN" altLang="en-US" sz="1200" dirty="0" smtClean="0"/>
+              <a:t>一般不会太大，对体积几乎没有影响，主要还是性能优化。原理是让浏览器使用默认值解析，不用重设</a:t>
+            </a:r>
+            <a:r>
+              <a:rPr lang="en-US" altLang="zh-CN" sz="1200" dirty="0" smtClean="0"/>
+              <a:t>html </a:t>
+            </a:r>
+            <a:r>
+              <a:rPr lang="zh-CN" altLang="en-US" sz="1200" dirty="0" smtClean="0"/>
+              <a:t>元素样式。</a:t>
+            </a:r>
+            <a:endParaRPr lang="en-US" altLang="zh-CN" sz="1200" dirty="0" smtClean="0"/>
+          </a:p>
+          <a:p>
+            <a:pPr marL="0" marR="0" indent="0" algn="l" defTabSz="914400" rtl="0" eaLnBrk="1" fontAlgn="auto" latinLnBrk="0" hangingPunct="1">
+              <a:lnSpc>
+                <a:spcPct val="100000"/>
+              </a:lnSpc>
+              <a:spcBef>
+                <a:spcPts val="0"/>
+              </a:spcBef>
+              <a:spcAft>
+                <a:spcPts val="0"/>
+              </a:spcAft>
+              <a:buClrTx/>
+              <a:buSzTx/>
+              <a:buFontTx/>
+              <a:buNone/>
+              <a:tabLst/>
+              <a:defRPr/>
+            </a:pPr>
+            <a:r>
+              <a:rPr lang="zh-CN" altLang="en-US" baseline="0" dirty="0" smtClean="0"/>
+              <a:t>还有纯</a:t>
+            </a:r>
+            <a:r>
+              <a:rPr lang="zh-CN" altLang="en-US" sz="1200" dirty="0" smtClean="0"/>
+              <a:t>性能优化的有，合理使用选择器、避免适用通配符，避免使用</a:t>
+            </a:r>
+            <a:r>
+              <a:rPr lang="en-US" altLang="zh-CN" sz="1200" dirty="0" smtClean="0"/>
+              <a:t>Hack</a:t>
+            </a:r>
+            <a:r>
+              <a:rPr lang="zh-CN" altLang="en-US" sz="1200" dirty="0" smtClean="0"/>
+              <a:t>等等，就不一一解释了。</a:t>
+            </a:r>
+            <a:endParaRPr lang="en-US" altLang="zh-CN" sz="1200" dirty="0" smtClean="0"/>
+          </a:p>
+          <a:p>
+            <a:r>
+              <a:rPr lang="zh-CN" altLang="en-US" baseline="0" dirty="0" smtClean="0"/>
+              <a:t>图片：</a:t>
+            </a:r>
+            <a:r>
+              <a:rPr lang="en-US" altLang="zh-CN" baseline="0" dirty="0" smtClean="0"/>
+              <a:t>1</a:t>
+            </a:r>
+            <a:r>
+              <a:rPr lang="zh-CN" altLang="en-US" baseline="0" dirty="0" smtClean="0"/>
+              <a:t>是</a:t>
+            </a:r>
+            <a:r>
+              <a:rPr lang="zh-CN" altLang="en-US" sz="1200" dirty="0" smtClean="0"/>
+              <a:t>合并图片，减少请求量，这在客户端优化说过，表现在代码上就是使用</a:t>
+            </a:r>
+            <a:r>
+              <a:rPr lang="en-US" altLang="zh-CN" sz="1200" dirty="0" smtClean="0"/>
+              <a:t>CSS sprites</a:t>
+            </a:r>
+            <a:r>
+              <a:rPr lang="zh-CN" altLang="en-US" sz="1200" dirty="0" smtClean="0"/>
+              <a:t>。这个优化效果比较好，技术难度低，但也比较耗工时，因为需要并图，定位需要很精确。</a:t>
+            </a:r>
+            <a:endParaRPr lang="en-US" altLang="zh-CN" sz="1200" dirty="0" smtClean="0"/>
+          </a:p>
+          <a:p>
+            <a:r>
+              <a:rPr lang="zh-CN" altLang="en-US" sz="1200" dirty="0" smtClean="0"/>
+              <a:t>图片大小控制，</a:t>
+            </a:r>
+            <a:endParaRPr lang="en-US" altLang="zh-CN" sz="1200" dirty="0" smtClean="0"/>
+          </a:p>
+          <a:p>
+            <a:endParaRPr lang="en-US" altLang="zh-CN" sz="1200" dirty="0" smtClean="0"/>
+          </a:p>
+          <a:p>
+            <a:r>
+              <a:rPr lang="zh-CN" altLang="en-US" sz="1200" dirty="0" smtClean="0"/>
+              <a:t>还有就是</a:t>
+            </a:r>
+            <a:r>
+              <a:rPr lang="en-US" altLang="zh-CN" sz="1200" dirty="0" err="1" smtClean="0"/>
+              <a:t>Javasript</a:t>
+            </a:r>
+            <a:r>
+              <a:rPr lang="zh-CN" altLang="en-US" sz="1200" smtClean="0"/>
+              <a:t>，</a:t>
+            </a:r>
+            <a:r>
+              <a:rPr lang="en-US" altLang="zh-CN" sz="1200" smtClean="0"/>
+              <a:t> </a:t>
+            </a:r>
+            <a:endParaRPr lang="en-US" altLang="zh-CN" sz="1200" dirty="0" smtClean="0"/>
+          </a:p>
+          <a:p>
+            <a:endParaRPr lang="en-US" altLang="zh-CN" dirty="0" smtClean="0"/>
+          </a:p>
+          <a:p>
+            <a:endParaRPr lang="en-US" altLang="zh-CN" dirty="0" smtClean="0"/>
+          </a:p>
+          <a:p>
+            <a:endParaRPr lang="zh-CN" altLang="en-US" dirty="0"/>
+          </a:p>
+        </p:txBody>
+      </p:sp>
+      <p:sp>
+        <p:nvSpPr>
+          <p:cNvPr id="4" name="灯片编号占位符 3"/>
+          <p:cNvSpPr>
+            <a:spLocks noGrp="1"/>
+          </p:cNvSpPr>
+          <p:nvPr>
+            <p:ph type="sldNum" sz="quarter" idx="10"/>
+          </p:nvPr>
+        </p:nvSpPr>
+        <p:spPr/>
+        <p:txBody>
+          <a:bodyPr/>
+          <a:lstStyle/>
+          <a:p>
+            <a:fld id="{2721F026-A56C-44A0-B1B5-6544C30C2BED}" type="slidenum">
+              <a:rPr lang="zh-CN" altLang="en-US" smtClean="0"/>
+              <a:pPr/>
+              <a:t>9</a:t>
+            </a:fld>
+            <a:endParaRPr lang="zh-CN" altLang="en-US"/>
+          </a:p>
+        </p:txBody>
+      </p:sp>
+    </p:spTree>
+    <p:extLst>
+      <p:ext uri="{BB962C8B-B14F-4D97-AF65-F5344CB8AC3E}">
+        <p14:creationId xmlns:p14="http://schemas.microsoft.com/office/powerpoint/2010/main" val="1236333229"/>
       </p:ext>
     </p:extLst>
   </p:cSld>
@@ -1656,7 +2006,7 @@
             <a:fld id="{D22439AA-DE3E-4136-8738-0A92E0638C7F}" type="datetimeFigureOut">
               <a:rPr lang="zh-CN" altLang="en-US" smtClean="0"/>
               <a:pPr/>
-              <a:t>2016/6/27</a:t>
+              <a:t>2016/7/4</a:t>
             </a:fld>
             <a:endParaRPr lang="zh-CN" altLang="en-US"/>
           </a:p>
@@ -1844,7 +2194,7 @@
             <a:fld id="{D22439AA-DE3E-4136-8738-0A92E0638C7F}" type="datetimeFigureOut">
               <a:rPr lang="zh-CN" altLang="en-US" smtClean="0"/>
               <a:pPr/>
-              <a:t>2016/6/27</a:t>
+              <a:t>2016/7/4</a:t>
             </a:fld>
             <a:endParaRPr lang="zh-CN" altLang="en-US"/>
           </a:p>
@@ -2032,7 +2382,7 @@
             <a:fld id="{D22439AA-DE3E-4136-8738-0A92E0638C7F}" type="datetimeFigureOut">
               <a:rPr lang="zh-CN" altLang="en-US" smtClean="0"/>
               <a:pPr/>
-              <a:t>2016/6/27</a:t>
+              <a:t>2016/7/4</a:t>
             </a:fld>
             <a:endParaRPr lang="zh-CN" altLang="en-US"/>
           </a:p>
@@ -2245,7 +2595,7 @@
             <a:fld id="{D22439AA-DE3E-4136-8738-0A92E0638C7F}" type="datetimeFigureOut">
               <a:rPr lang="zh-CN" altLang="en-US" smtClean="0"/>
               <a:pPr/>
-              <a:t>2016/6/27</a:t>
+              <a:t>2016/7/4</a:t>
             </a:fld>
             <a:endParaRPr lang="zh-CN" altLang="en-US"/>
           </a:p>
@@ -2499,7 +2849,7 @@
             <a:fld id="{D22439AA-DE3E-4136-8738-0A92E0638C7F}" type="datetimeFigureOut">
               <a:rPr lang="zh-CN" altLang="en-US" smtClean="0"/>
               <a:pPr/>
-              <a:t>2016/6/27</a:t>
+              <a:t>2016/7/4</a:t>
             </a:fld>
             <a:endParaRPr lang="zh-CN" altLang="en-US"/>
           </a:p>
@@ -2803,7 +3153,7 @@
             <a:fld id="{D22439AA-DE3E-4136-8738-0A92E0638C7F}" type="datetimeFigureOut">
               <a:rPr lang="zh-CN" altLang="en-US" smtClean="0"/>
               <a:pPr/>
-              <a:t>2016/6/27</a:t>
+              <a:t>2016/7/4</a:t>
             </a:fld>
             <a:endParaRPr lang="zh-CN" altLang="en-US"/>
           </a:p>
@@ -3247,7 +3597,7 @@
             <a:fld id="{D22439AA-DE3E-4136-8738-0A92E0638C7F}" type="datetimeFigureOut">
               <a:rPr lang="zh-CN" altLang="en-US" smtClean="0"/>
               <a:pPr/>
-              <a:t>2016/6/27</a:t>
+              <a:t>2016/7/4</a:t>
             </a:fld>
             <a:endParaRPr lang="zh-CN" altLang="en-US"/>
           </a:p>
@@ -3375,7 +3725,7 @@
             <a:fld id="{D22439AA-DE3E-4136-8738-0A92E0638C7F}" type="datetimeFigureOut">
               <a:rPr lang="zh-CN" altLang="en-US" smtClean="0"/>
               <a:pPr/>
-              <a:t>2016/6/27</a:t>
+              <a:t>2016/7/4</a:t>
             </a:fld>
             <a:endParaRPr lang="zh-CN" altLang="en-US"/>
           </a:p>
@@ -3472,7 +3822,7 @@
             <a:fld id="{D22439AA-DE3E-4136-8738-0A92E0638C7F}" type="datetimeFigureOut">
               <a:rPr lang="zh-CN" altLang="en-US" smtClean="0"/>
               <a:pPr/>
-              <a:t>2016/6/27</a:t>
+              <a:t>2016/7/4</a:t>
             </a:fld>
             <a:endParaRPr lang="zh-CN" altLang="en-US"/>
           </a:p>
@@ -3760,7 +4110,7 @@
             <a:fld id="{D22439AA-DE3E-4136-8738-0A92E0638C7F}" type="datetimeFigureOut">
               <a:rPr lang="zh-CN" altLang="en-US" smtClean="0"/>
               <a:pPr/>
-              <a:t>2016/6/27</a:t>
+              <a:t>2016/7/4</a:t>
             </a:fld>
             <a:endParaRPr lang="zh-CN" altLang="en-US"/>
           </a:p>
@@ -4024,7 +4374,7 @@
             <a:fld id="{D22439AA-DE3E-4136-8738-0A92E0638C7F}" type="datetimeFigureOut">
               <a:rPr lang="zh-CN" altLang="en-US" smtClean="0"/>
               <a:pPr/>
-              <a:t>2016/6/27</a:t>
+              <a:t>2016/7/4</a:t>
             </a:fld>
             <a:endParaRPr lang="zh-CN" altLang="en-US"/>
           </a:p>
@@ -4144,7 +4494,7 @@
             <a:fld id="{D22439AA-DE3E-4136-8738-0A92E0638C7F}" type="datetimeFigureOut">
               <a:rPr lang="zh-CN" altLang="en-US" smtClean="0"/>
               <a:pPr/>
-              <a:t>2016/6/27</a:t>
+              <a:t>2016/7/4</a:t>
             </a:fld>
             <a:endParaRPr lang="zh-CN" altLang="en-US"/>
           </a:p>
@@ -4917,6 +5267,329 @@
   <p:clrMapOvr>
     <a:masterClrMapping/>
   </p:clrMapOvr>
+  <p:timing>
+    <p:tnLst>
+      <p:par>
+        <p:cTn id="1" dur="indefinite" restart="never" nodeType="tmRoot"/>
+      </p:par>
+    </p:tnLst>
+  </p:timing>
+</p:sld>
+</file>
+
+<file path=ppt/slides/slide10.xml><?xml version="1.0" encoding="utf-8"?>
+<p:sld xmlns:a="http://schemas.openxmlformats.org/drawingml/2006/main" xmlns:r="http://schemas.openxmlformats.org/officeDocument/2006/relationships" xmlns:p="http://schemas.openxmlformats.org/presentationml/2006/main">
+  <p:cSld>
+    <p:spTree>
+      <p:nvGrpSpPr>
+        <p:cNvPr id="1" name=""/>
+        <p:cNvGrpSpPr/>
+        <p:nvPr/>
+      </p:nvGrpSpPr>
+      <p:grpSpPr>
+        <a:xfrm>
+          <a:off x="0" y="0"/>
+          <a:ext cx="0" cy="0"/>
+          <a:chOff x="0" y="0"/>
+          <a:chExt cx="0" cy="0"/>
+        </a:xfrm>
+      </p:grpSpPr>
+      <p:grpSp>
+        <p:nvGrpSpPr>
+          <p:cNvPr id="3" name="组合 2"/>
+          <p:cNvGrpSpPr/>
+          <p:nvPr/>
+        </p:nvGrpSpPr>
+        <p:grpSpPr>
+          <a:xfrm>
+            <a:off x="0" y="-27384"/>
+            <a:ext cx="9144000" cy="1080120"/>
+            <a:chOff x="0" y="1628800"/>
+            <a:chExt cx="9144000" cy="2592288"/>
+          </a:xfrm>
+        </p:grpSpPr>
+        <p:sp>
+          <p:nvSpPr>
+            <p:cNvPr id="4" name="矩形 3"/>
+            <p:cNvSpPr/>
+            <p:nvPr/>
+          </p:nvSpPr>
+          <p:spPr>
+            <a:xfrm>
+              <a:off x="0" y="1628800"/>
+              <a:ext cx="6948264" cy="2592288"/>
+            </a:xfrm>
+            <a:prstGeom prst="rect">
+              <a:avLst/>
+            </a:prstGeom>
+            <a:solidFill>
+              <a:srgbClr val="002060"/>
+            </a:solidFill>
+            <a:ln>
+              <a:noFill/>
+            </a:ln>
+          </p:spPr>
+          <p:style>
+            <a:lnRef idx="2">
+              <a:schemeClr val="accent1">
+                <a:shade val="50000"/>
+              </a:schemeClr>
+            </a:lnRef>
+            <a:fillRef idx="1">
+              <a:schemeClr val="accent1"/>
+            </a:fillRef>
+            <a:effectRef idx="0">
+              <a:schemeClr val="accent1"/>
+            </a:effectRef>
+            <a:fontRef idx="minor">
+              <a:schemeClr val="lt1"/>
+            </a:fontRef>
+          </p:style>
+          <p:txBody>
+            <a:bodyPr rtlCol="0" anchor="ctr"/>
+            <a:lstStyle/>
+            <a:p>
+              <a:pPr algn="ctr"/>
+              <a:endParaRPr lang="zh-CN" altLang="en-US"/>
+            </a:p>
+          </p:txBody>
+        </p:sp>
+        <p:sp>
+          <p:nvSpPr>
+            <p:cNvPr id="5" name="矩形 4"/>
+            <p:cNvSpPr/>
+            <p:nvPr/>
+          </p:nvSpPr>
+          <p:spPr>
+            <a:xfrm>
+              <a:off x="6948264" y="1628800"/>
+              <a:ext cx="2195736" cy="2592288"/>
+            </a:xfrm>
+            <a:prstGeom prst="rect">
+              <a:avLst/>
+            </a:prstGeom>
+            <a:solidFill>
+              <a:srgbClr val="00B050"/>
+            </a:solidFill>
+            <a:ln>
+              <a:noFill/>
+            </a:ln>
+          </p:spPr>
+          <p:style>
+            <a:lnRef idx="2">
+              <a:schemeClr val="accent1">
+                <a:shade val="50000"/>
+              </a:schemeClr>
+            </a:lnRef>
+            <a:fillRef idx="1">
+              <a:schemeClr val="accent1"/>
+            </a:fillRef>
+            <a:effectRef idx="0">
+              <a:schemeClr val="accent1"/>
+            </a:effectRef>
+            <a:fontRef idx="minor">
+              <a:schemeClr val="lt1"/>
+            </a:fontRef>
+          </p:style>
+          <p:txBody>
+            <a:bodyPr rtlCol="0" anchor="ctr"/>
+            <a:lstStyle/>
+            <a:p>
+              <a:pPr algn="ctr"/>
+              <a:endParaRPr lang="zh-CN" altLang="en-US"/>
+            </a:p>
+          </p:txBody>
+        </p:sp>
+      </p:grpSp>
+      <p:sp>
+        <p:nvSpPr>
+          <p:cNvPr id="6" name="标题 3"/>
+          <p:cNvSpPr txBox="1">
+            <a:spLocks/>
+          </p:cNvSpPr>
+          <p:nvPr/>
+        </p:nvSpPr>
+        <p:spPr>
+          <a:xfrm>
+            <a:off x="432048" y="125760"/>
+            <a:ext cx="7812360" cy="1143000"/>
+          </a:xfrm>
+          <a:prstGeom prst="rect">
+            <a:avLst/>
+          </a:prstGeom>
+        </p:spPr>
+        <p:txBody>
+          <a:bodyPr>
+            <a:normAutofit/>
+          </a:bodyPr>
+          <a:lstStyle>
+            <a:lvl1pPr algn="ctr" defTabSz="914400" rtl="0" eaLnBrk="1" latinLnBrk="0" hangingPunct="1">
+              <a:spcBef>
+                <a:spcPct val="0"/>
+              </a:spcBef>
+              <a:buNone/>
+              <a:defRPr sz="4400" kern="1200">
+                <a:solidFill>
+                  <a:schemeClr val="tx1"/>
+                </a:solidFill>
+                <a:latin typeface="+mj-lt"/>
+                <a:ea typeface="+mj-ea"/>
+                <a:cs typeface="+mj-cs"/>
+              </a:defRPr>
+            </a:lvl1pPr>
+          </a:lstStyle>
+          <a:p>
+            <a:pPr algn="l"/>
+            <a:r>
+              <a:rPr lang="zh-CN" altLang="en-US" dirty="0">
+                <a:solidFill>
+                  <a:schemeClr val="bg1"/>
+                </a:solidFill>
+                <a:latin typeface="方正大黑简体" pitchFamily="2" charset="-122"/>
+                <a:ea typeface="方正大黑简体" pitchFamily="2" charset="-122"/>
+              </a:rPr>
+              <a:t>致谢</a:t>
+            </a:r>
+          </a:p>
+        </p:txBody>
+      </p:sp>
+      <p:pic>
+        <p:nvPicPr>
+          <p:cNvPr id="8" name="Picture 7" descr="D:\Program Files\Microsoft Office\MEDIA\CAGCAT10\j0284916.jpg"/>
+          <p:cNvPicPr>
+            <a:picLocks noChangeAspect="1" noChangeArrowheads="1"/>
+          </p:cNvPicPr>
+          <p:nvPr/>
+        </p:nvPicPr>
+        <p:blipFill>
+          <a:blip r:embed="rId2"/>
+          <a:srcRect/>
+          <a:stretch>
+            <a:fillRect/>
+          </a:stretch>
+        </p:blipFill>
+        <p:spPr bwMode="auto">
+          <a:xfrm>
+            <a:off x="4857752" y="2143116"/>
+            <a:ext cx="3888027" cy="2571768"/>
+          </a:xfrm>
+          <a:prstGeom prst="rect">
+            <a:avLst/>
+          </a:prstGeom>
+          <a:noFill/>
+        </p:spPr>
+      </p:pic>
+      <p:sp>
+        <p:nvSpPr>
+          <p:cNvPr id="9" name="内容占位符 2"/>
+          <p:cNvSpPr txBox="1">
+            <a:spLocks/>
+          </p:cNvSpPr>
+          <p:nvPr/>
+        </p:nvSpPr>
+        <p:spPr bwMode="auto">
+          <a:xfrm>
+            <a:off x="-36512" y="3286124"/>
+            <a:ext cx="8424863" cy="1428760"/>
+          </a:xfrm>
+          <a:prstGeom prst="rect">
+            <a:avLst/>
+          </a:prstGeom>
+          <a:noFill/>
+          <a:ln w="9525">
+            <a:noFill/>
+            <a:miter lim="800000"/>
+            <a:headEnd/>
+            <a:tailEnd/>
+          </a:ln>
+          <a:effectLst/>
+        </p:spPr>
+        <p:txBody>
+          <a:bodyPr vert="horz" wrap="square" lIns="91440" tIns="45720" rIns="91440" bIns="45720" numCol="1" anchor="t" anchorCtr="0" compatLnSpc="1">
+            <a:prstTxWarp prst="textNoShape">
+              <a:avLst/>
+            </a:prstTxWarp>
+          </a:bodyPr>
+          <a:lstStyle/>
+          <a:p>
+            <a:pPr marL="342900" marR="0" lvl="0" indent="-342900" algn="l" defTabSz="914400" rtl="0" eaLnBrk="1" fontAlgn="base" latinLnBrk="0" hangingPunct="1">
+              <a:lnSpc>
+                <a:spcPct val="100000"/>
+              </a:lnSpc>
+              <a:spcBef>
+                <a:spcPct val="20000"/>
+              </a:spcBef>
+              <a:spcAft>
+                <a:spcPct val="0"/>
+              </a:spcAft>
+              <a:buClrTx/>
+              <a:buSzTx/>
+              <a:buFontTx/>
+              <a:buChar char="•"/>
+              <a:tabLst/>
+              <a:defRPr/>
+            </a:pPr>
+            <a:r>
+              <a:rPr kumimoji="1" lang="zh-CN" altLang="en-US" sz="3600" kern="0" dirty="0">
+                <a:latin typeface="微软雅黑" pitchFamily="34" charset="-122"/>
+                <a:ea typeface="微软雅黑" pitchFamily="34" charset="-122"/>
+              </a:rPr>
+              <a:t>感谢聆听，</a:t>
+            </a:r>
+            <a:r>
+              <a:rPr kumimoji="1" lang="zh-CN" altLang="en-US" sz="3600" b="0" i="0" u="none" strike="noStrike" kern="0" cap="none" spc="0" normalizeH="0" baseline="0" noProof="0" dirty="0" smtClean="0">
+                <a:ln>
+                  <a:noFill/>
+                </a:ln>
+                <a:solidFill>
+                  <a:schemeClr val="tx1"/>
+                </a:solidFill>
+                <a:effectLst/>
+                <a:uLnTx/>
+                <a:uFillTx/>
+                <a:latin typeface="微软雅黑" pitchFamily="34" charset="-122"/>
+                <a:ea typeface="微软雅黑" pitchFamily="34" charset="-122"/>
+              </a:rPr>
+              <a:t>讨论交流！</a:t>
+            </a:r>
+            <a:endParaRPr kumimoji="1" lang="zh-CN" altLang="en-US" sz="2800" b="0" i="0" u="none" strike="noStrike" kern="0" cap="none" spc="0" normalizeH="0" baseline="0" noProof="0" dirty="0">
+              <a:ln>
+                <a:noFill/>
+              </a:ln>
+              <a:solidFill>
+                <a:schemeClr val="tx1"/>
+              </a:solidFill>
+              <a:effectLst/>
+              <a:uLnTx/>
+              <a:uFillTx/>
+              <a:latin typeface="微软雅黑" pitchFamily="34" charset="-122"/>
+              <a:ea typeface="微软雅黑" pitchFamily="34" charset="-122"/>
+            </a:endParaRPr>
+          </a:p>
+        </p:txBody>
+      </p:sp>
+    </p:spTree>
+    <p:extLst>
+      <p:ext uri="{BB962C8B-B14F-4D97-AF65-F5344CB8AC3E}">
+        <p14:creationId xmlns:p14="http://schemas.microsoft.com/office/powerpoint/2010/main" val="3072570691"/>
+      </p:ext>
+    </p:extLst>
+  </p:cSld>
+  <p:clrMapOvr>
+    <a:masterClrMapping/>
+  </p:clrMapOvr>
+  <mc:AlternateContent xmlns:mc="http://schemas.openxmlformats.org/markup-compatibility/2006" xmlns:p14="http://schemas.microsoft.com/office/powerpoint/2010/main">
+    <mc:Choice Requires="p14">
+      <p:transition spd="slow" p14:dur="800">
+        <p:circle/>
+      </p:transition>
+    </mc:Choice>
+    <mc:Fallback xmlns="">
+      <p:transition spd="slow">
+        <p:circle/>
+      </p:transition>
+    </mc:Fallback>
+  </mc:AlternateContent>
   <p:timing>
     <p:tnLst>
       <p:par>
@@ -10704,137 +11377,890 @@
           <a:p>
             <a:pPr algn="l"/>
             <a:r>
-              <a:rPr lang="zh-CN" altLang="en-US" dirty="0">
+              <a:rPr lang="zh-CN" altLang="en-US" dirty="0" smtClean="0">
                 <a:solidFill>
                   <a:schemeClr val="bg1"/>
                 </a:solidFill>
                 <a:latin typeface="方正大黑简体" pitchFamily="2" charset="-122"/>
                 <a:ea typeface="方正大黑简体" pitchFamily="2" charset="-122"/>
               </a:rPr>
-              <a:t>致谢</a:t>
-            </a:r>
-          </a:p>
-        </p:txBody>
-      </p:sp>
-      <p:pic>
-        <p:nvPicPr>
-          <p:cNvPr id="8" name="Picture 7" descr="D:\Program Files\Microsoft Office\MEDIA\CAGCAT10\j0284916.jpg"/>
-          <p:cNvPicPr>
-            <a:picLocks noChangeAspect="1" noChangeArrowheads="1"/>
-          </p:cNvPicPr>
+              <a:t>开发端优化</a:t>
+            </a:r>
+            <a:endParaRPr lang="zh-CN" altLang="en-US" dirty="0">
+              <a:solidFill>
+                <a:schemeClr val="bg1"/>
+              </a:solidFill>
+              <a:latin typeface="方正大黑简体" pitchFamily="2" charset="-122"/>
+              <a:ea typeface="方正大黑简体" pitchFamily="2" charset="-122"/>
+            </a:endParaRPr>
+          </a:p>
+        </p:txBody>
+      </p:sp>
+      <p:sp>
+        <p:nvSpPr>
+          <p:cNvPr id="2" name="TextBox 1"/>
+          <p:cNvSpPr txBox="1"/>
           <p:nvPr/>
-        </p:nvPicPr>
-        <p:blipFill>
-          <a:blip r:embed="rId2"/>
-          <a:srcRect/>
-          <a:stretch>
-            <a:fillRect/>
-          </a:stretch>
-        </p:blipFill>
-        <p:spPr bwMode="auto">
+        </p:nvSpPr>
+        <p:spPr>
           <a:xfrm>
-            <a:off x="4857752" y="2143116"/>
-            <a:ext cx="3888027" cy="2571768"/>
+            <a:off x="0" y="1043737"/>
+            <a:ext cx="9144000" cy="369332"/>
           </a:xfrm>
           <a:prstGeom prst="rect">
             <a:avLst/>
           </a:prstGeom>
-          <a:noFill/>
         </p:spPr>
-      </p:pic>
-      <p:sp>
-        <p:nvSpPr>
-          <p:cNvPr id="9" name="内容占位符 2"/>
-          <p:cNvSpPr txBox="1">
-            <a:spLocks/>
-          </p:cNvSpPr>
+        <p:style>
+          <a:lnRef idx="1">
+            <a:schemeClr val="accent5"/>
+          </a:lnRef>
+          <a:fillRef idx="2">
+            <a:schemeClr val="accent5"/>
+          </a:fillRef>
+          <a:effectRef idx="1">
+            <a:schemeClr val="accent5"/>
+          </a:effectRef>
+          <a:fontRef idx="minor">
+            <a:schemeClr val="dk1"/>
+          </a:fontRef>
+        </p:style>
+        <p:txBody>
+          <a:bodyPr wrap="square" rtlCol="0">
+            <a:spAutoFit/>
+          </a:bodyPr>
+          <a:lstStyle/>
+          <a:p>
+            <a:r>
+              <a:rPr lang="zh-CN" altLang="en-US" dirty="0"/>
+              <a:t>主要</a:t>
+            </a:r>
+            <a:r>
+              <a:rPr lang="zh-CN" altLang="en-US" dirty="0" smtClean="0"/>
+              <a:t>目的：优化资源体积，提高</a:t>
+            </a:r>
+            <a:r>
+              <a:rPr lang="zh-CN" altLang="en-US" dirty="0"/>
+              <a:t>运行</a:t>
+            </a:r>
+            <a:r>
+              <a:rPr lang="zh-CN" altLang="en-US" dirty="0" smtClean="0"/>
+              <a:t>效率，</a:t>
+            </a:r>
+            <a:r>
+              <a:rPr lang="zh-CN" altLang="en-US" dirty="0"/>
+              <a:t>降低维护难度</a:t>
+            </a:r>
+          </a:p>
+        </p:txBody>
+      </p:sp>
+      <p:sp>
+        <p:nvSpPr>
+          <p:cNvPr id="10" name="线形标注 1(带边框和强调线) 9"/>
+          <p:cNvSpPr/>
           <p:nvPr/>
         </p:nvSpPr>
-        <p:spPr bwMode="auto">
+        <p:spPr>
           <a:xfrm>
-            <a:off x="-36512" y="3286124"/>
-            <a:ext cx="8424863" cy="1428760"/>
+            <a:off x="2421284" y="1594892"/>
+            <a:ext cx="4815011" cy="288032"/>
           </a:xfrm>
-          <a:prstGeom prst="rect">
+          <a:prstGeom prst="accentBorderCallout1">
+            <a:avLst>
+              <a:gd name="adj1" fmla="val 51819"/>
+              <a:gd name="adj2" fmla="val -2664"/>
+              <a:gd name="adj3" fmla="val 56283"/>
+              <a:gd name="adj4" fmla="val -13174"/>
+            </a:avLst>
+          </a:prstGeom>
+        </p:spPr>
+        <p:style>
+          <a:lnRef idx="1">
+            <a:schemeClr val="accent5"/>
+          </a:lnRef>
+          <a:fillRef idx="2">
+            <a:schemeClr val="accent5"/>
+          </a:fillRef>
+          <a:effectRef idx="1">
+            <a:schemeClr val="accent5"/>
+          </a:effectRef>
+          <a:fontRef idx="minor">
+            <a:schemeClr val="dk1"/>
+          </a:fontRef>
+        </p:style>
+        <p:txBody>
+          <a:bodyPr rtlCol="0" anchor="ctr"/>
+          <a:lstStyle/>
+          <a:p>
+            <a:r>
+              <a:rPr lang="zh-CN" altLang="en-US" sz="1400" dirty="0"/>
+              <a:t>合写</a:t>
+            </a:r>
+            <a:r>
+              <a:rPr lang="en-US" altLang="zh-CN" sz="1400" dirty="0" smtClean="0"/>
+              <a:t>CSS:   </a:t>
+            </a:r>
+            <a:r>
+              <a:rPr lang="zh-CN" altLang="en-US" sz="1400" dirty="0" smtClean="0"/>
+              <a:t>如</a:t>
+            </a:r>
+            <a:r>
+              <a:rPr lang="en-US" altLang="zh-CN" sz="1400" dirty="0" smtClean="0"/>
+              <a:t>background</a:t>
+            </a:r>
+            <a:r>
+              <a:rPr lang="zh-CN" altLang="en-US" sz="1400" dirty="0" smtClean="0"/>
+              <a:t>，</a:t>
+            </a:r>
+            <a:r>
+              <a:rPr lang="en-US" altLang="zh-CN" sz="1400" dirty="0" smtClean="0"/>
+              <a:t>font</a:t>
+            </a:r>
+            <a:r>
+              <a:rPr lang="zh-CN" altLang="en-US" sz="1400" dirty="0" smtClean="0"/>
+              <a:t>，</a:t>
+            </a:r>
+            <a:r>
+              <a:rPr lang="en-US" altLang="zh-CN" sz="1400" dirty="0" smtClean="0"/>
+              <a:t>margin/padding</a:t>
+            </a:r>
+            <a:r>
+              <a:rPr lang="zh-CN" altLang="en-US" sz="1400" dirty="0" smtClean="0"/>
+              <a:t>，</a:t>
+            </a:r>
+            <a:r>
+              <a:rPr lang="en-US" altLang="zh-CN" sz="1400" dirty="0"/>
+              <a:t>border</a:t>
+            </a:r>
+            <a:endParaRPr lang="en-US" altLang="zh-CN" sz="1400" dirty="0"/>
+          </a:p>
+        </p:txBody>
+      </p:sp>
+      <p:sp>
+        <p:nvSpPr>
+          <p:cNvPr id="11" name="左大括号 10"/>
+          <p:cNvSpPr/>
+          <p:nvPr/>
+        </p:nvSpPr>
+        <p:spPr>
+          <a:xfrm>
+            <a:off x="1619672" y="1756073"/>
+            <a:ext cx="216024" cy="1600919"/>
+          </a:xfrm>
+          <a:prstGeom prst="leftBrace">
             <a:avLst/>
           </a:prstGeom>
-          <a:noFill/>
-          <a:ln w="9525">
-            <a:noFill/>
-            <a:miter lim="800000"/>
-            <a:headEnd/>
-            <a:tailEnd/>
-          </a:ln>
-          <a:effectLst/>
         </p:spPr>
-        <p:txBody>
-          <a:bodyPr vert="horz" wrap="square" lIns="91440" tIns="45720" rIns="91440" bIns="45720" numCol="1" anchor="t" anchorCtr="0" compatLnSpc="1">
-            <a:prstTxWarp prst="textNoShape">
-              <a:avLst/>
-            </a:prstTxWarp>
-          </a:bodyPr>
+        <p:style>
+          <a:lnRef idx="1">
+            <a:schemeClr val="accent1"/>
+          </a:lnRef>
+          <a:fillRef idx="0">
+            <a:schemeClr val="accent1"/>
+          </a:fillRef>
+          <a:effectRef idx="0">
+            <a:schemeClr val="accent1"/>
+          </a:effectRef>
+          <a:fontRef idx="minor">
+            <a:schemeClr val="tx1"/>
+          </a:fontRef>
+        </p:style>
+        <p:txBody>
+          <a:bodyPr rtlCol="0" anchor="ctr"/>
           <a:lstStyle/>
           <a:p>
-            <a:pPr marL="342900" marR="0" lvl="0" indent="-342900" algn="l" defTabSz="914400" rtl="0" eaLnBrk="1" fontAlgn="base" latinLnBrk="0" hangingPunct="1">
-              <a:lnSpc>
-                <a:spcPct val="100000"/>
-              </a:lnSpc>
-              <a:spcBef>
-                <a:spcPct val="20000"/>
-              </a:spcBef>
-              <a:spcAft>
-                <a:spcPct val="0"/>
-              </a:spcAft>
-              <a:buClrTx/>
-              <a:buSzTx/>
-              <a:buFontTx/>
-              <a:buChar char="•"/>
-              <a:tabLst/>
-              <a:defRPr/>
-            </a:pPr>
-            <a:r>
-              <a:rPr kumimoji="1" lang="zh-CN" altLang="en-US" sz="3600" kern="0" dirty="0">
-                <a:latin typeface="微软雅黑" pitchFamily="34" charset="-122"/>
-                <a:ea typeface="微软雅黑" pitchFamily="34" charset="-122"/>
-              </a:rPr>
-              <a:t>感谢聆听，</a:t>
-            </a:r>
-            <a:r>
-              <a:rPr kumimoji="1" lang="zh-CN" altLang="en-US" sz="3600" b="0" i="0" u="none" strike="noStrike" kern="0" cap="none" spc="0" normalizeH="0" baseline="0" noProof="0" dirty="0" smtClean="0">
-                <a:ln>
-                  <a:noFill/>
-                </a:ln>
-                <a:solidFill>
-                  <a:schemeClr val="tx1"/>
-                </a:solidFill>
-                <a:effectLst/>
-                <a:uLnTx/>
-                <a:uFillTx/>
-                <a:latin typeface="微软雅黑" pitchFamily="34" charset="-122"/>
-                <a:ea typeface="微软雅黑" pitchFamily="34" charset="-122"/>
-              </a:rPr>
-              <a:t>讨论交流！</a:t>
-            </a:r>
-            <a:endParaRPr kumimoji="1" lang="zh-CN" altLang="en-US" sz="2800" b="0" i="0" u="none" strike="noStrike" kern="0" cap="none" spc="0" normalizeH="0" baseline="0" noProof="0" dirty="0">
-              <a:ln>
-                <a:noFill/>
-              </a:ln>
-              <a:solidFill>
-                <a:schemeClr val="tx1"/>
-              </a:solidFill>
-              <a:effectLst/>
-              <a:uLnTx/>
-              <a:uFillTx/>
-              <a:latin typeface="微软雅黑" pitchFamily="34" charset="-122"/>
-              <a:ea typeface="微软雅黑" pitchFamily="34" charset="-122"/>
-            </a:endParaRPr>
+            <a:pPr algn="ctr"/>
+            <a:endParaRPr lang="zh-CN" altLang="en-US"/>
+          </a:p>
+        </p:txBody>
+      </p:sp>
+      <p:sp>
+        <p:nvSpPr>
+          <p:cNvPr id="12" name="线形标注 1(带边框和强调线) 11"/>
+          <p:cNvSpPr/>
+          <p:nvPr/>
+        </p:nvSpPr>
+        <p:spPr>
+          <a:xfrm>
+            <a:off x="2411759" y="2119152"/>
+            <a:ext cx="4824535" cy="288032"/>
+          </a:xfrm>
+          <a:prstGeom prst="accentBorderCallout1">
+            <a:avLst>
+              <a:gd name="adj1" fmla="val 41898"/>
+              <a:gd name="adj2" fmla="val -2608"/>
+              <a:gd name="adj3" fmla="val 46362"/>
+              <a:gd name="adj4" fmla="val -14177"/>
+            </a:avLst>
+          </a:prstGeom>
+        </p:spPr>
+        <p:style>
+          <a:lnRef idx="1">
+            <a:schemeClr val="accent5"/>
+          </a:lnRef>
+          <a:fillRef idx="2">
+            <a:schemeClr val="accent5"/>
+          </a:fillRef>
+          <a:effectRef idx="1">
+            <a:schemeClr val="accent5"/>
+          </a:effectRef>
+          <a:fontRef idx="minor">
+            <a:schemeClr val="dk1"/>
+          </a:fontRef>
+        </p:style>
+        <p:txBody>
+          <a:bodyPr rtlCol="0" anchor="ctr"/>
+          <a:lstStyle/>
+          <a:p>
+            <a:r>
+              <a:rPr lang="zh-CN" altLang="en-US" sz="1400" dirty="0"/>
+              <a:t>利用</a:t>
+            </a:r>
+            <a:r>
+              <a:rPr lang="zh-CN" altLang="en-US" sz="1400" dirty="0" smtClean="0"/>
+              <a:t>继承</a:t>
+            </a:r>
+            <a:r>
+              <a:rPr lang="en-US" altLang="zh-CN" sz="1400" dirty="0" smtClean="0"/>
+              <a:t>:  </a:t>
+            </a:r>
+            <a:r>
+              <a:rPr lang="zh-CN" altLang="en-US" sz="1400" dirty="0" smtClean="0"/>
+              <a:t>把可共用的样式设置在父级元素上</a:t>
+            </a:r>
+            <a:endParaRPr lang="zh-CN" altLang="en-US" sz="1400" dirty="0"/>
+          </a:p>
+        </p:txBody>
+      </p:sp>
+      <p:sp>
+        <p:nvSpPr>
+          <p:cNvPr id="13" name="线形标注 1(带边框和强调线) 12"/>
+          <p:cNvSpPr/>
+          <p:nvPr/>
+        </p:nvSpPr>
+        <p:spPr>
+          <a:xfrm>
+            <a:off x="2392734" y="2677716"/>
+            <a:ext cx="4843559" cy="288032"/>
+          </a:xfrm>
+          <a:prstGeom prst="accentBorderCallout1">
+            <a:avLst>
+              <a:gd name="adj1" fmla="val 45205"/>
+              <a:gd name="adj2" fmla="val -2040"/>
+              <a:gd name="adj3" fmla="val 46362"/>
+              <a:gd name="adj4" fmla="val -13375"/>
+            </a:avLst>
+          </a:prstGeom>
+        </p:spPr>
+        <p:style>
+          <a:lnRef idx="1">
+            <a:schemeClr val="accent4"/>
+          </a:lnRef>
+          <a:fillRef idx="2">
+            <a:schemeClr val="accent4"/>
+          </a:fillRef>
+          <a:effectRef idx="1">
+            <a:schemeClr val="accent4"/>
+          </a:effectRef>
+          <a:fontRef idx="minor">
+            <a:schemeClr val="dk1"/>
+          </a:fontRef>
+        </p:style>
+        <p:txBody>
+          <a:bodyPr rtlCol="0" anchor="ctr"/>
+          <a:lstStyle/>
+          <a:p>
+            <a:r>
+              <a:rPr lang="zh-CN" altLang="en-US" sz="1400" dirty="0"/>
+              <a:t>移除多余的结构</a:t>
+            </a:r>
+            <a:r>
+              <a:rPr lang="en-US" altLang="zh-CN" sz="1400" dirty="0"/>
+              <a:t>(frameworks)</a:t>
+            </a:r>
+            <a:r>
+              <a:rPr lang="zh-CN" altLang="en-US" sz="1400" dirty="0"/>
+              <a:t>和重</a:t>
+            </a:r>
+            <a:r>
+              <a:rPr lang="zh-CN" altLang="en-US" sz="1400" dirty="0" smtClean="0"/>
+              <a:t>设</a:t>
+            </a:r>
+            <a:r>
+              <a:rPr lang="en-US" altLang="zh-CN" sz="1400" dirty="0" smtClean="0"/>
+              <a:t>(reset)</a:t>
+            </a:r>
+            <a:endParaRPr lang="zh-CN" altLang="en-US" sz="1400" dirty="0"/>
+          </a:p>
+        </p:txBody>
+      </p:sp>
+      <p:sp>
+        <p:nvSpPr>
+          <p:cNvPr id="14" name="线形标注 1(带边框和强调线) 13"/>
+          <p:cNvSpPr/>
+          <p:nvPr/>
+        </p:nvSpPr>
+        <p:spPr>
+          <a:xfrm>
+            <a:off x="2392735" y="3222501"/>
+            <a:ext cx="4843560" cy="288032"/>
+          </a:xfrm>
+          <a:prstGeom prst="accentBorderCallout1">
+            <a:avLst>
+              <a:gd name="adj1" fmla="val 41898"/>
+              <a:gd name="adj2" fmla="val -2237"/>
+              <a:gd name="adj3" fmla="val 46362"/>
+              <a:gd name="adj4" fmla="val -12854"/>
+            </a:avLst>
+          </a:prstGeom>
+        </p:spPr>
+        <p:style>
+          <a:lnRef idx="1">
+            <a:schemeClr val="accent6"/>
+          </a:lnRef>
+          <a:fillRef idx="2">
+            <a:schemeClr val="accent6"/>
+          </a:fillRef>
+          <a:effectRef idx="1">
+            <a:schemeClr val="accent6"/>
+          </a:effectRef>
+          <a:fontRef idx="minor">
+            <a:schemeClr val="dk1"/>
+          </a:fontRef>
+        </p:style>
+        <p:txBody>
+          <a:bodyPr rtlCol="0" anchor="ctr"/>
+          <a:lstStyle/>
+          <a:p>
+            <a:r>
+              <a:rPr lang="zh-CN" altLang="en-US" sz="1400" dirty="0" smtClean="0"/>
+              <a:t>代码性能优化</a:t>
+            </a:r>
+            <a:r>
+              <a:rPr lang="en-US" altLang="zh-CN" sz="1400" dirty="0" smtClean="0"/>
+              <a:t>:  </a:t>
+            </a:r>
+            <a:r>
+              <a:rPr lang="zh-CN" altLang="en-US" sz="1400" dirty="0"/>
+              <a:t>如合理使用选择器、避免适用</a:t>
+            </a:r>
+            <a:r>
+              <a:rPr lang="zh-CN" altLang="en-US" sz="1400" dirty="0" smtClean="0"/>
+              <a:t>通配符</a:t>
+            </a:r>
+            <a:r>
+              <a:rPr lang="zh-CN" altLang="en-US" sz="1400" dirty="0"/>
+              <a:t>等等</a:t>
+            </a:r>
+          </a:p>
+        </p:txBody>
+      </p:sp>
+      <p:sp>
+        <p:nvSpPr>
+          <p:cNvPr id="15" name="流程图: 可选过程 14"/>
+          <p:cNvSpPr/>
+          <p:nvPr/>
+        </p:nvSpPr>
+        <p:spPr>
+          <a:xfrm>
+            <a:off x="406946" y="2310808"/>
+            <a:ext cx="1212726" cy="510924"/>
+          </a:xfrm>
+          <a:prstGeom prst="flowChartAlternateProcess">
+            <a:avLst/>
+          </a:prstGeom>
+        </p:spPr>
+        <p:style>
+          <a:lnRef idx="3">
+            <a:schemeClr val="lt1"/>
+          </a:lnRef>
+          <a:fillRef idx="1">
+            <a:schemeClr val="accent3"/>
+          </a:fillRef>
+          <a:effectRef idx="1">
+            <a:schemeClr val="accent3"/>
+          </a:effectRef>
+          <a:fontRef idx="minor">
+            <a:schemeClr val="lt1"/>
+          </a:fontRef>
+        </p:style>
+        <p:txBody>
+          <a:bodyPr rtlCol="0" anchor="ctr"/>
+          <a:lstStyle/>
+          <a:p>
+            <a:pPr algn="ctr"/>
+            <a:r>
+              <a:rPr lang="en-US" altLang="zh-CN" dirty="0" smtClean="0"/>
+              <a:t>CSS</a:t>
+            </a:r>
+            <a:endParaRPr lang="zh-CN" altLang="en-US" dirty="0"/>
+          </a:p>
+        </p:txBody>
+      </p:sp>
+      <p:sp>
+        <p:nvSpPr>
+          <p:cNvPr id="16" name="线形标注 1(带边框和强调线) 15"/>
+          <p:cNvSpPr/>
+          <p:nvPr/>
+        </p:nvSpPr>
+        <p:spPr>
+          <a:xfrm>
+            <a:off x="2421284" y="3683124"/>
+            <a:ext cx="4815011" cy="288032"/>
+          </a:xfrm>
+          <a:prstGeom prst="accentBorderCallout1">
+            <a:avLst>
+              <a:gd name="adj1" fmla="val 51819"/>
+              <a:gd name="adj2" fmla="val -2664"/>
+              <a:gd name="adj3" fmla="val 56283"/>
+              <a:gd name="adj4" fmla="val -13174"/>
+            </a:avLst>
+          </a:prstGeom>
+        </p:spPr>
+        <p:style>
+          <a:lnRef idx="1">
+            <a:schemeClr val="accent5"/>
+          </a:lnRef>
+          <a:fillRef idx="2">
+            <a:schemeClr val="accent5"/>
+          </a:fillRef>
+          <a:effectRef idx="1">
+            <a:schemeClr val="accent5"/>
+          </a:effectRef>
+          <a:fontRef idx="minor">
+            <a:schemeClr val="dk1"/>
+          </a:fontRef>
+        </p:style>
+        <p:txBody>
+          <a:bodyPr rtlCol="0" anchor="ctr"/>
+          <a:lstStyle/>
+          <a:p>
+            <a:r>
+              <a:rPr lang="zh-CN" altLang="en-US" sz="1400" dirty="0"/>
+              <a:t>使用</a:t>
+            </a:r>
+            <a:r>
+              <a:rPr lang="en-US" altLang="zh-CN" sz="1400" dirty="0" smtClean="0"/>
+              <a:t>CSS sprites</a:t>
+            </a:r>
+            <a:r>
+              <a:rPr lang="zh-CN" altLang="en-US" sz="1400" dirty="0" smtClean="0"/>
+              <a:t>，合并图片，减少请求量</a:t>
+            </a:r>
+            <a:endParaRPr lang="en-US" altLang="zh-CN" sz="1400" dirty="0"/>
+          </a:p>
+        </p:txBody>
+      </p:sp>
+      <p:sp>
+        <p:nvSpPr>
+          <p:cNvPr id="17" name="左大括号 16"/>
+          <p:cNvSpPr/>
+          <p:nvPr/>
+        </p:nvSpPr>
+        <p:spPr>
+          <a:xfrm>
+            <a:off x="1619672" y="3844308"/>
+            <a:ext cx="216024" cy="1143716"/>
+          </a:xfrm>
+          <a:prstGeom prst="leftBrace">
+            <a:avLst/>
+          </a:prstGeom>
+        </p:spPr>
+        <p:style>
+          <a:lnRef idx="1">
+            <a:schemeClr val="accent1"/>
+          </a:lnRef>
+          <a:fillRef idx="0">
+            <a:schemeClr val="accent1"/>
+          </a:fillRef>
+          <a:effectRef idx="0">
+            <a:schemeClr val="accent1"/>
+          </a:effectRef>
+          <a:fontRef idx="minor">
+            <a:schemeClr val="tx1"/>
+          </a:fontRef>
+        </p:style>
+        <p:txBody>
+          <a:bodyPr rtlCol="0" anchor="ctr"/>
+          <a:lstStyle/>
+          <a:p>
+            <a:pPr algn="ctr"/>
+            <a:endParaRPr lang="zh-CN" altLang="en-US"/>
+          </a:p>
+        </p:txBody>
+      </p:sp>
+      <p:sp>
+        <p:nvSpPr>
+          <p:cNvPr id="18" name="线形标注 1(带边框和强调线) 17"/>
+          <p:cNvSpPr/>
+          <p:nvPr/>
+        </p:nvSpPr>
+        <p:spPr>
+          <a:xfrm>
+            <a:off x="2411761" y="4274059"/>
+            <a:ext cx="4824535" cy="288032"/>
+          </a:xfrm>
+          <a:prstGeom prst="accentBorderCallout1">
+            <a:avLst>
+              <a:gd name="adj1" fmla="val 41898"/>
+              <a:gd name="adj2" fmla="val -2608"/>
+              <a:gd name="adj3" fmla="val 46362"/>
+              <a:gd name="adj4" fmla="val -14177"/>
+            </a:avLst>
+          </a:prstGeom>
+        </p:spPr>
+        <p:style>
+          <a:lnRef idx="1">
+            <a:schemeClr val="accent4"/>
+          </a:lnRef>
+          <a:fillRef idx="2">
+            <a:schemeClr val="accent4"/>
+          </a:fillRef>
+          <a:effectRef idx="1">
+            <a:schemeClr val="accent4"/>
+          </a:effectRef>
+          <a:fontRef idx="minor">
+            <a:schemeClr val="dk1"/>
+          </a:fontRef>
+        </p:style>
+        <p:txBody>
+          <a:bodyPr rtlCol="0" anchor="ctr"/>
+          <a:lstStyle/>
+          <a:p>
+            <a:r>
+              <a:rPr lang="zh-CN" altLang="en-US" sz="1400" dirty="0" smtClean="0"/>
+              <a:t>使用</a:t>
+            </a:r>
+            <a:r>
+              <a:rPr lang="en-US" altLang="zh-CN" sz="1400" dirty="0" smtClean="0"/>
+              <a:t>CSS </a:t>
+            </a:r>
+            <a:r>
+              <a:rPr lang="zh-CN" altLang="en-US" sz="1400" dirty="0" smtClean="0"/>
+              <a:t>平铺，降低图片尺寸</a:t>
+            </a:r>
+            <a:endParaRPr lang="zh-CN" altLang="en-US" sz="1400" dirty="0"/>
+          </a:p>
+        </p:txBody>
+      </p:sp>
+      <p:sp>
+        <p:nvSpPr>
+          <p:cNvPr id="20" name="线形标注 1(带边框和强调线) 19"/>
+          <p:cNvSpPr/>
+          <p:nvPr/>
+        </p:nvSpPr>
+        <p:spPr>
+          <a:xfrm>
+            <a:off x="2392735" y="4844008"/>
+            <a:ext cx="4843560" cy="288032"/>
+          </a:xfrm>
+          <a:prstGeom prst="accentBorderCallout1">
+            <a:avLst>
+              <a:gd name="adj1" fmla="val 41898"/>
+              <a:gd name="adj2" fmla="val -2237"/>
+              <a:gd name="adj3" fmla="val 46362"/>
+              <a:gd name="adj4" fmla="val -12854"/>
+            </a:avLst>
+          </a:prstGeom>
+        </p:spPr>
+        <p:style>
+          <a:lnRef idx="1">
+            <a:schemeClr val="accent6"/>
+          </a:lnRef>
+          <a:fillRef idx="2">
+            <a:schemeClr val="accent6"/>
+          </a:fillRef>
+          <a:effectRef idx="1">
+            <a:schemeClr val="accent6"/>
+          </a:effectRef>
+          <a:fontRef idx="minor">
+            <a:schemeClr val="dk1"/>
+          </a:fontRef>
+        </p:style>
+        <p:txBody>
+          <a:bodyPr rtlCol="0" anchor="ctr"/>
+          <a:lstStyle/>
+          <a:p>
+            <a:r>
+              <a:rPr lang="zh-CN" altLang="en-US" sz="1400" dirty="0" smtClean="0"/>
+              <a:t>合理选择图片格式和清晰度，降低图片大小</a:t>
+            </a:r>
+            <a:endParaRPr lang="zh-CN" altLang="en-US" sz="1400" dirty="0"/>
+          </a:p>
+        </p:txBody>
+      </p:sp>
+      <p:sp>
+        <p:nvSpPr>
+          <p:cNvPr id="21" name="流程图: 可选过程 20"/>
+          <p:cNvSpPr/>
+          <p:nvPr/>
+        </p:nvSpPr>
+        <p:spPr>
+          <a:xfrm>
+            <a:off x="406946" y="4132340"/>
+            <a:ext cx="1212726" cy="510924"/>
+          </a:xfrm>
+          <a:prstGeom prst="flowChartAlternateProcess">
+            <a:avLst/>
+          </a:prstGeom>
+        </p:spPr>
+        <p:style>
+          <a:lnRef idx="3">
+            <a:schemeClr val="lt1"/>
+          </a:lnRef>
+          <a:fillRef idx="1">
+            <a:schemeClr val="accent3"/>
+          </a:fillRef>
+          <a:effectRef idx="1">
+            <a:schemeClr val="accent3"/>
+          </a:effectRef>
+          <a:fontRef idx="minor">
+            <a:schemeClr val="lt1"/>
+          </a:fontRef>
+        </p:style>
+        <p:txBody>
+          <a:bodyPr rtlCol="0" anchor="ctr"/>
+          <a:lstStyle/>
+          <a:p>
+            <a:pPr algn="ctr"/>
+            <a:r>
+              <a:rPr lang="en-US" altLang="zh-CN" dirty="0" smtClean="0"/>
+              <a:t>Image</a:t>
+            </a:r>
+            <a:endParaRPr lang="zh-CN" altLang="en-US" dirty="0"/>
+          </a:p>
+        </p:txBody>
+      </p:sp>
+      <p:sp>
+        <p:nvSpPr>
+          <p:cNvPr id="22" name="线形标注 1(带边框和强调线) 21"/>
+          <p:cNvSpPr/>
+          <p:nvPr/>
+        </p:nvSpPr>
+        <p:spPr>
+          <a:xfrm>
+            <a:off x="2421284" y="5301208"/>
+            <a:ext cx="4815011" cy="288032"/>
+          </a:xfrm>
+          <a:prstGeom prst="accentBorderCallout1">
+            <a:avLst>
+              <a:gd name="adj1" fmla="val 51819"/>
+              <a:gd name="adj2" fmla="val -2664"/>
+              <a:gd name="adj3" fmla="val 56283"/>
+              <a:gd name="adj4" fmla="val -13174"/>
+            </a:avLst>
+          </a:prstGeom>
+        </p:spPr>
+        <p:style>
+          <a:lnRef idx="1">
+            <a:schemeClr val="accent5"/>
+          </a:lnRef>
+          <a:fillRef idx="2">
+            <a:schemeClr val="accent5"/>
+          </a:fillRef>
+          <a:effectRef idx="1">
+            <a:schemeClr val="accent5"/>
+          </a:effectRef>
+          <a:fontRef idx="minor">
+            <a:schemeClr val="dk1"/>
+          </a:fontRef>
+        </p:style>
+        <p:txBody>
+          <a:bodyPr rtlCol="0" anchor="ctr"/>
+          <a:lstStyle/>
+          <a:p>
+            <a:r>
+              <a:rPr lang="zh-CN" altLang="en-US" sz="1400" dirty="0" smtClean="0"/>
+              <a:t>语言层面优化：变量作用域</a:t>
+            </a:r>
+            <a:r>
+              <a:rPr lang="zh-CN" altLang="en-US" sz="1400" dirty="0"/>
+              <a:t>，函数作用域链，</a:t>
+            </a:r>
+            <a:r>
+              <a:rPr lang="zh-CN" altLang="en-US" sz="1400" dirty="0" smtClean="0"/>
+              <a:t>闭包等等</a:t>
+            </a:r>
+            <a:endParaRPr lang="en-US" altLang="zh-CN" sz="1400" dirty="0"/>
+          </a:p>
+        </p:txBody>
+      </p:sp>
+      <p:sp>
+        <p:nvSpPr>
+          <p:cNvPr id="23" name="左大括号 22"/>
+          <p:cNvSpPr/>
+          <p:nvPr/>
+        </p:nvSpPr>
+        <p:spPr>
+          <a:xfrm>
+            <a:off x="1619672" y="5462392"/>
+            <a:ext cx="216024" cy="1143716"/>
+          </a:xfrm>
+          <a:prstGeom prst="leftBrace">
+            <a:avLst/>
+          </a:prstGeom>
+        </p:spPr>
+        <p:style>
+          <a:lnRef idx="1">
+            <a:schemeClr val="accent1"/>
+          </a:lnRef>
+          <a:fillRef idx="0">
+            <a:schemeClr val="accent1"/>
+          </a:fillRef>
+          <a:effectRef idx="0">
+            <a:schemeClr val="accent1"/>
+          </a:effectRef>
+          <a:fontRef idx="minor">
+            <a:schemeClr val="tx1"/>
+          </a:fontRef>
+        </p:style>
+        <p:txBody>
+          <a:bodyPr rtlCol="0" anchor="ctr"/>
+          <a:lstStyle/>
+          <a:p>
+            <a:pPr algn="ctr"/>
+            <a:endParaRPr lang="zh-CN" altLang="en-US"/>
+          </a:p>
+        </p:txBody>
+      </p:sp>
+      <p:sp>
+        <p:nvSpPr>
+          <p:cNvPr id="24" name="线形标注 1(带边框和强调线) 23"/>
+          <p:cNvSpPr/>
+          <p:nvPr/>
+        </p:nvSpPr>
+        <p:spPr>
+          <a:xfrm>
+            <a:off x="2411761" y="5892143"/>
+            <a:ext cx="4824535" cy="288032"/>
+          </a:xfrm>
+          <a:prstGeom prst="accentBorderCallout1">
+            <a:avLst>
+              <a:gd name="adj1" fmla="val 41898"/>
+              <a:gd name="adj2" fmla="val -2608"/>
+              <a:gd name="adj3" fmla="val 46362"/>
+              <a:gd name="adj4" fmla="val -14177"/>
+            </a:avLst>
+          </a:prstGeom>
+        </p:spPr>
+        <p:style>
+          <a:lnRef idx="1">
+            <a:schemeClr val="accent4"/>
+          </a:lnRef>
+          <a:fillRef idx="2">
+            <a:schemeClr val="accent4"/>
+          </a:fillRef>
+          <a:effectRef idx="1">
+            <a:schemeClr val="accent4"/>
+          </a:effectRef>
+          <a:fontRef idx="minor">
+            <a:schemeClr val="dk1"/>
+          </a:fontRef>
+        </p:style>
+        <p:txBody>
+          <a:bodyPr rtlCol="0" anchor="ctr"/>
+          <a:lstStyle/>
+          <a:p>
+            <a:r>
+              <a:rPr lang="zh-CN" altLang="en-US" sz="1400" smtClean="0"/>
+              <a:t>结构优化：模块化，</a:t>
+            </a:r>
+            <a:endParaRPr lang="zh-CN" altLang="en-US" sz="1400" dirty="0"/>
+          </a:p>
+        </p:txBody>
+      </p:sp>
+      <p:sp>
+        <p:nvSpPr>
+          <p:cNvPr id="25" name="线形标注 1(带边框和强调线) 24"/>
+          <p:cNvSpPr/>
+          <p:nvPr/>
+        </p:nvSpPr>
+        <p:spPr>
+          <a:xfrm>
+            <a:off x="2392735" y="6462092"/>
+            <a:ext cx="4843560" cy="288032"/>
+          </a:xfrm>
+          <a:prstGeom prst="accentBorderCallout1">
+            <a:avLst>
+              <a:gd name="adj1" fmla="val 41898"/>
+              <a:gd name="adj2" fmla="val -2237"/>
+              <a:gd name="adj3" fmla="val 46362"/>
+              <a:gd name="adj4" fmla="val -12854"/>
+            </a:avLst>
+          </a:prstGeom>
+        </p:spPr>
+        <p:style>
+          <a:lnRef idx="1">
+            <a:schemeClr val="accent6"/>
+          </a:lnRef>
+          <a:fillRef idx="2">
+            <a:schemeClr val="accent6"/>
+          </a:fillRef>
+          <a:effectRef idx="1">
+            <a:schemeClr val="accent6"/>
+          </a:effectRef>
+          <a:fontRef idx="minor">
+            <a:schemeClr val="dk1"/>
+          </a:fontRef>
+        </p:style>
+        <p:txBody>
+          <a:bodyPr rtlCol="0" anchor="ctr"/>
+          <a:lstStyle/>
+          <a:p>
+            <a:r>
+              <a:rPr lang="zh-CN" altLang="en-US" sz="1400" dirty="0" smtClean="0"/>
+              <a:t>合理选择图片格式和清晰度，降低图片大小</a:t>
+            </a:r>
+            <a:endParaRPr lang="zh-CN" altLang="en-US" sz="1400" dirty="0"/>
+          </a:p>
+        </p:txBody>
+      </p:sp>
+      <p:sp>
+        <p:nvSpPr>
+          <p:cNvPr id="26" name="流程图: 可选过程 25"/>
+          <p:cNvSpPr/>
+          <p:nvPr/>
+        </p:nvSpPr>
+        <p:spPr>
+          <a:xfrm>
+            <a:off x="406946" y="5750424"/>
+            <a:ext cx="1212726" cy="510924"/>
+          </a:xfrm>
+          <a:prstGeom prst="flowChartAlternateProcess">
+            <a:avLst/>
+          </a:prstGeom>
+        </p:spPr>
+        <p:style>
+          <a:lnRef idx="3">
+            <a:schemeClr val="lt1"/>
+          </a:lnRef>
+          <a:fillRef idx="1">
+            <a:schemeClr val="accent3"/>
+          </a:fillRef>
+          <a:effectRef idx="1">
+            <a:schemeClr val="accent3"/>
+          </a:effectRef>
+          <a:fontRef idx="minor">
+            <a:schemeClr val="lt1"/>
+          </a:fontRef>
+        </p:style>
+        <p:txBody>
+          <a:bodyPr rtlCol="0" anchor="ctr"/>
+          <a:lstStyle/>
+          <a:p>
+            <a:pPr algn="ctr"/>
+            <a:r>
+              <a:rPr lang="en-US" altLang="zh-CN" dirty="0" err="1" smtClean="0"/>
+              <a:t>Javascript</a:t>
+            </a:r>
+            <a:endParaRPr lang="zh-CN" altLang="en-US" dirty="0"/>
           </a:p>
         </p:txBody>
       </p:sp>
     </p:spTree>
     <p:extLst>
       <p:ext uri="{BB962C8B-B14F-4D97-AF65-F5344CB8AC3E}">
-        <p14:creationId xmlns:p14="http://schemas.microsoft.com/office/powerpoint/2010/main" val="3072570691"/>
+        <p14:creationId xmlns:p14="http://schemas.microsoft.com/office/powerpoint/2010/main" val="2289735689"/>
       </p:ext>
     </p:extLst>
   </p:cSld>

--- a/前端优化.pptx
+++ b/前端优化.pptx
@@ -5,7 +5,7 @@
     <p:sldMasterId id="2147483660" r:id="rId1"/>
   </p:sldMasterIdLst>
   <p:notesMasterIdLst>
-    <p:notesMasterId r:id="rId12"/>
+    <p:notesMasterId r:id="rId13"/>
   </p:notesMasterIdLst>
   <p:sldIdLst>
     <p:sldId id="256" r:id="rId2"/>
@@ -15,9 +15,10 @@
     <p:sldId id="512" r:id="rId6"/>
     <p:sldId id="553" r:id="rId7"/>
     <p:sldId id="555" r:id="rId8"/>
-    <p:sldId id="556" r:id="rId9"/>
-    <p:sldId id="558" r:id="rId10"/>
-    <p:sldId id="557" r:id="rId11"/>
+    <p:sldId id="558" r:id="rId9"/>
+    <p:sldId id="556" r:id="rId10"/>
+    <p:sldId id="559" r:id="rId11"/>
+    <p:sldId id="557" r:id="rId12"/>
   </p:sldIdLst>
   <p:sldSz cx="9144000" cy="6858000" type="screen4x3"/>
   <p:notesSz cx="6858000" cy="9144000"/>
@@ -1074,23 +1075,7 @@
           <a:p>
             <a:r>
               <a:rPr lang="zh-CN" altLang="en-US" dirty="0" smtClean="0"/>
-              <a:t>今天讲的如何优化，不是针对某一个产品，所以也没有前面讲的那些限制，我会尽量全的讲下各个优化点。因为比较</a:t>
-            </a:r>
-            <a:r>
-              <a:rPr lang="zh-CN" altLang="en-US" dirty="0" smtClean="0"/>
-              <a:t>多</a:t>
-            </a:r>
-            <a:r>
-              <a:rPr lang="en-US" altLang="zh-CN" dirty="0" smtClean="0"/>
-              <a:t>,</a:t>
-            </a:r>
-            <a:r>
-              <a:rPr lang="zh-CN" altLang="en-US" dirty="0" smtClean="0"/>
-              <a:t>我们</a:t>
-            </a:r>
-            <a:r>
-              <a:rPr lang="zh-CN" altLang="en-US" dirty="0" smtClean="0"/>
-              <a:t>按影响角色分为</a:t>
+              <a:t>今天讲的如何优化，不是针对某一个产品，所以也没有前面讲的那些限制，我会尽量全的讲下各个优化点。因为比较多我们按影响角色分为</a:t>
             </a:r>
             <a:endParaRPr lang="zh-CN" altLang="en-US" dirty="0"/>
           </a:p>
@@ -1179,51 +1164,7 @@
           <a:p>
             <a:r>
               <a:rPr lang="zh-CN" altLang="en-US" dirty="0" smtClean="0"/>
-              <a:t>首先看下用户</a:t>
-            </a:r>
-            <a:r>
-              <a:rPr lang="zh-CN" altLang="en-US" dirty="0" smtClean="0"/>
-              <a:t>端优化，这里说的用户端优化，是指</a:t>
-            </a:r>
-            <a:r>
-              <a:rPr lang="zh-CN" altLang="en-US" dirty="0" smtClean="0"/>
-              <a:t>用户客户端优化</a:t>
-            </a:r>
-            <a:r>
-              <a:rPr lang="zh-CN" altLang="en-US" dirty="0" smtClean="0"/>
-              <a:t>，</a:t>
-            </a:r>
-            <a:r>
-              <a:rPr lang="zh-CN" altLang="en-US" dirty="0" smtClean="0"/>
-              <a:t>这类优化</a:t>
-            </a:r>
-            <a:r>
-              <a:rPr lang="zh-CN" altLang="en-US" dirty="0" smtClean="0"/>
-              <a:t>是成本最低，见效</a:t>
-            </a:r>
-            <a:r>
-              <a:rPr lang="zh-CN" altLang="en-US" dirty="0" smtClean="0"/>
-              <a:t>最快，</a:t>
-            </a:r>
-            <a:r>
-              <a:rPr lang="zh-CN" altLang="en-US" dirty="0" smtClean="0"/>
-              <a:t>为什么这么说，大家看看这个图。 后台幸幸苦苦</a:t>
-            </a:r>
-            <a:r>
-              <a:rPr lang="zh-CN" altLang="en-US" dirty="0" smtClean="0"/>
-              <a:t>，又是</a:t>
-            </a:r>
-            <a:r>
-              <a:rPr lang="zh-CN" altLang="en-US" dirty="0" smtClean="0"/>
-              <a:t>缓存，又是业务逻辑</a:t>
-            </a:r>
-            <a:r>
-              <a:rPr lang="zh-CN" altLang="en-US" dirty="0" smtClean="0"/>
-              <a:t>优化，甚至连架构也优化下来</a:t>
-            </a:r>
-            <a:r>
-              <a:rPr lang="zh-CN" altLang="en-US" dirty="0" smtClean="0"/>
-              <a:t>，可能也就减少了几条</a:t>
+              <a:t>首先看下用户端优化，这里说的用户端优化，是指用户客户端优化，这类优化是成本最低，见效最快，为什么这么说，大家看看这个图。 后台幸幸苦苦，又是缓存，又是业务逻辑优化，甚至连架构也优化下来，可能也就减少了几条</a:t>
             </a:r>
             <a:r>
               <a:rPr lang="en-US" altLang="zh-CN" dirty="0" err="1" smtClean="0"/>
@@ -1242,7 +1183,19 @@
           <a:p>
             <a:r>
               <a:rPr lang="zh-CN" altLang="en-US" dirty="0" smtClean="0"/>
-              <a:t>这里拿教研打个比方，没优化前静态文件大小是</a:t>
+              <a:t>这里</a:t>
+            </a:r>
+            <a:r>
+              <a:rPr lang="zh-CN" altLang="en-US" smtClean="0"/>
+              <a:t>拿</a:t>
+            </a:r>
+            <a:r>
+              <a:rPr lang="zh-CN" altLang="en-US" smtClean="0"/>
+              <a:t>教研来说，</a:t>
+            </a:r>
+            <a:r>
+              <a:rPr lang="zh-CN" altLang="en-US" dirty="0" smtClean="0"/>
+              <a:t>没优化前静态文件大小是</a:t>
             </a:r>
             <a:r>
               <a:rPr lang="en-US" altLang="zh-CN" dirty="0" smtClean="0"/>
@@ -1273,15 +1226,7 @@
           <a:p>
             <a:r>
               <a:rPr lang="zh-CN" altLang="en-US" dirty="0" smtClean="0"/>
-              <a:t>那用户</a:t>
-            </a:r>
-            <a:r>
-              <a:rPr lang="zh-CN" altLang="en-US" dirty="0" smtClean="0"/>
-              <a:t>端该优化</a:t>
-            </a:r>
-            <a:r>
-              <a:rPr lang="zh-CN" altLang="en-US" dirty="0" smtClean="0"/>
-              <a:t>什么呢，如何优化呢。</a:t>
+              <a:t>那用户端改优化什么呢，如何优化呢。</a:t>
             </a:r>
             <a:endParaRPr lang="en-US" altLang="zh-CN" dirty="0" smtClean="0"/>
           </a:p>
@@ -1571,6 +1516,194 @@
           <a:p>
             <a:r>
               <a:rPr lang="zh-CN" altLang="en-US" dirty="0" smtClean="0"/>
+              <a:t>近，也很好理解，两成含义： </a:t>
+            </a:r>
+            <a:endParaRPr lang="en-US" altLang="zh-CN" dirty="0" smtClean="0"/>
+          </a:p>
+          <a:p>
+            <a:r>
+              <a:rPr lang="zh-CN" altLang="en-US" dirty="0" smtClean="0"/>
+              <a:t>一 就是减少资源经过处理层次。实现方式：</a:t>
+            </a:r>
+            <a:r>
+              <a:rPr lang="zh-CN" altLang="en-US" baseline="0" dirty="0" smtClean="0"/>
+              <a:t> 反向代理，让更时候处理静态资源的容器去处理，常用的方案</a:t>
+            </a:r>
+            <a:r>
+              <a:rPr lang="en-US" altLang="zh-CN" baseline="0" dirty="0" err="1" smtClean="0"/>
+              <a:t>nginx</a:t>
+            </a:r>
+            <a:r>
+              <a:rPr lang="en-US" altLang="zh-CN" baseline="0" dirty="0" smtClean="0"/>
+              <a:t> </a:t>
+            </a:r>
+            <a:r>
+              <a:rPr lang="zh-CN" altLang="en-US" baseline="0" dirty="0" smtClean="0"/>
+              <a:t>或 </a:t>
+            </a:r>
+            <a:r>
+              <a:rPr lang="en-US" altLang="zh-CN" baseline="0" dirty="0" smtClean="0"/>
+              <a:t>apache http </a:t>
+            </a:r>
+            <a:r>
+              <a:rPr lang="zh-CN" altLang="en-US" baseline="0" dirty="0" smtClean="0"/>
+              <a:t>做反向代理。</a:t>
+            </a:r>
+            <a:endParaRPr lang="en-US" altLang="zh-CN" baseline="0" dirty="0" smtClean="0"/>
+          </a:p>
+          <a:p>
+            <a:r>
+              <a:rPr lang="zh-CN" altLang="en-US" baseline="0" dirty="0" smtClean="0"/>
+              <a:t>二 就是资源与用户的物理距离。看起来是光速传输，远点近点似乎关系不大。但参与过秒杀的就知道，没这么简单。况且秒杀的系统都是专门架构和优化过的。其实你们跟踪下路由就知道，我在公司跟踪了下教研平台的外网，经过了</a:t>
+            </a:r>
+            <a:r>
+              <a:rPr lang="en-US" altLang="zh-CN" baseline="0" dirty="0" smtClean="0"/>
+              <a:t>11</a:t>
+            </a:r>
+            <a:r>
+              <a:rPr lang="zh-CN" altLang="en-US" baseline="0" dirty="0" smtClean="0"/>
+              <a:t>个路由，这是机房在北京的，另外我国的网络运营商间的距离还是那么的遥远，即使使用</a:t>
+            </a:r>
+            <a:r>
+              <a:rPr lang="en-US" altLang="zh-CN" baseline="0" dirty="0" smtClean="0"/>
+              <a:t>BGP</a:t>
+            </a:r>
+            <a:r>
+              <a:rPr lang="zh-CN" altLang="en-US" baseline="0" dirty="0" smtClean="0"/>
+              <a:t>，跨个网依然快不了。这是就只能依赖</a:t>
+            </a:r>
+            <a:r>
+              <a:rPr lang="en-US" altLang="zh-CN" baseline="0" dirty="0" err="1" smtClean="0"/>
+              <a:t>CDN,cnd</a:t>
+            </a:r>
+            <a:r>
+              <a:rPr lang="en-US" altLang="zh-CN" baseline="0" dirty="0" smtClean="0"/>
+              <a:t> </a:t>
+            </a:r>
+            <a:r>
+              <a:rPr lang="zh-CN" altLang="en-US" baseline="0" dirty="0" smtClean="0"/>
+              <a:t>可以自建也可以用第三方，自建我们是看不到了。</a:t>
+            </a:r>
+            <a:r>
+              <a:rPr lang="en-US" altLang="zh-CN" baseline="0" dirty="0" smtClean="0"/>
+              <a:t>CND </a:t>
+            </a:r>
+            <a:r>
+              <a:rPr lang="zh-CN" altLang="en-US" baseline="0" dirty="0" smtClean="0"/>
+              <a:t>原理很简单，本质就是缓存，只是说它是缓存到距离用户最近或响应较快的服务器端，这样用户请求不用跑老远来请求我们自己的服务器了。</a:t>
+            </a:r>
+            <a:endParaRPr lang="en-US" altLang="zh-CN" baseline="0" dirty="0" smtClean="0"/>
+          </a:p>
+          <a:p>
+            <a:r>
+              <a:rPr lang="zh-CN" altLang="en-US" baseline="0" dirty="0" smtClean="0"/>
+              <a:t>总体来说实施起来还是比较简单的，唯一要做的就是计算好收益，特别是</a:t>
+            </a:r>
+            <a:r>
+              <a:rPr lang="en-US" altLang="zh-CN" baseline="0" dirty="0" smtClean="0"/>
+              <a:t>CDN </a:t>
+            </a:r>
+            <a:r>
+              <a:rPr lang="zh-CN" altLang="en-US" baseline="0" dirty="0" smtClean="0"/>
+              <a:t>的使用，既有持续的成本，又兼具了缓存的缺点。</a:t>
+            </a:r>
+            <a:endParaRPr lang="en-US" altLang="zh-CN" baseline="0" dirty="0" smtClean="0"/>
+          </a:p>
+          <a:p>
+            <a:endParaRPr lang="en-US" altLang="zh-CN" baseline="0" dirty="0" smtClean="0"/>
+          </a:p>
+          <a:p>
+            <a:r>
+              <a:rPr lang="zh-CN" altLang="en-US" baseline="0" smtClean="0"/>
+              <a:t>小，</a:t>
+            </a:r>
+            <a:endParaRPr lang="en-US" altLang="zh-CN" baseline="0" dirty="0" smtClean="0"/>
+          </a:p>
+        </p:txBody>
+      </p:sp>
+      <p:sp>
+        <p:nvSpPr>
+          <p:cNvPr id="4" name="灯片编号占位符 3"/>
+          <p:cNvSpPr>
+            <a:spLocks noGrp="1"/>
+          </p:cNvSpPr>
+          <p:nvPr>
+            <p:ph type="sldNum" sz="quarter" idx="10"/>
+          </p:nvPr>
+        </p:nvSpPr>
+        <p:spPr/>
+        <p:txBody>
+          <a:bodyPr/>
+          <a:lstStyle/>
+          <a:p>
+            <a:fld id="{2721F026-A56C-44A0-B1B5-6544C30C2BED}" type="slidenum">
+              <a:rPr lang="zh-CN" altLang="en-US" smtClean="0"/>
+              <a:pPr/>
+              <a:t>8</a:t>
+            </a:fld>
+            <a:endParaRPr lang="zh-CN" altLang="en-US"/>
+          </a:p>
+        </p:txBody>
+      </p:sp>
+    </p:spTree>
+    <p:extLst>
+      <p:ext uri="{BB962C8B-B14F-4D97-AF65-F5344CB8AC3E}">
+        <p14:creationId xmlns:p14="http://schemas.microsoft.com/office/powerpoint/2010/main" val="3934291510"/>
+      </p:ext>
+    </p:extLst>
+  </p:cSld>
+  <p:clrMapOvr>
+    <a:masterClrMapping/>
+  </p:clrMapOvr>
+</p:notes>
+</file>
+
+<file path=ppt/notesSlides/notesSlide9.xml><?xml version="1.0" encoding="utf-8"?>
+<p:notes xmlns:a="http://schemas.openxmlformats.org/drawingml/2006/main" xmlns:r="http://schemas.openxmlformats.org/officeDocument/2006/relationships" xmlns:p="http://schemas.openxmlformats.org/presentationml/2006/main">
+  <p:cSld>
+    <p:spTree>
+      <p:nvGrpSpPr>
+        <p:cNvPr id="1" name=""/>
+        <p:cNvGrpSpPr/>
+        <p:nvPr/>
+      </p:nvGrpSpPr>
+      <p:grpSpPr>
+        <a:xfrm>
+          <a:off x="0" y="0"/>
+          <a:ext cx="0" cy="0"/>
+          <a:chOff x="0" y="0"/>
+          <a:chExt cx="0" cy="0"/>
+        </a:xfrm>
+      </p:grpSpPr>
+      <p:sp>
+        <p:nvSpPr>
+          <p:cNvPr id="2" name="幻灯片图像占位符 1"/>
+          <p:cNvSpPr>
+            <a:spLocks noGrp="1" noRot="1" noChangeAspect="1"/>
+          </p:cNvSpPr>
+          <p:nvPr>
+            <p:ph type="sldImg"/>
+          </p:nvPr>
+        </p:nvSpPr>
+        <p:spPr/>
+      </p:sp>
+      <p:sp>
+        <p:nvSpPr>
+          <p:cNvPr id="3" name="备注占位符 2"/>
+          <p:cNvSpPr>
+            <a:spLocks noGrp="1"/>
+          </p:cNvSpPr>
+          <p:nvPr>
+            <p:ph type="body" idx="1"/>
+          </p:nvPr>
+        </p:nvSpPr>
+        <p:spPr/>
+        <p:txBody>
+          <a:bodyPr/>
+          <a:lstStyle/>
+          <a:p>
+            <a:r>
+              <a:rPr lang="zh-CN" altLang="en-US" dirty="0" smtClean="0"/>
               <a:t>开发端优化，不是说由开发来做的优化，而是由代码和架构层面来做的优化。这类优化主要目的是降低维护难度，提高运行效率，增加扩展性。接下来我们来梳理可在哪些写代码上做哪些优化。</a:t>
             </a:r>
             <a:endParaRPr lang="en-US" altLang="zh-CN" dirty="0" smtClean="0"/>
@@ -1799,7 +1932,7 @@
             <a:fld id="{2721F026-A56C-44A0-B1B5-6544C30C2BED}" type="slidenum">
               <a:rPr lang="zh-CN" altLang="en-US" smtClean="0"/>
               <a:pPr/>
-              <a:t>9</a:t>
+              <a:t>10</a:t>
             </a:fld>
             <a:endParaRPr lang="zh-CN" altLang="en-US"/>
           </a:p>
@@ -5278,6 +5411,1081 @@
 </file>
 
 <file path=ppt/slides/slide10.xml><?xml version="1.0" encoding="utf-8"?>
+<p:sld xmlns:a="http://schemas.openxmlformats.org/drawingml/2006/main" xmlns:r="http://schemas.openxmlformats.org/officeDocument/2006/relationships" xmlns:p="http://schemas.openxmlformats.org/presentationml/2006/main">
+  <p:cSld>
+    <p:spTree>
+      <p:nvGrpSpPr>
+        <p:cNvPr id="1" name=""/>
+        <p:cNvGrpSpPr/>
+        <p:nvPr/>
+      </p:nvGrpSpPr>
+      <p:grpSpPr>
+        <a:xfrm>
+          <a:off x="0" y="0"/>
+          <a:ext cx="0" cy="0"/>
+          <a:chOff x="0" y="0"/>
+          <a:chExt cx="0" cy="0"/>
+        </a:xfrm>
+      </p:grpSpPr>
+      <p:grpSp>
+        <p:nvGrpSpPr>
+          <p:cNvPr id="3" name="组合 2"/>
+          <p:cNvGrpSpPr/>
+          <p:nvPr/>
+        </p:nvGrpSpPr>
+        <p:grpSpPr>
+          <a:xfrm>
+            <a:off x="0" y="-27384"/>
+            <a:ext cx="9144000" cy="1080120"/>
+            <a:chOff x="0" y="1628800"/>
+            <a:chExt cx="9144000" cy="2592288"/>
+          </a:xfrm>
+        </p:grpSpPr>
+        <p:sp>
+          <p:nvSpPr>
+            <p:cNvPr id="4" name="矩形 3"/>
+            <p:cNvSpPr/>
+            <p:nvPr/>
+          </p:nvSpPr>
+          <p:spPr>
+            <a:xfrm>
+              <a:off x="0" y="1628800"/>
+              <a:ext cx="6948264" cy="2592288"/>
+            </a:xfrm>
+            <a:prstGeom prst="rect">
+              <a:avLst/>
+            </a:prstGeom>
+            <a:solidFill>
+              <a:srgbClr val="002060"/>
+            </a:solidFill>
+            <a:ln>
+              <a:noFill/>
+            </a:ln>
+          </p:spPr>
+          <p:style>
+            <a:lnRef idx="2">
+              <a:schemeClr val="accent1">
+                <a:shade val="50000"/>
+              </a:schemeClr>
+            </a:lnRef>
+            <a:fillRef idx="1">
+              <a:schemeClr val="accent1"/>
+            </a:fillRef>
+            <a:effectRef idx="0">
+              <a:schemeClr val="accent1"/>
+            </a:effectRef>
+            <a:fontRef idx="minor">
+              <a:schemeClr val="lt1"/>
+            </a:fontRef>
+          </p:style>
+          <p:txBody>
+            <a:bodyPr rtlCol="0" anchor="ctr"/>
+            <a:lstStyle/>
+            <a:p>
+              <a:pPr algn="ctr"/>
+              <a:endParaRPr lang="zh-CN" altLang="en-US"/>
+            </a:p>
+          </p:txBody>
+        </p:sp>
+        <p:sp>
+          <p:nvSpPr>
+            <p:cNvPr id="5" name="矩形 4"/>
+            <p:cNvSpPr/>
+            <p:nvPr/>
+          </p:nvSpPr>
+          <p:spPr>
+            <a:xfrm>
+              <a:off x="6948264" y="1628800"/>
+              <a:ext cx="2195736" cy="2592288"/>
+            </a:xfrm>
+            <a:prstGeom prst="rect">
+              <a:avLst/>
+            </a:prstGeom>
+            <a:solidFill>
+              <a:srgbClr val="00B050"/>
+            </a:solidFill>
+            <a:ln>
+              <a:noFill/>
+            </a:ln>
+          </p:spPr>
+          <p:style>
+            <a:lnRef idx="2">
+              <a:schemeClr val="accent1">
+                <a:shade val="50000"/>
+              </a:schemeClr>
+            </a:lnRef>
+            <a:fillRef idx="1">
+              <a:schemeClr val="accent1"/>
+            </a:fillRef>
+            <a:effectRef idx="0">
+              <a:schemeClr val="accent1"/>
+            </a:effectRef>
+            <a:fontRef idx="minor">
+              <a:schemeClr val="lt1"/>
+            </a:fontRef>
+          </p:style>
+          <p:txBody>
+            <a:bodyPr rtlCol="0" anchor="ctr"/>
+            <a:lstStyle/>
+            <a:p>
+              <a:pPr algn="ctr"/>
+              <a:endParaRPr lang="zh-CN" altLang="en-US"/>
+            </a:p>
+          </p:txBody>
+        </p:sp>
+      </p:grpSp>
+      <p:sp>
+        <p:nvSpPr>
+          <p:cNvPr id="6" name="标题 3"/>
+          <p:cNvSpPr txBox="1">
+            <a:spLocks/>
+          </p:cNvSpPr>
+          <p:nvPr/>
+        </p:nvSpPr>
+        <p:spPr>
+          <a:xfrm>
+            <a:off x="432048" y="125760"/>
+            <a:ext cx="7812360" cy="1143000"/>
+          </a:xfrm>
+          <a:prstGeom prst="rect">
+            <a:avLst/>
+          </a:prstGeom>
+        </p:spPr>
+        <p:txBody>
+          <a:bodyPr>
+            <a:normAutofit/>
+          </a:bodyPr>
+          <a:lstStyle>
+            <a:lvl1pPr algn="ctr" defTabSz="914400" rtl="0" eaLnBrk="1" latinLnBrk="0" hangingPunct="1">
+              <a:spcBef>
+                <a:spcPct val="0"/>
+              </a:spcBef>
+              <a:buNone/>
+              <a:defRPr sz="4400" kern="1200">
+                <a:solidFill>
+                  <a:schemeClr val="tx1"/>
+                </a:solidFill>
+                <a:latin typeface="+mj-lt"/>
+                <a:ea typeface="+mj-ea"/>
+                <a:cs typeface="+mj-cs"/>
+              </a:defRPr>
+            </a:lvl1pPr>
+          </a:lstStyle>
+          <a:p>
+            <a:pPr algn="l"/>
+            <a:r>
+              <a:rPr lang="zh-CN" altLang="en-US" dirty="0" smtClean="0">
+                <a:solidFill>
+                  <a:schemeClr val="bg1"/>
+                </a:solidFill>
+                <a:latin typeface="方正大黑简体" pitchFamily="2" charset="-122"/>
+                <a:ea typeface="方正大黑简体" pitchFamily="2" charset="-122"/>
+              </a:rPr>
+              <a:t>开发端优化</a:t>
+            </a:r>
+            <a:endParaRPr lang="zh-CN" altLang="en-US" dirty="0">
+              <a:solidFill>
+                <a:schemeClr val="bg1"/>
+              </a:solidFill>
+              <a:latin typeface="方正大黑简体" pitchFamily="2" charset="-122"/>
+              <a:ea typeface="方正大黑简体" pitchFamily="2" charset="-122"/>
+            </a:endParaRPr>
+          </a:p>
+        </p:txBody>
+      </p:sp>
+      <p:sp>
+        <p:nvSpPr>
+          <p:cNvPr id="2" name="TextBox 1"/>
+          <p:cNvSpPr txBox="1"/>
+          <p:nvPr/>
+        </p:nvSpPr>
+        <p:spPr>
+          <a:xfrm>
+            <a:off x="0" y="1043737"/>
+            <a:ext cx="9144000" cy="369332"/>
+          </a:xfrm>
+          <a:prstGeom prst="rect">
+            <a:avLst/>
+          </a:prstGeom>
+        </p:spPr>
+        <p:style>
+          <a:lnRef idx="1">
+            <a:schemeClr val="accent5"/>
+          </a:lnRef>
+          <a:fillRef idx="2">
+            <a:schemeClr val="accent5"/>
+          </a:fillRef>
+          <a:effectRef idx="1">
+            <a:schemeClr val="accent5"/>
+          </a:effectRef>
+          <a:fontRef idx="minor">
+            <a:schemeClr val="dk1"/>
+          </a:fontRef>
+        </p:style>
+        <p:txBody>
+          <a:bodyPr wrap="square" rtlCol="0">
+            <a:spAutoFit/>
+          </a:bodyPr>
+          <a:lstStyle/>
+          <a:p>
+            <a:r>
+              <a:rPr lang="zh-CN" altLang="en-US" dirty="0"/>
+              <a:t>主要</a:t>
+            </a:r>
+            <a:r>
+              <a:rPr lang="zh-CN" altLang="en-US" dirty="0" smtClean="0"/>
+              <a:t>目的：优化资源体积，提高</a:t>
+            </a:r>
+            <a:r>
+              <a:rPr lang="zh-CN" altLang="en-US" dirty="0"/>
+              <a:t>运行</a:t>
+            </a:r>
+            <a:r>
+              <a:rPr lang="zh-CN" altLang="en-US" dirty="0" smtClean="0"/>
+              <a:t>效率，</a:t>
+            </a:r>
+            <a:r>
+              <a:rPr lang="zh-CN" altLang="en-US" dirty="0"/>
+              <a:t>降低维护难度</a:t>
+            </a:r>
+          </a:p>
+        </p:txBody>
+      </p:sp>
+      <p:sp>
+        <p:nvSpPr>
+          <p:cNvPr id="10" name="线形标注 1(带边框和强调线) 9"/>
+          <p:cNvSpPr/>
+          <p:nvPr/>
+        </p:nvSpPr>
+        <p:spPr>
+          <a:xfrm>
+            <a:off x="2421284" y="1594892"/>
+            <a:ext cx="4815011" cy="288032"/>
+          </a:xfrm>
+          <a:prstGeom prst="accentBorderCallout1">
+            <a:avLst>
+              <a:gd name="adj1" fmla="val 51819"/>
+              <a:gd name="adj2" fmla="val -2664"/>
+              <a:gd name="adj3" fmla="val 56283"/>
+              <a:gd name="adj4" fmla="val -13174"/>
+            </a:avLst>
+          </a:prstGeom>
+        </p:spPr>
+        <p:style>
+          <a:lnRef idx="1">
+            <a:schemeClr val="accent5"/>
+          </a:lnRef>
+          <a:fillRef idx="2">
+            <a:schemeClr val="accent5"/>
+          </a:fillRef>
+          <a:effectRef idx="1">
+            <a:schemeClr val="accent5"/>
+          </a:effectRef>
+          <a:fontRef idx="minor">
+            <a:schemeClr val="dk1"/>
+          </a:fontRef>
+        </p:style>
+        <p:txBody>
+          <a:bodyPr rtlCol="0" anchor="ctr"/>
+          <a:lstStyle/>
+          <a:p>
+            <a:r>
+              <a:rPr lang="zh-CN" altLang="en-US" sz="1400" dirty="0"/>
+              <a:t>合写</a:t>
+            </a:r>
+            <a:r>
+              <a:rPr lang="en-US" altLang="zh-CN" sz="1400" dirty="0" smtClean="0"/>
+              <a:t>CSS:   </a:t>
+            </a:r>
+            <a:r>
+              <a:rPr lang="zh-CN" altLang="en-US" sz="1400" dirty="0" smtClean="0"/>
+              <a:t>如</a:t>
+            </a:r>
+            <a:r>
+              <a:rPr lang="en-US" altLang="zh-CN" sz="1400" dirty="0" smtClean="0"/>
+              <a:t>background</a:t>
+            </a:r>
+            <a:r>
+              <a:rPr lang="zh-CN" altLang="en-US" sz="1400" dirty="0" smtClean="0"/>
+              <a:t>，</a:t>
+            </a:r>
+            <a:r>
+              <a:rPr lang="en-US" altLang="zh-CN" sz="1400" dirty="0" smtClean="0"/>
+              <a:t>font</a:t>
+            </a:r>
+            <a:r>
+              <a:rPr lang="zh-CN" altLang="en-US" sz="1400" dirty="0" smtClean="0"/>
+              <a:t>，</a:t>
+            </a:r>
+            <a:r>
+              <a:rPr lang="en-US" altLang="zh-CN" sz="1400" dirty="0" smtClean="0"/>
+              <a:t>margin/padding</a:t>
+            </a:r>
+            <a:r>
+              <a:rPr lang="zh-CN" altLang="en-US" sz="1400" dirty="0" smtClean="0"/>
+              <a:t>，</a:t>
+            </a:r>
+            <a:r>
+              <a:rPr lang="en-US" altLang="zh-CN" sz="1400" dirty="0"/>
+              <a:t>border</a:t>
+            </a:r>
+          </a:p>
+        </p:txBody>
+      </p:sp>
+      <p:sp>
+        <p:nvSpPr>
+          <p:cNvPr id="11" name="左大括号 10"/>
+          <p:cNvSpPr/>
+          <p:nvPr/>
+        </p:nvSpPr>
+        <p:spPr>
+          <a:xfrm>
+            <a:off x="1619672" y="1756073"/>
+            <a:ext cx="216024" cy="1600919"/>
+          </a:xfrm>
+          <a:prstGeom prst="leftBrace">
+            <a:avLst/>
+          </a:prstGeom>
+        </p:spPr>
+        <p:style>
+          <a:lnRef idx="1">
+            <a:schemeClr val="accent1"/>
+          </a:lnRef>
+          <a:fillRef idx="0">
+            <a:schemeClr val="accent1"/>
+          </a:fillRef>
+          <a:effectRef idx="0">
+            <a:schemeClr val="accent1"/>
+          </a:effectRef>
+          <a:fontRef idx="minor">
+            <a:schemeClr val="tx1"/>
+          </a:fontRef>
+        </p:style>
+        <p:txBody>
+          <a:bodyPr rtlCol="0" anchor="ctr"/>
+          <a:lstStyle/>
+          <a:p>
+            <a:pPr algn="ctr"/>
+            <a:endParaRPr lang="zh-CN" altLang="en-US"/>
+          </a:p>
+        </p:txBody>
+      </p:sp>
+      <p:sp>
+        <p:nvSpPr>
+          <p:cNvPr id="12" name="线形标注 1(带边框和强调线) 11"/>
+          <p:cNvSpPr/>
+          <p:nvPr/>
+        </p:nvSpPr>
+        <p:spPr>
+          <a:xfrm>
+            <a:off x="2411759" y="2119152"/>
+            <a:ext cx="4824535" cy="288032"/>
+          </a:xfrm>
+          <a:prstGeom prst="accentBorderCallout1">
+            <a:avLst>
+              <a:gd name="adj1" fmla="val 41898"/>
+              <a:gd name="adj2" fmla="val -2608"/>
+              <a:gd name="adj3" fmla="val 46362"/>
+              <a:gd name="adj4" fmla="val -14177"/>
+            </a:avLst>
+          </a:prstGeom>
+        </p:spPr>
+        <p:style>
+          <a:lnRef idx="1">
+            <a:schemeClr val="accent5"/>
+          </a:lnRef>
+          <a:fillRef idx="2">
+            <a:schemeClr val="accent5"/>
+          </a:fillRef>
+          <a:effectRef idx="1">
+            <a:schemeClr val="accent5"/>
+          </a:effectRef>
+          <a:fontRef idx="minor">
+            <a:schemeClr val="dk1"/>
+          </a:fontRef>
+        </p:style>
+        <p:txBody>
+          <a:bodyPr rtlCol="0" anchor="ctr"/>
+          <a:lstStyle/>
+          <a:p>
+            <a:r>
+              <a:rPr lang="zh-CN" altLang="en-US" sz="1400" dirty="0"/>
+              <a:t>利用</a:t>
+            </a:r>
+            <a:r>
+              <a:rPr lang="zh-CN" altLang="en-US" sz="1400" dirty="0" smtClean="0"/>
+              <a:t>继承</a:t>
+            </a:r>
+            <a:r>
+              <a:rPr lang="en-US" altLang="zh-CN" sz="1400" dirty="0" smtClean="0"/>
+              <a:t>:  </a:t>
+            </a:r>
+            <a:r>
+              <a:rPr lang="zh-CN" altLang="en-US" sz="1400" dirty="0" smtClean="0"/>
+              <a:t>把可共用的样式设置在父级元素上</a:t>
+            </a:r>
+            <a:endParaRPr lang="zh-CN" altLang="en-US" sz="1400" dirty="0"/>
+          </a:p>
+        </p:txBody>
+      </p:sp>
+      <p:sp>
+        <p:nvSpPr>
+          <p:cNvPr id="13" name="线形标注 1(带边框和强调线) 12"/>
+          <p:cNvSpPr/>
+          <p:nvPr/>
+        </p:nvSpPr>
+        <p:spPr>
+          <a:xfrm>
+            <a:off x="2392734" y="2677716"/>
+            <a:ext cx="4843559" cy="288032"/>
+          </a:xfrm>
+          <a:prstGeom prst="accentBorderCallout1">
+            <a:avLst>
+              <a:gd name="adj1" fmla="val 45205"/>
+              <a:gd name="adj2" fmla="val -2040"/>
+              <a:gd name="adj3" fmla="val 46362"/>
+              <a:gd name="adj4" fmla="val -13375"/>
+            </a:avLst>
+          </a:prstGeom>
+        </p:spPr>
+        <p:style>
+          <a:lnRef idx="1">
+            <a:schemeClr val="accent4"/>
+          </a:lnRef>
+          <a:fillRef idx="2">
+            <a:schemeClr val="accent4"/>
+          </a:fillRef>
+          <a:effectRef idx="1">
+            <a:schemeClr val="accent4"/>
+          </a:effectRef>
+          <a:fontRef idx="minor">
+            <a:schemeClr val="dk1"/>
+          </a:fontRef>
+        </p:style>
+        <p:txBody>
+          <a:bodyPr rtlCol="0" anchor="ctr"/>
+          <a:lstStyle/>
+          <a:p>
+            <a:r>
+              <a:rPr lang="zh-CN" altLang="en-US" sz="1400" dirty="0"/>
+              <a:t>移除多余的结构</a:t>
+            </a:r>
+            <a:r>
+              <a:rPr lang="en-US" altLang="zh-CN" sz="1400" dirty="0"/>
+              <a:t>(frameworks)</a:t>
+            </a:r>
+            <a:r>
+              <a:rPr lang="zh-CN" altLang="en-US" sz="1400" dirty="0"/>
+              <a:t>和重</a:t>
+            </a:r>
+            <a:r>
+              <a:rPr lang="zh-CN" altLang="en-US" sz="1400" dirty="0" smtClean="0"/>
+              <a:t>设</a:t>
+            </a:r>
+            <a:r>
+              <a:rPr lang="en-US" altLang="zh-CN" sz="1400" dirty="0" smtClean="0"/>
+              <a:t>(reset)</a:t>
+            </a:r>
+            <a:endParaRPr lang="zh-CN" altLang="en-US" sz="1400" dirty="0"/>
+          </a:p>
+        </p:txBody>
+      </p:sp>
+      <p:sp>
+        <p:nvSpPr>
+          <p:cNvPr id="14" name="线形标注 1(带边框和强调线) 13"/>
+          <p:cNvSpPr/>
+          <p:nvPr/>
+        </p:nvSpPr>
+        <p:spPr>
+          <a:xfrm>
+            <a:off x="2392735" y="3222501"/>
+            <a:ext cx="4843560" cy="288032"/>
+          </a:xfrm>
+          <a:prstGeom prst="accentBorderCallout1">
+            <a:avLst>
+              <a:gd name="adj1" fmla="val 41898"/>
+              <a:gd name="adj2" fmla="val -2237"/>
+              <a:gd name="adj3" fmla="val 46362"/>
+              <a:gd name="adj4" fmla="val -12854"/>
+            </a:avLst>
+          </a:prstGeom>
+        </p:spPr>
+        <p:style>
+          <a:lnRef idx="1">
+            <a:schemeClr val="accent6"/>
+          </a:lnRef>
+          <a:fillRef idx="2">
+            <a:schemeClr val="accent6"/>
+          </a:fillRef>
+          <a:effectRef idx="1">
+            <a:schemeClr val="accent6"/>
+          </a:effectRef>
+          <a:fontRef idx="minor">
+            <a:schemeClr val="dk1"/>
+          </a:fontRef>
+        </p:style>
+        <p:txBody>
+          <a:bodyPr rtlCol="0" anchor="ctr"/>
+          <a:lstStyle/>
+          <a:p>
+            <a:r>
+              <a:rPr lang="zh-CN" altLang="en-US" sz="1400" dirty="0" smtClean="0"/>
+              <a:t>代码性能优化</a:t>
+            </a:r>
+            <a:r>
+              <a:rPr lang="en-US" altLang="zh-CN" sz="1400" dirty="0" smtClean="0"/>
+              <a:t>:  </a:t>
+            </a:r>
+            <a:r>
+              <a:rPr lang="zh-CN" altLang="en-US" sz="1400" dirty="0"/>
+              <a:t>如合理使用选择器、避免适用</a:t>
+            </a:r>
+            <a:r>
+              <a:rPr lang="zh-CN" altLang="en-US" sz="1400" dirty="0" smtClean="0"/>
+              <a:t>通配符</a:t>
+            </a:r>
+            <a:r>
+              <a:rPr lang="zh-CN" altLang="en-US" sz="1400" dirty="0"/>
+              <a:t>等等</a:t>
+            </a:r>
+          </a:p>
+        </p:txBody>
+      </p:sp>
+      <p:sp>
+        <p:nvSpPr>
+          <p:cNvPr id="15" name="流程图: 可选过程 14"/>
+          <p:cNvSpPr/>
+          <p:nvPr/>
+        </p:nvSpPr>
+        <p:spPr>
+          <a:xfrm>
+            <a:off x="406946" y="2310808"/>
+            <a:ext cx="1212726" cy="510924"/>
+          </a:xfrm>
+          <a:prstGeom prst="flowChartAlternateProcess">
+            <a:avLst/>
+          </a:prstGeom>
+        </p:spPr>
+        <p:style>
+          <a:lnRef idx="3">
+            <a:schemeClr val="lt1"/>
+          </a:lnRef>
+          <a:fillRef idx="1">
+            <a:schemeClr val="accent3"/>
+          </a:fillRef>
+          <a:effectRef idx="1">
+            <a:schemeClr val="accent3"/>
+          </a:effectRef>
+          <a:fontRef idx="minor">
+            <a:schemeClr val="lt1"/>
+          </a:fontRef>
+        </p:style>
+        <p:txBody>
+          <a:bodyPr rtlCol="0" anchor="ctr"/>
+          <a:lstStyle/>
+          <a:p>
+            <a:pPr algn="ctr"/>
+            <a:r>
+              <a:rPr lang="en-US" altLang="zh-CN" dirty="0" smtClean="0"/>
+              <a:t>CSS</a:t>
+            </a:r>
+            <a:endParaRPr lang="zh-CN" altLang="en-US" dirty="0"/>
+          </a:p>
+        </p:txBody>
+      </p:sp>
+      <p:sp>
+        <p:nvSpPr>
+          <p:cNvPr id="16" name="线形标注 1(带边框和强调线) 15"/>
+          <p:cNvSpPr/>
+          <p:nvPr/>
+        </p:nvSpPr>
+        <p:spPr>
+          <a:xfrm>
+            <a:off x="2421284" y="3683124"/>
+            <a:ext cx="4815011" cy="288032"/>
+          </a:xfrm>
+          <a:prstGeom prst="accentBorderCallout1">
+            <a:avLst>
+              <a:gd name="adj1" fmla="val 51819"/>
+              <a:gd name="adj2" fmla="val -2664"/>
+              <a:gd name="adj3" fmla="val 56283"/>
+              <a:gd name="adj4" fmla="val -13174"/>
+            </a:avLst>
+          </a:prstGeom>
+        </p:spPr>
+        <p:style>
+          <a:lnRef idx="1">
+            <a:schemeClr val="accent5"/>
+          </a:lnRef>
+          <a:fillRef idx="2">
+            <a:schemeClr val="accent5"/>
+          </a:fillRef>
+          <a:effectRef idx="1">
+            <a:schemeClr val="accent5"/>
+          </a:effectRef>
+          <a:fontRef idx="minor">
+            <a:schemeClr val="dk1"/>
+          </a:fontRef>
+        </p:style>
+        <p:txBody>
+          <a:bodyPr rtlCol="0" anchor="ctr"/>
+          <a:lstStyle/>
+          <a:p>
+            <a:r>
+              <a:rPr lang="zh-CN" altLang="en-US" sz="1400" dirty="0"/>
+              <a:t>使用</a:t>
+            </a:r>
+            <a:r>
+              <a:rPr lang="en-US" altLang="zh-CN" sz="1400" dirty="0" smtClean="0"/>
+              <a:t>CSS sprites</a:t>
+            </a:r>
+            <a:r>
+              <a:rPr lang="zh-CN" altLang="en-US" sz="1400" dirty="0" smtClean="0"/>
+              <a:t>，合并图片，减少请求量</a:t>
+            </a:r>
+            <a:endParaRPr lang="en-US" altLang="zh-CN" sz="1400" dirty="0"/>
+          </a:p>
+        </p:txBody>
+      </p:sp>
+      <p:sp>
+        <p:nvSpPr>
+          <p:cNvPr id="17" name="左大括号 16"/>
+          <p:cNvSpPr/>
+          <p:nvPr/>
+        </p:nvSpPr>
+        <p:spPr>
+          <a:xfrm>
+            <a:off x="1619672" y="3844308"/>
+            <a:ext cx="216024" cy="1143716"/>
+          </a:xfrm>
+          <a:prstGeom prst="leftBrace">
+            <a:avLst/>
+          </a:prstGeom>
+        </p:spPr>
+        <p:style>
+          <a:lnRef idx="1">
+            <a:schemeClr val="accent1"/>
+          </a:lnRef>
+          <a:fillRef idx="0">
+            <a:schemeClr val="accent1"/>
+          </a:fillRef>
+          <a:effectRef idx="0">
+            <a:schemeClr val="accent1"/>
+          </a:effectRef>
+          <a:fontRef idx="minor">
+            <a:schemeClr val="tx1"/>
+          </a:fontRef>
+        </p:style>
+        <p:txBody>
+          <a:bodyPr rtlCol="0" anchor="ctr"/>
+          <a:lstStyle/>
+          <a:p>
+            <a:pPr algn="ctr"/>
+            <a:endParaRPr lang="zh-CN" altLang="en-US"/>
+          </a:p>
+        </p:txBody>
+      </p:sp>
+      <p:sp>
+        <p:nvSpPr>
+          <p:cNvPr id="18" name="线形标注 1(带边框和强调线) 17"/>
+          <p:cNvSpPr/>
+          <p:nvPr/>
+        </p:nvSpPr>
+        <p:spPr>
+          <a:xfrm>
+            <a:off x="2411761" y="4274059"/>
+            <a:ext cx="4824535" cy="288032"/>
+          </a:xfrm>
+          <a:prstGeom prst="accentBorderCallout1">
+            <a:avLst>
+              <a:gd name="adj1" fmla="val 41898"/>
+              <a:gd name="adj2" fmla="val -2608"/>
+              <a:gd name="adj3" fmla="val 46362"/>
+              <a:gd name="adj4" fmla="val -14177"/>
+            </a:avLst>
+          </a:prstGeom>
+        </p:spPr>
+        <p:style>
+          <a:lnRef idx="1">
+            <a:schemeClr val="accent4"/>
+          </a:lnRef>
+          <a:fillRef idx="2">
+            <a:schemeClr val="accent4"/>
+          </a:fillRef>
+          <a:effectRef idx="1">
+            <a:schemeClr val="accent4"/>
+          </a:effectRef>
+          <a:fontRef idx="minor">
+            <a:schemeClr val="dk1"/>
+          </a:fontRef>
+        </p:style>
+        <p:txBody>
+          <a:bodyPr rtlCol="0" anchor="ctr"/>
+          <a:lstStyle/>
+          <a:p>
+            <a:r>
+              <a:rPr lang="zh-CN" altLang="en-US" sz="1400" dirty="0" smtClean="0"/>
+              <a:t>使用</a:t>
+            </a:r>
+            <a:r>
+              <a:rPr lang="en-US" altLang="zh-CN" sz="1400" dirty="0" smtClean="0"/>
+              <a:t>CSS </a:t>
+            </a:r>
+            <a:r>
+              <a:rPr lang="zh-CN" altLang="en-US" sz="1400" dirty="0" smtClean="0"/>
+              <a:t>平铺，降低图片尺寸</a:t>
+            </a:r>
+            <a:endParaRPr lang="zh-CN" altLang="en-US" sz="1400" dirty="0"/>
+          </a:p>
+        </p:txBody>
+      </p:sp>
+      <p:sp>
+        <p:nvSpPr>
+          <p:cNvPr id="20" name="线形标注 1(带边框和强调线) 19"/>
+          <p:cNvSpPr/>
+          <p:nvPr/>
+        </p:nvSpPr>
+        <p:spPr>
+          <a:xfrm>
+            <a:off x="2392735" y="4844008"/>
+            <a:ext cx="4843560" cy="288032"/>
+          </a:xfrm>
+          <a:prstGeom prst="accentBorderCallout1">
+            <a:avLst>
+              <a:gd name="adj1" fmla="val 41898"/>
+              <a:gd name="adj2" fmla="val -2237"/>
+              <a:gd name="adj3" fmla="val 46362"/>
+              <a:gd name="adj4" fmla="val -12854"/>
+            </a:avLst>
+          </a:prstGeom>
+        </p:spPr>
+        <p:style>
+          <a:lnRef idx="1">
+            <a:schemeClr val="accent6"/>
+          </a:lnRef>
+          <a:fillRef idx="2">
+            <a:schemeClr val="accent6"/>
+          </a:fillRef>
+          <a:effectRef idx="1">
+            <a:schemeClr val="accent6"/>
+          </a:effectRef>
+          <a:fontRef idx="minor">
+            <a:schemeClr val="dk1"/>
+          </a:fontRef>
+        </p:style>
+        <p:txBody>
+          <a:bodyPr rtlCol="0" anchor="ctr"/>
+          <a:lstStyle/>
+          <a:p>
+            <a:r>
+              <a:rPr lang="zh-CN" altLang="en-US" sz="1400" dirty="0" smtClean="0"/>
+              <a:t>合理选择图片格式和清晰度，降低图片大小</a:t>
+            </a:r>
+            <a:endParaRPr lang="zh-CN" altLang="en-US" sz="1400" dirty="0"/>
+          </a:p>
+        </p:txBody>
+      </p:sp>
+      <p:sp>
+        <p:nvSpPr>
+          <p:cNvPr id="21" name="流程图: 可选过程 20"/>
+          <p:cNvSpPr/>
+          <p:nvPr/>
+        </p:nvSpPr>
+        <p:spPr>
+          <a:xfrm>
+            <a:off x="406946" y="4132340"/>
+            <a:ext cx="1212726" cy="510924"/>
+          </a:xfrm>
+          <a:prstGeom prst="flowChartAlternateProcess">
+            <a:avLst/>
+          </a:prstGeom>
+        </p:spPr>
+        <p:style>
+          <a:lnRef idx="3">
+            <a:schemeClr val="lt1"/>
+          </a:lnRef>
+          <a:fillRef idx="1">
+            <a:schemeClr val="accent3"/>
+          </a:fillRef>
+          <a:effectRef idx="1">
+            <a:schemeClr val="accent3"/>
+          </a:effectRef>
+          <a:fontRef idx="minor">
+            <a:schemeClr val="lt1"/>
+          </a:fontRef>
+        </p:style>
+        <p:txBody>
+          <a:bodyPr rtlCol="0" anchor="ctr"/>
+          <a:lstStyle/>
+          <a:p>
+            <a:pPr algn="ctr"/>
+            <a:r>
+              <a:rPr lang="en-US" altLang="zh-CN" dirty="0" smtClean="0"/>
+              <a:t>Image</a:t>
+            </a:r>
+            <a:endParaRPr lang="zh-CN" altLang="en-US" dirty="0"/>
+          </a:p>
+        </p:txBody>
+      </p:sp>
+      <p:sp>
+        <p:nvSpPr>
+          <p:cNvPr id="22" name="线形标注 1(带边框和强调线) 21"/>
+          <p:cNvSpPr/>
+          <p:nvPr/>
+        </p:nvSpPr>
+        <p:spPr>
+          <a:xfrm>
+            <a:off x="2421284" y="5301208"/>
+            <a:ext cx="4815011" cy="288032"/>
+          </a:xfrm>
+          <a:prstGeom prst="accentBorderCallout1">
+            <a:avLst>
+              <a:gd name="adj1" fmla="val 51819"/>
+              <a:gd name="adj2" fmla="val -2664"/>
+              <a:gd name="adj3" fmla="val 56283"/>
+              <a:gd name="adj4" fmla="val -13174"/>
+            </a:avLst>
+          </a:prstGeom>
+        </p:spPr>
+        <p:style>
+          <a:lnRef idx="1">
+            <a:schemeClr val="accent5"/>
+          </a:lnRef>
+          <a:fillRef idx="2">
+            <a:schemeClr val="accent5"/>
+          </a:fillRef>
+          <a:effectRef idx="1">
+            <a:schemeClr val="accent5"/>
+          </a:effectRef>
+          <a:fontRef idx="minor">
+            <a:schemeClr val="dk1"/>
+          </a:fontRef>
+        </p:style>
+        <p:txBody>
+          <a:bodyPr rtlCol="0" anchor="ctr"/>
+          <a:lstStyle/>
+          <a:p>
+            <a:r>
+              <a:rPr lang="zh-CN" altLang="en-US" sz="1400" dirty="0" smtClean="0"/>
+              <a:t>语言层面优化：变量作用域</a:t>
+            </a:r>
+            <a:r>
+              <a:rPr lang="zh-CN" altLang="en-US" sz="1400" dirty="0"/>
+              <a:t>，函数作用域链，</a:t>
+            </a:r>
+            <a:r>
+              <a:rPr lang="zh-CN" altLang="en-US" sz="1400" dirty="0" smtClean="0"/>
+              <a:t>闭包等等</a:t>
+            </a:r>
+            <a:endParaRPr lang="en-US" altLang="zh-CN" sz="1400" dirty="0"/>
+          </a:p>
+        </p:txBody>
+      </p:sp>
+      <p:sp>
+        <p:nvSpPr>
+          <p:cNvPr id="23" name="左大括号 22"/>
+          <p:cNvSpPr/>
+          <p:nvPr/>
+        </p:nvSpPr>
+        <p:spPr>
+          <a:xfrm>
+            <a:off x="1619672" y="5462392"/>
+            <a:ext cx="216024" cy="1143716"/>
+          </a:xfrm>
+          <a:prstGeom prst="leftBrace">
+            <a:avLst/>
+          </a:prstGeom>
+        </p:spPr>
+        <p:style>
+          <a:lnRef idx="1">
+            <a:schemeClr val="accent1"/>
+          </a:lnRef>
+          <a:fillRef idx="0">
+            <a:schemeClr val="accent1"/>
+          </a:fillRef>
+          <a:effectRef idx="0">
+            <a:schemeClr val="accent1"/>
+          </a:effectRef>
+          <a:fontRef idx="minor">
+            <a:schemeClr val="tx1"/>
+          </a:fontRef>
+        </p:style>
+        <p:txBody>
+          <a:bodyPr rtlCol="0" anchor="ctr"/>
+          <a:lstStyle/>
+          <a:p>
+            <a:pPr algn="ctr"/>
+            <a:endParaRPr lang="zh-CN" altLang="en-US"/>
+          </a:p>
+        </p:txBody>
+      </p:sp>
+      <p:sp>
+        <p:nvSpPr>
+          <p:cNvPr id="24" name="线形标注 1(带边框和强调线) 23"/>
+          <p:cNvSpPr/>
+          <p:nvPr/>
+        </p:nvSpPr>
+        <p:spPr>
+          <a:xfrm>
+            <a:off x="2411761" y="5892143"/>
+            <a:ext cx="4824535" cy="288032"/>
+          </a:xfrm>
+          <a:prstGeom prst="accentBorderCallout1">
+            <a:avLst>
+              <a:gd name="adj1" fmla="val 41898"/>
+              <a:gd name="adj2" fmla="val -2608"/>
+              <a:gd name="adj3" fmla="val 46362"/>
+              <a:gd name="adj4" fmla="val -14177"/>
+            </a:avLst>
+          </a:prstGeom>
+        </p:spPr>
+        <p:style>
+          <a:lnRef idx="1">
+            <a:schemeClr val="accent4"/>
+          </a:lnRef>
+          <a:fillRef idx="2">
+            <a:schemeClr val="accent4"/>
+          </a:fillRef>
+          <a:effectRef idx="1">
+            <a:schemeClr val="accent4"/>
+          </a:effectRef>
+          <a:fontRef idx="minor">
+            <a:schemeClr val="dk1"/>
+          </a:fontRef>
+        </p:style>
+        <p:txBody>
+          <a:bodyPr rtlCol="0" anchor="ctr"/>
+          <a:lstStyle/>
+          <a:p>
+            <a:r>
+              <a:rPr lang="zh-CN" altLang="en-US" sz="1400" smtClean="0"/>
+              <a:t>结构优化：模块化，</a:t>
+            </a:r>
+            <a:endParaRPr lang="zh-CN" altLang="en-US" sz="1400" dirty="0"/>
+          </a:p>
+        </p:txBody>
+      </p:sp>
+      <p:sp>
+        <p:nvSpPr>
+          <p:cNvPr id="25" name="线形标注 1(带边框和强调线) 24"/>
+          <p:cNvSpPr/>
+          <p:nvPr/>
+        </p:nvSpPr>
+        <p:spPr>
+          <a:xfrm>
+            <a:off x="2392735" y="6462092"/>
+            <a:ext cx="4843560" cy="288032"/>
+          </a:xfrm>
+          <a:prstGeom prst="accentBorderCallout1">
+            <a:avLst>
+              <a:gd name="adj1" fmla="val 41898"/>
+              <a:gd name="adj2" fmla="val -2237"/>
+              <a:gd name="adj3" fmla="val 46362"/>
+              <a:gd name="adj4" fmla="val -12854"/>
+            </a:avLst>
+          </a:prstGeom>
+        </p:spPr>
+        <p:style>
+          <a:lnRef idx="1">
+            <a:schemeClr val="accent6"/>
+          </a:lnRef>
+          <a:fillRef idx="2">
+            <a:schemeClr val="accent6"/>
+          </a:fillRef>
+          <a:effectRef idx="1">
+            <a:schemeClr val="accent6"/>
+          </a:effectRef>
+          <a:fontRef idx="minor">
+            <a:schemeClr val="dk1"/>
+          </a:fontRef>
+        </p:style>
+        <p:txBody>
+          <a:bodyPr rtlCol="0" anchor="ctr"/>
+          <a:lstStyle/>
+          <a:p>
+            <a:r>
+              <a:rPr lang="zh-CN" altLang="en-US" sz="1400" dirty="0" smtClean="0"/>
+              <a:t>合理选择图片格式和清晰度，降低图片大小</a:t>
+            </a:r>
+            <a:endParaRPr lang="zh-CN" altLang="en-US" sz="1400" dirty="0"/>
+          </a:p>
+        </p:txBody>
+      </p:sp>
+      <p:sp>
+        <p:nvSpPr>
+          <p:cNvPr id="26" name="流程图: 可选过程 25"/>
+          <p:cNvSpPr/>
+          <p:nvPr/>
+        </p:nvSpPr>
+        <p:spPr>
+          <a:xfrm>
+            <a:off x="406946" y="5750424"/>
+            <a:ext cx="1212726" cy="510924"/>
+          </a:xfrm>
+          <a:prstGeom prst="flowChartAlternateProcess">
+            <a:avLst/>
+          </a:prstGeom>
+        </p:spPr>
+        <p:style>
+          <a:lnRef idx="3">
+            <a:schemeClr val="lt1"/>
+          </a:lnRef>
+          <a:fillRef idx="1">
+            <a:schemeClr val="accent3"/>
+          </a:fillRef>
+          <a:effectRef idx="1">
+            <a:schemeClr val="accent3"/>
+          </a:effectRef>
+          <a:fontRef idx="minor">
+            <a:schemeClr val="lt1"/>
+          </a:fontRef>
+        </p:style>
+        <p:txBody>
+          <a:bodyPr rtlCol="0" anchor="ctr"/>
+          <a:lstStyle/>
+          <a:p>
+            <a:pPr algn="ctr"/>
+            <a:r>
+              <a:rPr lang="en-US" altLang="zh-CN" dirty="0" err="1" smtClean="0"/>
+              <a:t>Javascript</a:t>
+            </a:r>
+            <a:endParaRPr lang="zh-CN" altLang="en-US" dirty="0"/>
+          </a:p>
+        </p:txBody>
+      </p:sp>
+    </p:spTree>
+    <p:extLst>
+      <p:ext uri="{BB962C8B-B14F-4D97-AF65-F5344CB8AC3E}">
+        <p14:creationId xmlns:p14="http://schemas.microsoft.com/office/powerpoint/2010/main" val="91801320"/>
+      </p:ext>
+    </p:extLst>
+  </p:cSld>
+  <p:clrMapOvr>
+    <a:masterClrMapping/>
+  </p:clrMapOvr>
+  <mc:AlternateContent xmlns:mc="http://schemas.openxmlformats.org/markup-compatibility/2006" xmlns:p14="http://schemas.microsoft.com/office/powerpoint/2010/main">
+    <mc:Choice Requires="p14">
+      <p:transition spd="slow" p14:dur="800">
+        <p:circle/>
+      </p:transition>
+    </mc:Choice>
+    <mc:Fallback xmlns="">
+      <p:transition spd="slow">
+        <p:circle/>
+      </p:transition>
+    </mc:Fallback>
+  </mc:AlternateContent>
+  <p:timing>
+    <p:tnLst>
+      <p:par>
+        <p:cTn id="1" dur="indefinite" restart="never" nodeType="tmRoot"/>
+      </p:par>
+    </p:tnLst>
+  </p:timing>
+</p:sld>
+</file>
+
+<file path=ppt/slides/slide11.xml><?xml version="1.0" encoding="utf-8"?>
 <p:sld xmlns:a="http://schemas.openxmlformats.org/drawingml/2006/main" xmlns:r="http://schemas.openxmlformats.org/officeDocument/2006/relationships" xmlns:p="http://schemas.openxmlformats.org/presentationml/2006/main">
   <p:cSld>
     <p:spTree>
@@ -10455,7 +11663,37 @@
                 <a:latin typeface="微软雅黑" pitchFamily="34" charset="-122"/>
                 <a:ea typeface="微软雅黑" pitchFamily="34" charset="-122"/>
               </a:rPr>
-              <a:t>一场对抗用户请求的战争，要求我们做到“少”、“近”、“小”</a:t>
+              <a:t>一场对抗用户请求的战争</a:t>
+            </a:r>
+            <a:r>
+              <a:rPr kumimoji="1" lang="en-US" altLang="zh-CN" sz="2400" kern="0" dirty="0" smtClean="0">
+                <a:latin typeface="微软雅黑" pitchFamily="34" charset="-122"/>
+                <a:ea typeface="微软雅黑" pitchFamily="34" charset="-122"/>
+              </a:rPr>
+              <a:t>, </a:t>
+            </a:r>
+            <a:r>
+              <a:rPr kumimoji="1" lang="zh-CN" altLang="en-US" sz="2400" kern="0" dirty="0" smtClean="0">
+                <a:latin typeface="微软雅黑" pitchFamily="34" charset="-122"/>
+                <a:ea typeface="微软雅黑" pitchFamily="34" charset="-122"/>
+              </a:rPr>
+              <a:t>我们的战术就是</a:t>
+            </a:r>
+            <a:r>
+              <a:rPr kumimoji="1" lang="zh-CN" altLang="en-US" sz="2400" b="0" i="0" u="none" strike="noStrike" kern="0" cap="none" spc="0" normalizeH="0" baseline="0" noProof="0" dirty="0" smtClean="0">
+                <a:ln>
+                  <a:noFill/>
+                </a:ln>
+                <a:solidFill>
+                  <a:schemeClr val="tx1"/>
+                </a:solidFill>
+                <a:effectLst/>
+                <a:uLnTx/>
+                <a:uFillTx/>
+                <a:latin typeface="微软雅黑" pitchFamily="34" charset="-122"/>
+                <a:ea typeface="微软雅黑" pitchFamily="34" charset="-122"/>
+              </a:rPr>
+              <a:t>做到“少”、近”、“小”</a:t>
             </a:r>
             <a:endParaRPr kumimoji="1" lang="zh-CN" altLang="en-US" sz="2400" b="0" i="0" u="none" strike="noStrike" kern="0" cap="none" spc="0" normalizeH="0" baseline="0" noProof="0" dirty="0">
               <a:ln>
@@ -10755,6 +11993,172 @@
             <a:endParaRPr lang="zh-CN" altLang="en-US" dirty="0">
               <a:solidFill>
                 <a:srgbClr val="00B050"/>
+              </a:solidFill>
+            </a:endParaRPr>
+          </a:p>
+        </p:txBody>
+      </p:sp>
+      <p:sp>
+        <p:nvSpPr>
+          <p:cNvPr id="7" name="线形标注 1(带强调线) 6"/>
+          <p:cNvSpPr/>
+          <p:nvPr/>
+        </p:nvSpPr>
+        <p:spPr>
+          <a:xfrm rot="5400000">
+            <a:off x="965874" y="4767381"/>
+            <a:ext cx="648072" cy="1715726"/>
+          </a:xfrm>
+          <a:prstGeom prst="accentCallout1">
+            <a:avLst>
+              <a:gd name="adj1" fmla="val 48813"/>
+              <a:gd name="adj2" fmla="val -8333"/>
+              <a:gd name="adj3" fmla="val 48767"/>
+              <a:gd name="adj4" fmla="val -68831"/>
+            </a:avLst>
+          </a:prstGeom>
+        </p:spPr>
+        <p:style>
+          <a:lnRef idx="2">
+            <a:schemeClr val="accent4">
+              <a:shade val="50000"/>
+            </a:schemeClr>
+          </a:lnRef>
+          <a:fillRef idx="1">
+            <a:schemeClr val="accent4"/>
+          </a:fillRef>
+          <a:effectRef idx="0">
+            <a:schemeClr val="accent4"/>
+          </a:effectRef>
+          <a:fontRef idx="minor">
+            <a:schemeClr val="lt1"/>
+          </a:fontRef>
+        </p:style>
+        <p:txBody>
+          <a:bodyPr rtlCol="0" anchor="ctr"/>
+          <a:lstStyle/>
+          <a:p>
+            <a:pPr algn="ctr"/>
+            <a:endParaRPr lang="zh-CN" altLang="en-US" dirty="0"/>
+          </a:p>
+        </p:txBody>
+      </p:sp>
+      <p:sp>
+        <p:nvSpPr>
+          <p:cNvPr id="9" name="TextBox 8"/>
+          <p:cNvSpPr txBox="1"/>
+          <p:nvPr/>
+        </p:nvSpPr>
+        <p:spPr>
+          <a:xfrm>
+            <a:off x="909117" y="5343599"/>
+            <a:ext cx="800219" cy="461665"/>
+          </a:xfrm>
+          <a:prstGeom prst="rect">
+            <a:avLst/>
+          </a:prstGeom>
+          <a:noFill/>
+        </p:spPr>
+        <p:txBody>
+          <a:bodyPr wrap="none" rtlCol="0">
+            <a:spAutoFit/>
+          </a:bodyPr>
+          <a:lstStyle/>
+          <a:p>
+            <a:r>
+              <a:rPr lang="zh-CN" altLang="en-US" sz="2400" dirty="0" smtClean="0">
+                <a:solidFill>
+                  <a:schemeClr val="bg1"/>
+                </a:solidFill>
+              </a:rPr>
+              <a:t>适度</a:t>
+            </a:r>
+            <a:endParaRPr lang="zh-CN" altLang="en-US" sz="2400" dirty="0">
+              <a:solidFill>
+                <a:schemeClr val="bg1"/>
+              </a:solidFill>
+            </a:endParaRPr>
+          </a:p>
+        </p:txBody>
+      </p:sp>
+      <p:sp>
+        <p:nvSpPr>
+          <p:cNvPr id="12" name="线形标注 1(带强调线) 11"/>
+          <p:cNvSpPr/>
+          <p:nvPr/>
+        </p:nvSpPr>
+        <p:spPr>
+          <a:xfrm rot="5400000">
+            <a:off x="7416316" y="3978560"/>
+            <a:ext cx="648071" cy="2016223"/>
+          </a:xfrm>
+          <a:prstGeom prst="accentCallout1">
+            <a:avLst>
+              <a:gd name="adj1" fmla="val 48813"/>
+              <a:gd name="adj2" fmla="val -8333"/>
+              <a:gd name="adj3" fmla="val 49239"/>
+              <a:gd name="adj4" fmla="val -107044"/>
+            </a:avLst>
+          </a:prstGeom>
+        </p:spPr>
+        <p:style>
+          <a:lnRef idx="2">
+            <a:schemeClr val="accent4">
+              <a:shade val="50000"/>
+            </a:schemeClr>
+          </a:lnRef>
+          <a:fillRef idx="1">
+            <a:schemeClr val="accent4"/>
+          </a:fillRef>
+          <a:effectRef idx="0">
+            <a:schemeClr val="accent4"/>
+          </a:effectRef>
+          <a:fontRef idx="minor">
+            <a:schemeClr val="lt1"/>
+          </a:fontRef>
+        </p:style>
+        <p:txBody>
+          <a:bodyPr rtlCol="0" anchor="ctr"/>
+          <a:lstStyle/>
+          <a:p>
+            <a:pPr algn="ctr"/>
+            <a:endParaRPr lang="zh-CN" altLang="en-US" dirty="0"/>
+          </a:p>
+        </p:txBody>
+      </p:sp>
+      <p:sp>
+        <p:nvSpPr>
+          <p:cNvPr id="13" name="TextBox 12"/>
+          <p:cNvSpPr txBox="1"/>
+          <p:nvPr/>
+        </p:nvSpPr>
+        <p:spPr>
+          <a:xfrm>
+            <a:off x="7044660" y="4710335"/>
+            <a:ext cx="1415772" cy="461665"/>
+          </a:xfrm>
+          <a:prstGeom prst="rect">
+            <a:avLst/>
+          </a:prstGeom>
+          <a:noFill/>
+        </p:spPr>
+        <p:txBody>
+          <a:bodyPr wrap="none" rtlCol="0">
+            <a:spAutoFit/>
+          </a:bodyPr>
+          <a:lstStyle/>
+          <a:p>
+            <a:r>
+              <a:rPr lang="zh-CN" altLang="en-US" sz="2400" dirty="0" smtClean="0">
+                <a:solidFill>
+                  <a:schemeClr val="bg1"/>
+                </a:solidFill>
+              </a:rPr>
+              <a:t>缓存更新</a:t>
+            </a:r>
+            <a:endParaRPr lang="zh-CN" altLang="en-US" sz="2400" dirty="0">
+              <a:solidFill>
+                <a:schemeClr val="bg1"/>
               </a:solidFill>
             </a:endParaRPr>
           </a:p>
@@ -11061,130 +12465,247 @@
                 <a:latin typeface="方正大黑简体" pitchFamily="2" charset="-122"/>
                 <a:ea typeface="方正大黑简体" pitchFamily="2" charset="-122"/>
               </a:rPr>
-              <a:t>致谢</a:t>
-            </a:r>
-          </a:p>
-        </p:txBody>
-      </p:sp>
-      <p:pic>
-        <p:nvPicPr>
-          <p:cNvPr id="8" name="Picture 7" descr="D:\Program Files\Microsoft Office\MEDIA\CAGCAT10\j0284916.jpg"/>
-          <p:cNvPicPr>
-            <a:picLocks noChangeAspect="1" noChangeArrowheads="1"/>
-          </p:cNvPicPr>
+              <a:t>用户端优化</a:t>
+            </a:r>
+          </a:p>
+        </p:txBody>
+      </p:sp>
+      <p:sp>
+        <p:nvSpPr>
+          <p:cNvPr id="2" name="椭圆 1"/>
+          <p:cNvSpPr/>
           <p:nvPr/>
-        </p:nvPicPr>
-        <p:blipFill>
-          <a:blip r:embed="rId2"/>
-          <a:srcRect/>
-          <a:stretch>
-            <a:fillRect/>
-          </a:stretch>
-        </p:blipFill>
-        <p:spPr bwMode="auto">
+        </p:nvSpPr>
+        <p:spPr>
           <a:xfrm>
-            <a:off x="4857752" y="2143116"/>
-            <a:ext cx="3888027" cy="2571768"/>
+            <a:off x="539552" y="1700808"/>
+            <a:ext cx="2790020" cy="2376264"/>
+          </a:xfrm>
+          <a:prstGeom prst="ellipse">
+            <a:avLst/>
+          </a:prstGeom>
+        </p:spPr>
+        <p:style>
+          <a:lnRef idx="3">
+            <a:schemeClr val="lt1"/>
+          </a:lnRef>
+          <a:fillRef idx="1">
+            <a:schemeClr val="accent1"/>
+          </a:fillRef>
+          <a:effectRef idx="1">
+            <a:schemeClr val="accent1"/>
+          </a:effectRef>
+          <a:fontRef idx="minor">
+            <a:schemeClr val="lt1"/>
+          </a:fontRef>
+        </p:style>
+        <p:txBody>
+          <a:bodyPr rtlCol="0" anchor="ctr"/>
+          <a:lstStyle/>
+          <a:p>
+            <a:pPr algn="ctr"/>
+            <a:r>
+              <a:rPr lang="zh-CN" altLang="en-US" sz="3600" b="1" dirty="0" smtClean="0"/>
+              <a:t>近</a:t>
+            </a:r>
+            <a:endParaRPr lang="en-US" altLang="zh-CN" b="1" dirty="0" smtClean="0"/>
+          </a:p>
+          <a:p>
+            <a:r>
+              <a:rPr lang="zh-CN" altLang="en-US" dirty="0" smtClean="0"/>
+              <a:t>目的：减距离</a:t>
+            </a:r>
+            <a:endParaRPr lang="en-US" altLang="zh-CN" dirty="0" smtClean="0"/>
+          </a:p>
+          <a:p>
+            <a:r>
+              <a:rPr lang="zh-CN" altLang="en-US" dirty="0" smtClean="0"/>
+              <a:t>实现：代理</a:t>
+            </a:r>
+            <a:r>
+              <a:rPr lang="en-US" altLang="zh-CN" dirty="0" smtClean="0"/>
+              <a:t>+CDN</a:t>
+            </a:r>
+            <a:endParaRPr lang="zh-CN" altLang="en-US" dirty="0"/>
+          </a:p>
+        </p:txBody>
+      </p:sp>
+      <p:sp>
+        <p:nvSpPr>
+          <p:cNvPr id="7" name="线形标注 1(带强调线) 6"/>
+          <p:cNvSpPr/>
+          <p:nvPr/>
+        </p:nvSpPr>
+        <p:spPr>
+          <a:xfrm rot="5400000">
+            <a:off x="1610526" y="4314137"/>
+            <a:ext cx="648072" cy="1715726"/>
+          </a:xfrm>
+          <a:prstGeom prst="accentCallout1">
+            <a:avLst>
+              <a:gd name="adj1" fmla="val 48813"/>
+              <a:gd name="adj2" fmla="val -8333"/>
+              <a:gd name="adj3" fmla="val 48212"/>
+              <a:gd name="adj4" fmla="val -114393"/>
+            </a:avLst>
+          </a:prstGeom>
+        </p:spPr>
+        <p:style>
+          <a:lnRef idx="2">
+            <a:schemeClr val="accent4">
+              <a:shade val="50000"/>
+            </a:schemeClr>
+          </a:lnRef>
+          <a:fillRef idx="1">
+            <a:schemeClr val="accent4"/>
+          </a:fillRef>
+          <a:effectRef idx="0">
+            <a:schemeClr val="accent4"/>
+          </a:effectRef>
+          <a:fontRef idx="minor">
+            <a:schemeClr val="lt1"/>
+          </a:fontRef>
+        </p:style>
+        <p:txBody>
+          <a:bodyPr rtlCol="0" anchor="ctr"/>
+          <a:lstStyle/>
+          <a:p>
+            <a:pPr algn="ctr"/>
+            <a:endParaRPr lang="zh-CN" altLang="en-US" dirty="0"/>
+          </a:p>
+        </p:txBody>
+      </p:sp>
+      <p:sp>
+        <p:nvSpPr>
+          <p:cNvPr id="9" name="TextBox 8"/>
+          <p:cNvSpPr txBox="1"/>
+          <p:nvPr/>
+        </p:nvSpPr>
+        <p:spPr>
+          <a:xfrm>
+            <a:off x="1534452" y="4941167"/>
+            <a:ext cx="800219" cy="461665"/>
           </a:xfrm>
           <a:prstGeom prst="rect">
             <a:avLst/>
           </a:prstGeom>
           <a:noFill/>
         </p:spPr>
-      </p:pic>
-      <p:sp>
-        <p:nvSpPr>
-          <p:cNvPr id="9" name="内容占位符 2"/>
-          <p:cNvSpPr txBox="1">
-            <a:spLocks/>
-          </p:cNvSpPr>
+        <p:txBody>
+          <a:bodyPr wrap="none" rtlCol="0">
+            <a:spAutoFit/>
+          </a:bodyPr>
+          <a:lstStyle/>
+          <a:p>
+            <a:r>
+              <a:rPr lang="zh-CN" altLang="en-US" sz="2400" dirty="0">
+                <a:solidFill>
+                  <a:schemeClr val="bg1"/>
+                </a:solidFill>
+              </a:rPr>
+              <a:t>成本</a:t>
+            </a:r>
+          </a:p>
+        </p:txBody>
+      </p:sp>
+      <p:sp>
+        <p:nvSpPr>
+          <p:cNvPr id="13" name="TextBox 12"/>
+          <p:cNvSpPr txBox="1"/>
           <p:nvPr/>
         </p:nvSpPr>
-        <p:spPr bwMode="auto">
+        <p:spPr>
           <a:xfrm>
-            <a:off x="-36512" y="3286124"/>
-            <a:ext cx="8424863" cy="1428760"/>
+            <a:off x="7044660" y="4710335"/>
+            <a:ext cx="1415772" cy="461665"/>
           </a:xfrm>
           <a:prstGeom prst="rect">
             <a:avLst/>
           </a:prstGeom>
           <a:noFill/>
-          <a:ln w="9525">
-            <a:noFill/>
-            <a:miter lim="800000"/>
-            <a:headEnd/>
-            <a:tailEnd/>
-          </a:ln>
-          <a:effectLst/>
         </p:spPr>
         <p:txBody>
-          <a:bodyPr vert="horz" wrap="square" lIns="91440" tIns="45720" rIns="91440" bIns="45720" numCol="1" anchor="t" anchorCtr="0" compatLnSpc="1">
-            <a:prstTxWarp prst="textNoShape">
-              <a:avLst/>
-            </a:prstTxWarp>
+          <a:bodyPr wrap="none" rtlCol="0">
+            <a:spAutoFit/>
           </a:bodyPr>
           <a:lstStyle/>
           <a:p>
-            <a:pPr marL="342900" marR="0" lvl="0" indent="-342900" algn="l" defTabSz="914400" rtl="0" eaLnBrk="1" fontAlgn="base" latinLnBrk="0" hangingPunct="1">
-              <a:lnSpc>
-                <a:spcPct val="100000"/>
-              </a:lnSpc>
-              <a:spcBef>
-                <a:spcPct val="20000"/>
-              </a:spcBef>
-              <a:spcAft>
-                <a:spcPct val="0"/>
-              </a:spcAft>
-              <a:buClrTx/>
-              <a:buSzTx/>
-              <a:buFontTx/>
-              <a:buChar char="•"/>
-              <a:tabLst/>
-              <a:defRPr/>
-            </a:pPr>
-            <a:r>
-              <a:rPr kumimoji="1" lang="zh-CN" altLang="en-US" sz="3600" kern="0" dirty="0">
-                <a:latin typeface="微软雅黑" pitchFamily="34" charset="-122"/>
-                <a:ea typeface="微软雅黑" pitchFamily="34" charset="-122"/>
+            <a:r>
+              <a:rPr lang="zh-CN" altLang="en-US" sz="2400" dirty="0" smtClean="0">
+                <a:solidFill>
+                  <a:schemeClr val="bg1"/>
+                </a:solidFill>
               </a:rPr>
-              <a:t>感谢聆听，</a:t>
-            </a:r>
-            <a:r>
-              <a:rPr kumimoji="1" lang="zh-CN" altLang="en-US" sz="3600" b="0" i="0" u="none" strike="noStrike" kern="0" cap="none" spc="0" normalizeH="0" baseline="0" noProof="0" dirty="0" smtClean="0">
-                <a:ln>
-                  <a:noFill/>
-                </a:ln>
-                <a:solidFill>
-                  <a:schemeClr val="tx1"/>
-                </a:solidFill>
-                <a:effectLst/>
-                <a:uLnTx/>
-                <a:uFillTx/>
-                <a:latin typeface="微软雅黑" pitchFamily="34" charset="-122"/>
-                <a:ea typeface="微软雅黑" pitchFamily="34" charset="-122"/>
-              </a:rPr>
-              <a:t>讨论交流！</a:t>
-            </a:r>
-            <a:endParaRPr kumimoji="1" lang="zh-CN" altLang="en-US" sz="2800" b="0" i="0" u="none" strike="noStrike" kern="0" cap="none" spc="0" normalizeH="0" baseline="0" noProof="0" dirty="0">
-              <a:ln>
-                <a:noFill/>
-              </a:ln>
+              <a:t>缓存更新</a:t>
+            </a:r>
+            <a:endParaRPr lang="zh-CN" altLang="en-US" sz="2400" dirty="0">
               <a:solidFill>
-                <a:schemeClr val="tx1"/>
+                <a:schemeClr val="bg1"/>
               </a:solidFill>
-              <a:effectLst/>
-              <a:uLnTx/>
-              <a:uFillTx/>
-              <a:latin typeface="微软雅黑" pitchFamily="34" charset="-122"/>
-              <a:ea typeface="微软雅黑" pitchFamily="34" charset="-122"/>
             </a:endParaRPr>
+          </a:p>
+        </p:txBody>
+      </p:sp>
+      <p:sp>
+        <p:nvSpPr>
+          <p:cNvPr id="14" name="椭圆 13"/>
+          <p:cNvSpPr/>
+          <p:nvPr/>
+        </p:nvSpPr>
+        <p:spPr>
+          <a:xfrm>
+            <a:off x="4962526" y="1630896"/>
+            <a:ext cx="2790020" cy="2376264"/>
+          </a:xfrm>
+          <a:prstGeom prst="ellipse">
+            <a:avLst/>
+          </a:prstGeom>
+        </p:spPr>
+        <p:style>
+          <a:lnRef idx="3">
+            <a:schemeClr val="lt1"/>
+          </a:lnRef>
+          <a:fillRef idx="1">
+            <a:schemeClr val="accent1"/>
+          </a:fillRef>
+          <a:effectRef idx="1">
+            <a:schemeClr val="accent1"/>
+          </a:effectRef>
+          <a:fontRef idx="minor">
+            <a:schemeClr val="lt1"/>
+          </a:fontRef>
+        </p:style>
+        <p:txBody>
+          <a:bodyPr rtlCol="0" anchor="ctr"/>
+          <a:lstStyle/>
+          <a:p>
+            <a:pPr algn="ctr"/>
+            <a:r>
+              <a:rPr lang="zh-CN" altLang="en-US" sz="3600" b="1" dirty="0" smtClean="0"/>
+              <a:t>小</a:t>
+            </a:r>
+            <a:endParaRPr lang="en-US" altLang="zh-CN" b="1" dirty="0" smtClean="0"/>
+          </a:p>
+          <a:p>
+            <a:r>
+              <a:rPr lang="zh-CN" altLang="en-US" dirty="0" smtClean="0"/>
+              <a:t>目的：降体积</a:t>
+            </a:r>
+            <a:endParaRPr lang="en-US" altLang="zh-CN" dirty="0" smtClean="0"/>
+          </a:p>
+          <a:p>
+            <a:r>
+              <a:rPr lang="zh-CN" altLang="en-US" dirty="0" smtClean="0"/>
+              <a:t>实现：压缩</a:t>
+            </a:r>
+            <a:endParaRPr lang="zh-CN" altLang="en-US" dirty="0"/>
           </a:p>
         </p:txBody>
       </p:sp>
     </p:spTree>
     <p:extLst>
       <p:ext uri="{BB962C8B-B14F-4D97-AF65-F5344CB8AC3E}">
-        <p14:creationId xmlns:p14="http://schemas.microsoft.com/office/powerpoint/2010/main" val="3072570691"/>
+        <p14:creationId xmlns:p14="http://schemas.microsoft.com/office/powerpoint/2010/main" val="1894262755"/>
       </p:ext>
     </p:extLst>
   </p:cSld>
@@ -11377,890 +12898,137 @@
           <a:p>
             <a:pPr algn="l"/>
             <a:r>
-              <a:rPr lang="zh-CN" altLang="en-US" dirty="0" smtClean="0">
+              <a:rPr lang="zh-CN" altLang="en-US" dirty="0">
                 <a:solidFill>
                   <a:schemeClr val="bg1"/>
                 </a:solidFill>
                 <a:latin typeface="方正大黑简体" pitchFamily="2" charset="-122"/>
                 <a:ea typeface="方正大黑简体" pitchFamily="2" charset="-122"/>
               </a:rPr>
-              <a:t>开发端优化</a:t>
-            </a:r>
-            <a:endParaRPr lang="zh-CN" altLang="en-US" dirty="0">
-              <a:solidFill>
-                <a:schemeClr val="bg1"/>
-              </a:solidFill>
-              <a:latin typeface="方正大黑简体" pitchFamily="2" charset="-122"/>
-              <a:ea typeface="方正大黑简体" pitchFamily="2" charset="-122"/>
-            </a:endParaRPr>
-          </a:p>
-        </p:txBody>
-      </p:sp>
-      <p:sp>
-        <p:nvSpPr>
-          <p:cNvPr id="2" name="TextBox 1"/>
-          <p:cNvSpPr txBox="1"/>
+              <a:t>致谢</a:t>
+            </a:r>
+          </a:p>
+        </p:txBody>
+      </p:sp>
+      <p:pic>
+        <p:nvPicPr>
+          <p:cNvPr id="8" name="Picture 7" descr="D:\Program Files\Microsoft Office\MEDIA\CAGCAT10\j0284916.jpg"/>
+          <p:cNvPicPr>
+            <a:picLocks noChangeAspect="1" noChangeArrowheads="1"/>
+          </p:cNvPicPr>
           <p:nvPr/>
-        </p:nvSpPr>
-        <p:spPr>
+        </p:nvPicPr>
+        <p:blipFill>
+          <a:blip r:embed="rId2"/>
+          <a:srcRect/>
+          <a:stretch>
+            <a:fillRect/>
+          </a:stretch>
+        </p:blipFill>
+        <p:spPr bwMode="auto">
           <a:xfrm>
-            <a:off x="0" y="1043737"/>
-            <a:ext cx="9144000" cy="369332"/>
+            <a:off x="4857752" y="2143116"/>
+            <a:ext cx="3888027" cy="2571768"/>
           </a:xfrm>
           <a:prstGeom prst="rect">
             <a:avLst/>
           </a:prstGeom>
+          <a:noFill/>
         </p:spPr>
-        <p:style>
-          <a:lnRef idx="1">
-            <a:schemeClr val="accent5"/>
-          </a:lnRef>
-          <a:fillRef idx="2">
-            <a:schemeClr val="accent5"/>
-          </a:fillRef>
-          <a:effectRef idx="1">
-            <a:schemeClr val="accent5"/>
-          </a:effectRef>
-          <a:fontRef idx="minor">
-            <a:schemeClr val="dk1"/>
-          </a:fontRef>
-        </p:style>
-        <p:txBody>
-          <a:bodyPr wrap="square" rtlCol="0">
-            <a:spAutoFit/>
+      </p:pic>
+      <p:sp>
+        <p:nvSpPr>
+          <p:cNvPr id="9" name="内容占位符 2"/>
+          <p:cNvSpPr txBox="1">
+            <a:spLocks/>
+          </p:cNvSpPr>
+          <p:nvPr/>
+        </p:nvSpPr>
+        <p:spPr bwMode="auto">
+          <a:xfrm>
+            <a:off x="-36512" y="3286124"/>
+            <a:ext cx="8424863" cy="1428760"/>
+          </a:xfrm>
+          <a:prstGeom prst="rect">
+            <a:avLst/>
+          </a:prstGeom>
+          <a:noFill/>
+          <a:ln w="9525">
+            <a:noFill/>
+            <a:miter lim="800000"/>
+            <a:headEnd/>
+            <a:tailEnd/>
+          </a:ln>
+          <a:effectLst/>
+        </p:spPr>
+        <p:txBody>
+          <a:bodyPr vert="horz" wrap="square" lIns="91440" tIns="45720" rIns="91440" bIns="45720" numCol="1" anchor="t" anchorCtr="0" compatLnSpc="1">
+            <a:prstTxWarp prst="textNoShape">
+              <a:avLst/>
+            </a:prstTxWarp>
           </a:bodyPr>
           <a:lstStyle/>
           <a:p>
-            <a:r>
-              <a:rPr lang="zh-CN" altLang="en-US" dirty="0"/>
-              <a:t>主要</a:t>
-            </a:r>
-            <a:r>
-              <a:rPr lang="zh-CN" altLang="en-US" dirty="0" smtClean="0"/>
-              <a:t>目的：优化资源体积，提高</a:t>
-            </a:r>
-            <a:r>
-              <a:rPr lang="zh-CN" altLang="en-US" dirty="0"/>
-              <a:t>运行</a:t>
-            </a:r>
-            <a:r>
-              <a:rPr lang="zh-CN" altLang="en-US" dirty="0" smtClean="0"/>
-              <a:t>效率，</a:t>
-            </a:r>
-            <a:r>
-              <a:rPr lang="zh-CN" altLang="en-US" dirty="0"/>
-              <a:t>降低维护难度</a:t>
-            </a:r>
-          </a:p>
-        </p:txBody>
-      </p:sp>
-      <p:sp>
-        <p:nvSpPr>
-          <p:cNvPr id="10" name="线形标注 1(带边框和强调线) 9"/>
-          <p:cNvSpPr/>
-          <p:nvPr/>
-        </p:nvSpPr>
-        <p:spPr>
-          <a:xfrm>
-            <a:off x="2421284" y="1594892"/>
-            <a:ext cx="4815011" cy="288032"/>
-          </a:xfrm>
-          <a:prstGeom prst="accentBorderCallout1">
-            <a:avLst>
-              <a:gd name="adj1" fmla="val 51819"/>
-              <a:gd name="adj2" fmla="val -2664"/>
-              <a:gd name="adj3" fmla="val 56283"/>
-              <a:gd name="adj4" fmla="val -13174"/>
-            </a:avLst>
-          </a:prstGeom>
-        </p:spPr>
-        <p:style>
-          <a:lnRef idx="1">
-            <a:schemeClr val="accent5"/>
-          </a:lnRef>
-          <a:fillRef idx="2">
-            <a:schemeClr val="accent5"/>
-          </a:fillRef>
-          <a:effectRef idx="1">
-            <a:schemeClr val="accent5"/>
-          </a:effectRef>
-          <a:fontRef idx="minor">
-            <a:schemeClr val="dk1"/>
-          </a:fontRef>
-        </p:style>
-        <p:txBody>
-          <a:bodyPr rtlCol="0" anchor="ctr"/>
-          <a:lstStyle/>
-          <a:p>
-            <a:r>
-              <a:rPr lang="zh-CN" altLang="en-US" sz="1400" dirty="0"/>
-              <a:t>合写</a:t>
-            </a:r>
-            <a:r>
-              <a:rPr lang="en-US" altLang="zh-CN" sz="1400" dirty="0" smtClean="0"/>
-              <a:t>CSS:   </a:t>
-            </a:r>
-            <a:r>
-              <a:rPr lang="zh-CN" altLang="en-US" sz="1400" dirty="0" smtClean="0"/>
-              <a:t>如</a:t>
-            </a:r>
-            <a:r>
-              <a:rPr lang="en-US" altLang="zh-CN" sz="1400" dirty="0" smtClean="0"/>
-              <a:t>background</a:t>
-            </a:r>
-            <a:r>
-              <a:rPr lang="zh-CN" altLang="en-US" sz="1400" dirty="0" smtClean="0"/>
-              <a:t>，</a:t>
-            </a:r>
-            <a:r>
-              <a:rPr lang="en-US" altLang="zh-CN" sz="1400" dirty="0" smtClean="0"/>
-              <a:t>font</a:t>
-            </a:r>
-            <a:r>
-              <a:rPr lang="zh-CN" altLang="en-US" sz="1400" dirty="0" smtClean="0"/>
-              <a:t>，</a:t>
-            </a:r>
-            <a:r>
-              <a:rPr lang="en-US" altLang="zh-CN" sz="1400" dirty="0" smtClean="0"/>
-              <a:t>margin/padding</a:t>
-            </a:r>
-            <a:r>
-              <a:rPr lang="zh-CN" altLang="en-US" sz="1400" dirty="0" smtClean="0"/>
-              <a:t>，</a:t>
-            </a:r>
-            <a:r>
-              <a:rPr lang="en-US" altLang="zh-CN" sz="1400" dirty="0"/>
-              <a:t>border</a:t>
-            </a:r>
-            <a:endParaRPr lang="en-US" altLang="zh-CN" sz="1400" dirty="0"/>
-          </a:p>
-        </p:txBody>
-      </p:sp>
-      <p:sp>
-        <p:nvSpPr>
-          <p:cNvPr id="11" name="左大括号 10"/>
-          <p:cNvSpPr/>
-          <p:nvPr/>
-        </p:nvSpPr>
-        <p:spPr>
-          <a:xfrm>
-            <a:off x="1619672" y="1756073"/>
-            <a:ext cx="216024" cy="1600919"/>
-          </a:xfrm>
-          <a:prstGeom prst="leftBrace">
-            <a:avLst/>
-          </a:prstGeom>
-        </p:spPr>
-        <p:style>
-          <a:lnRef idx="1">
-            <a:schemeClr val="accent1"/>
-          </a:lnRef>
-          <a:fillRef idx="0">
-            <a:schemeClr val="accent1"/>
-          </a:fillRef>
-          <a:effectRef idx="0">
-            <a:schemeClr val="accent1"/>
-          </a:effectRef>
-          <a:fontRef idx="minor">
-            <a:schemeClr val="tx1"/>
-          </a:fontRef>
-        </p:style>
-        <p:txBody>
-          <a:bodyPr rtlCol="0" anchor="ctr"/>
-          <a:lstStyle/>
-          <a:p>
-            <a:pPr algn="ctr"/>
-            <a:endParaRPr lang="zh-CN" altLang="en-US"/>
-          </a:p>
-        </p:txBody>
-      </p:sp>
-      <p:sp>
-        <p:nvSpPr>
-          <p:cNvPr id="12" name="线形标注 1(带边框和强调线) 11"/>
-          <p:cNvSpPr/>
-          <p:nvPr/>
-        </p:nvSpPr>
-        <p:spPr>
-          <a:xfrm>
-            <a:off x="2411759" y="2119152"/>
-            <a:ext cx="4824535" cy="288032"/>
-          </a:xfrm>
-          <a:prstGeom prst="accentBorderCallout1">
-            <a:avLst>
-              <a:gd name="adj1" fmla="val 41898"/>
-              <a:gd name="adj2" fmla="val -2608"/>
-              <a:gd name="adj3" fmla="val 46362"/>
-              <a:gd name="adj4" fmla="val -14177"/>
-            </a:avLst>
-          </a:prstGeom>
-        </p:spPr>
-        <p:style>
-          <a:lnRef idx="1">
-            <a:schemeClr val="accent5"/>
-          </a:lnRef>
-          <a:fillRef idx="2">
-            <a:schemeClr val="accent5"/>
-          </a:fillRef>
-          <a:effectRef idx="1">
-            <a:schemeClr val="accent5"/>
-          </a:effectRef>
-          <a:fontRef idx="minor">
-            <a:schemeClr val="dk1"/>
-          </a:fontRef>
-        </p:style>
-        <p:txBody>
-          <a:bodyPr rtlCol="0" anchor="ctr"/>
-          <a:lstStyle/>
-          <a:p>
-            <a:r>
-              <a:rPr lang="zh-CN" altLang="en-US" sz="1400" dirty="0"/>
-              <a:t>利用</a:t>
-            </a:r>
-            <a:r>
-              <a:rPr lang="zh-CN" altLang="en-US" sz="1400" dirty="0" smtClean="0"/>
-              <a:t>继承</a:t>
-            </a:r>
-            <a:r>
-              <a:rPr lang="en-US" altLang="zh-CN" sz="1400" dirty="0" smtClean="0"/>
-              <a:t>:  </a:t>
-            </a:r>
-            <a:r>
-              <a:rPr lang="zh-CN" altLang="en-US" sz="1400" dirty="0" smtClean="0"/>
-              <a:t>把可共用的样式设置在父级元素上</a:t>
-            </a:r>
-            <a:endParaRPr lang="zh-CN" altLang="en-US" sz="1400" dirty="0"/>
-          </a:p>
-        </p:txBody>
-      </p:sp>
-      <p:sp>
-        <p:nvSpPr>
-          <p:cNvPr id="13" name="线形标注 1(带边框和强调线) 12"/>
-          <p:cNvSpPr/>
-          <p:nvPr/>
-        </p:nvSpPr>
-        <p:spPr>
-          <a:xfrm>
-            <a:off x="2392734" y="2677716"/>
-            <a:ext cx="4843559" cy="288032"/>
-          </a:xfrm>
-          <a:prstGeom prst="accentBorderCallout1">
-            <a:avLst>
-              <a:gd name="adj1" fmla="val 45205"/>
-              <a:gd name="adj2" fmla="val -2040"/>
-              <a:gd name="adj3" fmla="val 46362"/>
-              <a:gd name="adj4" fmla="val -13375"/>
-            </a:avLst>
-          </a:prstGeom>
-        </p:spPr>
-        <p:style>
-          <a:lnRef idx="1">
-            <a:schemeClr val="accent4"/>
-          </a:lnRef>
-          <a:fillRef idx="2">
-            <a:schemeClr val="accent4"/>
-          </a:fillRef>
-          <a:effectRef idx="1">
-            <a:schemeClr val="accent4"/>
-          </a:effectRef>
-          <a:fontRef idx="minor">
-            <a:schemeClr val="dk1"/>
-          </a:fontRef>
-        </p:style>
-        <p:txBody>
-          <a:bodyPr rtlCol="0" anchor="ctr"/>
-          <a:lstStyle/>
-          <a:p>
-            <a:r>
-              <a:rPr lang="zh-CN" altLang="en-US" sz="1400" dirty="0"/>
-              <a:t>移除多余的结构</a:t>
-            </a:r>
-            <a:r>
-              <a:rPr lang="en-US" altLang="zh-CN" sz="1400" dirty="0"/>
-              <a:t>(frameworks)</a:t>
-            </a:r>
-            <a:r>
-              <a:rPr lang="zh-CN" altLang="en-US" sz="1400" dirty="0"/>
-              <a:t>和重</a:t>
-            </a:r>
-            <a:r>
-              <a:rPr lang="zh-CN" altLang="en-US" sz="1400" dirty="0" smtClean="0"/>
-              <a:t>设</a:t>
-            </a:r>
-            <a:r>
-              <a:rPr lang="en-US" altLang="zh-CN" sz="1400" dirty="0" smtClean="0"/>
-              <a:t>(reset)</a:t>
-            </a:r>
-            <a:endParaRPr lang="zh-CN" altLang="en-US" sz="1400" dirty="0"/>
-          </a:p>
-        </p:txBody>
-      </p:sp>
-      <p:sp>
-        <p:nvSpPr>
-          <p:cNvPr id="14" name="线形标注 1(带边框和强调线) 13"/>
-          <p:cNvSpPr/>
-          <p:nvPr/>
-        </p:nvSpPr>
-        <p:spPr>
-          <a:xfrm>
-            <a:off x="2392735" y="3222501"/>
-            <a:ext cx="4843560" cy="288032"/>
-          </a:xfrm>
-          <a:prstGeom prst="accentBorderCallout1">
-            <a:avLst>
-              <a:gd name="adj1" fmla="val 41898"/>
-              <a:gd name="adj2" fmla="val -2237"/>
-              <a:gd name="adj3" fmla="val 46362"/>
-              <a:gd name="adj4" fmla="val -12854"/>
-            </a:avLst>
-          </a:prstGeom>
-        </p:spPr>
-        <p:style>
-          <a:lnRef idx="1">
-            <a:schemeClr val="accent6"/>
-          </a:lnRef>
-          <a:fillRef idx="2">
-            <a:schemeClr val="accent6"/>
-          </a:fillRef>
-          <a:effectRef idx="1">
-            <a:schemeClr val="accent6"/>
-          </a:effectRef>
-          <a:fontRef idx="minor">
-            <a:schemeClr val="dk1"/>
-          </a:fontRef>
-        </p:style>
-        <p:txBody>
-          <a:bodyPr rtlCol="0" anchor="ctr"/>
-          <a:lstStyle/>
-          <a:p>
-            <a:r>
-              <a:rPr lang="zh-CN" altLang="en-US" sz="1400" dirty="0" smtClean="0"/>
-              <a:t>代码性能优化</a:t>
-            </a:r>
-            <a:r>
-              <a:rPr lang="en-US" altLang="zh-CN" sz="1400" dirty="0" smtClean="0"/>
-              <a:t>:  </a:t>
-            </a:r>
-            <a:r>
-              <a:rPr lang="zh-CN" altLang="en-US" sz="1400" dirty="0"/>
-              <a:t>如合理使用选择器、避免适用</a:t>
-            </a:r>
-            <a:r>
-              <a:rPr lang="zh-CN" altLang="en-US" sz="1400" dirty="0" smtClean="0"/>
-              <a:t>通配符</a:t>
-            </a:r>
-            <a:r>
-              <a:rPr lang="zh-CN" altLang="en-US" sz="1400" dirty="0"/>
-              <a:t>等等</a:t>
-            </a:r>
-          </a:p>
-        </p:txBody>
-      </p:sp>
-      <p:sp>
-        <p:nvSpPr>
-          <p:cNvPr id="15" name="流程图: 可选过程 14"/>
-          <p:cNvSpPr/>
-          <p:nvPr/>
-        </p:nvSpPr>
-        <p:spPr>
-          <a:xfrm>
-            <a:off x="406946" y="2310808"/>
-            <a:ext cx="1212726" cy="510924"/>
-          </a:xfrm>
-          <a:prstGeom prst="flowChartAlternateProcess">
-            <a:avLst/>
-          </a:prstGeom>
-        </p:spPr>
-        <p:style>
-          <a:lnRef idx="3">
-            <a:schemeClr val="lt1"/>
-          </a:lnRef>
-          <a:fillRef idx="1">
-            <a:schemeClr val="accent3"/>
-          </a:fillRef>
-          <a:effectRef idx="1">
-            <a:schemeClr val="accent3"/>
-          </a:effectRef>
-          <a:fontRef idx="minor">
-            <a:schemeClr val="lt1"/>
-          </a:fontRef>
-        </p:style>
-        <p:txBody>
-          <a:bodyPr rtlCol="0" anchor="ctr"/>
-          <a:lstStyle/>
-          <a:p>
-            <a:pPr algn="ctr"/>
-            <a:r>
-              <a:rPr lang="en-US" altLang="zh-CN" dirty="0" smtClean="0"/>
-              <a:t>CSS</a:t>
-            </a:r>
-            <a:endParaRPr lang="zh-CN" altLang="en-US" dirty="0"/>
-          </a:p>
-        </p:txBody>
-      </p:sp>
-      <p:sp>
-        <p:nvSpPr>
-          <p:cNvPr id="16" name="线形标注 1(带边框和强调线) 15"/>
-          <p:cNvSpPr/>
-          <p:nvPr/>
-        </p:nvSpPr>
-        <p:spPr>
-          <a:xfrm>
-            <a:off x="2421284" y="3683124"/>
-            <a:ext cx="4815011" cy="288032"/>
-          </a:xfrm>
-          <a:prstGeom prst="accentBorderCallout1">
-            <a:avLst>
-              <a:gd name="adj1" fmla="val 51819"/>
-              <a:gd name="adj2" fmla="val -2664"/>
-              <a:gd name="adj3" fmla="val 56283"/>
-              <a:gd name="adj4" fmla="val -13174"/>
-            </a:avLst>
-          </a:prstGeom>
-        </p:spPr>
-        <p:style>
-          <a:lnRef idx="1">
-            <a:schemeClr val="accent5"/>
-          </a:lnRef>
-          <a:fillRef idx="2">
-            <a:schemeClr val="accent5"/>
-          </a:fillRef>
-          <a:effectRef idx="1">
-            <a:schemeClr val="accent5"/>
-          </a:effectRef>
-          <a:fontRef idx="minor">
-            <a:schemeClr val="dk1"/>
-          </a:fontRef>
-        </p:style>
-        <p:txBody>
-          <a:bodyPr rtlCol="0" anchor="ctr"/>
-          <a:lstStyle/>
-          <a:p>
-            <a:r>
-              <a:rPr lang="zh-CN" altLang="en-US" sz="1400" dirty="0"/>
-              <a:t>使用</a:t>
-            </a:r>
-            <a:r>
-              <a:rPr lang="en-US" altLang="zh-CN" sz="1400" dirty="0" smtClean="0"/>
-              <a:t>CSS sprites</a:t>
-            </a:r>
-            <a:r>
-              <a:rPr lang="zh-CN" altLang="en-US" sz="1400" dirty="0" smtClean="0"/>
-              <a:t>，合并图片，减少请求量</a:t>
-            </a:r>
-            <a:endParaRPr lang="en-US" altLang="zh-CN" sz="1400" dirty="0"/>
-          </a:p>
-        </p:txBody>
-      </p:sp>
-      <p:sp>
-        <p:nvSpPr>
-          <p:cNvPr id="17" name="左大括号 16"/>
-          <p:cNvSpPr/>
-          <p:nvPr/>
-        </p:nvSpPr>
-        <p:spPr>
-          <a:xfrm>
-            <a:off x="1619672" y="3844308"/>
-            <a:ext cx="216024" cy="1143716"/>
-          </a:xfrm>
-          <a:prstGeom prst="leftBrace">
-            <a:avLst/>
-          </a:prstGeom>
-        </p:spPr>
-        <p:style>
-          <a:lnRef idx="1">
-            <a:schemeClr val="accent1"/>
-          </a:lnRef>
-          <a:fillRef idx="0">
-            <a:schemeClr val="accent1"/>
-          </a:fillRef>
-          <a:effectRef idx="0">
-            <a:schemeClr val="accent1"/>
-          </a:effectRef>
-          <a:fontRef idx="minor">
-            <a:schemeClr val="tx1"/>
-          </a:fontRef>
-        </p:style>
-        <p:txBody>
-          <a:bodyPr rtlCol="0" anchor="ctr"/>
-          <a:lstStyle/>
-          <a:p>
-            <a:pPr algn="ctr"/>
-            <a:endParaRPr lang="zh-CN" altLang="en-US"/>
-          </a:p>
-        </p:txBody>
-      </p:sp>
-      <p:sp>
-        <p:nvSpPr>
-          <p:cNvPr id="18" name="线形标注 1(带边框和强调线) 17"/>
-          <p:cNvSpPr/>
-          <p:nvPr/>
-        </p:nvSpPr>
-        <p:spPr>
-          <a:xfrm>
-            <a:off x="2411761" y="4274059"/>
-            <a:ext cx="4824535" cy="288032"/>
-          </a:xfrm>
-          <a:prstGeom prst="accentBorderCallout1">
-            <a:avLst>
-              <a:gd name="adj1" fmla="val 41898"/>
-              <a:gd name="adj2" fmla="val -2608"/>
-              <a:gd name="adj3" fmla="val 46362"/>
-              <a:gd name="adj4" fmla="val -14177"/>
-            </a:avLst>
-          </a:prstGeom>
-        </p:spPr>
-        <p:style>
-          <a:lnRef idx="1">
-            <a:schemeClr val="accent4"/>
-          </a:lnRef>
-          <a:fillRef idx="2">
-            <a:schemeClr val="accent4"/>
-          </a:fillRef>
-          <a:effectRef idx="1">
-            <a:schemeClr val="accent4"/>
-          </a:effectRef>
-          <a:fontRef idx="minor">
-            <a:schemeClr val="dk1"/>
-          </a:fontRef>
-        </p:style>
-        <p:txBody>
-          <a:bodyPr rtlCol="0" anchor="ctr"/>
-          <a:lstStyle/>
-          <a:p>
-            <a:r>
-              <a:rPr lang="zh-CN" altLang="en-US" sz="1400" dirty="0" smtClean="0"/>
-              <a:t>使用</a:t>
-            </a:r>
-            <a:r>
-              <a:rPr lang="en-US" altLang="zh-CN" sz="1400" dirty="0" smtClean="0"/>
-              <a:t>CSS </a:t>
-            </a:r>
-            <a:r>
-              <a:rPr lang="zh-CN" altLang="en-US" sz="1400" dirty="0" smtClean="0"/>
-              <a:t>平铺，降低图片尺寸</a:t>
-            </a:r>
-            <a:endParaRPr lang="zh-CN" altLang="en-US" sz="1400" dirty="0"/>
-          </a:p>
-        </p:txBody>
-      </p:sp>
-      <p:sp>
-        <p:nvSpPr>
-          <p:cNvPr id="20" name="线形标注 1(带边框和强调线) 19"/>
-          <p:cNvSpPr/>
-          <p:nvPr/>
-        </p:nvSpPr>
-        <p:spPr>
-          <a:xfrm>
-            <a:off x="2392735" y="4844008"/>
-            <a:ext cx="4843560" cy="288032"/>
-          </a:xfrm>
-          <a:prstGeom prst="accentBorderCallout1">
-            <a:avLst>
-              <a:gd name="adj1" fmla="val 41898"/>
-              <a:gd name="adj2" fmla="val -2237"/>
-              <a:gd name="adj3" fmla="val 46362"/>
-              <a:gd name="adj4" fmla="val -12854"/>
-            </a:avLst>
-          </a:prstGeom>
-        </p:spPr>
-        <p:style>
-          <a:lnRef idx="1">
-            <a:schemeClr val="accent6"/>
-          </a:lnRef>
-          <a:fillRef idx="2">
-            <a:schemeClr val="accent6"/>
-          </a:fillRef>
-          <a:effectRef idx="1">
-            <a:schemeClr val="accent6"/>
-          </a:effectRef>
-          <a:fontRef idx="minor">
-            <a:schemeClr val="dk1"/>
-          </a:fontRef>
-        </p:style>
-        <p:txBody>
-          <a:bodyPr rtlCol="0" anchor="ctr"/>
-          <a:lstStyle/>
-          <a:p>
-            <a:r>
-              <a:rPr lang="zh-CN" altLang="en-US" sz="1400" dirty="0" smtClean="0"/>
-              <a:t>合理选择图片格式和清晰度，降低图片大小</a:t>
-            </a:r>
-            <a:endParaRPr lang="zh-CN" altLang="en-US" sz="1400" dirty="0"/>
-          </a:p>
-        </p:txBody>
-      </p:sp>
-      <p:sp>
-        <p:nvSpPr>
-          <p:cNvPr id="21" name="流程图: 可选过程 20"/>
-          <p:cNvSpPr/>
-          <p:nvPr/>
-        </p:nvSpPr>
-        <p:spPr>
-          <a:xfrm>
-            <a:off x="406946" y="4132340"/>
-            <a:ext cx="1212726" cy="510924"/>
-          </a:xfrm>
-          <a:prstGeom prst="flowChartAlternateProcess">
-            <a:avLst/>
-          </a:prstGeom>
-        </p:spPr>
-        <p:style>
-          <a:lnRef idx="3">
-            <a:schemeClr val="lt1"/>
-          </a:lnRef>
-          <a:fillRef idx="1">
-            <a:schemeClr val="accent3"/>
-          </a:fillRef>
-          <a:effectRef idx="1">
-            <a:schemeClr val="accent3"/>
-          </a:effectRef>
-          <a:fontRef idx="minor">
-            <a:schemeClr val="lt1"/>
-          </a:fontRef>
-        </p:style>
-        <p:txBody>
-          <a:bodyPr rtlCol="0" anchor="ctr"/>
-          <a:lstStyle/>
-          <a:p>
-            <a:pPr algn="ctr"/>
-            <a:r>
-              <a:rPr lang="en-US" altLang="zh-CN" dirty="0" smtClean="0"/>
-              <a:t>Image</a:t>
-            </a:r>
-            <a:endParaRPr lang="zh-CN" altLang="en-US" dirty="0"/>
-          </a:p>
-        </p:txBody>
-      </p:sp>
-      <p:sp>
-        <p:nvSpPr>
-          <p:cNvPr id="22" name="线形标注 1(带边框和强调线) 21"/>
-          <p:cNvSpPr/>
-          <p:nvPr/>
-        </p:nvSpPr>
-        <p:spPr>
-          <a:xfrm>
-            <a:off x="2421284" y="5301208"/>
-            <a:ext cx="4815011" cy="288032"/>
-          </a:xfrm>
-          <a:prstGeom prst="accentBorderCallout1">
-            <a:avLst>
-              <a:gd name="adj1" fmla="val 51819"/>
-              <a:gd name="adj2" fmla="val -2664"/>
-              <a:gd name="adj3" fmla="val 56283"/>
-              <a:gd name="adj4" fmla="val -13174"/>
-            </a:avLst>
-          </a:prstGeom>
-        </p:spPr>
-        <p:style>
-          <a:lnRef idx="1">
-            <a:schemeClr val="accent5"/>
-          </a:lnRef>
-          <a:fillRef idx="2">
-            <a:schemeClr val="accent5"/>
-          </a:fillRef>
-          <a:effectRef idx="1">
-            <a:schemeClr val="accent5"/>
-          </a:effectRef>
-          <a:fontRef idx="minor">
-            <a:schemeClr val="dk1"/>
-          </a:fontRef>
-        </p:style>
-        <p:txBody>
-          <a:bodyPr rtlCol="0" anchor="ctr"/>
-          <a:lstStyle/>
-          <a:p>
-            <a:r>
-              <a:rPr lang="zh-CN" altLang="en-US" sz="1400" dirty="0" smtClean="0"/>
-              <a:t>语言层面优化：变量作用域</a:t>
-            </a:r>
-            <a:r>
-              <a:rPr lang="zh-CN" altLang="en-US" sz="1400" dirty="0"/>
-              <a:t>，函数作用域链，</a:t>
-            </a:r>
-            <a:r>
-              <a:rPr lang="zh-CN" altLang="en-US" sz="1400" dirty="0" smtClean="0"/>
-              <a:t>闭包等等</a:t>
-            </a:r>
-            <a:endParaRPr lang="en-US" altLang="zh-CN" sz="1400" dirty="0"/>
-          </a:p>
-        </p:txBody>
-      </p:sp>
-      <p:sp>
-        <p:nvSpPr>
-          <p:cNvPr id="23" name="左大括号 22"/>
-          <p:cNvSpPr/>
-          <p:nvPr/>
-        </p:nvSpPr>
-        <p:spPr>
-          <a:xfrm>
-            <a:off x="1619672" y="5462392"/>
-            <a:ext cx="216024" cy="1143716"/>
-          </a:xfrm>
-          <a:prstGeom prst="leftBrace">
-            <a:avLst/>
-          </a:prstGeom>
-        </p:spPr>
-        <p:style>
-          <a:lnRef idx="1">
-            <a:schemeClr val="accent1"/>
-          </a:lnRef>
-          <a:fillRef idx="0">
-            <a:schemeClr val="accent1"/>
-          </a:fillRef>
-          <a:effectRef idx="0">
-            <a:schemeClr val="accent1"/>
-          </a:effectRef>
-          <a:fontRef idx="minor">
-            <a:schemeClr val="tx1"/>
-          </a:fontRef>
-        </p:style>
-        <p:txBody>
-          <a:bodyPr rtlCol="0" anchor="ctr"/>
-          <a:lstStyle/>
-          <a:p>
-            <a:pPr algn="ctr"/>
-            <a:endParaRPr lang="zh-CN" altLang="en-US"/>
-          </a:p>
-        </p:txBody>
-      </p:sp>
-      <p:sp>
-        <p:nvSpPr>
-          <p:cNvPr id="24" name="线形标注 1(带边框和强调线) 23"/>
-          <p:cNvSpPr/>
-          <p:nvPr/>
-        </p:nvSpPr>
-        <p:spPr>
-          <a:xfrm>
-            <a:off x="2411761" y="5892143"/>
-            <a:ext cx="4824535" cy="288032"/>
-          </a:xfrm>
-          <a:prstGeom prst="accentBorderCallout1">
-            <a:avLst>
-              <a:gd name="adj1" fmla="val 41898"/>
-              <a:gd name="adj2" fmla="val -2608"/>
-              <a:gd name="adj3" fmla="val 46362"/>
-              <a:gd name="adj4" fmla="val -14177"/>
-            </a:avLst>
-          </a:prstGeom>
-        </p:spPr>
-        <p:style>
-          <a:lnRef idx="1">
-            <a:schemeClr val="accent4"/>
-          </a:lnRef>
-          <a:fillRef idx="2">
-            <a:schemeClr val="accent4"/>
-          </a:fillRef>
-          <a:effectRef idx="1">
-            <a:schemeClr val="accent4"/>
-          </a:effectRef>
-          <a:fontRef idx="minor">
-            <a:schemeClr val="dk1"/>
-          </a:fontRef>
-        </p:style>
-        <p:txBody>
-          <a:bodyPr rtlCol="0" anchor="ctr"/>
-          <a:lstStyle/>
-          <a:p>
-            <a:r>
-              <a:rPr lang="zh-CN" altLang="en-US" sz="1400" smtClean="0"/>
-              <a:t>结构优化：模块化，</a:t>
-            </a:r>
-            <a:endParaRPr lang="zh-CN" altLang="en-US" sz="1400" dirty="0"/>
-          </a:p>
-        </p:txBody>
-      </p:sp>
-      <p:sp>
-        <p:nvSpPr>
-          <p:cNvPr id="25" name="线形标注 1(带边框和强调线) 24"/>
-          <p:cNvSpPr/>
-          <p:nvPr/>
-        </p:nvSpPr>
-        <p:spPr>
-          <a:xfrm>
-            <a:off x="2392735" y="6462092"/>
-            <a:ext cx="4843560" cy="288032"/>
-          </a:xfrm>
-          <a:prstGeom prst="accentBorderCallout1">
-            <a:avLst>
-              <a:gd name="adj1" fmla="val 41898"/>
-              <a:gd name="adj2" fmla="val -2237"/>
-              <a:gd name="adj3" fmla="val 46362"/>
-              <a:gd name="adj4" fmla="val -12854"/>
-            </a:avLst>
-          </a:prstGeom>
-        </p:spPr>
-        <p:style>
-          <a:lnRef idx="1">
-            <a:schemeClr val="accent6"/>
-          </a:lnRef>
-          <a:fillRef idx="2">
-            <a:schemeClr val="accent6"/>
-          </a:fillRef>
-          <a:effectRef idx="1">
-            <a:schemeClr val="accent6"/>
-          </a:effectRef>
-          <a:fontRef idx="minor">
-            <a:schemeClr val="dk1"/>
-          </a:fontRef>
-        </p:style>
-        <p:txBody>
-          <a:bodyPr rtlCol="0" anchor="ctr"/>
-          <a:lstStyle/>
-          <a:p>
-            <a:r>
-              <a:rPr lang="zh-CN" altLang="en-US" sz="1400" dirty="0" smtClean="0"/>
-              <a:t>合理选择图片格式和清晰度，降低图片大小</a:t>
-            </a:r>
-            <a:endParaRPr lang="zh-CN" altLang="en-US" sz="1400" dirty="0"/>
-          </a:p>
-        </p:txBody>
-      </p:sp>
-      <p:sp>
-        <p:nvSpPr>
-          <p:cNvPr id="26" name="流程图: 可选过程 25"/>
-          <p:cNvSpPr/>
-          <p:nvPr/>
-        </p:nvSpPr>
-        <p:spPr>
-          <a:xfrm>
-            <a:off x="406946" y="5750424"/>
-            <a:ext cx="1212726" cy="510924"/>
-          </a:xfrm>
-          <a:prstGeom prst="flowChartAlternateProcess">
-            <a:avLst/>
-          </a:prstGeom>
-        </p:spPr>
-        <p:style>
-          <a:lnRef idx="3">
-            <a:schemeClr val="lt1"/>
-          </a:lnRef>
-          <a:fillRef idx="1">
-            <a:schemeClr val="accent3"/>
-          </a:fillRef>
-          <a:effectRef idx="1">
-            <a:schemeClr val="accent3"/>
-          </a:effectRef>
-          <a:fontRef idx="minor">
-            <a:schemeClr val="lt1"/>
-          </a:fontRef>
-        </p:style>
-        <p:txBody>
-          <a:bodyPr rtlCol="0" anchor="ctr"/>
-          <a:lstStyle/>
-          <a:p>
-            <a:pPr algn="ctr"/>
-            <a:r>
-              <a:rPr lang="en-US" altLang="zh-CN" dirty="0" err="1" smtClean="0"/>
-              <a:t>Javascript</a:t>
-            </a:r>
-            <a:endParaRPr lang="zh-CN" altLang="en-US" dirty="0"/>
+            <a:pPr marL="342900" marR="0" lvl="0" indent="-342900" algn="l" defTabSz="914400" rtl="0" eaLnBrk="1" fontAlgn="base" latinLnBrk="0" hangingPunct="1">
+              <a:lnSpc>
+                <a:spcPct val="100000"/>
+              </a:lnSpc>
+              <a:spcBef>
+                <a:spcPct val="20000"/>
+              </a:spcBef>
+              <a:spcAft>
+                <a:spcPct val="0"/>
+              </a:spcAft>
+              <a:buClrTx/>
+              <a:buSzTx/>
+              <a:buFontTx/>
+              <a:buChar char="•"/>
+              <a:tabLst/>
+              <a:defRPr/>
+            </a:pPr>
+            <a:r>
+              <a:rPr kumimoji="1" lang="zh-CN" altLang="en-US" sz="3600" kern="0" dirty="0">
+                <a:latin typeface="微软雅黑" pitchFamily="34" charset="-122"/>
+                <a:ea typeface="微软雅黑" pitchFamily="34" charset="-122"/>
+              </a:rPr>
+              <a:t>感谢聆听，</a:t>
+            </a:r>
+            <a:r>
+              <a:rPr kumimoji="1" lang="zh-CN" altLang="en-US" sz="3600" b="0" i="0" u="none" strike="noStrike" kern="0" cap="none" spc="0" normalizeH="0" baseline="0" noProof="0" dirty="0" smtClean="0">
+                <a:ln>
+                  <a:noFill/>
+                </a:ln>
+                <a:solidFill>
+                  <a:schemeClr val="tx1"/>
+                </a:solidFill>
+                <a:effectLst/>
+                <a:uLnTx/>
+                <a:uFillTx/>
+                <a:latin typeface="微软雅黑" pitchFamily="34" charset="-122"/>
+                <a:ea typeface="微软雅黑" pitchFamily="34" charset="-122"/>
+              </a:rPr>
+              <a:t>讨论交流！</a:t>
+            </a:r>
+            <a:endParaRPr kumimoji="1" lang="zh-CN" altLang="en-US" sz="2800" b="0" i="0" u="none" strike="noStrike" kern="0" cap="none" spc="0" normalizeH="0" baseline="0" noProof="0" dirty="0">
+              <a:ln>
+                <a:noFill/>
+              </a:ln>
+              <a:solidFill>
+                <a:schemeClr val="tx1"/>
+              </a:solidFill>
+              <a:effectLst/>
+              <a:uLnTx/>
+              <a:uFillTx/>
+              <a:latin typeface="微软雅黑" pitchFamily="34" charset="-122"/>
+              <a:ea typeface="微软雅黑" pitchFamily="34" charset="-122"/>
+            </a:endParaRPr>
           </a:p>
         </p:txBody>
       </p:sp>
     </p:spTree>
     <p:extLst>
       <p:ext uri="{BB962C8B-B14F-4D97-AF65-F5344CB8AC3E}">
-        <p14:creationId xmlns:p14="http://schemas.microsoft.com/office/powerpoint/2010/main" val="2289735689"/>
+        <p14:creationId xmlns:p14="http://schemas.microsoft.com/office/powerpoint/2010/main" val="3072570691"/>
       </p:ext>
     </p:extLst>
   </p:cSld>

--- a/前端优化.pptx
+++ b/前端优化.pptx
@@ -5,7 +5,7 @@
     <p:sldMasterId id="2147483660" r:id="rId1"/>
   </p:sldMasterIdLst>
   <p:notesMasterIdLst>
-    <p:notesMasterId r:id="rId13"/>
+    <p:notesMasterId r:id="rId12"/>
   </p:notesMasterIdLst>
   <p:sldIdLst>
     <p:sldId id="256" r:id="rId2"/>
@@ -16,9 +16,8 @@
     <p:sldId id="553" r:id="rId7"/>
     <p:sldId id="555" r:id="rId8"/>
     <p:sldId id="558" r:id="rId9"/>
-    <p:sldId id="556" r:id="rId10"/>
-    <p:sldId id="559" r:id="rId11"/>
-    <p:sldId id="557" r:id="rId12"/>
+    <p:sldId id="559" r:id="rId10"/>
+    <p:sldId id="557" r:id="rId11"/>
   </p:sldIdLst>
   <p:sldSz cx="9144000" cy="6858000" type="screen4x3"/>
   <p:notesSz cx="6858000" cy="9144000"/>
@@ -203,7 +202,7 @@
             <a:fld id="{CE1D0BA2-A4A1-4B11-81FA-5EAFBA8CF391}" type="datetimeFigureOut">
               <a:rPr lang="zh-CN" altLang="en-US" smtClean="0"/>
               <a:pPr/>
-              <a:t>2016/7/4</a:t>
+              <a:t>2016/7/18</a:t>
             </a:fld>
             <a:endParaRPr lang="zh-CN" altLang="en-US"/>
           </a:p>
@@ -518,14 +517,7 @@
           <a:p>
             <a:r>
               <a:rPr lang="zh-CN" altLang="en-US" dirty="0" smtClean="0"/>
-              <a:t>脚本：</a:t>
-            </a:r>
-            <a:endParaRPr lang="en-US" altLang="zh-CN" dirty="0" smtClean="0"/>
-          </a:p>
-          <a:p>
-            <a:r>
-              <a:rPr lang="zh-CN" altLang="en-US" dirty="0" smtClean="0"/>
-              <a:t>大家好，我是平台产品部谭金祥，今天由我要分享的</a:t>
+              <a:t>大家好，我是平台产品部谭金祥，今天我要分享的是</a:t>
             </a:r>
             <a:r>
               <a:rPr lang="en-US" altLang="zh-CN" dirty="0" smtClean="0"/>
@@ -533,14 +525,22 @@
             </a:r>
             <a:r>
               <a:rPr lang="zh-CN" altLang="en-US" dirty="0" smtClean="0"/>
-              <a:t>开发中前端优化相关内容。</a:t>
+              <a:t>前端优化相关内容。</a:t>
             </a:r>
             <a:endParaRPr lang="en-US" altLang="zh-CN" dirty="0" smtClean="0"/>
           </a:p>
           <a:p>
             <a:r>
               <a:rPr lang="zh-CN" altLang="en-US" dirty="0" smtClean="0"/>
-              <a:t>大多数人都知道我是在做后台的，其实我最先学习的编程技术就是前端部分，只是后来觉得自己美感实在太差了，不得不转后台了，因此我对前端也没太深入去研究。所以今天分享的内容不会太深入，只分享下我对前端优化的看法，很多可能只是个人看法，就算是抛砖引玉吧。</a:t>
+              <a:t>大家知道我是在做后台的，其实我最早学的计算机课程就是</a:t>
+            </a:r>
+            <a:r>
+              <a:rPr lang="en-US" altLang="zh-CN" dirty="0" smtClean="0"/>
+              <a:t>html</a:t>
+            </a:r>
+            <a:r>
+              <a:rPr lang="zh-CN" altLang="en-US" dirty="0" smtClean="0"/>
+              <a:t>页面制作，只是后来发现自己美感实在太差了，不得不转后台了，因此我对前端也没太深入去研究。所以今天分享也只是抛砖引玉，分享下我对前端优化的看法。</a:t>
             </a:r>
             <a:endParaRPr lang="en-US" altLang="zh-CN" dirty="0" smtClean="0"/>
           </a:p>
@@ -635,7 +635,7 @@
           <a:p>
             <a:r>
               <a:rPr lang="zh-CN" altLang="en-US" dirty="0" smtClean="0"/>
-              <a:t>先简单介绍今天要分享的内容，分别是：。。。</a:t>
+              <a:t>今天我将以。。。这三个问题为出发点，分享下自己的看法。</a:t>
             </a:r>
             <a:endParaRPr lang="en-US" altLang="zh-CN" dirty="0" smtClean="0"/>
           </a:p>
@@ -658,7 +658,7 @@
             </a:r>
             <a:r>
               <a:rPr lang="zh-CN" altLang="en-US" dirty="0" smtClean="0"/>
-              <a:t>前端到底是什么，因为不同公司对前端的定义可能都不一样，甚至不同产品，不同开发模式，不同技术架构对前端定义可能都会不同。但是对客户或非技术领导来说，都一样，就是做页面。所以今天我们也就将就一下，也就定义为做页面吧。那今天我分享前端优化，大家也可以理解为页面优化。我看今天来听我啰嗦的大多是开发，相信你们最关心就是如何优化。但我认为，前两个问题，才是难点，就像改</a:t>
+              <a:t>前端到底是什么，因为不同公司对前端的定义可能都不一样，甚至不同产品，不同开发模式，不同技术架构对前端定义可能也会不同。但是对客户或非技术领导来说，都一样，就是页面。所以今天我们也就将就一下，也就定义为页面吧。那今天我分享前端优化，大家也可以理解为页面优化。我看今天来听我啰嗦的大多是开发，相信你们最关心就是如何优化。但我认为，前两个问题，才是难点，就像改</a:t>
             </a:r>
             <a:r>
               <a:rPr lang="en-US" altLang="zh-CN" dirty="0" smtClean="0"/>
@@ -1187,11 +1187,7 @@
             </a:r>
             <a:r>
               <a:rPr lang="zh-CN" altLang="en-US" smtClean="0"/>
-              <a:t>拿</a:t>
-            </a:r>
-            <a:r>
-              <a:rPr lang="zh-CN" altLang="en-US" smtClean="0"/>
-              <a:t>教研来说，</a:t>
+              <a:t>拿教研来说，</a:t>
             </a:r>
             <a:r>
               <a:rPr lang="zh-CN" altLang="en-US" dirty="0" smtClean="0"/>
@@ -1523,7 +1519,22 @@
           <a:p>
             <a:r>
               <a:rPr lang="zh-CN" altLang="en-US" dirty="0" smtClean="0"/>
-              <a:t>一 就是减少资源经过处理层次。实现方式：</a:t>
+              <a:t>一 就是减少资源经过处理层次</a:t>
+            </a:r>
+            <a:r>
+              <a:rPr lang="zh-CN" altLang="en-US" dirty="0" smtClean="0"/>
+              <a:t>。通俗的将就是减少中间环节。</a:t>
+            </a:r>
+            <a:endParaRPr lang="en-US" altLang="zh-CN" dirty="0" smtClean="0"/>
+          </a:p>
+          <a:p>
+            <a:r>
+              <a:rPr lang="zh-CN" altLang="en-US" dirty="0" smtClean="0"/>
+              <a:t>实现</a:t>
+            </a:r>
+            <a:r>
+              <a:rPr lang="zh-CN" altLang="en-US" dirty="0" smtClean="0"/>
+              <a:t>方式：</a:t>
             </a:r>
             <a:r>
               <a:rPr lang="zh-CN" altLang="en-US" baseline="0" dirty="0" smtClean="0"/>
@@ -1547,14 +1558,57 @@
             </a:r>
             <a:r>
               <a:rPr lang="zh-CN" altLang="en-US" baseline="0" dirty="0" smtClean="0"/>
-              <a:t>做反向代理。</a:t>
+              <a:t>做反向代理</a:t>
+            </a:r>
+            <a:r>
+              <a:rPr lang="zh-CN" altLang="en-US" baseline="0" dirty="0" smtClean="0"/>
+              <a:t>。</a:t>
             </a:r>
             <a:endParaRPr lang="en-US" altLang="zh-CN" baseline="0" dirty="0" smtClean="0"/>
           </a:p>
           <a:p>
             <a:r>
               <a:rPr lang="zh-CN" altLang="en-US" baseline="0" dirty="0" smtClean="0"/>
-              <a:t>二 就是资源与用户的物理距离。看起来是光速传输，远点近点似乎关系不大。但参与过秒杀的就知道，没这么简单。况且秒杀的系统都是专门架构和优化过的。其实你们跟踪下路由就知道，我在公司跟踪了下教研平台的外网，经过了</a:t>
+              <a:t>不用代理的，也要在容器上做响应的优化，如</a:t>
+            </a:r>
+            <a:r>
+              <a:rPr lang="en-US" altLang="zh-CN" baseline="0" dirty="0" smtClean="0"/>
+              <a:t>tomcat </a:t>
+            </a:r>
+            <a:r>
+              <a:rPr lang="zh-CN" altLang="en-US" baseline="0" dirty="0" smtClean="0"/>
+              <a:t>可以配置专用的</a:t>
+            </a:r>
+            <a:r>
+              <a:rPr lang="en-US" altLang="zh-CN" baseline="0" dirty="0" smtClean="0"/>
+              <a:t>servlet</a:t>
+            </a:r>
+            <a:r>
+              <a:rPr lang="zh-CN" altLang="en-US" baseline="0" dirty="0" smtClean="0"/>
+              <a:t>处理等等</a:t>
+            </a:r>
+            <a:endParaRPr lang="en-US" altLang="zh-CN" baseline="0" dirty="0" smtClean="0"/>
+          </a:p>
+          <a:p>
+            <a:r>
+              <a:rPr lang="zh-CN" altLang="en-US" baseline="0" dirty="0" smtClean="0"/>
+              <a:t>二 </a:t>
+            </a:r>
+            <a:r>
+              <a:rPr lang="zh-CN" altLang="en-US" baseline="0" dirty="0" smtClean="0"/>
+              <a:t>就是拉近资源</a:t>
+            </a:r>
+            <a:r>
+              <a:rPr lang="zh-CN" altLang="en-US" baseline="0" dirty="0" smtClean="0"/>
+              <a:t>与用户</a:t>
+            </a:r>
+            <a:r>
+              <a:rPr lang="zh-CN" altLang="en-US" baseline="0" dirty="0" smtClean="0"/>
+              <a:t>的距离</a:t>
+            </a:r>
+            <a:r>
+              <a:rPr lang="zh-CN" altLang="en-US" baseline="0" dirty="0" smtClean="0"/>
+              <a:t>。看起来是光速传输，远点近点似乎关系不大。但参与过秒杀的就知道，没这么简单。况且秒杀的系统都是专门架构和优化过的。其实你们跟踪下路由就知道，我在公司跟踪了下教研平台的外网，经过了</a:t>
             </a:r>
             <a:r>
               <a:rPr lang="en-US" altLang="zh-CN" baseline="0" dirty="0" smtClean="0"/>
@@ -1570,11 +1624,72 @@
             </a:r>
             <a:r>
               <a:rPr lang="zh-CN" altLang="en-US" baseline="0" dirty="0" smtClean="0"/>
-              <a:t>，跨个网依然快不了。这是就只能依赖</a:t>
+              <a:t>，跨个网依然快不了。这是就只能</a:t>
+            </a:r>
+            <a:r>
+              <a:rPr lang="zh-CN" altLang="en-US" baseline="0" dirty="0" smtClean="0"/>
+              <a:t>依赖。</a:t>
+            </a:r>
+            <a:r>
+              <a:rPr lang="en-US" altLang="zh-CN" baseline="0" dirty="0" smtClean="0"/>
+              <a:t>CND </a:t>
+            </a:r>
+            <a:r>
+              <a:rPr lang="zh-CN" altLang="en-US" baseline="0" dirty="0" smtClean="0"/>
+              <a:t>原理很简单，本质就是缓存，只是说它是缓存到距离用户最近或响应较快的服务器端，这样用户请求不用跑老远来请求我们自己的服务器</a:t>
+            </a:r>
+            <a:r>
+              <a:rPr lang="zh-CN" altLang="en-US" baseline="0" dirty="0" smtClean="0"/>
+              <a:t>了</a:t>
+            </a:r>
+            <a:r>
+              <a:rPr lang="en-US" altLang="zh-CN" baseline="0" dirty="0" smtClean="0"/>
+              <a:t>,</a:t>
+            </a:r>
+            <a:r>
+              <a:rPr lang="zh-CN" altLang="en-US" baseline="0" dirty="0" smtClean="0"/>
+              <a:t>即降低了服务器压力，又增加了用户体验。</a:t>
+            </a:r>
+            <a:endParaRPr lang="en-US" altLang="zh-CN" baseline="0" dirty="0" smtClean="0"/>
+          </a:p>
+          <a:p>
+            <a:r>
+              <a:rPr lang="zh-CN" altLang="en-US" baseline="0" dirty="0" smtClean="0"/>
+              <a:t>而且实施起来也比较</a:t>
+            </a:r>
+            <a:r>
+              <a:rPr lang="zh-CN" altLang="en-US" baseline="0" dirty="0" smtClean="0"/>
+              <a:t>简单的</a:t>
+            </a:r>
+            <a:r>
+              <a:rPr lang="zh-CN" altLang="en-US" baseline="0" dirty="0" smtClean="0"/>
+              <a:t>，除了要发钱外。所以我们唯一</a:t>
+            </a:r>
+            <a:r>
+              <a:rPr lang="zh-CN" altLang="en-US" baseline="0" dirty="0" smtClean="0"/>
+              <a:t>要做的就是计算好</a:t>
+            </a:r>
+            <a:r>
+              <a:rPr lang="zh-CN" altLang="en-US" baseline="0" dirty="0" smtClean="0"/>
+              <a:t>收益与成本，当然既然是缓存，他也就有缓存的缺点。</a:t>
+            </a:r>
+            <a:endParaRPr lang="en-US" altLang="zh-CN" baseline="0" dirty="0" smtClean="0"/>
+          </a:p>
+          <a:p>
+            <a:endParaRPr lang="en-US" altLang="zh-CN" baseline="0" dirty="0" smtClean="0"/>
+          </a:p>
+          <a:p>
+            <a:r>
+              <a:rPr lang="zh-CN" altLang="en-US" baseline="0" dirty="0" smtClean="0"/>
+              <a:t>小</a:t>
+            </a:r>
+            <a:r>
+              <a:rPr lang="zh-CN" altLang="en-US" baseline="0" dirty="0" smtClean="0"/>
+              <a:t>，也比较好理解，就是减少体积。 常见的方法就是压缩，图片压缩，</a:t>
             </a:r>
             <a:r>
               <a:rPr lang="en-US" altLang="zh-CN" baseline="0" dirty="0" err="1" smtClean="0"/>
-              <a:t>CDN,cnd</a:t>
+              <a:t>js</a:t>
             </a:r>
             <a:r>
               <a:rPr lang="en-US" altLang="zh-CN" baseline="0" dirty="0" smtClean="0"/>
@@ -1582,40 +1697,61 @@
             </a:r>
             <a:r>
               <a:rPr lang="zh-CN" altLang="en-US" baseline="0" dirty="0" smtClean="0"/>
-              <a:t>可以自建也可以用第三方，自建我们是看不到了。</a:t>
+              <a:t>压缩，甚至用</a:t>
+            </a:r>
+            <a:r>
+              <a:rPr lang="en-US" altLang="zh-CN" baseline="0" dirty="0" err="1" smtClean="0"/>
+              <a:t>gzip</a:t>
             </a:r>
             <a:r>
               <a:rPr lang="en-US" altLang="zh-CN" baseline="0" dirty="0" smtClean="0"/>
-              <a:t>CND </a:t>
+              <a:t> </a:t>
             </a:r>
             <a:r>
               <a:rPr lang="zh-CN" altLang="en-US" baseline="0" dirty="0" smtClean="0"/>
-              <a:t>原理很简单，本质就是缓存，只是说它是缓存到距离用户最近或响应较快的服务器端，这样用户请求不用跑老远来请求我们自己的服务器了。</a:t>
+              <a:t>对页面进行压缩。</a:t>
             </a:r>
             <a:endParaRPr lang="en-US" altLang="zh-CN" baseline="0" dirty="0" smtClean="0"/>
           </a:p>
           <a:p>
             <a:r>
               <a:rPr lang="zh-CN" altLang="en-US" baseline="0" dirty="0" smtClean="0"/>
-              <a:t>总体来说实施起来还是比较简单的，唯一要做的就是计算好收益，特别是</a:t>
+              <a:t>这类压缩技术不复杂，但最难把握的是度，因为即需要技术又需要经验。比如图片，我们总是希望它保证质量的情况下体积还要小，大家应该都知道</a:t>
             </a:r>
             <a:r>
               <a:rPr lang="en-US" altLang="zh-CN" baseline="0" dirty="0" smtClean="0"/>
-              <a:t>CDN </a:t>
+              <a:t>html </a:t>
             </a:r>
             <a:r>
               <a:rPr lang="zh-CN" altLang="en-US" baseline="0" dirty="0" smtClean="0"/>
-              <a:t>的使用，既有持续的成本，又兼具了缓存的缺点。</a:t>
+              <a:t>支持</a:t>
+            </a:r>
+            <a:r>
+              <a:rPr lang="en-US" altLang="zh-CN" baseline="0" dirty="0" err="1" smtClean="0"/>
+              <a:t>jpg,png,gif</a:t>
+            </a:r>
+            <a:r>
+              <a:rPr lang="en-US" altLang="zh-CN" baseline="0" dirty="0" smtClean="0"/>
+              <a:t> </a:t>
+            </a:r>
+            <a:r>
+              <a:rPr lang="zh-CN" altLang="en-US" baseline="0" dirty="0" smtClean="0"/>
+              <a:t>三种格式。我想问下大家一张</a:t>
+            </a:r>
+            <a:r>
+              <a:rPr lang="en-US" altLang="zh-CN" baseline="0" dirty="0" smtClean="0"/>
+              <a:t>1920x1280</a:t>
+            </a:r>
+            <a:r>
+              <a:rPr lang="zh-CN" altLang="en-US" baseline="0" dirty="0" smtClean="0"/>
+              <a:t>的复杂背景图应该用那种格式。</a:t>
             </a:r>
             <a:endParaRPr lang="en-US" altLang="zh-CN" baseline="0" dirty="0" smtClean="0"/>
           </a:p>
           <a:p>
-            <a:endParaRPr lang="en-US" altLang="zh-CN" baseline="0" dirty="0" smtClean="0"/>
-          </a:p>
-          <a:p>
-            <a:r>
-              <a:rPr lang="zh-CN" altLang="en-US" baseline="0" smtClean="0"/>
-              <a:t>小，</a:t>
+            <a:r>
+              <a:rPr lang="zh-CN" altLang="en-US" baseline="0" dirty="0" smtClean="0"/>
+              <a:t>另外还有一点，因为压缩主要是技术问题，我们希望能自动化，到了自动化就是开发端的事了，那我们接下来就看看开发端怎么来优化</a:t>
             </a:r>
             <a:endParaRPr lang="en-US" altLang="zh-CN" baseline="0" dirty="0" smtClean="0"/>
           </a:p>
@@ -1704,7 +1840,51 @@
           <a:p>
             <a:r>
               <a:rPr lang="zh-CN" altLang="en-US" dirty="0" smtClean="0"/>
-              <a:t>开发端优化，不是说由开发来做的优化，而是由代码和架构层面来做的优化。这类优化主要目的是降低维护难度，提高运行效率，增加扩展性。接下来我们来梳理可在哪些写代码上做哪些优化。</a:t>
+              <a:t>开发端优化，</a:t>
+            </a:r>
+            <a:r>
+              <a:rPr lang="zh-CN" altLang="en-US" dirty="0" smtClean="0"/>
+              <a:t>不只是说</a:t>
+            </a:r>
+            <a:r>
+              <a:rPr lang="zh-CN" altLang="en-US" dirty="0" smtClean="0"/>
+              <a:t>由开发来做的优化，</a:t>
+            </a:r>
+            <a:r>
+              <a:rPr lang="zh-CN" altLang="en-US" dirty="0" smtClean="0"/>
+              <a:t>而是说需要编码或架构实现的</a:t>
+            </a:r>
+            <a:r>
+              <a:rPr lang="zh-CN" altLang="en-US" dirty="0" smtClean="0"/>
+              <a:t>优化。这类优化主要目的是降低维护难度</a:t>
+            </a:r>
+            <a:r>
+              <a:rPr lang="zh-CN" altLang="en-US" dirty="0" smtClean="0"/>
+              <a:t>，减少重复工作，提高</a:t>
+            </a:r>
+            <a:r>
+              <a:rPr lang="zh-CN" altLang="en-US" dirty="0" smtClean="0"/>
+              <a:t>运行</a:t>
+            </a:r>
+            <a:r>
+              <a:rPr lang="zh-CN" altLang="en-US" dirty="0" smtClean="0"/>
+              <a:t>效率。那我们</a:t>
+            </a:r>
+            <a:r>
+              <a:rPr lang="zh-CN" altLang="en-US" dirty="0" smtClean="0"/>
+              <a:t>来梳理可</a:t>
+            </a:r>
+            <a:r>
+              <a:rPr lang="zh-CN" altLang="en-US" smtClean="0"/>
+              <a:t>在</a:t>
+            </a:r>
+            <a:r>
+              <a:rPr lang="zh-CN" altLang="en-US" smtClean="0"/>
+              <a:t>哪些方面上</a:t>
+            </a:r>
+            <a:r>
+              <a:rPr lang="zh-CN" altLang="en-US" dirty="0" smtClean="0"/>
+              <a:t>做哪些优化。</a:t>
             </a:r>
             <a:endParaRPr lang="en-US" altLang="zh-CN" dirty="0" smtClean="0"/>
           </a:p>
@@ -1894,14 +2074,13 @@
               <a:t>Javasript</a:t>
             </a:r>
             <a:r>
-              <a:rPr lang="zh-CN" altLang="en-US" sz="1200" smtClean="0"/>
+              <a:rPr lang="zh-CN" altLang="en-US" sz="1200" dirty="0" smtClean="0"/>
               <a:t>，</a:t>
             </a:r>
             <a:r>
-              <a:rPr lang="en-US" altLang="zh-CN" sz="1200" smtClean="0"/>
+              <a:rPr lang="en-US" altLang="zh-CN" sz="1200" dirty="0" smtClean="0"/>
               <a:t> </a:t>
             </a:r>
-            <a:endParaRPr lang="en-US" altLang="zh-CN" sz="1200" dirty="0" smtClean="0"/>
           </a:p>
           <a:p>
             <a:endParaRPr lang="en-US" altLang="zh-CN" dirty="0" smtClean="0"/>
@@ -1932,7 +2111,7 @@
             <a:fld id="{2721F026-A56C-44A0-B1B5-6544C30C2BED}" type="slidenum">
               <a:rPr lang="zh-CN" altLang="en-US" smtClean="0"/>
               <a:pPr/>
-              <a:t>10</a:t>
+              <a:t>9</a:t>
             </a:fld>
             <a:endParaRPr lang="zh-CN" altLang="en-US"/>
           </a:p>
@@ -2139,7 +2318,7 @@
             <a:fld id="{D22439AA-DE3E-4136-8738-0A92E0638C7F}" type="datetimeFigureOut">
               <a:rPr lang="zh-CN" altLang="en-US" smtClean="0"/>
               <a:pPr/>
-              <a:t>2016/7/4</a:t>
+              <a:t>2016/7/18</a:t>
             </a:fld>
             <a:endParaRPr lang="zh-CN" altLang="en-US"/>
           </a:p>
@@ -2327,7 +2506,7 @@
             <a:fld id="{D22439AA-DE3E-4136-8738-0A92E0638C7F}" type="datetimeFigureOut">
               <a:rPr lang="zh-CN" altLang="en-US" smtClean="0"/>
               <a:pPr/>
-              <a:t>2016/7/4</a:t>
+              <a:t>2016/7/18</a:t>
             </a:fld>
             <a:endParaRPr lang="zh-CN" altLang="en-US"/>
           </a:p>
@@ -2515,7 +2694,7 @@
             <a:fld id="{D22439AA-DE3E-4136-8738-0A92E0638C7F}" type="datetimeFigureOut">
               <a:rPr lang="zh-CN" altLang="en-US" smtClean="0"/>
               <a:pPr/>
-              <a:t>2016/7/4</a:t>
+              <a:t>2016/7/18</a:t>
             </a:fld>
             <a:endParaRPr lang="zh-CN" altLang="en-US"/>
           </a:p>
@@ -2728,7 +2907,7 @@
             <a:fld id="{D22439AA-DE3E-4136-8738-0A92E0638C7F}" type="datetimeFigureOut">
               <a:rPr lang="zh-CN" altLang="en-US" smtClean="0"/>
               <a:pPr/>
-              <a:t>2016/7/4</a:t>
+              <a:t>2016/7/18</a:t>
             </a:fld>
             <a:endParaRPr lang="zh-CN" altLang="en-US"/>
           </a:p>
@@ -2982,7 +3161,7 @@
             <a:fld id="{D22439AA-DE3E-4136-8738-0A92E0638C7F}" type="datetimeFigureOut">
               <a:rPr lang="zh-CN" altLang="en-US" smtClean="0"/>
               <a:pPr/>
-              <a:t>2016/7/4</a:t>
+              <a:t>2016/7/18</a:t>
             </a:fld>
             <a:endParaRPr lang="zh-CN" altLang="en-US"/>
           </a:p>
@@ -3286,7 +3465,7 @@
             <a:fld id="{D22439AA-DE3E-4136-8738-0A92E0638C7F}" type="datetimeFigureOut">
               <a:rPr lang="zh-CN" altLang="en-US" smtClean="0"/>
               <a:pPr/>
-              <a:t>2016/7/4</a:t>
+              <a:t>2016/7/18</a:t>
             </a:fld>
             <a:endParaRPr lang="zh-CN" altLang="en-US"/>
           </a:p>
@@ -3730,7 +3909,7 @@
             <a:fld id="{D22439AA-DE3E-4136-8738-0A92E0638C7F}" type="datetimeFigureOut">
               <a:rPr lang="zh-CN" altLang="en-US" smtClean="0"/>
               <a:pPr/>
-              <a:t>2016/7/4</a:t>
+              <a:t>2016/7/18</a:t>
             </a:fld>
             <a:endParaRPr lang="zh-CN" altLang="en-US"/>
           </a:p>
@@ -3858,7 +4037,7 @@
             <a:fld id="{D22439AA-DE3E-4136-8738-0A92E0638C7F}" type="datetimeFigureOut">
               <a:rPr lang="zh-CN" altLang="en-US" smtClean="0"/>
               <a:pPr/>
-              <a:t>2016/7/4</a:t>
+              <a:t>2016/7/18</a:t>
             </a:fld>
             <a:endParaRPr lang="zh-CN" altLang="en-US"/>
           </a:p>
@@ -3955,7 +4134,7 @@
             <a:fld id="{D22439AA-DE3E-4136-8738-0A92E0638C7F}" type="datetimeFigureOut">
               <a:rPr lang="zh-CN" altLang="en-US" smtClean="0"/>
               <a:pPr/>
-              <a:t>2016/7/4</a:t>
+              <a:t>2016/7/18</a:t>
             </a:fld>
             <a:endParaRPr lang="zh-CN" altLang="en-US"/>
           </a:p>
@@ -4243,7 +4422,7 @@
             <a:fld id="{D22439AA-DE3E-4136-8738-0A92E0638C7F}" type="datetimeFigureOut">
               <a:rPr lang="zh-CN" altLang="en-US" smtClean="0"/>
               <a:pPr/>
-              <a:t>2016/7/4</a:t>
+              <a:t>2016/7/18</a:t>
             </a:fld>
             <a:endParaRPr lang="zh-CN" altLang="en-US"/>
           </a:p>
@@ -4507,7 +4686,7 @@
             <a:fld id="{D22439AA-DE3E-4136-8738-0A92E0638C7F}" type="datetimeFigureOut">
               <a:rPr lang="zh-CN" altLang="en-US" smtClean="0"/>
               <a:pPr/>
-              <a:t>2016/7/4</a:t>
+              <a:t>2016/7/18</a:t>
             </a:fld>
             <a:endParaRPr lang="zh-CN" altLang="en-US"/>
           </a:p>
@@ -4627,7 +4806,7 @@
             <a:fld id="{D22439AA-DE3E-4136-8738-0A92E0638C7F}" type="datetimeFigureOut">
               <a:rPr lang="zh-CN" altLang="en-US" smtClean="0"/>
               <a:pPr/>
-              <a:t>2016/7/4</a:t>
+              <a:t>2016/7/18</a:t>
             </a:fld>
             <a:endParaRPr lang="zh-CN" altLang="en-US"/>
           </a:p>
@@ -5411,1081 +5590,6 @@
 </file>
 
 <file path=ppt/slides/slide10.xml><?xml version="1.0" encoding="utf-8"?>
-<p:sld xmlns:a="http://schemas.openxmlformats.org/drawingml/2006/main" xmlns:r="http://schemas.openxmlformats.org/officeDocument/2006/relationships" xmlns:p="http://schemas.openxmlformats.org/presentationml/2006/main">
-  <p:cSld>
-    <p:spTree>
-      <p:nvGrpSpPr>
-        <p:cNvPr id="1" name=""/>
-        <p:cNvGrpSpPr/>
-        <p:nvPr/>
-      </p:nvGrpSpPr>
-      <p:grpSpPr>
-        <a:xfrm>
-          <a:off x="0" y="0"/>
-          <a:ext cx="0" cy="0"/>
-          <a:chOff x="0" y="0"/>
-          <a:chExt cx="0" cy="0"/>
-        </a:xfrm>
-      </p:grpSpPr>
-      <p:grpSp>
-        <p:nvGrpSpPr>
-          <p:cNvPr id="3" name="组合 2"/>
-          <p:cNvGrpSpPr/>
-          <p:nvPr/>
-        </p:nvGrpSpPr>
-        <p:grpSpPr>
-          <a:xfrm>
-            <a:off x="0" y="-27384"/>
-            <a:ext cx="9144000" cy="1080120"/>
-            <a:chOff x="0" y="1628800"/>
-            <a:chExt cx="9144000" cy="2592288"/>
-          </a:xfrm>
-        </p:grpSpPr>
-        <p:sp>
-          <p:nvSpPr>
-            <p:cNvPr id="4" name="矩形 3"/>
-            <p:cNvSpPr/>
-            <p:nvPr/>
-          </p:nvSpPr>
-          <p:spPr>
-            <a:xfrm>
-              <a:off x="0" y="1628800"/>
-              <a:ext cx="6948264" cy="2592288"/>
-            </a:xfrm>
-            <a:prstGeom prst="rect">
-              <a:avLst/>
-            </a:prstGeom>
-            <a:solidFill>
-              <a:srgbClr val="002060"/>
-            </a:solidFill>
-            <a:ln>
-              <a:noFill/>
-            </a:ln>
-          </p:spPr>
-          <p:style>
-            <a:lnRef idx="2">
-              <a:schemeClr val="accent1">
-                <a:shade val="50000"/>
-              </a:schemeClr>
-            </a:lnRef>
-            <a:fillRef idx="1">
-              <a:schemeClr val="accent1"/>
-            </a:fillRef>
-            <a:effectRef idx="0">
-              <a:schemeClr val="accent1"/>
-            </a:effectRef>
-            <a:fontRef idx="minor">
-              <a:schemeClr val="lt1"/>
-            </a:fontRef>
-          </p:style>
-          <p:txBody>
-            <a:bodyPr rtlCol="0" anchor="ctr"/>
-            <a:lstStyle/>
-            <a:p>
-              <a:pPr algn="ctr"/>
-              <a:endParaRPr lang="zh-CN" altLang="en-US"/>
-            </a:p>
-          </p:txBody>
-        </p:sp>
-        <p:sp>
-          <p:nvSpPr>
-            <p:cNvPr id="5" name="矩形 4"/>
-            <p:cNvSpPr/>
-            <p:nvPr/>
-          </p:nvSpPr>
-          <p:spPr>
-            <a:xfrm>
-              <a:off x="6948264" y="1628800"/>
-              <a:ext cx="2195736" cy="2592288"/>
-            </a:xfrm>
-            <a:prstGeom prst="rect">
-              <a:avLst/>
-            </a:prstGeom>
-            <a:solidFill>
-              <a:srgbClr val="00B050"/>
-            </a:solidFill>
-            <a:ln>
-              <a:noFill/>
-            </a:ln>
-          </p:spPr>
-          <p:style>
-            <a:lnRef idx="2">
-              <a:schemeClr val="accent1">
-                <a:shade val="50000"/>
-              </a:schemeClr>
-            </a:lnRef>
-            <a:fillRef idx="1">
-              <a:schemeClr val="accent1"/>
-            </a:fillRef>
-            <a:effectRef idx="0">
-              <a:schemeClr val="accent1"/>
-            </a:effectRef>
-            <a:fontRef idx="minor">
-              <a:schemeClr val="lt1"/>
-            </a:fontRef>
-          </p:style>
-          <p:txBody>
-            <a:bodyPr rtlCol="0" anchor="ctr"/>
-            <a:lstStyle/>
-            <a:p>
-              <a:pPr algn="ctr"/>
-              <a:endParaRPr lang="zh-CN" altLang="en-US"/>
-            </a:p>
-          </p:txBody>
-        </p:sp>
-      </p:grpSp>
-      <p:sp>
-        <p:nvSpPr>
-          <p:cNvPr id="6" name="标题 3"/>
-          <p:cNvSpPr txBox="1">
-            <a:spLocks/>
-          </p:cNvSpPr>
-          <p:nvPr/>
-        </p:nvSpPr>
-        <p:spPr>
-          <a:xfrm>
-            <a:off x="432048" y="125760"/>
-            <a:ext cx="7812360" cy="1143000"/>
-          </a:xfrm>
-          <a:prstGeom prst="rect">
-            <a:avLst/>
-          </a:prstGeom>
-        </p:spPr>
-        <p:txBody>
-          <a:bodyPr>
-            <a:normAutofit/>
-          </a:bodyPr>
-          <a:lstStyle>
-            <a:lvl1pPr algn="ctr" defTabSz="914400" rtl="0" eaLnBrk="1" latinLnBrk="0" hangingPunct="1">
-              <a:spcBef>
-                <a:spcPct val="0"/>
-              </a:spcBef>
-              <a:buNone/>
-              <a:defRPr sz="4400" kern="1200">
-                <a:solidFill>
-                  <a:schemeClr val="tx1"/>
-                </a:solidFill>
-                <a:latin typeface="+mj-lt"/>
-                <a:ea typeface="+mj-ea"/>
-                <a:cs typeface="+mj-cs"/>
-              </a:defRPr>
-            </a:lvl1pPr>
-          </a:lstStyle>
-          <a:p>
-            <a:pPr algn="l"/>
-            <a:r>
-              <a:rPr lang="zh-CN" altLang="en-US" dirty="0" smtClean="0">
-                <a:solidFill>
-                  <a:schemeClr val="bg1"/>
-                </a:solidFill>
-                <a:latin typeface="方正大黑简体" pitchFamily="2" charset="-122"/>
-                <a:ea typeface="方正大黑简体" pitchFamily="2" charset="-122"/>
-              </a:rPr>
-              <a:t>开发端优化</a:t>
-            </a:r>
-            <a:endParaRPr lang="zh-CN" altLang="en-US" dirty="0">
-              <a:solidFill>
-                <a:schemeClr val="bg1"/>
-              </a:solidFill>
-              <a:latin typeface="方正大黑简体" pitchFamily="2" charset="-122"/>
-              <a:ea typeface="方正大黑简体" pitchFamily="2" charset="-122"/>
-            </a:endParaRPr>
-          </a:p>
-        </p:txBody>
-      </p:sp>
-      <p:sp>
-        <p:nvSpPr>
-          <p:cNvPr id="2" name="TextBox 1"/>
-          <p:cNvSpPr txBox="1"/>
-          <p:nvPr/>
-        </p:nvSpPr>
-        <p:spPr>
-          <a:xfrm>
-            <a:off x="0" y="1043737"/>
-            <a:ext cx="9144000" cy="369332"/>
-          </a:xfrm>
-          <a:prstGeom prst="rect">
-            <a:avLst/>
-          </a:prstGeom>
-        </p:spPr>
-        <p:style>
-          <a:lnRef idx="1">
-            <a:schemeClr val="accent5"/>
-          </a:lnRef>
-          <a:fillRef idx="2">
-            <a:schemeClr val="accent5"/>
-          </a:fillRef>
-          <a:effectRef idx="1">
-            <a:schemeClr val="accent5"/>
-          </a:effectRef>
-          <a:fontRef idx="minor">
-            <a:schemeClr val="dk1"/>
-          </a:fontRef>
-        </p:style>
-        <p:txBody>
-          <a:bodyPr wrap="square" rtlCol="0">
-            <a:spAutoFit/>
-          </a:bodyPr>
-          <a:lstStyle/>
-          <a:p>
-            <a:r>
-              <a:rPr lang="zh-CN" altLang="en-US" dirty="0"/>
-              <a:t>主要</a:t>
-            </a:r>
-            <a:r>
-              <a:rPr lang="zh-CN" altLang="en-US" dirty="0" smtClean="0"/>
-              <a:t>目的：优化资源体积，提高</a:t>
-            </a:r>
-            <a:r>
-              <a:rPr lang="zh-CN" altLang="en-US" dirty="0"/>
-              <a:t>运行</a:t>
-            </a:r>
-            <a:r>
-              <a:rPr lang="zh-CN" altLang="en-US" dirty="0" smtClean="0"/>
-              <a:t>效率，</a:t>
-            </a:r>
-            <a:r>
-              <a:rPr lang="zh-CN" altLang="en-US" dirty="0"/>
-              <a:t>降低维护难度</a:t>
-            </a:r>
-          </a:p>
-        </p:txBody>
-      </p:sp>
-      <p:sp>
-        <p:nvSpPr>
-          <p:cNvPr id="10" name="线形标注 1(带边框和强调线) 9"/>
-          <p:cNvSpPr/>
-          <p:nvPr/>
-        </p:nvSpPr>
-        <p:spPr>
-          <a:xfrm>
-            <a:off x="2421284" y="1594892"/>
-            <a:ext cx="4815011" cy="288032"/>
-          </a:xfrm>
-          <a:prstGeom prst="accentBorderCallout1">
-            <a:avLst>
-              <a:gd name="adj1" fmla="val 51819"/>
-              <a:gd name="adj2" fmla="val -2664"/>
-              <a:gd name="adj3" fmla="val 56283"/>
-              <a:gd name="adj4" fmla="val -13174"/>
-            </a:avLst>
-          </a:prstGeom>
-        </p:spPr>
-        <p:style>
-          <a:lnRef idx="1">
-            <a:schemeClr val="accent5"/>
-          </a:lnRef>
-          <a:fillRef idx="2">
-            <a:schemeClr val="accent5"/>
-          </a:fillRef>
-          <a:effectRef idx="1">
-            <a:schemeClr val="accent5"/>
-          </a:effectRef>
-          <a:fontRef idx="minor">
-            <a:schemeClr val="dk1"/>
-          </a:fontRef>
-        </p:style>
-        <p:txBody>
-          <a:bodyPr rtlCol="0" anchor="ctr"/>
-          <a:lstStyle/>
-          <a:p>
-            <a:r>
-              <a:rPr lang="zh-CN" altLang="en-US" sz="1400" dirty="0"/>
-              <a:t>合写</a:t>
-            </a:r>
-            <a:r>
-              <a:rPr lang="en-US" altLang="zh-CN" sz="1400" dirty="0" smtClean="0"/>
-              <a:t>CSS:   </a:t>
-            </a:r>
-            <a:r>
-              <a:rPr lang="zh-CN" altLang="en-US" sz="1400" dirty="0" smtClean="0"/>
-              <a:t>如</a:t>
-            </a:r>
-            <a:r>
-              <a:rPr lang="en-US" altLang="zh-CN" sz="1400" dirty="0" smtClean="0"/>
-              <a:t>background</a:t>
-            </a:r>
-            <a:r>
-              <a:rPr lang="zh-CN" altLang="en-US" sz="1400" dirty="0" smtClean="0"/>
-              <a:t>，</a:t>
-            </a:r>
-            <a:r>
-              <a:rPr lang="en-US" altLang="zh-CN" sz="1400" dirty="0" smtClean="0"/>
-              <a:t>font</a:t>
-            </a:r>
-            <a:r>
-              <a:rPr lang="zh-CN" altLang="en-US" sz="1400" dirty="0" smtClean="0"/>
-              <a:t>，</a:t>
-            </a:r>
-            <a:r>
-              <a:rPr lang="en-US" altLang="zh-CN" sz="1400" dirty="0" smtClean="0"/>
-              <a:t>margin/padding</a:t>
-            </a:r>
-            <a:r>
-              <a:rPr lang="zh-CN" altLang="en-US" sz="1400" dirty="0" smtClean="0"/>
-              <a:t>，</a:t>
-            </a:r>
-            <a:r>
-              <a:rPr lang="en-US" altLang="zh-CN" sz="1400" dirty="0"/>
-              <a:t>border</a:t>
-            </a:r>
-          </a:p>
-        </p:txBody>
-      </p:sp>
-      <p:sp>
-        <p:nvSpPr>
-          <p:cNvPr id="11" name="左大括号 10"/>
-          <p:cNvSpPr/>
-          <p:nvPr/>
-        </p:nvSpPr>
-        <p:spPr>
-          <a:xfrm>
-            <a:off x="1619672" y="1756073"/>
-            <a:ext cx="216024" cy="1600919"/>
-          </a:xfrm>
-          <a:prstGeom prst="leftBrace">
-            <a:avLst/>
-          </a:prstGeom>
-        </p:spPr>
-        <p:style>
-          <a:lnRef idx="1">
-            <a:schemeClr val="accent1"/>
-          </a:lnRef>
-          <a:fillRef idx="0">
-            <a:schemeClr val="accent1"/>
-          </a:fillRef>
-          <a:effectRef idx="0">
-            <a:schemeClr val="accent1"/>
-          </a:effectRef>
-          <a:fontRef idx="minor">
-            <a:schemeClr val="tx1"/>
-          </a:fontRef>
-        </p:style>
-        <p:txBody>
-          <a:bodyPr rtlCol="0" anchor="ctr"/>
-          <a:lstStyle/>
-          <a:p>
-            <a:pPr algn="ctr"/>
-            <a:endParaRPr lang="zh-CN" altLang="en-US"/>
-          </a:p>
-        </p:txBody>
-      </p:sp>
-      <p:sp>
-        <p:nvSpPr>
-          <p:cNvPr id="12" name="线形标注 1(带边框和强调线) 11"/>
-          <p:cNvSpPr/>
-          <p:nvPr/>
-        </p:nvSpPr>
-        <p:spPr>
-          <a:xfrm>
-            <a:off x="2411759" y="2119152"/>
-            <a:ext cx="4824535" cy="288032"/>
-          </a:xfrm>
-          <a:prstGeom prst="accentBorderCallout1">
-            <a:avLst>
-              <a:gd name="adj1" fmla="val 41898"/>
-              <a:gd name="adj2" fmla="val -2608"/>
-              <a:gd name="adj3" fmla="val 46362"/>
-              <a:gd name="adj4" fmla="val -14177"/>
-            </a:avLst>
-          </a:prstGeom>
-        </p:spPr>
-        <p:style>
-          <a:lnRef idx="1">
-            <a:schemeClr val="accent5"/>
-          </a:lnRef>
-          <a:fillRef idx="2">
-            <a:schemeClr val="accent5"/>
-          </a:fillRef>
-          <a:effectRef idx="1">
-            <a:schemeClr val="accent5"/>
-          </a:effectRef>
-          <a:fontRef idx="minor">
-            <a:schemeClr val="dk1"/>
-          </a:fontRef>
-        </p:style>
-        <p:txBody>
-          <a:bodyPr rtlCol="0" anchor="ctr"/>
-          <a:lstStyle/>
-          <a:p>
-            <a:r>
-              <a:rPr lang="zh-CN" altLang="en-US" sz="1400" dirty="0"/>
-              <a:t>利用</a:t>
-            </a:r>
-            <a:r>
-              <a:rPr lang="zh-CN" altLang="en-US" sz="1400" dirty="0" smtClean="0"/>
-              <a:t>继承</a:t>
-            </a:r>
-            <a:r>
-              <a:rPr lang="en-US" altLang="zh-CN" sz="1400" dirty="0" smtClean="0"/>
-              <a:t>:  </a:t>
-            </a:r>
-            <a:r>
-              <a:rPr lang="zh-CN" altLang="en-US" sz="1400" dirty="0" smtClean="0"/>
-              <a:t>把可共用的样式设置在父级元素上</a:t>
-            </a:r>
-            <a:endParaRPr lang="zh-CN" altLang="en-US" sz="1400" dirty="0"/>
-          </a:p>
-        </p:txBody>
-      </p:sp>
-      <p:sp>
-        <p:nvSpPr>
-          <p:cNvPr id="13" name="线形标注 1(带边框和强调线) 12"/>
-          <p:cNvSpPr/>
-          <p:nvPr/>
-        </p:nvSpPr>
-        <p:spPr>
-          <a:xfrm>
-            <a:off x="2392734" y="2677716"/>
-            <a:ext cx="4843559" cy="288032"/>
-          </a:xfrm>
-          <a:prstGeom prst="accentBorderCallout1">
-            <a:avLst>
-              <a:gd name="adj1" fmla="val 45205"/>
-              <a:gd name="adj2" fmla="val -2040"/>
-              <a:gd name="adj3" fmla="val 46362"/>
-              <a:gd name="adj4" fmla="val -13375"/>
-            </a:avLst>
-          </a:prstGeom>
-        </p:spPr>
-        <p:style>
-          <a:lnRef idx="1">
-            <a:schemeClr val="accent4"/>
-          </a:lnRef>
-          <a:fillRef idx="2">
-            <a:schemeClr val="accent4"/>
-          </a:fillRef>
-          <a:effectRef idx="1">
-            <a:schemeClr val="accent4"/>
-          </a:effectRef>
-          <a:fontRef idx="minor">
-            <a:schemeClr val="dk1"/>
-          </a:fontRef>
-        </p:style>
-        <p:txBody>
-          <a:bodyPr rtlCol="0" anchor="ctr"/>
-          <a:lstStyle/>
-          <a:p>
-            <a:r>
-              <a:rPr lang="zh-CN" altLang="en-US" sz="1400" dirty="0"/>
-              <a:t>移除多余的结构</a:t>
-            </a:r>
-            <a:r>
-              <a:rPr lang="en-US" altLang="zh-CN" sz="1400" dirty="0"/>
-              <a:t>(frameworks)</a:t>
-            </a:r>
-            <a:r>
-              <a:rPr lang="zh-CN" altLang="en-US" sz="1400" dirty="0"/>
-              <a:t>和重</a:t>
-            </a:r>
-            <a:r>
-              <a:rPr lang="zh-CN" altLang="en-US" sz="1400" dirty="0" smtClean="0"/>
-              <a:t>设</a:t>
-            </a:r>
-            <a:r>
-              <a:rPr lang="en-US" altLang="zh-CN" sz="1400" dirty="0" smtClean="0"/>
-              <a:t>(reset)</a:t>
-            </a:r>
-            <a:endParaRPr lang="zh-CN" altLang="en-US" sz="1400" dirty="0"/>
-          </a:p>
-        </p:txBody>
-      </p:sp>
-      <p:sp>
-        <p:nvSpPr>
-          <p:cNvPr id="14" name="线形标注 1(带边框和强调线) 13"/>
-          <p:cNvSpPr/>
-          <p:nvPr/>
-        </p:nvSpPr>
-        <p:spPr>
-          <a:xfrm>
-            <a:off x="2392735" y="3222501"/>
-            <a:ext cx="4843560" cy="288032"/>
-          </a:xfrm>
-          <a:prstGeom prst="accentBorderCallout1">
-            <a:avLst>
-              <a:gd name="adj1" fmla="val 41898"/>
-              <a:gd name="adj2" fmla="val -2237"/>
-              <a:gd name="adj3" fmla="val 46362"/>
-              <a:gd name="adj4" fmla="val -12854"/>
-            </a:avLst>
-          </a:prstGeom>
-        </p:spPr>
-        <p:style>
-          <a:lnRef idx="1">
-            <a:schemeClr val="accent6"/>
-          </a:lnRef>
-          <a:fillRef idx="2">
-            <a:schemeClr val="accent6"/>
-          </a:fillRef>
-          <a:effectRef idx="1">
-            <a:schemeClr val="accent6"/>
-          </a:effectRef>
-          <a:fontRef idx="minor">
-            <a:schemeClr val="dk1"/>
-          </a:fontRef>
-        </p:style>
-        <p:txBody>
-          <a:bodyPr rtlCol="0" anchor="ctr"/>
-          <a:lstStyle/>
-          <a:p>
-            <a:r>
-              <a:rPr lang="zh-CN" altLang="en-US" sz="1400" dirty="0" smtClean="0"/>
-              <a:t>代码性能优化</a:t>
-            </a:r>
-            <a:r>
-              <a:rPr lang="en-US" altLang="zh-CN" sz="1400" dirty="0" smtClean="0"/>
-              <a:t>:  </a:t>
-            </a:r>
-            <a:r>
-              <a:rPr lang="zh-CN" altLang="en-US" sz="1400" dirty="0"/>
-              <a:t>如合理使用选择器、避免适用</a:t>
-            </a:r>
-            <a:r>
-              <a:rPr lang="zh-CN" altLang="en-US" sz="1400" dirty="0" smtClean="0"/>
-              <a:t>通配符</a:t>
-            </a:r>
-            <a:r>
-              <a:rPr lang="zh-CN" altLang="en-US" sz="1400" dirty="0"/>
-              <a:t>等等</a:t>
-            </a:r>
-          </a:p>
-        </p:txBody>
-      </p:sp>
-      <p:sp>
-        <p:nvSpPr>
-          <p:cNvPr id="15" name="流程图: 可选过程 14"/>
-          <p:cNvSpPr/>
-          <p:nvPr/>
-        </p:nvSpPr>
-        <p:spPr>
-          <a:xfrm>
-            <a:off x="406946" y="2310808"/>
-            <a:ext cx="1212726" cy="510924"/>
-          </a:xfrm>
-          <a:prstGeom prst="flowChartAlternateProcess">
-            <a:avLst/>
-          </a:prstGeom>
-        </p:spPr>
-        <p:style>
-          <a:lnRef idx="3">
-            <a:schemeClr val="lt1"/>
-          </a:lnRef>
-          <a:fillRef idx="1">
-            <a:schemeClr val="accent3"/>
-          </a:fillRef>
-          <a:effectRef idx="1">
-            <a:schemeClr val="accent3"/>
-          </a:effectRef>
-          <a:fontRef idx="minor">
-            <a:schemeClr val="lt1"/>
-          </a:fontRef>
-        </p:style>
-        <p:txBody>
-          <a:bodyPr rtlCol="0" anchor="ctr"/>
-          <a:lstStyle/>
-          <a:p>
-            <a:pPr algn="ctr"/>
-            <a:r>
-              <a:rPr lang="en-US" altLang="zh-CN" dirty="0" smtClean="0"/>
-              <a:t>CSS</a:t>
-            </a:r>
-            <a:endParaRPr lang="zh-CN" altLang="en-US" dirty="0"/>
-          </a:p>
-        </p:txBody>
-      </p:sp>
-      <p:sp>
-        <p:nvSpPr>
-          <p:cNvPr id="16" name="线形标注 1(带边框和强调线) 15"/>
-          <p:cNvSpPr/>
-          <p:nvPr/>
-        </p:nvSpPr>
-        <p:spPr>
-          <a:xfrm>
-            <a:off x="2421284" y="3683124"/>
-            <a:ext cx="4815011" cy="288032"/>
-          </a:xfrm>
-          <a:prstGeom prst="accentBorderCallout1">
-            <a:avLst>
-              <a:gd name="adj1" fmla="val 51819"/>
-              <a:gd name="adj2" fmla="val -2664"/>
-              <a:gd name="adj3" fmla="val 56283"/>
-              <a:gd name="adj4" fmla="val -13174"/>
-            </a:avLst>
-          </a:prstGeom>
-        </p:spPr>
-        <p:style>
-          <a:lnRef idx="1">
-            <a:schemeClr val="accent5"/>
-          </a:lnRef>
-          <a:fillRef idx="2">
-            <a:schemeClr val="accent5"/>
-          </a:fillRef>
-          <a:effectRef idx="1">
-            <a:schemeClr val="accent5"/>
-          </a:effectRef>
-          <a:fontRef idx="minor">
-            <a:schemeClr val="dk1"/>
-          </a:fontRef>
-        </p:style>
-        <p:txBody>
-          <a:bodyPr rtlCol="0" anchor="ctr"/>
-          <a:lstStyle/>
-          <a:p>
-            <a:r>
-              <a:rPr lang="zh-CN" altLang="en-US" sz="1400" dirty="0"/>
-              <a:t>使用</a:t>
-            </a:r>
-            <a:r>
-              <a:rPr lang="en-US" altLang="zh-CN" sz="1400" dirty="0" smtClean="0"/>
-              <a:t>CSS sprites</a:t>
-            </a:r>
-            <a:r>
-              <a:rPr lang="zh-CN" altLang="en-US" sz="1400" dirty="0" smtClean="0"/>
-              <a:t>，合并图片，减少请求量</a:t>
-            </a:r>
-            <a:endParaRPr lang="en-US" altLang="zh-CN" sz="1400" dirty="0"/>
-          </a:p>
-        </p:txBody>
-      </p:sp>
-      <p:sp>
-        <p:nvSpPr>
-          <p:cNvPr id="17" name="左大括号 16"/>
-          <p:cNvSpPr/>
-          <p:nvPr/>
-        </p:nvSpPr>
-        <p:spPr>
-          <a:xfrm>
-            <a:off x="1619672" y="3844308"/>
-            <a:ext cx="216024" cy="1143716"/>
-          </a:xfrm>
-          <a:prstGeom prst="leftBrace">
-            <a:avLst/>
-          </a:prstGeom>
-        </p:spPr>
-        <p:style>
-          <a:lnRef idx="1">
-            <a:schemeClr val="accent1"/>
-          </a:lnRef>
-          <a:fillRef idx="0">
-            <a:schemeClr val="accent1"/>
-          </a:fillRef>
-          <a:effectRef idx="0">
-            <a:schemeClr val="accent1"/>
-          </a:effectRef>
-          <a:fontRef idx="minor">
-            <a:schemeClr val="tx1"/>
-          </a:fontRef>
-        </p:style>
-        <p:txBody>
-          <a:bodyPr rtlCol="0" anchor="ctr"/>
-          <a:lstStyle/>
-          <a:p>
-            <a:pPr algn="ctr"/>
-            <a:endParaRPr lang="zh-CN" altLang="en-US"/>
-          </a:p>
-        </p:txBody>
-      </p:sp>
-      <p:sp>
-        <p:nvSpPr>
-          <p:cNvPr id="18" name="线形标注 1(带边框和强调线) 17"/>
-          <p:cNvSpPr/>
-          <p:nvPr/>
-        </p:nvSpPr>
-        <p:spPr>
-          <a:xfrm>
-            <a:off x="2411761" y="4274059"/>
-            <a:ext cx="4824535" cy="288032"/>
-          </a:xfrm>
-          <a:prstGeom prst="accentBorderCallout1">
-            <a:avLst>
-              <a:gd name="adj1" fmla="val 41898"/>
-              <a:gd name="adj2" fmla="val -2608"/>
-              <a:gd name="adj3" fmla="val 46362"/>
-              <a:gd name="adj4" fmla="val -14177"/>
-            </a:avLst>
-          </a:prstGeom>
-        </p:spPr>
-        <p:style>
-          <a:lnRef idx="1">
-            <a:schemeClr val="accent4"/>
-          </a:lnRef>
-          <a:fillRef idx="2">
-            <a:schemeClr val="accent4"/>
-          </a:fillRef>
-          <a:effectRef idx="1">
-            <a:schemeClr val="accent4"/>
-          </a:effectRef>
-          <a:fontRef idx="minor">
-            <a:schemeClr val="dk1"/>
-          </a:fontRef>
-        </p:style>
-        <p:txBody>
-          <a:bodyPr rtlCol="0" anchor="ctr"/>
-          <a:lstStyle/>
-          <a:p>
-            <a:r>
-              <a:rPr lang="zh-CN" altLang="en-US" sz="1400" dirty="0" smtClean="0"/>
-              <a:t>使用</a:t>
-            </a:r>
-            <a:r>
-              <a:rPr lang="en-US" altLang="zh-CN" sz="1400" dirty="0" smtClean="0"/>
-              <a:t>CSS </a:t>
-            </a:r>
-            <a:r>
-              <a:rPr lang="zh-CN" altLang="en-US" sz="1400" dirty="0" smtClean="0"/>
-              <a:t>平铺，降低图片尺寸</a:t>
-            </a:r>
-            <a:endParaRPr lang="zh-CN" altLang="en-US" sz="1400" dirty="0"/>
-          </a:p>
-        </p:txBody>
-      </p:sp>
-      <p:sp>
-        <p:nvSpPr>
-          <p:cNvPr id="20" name="线形标注 1(带边框和强调线) 19"/>
-          <p:cNvSpPr/>
-          <p:nvPr/>
-        </p:nvSpPr>
-        <p:spPr>
-          <a:xfrm>
-            <a:off x="2392735" y="4844008"/>
-            <a:ext cx="4843560" cy="288032"/>
-          </a:xfrm>
-          <a:prstGeom prst="accentBorderCallout1">
-            <a:avLst>
-              <a:gd name="adj1" fmla="val 41898"/>
-              <a:gd name="adj2" fmla="val -2237"/>
-              <a:gd name="adj3" fmla="val 46362"/>
-              <a:gd name="adj4" fmla="val -12854"/>
-            </a:avLst>
-          </a:prstGeom>
-        </p:spPr>
-        <p:style>
-          <a:lnRef idx="1">
-            <a:schemeClr val="accent6"/>
-          </a:lnRef>
-          <a:fillRef idx="2">
-            <a:schemeClr val="accent6"/>
-          </a:fillRef>
-          <a:effectRef idx="1">
-            <a:schemeClr val="accent6"/>
-          </a:effectRef>
-          <a:fontRef idx="minor">
-            <a:schemeClr val="dk1"/>
-          </a:fontRef>
-        </p:style>
-        <p:txBody>
-          <a:bodyPr rtlCol="0" anchor="ctr"/>
-          <a:lstStyle/>
-          <a:p>
-            <a:r>
-              <a:rPr lang="zh-CN" altLang="en-US" sz="1400" dirty="0" smtClean="0"/>
-              <a:t>合理选择图片格式和清晰度，降低图片大小</a:t>
-            </a:r>
-            <a:endParaRPr lang="zh-CN" altLang="en-US" sz="1400" dirty="0"/>
-          </a:p>
-        </p:txBody>
-      </p:sp>
-      <p:sp>
-        <p:nvSpPr>
-          <p:cNvPr id="21" name="流程图: 可选过程 20"/>
-          <p:cNvSpPr/>
-          <p:nvPr/>
-        </p:nvSpPr>
-        <p:spPr>
-          <a:xfrm>
-            <a:off x="406946" y="4132340"/>
-            <a:ext cx="1212726" cy="510924"/>
-          </a:xfrm>
-          <a:prstGeom prst="flowChartAlternateProcess">
-            <a:avLst/>
-          </a:prstGeom>
-        </p:spPr>
-        <p:style>
-          <a:lnRef idx="3">
-            <a:schemeClr val="lt1"/>
-          </a:lnRef>
-          <a:fillRef idx="1">
-            <a:schemeClr val="accent3"/>
-          </a:fillRef>
-          <a:effectRef idx="1">
-            <a:schemeClr val="accent3"/>
-          </a:effectRef>
-          <a:fontRef idx="minor">
-            <a:schemeClr val="lt1"/>
-          </a:fontRef>
-        </p:style>
-        <p:txBody>
-          <a:bodyPr rtlCol="0" anchor="ctr"/>
-          <a:lstStyle/>
-          <a:p>
-            <a:pPr algn="ctr"/>
-            <a:r>
-              <a:rPr lang="en-US" altLang="zh-CN" dirty="0" smtClean="0"/>
-              <a:t>Image</a:t>
-            </a:r>
-            <a:endParaRPr lang="zh-CN" altLang="en-US" dirty="0"/>
-          </a:p>
-        </p:txBody>
-      </p:sp>
-      <p:sp>
-        <p:nvSpPr>
-          <p:cNvPr id="22" name="线形标注 1(带边框和强调线) 21"/>
-          <p:cNvSpPr/>
-          <p:nvPr/>
-        </p:nvSpPr>
-        <p:spPr>
-          <a:xfrm>
-            <a:off x="2421284" y="5301208"/>
-            <a:ext cx="4815011" cy="288032"/>
-          </a:xfrm>
-          <a:prstGeom prst="accentBorderCallout1">
-            <a:avLst>
-              <a:gd name="adj1" fmla="val 51819"/>
-              <a:gd name="adj2" fmla="val -2664"/>
-              <a:gd name="adj3" fmla="val 56283"/>
-              <a:gd name="adj4" fmla="val -13174"/>
-            </a:avLst>
-          </a:prstGeom>
-        </p:spPr>
-        <p:style>
-          <a:lnRef idx="1">
-            <a:schemeClr val="accent5"/>
-          </a:lnRef>
-          <a:fillRef idx="2">
-            <a:schemeClr val="accent5"/>
-          </a:fillRef>
-          <a:effectRef idx="1">
-            <a:schemeClr val="accent5"/>
-          </a:effectRef>
-          <a:fontRef idx="minor">
-            <a:schemeClr val="dk1"/>
-          </a:fontRef>
-        </p:style>
-        <p:txBody>
-          <a:bodyPr rtlCol="0" anchor="ctr"/>
-          <a:lstStyle/>
-          <a:p>
-            <a:r>
-              <a:rPr lang="zh-CN" altLang="en-US" sz="1400" dirty="0" smtClean="0"/>
-              <a:t>语言层面优化：变量作用域</a:t>
-            </a:r>
-            <a:r>
-              <a:rPr lang="zh-CN" altLang="en-US" sz="1400" dirty="0"/>
-              <a:t>，函数作用域链，</a:t>
-            </a:r>
-            <a:r>
-              <a:rPr lang="zh-CN" altLang="en-US" sz="1400" dirty="0" smtClean="0"/>
-              <a:t>闭包等等</a:t>
-            </a:r>
-            <a:endParaRPr lang="en-US" altLang="zh-CN" sz="1400" dirty="0"/>
-          </a:p>
-        </p:txBody>
-      </p:sp>
-      <p:sp>
-        <p:nvSpPr>
-          <p:cNvPr id="23" name="左大括号 22"/>
-          <p:cNvSpPr/>
-          <p:nvPr/>
-        </p:nvSpPr>
-        <p:spPr>
-          <a:xfrm>
-            <a:off x="1619672" y="5462392"/>
-            <a:ext cx="216024" cy="1143716"/>
-          </a:xfrm>
-          <a:prstGeom prst="leftBrace">
-            <a:avLst/>
-          </a:prstGeom>
-        </p:spPr>
-        <p:style>
-          <a:lnRef idx="1">
-            <a:schemeClr val="accent1"/>
-          </a:lnRef>
-          <a:fillRef idx="0">
-            <a:schemeClr val="accent1"/>
-          </a:fillRef>
-          <a:effectRef idx="0">
-            <a:schemeClr val="accent1"/>
-          </a:effectRef>
-          <a:fontRef idx="minor">
-            <a:schemeClr val="tx1"/>
-          </a:fontRef>
-        </p:style>
-        <p:txBody>
-          <a:bodyPr rtlCol="0" anchor="ctr"/>
-          <a:lstStyle/>
-          <a:p>
-            <a:pPr algn="ctr"/>
-            <a:endParaRPr lang="zh-CN" altLang="en-US"/>
-          </a:p>
-        </p:txBody>
-      </p:sp>
-      <p:sp>
-        <p:nvSpPr>
-          <p:cNvPr id="24" name="线形标注 1(带边框和强调线) 23"/>
-          <p:cNvSpPr/>
-          <p:nvPr/>
-        </p:nvSpPr>
-        <p:spPr>
-          <a:xfrm>
-            <a:off x="2411761" y="5892143"/>
-            <a:ext cx="4824535" cy="288032"/>
-          </a:xfrm>
-          <a:prstGeom prst="accentBorderCallout1">
-            <a:avLst>
-              <a:gd name="adj1" fmla="val 41898"/>
-              <a:gd name="adj2" fmla="val -2608"/>
-              <a:gd name="adj3" fmla="val 46362"/>
-              <a:gd name="adj4" fmla="val -14177"/>
-            </a:avLst>
-          </a:prstGeom>
-        </p:spPr>
-        <p:style>
-          <a:lnRef idx="1">
-            <a:schemeClr val="accent4"/>
-          </a:lnRef>
-          <a:fillRef idx="2">
-            <a:schemeClr val="accent4"/>
-          </a:fillRef>
-          <a:effectRef idx="1">
-            <a:schemeClr val="accent4"/>
-          </a:effectRef>
-          <a:fontRef idx="minor">
-            <a:schemeClr val="dk1"/>
-          </a:fontRef>
-        </p:style>
-        <p:txBody>
-          <a:bodyPr rtlCol="0" anchor="ctr"/>
-          <a:lstStyle/>
-          <a:p>
-            <a:r>
-              <a:rPr lang="zh-CN" altLang="en-US" sz="1400" smtClean="0"/>
-              <a:t>结构优化：模块化，</a:t>
-            </a:r>
-            <a:endParaRPr lang="zh-CN" altLang="en-US" sz="1400" dirty="0"/>
-          </a:p>
-        </p:txBody>
-      </p:sp>
-      <p:sp>
-        <p:nvSpPr>
-          <p:cNvPr id="25" name="线形标注 1(带边框和强调线) 24"/>
-          <p:cNvSpPr/>
-          <p:nvPr/>
-        </p:nvSpPr>
-        <p:spPr>
-          <a:xfrm>
-            <a:off x="2392735" y="6462092"/>
-            <a:ext cx="4843560" cy="288032"/>
-          </a:xfrm>
-          <a:prstGeom prst="accentBorderCallout1">
-            <a:avLst>
-              <a:gd name="adj1" fmla="val 41898"/>
-              <a:gd name="adj2" fmla="val -2237"/>
-              <a:gd name="adj3" fmla="val 46362"/>
-              <a:gd name="adj4" fmla="val -12854"/>
-            </a:avLst>
-          </a:prstGeom>
-        </p:spPr>
-        <p:style>
-          <a:lnRef idx="1">
-            <a:schemeClr val="accent6"/>
-          </a:lnRef>
-          <a:fillRef idx="2">
-            <a:schemeClr val="accent6"/>
-          </a:fillRef>
-          <a:effectRef idx="1">
-            <a:schemeClr val="accent6"/>
-          </a:effectRef>
-          <a:fontRef idx="minor">
-            <a:schemeClr val="dk1"/>
-          </a:fontRef>
-        </p:style>
-        <p:txBody>
-          <a:bodyPr rtlCol="0" anchor="ctr"/>
-          <a:lstStyle/>
-          <a:p>
-            <a:r>
-              <a:rPr lang="zh-CN" altLang="en-US" sz="1400" dirty="0" smtClean="0"/>
-              <a:t>合理选择图片格式和清晰度，降低图片大小</a:t>
-            </a:r>
-            <a:endParaRPr lang="zh-CN" altLang="en-US" sz="1400" dirty="0"/>
-          </a:p>
-        </p:txBody>
-      </p:sp>
-      <p:sp>
-        <p:nvSpPr>
-          <p:cNvPr id="26" name="流程图: 可选过程 25"/>
-          <p:cNvSpPr/>
-          <p:nvPr/>
-        </p:nvSpPr>
-        <p:spPr>
-          <a:xfrm>
-            <a:off x="406946" y="5750424"/>
-            <a:ext cx="1212726" cy="510924"/>
-          </a:xfrm>
-          <a:prstGeom prst="flowChartAlternateProcess">
-            <a:avLst/>
-          </a:prstGeom>
-        </p:spPr>
-        <p:style>
-          <a:lnRef idx="3">
-            <a:schemeClr val="lt1"/>
-          </a:lnRef>
-          <a:fillRef idx="1">
-            <a:schemeClr val="accent3"/>
-          </a:fillRef>
-          <a:effectRef idx="1">
-            <a:schemeClr val="accent3"/>
-          </a:effectRef>
-          <a:fontRef idx="minor">
-            <a:schemeClr val="lt1"/>
-          </a:fontRef>
-        </p:style>
-        <p:txBody>
-          <a:bodyPr rtlCol="0" anchor="ctr"/>
-          <a:lstStyle/>
-          <a:p>
-            <a:pPr algn="ctr"/>
-            <a:r>
-              <a:rPr lang="en-US" altLang="zh-CN" dirty="0" err="1" smtClean="0"/>
-              <a:t>Javascript</a:t>
-            </a:r>
-            <a:endParaRPr lang="zh-CN" altLang="en-US" dirty="0"/>
-          </a:p>
-        </p:txBody>
-      </p:sp>
-    </p:spTree>
-    <p:extLst>
-      <p:ext uri="{BB962C8B-B14F-4D97-AF65-F5344CB8AC3E}">
-        <p14:creationId xmlns:p14="http://schemas.microsoft.com/office/powerpoint/2010/main" val="91801320"/>
-      </p:ext>
-    </p:extLst>
-  </p:cSld>
-  <p:clrMapOvr>
-    <a:masterClrMapping/>
-  </p:clrMapOvr>
-  <mc:AlternateContent xmlns:mc="http://schemas.openxmlformats.org/markup-compatibility/2006" xmlns:p14="http://schemas.microsoft.com/office/powerpoint/2010/main">
-    <mc:Choice Requires="p14">
-      <p:transition spd="slow" p14:dur="800">
-        <p:circle/>
-      </p:transition>
-    </mc:Choice>
-    <mc:Fallback xmlns="">
-      <p:transition spd="slow">
-        <p:circle/>
-      </p:transition>
-    </mc:Fallback>
-  </mc:AlternateContent>
-  <p:timing>
-    <p:tnLst>
-      <p:par>
-        <p:cTn id="1" dur="indefinite" restart="never" nodeType="tmRoot"/>
-      </p:par>
-    </p:tnLst>
-  </p:timing>
-</p:sld>
-</file>
-
-<file path=ppt/slides/slide11.xml><?xml version="1.0" encoding="utf-8"?>
 <p:sld xmlns:a="http://schemas.openxmlformats.org/drawingml/2006/main" xmlns:r="http://schemas.openxmlformats.org/officeDocument/2006/relationships" xmlns:p="http://schemas.openxmlformats.org/presentationml/2006/main">
   <p:cSld>
     <p:spTree>
@@ -12702,6 +11806,89 @@
           </a:p>
         </p:txBody>
       </p:sp>
+      <p:sp>
+        <p:nvSpPr>
+          <p:cNvPr id="11" name="线形标注 1(带强调线) 10"/>
+          <p:cNvSpPr/>
+          <p:nvPr/>
+        </p:nvSpPr>
+        <p:spPr>
+          <a:xfrm rot="5400000">
+            <a:off x="6033500" y="4220933"/>
+            <a:ext cx="648072" cy="1715726"/>
+          </a:xfrm>
+          <a:prstGeom prst="accentCallout1">
+            <a:avLst>
+              <a:gd name="adj1" fmla="val 48813"/>
+              <a:gd name="adj2" fmla="val -8333"/>
+              <a:gd name="adj3" fmla="val 48212"/>
+              <a:gd name="adj4" fmla="val -114393"/>
+            </a:avLst>
+          </a:prstGeom>
+        </p:spPr>
+        <p:style>
+          <a:lnRef idx="2">
+            <a:schemeClr val="accent4">
+              <a:shade val="50000"/>
+            </a:schemeClr>
+          </a:lnRef>
+          <a:fillRef idx="1">
+            <a:schemeClr val="accent4"/>
+          </a:fillRef>
+          <a:effectRef idx="0">
+            <a:schemeClr val="accent4"/>
+          </a:effectRef>
+          <a:fontRef idx="minor">
+            <a:schemeClr val="lt1"/>
+          </a:fontRef>
+        </p:style>
+        <p:txBody>
+          <a:bodyPr rtlCol="0" anchor="ctr"/>
+          <a:lstStyle/>
+          <a:p>
+            <a:pPr algn="ctr"/>
+            <a:endParaRPr lang="zh-CN" altLang="en-US" dirty="0"/>
+          </a:p>
+        </p:txBody>
+      </p:sp>
+      <p:sp>
+        <p:nvSpPr>
+          <p:cNvPr id="12" name="TextBox 11"/>
+          <p:cNvSpPr txBox="1"/>
+          <p:nvPr/>
+        </p:nvSpPr>
+        <p:spPr>
+          <a:xfrm>
+            <a:off x="6111314" y="4847964"/>
+            <a:ext cx="492443" cy="461665"/>
+          </a:xfrm>
+          <a:prstGeom prst="rect">
+            <a:avLst/>
+          </a:prstGeom>
+          <a:noFill/>
+        </p:spPr>
+        <p:txBody>
+          <a:bodyPr wrap="none" rtlCol="0">
+            <a:spAutoFit/>
+          </a:bodyPr>
+          <a:lstStyle/>
+          <a:p>
+            <a:r>
+              <a:rPr lang="zh-CN" altLang="en-US" sz="2400" dirty="0" smtClean="0">
+                <a:solidFill>
+                  <a:schemeClr val="bg1"/>
+                </a:solidFill>
+              </a:rPr>
+              <a:t>度</a:t>
+            </a:r>
+            <a:endParaRPr lang="zh-CN" altLang="en-US" sz="2400" dirty="0">
+              <a:solidFill>
+                <a:schemeClr val="bg1"/>
+              </a:solidFill>
+            </a:endParaRPr>
+          </a:p>
+        </p:txBody>
+      </p:sp>
     </p:spTree>
     <p:extLst>
       <p:ext uri="{BB962C8B-B14F-4D97-AF65-F5344CB8AC3E}">
@@ -12898,137 +12085,889 @@
           <a:p>
             <a:pPr algn="l"/>
             <a:r>
-              <a:rPr lang="zh-CN" altLang="en-US" dirty="0">
+              <a:rPr lang="zh-CN" altLang="en-US" dirty="0" smtClean="0">
                 <a:solidFill>
                   <a:schemeClr val="bg1"/>
                 </a:solidFill>
                 <a:latin typeface="方正大黑简体" pitchFamily="2" charset="-122"/>
                 <a:ea typeface="方正大黑简体" pitchFamily="2" charset="-122"/>
               </a:rPr>
-              <a:t>致谢</a:t>
-            </a:r>
-          </a:p>
-        </p:txBody>
-      </p:sp>
-      <p:pic>
-        <p:nvPicPr>
-          <p:cNvPr id="8" name="Picture 7" descr="D:\Program Files\Microsoft Office\MEDIA\CAGCAT10\j0284916.jpg"/>
-          <p:cNvPicPr>
-            <a:picLocks noChangeAspect="1" noChangeArrowheads="1"/>
-          </p:cNvPicPr>
+              <a:t>开发端优化</a:t>
+            </a:r>
+            <a:endParaRPr lang="zh-CN" altLang="en-US" dirty="0">
+              <a:solidFill>
+                <a:schemeClr val="bg1"/>
+              </a:solidFill>
+              <a:latin typeface="方正大黑简体" pitchFamily="2" charset="-122"/>
+              <a:ea typeface="方正大黑简体" pitchFamily="2" charset="-122"/>
+            </a:endParaRPr>
+          </a:p>
+        </p:txBody>
+      </p:sp>
+      <p:sp>
+        <p:nvSpPr>
+          <p:cNvPr id="2" name="TextBox 1"/>
+          <p:cNvSpPr txBox="1"/>
           <p:nvPr/>
-        </p:nvPicPr>
-        <p:blipFill>
-          <a:blip r:embed="rId2"/>
-          <a:srcRect/>
-          <a:stretch>
-            <a:fillRect/>
-          </a:stretch>
-        </p:blipFill>
-        <p:spPr bwMode="auto">
+        </p:nvSpPr>
+        <p:spPr>
           <a:xfrm>
-            <a:off x="4857752" y="2143116"/>
-            <a:ext cx="3888027" cy="2571768"/>
+            <a:off x="0" y="1043737"/>
+            <a:ext cx="9144000" cy="369332"/>
           </a:xfrm>
           <a:prstGeom prst="rect">
             <a:avLst/>
           </a:prstGeom>
-          <a:noFill/>
         </p:spPr>
-      </p:pic>
-      <p:sp>
-        <p:nvSpPr>
-          <p:cNvPr id="9" name="内容占位符 2"/>
-          <p:cNvSpPr txBox="1">
-            <a:spLocks/>
-          </p:cNvSpPr>
+        <p:style>
+          <a:lnRef idx="1">
+            <a:schemeClr val="accent5"/>
+          </a:lnRef>
+          <a:fillRef idx="2">
+            <a:schemeClr val="accent5"/>
+          </a:fillRef>
+          <a:effectRef idx="1">
+            <a:schemeClr val="accent5"/>
+          </a:effectRef>
+          <a:fontRef idx="minor">
+            <a:schemeClr val="dk1"/>
+          </a:fontRef>
+        </p:style>
+        <p:txBody>
+          <a:bodyPr wrap="square" rtlCol="0">
+            <a:spAutoFit/>
+          </a:bodyPr>
+          <a:lstStyle/>
+          <a:p>
+            <a:r>
+              <a:rPr lang="zh-CN" altLang="en-US" dirty="0"/>
+              <a:t>主要</a:t>
+            </a:r>
+            <a:r>
+              <a:rPr lang="zh-CN" altLang="en-US" dirty="0" smtClean="0"/>
+              <a:t>目的：优化资源体积，提高</a:t>
+            </a:r>
+            <a:r>
+              <a:rPr lang="zh-CN" altLang="en-US" dirty="0"/>
+              <a:t>运行</a:t>
+            </a:r>
+            <a:r>
+              <a:rPr lang="zh-CN" altLang="en-US" dirty="0" smtClean="0"/>
+              <a:t>效率，</a:t>
+            </a:r>
+            <a:r>
+              <a:rPr lang="zh-CN" altLang="en-US" dirty="0"/>
+              <a:t>降低维护难度</a:t>
+            </a:r>
+          </a:p>
+        </p:txBody>
+      </p:sp>
+      <p:sp>
+        <p:nvSpPr>
+          <p:cNvPr id="10" name="线形标注 1(带边框和强调线) 9"/>
+          <p:cNvSpPr/>
           <p:nvPr/>
         </p:nvSpPr>
-        <p:spPr bwMode="auto">
+        <p:spPr>
           <a:xfrm>
-            <a:off x="-36512" y="3286124"/>
-            <a:ext cx="8424863" cy="1428760"/>
+            <a:off x="2421284" y="1594892"/>
+            <a:ext cx="4815011" cy="288032"/>
           </a:xfrm>
-          <a:prstGeom prst="rect">
+          <a:prstGeom prst="accentBorderCallout1">
+            <a:avLst>
+              <a:gd name="adj1" fmla="val 51819"/>
+              <a:gd name="adj2" fmla="val -2664"/>
+              <a:gd name="adj3" fmla="val 56283"/>
+              <a:gd name="adj4" fmla="val -13174"/>
+            </a:avLst>
+          </a:prstGeom>
+        </p:spPr>
+        <p:style>
+          <a:lnRef idx="1">
+            <a:schemeClr val="accent5"/>
+          </a:lnRef>
+          <a:fillRef idx="2">
+            <a:schemeClr val="accent5"/>
+          </a:fillRef>
+          <a:effectRef idx="1">
+            <a:schemeClr val="accent5"/>
+          </a:effectRef>
+          <a:fontRef idx="minor">
+            <a:schemeClr val="dk1"/>
+          </a:fontRef>
+        </p:style>
+        <p:txBody>
+          <a:bodyPr rtlCol="0" anchor="ctr"/>
+          <a:lstStyle/>
+          <a:p>
+            <a:r>
+              <a:rPr lang="zh-CN" altLang="en-US" sz="1400" dirty="0"/>
+              <a:t>合写</a:t>
+            </a:r>
+            <a:r>
+              <a:rPr lang="en-US" altLang="zh-CN" sz="1400" dirty="0" smtClean="0"/>
+              <a:t>CSS:   </a:t>
+            </a:r>
+            <a:r>
+              <a:rPr lang="zh-CN" altLang="en-US" sz="1400" dirty="0" smtClean="0"/>
+              <a:t>如</a:t>
+            </a:r>
+            <a:r>
+              <a:rPr lang="en-US" altLang="zh-CN" sz="1400" dirty="0" smtClean="0"/>
+              <a:t>background</a:t>
+            </a:r>
+            <a:r>
+              <a:rPr lang="zh-CN" altLang="en-US" sz="1400" dirty="0" smtClean="0"/>
+              <a:t>，</a:t>
+            </a:r>
+            <a:r>
+              <a:rPr lang="en-US" altLang="zh-CN" sz="1400" dirty="0" smtClean="0"/>
+              <a:t>font</a:t>
+            </a:r>
+            <a:r>
+              <a:rPr lang="zh-CN" altLang="en-US" sz="1400" dirty="0" smtClean="0"/>
+              <a:t>，</a:t>
+            </a:r>
+            <a:r>
+              <a:rPr lang="en-US" altLang="zh-CN" sz="1400" dirty="0" smtClean="0"/>
+              <a:t>margin/padding</a:t>
+            </a:r>
+            <a:r>
+              <a:rPr lang="zh-CN" altLang="en-US" sz="1400" dirty="0" smtClean="0"/>
+              <a:t>，</a:t>
+            </a:r>
+            <a:r>
+              <a:rPr lang="en-US" altLang="zh-CN" sz="1400" dirty="0"/>
+              <a:t>border</a:t>
+            </a:r>
+          </a:p>
+        </p:txBody>
+      </p:sp>
+      <p:sp>
+        <p:nvSpPr>
+          <p:cNvPr id="11" name="左大括号 10"/>
+          <p:cNvSpPr/>
+          <p:nvPr/>
+        </p:nvSpPr>
+        <p:spPr>
+          <a:xfrm>
+            <a:off x="1619672" y="1756073"/>
+            <a:ext cx="216024" cy="1600919"/>
+          </a:xfrm>
+          <a:prstGeom prst="leftBrace">
             <a:avLst/>
           </a:prstGeom>
-          <a:noFill/>
-          <a:ln w="9525">
-            <a:noFill/>
-            <a:miter lim="800000"/>
-            <a:headEnd/>
-            <a:tailEnd/>
-          </a:ln>
-          <a:effectLst/>
         </p:spPr>
-        <p:txBody>
-          <a:bodyPr vert="horz" wrap="square" lIns="91440" tIns="45720" rIns="91440" bIns="45720" numCol="1" anchor="t" anchorCtr="0" compatLnSpc="1">
-            <a:prstTxWarp prst="textNoShape">
-              <a:avLst/>
-            </a:prstTxWarp>
-          </a:bodyPr>
+        <p:style>
+          <a:lnRef idx="1">
+            <a:schemeClr val="accent1"/>
+          </a:lnRef>
+          <a:fillRef idx="0">
+            <a:schemeClr val="accent1"/>
+          </a:fillRef>
+          <a:effectRef idx="0">
+            <a:schemeClr val="accent1"/>
+          </a:effectRef>
+          <a:fontRef idx="minor">
+            <a:schemeClr val="tx1"/>
+          </a:fontRef>
+        </p:style>
+        <p:txBody>
+          <a:bodyPr rtlCol="0" anchor="ctr"/>
           <a:lstStyle/>
           <a:p>
-            <a:pPr marL="342900" marR="0" lvl="0" indent="-342900" algn="l" defTabSz="914400" rtl="0" eaLnBrk="1" fontAlgn="base" latinLnBrk="0" hangingPunct="1">
-              <a:lnSpc>
-                <a:spcPct val="100000"/>
-              </a:lnSpc>
-              <a:spcBef>
-                <a:spcPct val="20000"/>
-              </a:spcBef>
-              <a:spcAft>
-                <a:spcPct val="0"/>
-              </a:spcAft>
-              <a:buClrTx/>
-              <a:buSzTx/>
-              <a:buFontTx/>
-              <a:buChar char="•"/>
-              <a:tabLst/>
-              <a:defRPr/>
-            </a:pPr>
-            <a:r>
-              <a:rPr kumimoji="1" lang="zh-CN" altLang="en-US" sz="3600" kern="0" dirty="0">
-                <a:latin typeface="微软雅黑" pitchFamily="34" charset="-122"/>
-                <a:ea typeface="微软雅黑" pitchFamily="34" charset="-122"/>
-              </a:rPr>
-              <a:t>感谢聆听，</a:t>
-            </a:r>
-            <a:r>
-              <a:rPr kumimoji="1" lang="zh-CN" altLang="en-US" sz="3600" b="0" i="0" u="none" strike="noStrike" kern="0" cap="none" spc="0" normalizeH="0" baseline="0" noProof="0" dirty="0" smtClean="0">
-                <a:ln>
-                  <a:noFill/>
-                </a:ln>
-                <a:solidFill>
-                  <a:schemeClr val="tx1"/>
-                </a:solidFill>
-                <a:effectLst/>
-                <a:uLnTx/>
-                <a:uFillTx/>
-                <a:latin typeface="微软雅黑" pitchFamily="34" charset="-122"/>
-                <a:ea typeface="微软雅黑" pitchFamily="34" charset="-122"/>
-              </a:rPr>
-              <a:t>讨论交流！</a:t>
-            </a:r>
-            <a:endParaRPr kumimoji="1" lang="zh-CN" altLang="en-US" sz="2800" b="0" i="0" u="none" strike="noStrike" kern="0" cap="none" spc="0" normalizeH="0" baseline="0" noProof="0" dirty="0">
-              <a:ln>
-                <a:noFill/>
-              </a:ln>
-              <a:solidFill>
-                <a:schemeClr val="tx1"/>
-              </a:solidFill>
-              <a:effectLst/>
-              <a:uLnTx/>
-              <a:uFillTx/>
-              <a:latin typeface="微软雅黑" pitchFamily="34" charset="-122"/>
-              <a:ea typeface="微软雅黑" pitchFamily="34" charset="-122"/>
-            </a:endParaRPr>
+            <a:pPr algn="ctr"/>
+            <a:endParaRPr lang="zh-CN" altLang="en-US"/>
+          </a:p>
+        </p:txBody>
+      </p:sp>
+      <p:sp>
+        <p:nvSpPr>
+          <p:cNvPr id="12" name="线形标注 1(带边框和强调线) 11"/>
+          <p:cNvSpPr/>
+          <p:nvPr/>
+        </p:nvSpPr>
+        <p:spPr>
+          <a:xfrm>
+            <a:off x="2411759" y="2119152"/>
+            <a:ext cx="4824535" cy="288032"/>
+          </a:xfrm>
+          <a:prstGeom prst="accentBorderCallout1">
+            <a:avLst>
+              <a:gd name="adj1" fmla="val 41898"/>
+              <a:gd name="adj2" fmla="val -2608"/>
+              <a:gd name="adj3" fmla="val 46362"/>
+              <a:gd name="adj4" fmla="val -14177"/>
+            </a:avLst>
+          </a:prstGeom>
+        </p:spPr>
+        <p:style>
+          <a:lnRef idx="1">
+            <a:schemeClr val="accent5"/>
+          </a:lnRef>
+          <a:fillRef idx="2">
+            <a:schemeClr val="accent5"/>
+          </a:fillRef>
+          <a:effectRef idx="1">
+            <a:schemeClr val="accent5"/>
+          </a:effectRef>
+          <a:fontRef idx="minor">
+            <a:schemeClr val="dk1"/>
+          </a:fontRef>
+        </p:style>
+        <p:txBody>
+          <a:bodyPr rtlCol="0" anchor="ctr"/>
+          <a:lstStyle/>
+          <a:p>
+            <a:r>
+              <a:rPr lang="zh-CN" altLang="en-US" sz="1400" dirty="0"/>
+              <a:t>利用</a:t>
+            </a:r>
+            <a:r>
+              <a:rPr lang="zh-CN" altLang="en-US" sz="1400" dirty="0" smtClean="0"/>
+              <a:t>继承</a:t>
+            </a:r>
+            <a:r>
+              <a:rPr lang="en-US" altLang="zh-CN" sz="1400" dirty="0" smtClean="0"/>
+              <a:t>:  </a:t>
+            </a:r>
+            <a:r>
+              <a:rPr lang="zh-CN" altLang="en-US" sz="1400" dirty="0" smtClean="0"/>
+              <a:t>把可共用的样式设置在父级元素上</a:t>
+            </a:r>
+            <a:endParaRPr lang="zh-CN" altLang="en-US" sz="1400" dirty="0"/>
+          </a:p>
+        </p:txBody>
+      </p:sp>
+      <p:sp>
+        <p:nvSpPr>
+          <p:cNvPr id="13" name="线形标注 1(带边框和强调线) 12"/>
+          <p:cNvSpPr/>
+          <p:nvPr/>
+        </p:nvSpPr>
+        <p:spPr>
+          <a:xfrm>
+            <a:off x="2392734" y="2677716"/>
+            <a:ext cx="4843559" cy="288032"/>
+          </a:xfrm>
+          <a:prstGeom prst="accentBorderCallout1">
+            <a:avLst>
+              <a:gd name="adj1" fmla="val 45205"/>
+              <a:gd name="adj2" fmla="val -2040"/>
+              <a:gd name="adj3" fmla="val 46362"/>
+              <a:gd name="adj4" fmla="val -13375"/>
+            </a:avLst>
+          </a:prstGeom>
+        </p:spPr>
+        <p:style>
+          <a:lnRef idx="1">
+            <a:schemeClr val="accent4"/>
+          </a:lnRef>
+          <a:fillRef idx="2">
+            <a:schemeClr val="accent4"/>
+          </a:fillRef>
+          <a:effectRef idx="1">
+            <a:schemeClr val="accent4"/>
+          </a:effectRef>
+          <a:fontRef idx="minor">
+            <a:schemeClr val="dk1"/>
+          </a:fontRef>
+        </p:style>
+        <p:txBody>
+          <a:bodyPr rtlCol="0" anchor="ctr"/>
+          <a:lstStyle/>
+          <a:p>
+            <a:r>
+              <a:rPr lang="zh-CN" altLang="en-US" sz="1400" dirty="0"/>
+              <a:t>移除多余的结构</a:t>
+            </a:r>
+            <a:r>
+              <a:rPr lang="en-US" altLang="zh-CN" sz="1400" dirty="0"/>
+              <a:t>(frameworks)</a:t>
+            </a:r>
+            <a:r>
+              <a:rPr lang="zh-CN" altLang="en-US" sz="1400" dirty="0"/>
+              <a:t>和重</a:t>
+            </a:r>
+            <a:r>
+              <a:rPr lang="zh-CN" altLang="en-US" sz="1400" dirty="0" smtClean="0"/>
+              <a:t>设</a:t>
+            </a:r>
+            <a:r>
+              <a:rPr lang="en-US" altLang="zh-CN" sz="1400" dirty="0" smtClean="0"/>
+              <a:t>(reset)</a:t>
+            </a:r>
+            <a:endParaRPr lang="zh-CN" altLang="en-US" sz="1400" dirty="0"/>
+          </a:p>
+        </p:txBody>
+      </p:sp>
+      <p:sp>
+        <p:nvSpPr>
+          <p:cNvPr id="14" name="线形标注 1(带边框和强调线) 13"/>
+          <p:cNvSpPr/>
+          <p:nvPr/>
+        </p:nvSpPr>
+        <p:spPr>
+          <a:xfrm>
+            <a:off x="2392735" y="3222501"/>
+            <a:ext cx="4843560" cy="288032"/>
+          </a:xfrm>
+          <a:prstGeom prst="accentBorderCallout1">
+            <a:avLst>
+              <a:gd name="adj1" fmla="val 41898"/>
+              <a:gd name="adj2" fmla="val -2237"/>
+              <a:gd name="adj3" fmla="val 46362"/>
+              <a:gd name="adj4" fmla="val -12854"/>
+            </a:avLst>
+          </a:prstGeom>
+        </p:spPr>
+        <p:style>
+          <a:lnRef idx="1">
+            <a:schemeClr val="accent6"/>
+          </a:lnRef>
+          <a:fillRef idx="2">
+            <a:schemeClr val="accent6"/>
+          </a:fillRef>
+          <a:effectRef idx="1">
+            <a:schemeClr val="accent6"/>
+          </a:effectRef>
+          <a:fontRef idx="minor">
+            <a:schemeClr val="dk1"/>
+          </a:fontRef>
+        </p:style>
+        <p:txBody>
+          <a:bodyPr rtlCol="0" anchor="ctr"/>
+          <a:lstStyle/>
+          <a:p>
+            <a:r>
+              <a:rPr lang="zh-CN" altLang="en-US" sz="1400" dirty="0" smtClean="0"/>
+              <a:t>代码性能优化</a:t>
+            </a:r>
+            <a:r>
+              <a:rPr lang="en-US" altLang="zh-CN" sz="1400" dirty="0" smtClean="0"/>
+              <a:t>:  </a:t>
+            </a:r>
+            <a:r>
+              <a:rPr lang="zh-CN" altLang="en-US" sz="1400" dirty="0"/>
+              <a:t>如合理使用选择器、避免适用</a:t>
+            </a:r>
+            <a:r>
+              <a:rPr lang="zh-CN" altLang="en-US" sz="1400" dirty="0" smtClean="0"/>
+              <a:t>通配符</a:t>
+            </a:r>
+            <a:r>
+              <a:rPr lang="zh-CN" altLang="en-US" sz="1400" dirty="0"/>
+              <a:t>等等</a:t>
+            </a:r>
+          </a:p>
+        </p:txBody>
+      </p:sp>
+      <p:sp>
+        <p:nvSpPr>
+          <p:cNvPr id="15" name="流程图: 可选过程 14"/>
+          <p:cNvSpPr/>
+          <p:nvPr/>
+        </p:nvSpPr>
+        <p:spPr>
+          <a:xfrm>
+            <a:off x="406946" y="2310808"/>
+            <a:ext cx="1212726" cy="510924"/>
+          </a:xfrm>
+          <a:prstGeom prst="flowChartAlternateProcess">
+            <a:avLst/>
+          </a:prstGeom>
+        </p:spPr>
+        <p:style>
+          <a:lnRef idx="3">
+            <a:schemeClr val="lt1"/>
+          </a:lnRef>
+          <a:fillRef idx="1">
+            <a:schemeClr val="accent3"/>
+          </a:fillRef>
+          <a:effectRef idx="1">
+            <a:schemeClr val="accent3"/>
+          </a:effectRef>
+          <a:fontRef idx="minor">
+            <a:schemeClr val="lt1"/>
+          </a:fontRef>
+        </p:style>
+        <p:txBody>
+          <a:bodyPr rtlCol="0" anchor="ctr"/>
+          <a:lstStyle/>
+          <a:p>
+            <a:pPr algn="ctr"/>
+            <a:r>
+              <a:rPr lang="en-US" altLang="zh-CN" dirty="0" smtClean="0"/>
+              <a:t>CSS</a:t>
+            </a:r>
+            <a:endParaRPr lang="zh-CN" altLang="en-US" dirty="0"/>
+          </a:p>
+        </p:txBody>
+      </p:sp>
+      <p:sp>
+        <p:nvSpPr>
+          <p:cNvPr id="16" name="线形标注 1(带边框和强调线) 15"/>
+          <p:cNvSpPr/>
+          <p:nvPr/>
+        </p:nvSpPr>
+        <p:spPr>
+          <a:xfrm>
+            <a:off x="2421284" y="3683124"/>
+            <a:ext cx="4815011" cy="288032"/>
+          </a:xfrm>
+          <a:prstGeom prst="accentBorderCallout1">
+            <a:avLst>
+              <a:gd name="adj1" fmla="val 51819"/>
+              <a:gd name="adj2" fmla="val -2664"/>
+              <a:gd name="adj3" fmla="val 56283"/>
+              <a:gd name="adj4" fmla="val -13174"/>
+            </a:avLst>
+          </a:prstGeom>
+        </p:spPr>
+        <p:style>
+          <a:lnRef idx="1">
+            <a:schemeClr val="accent5"/>
+          </a:lnRef>
+          <a:fillRef idx="2">
+            <a:schemeClr val="accent5"/>
+          </a:fillRef>
+          <a:effectRef idx="1">
+            <a:schemeClr val="accent5"/>
+          </a:effectRef>
+          <a:fontRef idx="minor">
+            <a:schemeClr val="dk1"/>
+          </a:fontRef>
+        </p:style>
+        <p:txBody>
+          <a:bodyPr rtlCol="0" anchor="ctr"/>
+          <a:lstStyle/>
+          <a:p>
+            <a:r>
+              <a:rPr lang="zh-CN" altLang="en-US" sz="1400" dirty="0"/>
+              <a:t>使用</a:t>
+            </a:r>
+            <a:r>
+              <a:rPr lang="en-US" altLang="zh-CN" sz="1400" dirty="0" smtClean="0"/>
+              <a:t>CSS sprites</a:t>
+            </a:r>
+            <a:r>
+              <a:rPr lang="zh-CN" altLang="en-US" sz="1400" dirty="0" smtClean="0"/>
+              <a:t>，合并图片，减少请求量</a:t>
+            </a:r>
+            <a:endParaRPr lang="en-US" altLang="zh-CN" sz="1400" dirty="0"/>
+          </a:p>
+        </p:txBody>
+      </p:sp>
+      <p:sp>
+        <p:nvSpPr>
+          <p:cNvPr id="17" name="左大括号 16"/>
+          <p:cNvSpPr/>
+          <p:nvPr/>
+        </p:nvSpPr>
+        <p:spPr>
+          <a:xfrm>
+            <a:off x="1619672" y="3844308"/>
+            <a:ext cx="216024" cy="1143716"/>
+          </a:xfrm>
+          <a:prstGeom prst="leftBrace">
+            <a:avLst/>
+          </a:prstGeom>
+        </p:spPr>
+        <p:style>
+          <a:lnRef idx="1">
+            <a:schemeClr val="accent1"/>
+          </a:lnRef>
+          <a:fillRef idx="0">
+            <a:schemeClr val="accent1"/>
+          </a:fillRef>
+          <a:effectRef idx="0">
+            <a:schemeClr val="accent1"/>
+          </a:effectRef>
+          <a:fontRef idx="minor">
+            <a:schemeClr val="tx1"/>
+          </a:fontRef>
+        </p:style>
+        <p:txBody>
+          <a:bodyPr rtlCol="0" anchor="ctr"/>
+          <a:lstStyle/>
+          <a:p>
+            <a:pPr algn="ctr"/>
+            <a:endParaRPr lang="zh-CN" altLang="en-US"/>
+          </a:p>
+        </p:txBody>
+      </p:sp>
+      <p:sp>
+        <p:nvSpPr>
+          <p:cNvPr id="18" name="线形标注 1(带边框和强调线) 17"/>
+          <p:cNvSpPr/>
+          <p:nvPr/>
+        </p:nvSpPr>
+        <p:spPr>
+          <a:xfrm>
+            <a:off x="2411761" y="4274059"/>
+            <a:ext cx="4824535" cy="288032"/>
+          </a:xfrm>
+          <a:prstGeom prst="accentBorderCallout1">
+            <a:avLst>
+              <a:gd name="adj1" fmla="val 41898"/>
+              <a:gd name="adj2" fmla="val -2608"/>
+              <a:gd name="adj3" fmla="val 46362"/>
+              <a:gd name="adj4" fmla="val -14177"/>
+            </a:avLst>
+          </a:prstGeom>
+        </p:spPr>
+        <p:style>
+          <a:lnRef idx="1">
+            <a:schemeClr val="accent4"/>
+          </a:lnRef>
+          <a:fillRef idx="2">
+            <a:schemeClr val="accent4"/>
+          </a:fillRef>
+          <a:effectRef idx="1">
+            <a:schemeClr val="accent4"/>
+          </a:effectRef>
+          <a:fontRef idx="minor">
+            <a:schemeClr val="dk1"/>
+          </a:fontRef>
+        </p:style>
+        <p:txBody>
+          <a:bodyPr rtlCol="0" anchor="ctr"/>
+          <a:lstStyle/>
+          <a:p>
+            <a:r>
+              <a:rPr lang="zh-CN" altLang="en-US" sz="1400" dirty="0" smtClean="0"/>
+              <a:t>使用</a:t>
+            </a:r>
+            <a:r>
+              <a:rPr lang="en-US" altLang="zh-CN" sz="1400" dirty="0" smtClean="0"/>
+              <a:t>CSS </a:t>
+            </a:r>
+            <a:r>
+              <a:rPr lang="zh-CN" altLang="en-US" sz="1400" dirty="0" smtClean="0"/>
+              <a:t>平铺，降低图片尺寸</a:t>
+            </a:r>
+            <a:endParaRPr lang="zh-CN" altLang="en-US" sz="1400" dirty="0"/>
+          </a:p>
+        </p:txBody>
+      </p:sp>
+      <p:sp>
+        <p:nvSpPr>
+          <p:cNvPr id="20" name="线形标注 1(带边框和强调线) 19"/>
+          <p:cNvSpPr/>
+          <p:nvPr/>
+        </p:nvSpPr>
+        <p:spPr>
+          <a:xfrm>
+            <a:off x="2392735" y="4844008"/>
+            <a:ext cx="4843560" cy="288032"/>
+          </a:xfrm>
+          <a:prstGeom prst="accentBorderCallout1">
+            <a:avLst>
+              <a:gd name="adj1" fmla="val 41898"/>
+              <a:gd name="adj2" fmla="val -2237"/>
+              <a:gd name="adj3" fmla="val 46362"/>
+              <a:gd name="adj4" fmla="val -12854"/>
+            </a:avLst>
+          </a:prstGeom>
+        </p:spPr>
+        <p:style>
+          <a:lnRef idx="1">
+            <a:schemeClr val="accent6"/>
+          </a:lnRef>
+          <a:fillRef idx="2">
+            <a:schemeClr val="accent6"/>
+          </a:fillRef>
+          <a:effectRef idx="1">
+            <a:schemeClr val="accent6"/>
+          </a:effectRef>
+          <a:fontRef idx="minor">
+            <a:schemeClr val="dk1"/>
+          </a:fontRef>
+        </p:style>
+        <p:txBody>
+          <a:bodyPr rtlCol="0" anchor="ctr"/>
+          <a:lstStyle/>
+          <a:p>
+            <a:r>
+              <a:rPr lang="zh-CN" altLang="en-US" sz="1400" dirty="0" smtClean="0"/>
+              <a:t>合理选择图片格式和清晰度，降低图片大小</a:t>
+            </a:r>
+            <a:endParaRPr lang="zh-CN" altLang="en-US" sz="1400" dirty="0"/>
+          </a:p>
+        </p:txBody>
+      </p:sp>
+      <p:sp>
+        <p:nvSpPr>
+          <p:cNvPr id="21" name="流程图: 可选过程 20"/>
+          <p:cNvSpPr/>
+          <p:nvPr/>
+        </p:nvSpPr>
+        <p:spPr>
+          <a:xfrm>
+            <a:off x="406946" y="4132340"/>
+            <a:ext cx="1212726" cy="510924"/>
+          </a:xfrm>
+          <a:prstGeom prst="flowChartAlternateProcess">
+            <a:avLst/>
+          </a:prstGeom>
+        </p:spPr>
+        <p:style>
+          <a:lnRef idx="3">
+            <a:schemeClr val="lt1"/>
+          </a:lnRef>
+          <a:fillRef idx="1">
+            <a:schemeClr val="accent3"/>
+          </a:fillRef>
+          <a:effectRef idx="1">
+            <a:schemeClr val="accent3"/>
+          </a:effectRef>
+          <a:fontRef idx="minor">
+            <a:schemeClr val="lt1"/>
+          </a:fontRef>
+        </p:style>
+        <p:txBody>
+          <a:bodyPr rtlCol="0" anchor="ctr"/>
+          <a:lstStyle/>
+          <a:p>
+            <a:pPr algn="ctr"/>
+            <a:r>
+              <a:rPr lang="en-US" altLang="zh-CN" dirty="0" smtClean="0"/>
+              <a:t>Image</a:t>
+            </a:r>
+            <a:endParaRPr lang="zh-CN" altLang="en-US" dirty="0"/>
+          </a:p>
+        </p:txBody>
+      </p:sp>
+      <p:sp>
+        <p:nvSpPr>
+          <p:cNvPr id="22" name="线形标注 1(带边框和强调线) 21"/>
+          <p:cNvSpPr/>
+          <p:nvPr/>
+        </p:nvSpPr>
+        <p:spPr>
+          <a:xfrm>
+            <a:off x="2421284" y="5301208"/>
+            <a:ext cx="4815011" cy="288032"/>
+          </a:xfrm>
+          <a:prstGeom prst="accentBorderCallout1">
+            <a:avLst>
+              <a:gd name="adj1" fmla="val 51819"/>
+              <a:gd name="adj2" fmla="val -2664"/>
+              <a:gd name="adj3" fmla="val 56283"/>
+              <a:gd name="adj4" fmla="val -13174"/>
+            </a:avLst>
+          </a:prstGeom>
+        </p:spPr>
+        <p:style>
+          <a:lnRef idx="1">
+            <a:schemeClr val="accent5"/>
+          </a:lnRef>
+          <a:fillRef idx="2">
+            <a:schemeClr val="accent5"/>
+          </a:fillRef>
+          <a:effectRef idx="1">
+            <a:schemeClr val="accent5"/>
+          </a:effectRef>
+          <a:fontRef idx="minor">
+            <a:schemeClr val="dk1"/>
+          </a:fontRef>
+        </p:style>
+        <p:txBody>
+          <a:bodyPr rtlCol="0" anchor="ctr"/>
+          <a:lstStyle/>
+          <a:p>
+            <a:r>
+              <a:rPr lang="zh-CN" altLang="en-US" sz="1400" dirty="0" smtClean="0"/>
+              <a:t>语言层面优化：变量作用域</a:t>
+            </a:r>
+            <a:r>
+              <a:rPr lang="zh-CN" altLang="en-US" sz="1400" dirty="0"/>
+              <a:t>，函数作用域链，</a:t>
+            </a:r>
+            <a:r>
+              <a:rPr lang="zh-CN" altLang="en-US" sz="1400" dirty="0" smtClean="0"/>
+              <a:t>闭包等等</a:t>
+            </a:r>
+            <a:endParaRPr lang="en-US" altLang="zh-CN" sz="1400" dirty="0"/>
+          </a:p>
+        </p:txBody>
+      </p:sp>
+      <p:sp>
+        <p:nvSpPr>
+          <p:cNvPr id="23" name="左大括号 22"/>
+          <p:cNvSpPr/>
+          <p:nvPr/>
+        </p:nvSpPr>
+        <p:spPr>
+          <a:xfrm>
+            <a:off x="1619672" y="5462392"/>
+            <a:ext cx="216024" cy="1143716"/>
+          </a:xfrm>
+          <a:prstGeom prst="leftBrace">
+            <a:avLst/>
+          </a:prstGeom>
+        </p:spPr>
+        <p:style>
+          <a:lnRef idx="1">
+            <a:schemeClr val="accent1"/>
+          </a:lnRef>
+          <a:fillRef idx="0">
+            <a:schemeClr val="accent1"/>
+          </a:fillRef>
+          <a:effectRef idx="0">
+            <a:schemeClr val="accent1"/>
+          </a:effectRef>
+          <a:fontRef idx="minor">
+            <a:schemeClr val="tx1"/>
+          </a:fontRef>
+        </p:style>
+        <p:txBody>
+          <a:bodyPr rtlCol="0" anchor="ctr"/>
+          <a:lstStyle/>
+          <a:p>
+            <a:pPr algn="ctr"/>
+            <a:endParaRPr lang="zh-CN" altLang="en-US"/>
+          </a:p>
+        </p:txBody>
+      </p:sp>
+      <p:sp>
+        <p:nvSpPr>
+          <p:cNvPr id="24" name="线形标注 1(带边框和强调线) 23"/>
+          <p:cNvSpPr/>
+          <p:nvPr/>
+        </p:nvSpPr>
+        <p:spPr>
+          <a:xfrm>
+            <a:off x="2411761" y="5892143"/>
+            <a:ext cx="4824535" cy="288032"/>
+          </a:xfrm>
+          <a:prstGeom prst="accentBorderCallout1">
+            <a:avLst>
+              <a:gd name="adj1" fmla="val 41898"/>
+              <a:gd name="adj2" fmla="val -2608"/>
+              <a:gd name="adj3" fmla="val 46362"/>
+              <a:gd name="adj4" fmla="val -14177"/>
+            </a:avLst>
+          </a:prstGeom>
+        </p:spPr>
+        <p:style>
+          <a:lnRef idx="1">
+            <a:schemeClr val="accent4"/>
+          </a:lnRef>
+          <a:fillRef idx="2">
+            <a:schemeClr val="accent4"/>
+          </a:fillRef>
+          <a:effectRef idx="1">
+            <a:schemeClr val="accent4"/>
+          </a:effectRef>
+          <a:fontRef idx="minor">
+            <a:schemeClr val="dk1"/>
+          </a:fontRef>
+        </p:style>
+        <p:txBody>
+          <a:bodyPr rtlCol="0" anchor="ctr"/>
+          <a:lstStyle/>
+          <a:p>
+            <a:r>
+              <a:rPr lang="zh-CN" altLang="en-US" sz="1400" smtClean="0"/>
+              <a:t>结构优化：模块化，</a:t>
+            </a:r>
+            <a:endParaRPr lang="zh-CN" altLang="en-US" sz="1400" dirty="0"/>
+          </a:p>
+        </p:txBody>
+      </p:sp>
+      <p:sp>
+        <p:nvSpPr>
+          <p:cNvPr id="25" name="线形标注 1(带边框和强调线) 24"/>
+          <p:cNvSpPr/>
+          <p:nvPr/>
+        </p:nvSpPr>
+        <p:spPr>
+          <a:xfrm>
+            <a:off x="2392735" y="6462092"/>
+            <a:ext cx="4843560" cy="288032"/>
+          </a:xfrm>
+          <a:prstGeom prst="accentBorderCallout1">
+            <a:avLst>
+              <a:gd name="adj1" fmla="val 41898"/>
+              <a:gd name="adj2" fmla="val -2237"/>
+              <a:gd name="adj3" fmla="val 46362"/>
+              <a:gd name="adj4" fmla="val -12854"/>
+            </a:avLst>
+          </a:prstGeom>
+        </p:spPr>
+        <p:style>
+          <a:lnRef idx="1">
+            <a:schemeClr val="accent6"/>
+          </a:lnRef>
+          <a:fillRef idx="2">
+            <a:schemeClr val="accent6"/>
+          </a:fillRef>
+          <a:effectRef idx="1">
+            <a:schemeClr val="accent6"/>
+          </a:effectRef>
+          <a:fontRef idx="minor">
+            <a:schemeClr val="dk1"/>
+          </a:fontRef>
+        </p:style>
+        <p:txBody>
+          <a:bodyPr rtlCol="0" anchor="ctr"/>
+          <a:lstStyle/>
+          <a:p>
+            <a:r>
+              <a:rPr lang="zh-CN" altLang="en-US" sz="1400" dirty="0" smtClean="0"/>
+              <a:t>合理选择图片格式和清晰度，降低图片大小</a:t>
+            </a:r>
+            <a:endParaRPr lang="zh-CN" altLang="en-US" sz="1400" dirty="0"/>
+          </a:p>
+        </p:txBody>
+      </p:sp>
+      <p:sp>
+        <p:nvSpPr>
+          <p:cNvPr id="26" name="流程图: 可选过程 25"/>
+          <p:cNvSpPr/>
+          <p:nvPr/>
+        </p:nvSpPr>
+        <p:spPr>
+          <a:xfrm>
+            <a:off x="406946" y="5750424"/>
+            <a:ext cx="1212726" cy="510924"/>
+          </a:xfrm>
+          <a:prstGeom prst="flowChartAlternateProcess">
+            <a:avLst/>
+          </a:prstGeom>
+        </p:spPr>
+        <p:style>
+          <a:lnRef idx="3">
+            <a:schemeClr val="lt1"/>
+          </a:lnRef>
+          <a:fillRef idx="1">
+            <a:schemeClr val="accent3"/>
+          </a:fillRef>
+          <a:effectRef idx="1">
+            <a:schemeClr val="accent3"/>
+          </a:effectRef>
+          <a:fontRef idx="minor">
+            <a:schemeClr val="lt1"/>
+          </a:fontRef>
+        </p:style>
+        <p:txBody>
+          <a:bodyPr rtlCol="0" anchor="ctr"/>
+          <a:lstStyle/>
+          <a:p>
+            <a:pPr algn="ctr"/>
+            <a:r>
+              <a:rPr lang="en-US" altLang="zh-CN" dirty="0" err="1" smtClean="0"/>
+              <a:t>Javascript</a:t>
+            </a:r>
+            <a:endParaRPr lang="zh-CN" altLang="en-US" dirty="0"/>
           </a:p>
         </p:txBody>
       </p:sp>
     </p:spTree>
     <p:extLst>
       <p:ext uri="{BB962C8B-B14F-4D97-AF65-F5344CB8AC3E}">
-        <p14:creationId xmlns:p14="http://schemas.microsoft.com/office/powerpoint/2010/main" val="3072570691"/>
+        <p14:creationId xmlns:p14="http://schemas.microsoft.com/office/powerpoint/2010/main" val="91801320"/>
       </p:ext>
     </p:extLst>
   </p:cSld>

--- a/前端优化.pptx
+++ b/前端优化.pptx
@@ -5,19 +5,21 @@
     <p:sldMasterId id="2147483660" r:id="rId1"/>
   </p:sldMasterIdLst>
   <p:notesMasterIdLst>
-    <p:notesMasterId r:id="rId12"/>
+    <p:notesMasterId r:id="rId14"/>
   </p:notesMasterIdLst>
   <p:sldIdLst>
     <p:sldId id="256" r:id="rId2"/>
-    <p:sldId id="489" r:id="rId3"/>
-    <p:sldId id="554" r:id="rId4"/>
-    <p:sldId id="499" r:id="rId5"/>
-    <p:sldId id="512" r:id="rId6"/>
-    <p:sldId id="553" r:id="rId7"/>
-    <p:sldId id="555" r:id="rId8"/>
-    <p:sldId id="558" r:id="rId9"/>
-    <p:sldId id="559" r:id="rId10"/>
-    <p:sldId id="557" r:id="rId11"/>
+    <p:sldId id="553" r:id="rId3"/>
+    <p:sldId id="489" r:id="rId4"/>
+    <p:sldId id="560" r:id="rId5"/>
+    <p:sldId id="554" r:id="rId6"/>
+    <p:sldId id="499" r:id="rId7"/>
+    <p:sldId id="512" r:id="rId8"/>
+    <p:sldId id="561" r:id="rId9"/>
+    <p:sldId id="555" r:id="rId10"/>
+    <p:sldId id="558" r:id="rId11"/>
+    <p:sldId id="559" r:id="rId12"/>
+    <p:sldId id="557" r:id="rId13"/>
   </p:sldIdLst>
   <p:sldSz cx="9144000" cy="6858000" type="screen4x3"/>
   <p:notesSz cx="6858000" cy="9144000"/>
@@ -202,7 +204,7 @@
             <a:fld id="{CE1D0BA2-A4A1-4B11-81FA-5EAFBA8CF391}" type="datetimeFigureOut">
               <a:rPr lang="zh-CN" altLang="en-US" smtClean="0"/>
               <a:pPr/>
-              <a:t>2016/7/18</a:t>
+              <a:t>2016/8/16</a:t>
             </a:fld>
             <a:endParaRPr lang="zh-CN" altLang="en-US"/>
           </a:p>
@@ -517,7 +519,7 @@
           <a:p>
             <a:r>
               <a:rPr lang="zh-CN" altLang="en-US" dirty="0" smtClean="0"/>
-              <a:t>大家好，我是平台产品部谭金祥，今天我要分享的是</a:t>
+              <a:t>大家好，我是开发部谭金祥，今天我要分享的是</a:t>
             </a:r>
             <a:r>
               <a:rPr lang="en-US" altLang="zh-CN" dirty="0" smtClean="0"/>
@@ -532,15 +534,34 @@
           <a:p>
             <a:r>
               <a:rPr lang="zh-CN" altLang="en-US" dirty="0" smtClean="0"/>
-              <a:t>大家知道我是在做后台的，其实我最早学的计算机课程就是</a:t>
+              <a:t>大家知道我是在做后台的，对前端其实并没有太深入的研究，今天来分享前端内容有点赶鸭子上架，所以今天内容不会太深，只是分享下我对前端优化的看法，算是抛砖引玉吧。</a:t>
+            </a:r>
+            <a:endParaRPr lang="en-US" altLang="zh-CN" dirty="0" smtClean="0"/>
+          </a:p>
+          <a:p>
+            <a:r>
+              <a:rPr lang="zh-CN" altLang="en-US" dirty="0" smtClean="0"/>
+              <a:t>大家知道</a:t>
             </a:r>
             <a:r>
               <a:rPr lang="en-US" altLang="zh-CN" dirty="0" smtClean="0"/>
-              <a:t>html</a:t>
+              <a:t>web </a:t>
             </a:r>
             <a:r>
               <a:rPr lang="zh-CN" altLang="en-US" dirty="0" smtClean="0"/>
-              <a:t>页面制作，只是后来发现自己美感实在太差了，不得不转后台了，因此我对前端也没太深入去研究。所以今天分享也只是抛砖引玉，分享下我对前端优化的看法。</a:t>
+              <a:t>优化可以在很多方面入手的，粗一点分也有前端优化、代码优化、数据库优化、</a:t>
+            </a:r>
+            <a:r>
+              <a:rPr lang="en-US" altLang="zh-CN" dirty="0" smtClean="0"/>
+              <a:t>JVM</a:t>
+            </a:r>
+            <a:r>
+              <a:rPr lang="en-US" altLang="zh-CN" baseline="0" dirty="0" smtClean="0"/>
+              <a:t> </a:t>
+            </a:r>
+            <a:r>
+              <a:rPr lang="zh-CN" altLang="en-US" baseline="0" dirty="0" smtClean="0"/>
+              <a:t>优化、架构优化等等，那前端优化在什么位置呢，</a:t>
             </a:r>
             <a:endParaRPr lang="en-US" altLang="zh-CN" dirty="0" smtClean="0"/>
           </a:p>
@@ -580,6 +601,659 @@
     <p:extLst>
       <p:ext uri="{BB962C8B-B14F-4D97-AF65-F5344CB8AC3E}">
         <p14:creationId xmlns:p14="http://schemas.microsoft.com/office/powerpoint/2010/main" val="166257549"/>
+      </p:ext>
+    </p:extLst>
+  </p:cSld>
+  <p:clrMapOvr>
+    <a:masterClrMapping/>
+  </p:clrMapOvr>
+</p:notes>
+</file>
+
+<file path=ppt/notesSlides/notesSlide10.xml><?xml version="1.0" encoding="utf-8"?>
+<p:notes xmlns:a="http://schemas.openxmlformats.org/drawingml/2006/main" xmlns:r="http://schemas.openxmlformats.org/officeDocument/2006/relationships" xmlns:p="http://schemas.openxmlformats.org/presentationml/2006/main">
+  <p:cSld>
+    <p:spTree>
+      <p:nvGrpSpPr>
+        <p:cNvPr id="1" name=""/>
+        <p:cNvGrpSpPr/>
+        <p:nvPr/>
+      </p:nvGrpSpPr>
+      <p:grpSpPr>
+        <a:xfrm>
+          <a:off x="0" y="0"/>
+          <a:ext cx="0" cy="0"/>
+          <a:chOff x="0" y="0"/>
+          <a:chExt cx="0" cy="0"/>
+        </a:xfrm>
+      </p:grpSpPr>
+      <p:sp>
+        <p:nvSpPr>
+          <p:cNvPr id="2" name="幻灯片图像占位符 1"/>
+          <p:cNvSpPr>
+            <a:spLocks noGrp="1" noRot="1" noChangeAspect="1"/>
+          </p:cNvSpPr>
+          <p:nvPr>
+            <p:ph type="sldImg"/>
+          </p:nvPr>
+        </p:nvSpPr>
+        <p:spPr/>
+      </p:sp>
+      <p:sp>
+        <p:nvSpPr>
+          <p:cNvPr id="3" name="备注占位符 2"/>
+          <p:cNvSpPr>
+            <a:spLocks noGrp="1"/>
+          </p:cNvSpPr>
+          <p:nvPr>
+            <p:ph type="body" idx="1"/>
+          </p:nvPr>
+        </p:nvSpPr>
+        <p:spPr/>
+        <p:txBody>
+          <a:bodyPr/>
+          <a:lstStyle/>
+          <a:p>
+            <a:r>
+              <a:rPr lang="zh-CN" altLang="en-US" dirty="0" smtClean="0"/>
+              <a:t>近，也很好理解，两成含义： </a:t>
+            </a:r>
+            <a:endParaRPr lang="en-US" altLang="zh-CN" dirty="0" smtClean="0"/>
+          </a:p>
+          <a:p>
+            <a:r>
+              <a:rPr lang="zh-CN" altLang="en-US" dirty="0" smtClean="0"/>
+              <a:t>一 就是减少资源经过处理层次。通俗的将就是减少中间环节。</a:t>
+            </a:r>
+            <a:endParaRPr lang="en-US" altLang="zh-CN" dirty="0" smtClean="0"/>
+          </a:p>
+          <a:p>
+            <a:r>
+              <a:rPr lang="zh-CN" altLang="en-US" dirty="0" smtClean="0"/>
+              <a:t>实现方式：</a:t>
+            </a:r>
+            <a:r>
+              <a:rPr lang="zh-CN" altLang="en-US" baseline="0" dirty="0" smtClean="0"/>
+              <a:t> 反向代理，让更时候处理静态资源的容器去处理，常用的方案</a:t>
+            </a:r>
+            <a:r>
+              <a:rPr lang="en-US" altLang="zh-CN" baseline="0" dirty="0" err="1" smtClean="0"/>
+              <a:t>nginx</a:t>
+            </a:r>
+            <a:r>
+              <a:rPr lang="en-US" altLang="zh-CN" baseline="0" dirty="0" smtClean="0"/>
+              <a:t> </a:t>
+            </a:r>
+            <a:r>
+              <a:rPr lang="zh-CN" altLang="en-US" baseline="0" dirty="0" smtClean="0"/>
+              <a:t>或 </a:t>
+            </a:r>
+            <a:r>
+              <a:rPr lang="en-US" altLang="zh-CN" baseline="0" dirty="0" smtClean="0"/>
+              <a:t>apache http </a:t>
+            </a:r>
+            <a:r>
+              <a:rPr lang="zh-CN" altLang="en-US" baseline="0" dirty="0" smtClean="0"/>
+              <a:t>做反向代理。</a:t>
+            </a:r>
+            <a:endParaRPr lang="en-US" altLang="zh-CN" baseline="0" dirty="0" smtClean="0"/>
+          </a:p>
+          <a:p>
+            <a:r>
+              <a:rPr lang="zh-CN" altLang="en-US" baseline="0" dirty="0" smtClean="0"/>
+              <a:t>不用代理的，也要在容器上做响应的优化，如</a:t>
+            </a:r>
+            <a:r>
+              <a:rPr lang="en-US" altLang="zh-CN" baseline="0" dirty="0" smtClean="0"/>
+              <a:t>tomcat </a:t>
+            </a:r>
+            <a:r>
+              <a:rPr lang="zh-CN" altLang="en-US" baseline="0" dirty="0" smtClean="0"/>
+              <a:t>可以配置专用的</a:t>
+            </a:r>
+            <a:r>
+              <a:rPr lang="en-US" altLang="zh-CN" baseline="0" dirty="0" smtClean="0"/>
+              <a:t>servlet</a:t>
+            </a:r>
+            <a:r>
+              <a:rPr lang="zh-CN" altLang="en-US" baseline="0" dirty="0" smtClean="0"/>
+              <a:t>处理等等</a:t>
+            </a:r>
+            <a:endParaRPr lang="en-US" altLang="zh-CN" baseline="0" dirty="0" smtClean="0"/>
+          </a:p>
+          <a:p>
+            <a:r>
+              <a:rPr lang="zh-CN" altLang="en-US" baseline="0" dirty="0" smtClean="0"/>
+              <a:t>二 就是拉近资源与用户的距离。看起来是光速传输，远点近点似乎关系不大。但参与过秒杀的就知道，没这么简单。况且秒杀的系统都是专门架构和优化过的。其实你们跟踪下路由就知道，我在公司跟踪了下教研平台的外网，经过了</a:t>
+            </a:r>
+            <a:r>
+              <a:rPr lang="en-US" altLang="zh-CN" baseline="0" dirty="0" smtClean="0"/>
+              <a:t>11</a:t>
+            </a:r>
+            <a:r>
+              <a:rPr lang="zh-CN" altLang="en-US" baseline="0" dirty="0" smtClean="0"/>
+              <a:t>个路由，这是机房在北京的，另外我国的网络运营商间的距离还是那么的遥远，即使使用</a:t>
+            </a:r>
+            <a:r>
+              <a:rPr lang="en-US" altLang="zh-CN" baseline="0" dirty="0" smtClean="0"/>
+              <a:t>BGP</a:t>
+            </a:r>
+            <a:r>
+              <a:rPr lang="zh-CN" altLang="en-US" baseline="0" dirty="0" smtClean="0"/>
+              <a:t>，跨个网依然快不了。这是就只能依赖。</a:t>
+            </a:r>
+            <a:r>
+              <a:rPr lang="en-US" altLang="zh-CN" baseline="0" dirty="0" smtClean="0"/>
+              <a:t>CND </a:t>
+            </a:r>
+            <a:r>
+              <a:rPr lang="zh-CN" altLang="en-US" baseline="0" dirty="0" smtClean="0"/>
+              <a:t>原理很简单，本质就是缓存，只是说它是缓存到距离用户最近或响应较快的服务器端，这样用户请求不用跑老远来请求我们自己的服务器了</a:t>
+            </a:r>
+            <a:r>
+              <a:rPr lang="en-US" altLang="zh-CN" baseline="0" dirty="0" smtClean="0"/>
+              <a:t>,</a:t>
+            </a:r>
+            <a:r>
+              <a:rPr lang="zh-CN" altLang="en-US" baseline="0" dirty="0" smtClean="0"/>
+              <a:t>即降低了服务器压力，又增加了用户体验。</a:t>
+            </a:r>
+            <a:endParaRPr lang="en-US" altLang="zh-CN" baseline="0" dirty="0" smtClean="0"/>
+          </a:p>
+          <a:p>
+            <a:r>
+              <a:rPr lang="zh-CN" altLang="en-US" baseline="0" dirty="0" smtClean="0"/>
+              <a:t>而且实施起来也比较简单的，除了要发钱外。所以我们唯一要做的就是计算好收益与成本，当然既然是缓存，他也就有缓存的缺点。</a:t>
+            </a:r>
+            <a:endParaRPr lang="en-US" altLang="zh-CN" baseline="0" dirty="0" smtClean="0"/>
+          </a:p>
+          <a:p>
+            <a:endParaRPr lang="en-US" altLang="zh-CN" baseline="0" dirty="0" smtClean="0"/>
+          </a:p>
+          <a:p>
+            <a:r>
+              <a:rPr lang="zh-CN" altLang="en-US" baseline="0" dirty="0" smtClean="0"/>
+              <a:t>小，也比较好理解，就是减少体积。 常见的方法就是压缩，图片压缩，</a:t>
+            </a:r>
+            <a:r>
+              <a:rPr lang="en-US" altLang="zh-CN" baseline="0" dirty="0" err="1" smtClean="0"/>
+              <a:t>js</a:t>
+            </a:r>
+            <a:r>
+              <a:rPr lang="en-US" altLang="zh-CN" baseline="0" dirty="0" smtClean="0"/>
+              <a:t> </a:t>
+            </a:r>
+            <a:r>
+              <a:rPr lang="zh-CN" altLang="en-US" baseline="0" dirty="0" smtClean="0"/>
+              <a:t>压缩，甚至用</a:t>
+            </a:r>
+            <a:r>
+              <a:rPr lang="en-US" altLang="zh-CN" baseline="0" dirty="0" err="1" smtClean="0"/>
+              <a:t>gzip</a:t>
+            </a:r>
+            <a:r>
+              <a:rPr lang="en-US" altLang="zh-CN" baseline="0" dirty="0" smtClean="0"/>
+              <a:t> </a:t>
+            </a:r>
+            <a:r>
+              <a:rPr lang="zh-CN" altLang="en-US" baseline="0" dirty="0" smtClean="0"/>
+              <a:t>对页面进行压缩。</a:t>
+            </a:r>
+            <a:endParaRPr lang="en-US" altLang="zh-CN" baseline="0" dirty="0" smtClean="0"/>
+          </a:p>
+          <a:p>
+            <a:r>
+              <a:rPr lang="zh-CN" altLang="en-US" baseline="0" dirty="0" smtClean="0"/>
+              <a:t>这类压缩技术不复杂，但最难把握的是度，因为即需要技术又需要经验。比如图片，我们总是希望它保证质量的情况下体积还要小，大家应该都知道</a:t>
+            </a:r>
+            <a:r>
+              <a:rPr lang="en-US" altLang="zh-CN" baseline="0" dirty="0" smtClean="0"/>
+              <a:t>html </a:t>
+            </a:r>
+            <a:r>
+              <a:rPr lang="zh-CN" altLang="en-US" baseline="0" dirty="0" smtClean="0"/>
+              <a:t>支持</a:t>
+            </a:r>
+            <a:r>
+              <a:rPr lang="en-US" altLang="zh-CN" baseline="0" dirty="0" err="1" smtClean="0"/>
+              <a:t>jpg,png,gif</a:t>
+            </a:r>
+            <a:r>
+              <a:rPr lang="en-US" altLang="zh-CN" baseline="0" dirty="0" smtClean="0"/>
+              <a:t> </a:t>
+            </a:r>
+            <a:r>
+              <a:rPr lang="zh-CN" altLang="en-US" baseline="0" dirty="0" smtClean="0"/>
+              <a:t>三种格式。我想问下大家一张</a:t>
+            </a:r>
+            <a:r>
+              <a:rPr lang="en-US" altLang="zh-CN" baseline="0" dirty="0" smtClean="0"/>
+              <a:t>1920x1280</a:t>
+            </a:r>
+            <a:r>
+              <a:rPr lang="zh-CN" altLang="en-US" baseline="0" dirty="0" smtClean="0"/>
+              <a:t>的复杂背景图应该用那种格式。</a:t>
+            </a:r>
+            <a:endParaRPr lang="en-US" altLang="zh-CN" baseline="0" dirty="0" smtClean="0"/>
+          </a:p>
+          <a:p>
+            <a:r>
+              <a:rPr lang="zh-CN" altLang="en-US" baseline="0" dirty="0" smtClean="0"/>
+              <a:t>另外还有一点，因为压缩并不技术问题，都是工具使用问题，那我们希望能自动化，关于自动化我们稍后在讲，先来看看三大战术在前端四大元素</a:t>
+            </a:r>
+            <a:r>
+              <a:rPr lang="en-US" altLang="zh-CN" baseline="0" dirty="0" err="1" smtClean="0"/>
+              <a:t>css</a:t>
+            </a:r>
+            <a:r>
+              <a:rPr lang="zh-CN" altLang="en-US" baseline="0" dirty="0" smtClean="0"/>
+              <a:t>，</a:t>
+            </a:r>
+            <a:r>
+              <a:rPr lang="en-US" altLang="zh-CN" baseline="0" dirty="0" err="1" smtClean="0"/>
+              <a:t>js</a:t>
+            </a:r>
+            <a:r>
+              <a:rPr lang="zh-CN" altLang="en-US" baseline="0" dirty="0" smtClean="0"/>
+              <a:t>、</a:t>
+            </a:r>
+            <a:r>
+              <a:rPr lang="en-US" altLang="zh-CN" baseline="0" dirty="0" smtClean="0"/>
+              <a:t>html</a:t>
+            </a:r>
+            <a:r>
+              <a:rPr lang="zh-CN" altLang="en-US" baseline="0" dirty="0" smtClean="0"/>
+              <a:t>以及图片中都有哪些优化点。</a:t>
+            </a:r>
+            <a:endParaRPr lang="en-US" altLang="zh-CN" baseline="0" dirty="0" smtClean="0"/>
+          </a:p>
+        </p:txBody>
+      </p:sp>
+      <p:sp>
+        <p:nvSpPr>
+          <p:cNvPr id="4" name="灯片编号占位符 3"/>
+          <p:cNvSpPr>
+            <a:spLocks noGrp="1"/>
+          </p:cNvSpPr>
+          <p:nvPr>
+            <p:ph type="sldNum" sz="quarter" idx="10"/>
+          </p:nvPr>
+        </p:nvSpPr>
+        <p:spPr/>
+        <p:txBody>
+          <a:bodyPr/>
+          <a:lstStyle/>
+          <a:p>
+            <a:fld id="{2721F026-A56C-44A0-B1B5-6544C30C2BED}" type="slidenum">
+              <a:rPr lang="zh-CN" altLang="en-US" smtClean="0"/>
+              <a:pPr/>
+              <a:t>10</a:t>
+            </a:fld>
+            <a:endParaRPr lang="zh-CN" altLang="en-US"/>
+          </a:p>
+        </p:txBody>
+      </p:sp>
+    </p:spTree>
+    <p:extLst>
+      <p:ext uri="{BB962C8B-B14F-4D97-AF65-F5344CB8AC3E}">
+        <p14:creationId xmlns:p14="http://schemas.microsoft.com/office/powerpoint/2010/main" val="3934291510"/>
+      </p:ext>
+    </p:extLst>
+  </p:cSld>
+  <p:clrMapOvr>
+    <a:masterClrMapping/>
+  </p:clrMapOvr>
+</p:notes>
+</file>
+
+<file path=ppt/notesSlides/notesSlide11.xml><?xml version="1.0" encoding="utf-8"?>
+<p:notes xmlns:a="http://schemas.openxmlformats.org/drawingml/2006/main" xmlns:r="http://schemas.openxmlformats.org/officeDocument/2006/relationships" xmlns:p="http://schemas.openxmlformats.org/presentationml/2006/main">
+  <p:cSld>
+    <p:spTree>
+      <p:nvGrpSpPr>
+        <p:cNvPr id="1" name=""/>
+        <p:cNvGrpSpPr/>
+        <p:nvPr/>
+      </p:nvGrpSpPr>
+      <p:grpSpPr>
+        <a:xfrm>
+          <a:off x="0" y="0"/>
+          <a:ext cx="0" cy="0"/>
+          <a:chOff x="0" y="0"/>
+          <a:chExt cx="0" cy="0"/>
+        </a:xfrm>
+      </p:grpSpPr>
+      <p:sp>
+        <p:nvSpPr>
+          <p:cNvPr id="2" name="幻灯片图像占位符 1"/>
+          <p:cNvSpPr>
+            <a:spLocks noGrp="1" noRot="1" noChangeAspect="1"/>
+          </p:cNvSpPr>
+          <p:nvPr>
+            <p:ph type="sldImg"/>
+          </p:nvPr>
+        </p:nvSpPr>
+        <p:spPr/>
+      </p:sp>
+      <p:sp>
+        <p:nvSpPr>
+          <p:cNvPr id="3" name="备注占位符 2"/>
+          <p:cNvSpPr>
+            <a:spLocks noGrp="1"/>
+          </p:cNvSpPr>
+          <p:nvPr>
+            <p:ph type="body" idx="1"/>
+          </p:nvPr>
+        </p:nvSpPr>
+        <p:spPr/>
+        <p:txBody>
+          <a:bodyPr/>
+          <a:lstStyle/>
+          <a:p>
+            <a:r>
+              <a:rPr lang="zh-CN" altLang="en-US" dirty="0" smtClean="0"/>
+              <a:t>开发端优化，不只是说由开发来做的优化，而是说需要编码或架构实现的优化。这类优化主要目的是降低维护难度，减少重复工作，提高运行效率。那我们来梳理可在哪些方面上做哪些优化。</a:t>
+            </a:r>
+            <a:endParaRPr lang="en-US" altLang="zh-CN" dirty="0" smtClean="0"/>
+          </a:p>
+          <a:p>
+            <a:r>
+              <a:rPr lang="zh-CN" altLang="en-US" dirty="0" smtClean="0"/>
+              <a:t>先说编码层面的，</a:t>
+            </a:r>
+            <a:endParaRPr lang="en-US" altLang="zh-CN" dirty="0" smtClean="0"/>
+          </a:p>
+          <a:p>
+            <a:pPr marL="0" marR="0" indent="0" algn="l" defTabSz="914400" rtl="0" eaLnBrk="1" fontAlgn="auto" latinLnBrk="0" hangingPunct="1">
+              <a:lnSpc>
+                <a:spcPct val="100000"/>
+              </a:lnSpc>
+              <a:spcBef>
+                <a:spcPts val="0"/>
+              </a:spcBef>
+              <a:spcAft>
+                <a:spcPts val="0"/>
+              </a:spcAft>
+              <a:buClrTx/>
+              <a:buSzTx/>
+              <a:buFontTx/>
+              <a:buNone/>
+              <a:tabLst/>
+              <a:defRPr/>
+            </a:pPr>
+            <a:r>
+              <a:rPr lang="en-US" altLang="zh-CN" dirty="0" smtClean="0"/>
+              <a:t>CSS:</a:t>
+            </a:r>
+            <a:r>
+              <a:rPr lang="en-US" altLang="zh-CN" baseline="0" dirty="0" smtClean="0"/>
+              <a:t> </a:t>
+            </a:r>
+            <a:r>
+              <a:rPr lang="zh-CN" altLang="en-US" baseline="0" dirty="0" smtClean="0"/>
+              <a:t>首先优化体积，可以通过合写</a:t>
+            </a:r>
+            <a:r>
+              <a:rPr lang="en-US" altLang="zh-CN" baseline="0" dirty="0" smtClean="0"/>
+              <a:t>CSS,</a:t>
+            </a:r>
+            <a:r>
+              <a:rPr lang="zh-CN" altLang="en-US" baseline="0" dirty="0" smtClean="0"/>
+              <a:t>如以下</a:t>
+            </a:r>
+            <a:r>
+              <a:rPr lang="en-US" altLang="zh-CN" baseline="0" dirty="0" err="1" smtClean="0"/>
+              <a:t>css</a:t>
+            </a:r>
+            <a:r>
+              <a:rPr lang="zh-CN" altLang="en-US" baseline="0" dirty="0" smtClean="0"/>
+              <a:t>都是可以合写的，相信我们前端都用过。还有就是利用继承，</a:t>
+            </a:r>
+            <a:r>
+              <a:rPr lang="zh-CN" altLang="en-US" sz="1200" dirty="0" smtClean="0"/>
+              <a:t>把可共用的样式设置在父级元素上。</a:t>
+            </a:r>
+            <a:endParaRPr lang="en-US" altLang="zh-CN" sz="1200" dirty="0" smtClean="0"/>
+          </a:p>
+          <a:p>
+            <a:pPr marL="0" marR="0" indent="0" algn="l" defTabSz="914400" rtl="0" eaLnBrk="1" fontAlgn="auto" latinLnBrk="0" hangingPunct="1">
+              <a:lnSpc>
+                <a:spcPct val="100000"/>
+              </a:lnSpc>
+              <a:spcBef>
+                <a:spcPts val="0"/>
+              </a:spcBef>
+              <a:spcAft>
+                <a:spcPts val="0"/>
+              </a:spcAft>
+              <a:buClrTx/>
+              <a:buSzTx/>
+              <a:buFontTx/>
+              <a:buNone/>
+              <a:tabLst/>
+              <a:defRPr/>
+            </a:pPr>
+            <a:r>
+              <a:rPr lang="zh-CN" altLang="en-US" sz="1200" baseline="0" dirty="0" smtClean="0"/>
+              <a:t>然后是性能优化，移除</a:t>
+            </a:r>
+            <a:r>
+              <a:rPr lang="zh-CN" altLang="en-US" sz="1200" dirty="0" smtClean="0"/>
+              <a:t>移除多余的结构和重设，这既是体积优化也是性能优化，但</a:t>
+            </a:r>
+            <a:r>
+              <a:rPr lang="en-US" altLang="zh-CN" sz="1200" dirty="0" smtClean="0"/>
+              <a:t>reset </a:t>
+            </a:r>
+            <a:r>
+              <a:rPr lang="zh-CN" altLang="en-US" sz="1200" dirty="0" smtClean="0"/>
+              <a:t>一般不会太大，对体积几乎没有影响，主要还是性能优化。原理是让浏览器使用默认值解析，不用重设</a:t>
+            </a:r>
+            <a:r>
+              <a:rPr lang="en-US" altLang="zh-CN" sz="1200" dirty="0" smtClean="0"/>
+              <a:t>html </a:t>
+            </a:r>
+            <a:r>
+              <a:rPr lang="zh-CN" altLang="en-US" sz="1200" dirty="0" smtClean="0"/>
+              <a:t>元素样式。</a:t>
+            </a:r>
+            <a:endParaRPr lang="en-US" altLang="zh-CN" sz="1200" dirty="0" smtClean="0"/>
+          </a:p>
+          <a:p>
+            <a:pPr marL="0" marR="0" indent="0" algn="l" defTabSz="914400" rtl="0" eaLnBrk="1" fontAlgn="auto" latinLnBrk="0" hangingPunct="1">
+              <a:lnSpc>
+                <a:spcPct val="100000"/>
+              </a:lnSpc>
+              <a:spcBef>
+                <a:spcPts val="0"/>
+              </a:spcBef>
+              <a:spcAft>
+                <a:spcPts val="0"/>
+              </a:spcAft>
+              <a:buClrTx/>
+              <a:buSzTx/>
+              <a:buFontTx/>
+              <a:buNone/>
+              <a:tabLst/>
+              <a:defRPr/>
+            </a:pPr>
+            <a:r>
+              <a:rPr lang="zh-CN" altLang="en-US" baseline="0" dirty="0" smtClean="0"/>
+              <a:t>还有纯</a:t>
+            </a:r>
+            <a:r>
+              <a:rPr lang="zh-CN" altLang="en-US" sz="1200" dirty="0" smtClean="0"/>
+              <a:t>性能优化的有，合理使用选择器、避免适用通配符，避免使用</a:t>
+            </a:r>
+            <a:r>
+              <a:rPr lang="en-US" altLang="zh-CN" sz="1200" dirty="0" smtClean="0"/>
+              <a:t>Hack</a:t>
+            </a:r>
+            <a:r>
+              <a:rPr lang="zh-CN" altLang="en-US" sz="1200" dirty="0" smtClean="0"/>
+              <a:t>等等，就不一一解释了。</a:t>
+            </a:r>
+            <a:endParaRPr lang="en-US" altLang="zh-CN" sz="1200" dirty="0" smtClean="0"/>
+          </a:p>
+          <a:p>
+            <a:r>
+              <a:rPr lang="zh-CN" altLang="en-US" baseline="0" dirty="0" smtClean="0"/>
+              <a:t>图片：</a:t>
+            </a:r>
+            <a:r>
+              <a:rPr lang="en-US" altLang="zh-CN" baseline="0" dirty="0" smtClean="0"/>
+              <a:t>1</a:t>
+            </a:r>
+            <a:r>
+              <a:rPr lang="zh-CN" altLang="en-US" baseline="0" dirty="0" smtClean="0"/>
+              <a:t>是</a:t>
+            </a:r>
+            <a:r>
+              <a:rPr lang="zh-CN" altLang="en-US" sz="1200" dirty="0" smtClean="0"/>
+              <a:t>合并图片，减少请求量，这在客户端优化说过，表现在代码上就是使用</a:t>
+            </a:r>
+            <a:r>
+              <a:rPr lang="en-US" altLang="zh-CN" sz="1200" dirty="0" smtClean="0"/>
+              <a:t>CSS sprites</a:t>
+            </a:r>
+            <a:r>
+              <a:rPr lang="zh-CN" altLang="en-US" sz="1200" dirty="0" smtClean="0"/>
+              <a:t>。这个优化效果比较好，技术难度低，但也比较耗工时，因为需要并图，定位需要很精确。</a:t>
+            </a:r>
+            <a:endParaRPr lang="en-US" altLang="zh-CN" sz="1200" dirty="0" smtClean="0"/>
+          </a:p>
+          <a:p>
+            <a:r>
+              <a:rPr lang="zh-CN" altLang="en-US" sz="1200" dirty="0" smtClean="0"/>
+              <a:t>图片大小控制，</a:t>
+            </a:r>
+            <a:endParaRPr lang="en-US" altLang="zh-CN" sz="1200" dirty="0" smtClean="0"/>
+          </a:p>
+          <a:p>
+            <a:endParaRPr lang="en-US" altLang="zh-CN" sz="1200" dirty="0" smtClean="0"/>
+          </a:p>
+          <a:p>
+            <a:pPr marL="0" marR="0" indent="0" algn="l" defTabSz="914400" rtl="0" eaLnBrk="1" fontAlgn="auto" latinLnBrk="0" hangingPunct="1">
+              <a:lnSpc>
+                <a:spcPct val="100000"/>
+              </a:lnSpc>
+              <a:spcBef>
+                <a:spcPts val="0"/>
+              </a:spcBef>
+              <a:spcAft>
+                <a:spcPts val="0"/>
+              </a:spcAft>
+              <a:buClrTx/>
+              <a:buSzTx/>
+              <a:buFontTx/>
+              <a:buNone/>
+              <a:tabLst/>
+              <a:defRPr/>
+            </a:pPr>
+            <a:r>
+              <a:rPr lang="zh-CN" altLang="en-US" sz="1200" dirty="0" smtClean="0"/>
+              <a:t>还有就是</a:t>
+            </a:r>
+            <a:r>
+              <a:rPr lang="en-US" altLang="zh-CN" sz="1200" dirty="0" err="1" smtClean="0"/>
+              <a:t>Javasript</a:t>
+            </a:r>
+            <a:r>
+              <a:rPr lang="zh-CN" altLang="en-US" sz="1200" dirty="0" smtClean="0"/>
+              <a:t>，</a:t>
+            </a:r>
+            <a:r>
+              <a:rPr lang="en-US" altLang="zh-CN" sz="1200" dirty="0" smtClean="0"/>
+              <a:t> </a:t>
+            </a:r>
+            <a:r>
+              <a:rPr lang="en-US" altLang="zh-CN" sz="1200" dirty="0" err="1" smtClean="0"/>
+              <a:t>javascript</a:t>
+            </a:r>
+            <a:r>
+              <a:rPr lang="en-US" altLang="zh-CN" sz="1200" dirty="0" smtClean="0"/>
+              <a:t> </a:t>
+            </a:r>
+            <a:r>
+              <a:rPr lang="zh-CN" altLang="en-US" sz="1200" dirty="0" smtClean="0"/>
+              <a:t>做为一门语言，要讲它的优化就不是一次分享能讲的完了。这主要分享下像我们这种非专业</a:t>
+            </a:r>
+            <a:r>
+              <a:rPr lang="en-US" altLang="zh-CN" sz="1200" dirty="0" err="1" smtClean="0"/>
+              <a:t>js</a:t>
+            </a:r>
+            <a:r>
+              <a:rPr lang="en-US" altLang="zh-CN" sz="1200" dirty="0" smtClean="0"/>
+              <a:t> </a:t>
+            </a:r>
+            <a:r>
+              <a:rPr lang="zh-CN" altLang="en-US" sz="1200" dirty="0" smtClean="0"/>
+              <a:t>前端，在用到</a:t>
+            </a:r>
+            <a:r>
+              <a:rPr lang="en-US" altLang="zh-CN" sz="1200" dirty="0" err="1" smtClean="0"/>
+              <a:t>js</a:t>
+            </a:r>
+            <a:r>
+              <a:rPr lang="en-US" altLang="zh-CN" sz="1200" dirty="0" smtClean="0"/>
+              <a:t> </a:t>
+            </a:r>
+            <a:r>
+              <a:rPr lang="zh-CN" altLang="en-US" sz="1200" dirty="0" smtClean="0"/>
+              <a:t>开发时该注意哪些。首先是语言基础层面优化，什么语言都一样，要用好，必须对它的语法基础及基础</a:t>
+            </a:r>
+            <a:r>
+              <a:rPr lang="en-US" altLang="zh-CN" sz="1200" dirty="0" smtClean="0"/>
+              <a:t>API</a:t>
+            </a:r>
+            <a:r>
+              <a:rPr lang="zh-CN" altLang="en-US" sz="1200" dirty="0" smtClean="0"/>
+              <a:t>有较深的了解。</a:t>
+            </a:r>
+            <a:endParaRPr lang="en-US" altLang="zh-CN" sz="1200" dirty="0" smtClean="0"/>
+          </a:p>
+          <a:p>
+            <a:endParaRPr lang="en-US" altLang="zh-CN" sz="1200" dirty="0" smtClean="0"/>
+          </a:p>
+          <a:p>
+            <a:endParaRPr lang="en-US" altLang="zh-CN" dirty="0" smtClean="0"/>
+          </a:p>
+          <a:p>
+            <a:endParaRPr lang="en-US" altLang="zh-CN" dirty="0" smtClean="0"/>
+          </a:p>
+          <a:p>
+            <a:endParaRPr lang="zh-CN" altLang="en-US" dirty="0"/>
+          </a:p>
+        </p:txBody>
+      </p:sp>
+      <p:sp>
+        <p:nvSpPr>
+          <p:cNvPr id="4" name="灯片编号占位符 3"/>
+          <p:cNvSpPr>
+            <a:spLocks noGrp="1"/>
+          </p:cNvSpPr>
+          <p:nvPr>
+            <p:ph type="sldNum" sz="quarter" idx="10"/>
+          </p:nvPr>
+        </p:nvSpPr>
+        <p:spPr/>
+        <p:txBody>
+          <a:bodyPr/>
+          <a:lstStyle/>
+          <a:p>
+            <a:fld id="{2721F026-A56C-44A0-B1B5-6544C30C2BED}" type="slidenum">
+              <a:rPr lang="zh-CN" altLang="en-US" smtClean="0"/>
+              <a:pPr/>
+              <a:t>11</a:t>
+            </a:fld>
+            <a:endParaRPr lang="zh-CN" altLang="en-US"/>
+          </a:p>
+        </p:txBody>
+      </p:sp>
+    </p:spTree>
+    <p:extLst>
+      <p:ext uri="{BB962C8B-B14F-4D97-AF65-F5344CB8AC3E}">
+        <p14:creationId xmlns:p14="http://schemas.microsoft.com/office/powerpoint/2010/main" val="1236333229"/>
       </p:ext>
     </p:extLst>
   </p:cSld>
@@ -635,14 +1309,92 @@
           <a:p>
             <a:r>
               <a:rPr lang="zh-CN" altLang="en-US" dirty="0" smtClean="0"/>
-              <a:t>今天我将以。。。这三个问题为出发点，分享下自己的看法。</a:t>
+              <a:t>首先看下这样一个图。最下面的是我在</a:t>
+            </a:r>
+            <a:r>
+              <a:rPr lang="en-US" altLang="zh-CN" dirty="0" smtClean="0"/>
+              <a:t>50M </a:t>
+            </a:r>
+            <a:r>
+              <a:rPr lang="zh-CN" altLang="en-US" dirty="0" smtClean="0"/>
+              <a:t>带宽，使用</a:t>
+            </a:r>
+            <a:r>
+              <a:rPr lang="en-US" altLang="zh-CN" dirty="0" smtClean="0"/>
+              <a:t>chrome</a:t>
+            </a:r>
+            <a:r>
+              <a:rPr lang="en-US" altLang="zh-CN" baseline="0" dirty="0" smtClean="0"/>
+              <a:t> </a:t>
+            </a:r>
+            <a:r>
+              <a:rPr lang="zh-CN" altLang="en-US" baseline="0" dirty="0" smtClean="0"/>
+              <a:t>访问百度的一个</a:t>
+            </a:r>
+            <a:r>
+              <a:rPr lang="en-US" altLang="zh-CN" baseline="0" dirty="0" smtClean="0"/>
+              <a:t>2k</a:t>
+            </a:r>
+            <a:r>
+              <a:rPr lang="zh-CN" altLang="en-US" baseline="0" dirty="0" smtClean="0"/>
+              <a:t>小图片的加载时间，从这图我们可以得出，对于</a:t>
+            </a:r>
+            <a:r>
+              <a:rPr lang="en-US" altLang="zh-CN" baseline="0" dirty="0" smtClean="0"/>
+              <a:t>web</a:t>
+            </a:r>
+            <a:r>
+              <a:rPr lang="zh-CN" altLang="en-US" baseline="0" dirty="0" smtClean="0"/>
+              <a:t>来说，前端</a:t>
+            </a:r>
+            <a:r>
+              <a:rPr lang="zh-CN" altLang="en-US" dirty="0" smtClean="0"/>
+              <a:t>优化如果能优化，一定是效果最好，见效最快，且成本可能最低的，试想后台幸幸苦苦，又缓存，又是逻辑优化等等忙了一通下来也可能就节省了个几十毫秒。而前端可能只需要优化几张图片就节省几百毫秒甚至更多。</a:t>
             </a:r>
             <a:endParaRPr lang="en-US" altLang="zh-CN" dirty="0" smtClean="0"/>
           </a:p>
           <a:p>
             <a:r>
               <a:rPr lang="zh-CN" altLang="en-US" dirty="0" smtClean="0"/>
-              <a:t>其实还有一个，就是</a:t>
+              <a:t>拿教研来说，没优化前静态文件大小是</a:t>
+            </a:r>
+            <a:r>
+              <a:rPr lang="en-US" altLang="zh-CN" dirty="0" smtClean="0"/>
+              <a:t>30</a:t>
+            </a:r>
+            <a:r>
+              <a:rPr lang="zh-CN" altLang="en-US" dirty="0" smtClean="0"/>
+              <a:t>多</a:t>
+            </a:r>
+            <a:r>
+              <a:rPr lang="en-US" altLang="zh-CN" dirty="0" smtClean="0"/>
+              <a:t>M,</a:t>
+            </a:r>
+            <a:r>
+              <a:rPr lang="zh-CN" altLang="en-US" dirty="0" smtClean="0"/>
+              <a:t>优化是</a:t>
+            </a:r>
+            <a:r>
+              <a:rPr lang="en-US" altLang="zh-CN" dirty="0" smtClean="0"/>
+              <a:t>10M</a:t>
+            </a:r>
+            <a:r>
+              <a:rPr lang="zh-CN" altLang="en-US" dirty="0" smtClean="0"/>
+              <a:t>以下。</a:t>
+            </a:r>
+            <a:endParaRPr lang="en-US" altLang="zh-CN" dirty="0" smtClean="0"/>
+          </a:p>
+          <a:p>
+            <a:r>
+              <a:rPr lang="zh-CN" altLang="en-US" dirty="0" smtClean="0"/>
+              <a:t>没优化首页前压测几十并发，服务器带宽就跑满。</a:t>
+            </a:r>
+            <a:endParaRPr lang="en-US" altLang="zh-CN" dirty="0" smtClean="0"/>
+          </a:p>
+          <a:p>
+            <a:r>
+              <a:rPr lang="zh-CN" altLang="en-US" dirty="0" smtClean="0"/>
+              <a:t>所以说前端优化对于我们</a:t>
             </a:r>
             <a:r>
               <a:rPr lang="en-US" altLang="zh-CN" dirty="0" smtClean="0"/>
@@ -650,33 +1402,9 @@
             </a:r>
             <a:r>
               <a:rPr lang="zh-CN" altLang="en-US" dirty="0" smtClean="0"/>
-              <a:t>前端的定义。但我也讲不清</a:t>
-            </a:r>
-            <a:r>
-              <a:rPr lang="en-US" altLang="zh-CN" dirty="0" smtClean="0"/>
-              <a:t>web</a:t>
-            </a:r>
-            <a:r>
-              <a:rPr lang="zh-CN" altLang="en-US" dirty="0" smtClean="0"/>
-              <a:t>前端到底是什么，因为不同公司对前端的定义可能都不一样，甚至不同产品，不同开发模式，不同技术架构对前端定义可能也会不同。但是对客户或非技术领导来说，都一样，就是页面。所以今天我们也就将就一下，也就定义为页面吧。那今天我分享前端优化，大家也可以理解为页面优化。我看今天来听我啰嗦的大多是开发，相信你们最关心就是如何优化。但我认为，前两个问题，才是难点，就像改</a:t>
-            </a:r>
-            <a:r>
-              <a:rPr lang="en-US" altLang="zh-CN" dirty="0" smtClean="0"/>
-              <a:t>bug</a:t>
-            </a:r>
-            <a:r>
-              <a:rPr lang="zh-CN" altLang="en-US" dirty="0" smtClean="0"/>
-              <a:t>的难的不是改而再找</a:t>
-            </a:r>
-            <a:r>
-              <a:rPr lang="en-US" altLang="zh-CN" dirty="0" smtClean="0"/>
-              <a:t>.</a:t>
-            </a:r>
-            <a:r>
-              <a:rPr lang="zh-CN" altLang="en-US" dirty="0" smtClean="0"/>
-              <a:t>那我们就先来看看为何优化。</a:t>
-            </a:r>
-            <a:endParaRPr lang="en-US" altLang="zh-CN" dirty="0" smtClean="0"/>
+              <a:t>项目来说是非常重要的。</a:t>
+            </a:r>
+            <a:endParaRPr lang="zh-CN" altLang="en-US" dirty="0"/>
           </a:p>
         </p:txBody>
       </p:sp>
@@ -707,7 +1435,7 @@
     </p:spTree>
     <p:extLst>
       <p:ext uri="{BB962C8B-B14F-4D97-AF65-F5344CB8AC3E}">
-        <p14:creationId xmlns:p14="http://schemas.microsoft.com/office/powerpoint/2010/main" val="1003358470"/>
+        <p14:creationId xmlns:p14="http://schemas.microsoft.com/office/powerpoint/2010/main" val="1381573"/>
       </p:ext>
     </p:extLst>
   </p:cSld>
@@ -762,43 +1490,16 @@
           <a:lstStyle/>
           <a:p>
             <a:r>
-              <a:rPr lang="zh-CN" altLang="en-US" sz="1200" dirty="0" smtClean="0">
-                <a:latin typeface="微软雅黑" panose="020B0503020204020204" pitchFamily="34" charset="-122"/>
-                <a:ea typeface="微软雅黑" panose="020B0503020204020204" pitchFamily="34" charset="-122"/>
-              </a:rPr>
-              <a:t>那我们到底是为何要进行优化呢，优化的目的又是什么呢。可能大家会说。。。等等，确实这些都是，但我认为这些都不是根本目的，根本目的，也就是</a:t>
-            </a:r>
-            <a:endParaRPr lang="en-US" altLang="zh-CN" sz="1200" dirty="0" smtClean="0">
-              <a:latin typeface="微软雅黑" panose="020B0503020204020204" pitchFamily="34" charset="-122"/>
-              <a:ea typeface="微软雅黑" panose="020B0503020204020204" pitchFamily="34" charset="-122"/>
-            </a:endParaRPr>
-          </a:p>
-          <a:p>
-            <a:r>
-              <a:rPr lang="zh-CN" altLang="en-US" sz="1200" dirty="0" smtClean="0">
-                <a:latin typeface="微软雅黑" panose="020B0503020204020204" pitchFamily="34" charset="-122"/>
-                <a:ea typeface="微软雅黑" panose="020B0503020204020204" pitchFamily="34" charset="-122"/>
-              </a:rPr>
-              <a:t>最终目标是：增加效益，降低成本。</a:t>
-            </a:r>
-            <a:endParaRPr lang="en-US" altLang="zh-CN" sz="1200" dirty="0" smtClean="0">
-              <a:latin typeface="微软雅黑" panose="020B0503020204020204" pitchFamily="34" charset="-122"/>
-              <a:ea typeface="微软雅黑" panose="020B0503020204020204" pitchFamily="34" charset="-122"/>
-            </a:endParaRPr>
-          </a:p>
-          <a:p>
-            <a:r>
               <a:rPr lang="zh-CN" altLang="en-US" dirty="0" smtClean="0"/>
-              <a:t>怎么说呢，提升用户体验，可以增加用户粘性，从而提高产品口碑，增加产品销量，最终实现增加效益。</a:t>
+              <a:t>今天我会以。。。这三个问题为出发点，分享下自己的前端优化的一些看法。</a:t>
             </a:r>
             <a:endParaRPr lang="en-US" altLang="zh-CN" dirty="0" smtClean="0"/>
           </a:p>
           <a:p>
             <a:r>
               <a:rPr lang="zh-CN" altLang="en-US" dirty="0" smtClean="0"/>
-              <a:t>解决兼容性，可以理解为适配性，即开发一套来兼容不同设备或平台，减少开发工作量，从而降低成本。其他各种理由最终也可以推导到这根本原因上来，我就不一一推了。这时大家可能会说，这还用你讲啊，整个公司的人做的所有的事不都是以此为最终目标吗。确实如此，这也体现了它的重要性，而我们做具体事情过程中可能会忽略了它。其他不讲，就拿优化来说，如果不以这个目标为准则，我们在确定优化什么的时候，往往很容易进入到一个过度优化的死胡同，最终一阵优化过后看似目优化的达到了，但距离我们的根本目的确仍有距离，这时就需要我们以这个最终目标为准则，在动手优化前，明确该优化什么，优化到什么程度。</a:t>
-            </a:r>
-            <a:endParaRPr lang="zh-CN" altLang="en-US" dirty="0"/>
+              <a:t>因为我主要做开发，看今天来的也是开发，所以重点分享下如何优化。</a:t>
+            </a:r>
           </a:p>
         </p:txBody>
       </p:sp>
@@ -885,110 +1586,31 @@
           <a:p>
             <a:r>
               <a:rPr lang="zh-CN" altLang="en-US" dirty="0" smtClean="0"/>
-              <a:t>那到底该优化什么呢，</a:t>
+              <a:t>在讲这些内容之前，我们还需要先解决一个问题。</a:t>
             </a:r>
             <a:endParaRPr lang="en-US" altLang="zh-CN" dirty="0" smtClean="0"/>
           </a:p>
           <a:p>
             <a:r>
               <a:rPr lang="zh-CN" altLang="en-US" dirty="0" smtClean="0"/>
-              <a:t>我认为优化什么没有现成结果，而是根据具体产品具体分析，今天我不打算讲具体产品，而是想讲下，具有一定普适性的问题，也是前面我提到过的问题。如何确定该优化什么呢，</a:t>
+              <a:t>就是什么是前端，前端的定义是什么。我找了一下，。。。</a:t>
             </a:r>
             <a:endParaRPr lang="en-US" altLang="zh-CN" dirty="0" smtClean="0"/>
           </a:p>
           <a:p>
             <a:r>
               <a:rPr lang="zh-CN" altLang="en-US" dirty="0" smtClean="0"/>
-              <a:t>啊是穴 在针灸中它是见效快，投入少，灵活性高的一种</a:t>
-            </a:r>
-            <a:r>
-              <a:rPr lang="zh-CN" altLang="en-US" sz="1200" b="0" i="0" kern="1200" dirty="0" smtClean="0">
-                <a:solidFill>
-                  <a:schemeClr val="tx1"/>
-                </a:solidFill>
-                <a:effectLst/>
-                <a:latin typeface="+mn-lt"/>
-                <a:ea typeface="+mn-ea"/>
-                <a:cs typeface="+mn-cs"/>
-              </a:rPr>
-              <a:t>治疗手段，直白点讲就是。。。</a:t>
-            </a:r>
-            <a:endParaRPr lang="en-US" altLang="zh-CN" sz="1200" b="0" i="0" kern="1200" dirty="0" smtClean="0">
-              <a:solidFill>
-                <a:schemeClr val="tx1"/>
-              </a:solidFill>
-              <a:effectLst/>
-              <a:latin typeface="+mn-lt"/>
-              <a:ea typeface="+mn-ea"/>
-              <a:cs typeface="+mn-cs"/>
-            </a:endParaRPr>
-          </a:p>
-          <a:p>
-            <a:r>
-              <a:rPr lang="zh-CN" altLang="en-US" sz="1200" b="0" i="0" kern="1200" dirty="0" smtClean="0">
-                <a:solidFill>
-                  <a:schemeClr val="tx1"/>
-                </a:solidFill>
-                <a:effectLst/>
-                <a:latin typeface="+mn-lt"/>
-                <a:ea typeface="+mn-ea"/>
-                <a:cs typeface="+mn-cs"/>
-              </a:rPr>
-              <a:t>应用到优化中就是那出问题优化哪，优点刚才讲了，我们讲讲缺点，反应慢（属于亡羊补牢），治标不治本（因为通常问题是在系统完成后出现，我们为维持稳定性，不会也不敢大动）。</a:t>
-            </a:r>
-            <a:endParaRPr lang="en-US" altLang="zh-CN" sz="1200" b="0" i="0" kern="1200" dirty="0" smtClean="0">
-              <a:solidFill>
-                <a:schemeClr val="tx1"/>
-              </a:solidFill>
-              <a:effectLst/>
-              <a:latin typeface="+mn-lt"/>
-              <a:ea typeface="+mn-ea"/>
-              <a:cs typeface="+mn-cs"/>
-            </a:endParaRPr>
-          </a:p>
-          <a:p>
-            <a:r>
-              <a:rPr lang="zh-CN" altLang="en-US" sz="1200" b="0" i="0" kern="1200" dirty="0" smtClean="0">
-                <a:solidFill>
-                  <a:schemeClr val="tx1"/>
-                </a:solidFill>
-                <a:effectLst/>
-                <a:latin typeface="+mn-lt"/>
-                <a:ea typeface="+mn-ea"/>
-                <a:cs typeface="+mn-cs"/>
-              </a:rPr>
-              <a:t>我推荐的做法是。。。</a:t>
-            </a:r>
-            <a:endParaRPr lang="en-US" altLang="zh-CN" sz="1200" b="0" i="0" kern="1200" dirty="0" smtClean="0">
-              <a:solidFill>
-                <a:schemeClr val="tx1"/>
-              </a:solidFill>
-              <a:effectLst/>
-              <a:latin typeface="+mn-lt"/>
-              <a:ea typeface="+mn-ea"/>
-              <a:cs typeface="+mn-cs"/>
-            </a:endParaRPr>
-          </a:p>
-          <a:p>
+              <a:t>按这个定义来说，前端是包含视觉设计，也就是</a:t>
+            </a:r>
+            <a:r>
+              <a:rPr lang="en-US" altLang="zh-CN" dirty="0" smtClean="0"/>
+              <a:t>UI</a:t>
+            </a:r>
             <a:r>
               <a:rPr lang="zh-CN" altLang="en-US" dirty="0" smtClean="0"/>
-              <a:t>找好目标，做好定位： 以我们最终目标为原则，结合产品具体情况（如产品目标用户定位，销售模式，运营方式等等）来制定优化方向，和优化度。</a:t>
+              <a:t>的，很显然我今天要分享并不是前端全部，而只是前端开发部分，为了方便，接下来我还是以前端表述了。好，定义清楚了，那接下来我们就进入到正题，首先来看看为何优化。</a:t>
             </a:r>
             <a:endParaRPr lang="en-US" altLang="zh-CN" dirty="0" smtClean="0"/>
-          </a:p>
-          <a:p>
-            <a:r>
-              <a:rPr lang="zh-CN" altLang="en-US" dirty="0" smtClean="0"/>
-              <a:t>以防为主，防治结合： 我一直认为优化不是产品研发过程的一个阶段，而是伴随产品整个生命周期，从产品的原型设计，到技术架构，到开发，在到运维，每个阶段都应该考虑优化内容，因为只有这样我们才能做的以防为主，在上线前做好改做的优化。</a:t>
-            </a:r>
-            <a:endParaRPr lang="en-US" altLang="zh-CN" dirty="0" smtClean="0"/>
-          </a:p>
-          <a:p>
-            <a:r>
-              <a:rPr lang="zh-CN" altLang="en-US" dirty="0" smtClean="0"/>
-              <a:t>这做法说起来容易做起来难，需要每一个阶段的人员都对优化有一定了解，需要做的选择会很多。我是有一定选择困难症，所以今天不想，当然也没时间去深入的分享了。我们还是多关注下技术就能解决的如何优化吧。</a:t>
-            </a:r>
-            <a:endParaRPr lang="zh-CN" altLang="en-US" dirty="0"/>
           </a:p>
         </p:txBody>
       </p:sp>
@@ -1074,8 +1696,74 @@
           <a:lstStyle/>
           <a:p>
             <a:r>
+              <a:rPr lang="zh-CN" altLang="en-US" sz="1200" dirty="0" smtClean="0">
+                <a:latin typeface="微软雅黑" panose="020B0503020204020204" pitchFamily="34" charset="-122"/>
+                <a:ea typeface="微软雅黑" panose="020B0503020204020204" pitchFamily="34" charset="-122"/>
+              </a:rPr>
+              <a:t>我认为我们做任何事情之前，都应该想问问自己这么做的目的是什么？做完后能达到什么效果和收益？</a:t>
+            </a:r>
+            <a:r>
+              <a:rPr lang="zh-CN" altLang="en-US" sz="1200" baseline="0" dirty="0" smtClean="0">
+                <a:latin typeface="微软雅黑" panose="020B0503020204020204" pitchFamily="34" charset="-122"/>
+                <a:ea typeface="微软雅黑" panose="020B0503020204020204" pitchFamily="34" charset="-122"/>
+              </a:rPr>
+              <a:t> 清楚了做事的目的，在执行过程才不会迷茫。</a:t>
+            </a:r>
+            <a:endParaRPr lang="en-US" altLang="zh-CN" sz="1200" baseline="0" dirty="0" smtClean="0">
+              <a:latin typeface="微软雅黑" panose="020B0503020204020204" pitchFamily="34" charset="-122"/>
+              <a:ea typeface="微软雅黑" panose="020B0503020204020204" pitchFamily="34" charset="-122"/>
+            </a:endParaRPr>
+          </a:p>
+          <a:p>
+            <a:r>
+              <a:rPr lang="zh-CN" altLang="en-US" sz="1200" baseline="0" dirty="0" smtClean="0">
+                <a:latin typeface="微软雅黑" panose="020B0503020204020204" pitchFamily="34" charset="-122"/>
+                <a:ea typeface="微软雅黑" panose="020B0503020204020204" pitchFamily="34" charset="-122"/>
+              </a:rPr>
+              <a:t>当然，要求人人或事事这么做是很困难的，大多事情都被迫才去做的。比如中国的改革。</a:t>
+            </a:r>
+            <a:endParaRPr lang="en-US" altLang="zh-CN" sz="1200" dirty="0" smtClean="0">
+              <a:latin typeface="微软雅黑" panose="020B0503020204020204" pitchFamily="34" charset="-122"/>
+              <a:ea typeface="微软雅黑" panose="020B0503020204020204" pitchFamily="34" charset="-122"/>
+            </a:endParaRPr>
+          </a:p>
+          <a:p>
+            <a:r>
+              <a:rPr lang="zh-CN" altLang="en-US" sz="1200" dirty="0" smtClean="0">
+                <a:latin typeface="微软雅黑" panose="020B0503020204020204" pitchFamily="34" charset="-122"/>
+                <a:ea typeface="微软雅黑" panose="020B0503020204020204" pitchFamily="34" charset="-122"/>
+              </a:rPr>
+              <a:t>那我们的前端优化的目的又什么嫩，为何要进行优化呢。可能大家会说。。。等等，确实这些都是，但我认为这些都不是根本目的，根本目的，也就是</a:t>
+            </a:r>
+            <a:endParaRPr lang="en-US" altLang="zh-CN" sz="1200" dirty="0" smtClean="0">
+              <a:latin typeface="微软雅黑" panose="020B0503020204020204" pitchFamily="34" charset="-122"/>
+              <a:ea typeface="微软雅黑" panose="020B0503020204020204" pitchFamily="34" charset="-122"/>
+            </a:endParaRPr>
+          </a:p>
+          <a:p>
+            <a:r>
+              <a:rPr lang="zh-CN" altLang="en-US" sz="1200" dirty="0" smtClean="0">
+                <a:latin typeface="微软雅黑" panose="020B0503020204020204" pitchFamily="34" charset="-122"/>
+                <a:ea typeface="微软雅黑" panose="020B0503020204020204" pitchFamily="34" charset="-122"/>
+              </a:rPr>
+              <a:t>最终目标是：增加效益，降低成本。</a:t>
+            </a:r>
+            <a:endParaRPr lang="en-US" altLang="zh-CN" sz="1200" dirty="0" smtClean="0">
+              <a:latin typeface="微软雅黑" panose="020B0503020204020204" pitchFamily="34" charset="-122"/>
+              <a:ea typeface="微软雅黑" panose="020B0503020204020204" pitchFamily="34" charset="-122"/>
+            </a:endParaRPr>
+          </a:p>
+          <a:p>
+            <a:r>
               <a:rPr lang="zh-CN" altLang="en-US" dirty="0" smtClean="0"/>
-              <a:t>今天讲的如何优化，不是针对某一个产品，所以也没有前面讲的那些限制，我会尽量全的讲下各个优化点。因为比较多我们按影响角色分为</a:t>
+              <a:t>今天我们重点是如何优化，这里我就不细讲了，大家自己理解。那么我们理出这么一个官话版的目标有什么用呢，</a:t>
+            </a:r>
+            <a:endParaRPr lang="en-US" altLang="zh-CN" dirty="0" smtClean="0"/>
+          </a:p>
+          <a:p>
+            <a:r>
+              <a:rPr lang="zh-CN" altLang="en-US" dirty="0" smtClean="0"/>
+              <a:t>我认为它的主要作用就是给我们制定执行方案时提供一个基本准则。比如说我们在确定优化什么的时候，就可以依据这个准则来确定哪些该优化，哪些不需要优化，以及优化到什么程度。</a:t>
             </a:r>
             <a:endParaRPr lang="zh-CN" altLang="en-US" dirty="0"/>
           </a:p>
@@ -1108,7 +1796,7 @@
     </p:spTree>
     <p:extLst>
       <p:ext uri="{BB962C8B-B14F-4D97-AF65-F5344CB8AC3E}">
-        <p14:creationId xmlns:p14="http://schemas.microsoft.com/office/powerpoint/2010/main" val="3423108873"/>
+        <p14:creationId xmlns:p14="http://schemas.microsoft.com/office/powerpoint/2010/main" val="1003358470"/>
       </p:ext>
     </p:extLst>
   </p:cSld>
@@ -1164,69 +1852,213 @@
           <a:p>
             <a:r>
               <a:rPr lang="zh-CN" altLang="en-US" dirty="0" smtClean="0"/>
-              <a:t>首先看下用户端优化，这里说的用户端优化，是指用户客户端优化，这类优化是成本最低，见效最快，为什么这么说，大家看看这个图。 后台幸幸苦苦，又是缓存，又是业务逻辑优化，甚至连架构也优化下来，可能也就减少了几条</a:t>
-            </a:r>
-            <a:r>
-              <a:rPr lang="en-US" altLang="zh-CN" dirty="0" err="1" smtClean="0"/>
-              <a:t>sql</a:t>
-            </a:r>
-            <a:r>
-              <a:rPr lang="en-US" altLang="zh-CN" dirty="0" smtClean="0"/>
-              <a:t> </a:t>
-            </a:r>
+              <a:t>那到底该优化什么呢，</a:t>
+            </a:r>
+            <a:endParaRPr lang="en-US" altLang="zh-CN" dirty="0" smtClean="0"/>
+          </a:p>
+          <a:p>
             <a:r>
               <a:rPr lang="zh-CN" altLang="en-US" dirty="0" smtClean="0"/>
-              <a:t>查询，节省了几十毫秒。而前端可能只需要优化一张图片就可以节省好几秒。</a:t>
+              <a:t>我认为优化什么没有现成答案，而是根据具体问题具体分析，不同产品，有不同的优化目的，当然也就有不同的优化内容。</a:t>
             </a:r>
             <a:endParaRPr lang="en-US" altLang="zh-CN" dirty="0" smtClean="0"/>
           </a:p>
           <a:p>
             <a:r>
               <a:rPr lang="zh-CN" altLang="en-US" dirty="0" smtClean="0"/>
-              <a:t>这里</a:t>
-            </a:r>
-            <a:r>
-              <a:rPr lang="zh-CN" altLang="en-US" smtClean="0"/>
-              <a:t>拿教研来说，</a:t>
-            </a:r>
+              <a:t>都说授人以鱼不如授人以渔，今天我不打算讲具体产品，而想分享下如何确定该优化什么呢，</a:t>
+            </a:r>
+            <a:endParaRPr lang="en-US" altLang="zh-CN" dirty="0" smtClean="0"/>
+          </a:p>
+          <a:p>
             <a:r>
               <a:rPr lang="zh-CN" altLang="en-US" dirty="0" smtClean="0"/>
-              <a:t>没优化前静态文件大小是</a:t>
-            </a:r>
-            <a:r>
-              <a:rPr lang="en-US" altLang="zh-CN" dirty="0" smtClean="0"/>
-              <a:t>30</a:t>
-            </a:r>
+              <a:t>啊是穴 在针灸中它是见效快，投入少，灵活性高的一种</a:t>
+            </a:r>
+            <a:r>
+              <a:rPr lang="zh-CN" altLang="en-US" sz="1200" b="0" i="0" kern="1200" dirty="0" smtClean="0">
+                <a:solidFill>
+                  <a:schemeClr val="tx1"/>
+                </a:solidFill>
+                <a:effectLst/>
+                <a:latin typeface="+mn-lt"/>
+                <a:ea typeface="+mn-ea"/>
+                <a:cs typeface="+mn-cs"/>
+              </a:rPr>
+              <a:t>治疗手段，直白点讲就是。。。</a:t>
+            </a:r>
+            <a:endParaRPr lang="en-US" altLang="zh-CN" sz="1200" b="0" i="0" kern="1200" dirty="0" smtClean="0">
+              <a:solidFill>
+                <a:schemeClr val="tx1"/>
+              </a:solidFill>
+              <a:effectLst/>
+              <a:latin typeface="+mn-lt"/>
+              <a:ea typeface="+mn-ea"/>
+              <a:cs typeface="+mn-cs"/>
+            </a:endParaRPr>
+          </a:p>
+          <a:p>
+            <a:r>
+              <a:rPr lang="zh-CN" altLang="en-US" sz="1200" b="0" i="0" kern="1200" dirty="0" smtClean="0">
+                <a:solidFill>
+                  <a:schemeClr val="tx1"/>
+                </a:solidFill>
+                <a:effectLst/>
+                <a:latin typeface="+mn-lt"/>
+                <a:ea typeface="+mn-ea"/>
+                <a:cs typeface="+mn-cs"/>
+              </a:rPr>
+              <a:t>应用到优化中就是那出问题优化哪，优点刚才讲了，我们讲讲缺点，反应慢（属于亡羊补牢），治标不治本（因为通常问题是在系统完成后出现，我们为维持稳定性，通常不会去做根本性的大手术）。</a:t>
+            </a:r>
+            <a:endParaRPr lang="en-US" altLang="zh-CN" sz="1200" b="0" i="0" kern="1200" dirty="0" smtClean="0">
+              <a:solidFill>
+                <a:schemeClr val="tx1"/>
+              </a:solidFill>
+              <a:effectLst/>
+              <a:latin typeface="+mn-lt"/>
+              <a:ea typeface="+mn-ea"/>
+              <a:cs typeface="+mn-cs"/>
+            </a:endParaRPr>
+          </a:p>
+          <a:p>
+            <a:pPr marL="0" marR="0" indent="0" algn="l" defTabSz="914400" rtl="0" eaLnBrk="1" fontAlgn="auto" latinLnBrk="0" hangingPunct="1">
+              <a:lnSpc>
+                <a:spcPct val="100000"/>
+              </a:lnSpc>
+              <a:spcBef>
+                <a:spcPts val="0"/>
+              </a:spcBef>
+              <a:spcAft>
+                <a:spcPts val="0"/>
+              </a:spcAft>
+              <a:buClrTx/>
+              <a:buSzTx/>
+              <a:buFontTx/>
+              <a:buNone/>
+              <a:tabLst/>
+              <a:defRPr/>
+            </a:pPr>
+            <a:r>
+              <a:rPr lang="zh-CN" altLang="en-US" sz="1200" b="0" i="0" kern="1200" dirty="0" smtClean="0">
+                <a:solidFill>
+                  <a:schemeClr val="tx1"/>
+                </a:solidFill>
+                <a:effectLst/>
+                <a:latin typeface="+mn-lt"/>
+                <a:ea typeface="+mn-ea"/>
+                <a:cs typeface="+mn-cs"/>
+              </a:rPr>
+              <a:t>对于优化大家可能看到过这样一句话，“不要过早的优化”。我不知道这句话是否有前置条件，如果没有我是不太认同的。</a:t>
+            </a:r>
+            <a:endParaRPr lang="en-US" altLang="zh-CN" sz="1200" b="0" i="0" kern="1200" dirty="0" smtClean="0">
+              <a:solidFill>
+                <a:schemeClr val="tx1"/>
+              </a:solidFill>
+              <a:effectLst/>
+              <a:latin typeface="+mn-lt"/>
+              <a:ea typeface="+mn-ea"/>
+              <a:cs typeface="+mn-cs"/>
+            </a:endParaRPr>
+          </a:p>
+          <a:p>
+            <a:pPr marL="0" marR="0" indent="0" algn="l" defTabSz="914400" rtl="0" eaLnBrk="1" fontAlgn="auto" latinLnBrk="0" hangingPunct="1">
+              <a:lnSpc>
+                <a:spcPct val="100000"/>
+              </a:lnSpc>
+              <a:spcBef>
+                <a:spcPts val="0"/>
+              </a:spcBef>
+              <a:spcAft>
+                <a:spcPts val="0"/>
+              </a:spcAft>
+              <a:buClrTx/>
+              <a:buSzTx/>
+              <a:buFontTx/>
+              <a:buNone/>
+              <a:tabLst/>
+              <a:defRPr/>
+            </a:pPr>
+            <a:r>
+              <a:rPr lang="zh-CN" altLang="en-US" sz="1200" b="0" i="0" kern="1200" dirty="0" smtClean="0">
+                <a:solidFill>
+                  <a:schemeClr val="tx1"/>
+                </a:solidFill>
+                <a:effectLst/>
+                <a:latin typeface="+mn-lt"/>
+                <a:ea typeface="+mn-ea"/>
+                <a:cs typeface="+mn-cs"/>
+              </a:rPr>
+              <a:t>因为我认为这也是分情况的，一些结构性，且不适合补偿优化的就应该提前介入。所以</a:t>
+            </a:r>
+            <a:endParaRPr lang="en-US" altLang="zh-CN" sz="1200" b="0" i="0" kern="1200" dirty="0" smtClean="0">
+              <a:solidFill>
+                <a:schemeClr val="tx1"/>
+              </a:solidFill>
+              <a:effectLst/>
+              <a:latin typeface="+mn-lt"/>
+              <a:ea typeface="+mn-ea"/>
+              <a:cs typeface="+mn-cs"/>
+            </a:endParaRPr>
+          </a:p>
+          <a:p>
+            <a:pPr marL="0" marR="0" indent="0" algn="l" defTabSz="914400" rtl="0" eaLnBrk="1" fontAlgn="auto" latinLnBrk="0" hangingPunct="1">
+              <a:lnSpc>
+                <a:spcPct val="100000"/>
+              </a:lnSpc>
+              <a:spcBef>
+                <a:spcPts val="0"/>
+              </a:spcBef>
+              <a:spcAft>
+                <a:spcPts val="0"/>
+              </a:spcAft>
+              <a:buClrTx/>
+              <a:buSzTx/>
+              <a:buFontTx/>
+              <a:buNone/>
+              <a:tabLst/>
+              <a:defRPr/>
+            </a:pPr>
+            <a:r>
+              <a:rPr lang="zh-CN" altLang="en-US" sz="1200" b="0" i="0" kern="1200" dirty="0" smtClean="0">
+                <a:solidFill>
+                  <a:schemeClr val="tx1"/>
+                </a:solidFill>
+                <a:effectLst/>
+                <a:latin typeface="+mn-lt"/>
+                <a:ea typeface="+mn-ea"/>
+                <a:cs typeface="+mn-cs"/>
+              </a:rPr>
+              <a:t>我推荐的做法是。。。</a:t>
+            </a:r>
+            <a:endParaRPr lang="en-US" altLang="zh-CN" sz="1200" b="0" i="0" kern="1200" dirty="0" smtClean="0">
+              <a:solidFill>
+                <a:schemeClr val="tx1"/>
+              </a:solidFill>
+              <a:effectLst/>
+              <a:latin typeface="+mn-lt"/>
+              <a:ea typeface="+mn-ea"/>
+              <a:cs typeface="+mn-cs"/>
+            </a:endParaRPr>
+          </a:p>
+          <a:p>
             <a:r>
               <a:rPr lang="zh-CN" altLang="en-US" dirty="0" smtClean="0"/>
-              <a:t>多</a:t>
-            </a:r>
-            <a:r>
-              <a:rPr lang="en-US" altLang="zh-CN" dirty="0" smtClean="0"/>
-              <a:t>M,</a:t>
-            </a:r>
+              <a:t>找好目标，做好定位： 以我们最终目标为原则，结合产品具体情况（如产品目标用户定位，销售模式，运营方式等等）来制定优化方向，和优化度。</a:t>
+            </a:r>
+            <a:endParaRPr lang="en-US" altLang="zh-CN" dirty="0" smtClean="0"/>
+          </a:p>
+          <a:p>
             <a:r>
               <a:rPr lang="zh-CN" altLang="en-US" dirty="0" smtClean="0"/>
-              <a:t>优化后是</a:t>
-            </a:r>
-            <a:r>
-              <a:rPr lang="en-US" altLang="zh-CN" dirty="0" smtClean="0"/>
-              <a:t>10M</a:t>
-            </a:r>
+              <a:t>以防为主，防治结合： 是指优化不是产品研发过程的一个阶段，而是伴随产品整个生命周期，从产品的原型设计，到技术架构，到开发，在到运维，每个阶段都应该考虑优化。</a:t>
+            </a:r>
+            <a:endParaRPr lang="en-US" altLang="zh-CN" dirty="0" smtClean="0"/>
+          </a:p>
+          <a:p>
             <a:r>
               <a:rPr lang="zh-CN" altLang="en-US" dirty="0" smtClean="0"/>
-              <a:t>以下。</a:t>
-            </a:r>
-            <a:endParaRPr lang="en-US" altLang="zh-CN" dirty="0" smtClean="0"/>
-          </a:p>
-          <a:p>
-            <a:r>
-              <a:rPr lang="zh-CN" altLang="en-US" dirty="0" smtClean="0"/>
-              <a:t>那用户端改优化什么呢，如何优化呢。</a:t>
-            </a:r>
-            <a:endParaRPr lang="en-US" altLang="zh-CN" dirty="0" smtClean="0"/>
-          </a:p>
-          <a:p>
+              <a:t>这个问题也是方向性问题，里面水很深，今天也不准备再深入的探讨了。还是来讲讲，我们技术最关系的问题如何优化吧。</a:t>
+            </a:r>
             <a:endParaRPr lang="zh-CN" altLang="en-US" dirty="0"/>
           </a:p>
         </p:txBody>
@@ -1258,7 +2090,7 @@
     </p:spTree>
     <p:extLst>
       <p:ext uri="{BB962C8B-B14F-4D97-AF65-F5344CB8AC3E}">
-        <p14:creationId xmlns:p14="http://schemas.microsoft.com/office/powerpoint/2010/main" val="1381573"/>
+        <p14:creationId xmlns:p14="http://schemas.microsoft.com/office/powerpoint/2010/main" val="1003358470"/>
       </p:ext>
     </p:extLst>
   </p:cSld>
@@ -1314,117 +2146,8 @@
           <a:p>
             <a:r>
               <a:rPr lang="zh-CN" altLang="en-US" dirty="0" smtClean="0"/>
-              <a:t>有一句比较好的回答了这两个问题，这句话是这么说的，用户端优化就是。。。</a:t>
-            </a:r>
-            <a:endParaRPr lang="en-US" altLang="zh-CN" dirty="0" smtClean="0"/>
-          </a:p>
-          <a:p>
-            <a:r>
-              <a:rPr lang="zh-CN" altLang="en-US" dirty="0" smtClean="0"/>
-              <a:t>少，是少请求。请求量是服务器最大的敌人之一，因为请求是要消耗资源的，即消耗客户端资源，也消耗服务端资源。所以我们希望同样需求页面下，请求越少越好</a:t>
-            </a:r>
-            <a:endParaRPr lang="en-US" altLang="zh-CN" dirty="0" smtClean="0"/>
-          </a:p>
-          <a:p>
-            <a:r>
-              <a:rPr lang="zh-CN" altLang="en-US" dirty="0" smtClean="0"/>
-              <a:t>实现方式： 合并（</a:t>
-            </a:r>
-            <a:r>
-              <a:rPr lang="en-US" altLang="zh-CN" dirty="0" err="1" smtClean="0"/>
-              <a:t>js</a:t>
-            </a:r>
-            <a:r>
-              <a:rPr lang="en-US" altLang="zh-CN" dirty="0" smtClean="0"/>
-              <a:t> </a:t>
-            </a:r>
-            <a:r>
-              <a:rPr lang="zh-CN" altLang="en-US" dirty="0" smtClean="0"/>
-              <a:t>合并，</a:t>
-            </a:r>
-            <a:r>
-              <a:rPr lang="en-US" altLang="zh-CN" dirty="0" err="1" smtClean="0"/>
-              <a:t>css</a:t>
-            </a:r>
-            <a:r>
-              <a:rPr lang="en-US" altLang="zh-CN" dirty="0" smtClean="0"/>
-              <a:t> </a:t>
-            </a:r>
-            <a:r>
-              <a:rPr lang="zh-CN" altLang="en-US" dirty="0" smtClean="0"/>
-              <a:t>合并，图片合并），但千万注意我们前面说的最终目标，不能盲目合并，因为合并是有成本的，特别是在我们还没有实现合并自动化的时候，成本还不低，所以要求我们能适度合并，另外，有时合并还可能导致降低用户体验，比如说</a:t>
-            </a:r>
-            <a:r>
-              <a:rPr lang="en-US" altLang="zh-CN" dirty="0" err="1" smtClean="0"/>
-              <a:t>js</a:t>
-            </a:r>
-            <a:r>
-              <a:rPr lang="zh-CN" altLang="en-US" dirty="0" smtClean="0"/>
-              <a:t>合并，如果不是适度的话，本来页面部分功能是很快可用的，但因为</a:t>
-            </a:r>
-            <a:r>
-              <a:rPr lang="en-US" altLang="zh-CN" dirty="0" err="1" smtClean="0"/>
-              <a:t>js</a:t>
-            </a:r>
-            <a:r>
-              <a:rPr lang="en-US" altLang="zh-CN" dirty="0" smtClean="0"/>
-              <a:t> </a:t>
-            </a:r>
-            <a:r>
-              <a:rPr lang="zh-CN" altLang="en-US" dirty="0" smtClean="0"/>
-              <a:t>合并变成了</a:t>
-            </a:r>
-            <a:r>
-              <a:rPr lang="en-US" altLang="zh-CN" dirty="0" err="1" smtClean="0"/>
-              <a:t>js</a:t>
-            </a:r>
-            <a:r>
-              <a:rPr lang="en-US" altLang="zh-CN" dirty="0" smtClean="0"/>
-              <a:t> </a:t>
-            </a:r>
-            <a:r>
-              <a:rPr lang="zh-CN" altLang="en-US" dirty="0" smtClean="0"/>
-              <a:t>加载完成前完全不可用。</a:t>
-            </a:r>
-            <a:endParaRPr lang="en-US" altLang="zh-CN" dirty="0" smtClean="0"/>
-          </a:p>
-          <a:p>
-            <a:r>
-              <a:rPr lang="zh-CN" altLang="en-US" dirty="0" smtClean="0"/>
-              <a:t>缓存，客户端能做的缓存不多，但效果很好。主要就是设置页面缓存，大家可能很少特意去设置这个，到去找如何设置不缓存的情况居多。这是因为浏览器对没设置缓存时默认是开启缓存的，缓存的主要缺点就是更新麻烦，特别是</a:t>
-            </a:r>
-            <a:r>
-              <a:rPr lang="en-US" altLang="zh-CN" dirty="0" err="1" smtClean="0"/>
-              <a:t>iframe</a:t>
-            </a:r>
-            <a:r>
-              <a:rPr lang="en-US" altLang="zh-CN" dirty="0" smtClean="0"/>
-              <a:t> </a:t>
-            </a:r>
-            <a:r>
-              <a:rPr lang="zh-CN" altLang="en-US" dirty="0" smtClean="0"/>
-              <a:t>内嵌页面。以前为省事，部分常更新页面我们就直接设置不缓存了，特别难搞的就在请求后加个随机数，其实这是懒人做法，页面不常用还好，但如果这是个高并发页面，可能就会成系统瓶颈了。如何做好缓存与更新的平衡呢，增加版本，资源上请求后增加版本号，需要有更新的时候在有的更新资源后升级下版本号。看起来很不错，兼顾了缓存与更新。但又引入了新问题，开发成本增加，开发工作有一项变两项，虽然不难，但也是很繁琐的。</a:t>
-            </a:r>
-            <a:endParaRPr lang="en-US" altLang="zh-CN" dirty="0" smtClean="0"/>
-          </a:p>
-          <a:p>
-            <a:r>
-              <a:rPr lang="zh-CN" altLang="en-US" dirty="0" smtClean="0"/>
-              <a:t>出问题更难发现，如开发疲劳，遗忘那么几项版本号没更新，要发现是很困难的。</a:t>
-            </a:r>
-            <a:endParaRPr lang="en-US" altLang="zh-CN" dirty="0" smtClean="0"/>
-          </a:p>
-          <a:p>
-            <a:r>
-              <a:rPr lang="zh-CN" altLang="en-US" baseline="0" dirty="0" smtClean="0"/>
-              <a:t>那有解决方案没呢，有，但这已经是开发端优化的问题了，待讲开发优化在说。接下我们看另一个关键点“近”</a:t>
-            </a:r>
-            <a:endParaRPr lang="en-US" altLang="zh-CN" dirty="0" smtClean="0"/>
-          </a:p>
-          <a:p>
-            <a:endParaRPr lang="en-US" altLang="zh-CN" dirty="0" smtClean="0"/>
-          </a:p>
-          <a:p>
+              <a:t>今天讲的如何优化，不是针对某一个产品，属于纯技术性问题，所以也没有前面讲的那些限制，我会尽量全的讲下各个优化点。首先我把分为两个方向，分别是实施优化和开发优化。因为实施优化是前端优化的一个重要环节，但因我没有太多的运维经验，就简单介绍，重点会在开发优化上。</a:t>
+            </a:r>
             <a:endParaRPr lang="zh-CN" altLang="en-US" dirty="0"/>
           </a:p>
         </p:txBody>
@@ -1456,7 +2179,7 @@
     </p:spTree>
     <p:extLst>
       <p:ext uri="{BB962C8B-B14F-4D97-AF65-F5344CB8AC3E}">
-        <p14:creationId xmlns:p14="http://schemas.microsoft.com/office/powerpoint/2010/main" val="3934291510"/>
+        <p14:creationId xmlns:p14="http://schemas.microsoft.com/office/powerpoint/2010/main" val="3423108873"/>
       </p:ext>
     </p:extLst>
   </p:cSld>
@@ -1512,37 +2235,41 @@
           <a:p>
             <a:r>
               <a:rPr lang="zh-CN" altLang="en-US" dirty="0" smtClean="0"/>
-              <a:t>近，也很好理解，两成含义： </a:t>
+              <a:t>实施优化，我认为至少有以下几个方面需要去做。</a:t>
             </a:r>
             <a:endParaRPr lang="en-US" altLang="zh-CN" dirty="0" smtClean="0"/>
           </a:p>
           <a:p>
             <a:r>
               <a:rPr lang="zh-CN" altLang="en-US" dirty="0" smtClean="0"/>
-              <a:t>一 就是减少资源经过处理层次</a:t>
+              <a:t>一。。。，比如现在常用的</a:t>
+            </a:r>
+            <a:r>
+              <a:rPr lang="en-US" altLang="zh-CN" dirty="0" err="1" smtClean="0"/>
+              <a:t>ngix</a:t>
+            </a:r>
+            <a:r>
+              <a:rPr lang="en-US" altLang="zh-CN" baseline="0" dirty="0" smtClean="0"/>
+              <a:t> + tomcat</a:t>
+            </a:r>
+            <a:r>
+              <a:rPr lang="zh-CN" altLang="en-US" baseline="0" dirty="0" smtClean="0"/>
+              <a:t>的部署方式。</a:t>
             </a:r>
             <a:r>
               <a:rPr lang="zh-CN" altLang="en-US" dirty="0" smtClean="0"/>
-              <a:t>。通俗的将就是减少中间环节。</a:t>
+              <a:t>当然动静分离是需要开发支持的，如果我们开发的代码没有实现动静分离，实施水平再高也没有办法。</a:t>
             </a:r>
             <a:endParaRPr lang="en-US" altLang="zh-CN" dirty="0" smtClean="0"/>
           </a:p>
           <a:p>
             <a:r>
               <a:rPr lang="zh-CN" altLang="en-US" dirty="0" smtClean="0"/>
-              <a:t>实现</a:t>
-            </a:r>
-            <a:r>
-              <a:rPr lang="zh-CN" altLang="en-US" dirty="0" smtClean="0"/>
-              <a:t>方式：</a:t>
-            </a:r>
-            <a:r>
-              <a:rPr lang="zh-CN" altLang="en-US" baseline="0" dirty="0" smtClean="0"/>
-              <a:t> 反向代理，让更时候处理静态资源的容器去处理，常用的方案</a:t>
-            </a:r>
-            <a:r>
-              <a:rPr lang="en-US" altLang="zh-CN" baseline="0" dirty="0" err="1" smtClean="0"/>
-              <a:t>nginx</a:t>
+              <a:t>二。。。这里我不是说的开发用的缓存，主要是指静态内容的缓存，如果没做缓存，静态内容是在硬盘的，访问速度比缓存到内存慢多少就应该不用我多说了。据我了解</a:t>
+            </a:r>
+            <a:r>
+              <a:rPr lang="en-US" altLang="zh-CN" dirty="0" err="1" smtClean="0"/>
+              <a:t>ngix</a:t>
             </a:r>
             <a:r>
               <a:rPr lang="en-US" altLang="zh-CN" baseline="0" dirty="0" smtClean="0"/>
@@ -1550,26 +2277,44 @@
             </a:r>
             <a:r>
               <a:rPr lang="zh-CN" altLang="en-US" baseline="0" dirty="0" smtClean="0"/>
-              <a:t>或 </a:t>
-            </a:r>
-            <a:r>
-              <a:rPr lang="en-US" altLang="zh-CN" baseline="0" dirty="0" smtClean="0"/>
-              <a:t>apache http </a:t>
+              <a:t>可以搭建这样的缓存。</a:t>
+            </a:r>
+            <a:endParaRPr lang="en-US" altLang="zh-CN" dirty="0" smtClean="0"/>
+          </a:p>
+          <a:p>
+            <a:r>
+              <a:rPr lang="zh-CN" altLang="en-US" dirty="0" smtClean="0"/>
+              <a:t>三。。。</a:t>
+            </a:r>
+            <a:r>
+              <a:rPr lang="en-US" altLang="zh-CN" dirty="0" smtClean="0"/>
+              <a:t>CND </a:t>
+            </a:r>
+            <a:r>
+              <a:rPr lang="zh-CN" altLang="en-US" dirty="0" smtClean="0"/>
+              <a:t>本质也是一个缓存，但对比服务端缓存的优势是可以解决各种网络问题。</a:t>
+            </a:r>
+            <a:r>
+              <a:rPr lang="en-US" altLang="zh-CN" dirty="0" smtClean="0"/>
+              <a:t>CDN </a:t>
+            </a:r>
+            <a:r>
+              <a:rPr lang="zh-CN" altLang="en-US" dirty="0" smtClean="0"/>
+              <a:t>可以自己搭建，也可以使用第三方服务，但一般都是使用第三方，然后通过在第三方的服务上配置来使用</a:t>
+            </a:r>
+            <a:r>
+              <a:rPr lang="en-US" altLang="zh-CN" dirty="0" smtClean="0"/>
+              <a:t>CDN.</a:t>
+            </a:r>
+          </a:p>
+          <a:p>
+            <a:r>
+              <a:rPr lang="zh-CN" altLang="en-US" dirty="0" smtClean="0"/>
+              <a:t>四。。。</a:t>
             </a:r>
             <a:r>
               <a:rPr lang="zh-CN" altLang="en-US" baseline="0" dirty="0" smtClean="0"/>
-              <a:t>做反向代理</a:t>
-            </a:r>
-            <a:r>
-              <a:rPr lang="zh-CN" altLang="en-US" baseline="0" dirty="0" smtClean="0"/>
-              <a:t>。</a:t>
-            </a:r>
-            <a:endParaRPr lang="en-US" altLang="zh-CN" baseline="0" dirty="0" smtClean="0"/>
-          </a:p>
-          <a:p>
-            <a:r>
-              <a:rPr lang="zh-CN" altLang="en-US" baseline="0" dirty="0" smtClean="0"/>
-              <a:t>不用代理的，也要在容器上做响应的优化，如</a:t>
+              <a:t> 这是要一定优化经验才能实施好的一点，但如果能实施效果还是会不错的。比如说</a:t>
             </a:r>
             <a:r>
               <a:rPr lang="en-US" altLang="zh-CN" baseline="0" dirty="0" smtClean="0"/>
@@ -1577,183 +2322,34 @@
             </a:r>
             <a:r>
               <a:rPr lang="zh-CN" altLang="en-US" baseline="0" dirty="0" smtClean="0"/>
-              <a:t>可以配置专用的</a:t>
+              <a:t>经过优化后可以达几百并发，没优化也就几十了。</a:t>
+            </a:r>
+            <a:endParaRPr lang="en-US" altLang="zh-CN" baseline="0" dirty="0" smtClean="0"/>
+          </a:p>
+          <a:p>
+            <a:r>
+              <a:rPr lang="zh-CN" altLang="en-US" baseline="0" dirty="0" smtClean="0"/>
+              <a:t>当然还有集群，分库等等各种，大型</a:t>
             </a:r>
             <a:r>
               <a:rPr lang="en-US" altLang="zh-CN" baseline="0" dirty="0" smtClean="0"/>
-              <a:t>servlet</a:t>
+              <a:t>web</a:t>
             </a:r>
             <a:r>
               <a:rPr lang="zh-CN" altLang="en-US" baseline="0" dirty="0" smtClean="0"/>
-              <a:t>处理等等</a:t>
-            </a:r>
-            <a:endParaRPr lang="en-US" altLang="zh-CN" baseline="0" dirty="0" smtClean="0"/>
-          </a:p>
-          <a:p>
-            <a:r>
-              <a:rPr lang="zh-CN" altLang="en-US" baseline="0" dirty="0" smtClean="0"/>
-              <a:t>二 </a:t>
-            </a:r>
-            <a:r>
-              <a:rPr lang="zh-CN" altLang="en-US" baseline="0" dirty="0" smtClean="0"/>
-              <a:t>就是拉近资源</a:t>
-            </a:r>
-            <a:r>
-              <a:rPr lang="zh-CN" altLang="en-US" baseline="0" dirty="0" smtClean="0"/>
-              <a:t>与用户</a:t>
-            </a:r>
-            <a:r>
-              <a:rPr lang="zh-CN" altLang="en-US" baseline="0" dirty="0" smtClean="0"/>
-              <a:t>的距离</a:t>
-            </a:r>
-            <a:r>
-              <a:rPr lang="zh-CN" altLang="en-US" baseline="0" dirty="0" smtClean="0"/>
-              <a:t>。看起来是光速传输，远点近点似乎关系不大。但参与过秒杀的就知道，没这么简单。况且秒杀的系统都是专门架构和优化过的。其实你们跟踪下路由就知道，我在公司跟踪了下教研平台的外网，经过了</a:t>
-            </a:r>
-            <a:r>
-              <a:rPr lang="en-US" altLang="zh-CN" baseline="0" dirty="0" smtClean="0"/>
-              <a:t>11</a:t>
-            </a:r>
-            <a:r>
-              <a:rPr lang="zh-CN" altLang="en-US" baseline="0" dirty="0" smtClean="0"/>
-              <a:t>个路由，这是机房在北京的，另外我国的网络运营商间的距离还是那么的遥远，即使使用</a:t>
-            </a:r>
-            <a:r>
-              <a:rPr lang="en-US" altLang="zh-CN" baseline="0" dirty="0" smtClean="0"/>
-              <a:t>BGP</a:t>
-            </a:r>
-            <a:r>
-              <a:rPr lang="zh-CN" altLang="en-US" baseline="0" dirty="0" smtClean="0"/>
-              <a:t>，跨个网依然快不了。这是就只能</a:t>
-            </a:r>
-            <a:r>
-              <a:rPr lang="zh-CN" altLang="en-US" baseline="0" dirty="0" smtClean="0"/>
-              <a:t>依赖。</a:t>
-            </a:r>
-            <a:r>
-              <a:rPr lang="en-US" altLang="zh-CN" baseline="0" dirty="0" smtClean="0"/>
-              <a:t>CND </a:t>
-            </a:r>
-            <a:r>
-              <a:rPr lang="zh-CN" altLang="en-US" baseline="0" dirty="0" smtClean="0"/>
-              <a:t>原理很简单，本质就是缓存，只是说它是缓存到距离用户最近或响应较快的服务器端，这样用户请求不用跑老远来请求我们自己的服务器</a:t>
-            </a:r>
-            <a:r>
-              <a:rPr lang="zh-CN" altLang="en-US" baseline="0" dirty="0" smtClean="0"/>
-              <a:t>了</a:t>
-            </a:r>
-            <a:r>
-              <a:rPr lang="en-US" altLang="zh-CN" baseline="0" dirty="0" smtClean="0"/>
-              <a:t>,</a:t>
-            </a:r>
-            <a:r>
-              <a:rPr lang="zh-CN" altLang="en-US" baseline="0" dirty="0" smtClean="0"/>
-              <a:t>即降低了服务器压力，又增加了用户体验。</a:t>
-            </a:r>
-            <a:endParaRPr lang="en-US" altLang="zh-CN" baseline="0" dirty="0" smtClean="0"/>
-          </a:p>
-          <a:p>
-            <a:r>
-              <a:rPr lang="zh-CN" altLang="en-US" baseline="0" dirty="0" smtClean="0"/>
-              <a:t>而且实施起来也比较</a:t>
-            </a:r>
-            <a:r>
-              <a:rPr lang="zh-CN" altLang="en-US" baseline="0" dirty="0" smtClean="0"/>
-              <a:t>简单的</a:t>
-            </a:r>
-            <a:r>
-              <a:rPr lang="zh-CN" altLang="en-US" baseline="0" dirty="0" smtClean="0"/>
-              <a:t>，除了要发钱外。所以我们唯一</a:t>
-            </a:r>
-            <a:r>
-              <a:rPr lang="zh-CN" altLang="en-US" baseline="0" dirty="0" smtClean="0"/>
-              <a:t>要做的就是计算好</a:t>
-            </a:r>
-            <a:r>
-              <a:rPr lang="zh-CN" altLang="en-US" baseline="0" dirty="0" smtClean="0"/>
-              <a:t>收益与成本，当然既然是缓存，他也就有缓存的缺点。</a:t>
-            </a:r>
-            <a:endParaRPr lang="en-US" altLang="zh-CN" baseline="0" dirty="0" smtClean="0"/>
-          </a:p>
-          <a:p>
-            <a:endParaRPr lang="en-US" altLang="zh-CN" baseline="0" dirty="0" smtClean="0"/>
-          </a:p>
-          <a:p>
-            <a:r>
-              <a:rPr lang="zh-CN" altLang="en-US" baseline="0" dirty="0" smtClean="0"/>
-              <a:t>小</a:t>
-            </a:r>
-            <a:r>
-              <a:rPr lang="zh-CN" altLang="en-US" baseline="0" dirty="0" smtClean="0"/>
-              <a:t>，也比较好理解，就是减少体积。 常见的方法就是压缩，图片压缩，</a:t>
-            </a:r>
-            <a:r>
-              <a:rPr lang="en-US" altLang="zh-CN" baseline="0" dirty="0" err="1" smtClean="0"/>
-              <a:t>js</a:t>
-            </a:r>
-            <a:r>
-              <a:rPr lang="en-US" altLang="zh-CN" baseline="0" dirty="0" smtClean="0"/>
-              <a:t> </a:t>
-            </a:r>
-            <a:r>
-              <a:rPr lang="zh-CN" altLang="en-US" baseline="0" dirty="0" smtClean="0"/>
-              <a:t>压缩，甚至用</a:t>
-            </a:r>
-            <a:r>
-              <a:rPr lang="en-US" altLang="zh-CN" baseline="0" dirty="0" err="1" smtClean="0"/>
-              <a:t>gzip</a:t>
-            </a:r>
-            <a:r>
-              <a:rPr lang="en-US" altLang="zh-CN" baseline="0" dirty="0" smtClean="0"/>
-              <a:t> </a:t>
-            </a:r>
-            <a:r>
-              <a:rPr lang="zh-CN" altLang="en-US" baseline="0" dirty="0" smtClean="0"/>
-              <a:t>对页面进行压缩。</a:t>
-            </a:r>
-            <a:endParaRPr lang="en-US" altLang="zh-CN" baseline="0" dirty="0" smtClean="0"/>
-          </a:p>
-          <a:p>
-            <a:r>
-              <a:rPr lang="zh-CN" altLang="en-US" baseline="0" dirty="0" smtClean="0"/>
-              <a:t>这类压缩技术不复杂，但最难把握的是度，因为即需要技术又需要经验。比如图片，我们总是希望它保证质量的情况下体积还要小，大家应该都知道</a:t>
-            </a:r>
-            <a:r>
-              <a:rPr lang="en-US" altLang="zh-CN" baseline="0" dirty="0" smtClean="0"/>
-              <a:t>html </a:t>
-            </a:r>
-            <a:r>
-              <a:rPr lang="zh-CN" altLang="en-US" baseline="0" dirty="0" smtClean="0"/>
-              <a:t>支持</a:t>
-            </a:r>
-            <a:r>
-              <a:rPr lang="en-US" altLang="zh-CN" baseline="0" dirty="0" err="1" smtClean="0"/>
-              <a:t>jpg,png,gif</a:t>
-            </a:r>
-            <a:r>
-              <a:rPr lang="en-US" altLang="zh-CN" baseline="0" dirty="0" smtClean="0"/>
-              <a:t> </a:t>
-            </a:r>
-            <a:r>
-              <a:rPr lang="zh-CN" altLang="en-US" baseline="0" dirty="0" smtClean="0"/>
-              <a:t>三种格式。我想问下大家一张</a:t>
-            </a:r>
-            <a:r>
-              <a:rPr lang="en-US" altLang="zh-CN" baseline="0" dirty="0" smtClean="0"/>
-              <a:t>1920x1280</a:t>
-            </a:r>
-            <a:r>
-              <a:rPr lang="zh-CN" altLang="en-US" baseline="0" dirty="0" smtClean="0"/>
-              <a:t>的复杂背景图应该用那种格式。</a:t>
-            </a:r>
-            <a:endParaRPr lang="en-US" altLang="zh-CN" baseline="0" dirty="0" smtClean="0"/>
-          </a:p>
-          <a:p>
-            <a:r>
-              <a:rPr lang="zh-CN" altLang="en-US" baseline="0" dirty="0" smtClean="0"/>
-              <a:t>另外还有一点，因为压缩主要是技术问题，我们希望能自动化，到了自动化就是开发端的事了，那我们接下来就看看开发端怎么来优化</a:t>
-            </a:r>
-            <a:endParaRPr lang="en-US" altLang="zh-CN" baseline="0" dirty="0" smtClean="0"/>
+              <a:t>实施是个复杂而系统的工程，大型网站的运维人员的编程能力是不输一般后台开发的，能力有限只能介绍点凤毛麟角了。</a:t>
+            </a:r>
+            <a:endParaRPr lang="en-US" altLang="zh-CN" dirty="0" smtClean="0"/>
+          </a:p>
+          <a:p>
+            <a:r>
+              <a:rPr lang="zh-CN" altLang="en-US" dirty="0" smtClean="0"/>
+              <a:t>那下面我们重点来看看开发端，我们如何实施优化的。</a:t>
+            </a:r>
+            <a:endParaRPr lang="en-US" altLang="zh-CN" dirty="0" smtClean="0"/>
+          </a:p>
+          <a:p>
+            <a:endParaRPr lang="zh-CN" altLang="en-US" dirty="0"/>
           </a:p>
         </p:txBody>
       </p:sp>
@@ -1784,7 +2380,7 @@
     </p:spTree>
     <p:extLst>
       <p:ext uri="{BB962C8B-B14F-4D97-AF65-F5344CB8AC3E}">
-        <p14:creationId xmlns:p14="http://schemas.microsoft.com/office/powerpoint/2010/main" val="3934291510"/>
+        <p14:creationId xmlns:p14="http://schemas.microsoft.com/office/powerpoint/2010/main" val="1381573"/>
       </p:ext>
     </p:extLst>
   </p:cSld>
@@ -1840,249 +2436,111 @@
           <a:p>
             <a:r>
               <a:rPr lang="zh-CN" altLang="en-US" dirty="0" smtClean="0"/>
-              <a:t>开发端优化，</a:t>
-            </a:r>
+              <a:t>有一句比较好的总结前端优化的内容，说的是前端优化就是。。。，这三战术官方一点表述就是，优化的三大原理。接下来我们先来看看这三大战术的具体内容。</a:t>
+            </a:r>
+            <a:endParaRPr lang="en-US" altLang="zh-CN" dirty="0" smtClean="0"/>
+          </a:p>
+          <a:p>
             <a:r>
               <a:rPr lang="zh-CN" altLang="en-US" dirty="0" smtClean="0"/>
-              <a:t>不只是说</a:t>
-            </a:r>
+              <a:t>首先是少，是少请求。请求是服务器最大的敌人之一，因为每个请求都是要消耗资源的，不仅耗客户端资源，也消耗服务端资源。所以我们希望在达到用户需求需求情况下，请求越少越好。</a:t>
+            </a:r>
+            <a:endParaRPr lang="en-US" altLang="zh-CN" dirty="0" smtClean="0"/>
+          </a:p>
+          <a:p>
             <a:r>
               <a:rPr lang="zh-CN" altLang="en-US" dirty="0" smtClean="0"/>
-              <a:t>由开发来做的优化，</a:t>
+              <a:t>实现方式： 合并（</a:t>
+            </a:r>
+            <a:r>
+              <a:rPr lang="en-US" altLang="zh-CN" dirty="0" err="1" smtClean="0"/>
+              <a:t>js</a:t>
+            </a:r>
+            <a:r>
+              <a:rPr lang="en-US" altLang="zh-CN" dirty="0" smtClean="0"/>
+              <a:t> </a:t>
             </a:r>
             <a:r>
               <a:rPr lang="zh-CN" altLang="en-US" dirty="0" smtClean="0"/>
-              <a:t>而是说需要编码或架构实现的</a:t>
+              <a:t>合并，</a:t>
+            </a:r>
+            <a:r>
+              <a:rPr lang="en-US" altLang="zh-CN" dirty="0" err="1" smtClean="0"/>
+              <a:t>css</a:t>
+            </a:r>
+            <a:r>
+              <a:rPr lang="en-US" altLang="zh-CN" dirty="0" smtClean="0"/>
+              <a:t> </a:t>
             </a:r>
             <a:r>
               <a:rPr lang="zh-CN" altLang="en-US" dirty="0" smtClean="0"/>
-              <a:t>优化。这类优化主要目的是降低维护难度</a:t>
+              <a:t>合并，图片合并），但千万注意我们前面说的最终目标，不能盲目合并，因为合并是有成本的，特别是在我们还没有实现合并自动化的时候，成本还不低，所以要求我们能适度合并，另外，有时合并还可能导致降低用户体验，比如说</a:t>
+            </a:r>
+            <a:r>
+              <a:rPr lang="en-US" altLang="zh-CN" dirty="0" err="1" smtClean="0"/>
+              <a:t>js</a:t>
             </a:r>
             <a:r>
               <a:rPr lang="zh-CN" altLang="en-US" dirty="0" smtClean="0"/>
-              <a:t>，减少重复工作，提高</a:t>
+              <a:t>合并，如果不是适度的话，本来页面部分功能是很快可用的，但因为</a:t>
+            </a:r>
+            <a:r>
+              <a:rPr lang="en-US" altLang="zh-CN" dirty="0" err="1" smtClean="0"/>
+              <a:t>js</a:t>
+            </a:r>
+            <a:r>
+              <a:rPr lang="en-US" altLang="zh-CN" dirty="0" smtClean="0"/>
+              <a:t> </a:t>
             </a:r>
             <a:r>
               <a:rPr lang="zh-CN" altLang="en-US" dirty="0" smtClean="0"/>
-              <a:t>运行</a:t>
+              <a:t>合并变成了</a:t>
+            </a:r>
+            <a:r>
+              <a:rPr lang="en-US" altLang="zh-CN" dirty="0" err="1" smtClean="0"/>
+              <a:t>js</a:t>
+            </a:r>
+            <a:r>
+              <a:rPr lang="en-US" altLang="zh-CN" dirty="0" smtClean="0"/>
+              <a:t> </a:t>
             </a:r>
             <a:r>
               <a:rPr lang="zh-CN" altLang="en-US" dirty="0" smtClean="0"/>
-              <a:t>效率。那我们</a:t>
-            </a:r>
+              <a:t>加载完成前完全不可用。</a:t>
+            </a:r>
+            <a:endParaRPr lang="en-US" altLang="zh-CN" dirty="0" smtClean="0"/>
+          </a:p>
+          <a:p>
             <a:r>
               <a:rPr lang="zh-CN" altLang="en-US" dirty="0" smtClean="0"/>
-              <a:t>来梳理可</a:t>
-            </a:r>
-            <a:r>
-              <a:rPr lang="zh-CN" altLang="en-US" smtClean="0"/>
-              <a:t>在</a:t>
-            </a:r>
-            <a:r>
-              <a:rPr lang="zh-CN" altLang="en-US" smtClean="0"/>
-              <a:t>哪些方面上</a:t>
+              <a:t>缓存，客户端能做的缓存不多，但效果很好。主要就是设置页面缓存，大家可能很少特意去设置这个，到去找如何设置不缓存的情况居多。这是因为浏览器对没设置缓存时默认是开启缓存的，缓存的主要缺点就是更新麻烦，特别是</a:t>
+            </a:r>
+            <a:r>
+              <a:rPr lang="en-US" altLang="zh-CN" dirty="0" err="1" smtClean="0"/>
+              <a:t>iframe</a:t>
+            </a:r>
+            <a:r>
+              <a:rPr lang="en-US" altLang="zh-CN" dirty="0" smtClean="0"/>
+              <a:t> </a:t>
             </a:r>
             <a:r>
               <a:rPr lang="zh-CN" altLang="en-US" dirty="0" smtClean="0"/>
-              <a:t>做哪些优化。</a:t>
+              <a:t>内嵌页面。以前为省事，部分常更新页面我们就直接设置不缓存了，特别难搞的就在请求后加个随机数，其实这是懒人做法，页面不常用还好，但如果这是个高并发页面，可能就会成系统瓶颈了。如何做好缓存与更新的平衡呢，增加版本，资源上请求后增加版本号，需要有更新的时候在有的更新资源后升级下版本号。看起来很不错，兼顾了缓存与更新。但又引入了新问题，开发成本增加，开发工作有一项变两项，虽然不难，但也是很繁琐的。</a:t>
             </a:r>
             <a:endParaRPr lang="en-US" altLang="zh-CN" dirty="0" smtClean="0"/>
           </a:p>
           <a:p>
             <a:r>
               <a:rPr lang="zh-CN" altLang="en-US" dirty="0" smtClean="0"/>
-              <a:t>先说编码层面的，</a:t>
+              <a:t>出问题更难发现，如开发疲劳，遗忘那么几项版本号没更新，要发现是很困难的。</a:t>
             </a:r>
             <a:endParaRPr lang="en-US" altLang="zh-CN" dirty="0" smtClean="0"/>
           </a:p>
           <a:p>
-            <a:pPr marL="0" marR="0" indent="0" algn="l" defTabSz="914400" rtl="0" eaLnBrk="1" fontAlgn="auto" latinLnBrk="0" hangingPunct="1">
-              <a:lnSpc>
-                <a:spcPct val="100000"/>
-              </a:lnSpc>
-              <a:spcBef>
-                <a:spcPts val="0"/>
-              </a:spcBef>
-              <a:spcAft>
-                <a:spcPts val="0"/>
-              </a:spcAft>
-              <a:buClrTx/>
-              <a:buSzTx/>
-              <a:buFontTx/>
-              <a:buNone/>
-              <a:tabLst/>
-              <a:defRPr/>
-            </a:pPr>
-            <a:r>
-              <a:rPr lang="en-US" altLang="zh-CN" dirty="0" smtClean="0"/>
-              <a:t>CSS:</a:t>
-            </a:r>
-            <a:r>
-              <a:rPr lang="en-US" altLang="zh-CN" baseline="0" dirty="0" smtClean="0"/>
-              <a:t> </a:t>
-            </a:r>
             <a:r>
               <a:rPr lang="zh-CN" altLang="en-US" baseline="0" dirty="0" smtClean="0"/>
-              <a:t>首先优化体积，可以通过合写</a:t>
-            </a:r>
-            <a:r>
-              <a:rPr lang="en-US" altLang="zh-CN" baseline="0" dirty="0" smtClean="0"/>
-              <a:t>CSS,</a:t>
-            </a:r>
-            <a:r>
-              <a:rPr lang="zh-CN" altLang="en-US" baseline="0" dirty="0" smtClean="0"/>
-              <a:t>如以下</a:t>
-            </a:r>
-            <a:r>
-              <a:rPr lang="en-US" altLang="zh-CN" baseline="0" dirty="0" err="1" smtClean="0"/>
-              <a:t>css</a:t>
-            </a:r>
-            <a:r>
-              <a:rPr lang="zh-CN" altLang="en-US" baseline="0" dirty="0" smtClean="0"/>
-              <a:t>都是可以合写的，相信我们前端都用过。还有就是利用继承，</a:t>
-            </a:r>
-            <a:r>
-              <a:rPr lang="zh-CN" altLang="en-US" sz="1200" dirty="0" smtClean="0"/>
-              <a:t>把可共用的样式设置在父级元素上。</a:t>
-            </a:r>
-            <a:endParaRPr lang="en-US" altLang="zh-CN" sz="1200" dirty="0" smtClean="0"/>
-          </a:p>
-          <a:p>
-            <a:pPr marL="0" marR="0" indent="0" algn="l" defTabSz="914400" rtl="0" eaLnBrk="1" fontAlgn="auto" latinLnBrk="0" hangingPunct="1">
-              <a:lnSpc>
-                <a:spcPct val="100000"/>
-              </a:lnSpc>
-              <a:spcBef>
-                <a:spcPts val="0"/>
-              </a:spcBef>
-              <a:spcAft>
-                <a:spcPts val="0"/>
-              </a:spcAft>
-              <a:buClrTx/>
-              <a:buSzTx/>
-              <a:buFontTx/>
-              <a:buNone/>
-              <a:tabLst/>
-              <a:defRPr/>
-            </a:pPr>
-            <a:r>
-              <a:rPr lang="zh-CN" altLang="en-US" sz="1200" baseline="0" dirty="0" smtClean="0"/>
-              <a:t>然后是性能优化，移除</a:t>
-            </a:r>
-            <a:r>
-              <a:rPr lang="zh-CN" altLang="en-US" sz="1200" dirty="0" smtClean="0"/>
-              <a:t>移除多余的结构和重设，这既是体积优化也是性能优化，但</a:t>
-            </a:r>
-            <a:r>
-              <a:rPr lang="en-US" altLang="zh-CN" sz="1200" dirty="0" smtClean="0"/>
-              <a:t>reset </a:t>
-            </a:r>
-            <a:r>
-              <a:rPr lang="zh-CN" altLang="en-US" sz="1200" dirty="0" smtClean="0"/>
-              <a:t>一般不会太大，对体积几乎没有影响，主要还是性能优化。原理是让浏览器使用默认值解析，不用重设</a:t>
-            </a:r>
-            <a:r>
-              <a:rPr lang="en-US" altLang="zh-CN" sz="1200" dirty="0" smtClean="0"/>
-              <a:t>html </a:t>
-            </a:r>
-            <a:r>
-              <a:rPr lang="zh-CN" altLang="en-US" sz="1200" dirty="0" smtClean="0"/>
-              <a:t>元素样式。</a:t>
-            </a:r>
-            <a:endParaRPr lang="en-US" altLang="zh-CN" sz="1200" dirty="0" smtClean="0"/>
-          </a:p>
-          <a:p>
-            <a:pPr marL="0" marR="0" indent="0" algn="l" defTabSz="914400" rtl="0" eaLnBrk="1" fontAlgn="auto" latinLnBrk="0" hangingPunct="1">
-              <a:lnSpc>
-                <a:spcPct val="100000"/>
-              </a:lnSpc>
-              <a:spcBef>
-                <a:spcPts val="0"/>
-              </a:spcBef>
-              <a:spcAft>
-                <a:spcPts val="0"/>
-              </a:spcAft>
-              <a:buClrTx/>
-              <a:buSzTx/>
-              <a:buFontTx/>
-              <a:buNone/>
-              <a:tabLst/>
-              <a:defRPr/>
-            </a:pPr>
-            <a:r>
-              <a:rPr lang="zh-CN" altLang="en-US" baseline="0" dirty="0" smtClean="0"/>
-              <a:t>还有纯</a:t>
-            </a:r>
-            <a:r>
-              <a:rPr lang="zh-CN" altLang="en-US" sz="1200" dirty="0" smtClean="0"/>
-              <a:t>性能优化的有，合理使用选择器、避免适用通配符，避免使用</a:t>
-            </a:r>
-            <a:r>
-              <a:rPr lang="en-US" altLang="zh-CN" sz="1200" dirty="0" smtClean="0"/>
-              <a:t>Hack</a:t>
-            </a:r>
-            <a:r>
-              <a:rPr lang="zh-CN" altLang="en-US" sz="1200" dirty="0" smtClean="0"/>
-              <a:t>等等，就不一一解释了。</a:t>
-            </a:r>
-            <a:endParaRPr lang="en-US" altLang="zh-CN" sz="1200" dirty="0" smtClean="0"/>
-          </a:p>
-          <a:p>
-            <a:r>
-              <a:rPr lang="zh-CN" altLang="en-US" baseline="0" dirty="0" smtClean="0"/>
-              <a:t>图片：</a:t>
-            </a:r>
-            <a:r>
-              <a:rPr lang="en-US" altLang="zh-CN" baseline="0" dirty="0" smtClean="0"/>
-              <a:t>1</a:t>
-            </a:r>
-            <a:r>
-              <a:rPr lang="zh-CN" altLang="en-US" baseline="0" dirty="0" smtClean="0"/>
-              <a:t>是</a:t>
-            </a:r>
-            <a:r>
-              <a:rPr lang="zh-CN" altLang="en-US" sz="1200" dirty="0" smtClean="0"/>
-              <a:t>合并图片，减少请求量，这在客户端优化说过，表现在代码上就是使用</a:t>
-            </a:r>
-            <a:r>
-              <a:rPr lang="en-US" altLang="zh-CN" sz="1200" dirty="0" smtClean="0"/>
-              <a:t>CSS sprites</a:t>
-            </a:r>
-            <a:r>
-              <a:rPr lang="zh-CN" altLang="en-US" sz="1200" dirty="0" smtClean="0"/>
-              <a:t>。这个优化效果比较好，技术难度低，但也比较耗工时，因为需要并图，定位需要很精确。</a:t>
-            </a:r>
-            <a:endParaRPr lang="en-US" altLang="zh-CN" sz="1200" dirty="0" smtClean="0"/>
-          </a:p>
-          <a:p>
-            <a:r>
-              <a:rPr lang="zh-CN" altLang="en-US" sz="1200" dirty="0" smtClean="0"/>
-              <a:t>图片大小控制，</a:t>
-            </a:r>
-            <a:endParaRPr lang="en-US" altLang="zh-CN" sz="1200" dirty="0" smtClean="0"/>
-          </a:p>
-          <a:p>
-            <a:endParaRPr lang="en-US" altLang="zh-CN" sz="1200" dirty="0" smtClean="0"/>
-          </a:p>
-          <a:p>
-            <a:r>
-              <a:rPr lang="zh-CN" altLang="en-US" sz="1200" dirty="0" smtClean="0"/>
-              <a:t>还有就是</a:t>
-            </a:r>
-            <a:r>
-              <a:rPr lang="en-US" altLang="zh-CN" sz="1200" dirty="0" err="1" smtClean="0"/>
-              <a:t>Javasript</a:t>
-            </a:r>
-            <a:r>
-              <a:rPr lang="zh-CN" altLang="en-US" sz="1200" dirty="0" smtClean="0"/>
-              <a:t>，</a:t>
-            </a:r>
-            <a:r>
-              <a:rPr lang="en-US" altLang="zh-CN" sz="1200" dirty="0" smtClean="0"/>
-              <a:t> </a:t>
-            </a:r>
-          </a:p>
-          <a:p>
+              <a:t>那有解决方案没呢，有，我们在讲完这三个战术后，在来综合探讨。接下我们看另一个战术点“近”</a:t>
+            </a:r>
             <a:endParaRPr lang="en-US" altLang="zh-CN" dirty="0" smtClean="0"/>
           </a:p>
           <a:p>
@@ -2120,7 +2578,7 @@
     </p:spTree>
     <p:extLst>
       <p:ext uri="{BB962C8B-B14F-4D97-AF65-F5344CB8AC3E}">
-        <p14:creationId xmlns:p14="http://schemas.microsoft.com/office/powerpoint/2010/main" val="1236333229"/>
+        <p14:creationId xmlns:p14="http://schemas.microsoft.com/office/powerpoint/2010/main" val="3934291510"/>
       </p:ext>
     </p:extLst>
   </p:cSld>
@@ -2318,7 +2776,7 @@
             <a:fld id="{D22439AA-DE3E-4136-8738-0A92E0638C7F}" type="datetimeFigureOut">
               <a:rPr lang="zh-CN" altLang="en-US" smtClean="0"/>
               <a:pPr/>
-              <a:t>2016/7/18</a:t>
+              <a:t>2016/8/16</a:t>
             </a:fld>
             <a:endParaRPr lang="zh-CN" altLang="en-US"/>
           </a:p>
@@ -2506,7 +2964,7 @@
             <a:fld id="{D22439AA-DE3E-4136-8738-0A92E0638C7F}" type="datetimeFigureOut">
               <a:rPr lang="zh-CN" altLang="en-US" smtClean="0"/>
               <a:pPr/>
-              <a:t>2016/7/18</a:t>
+              <a:t>2016/8/16</a:t>
             </a:fld>
             <a:endParaRPr lang="zh-CN" altLang="en-US"/>
           </a:p>
@@ -2694,7 +3152,7 @@
             <a:fld id="{D22439AA-DE3E-4136-8738-0A92E0638C7F}" type="datetimeFigureOut">
               <a:rPr lang="zh-CN" altLang="en-US" smtClean="0"/>
               <a:pPr/>
-              <a:t>2016/7/18</a:t>
+              <a:t>2016/8/16</a:t>
             </a:fld>
             <a:endParaRPr lang="zh-CN" altLang="en-US"/>
           </a:p>
@@ -2907,7 +3365,7 @@
             <a:fld id="{D22439AA-DE3E-4136-8738-0A92E0638C7F}" type="datetimeFigureOut">
               <a:rPr lang="zh-CN" altLang="en-US" smtClean="0"/>
               <a:pPr/>
-              <a:t>2016/7/18</a:t>
+              <a:t>2016/8/16</a:t>
             </a:fld>
             <a:endParaRPr lang="zh-CN" altLang="en-US"/>
           </a:p>
@@ -3161,7 +3619,7 @@
             <a:fld id="{D22439AA-DE3E-4136-8738-0A92E0638C7F}" type="datetimeFigureOut">
               <a:rPr lang="zh-CN" altLang="en-US" smtClean="0"/>
               <a:pPr/>
-              <a:t>2016/7/18</a:t>
+              <a:t>2016/8/16</a:t>
             </a:fld>
             <a:endParaRPr lang="zh-CN" altLang="en-US"/>
           </a:p>
@@ -3465,7 +3923,7 @@
             <a:fld id="{D22439AA-DE3E-4136-8738-0A92E0638C7F}" type="datetimeFigureOut">
               <a:rPr lang="zh-CN" altLang="en-US" smtClean="0"/>
               <a:pPr/>
-              <a:t>2016/7/18</a:t>
+              <a:t>2016/8/16</a:t>
             </a:fld>
             <a:endParaRPr lang="zh-CN" altLang="en-US"/>
           </a:p>
@@ -3909,7 +4367,7 @@
             <a:fld id="{D22439AA-DE3E-4136-8738-0A92E0638C7F}" type="datetimeFigureOut">
               <a:rPr lang="zh-CN" altLang="en-US" smtClean="0"/>
               <a:pPr/>
-              <a:t>2016/7/18</a:t>
+              <a:t>2016/8/16</a:t>
             </a:fld>
             <a:endParaRPr lang="zh-CN" altLang="en-US"/>
           </a:p>
@@ -4037,7 +4495,7 @@
             <a:fld id="{D22439AA-DE3E-4136-8738-0A92E0638C7F}" type="datetimeFigureOut">
               <a:rPr lang="zh-CN" altLang="en-US" smtClean="0"/>
               <a:pPr/>
-              <a:t>2016/7/18</a:t>
+              <a:t>2016/8/16</a:t>
             </a:fld>
             <a:endParaRPr lang="zh-CN" altLang="en-US"/>
           </a:p>
@@ -4134,7 +4592,7 @@
             <a:fld id="{D22439AA-DE3E-4136-8738-0A92E0638C7F}" type="datetimeFigureOut">
               <a:rPr lang="zh-CN" altLang="en-US" smtClean="0"/>
               <a:pPr/>
-              <a:t>2016/7/18</a:t>
+              <a:t>2016/8/16</a:t>
             </a:fld>
             <a:endParaRPr lang="zh-CN" altLang="en-US"/>
           </a:p>
@@ -4422,7 +4880,7 @@
             <a:fld id="{D22439AA-DE3E-4136-8738-0A92E0638C7F}" type="datetimeFigureOut">
               <a:rPr lang="zh-CN" altLang="en-US" smtClean="0"/>
               <a:pPr/>
-              <a:t>2016/7/18</a:t>
+              <a:t>2016/8/16</a:t>
             </a:fld>
             <a:endParaRPr lang="zh-CN" altLang="en-US"/>
           </a:p>
@@ -4686,7 +5144,7 @@
             <a:fld id="{D22439AA-DE3E-4136-8738-0A92E0638C7F}" type="datetimeFigureOut">
               <a:rPr lang="zh-CN" altLang="en-US" smtClean="0"/>
               <a:pPr/>
-              <a:t>2016/7/18</a:t>
+              <a:t>2016/8/16</a:t>
             </a:fld>
             <a:endParaRPr lang="zh-CN" altLang="en-US"/>
           </a:p>
@@ -4806,7 +5264,7 @@
             <a:fld id="{D22439AA-DE3E-4136-8738-0A92E0638C7F}" type="datetimeFigureOut">
               <a:rPr lang="zh-CN" altLang="en-US" smtClean="0"/>
               <a:pPr/>
-              <a:t>2016/7/18</a:t>
+              <a:t>2016/8/16</a:t>
             </a:fld>
             <a:endParaRPr lang="zh-CN" altLang="en-US"/>
           </a:p>
@@ -5760,6 +6218,1575 @@
                 <a:latin typeface="方正大黑简体" pitchFamily="2" charset="-122"/>
                 <a:ea typeface="方正大黑简体" pitchFamily="2" charset="-122"/>
               </a:rPr>
+              <a:t>开发</a:t>
+            </a:r>
+            <a:r>
+              <a:rPr lang="zh-CN" altLang="en-US" dirty="0" smtClean="0">
+                <a:solidFill>
+                  <a:schemeClr val="bg1"/>
+                </a:solidFill>
+                <a:latin typeface="方正大黑简体" pitchFamily="2" charset="-122"/>
+                <a:ea typeface="方正大黑简体" pitchFamily="2" charset="-122"/>
+              </a:rPr>
+              <a:t>优化</a:t>
+            </a:r>
+            <a:endParaRPr lang="zh-CN" altLang="en-US" dirty="0">
+              <a:solidFill>
+                <a:schemeClr val="bg1"/>
+              </a:solidFill>
+              <a:latin typeface="方正大黑简体" pitchFamily="2" charset="-122"/>
+              <a:ea typeface="方正大黑简体" pitchFamily="2" charset="-122"/>
+            </a:endParaRPr>
+          </a:p>
+        </p:txBody>
+      </p:sp>
+      <p:sp>
+        <p:nvSpPr>
+          <p:cNvPr id="2" name="椭圆 1"/>
+          <p:cNvSpPr/>
+          <p:nvPr/>
+        </p:nvSpPr>
+        <p:spPr>
+          <a:xfrm>
+            <a:off x="539552" y="1700808"/>
+            <a:ext cx="2790020" cy="2376264"/>
+          </a:xfrm>
+          <a:prstGeom prst="ellipse">
+            <a:avLst/>
+          </a:prstGeom>
+        </p:spPr>
+        <p:style>
+          <a:lnRef idx="3">
+            <a:schemeClr val="lt1"/>
+          </a:lnRef>
+          <a:fillRef idx="1">
+            <a:schemeClr val="accent1"/>
+          </a:fillRef>
+          <a:effectRef idx="1">
+            <a:schemeClr val="accent1"/>
+          </a:effectRef>
+          <a:fontRef idx="minor">
+            <a:schemeClr val="lt1"/>
+          </a:fontRef>
+        </p:style>
+        <p:txBody>
+          <a:bodyPr rtlCol="0" anchor="ctr"/>
+          <a:lstStyle/>
+          <a:p>
+            <a:pPr algn="ctr"/>
+            <a:r>
+              <a:rPr lang="zh-CN" altLang="en-US" sz="3600" b="1" dirty="0" smtClean="0"/>
+              <a:t>近</a:t>
+            </a:r>
+            <a:endParaRPr lang="en-US" altLang="zh-CN" b="1" dirty="0" smtClean="0"/>
+          </a:p>
+          <a:p>
+            <a:r>
+              <a:rPr lang="zh-CN" altLang="en-US" dirty="0" smtClean="0"/>
+              <a:t>目的：减距离</a:t>
+            </a:r>
+            <a:endParaRPr lang="en-US" altLang="zh-CN" dirty="0" smtClean="0"/>
+          </a:p>
+          <a:p>
+            <a:r>
+              <a:rPr lang="zh-CN" altLang="en-US" dirty="0" smtClean="0"/>
+              <a:t>实现：代理</a:t>
+            </a:r>
+            <a:r>
+              <a:rPr lang="en-US" altLang="zh-CN" dirty="0" smtClean="0"/>
+              <a:t>+CDN</a:t>
+            </a:r>
+            <a:endParaRPr lang="zh-CN" altLang="en-US" dirty="0"/>
+          </a:p>
+        </p:txBody>
+      </p:sp>
+      <p:sp>
+        <p:nvSpPr>
+          <p:cNvPr id="7" name="线形标注 1(带强调线) 6"/>
+          <p:cNvSpPr/>
+          <p:nvPr/>
+        </p:nvSpPr>
+        <p:spPr>
+          <a:xfrm rot="5400000">
+            <a:off x="1610526" y="4314137"/>
+            <a:ext cx="648072" cy="1715726"/>
+          </a:xfrm>
+          <a:prstGeom prst="accentCallout1">
+            <a:avLst>
+              <a:gd name="adj1" fmla="val 48813"/>
+              <a:gd name="adj2" fmla="val -8333"/>
+              <a:gd name="adj3" fmla="val 48212"/>
+              <a:gd name="adj4" fmla="val -114393"/>
+            </a:avLst>
+          </a:prstGeom>
+        </p:spPr>
+        <p:style>
+          <a:lnRef idx="2">
+            <a:schemeClr val="accent4">
+              <a:shade val="50000"/>
+            </a:schemeClr>
+          </a:lnRef>
+          <a:fillRef idx="1">
+            <a:schemeClr val="accent4"/>
+          </a:fillRef>
+          <a:effectRef idx="0">
+            <a:schemeClr val="accent4"/>
+          </a:effectRef>
+          <a:fontRef idx="minor">
+            <a:schemeClr val="lt1"/>
+          </a:fontRef>
+        </p:style>
+        <p:txBody>
+          <a:bodyPr rtlCol="0" anchor="ctr"/>
+          <a:lstStyle/>
+          <a:p>
+            <a:pPr algn="ctr"/>
+            <a:endParaRPr lang="zh-CN" altLang="en-US" dirty="0"/>
+          </a:p>
+        </p:txBody>
+      </p:sp>
+      <p:sp>
+        <p:nvSpPr>
+          <p:cNvPr id="9" name="TextBox 8"/>
+          <p:cNvSpPr txBox="1"/>
+          <p:nvPr/>
+        </p:nvSpPr>
+        <p:spPr>
+          <a:xfrm>
+            <a:off x="1534452" y="4941167"/>
+            <a:ext cx="800219" cy="461665"/>
+          </a:xfrm>
+          <a:prstGeom prst="rect">
+            <a:avLst/>
+          </a:prstGeom>
+          <a:noFill/>
+        </p:spPr>
+        <p:txBody>
+          <a:bodyPr wrap="none" rtlCol="0">
+            <a:spAutoFit/>
+          </a:bodyPr>
+          <a:lstStyle/>
+          <a:p>
+            <a:r>
+              <a:rPr lang="zh-CN" altLang="en-US" sz="2400" dirty="0">
+                <a:solidFill>
+                  <a:schemeClr val="bg1"/>
+                </a:solidFill>
+              </a:rPr>
+              <a:t>成本</a:t>
+            </a:r>
+          </a:p>
+        </p:txBody>
+      </p:sp>
+      <p:sp>
+        <p:nvSpPr>
+          <p:cNvPr id="13" name="TextBox 12"/>
+          <p:cNvSpPr txBox="1"/>
+          <p:nvPr/>
+        </p:nvSpPr>
+        <p:spPr>
+          <a:xfrm>
+            <a:off x="7044660" y="4710335"/>
+            <a:ext cx="1415772" cy="461665"/>
+          </a:xfrm>
+          <a:prstGeom prst="rect">
+            <a:avLst/>
+          </a:prstGeom>
+          <a:noFill/>
+        </p:spPr>
+        <p:txBody>
+          <a:bodyPr wrap="none" rtlCol="0">
+            <a:spAutoFit/>
+          </a:bodyPr>
+          <a:lstStyle/>
+          <a:p>
+            <a:r>
+              <a:rPr lang="zh-CN" altLang="en-US" sz="2400" dirty="0" smtClean="0">
+                <a:solidFill>
+                  <a:schemeClr val="bg1"/>
+                </a:solidFill>
+              </a:rPr>
+              <a:t>缓存更新</a:t>
+            </a:r>
+            <a:endParaRPr lang="zh-CN" altLang="en-US" sz="2400" dirty="0">
+              <a:solidFill>
+                <a:schemeClr val="bg1"/>
+              </a:solidFill>
+            </a:endParaRPr>
+          </a:p>
+        </p:txBody>
+      </p:sp>
+      <p:sp>
+        <p:nvSpPr>
+          <p:cNvPr id="14" name="椭圆 13"/>
+          <p:cNvSpPr/>
+          <p:nvPr/>
+        </p:nvSpPr>
+        <p:spPr>
+          <a:xfrm>
+            <a:off x="4962526" y="1630896"/>
+            <a:ext cx="2790020" cy="2376264"/>
+          </a:xfrm>
+          <a:prstGeom prst="ellipse">
+            <a:avLst/>
+          </a:prstGeom>
+        </p:spPr>
+        <p:style>
+          <a:lnRef idx="3">
+            <a:schemeClr val="lt1"/>
+          </a:lnRef>
+          <a:fillRef idx="1">
+            <a:schemeClr val="accent1"/>
+          </a:fillRef>
+          <a:effectRef idx="1">
+            <a:schemeClr val="accent1"/>
+          </a:effectRef>
+          <a:fontRef idx="minor">
+            <a:schemeClr val="lt1"/>
+          </a:fontRef>
+        </p:style>
+        <p:txBody>
+          <a:bodyPr rtlCol="0" anchor="ctr"/>
+          <a:lstStyle/>
+          <a:p>
+            <a:pPr algn="ctr"/>
+            <a:r>
+              <a:rPr lang="zh-CN" altLang="en-US" sz="3600" b="1" dirty="0" smtClean="0"/>
+              <a:t>小</a:t>
+            </a:r>
+            <a:endParaRPr lang="en-US" altLang="zh-CN" b="1" dirty="0" smtClean="0"/>
+          </a:p>
+          <a:p>
+            <a:r>
+              <a:rPr lang="zh-CN" altLang="en-US" dirty="0" smtClean="0"/>
+              <a:t>目的：降体积</a:t>
+            </a:r>
+            <a:endParaRPr lang="en-US" altLang="zh-CN" dirty="0" smtClean="0"/>
+          </a:p>
+          <a:p>
+            <a:r>
+              <a:rPr lang="zh-CN" altLang="en-US" dirty="0" smtClean="0"/>
+              <a:t>实现：压缩</a:t>
+            </a:r>
+            <a:endParaRPr lang="zh-CN" altLang="en-US" dirty="0"/>
+          </a:p>
+        </p:txBody>
+      </p:sp>
+      <p:sp>
+        <p:nvSpPr>
+          <p:cNvPr id="11" name="线形标注 1(带强调线) 10"/>
+          <p:cNvSpPr/>
+          <p:nvPr/>
+        </p:nvSpPr>
+        <p:spPr>
+          <a:xfrm rot="5400000">
+            <a:off x="6033500" y="4220933"/>
+            <a:ext cx="648072" cy="1715726"/>
+          </a:xfrm>
+          <a:prstGeom prst="accentCallout1">
+            <a:avLst>
+              <a:gd name="adj1" fmla="val 48813"/>
+              <a:gd name="adj2" fmla="val -8333"/>
+              <a:gd name="adj3" fmla="val 48212"/>
+              <a:gd name="adj4" fmla="val -114393"/>
+            </a:avLst>
+          </a:prstGeom>
+        </p:spPr>
+        <p:style>
+          <a:lnRef idx="2">
+            <a:schemeClr val="accent4">
+              <a:shade val="50000"/>
+            </a:schemeClr>
+          </a:lnRef>
+          <a:fillRef idx="1">
+            <a:schemeClr val="accent4"/>
+          </a:fillRef>
+          <a:effectRef idx="0">
+            <a:schemeClr val="accent4"/>
+          </a:effectRef>
+          <a:fontRef idx="minor">
+            <a:schemeClr val="lt1"/>
+          </a:fontRef>
+        </p:style>
+        <p:txBody>
+          <a:bodyPr rtlCol="0" anchor="ctr"/>
+          <a:lstStyle/>
+          <a:p>
+            <a:pPr algn="ctr"/>
+            <a:endParaRPr lang="zh-CN" altLang="en-US" dirty="0"/>
+          </a:p>
+        </p:txBody>
+      </p:sp>
+      <p:sp>
+        <p:nvSpPr>
+          <p:cNvPr id="12" name="TextBox 11"/>
+          <p:cNvSpPr txBox="1"/>
+          <p:nvPr/>
+        </p:nvSpPr>
+        <p:spPr>
+          <a:xfrm>
+            <a:off x="6111314" y="4847964"/>
+            <a:ext cx="492443" cy="461665"/>
+          </a:xfrm>
+          <a:prstGeom prst="rect">
+            <a:avLst/>
+          </a:prstGeom>
+          <a:noFill/>
+        </p:spPr>
+        <p:txBody>
+          <a:bodyPr wrap="none" rtlCol="0">
+            <a:spAutoFit/>
+          </a:bodyPr>
+          <a:lstStyle/>
+          <a:p>
+            <a:r>
+              <a:rPr lang="zh-CN" altLang="en-US" sz="2400" dirty="0" smtClean="0">
+                <a:solidFill>
+                  <a:schemeClr val="bg1"/>
+                </a:solidFill>
+              </a:rPr>
+              <a:t>度</a:t>
+            </a:r>
+            <a:endParaRPr lang="zh-CN" altLang="en-US" sz="2400" dirty="0">
+              <a:solidFill>
+                <a:schemeClr val="bg1"/>
+              </a:solidFill>
+            </a:endParaRPr>
+          </a:p>
+        </p:txBody>
+      </p:sp>
+    </p:spTree>
+    <p:extLst>
+      <p:ext uri="{BB962C8B-B14F-4D97-AF65-F5344CB8AC3E}">
+        <p14:creationId xmlns:p14="http://schemas.microsoft.com/office/powerpoint/2010/main" val="1894262755"/>
+      </p:ext>
+    </p:extLst>
+  </p:cSld>
+  <p:clrMapOvr>
+    <a:masterClrMapping/>
+  </p:clrMapOvr>
+  <mc:AlternateContent xmlns:mc="http://schemas.openxmlformats.org/markup-compatibility/2006" xmlns:p14="http://schemas.microsoft.com/office/powerpoint/2010/main">
+    <mc:Choice Requires="p14">
+      <p:transition spd="slow" p14:dur="800">
+        <p:circle/>
+      </p:transition>
+    </mc:Choice>
+    <mc:Fallback xmlns="">
+      <p:transition spd="slow">
+        <p:circle/>
+      </p:transition>
+    </mc:Fallback>
+  </mc:AlternateContent>
+  <p:timing>
+    <p:tnLst>
+      <p:par>
+        <p:cTn id="1" dur="indefinite" restart="never" nodeType="tmRoot"/>
+      </p:par>
+    </p:tnLst>
+  </p:timing>
+</p:sld>
+</file>
+
+<file path=ppt/slides/slide11.xml><?xml version="1.0" encoding="utf-8"?>
+<p:sld xmlns:a="http://schemas.openxmlformats.org/drawingml/2006/main" xmlns:r="http://schemas.openxmlformats.org/officeDocument/2006/relationships" xmlns:p="http://schemas.openxmlformats.org/presentationml/2006/main">
+  <p:cSld>
+    <p:spTree>
+      <p:nvGrpSpPr>
+        <p:cNvPr id="1" name=""/>
+        <p:cNvGrpSpPr/>
+        <p:nvPr/>
+      </p:nvGrpSpPr>
+      <p:grpSpPr>
+        <a:xfrm>
+          <a:off x="0" y="0"/>
+          <a:ext cx="0" cy="0"/>
+          <a:chOff x="0" y="0"/>
+          <a:chExt cx="0" cy="0"/>
+        </a:xfrm>
+      </p:grpSpPr>
+      <p:grpSp>
+        <p:nvGrpSpPr>
+          <p:cNvPr id="3" name="组合 2"/>
+          <p:cNvGrpSpPr/>
+          <p:nvPr/>
+        </p:nvGrpSpPr>
+        <p:grpSpPr>
+          <a:xfrm>
+            <a:off x="0" y="-27384"/>
+            <a:ext cx="9144000" cy="1080120"/>
+            <a:chOff x="0" y="1628800"/>
+            <a:chExt cx="9144000" cy="2592288"/>
+          </a:xfrm>
+        </p:grpSpPr>
+        <p:sp>
+          <p:nvSpPr>
+            <p:cNvPr id="4" name="矩形 3"/>
+            <p:cNvSpPr/>
+            <p:nvPr/>
+          </p:nvSpPr>
+          <p:spPr>
+            <a:xfrm>
+              <a:off x="0" y="1628800"/>
+              <a:ext cx="6948264" cy="2592288"/>
+            </a:xfrm>
+            <a:prstGeom prst="rect">
+              <a:avLst/>
+            </a:prstGeom>
+            <a:solidFill>
+              <a:srgbClr val="002060"/>
+            </a:solidFill>
+            <a:ln>
+              <a:noFill/>
+            </a:ln>
+          </p:spPr>
+          <p:style>
+            <a:lnRef idx="2">
+              <a:schemeClr val="accent1">
+                <a:shade val="50000"/>
+              </a:schemeClr>
+            </a:lnRef>
+            <a:fillRef idx="1">
+              <a:schemeClr val="accent1"/>
+            </a:fillRef>
+            <a:effectRef idx="0">
+              <a:schemeClr val="accent1"/>
+            </a:effectRef>
+            <a:fontRef idx="minor">
+              <a:schemeClr val="lt1"/>
+            </a:fontRef>
+          </p:style>
+          <p:txBody>
+            <a:bodyPr rtlCol="0" anchor="ctr"/>
+            <a:lstStyle/>
+            <a:p>
+              <a:pPr algn="ctr"/>
+              <a:endParaRPr lang="zh-CN" altLang="en-US"/>
+            </a:p>
+          </p:txBody>
+        </p:sp>
+        <p:sp>
+          <p:nvSpPr>
+            <p:cNvPr id="5" name="矩形 4"/>
+            <p:cNvSpPr/>
+            <p:nvPr/>
+          </p:nvSpPr>
+          <p:spPr>
+            <a:xfrm>
+              <a:off x="6948264" y="1628800"/>
+              <a:ext cx="2195736" cy="2592288"/>
+            </a:xfrm>
+            <a:prstGeom prst="rect">
+              <a:avLst/>
+            </a:prstGeom>
+            <a:solidFill>
+              <a:srgbClr val="00B050"/>
+            </a:solidFill>
+            <a:ln>
+              <a:noFill/>
+            </a:ln>
+          </p:spPr>
+          <p:style>
+            <a:lnRef idx="2">
+              <a:schemeClr val="accent1">
+                <a:shade val="50000"/>
+              </a:schemeClr>
+            </a:lnRef>
+            <a:fillRef idx="1">
+              <a:schemeClr val="accent1"/>
+            </a:fillRef>
+            <a:effectRef idx="0">
+              <a:schemeClr val="accent1"/>
+            </a:effectRef>
+            <a:fontRef idx="minor">
+              <a:schemeClr val="lt1"/>
+            </a:fontRef>
+          </p:style>
+          <p:txBody>
+            <a:bodyPr rtlCol="0" anchor="ctr"/>
+            <a:lstStyle/>
+            <a:p>
+              <a:pPr algn="ctr"/>
+              <a:endParaRPr lang="zh-CN" altLang="en-US"/>
+            </a:p>
+          </p:txBody>
+        </p:sp>
+      </p:grpSp>
+      <p:sp>
+        <p:nvSpPr>
+          <p:cNvPr id="6" name="标题 3"/>
+          <p:cNvSpPr txBox="1">
+            <a:spLocks/>
+          </p:cNvSpPr>
+          <p:nvPr/>
+        </p:nvSpPr>
+        <p:spPr>
+          <a:xfrm>
+            <a:off x="432048" y="125760"/>
+            <a:ext cx="7812360" cy="1143000"/>
+          </a:xfrm>
+          <a:prstGeom prst="rect">
+            <a:avLst/>
+          </a:prstGeom>
+        </p:spPr>
+        <p:txBody>
+          <a:bodyPr>
+            <a:normAutofit/>
+          </a:bodyPr>
+          <a:lstStyle>
+            <a:lvl1pPr algn="ctr" defTabSz="914400" rtl="0" eaLnBrk="1" latinLnBrk="0" hangingPunct="1">
+              <a:spcBef>
+                <a:spcPct val="0"/>
+              </a:spcBef>
+              <a:buNone/>
+              <a:defRPr sz="4400" kern="1200">
+                <a:solidFill>
+                  <a:schemeClr val="tx1"/>
+                </a:solidFill>
+                <a:latin typeface="+mj-lt"/>
+                <a:ea typeface="+mj-ea"/>
+                <a:cs typeface="+mj-cs"/>
+              </a:defRPr>
+            </a:lvl1pPr>
+          </a:lstStyle>
+          <a:p>
+            <a:pPr algn="l"/>
+            <a:r>
+              <a:rPr lang="zh-CN" altLang="en-US" dirty="0" smtClean="0">
+                <a:solidFill>
+                  <a:schemeClr val="bg1"/>
+                </a:solidFill>
+                <a:latin typeface="方正大黑简体" pitchFamily="2" charset="-122"/>
+                <a:ea typeface="方正大黑简体" pitchFamily="2" charset="-122"/>
+              </a:rPr>
+              <a:t>开发优化</a:t>
+            </a:r>
+            <a:endParaRPr lang="zh-CN" altLang="en-US" dirty="0">
+              <a:solidFill>
+                <a:schemeClr val="bg1"/>
+              </a:solidFill>
+              <a:latin typeface="方正大黑简体" pitchFamily="2" charset="-122"/>
+              <a:ea typeface="方正大黑简体" pitchFamily="2" charset="-122"/>
+            </a:endParaRPr>
+          </a:p>
+        </p:txBody>
+      </p:sp>
+      <p:sp>
+        <p:nvSpPr>
+          <p:cNvPr id="2" name="TextBox 1"/>
+          <p:cNvSpPr txBox="1"/>
+          <p:nvPr/>
+        </p:nvSpPr>
+        <p:spPr>
+          <a:xfrm>
+            <a:off x="0" y="1043737"/>
+            <a:ext cx="9144000" cy="369332"/>
+          </a:xfrm>
+          <a:prstGeom prst="rect">
+            <a:avLst/>
+          </a:prstGeom>
+        </p:spPr>
+        <p:style>
+          <a:lnRef idx="1">
+            <a:schemeClr val="accent5"/>
+          </a:lnRef>
+          <a:fillRef idx="2">
+            <a:schemeClr val="accent5"/>
+          </a:fillRef>
+          <a:effectRef idx="1">
+            <a:schemeClr val="accent5"/>
+          </a:effectRef>
+          <a:fontRef idx="minor">
+            <a:schemeClr val="dk1"/>
+          </a:fontRef>
+        </p:style>
+        <p:txBody>
+          <a:bodyPr wrap="square" rtlCol="0">
+            <a:spAutoFit/>
+          </a:bodyPr>
+          <a:lstStyle/>
+          <a:p>
+            <a:r>
+              <a:rPr lang="zh-CN" altLang="en-US" dirty="0"/>
+              <a:t>主要</a:t>
+            </a:r>
+            <a:r>
+              <a:rPr lang="zh-CN" altLang="en-US" dirty="0" smtClean="0"/>
+              <a:t>目的：优化资源体积，提高</a:t>
+            </a:r>
+            <a:r>
+              <a:rPr lang="zh-CN" altLang="en-US" dirty="0"/>
+              <a:t>运行</a:t>
+            </a:r>
+            <a:r>
+              <a:rPr lang="zh-CN" altLang="en-US" dirty="0" smtClean="0"/>
+              <a:t>效率，</a:t>
+            </a:r>
+            <a:r>
+              <a:rPr lang="zh-CN" altLang="en-US" dirty="0"/>
+              <a:t>降低维护难度</a:t>
+            </a:r>
+          </a:p>
+        </p:txBody>
+      </p:sp>
+      <p:sp>
+        <p:nvSpPr>
+          <p:cNvPr id="10" name="线形标注 1(带边框和强调线) 9"/>
+          <p:cNvSpPr/>
+          <p:nvPr/>
+        </p:nvSpPr>
+        <p:spPr>
+          <a:xfrm>
+            <a:off x="2421284" y="1594892"/>
+            <a:ext cx="4815011" cy="288032"/>
+          </a:xfrm>
+          <a:prstGeom prst="accentBorderCallout1">
+            <a:avLst>
+              <a:gd name="adj1" fmla="val 51819"/>
+              <a:gd name="adj2" fmla="val -2664"/>
+              <a:gd name="adj3" fmla="val 56283"/>
+              <a:gd name="adj4" fmla="val -13174"/>
+            </a:avLst>
+          </a:prstGeom>
+        </p:spPr>
+        <p:style>
+          <a:lnRef idx="1">
+            <a:schemeClr val="accent5"/>
+          </a:lnRef>
+          <a:fillRef idx="2">
+            <a:schemeClr val="accent5"/>
+          </a:fillRef>
+          <a:effectRef idx="1">
+            <a:schemeClr val="accent5"/>
+          </a:effectRef>
+          <a:fontRef idx="minor">
+            <a:schemeClr val="dk1"/>
+          </a:fontRef>
+        </p:style>
+        <p:txBody>
+          <a:bodyPr rtlCol="0" anchor="ctr"/>
+          <a:lstStyle/>
+          <a:p>
+            <a:r>
+              <a:rPr lang="zh-CN" altLang="en-US" sz="1400" dirty="0"/>
+              <a:t>合写</a:t>
+            </a:r>
+            <a:r>
+              <a:rPr lang="en-US" altLang="zh-CN" sz="1400" dirty="0" smtClean="0"/>
+              <a:t>CSS:   </a:t>
+            </a:r>
+            <a:r>
+              <a:rPr lang="zh-CN" altLang="en-US" sz="1400" dirty="0" smtClean="0"/>
+              <a:t>如</a:t>
+            </a:r>
+            <a:r>
+              <a:rPr lang="en-US" altLang="zh-CN" sz="1400" dirty="0" smtClean="0"/>
+              <a:t>background</a:t>
+            </a:r>
+            <a:r>
+              <a:rPr lang="zh-CN" altLang="en-US" sz="1400" dirty="0" smtClean="0"/>
+              <a:t>，</a:t>
+            </a:r>
+            <a:r>
+              <a:rPr lang="en-US" altLang="zh-CN" sz="1400" dirty="0" smtClean="0"/>
+              <a:t>font</a:t>
+            </a:r>
+            <a:r>
+              <a:rPr lang="zh-CN" altLang="en-US" sz="1400" dirty="0" smtClean="0"/>
+              <a:t>，</a:t>
+            </a:r>
+            <a:r>
+              <a:rPr lang="en-US" altLang="zh-CN" sz="1400" dirty="0" smtClean="0"/>
+              <a:t>margin/padding</a:t>
+            </a:r>
+            <a:r>
+              <a:rPr lang="zh-CN" altLang="en-US" sz="1400" dirty="0" smtClean="0"/>
+              <a:t>，</a:t>
+            </a:r>
+            <a:r>
+              <a:rPr lang="en-US" altLang="zh-CN" sz="1400" dirty="0"/>
+              <a:t>border</a:t>
+            </a:r>
+          </a:p>
+        </p:txBody>
+      </p:sp>
+      <p:sp>
+        <p:nvSpPr>
+          <p:cNvPr id="11" name="左大括号 10"/>
+          <p:cNvSpPr/>
+          <p:nvPr/>
+        </p:nvSpPr>
+        <p:spPr>
+          <a:xfrm>
+            <a:off x="1619672" y="1756073"/>
+            <a:ext cx="216024" cy="1600919"/>
+          </a:xfrm>
+          <a:prstGeom prst="leftBrace">
+            <a:avLst/>
+          </a:prstGeom>
+        </p:spPr>
+        <p:style>
+          <a:lnRef idx="1">
+            <a:schemeClr val="accent1"/>
+          </a:lnRef>
+          <a:fillRef idx="0">
+            <a:schemeClr val="accent1"/>
+          </a:fillRef>
+          <a:effectRef idx="0">
+            <a:schemeClr val="accent1"/>
+          </a:effectRef>
+          <a:fontRef idx="minor">
+            <a:schemeClr val="tx1"/>
+          </a:fontRef>
+        </p:style>
+        <p:txBody>
+          <a:bodyPr rtlCol="0" anchor="ctr"/>
+          <a:lstStyle/>
+          <a:p>
+            <a:pPr algn="ctr"/>
+            <a:endParaRPr lang="zh-CN" altLang="en-US"/>
+          </a:p>
+        </p:txBody>
+      </p:sp>
+      <p:sp>
+        <p:nvSpPr>
+          <p:cNvPr id="12" name="线形标注 1(带边框和强调线) 11"/>
+          <p:cNvSpPr/>
+          <p:nvPr/>
+        </p:nvSpPr>
+        <p:spPr>
+          <a:xfrm>
+            <a:off x="2411759" y="2119152"/>
+            <a:ext cx="4824535" cy="288032"/>
+          </a:xfrm>
+          <a:prstGeom prst="accentBorderCallout1">
+            <a:avLst>
+              <a:gd name="adj1" fmla="val 41898"/>
+              <a:gd name="adj2" fmla="val -2608"/>
+              <a:gd name="adj3" fmla="val 46362"/>
+              <a:gd name="adj4" fmla="val -14177"/>
+            </a:avLst>
+          </a:prstGeom>
+        </p:spPr>
+        <p:style>
+          <a:lnRef idx="1">
+            <a:schemeClr val="accent5"/>
+          </a:lnRef>
+          <a:fillRef idx="2">
+            <a:schemeClr val="accent5"/>
+          </a:fillRef>
+          <a:effectRef idx="1">
+            <a:schemeClr val="accent5"/>
+          </a:effectRef>
+          <a:fontRef idx="minor">
+            <a:schemeClr val="dk1"/>
+          </a:fontRef>
+        </p:style>
+        <p:txBody>
+          <a:bodyPr rtlCol="0" anchor="ctr"/>
+          <a:lstStyle/>
+          <a:p>
+            <a:r>
+              <a:rPr lang="zh-CN" altLang="en-US" sz="1400" dirty="0"/>
+              <a:t>利用</a:t>
+            </a:r>
+            <a:r>
+              <a:rPr lang="zh-CN" altLang="en-US" sz="1400" dirty="0" smtClean="0"/>
+              <a:t>继承</a:t>
+            </a:r>
+            <a:r>
+              <a:rPr lang="en-US" altLang="zh-CN" sz="1400" dirty="0" smtClean="0"/>
+              <a:t>:  </a:t>
+            </a:r>
+            <a:r>
+              <a:rPr lang="zh-CN" altLang="en-US" sz="1400" dirty="0" smtClean="0"/>
+              <a:t>把可共用的样式设置在父级元素上</a:t>
+            </a:r>
+            <a:endParaRPr lang="zh-CN" altLang="en-US" sz="1400" dirty="0"/>
+          </a:p>
+        </p:txBody>
+      </p:sp>
+      <p:sp>
+        <p:nvSpPr>
+          <p:cNvPr id="13" name="线形标注 1(带边框和强调线) 12"/>
+          <p:cNvSpPr/>
+          <p:nvPr/>
+        </p:nvSpPr>
+        <p:spPr>
+          <a:xfrm>
+            <a:off x="2392734" y="2677716"/>
+            <a:ext cx="4843559" cy="288032"/>
+          </a:xfrm>
+          <a:prstGeom prst="accentBorderCallout1">
+            <a:avLst>
+              <a:gd name="adj1" fmla="val 45205"/>
+              <a:gd name="adj2" fmla="val -2040"/>
+              <a:gd name="adj3" fmla="val 46362"/>
+              <a:gd name="adj4" fmla="val -13375"/>
+            </a:avLst>
+          </a:prstGeom>
+        </p:spPr>
+        <p:style>
+          <a:lnRef idx="1">
+            <a:schemeClr val="accent4"/>
+          </a:lnRef>
+          <a:fillRef idx="2">
+            <a:schemeClr val="accent4"/>
+          </a:fillRef>
+          <a:effectRef idx="1">
+            <a:schemeClr val="accent4"/>
+          </a:effectRef>
+          <a:fontRef idx="minor">
+            <a:schemeClr val="dk1"/>
+          </a:fontRef>
+        </p:style>
+        <p:txBody>
+          <a:bodyPr rtlCol="0" anchor="ctr"/>
+          <a:lstStyle/>
+          <a:p>
+            <a:r>
+              <a:rPr lang="zh-CN" altLang="en-US" sz="1400" dirty="0"/>
+              <a:t>移除多余的结构</a:t>
+            </a:r>
+            <a:r>
+              <a:rPr lang="en-US" altLang="zh-CN" sz="1400" dirty="0"/>
+              <a:t>(frameworks)</a:t>
+            </a:r>
+            <a:r>
+              <a:rPr lang="zh-CN" altLang="en-US" sz="1400" dirty="0"/>
+              <a:t>和重</a:t>
+            </a:r>
+            <a:r>
+              <a:rPr lang="zh-CN" altLang="en-US" sz="1400" dirty="0" smtClean="0"/>
+              <a:t>设</a:t>
+            </a:r>
+            <a:r>
+              <a:rPr lang="en-US" altLang="zh-CN" sz="1400" dirty="0" smtClean="0"/>
+              <a:t>(reset)</a:t>
+            </a:r>
+            <a:endParaRPr lang="zh-CN" altLang="en-US" sz="1400" dirty="0"/>
+          </a:p>
+        </p:txBody>
+      </p:sp>
+      <p:sp>
+        <p:nvSpPr>
+          <p:cNvPr id="14" name="线形标注 1(带边框和强调线) 13"/>
+          <p:cNvSpPr/>
+          <p:nvPr/>
+        </p:nvSpPr>
+        <p:spPr>
+          <a:xfrm>
+            <a:off x="2392735" y="3222501"/>
+            <a:ext cx="4843560" cy="288032"/>
+          </a:xfrm>
+          <a:prstGeom prst="accentBorderCallout1">
+            <a:avLst>
+              <a:gd name="adj1" fmla="val 41898"/>
+              <a:gd name="adj2" fmla="val -2237"/>
+              <a:gd name="adj3" fmla="val 46362"/>
+              <a:gd name="adj4" fmla="val -12854"/>
+            </a:avLst>
+          </a:prstGeom>
+        </p:spPr>
+        <p:style>
+          <a:lnRef idx="1">
+            <a:schemeClr val="accent6"/>
+          </a:lnRef>
+          <a:fillRef idx="2">
+            <a:schemeClr val="accent6"/>
+          </a:fillRef>
+          <a:effectRef idx="1">
+            <a:schemeClr val="accent6"/>
+          </a:effectRef>
+          <a:fontRef idx="minor">
+            <a:schemeClr val="dk1"/>
+          </a:fontRef>
+        </p:style>
+        <p:txBody>
+          <a:bodyPr rtlCol="0" anchor="ctr"/>
+          <a:lstStyle/>
+          <a:p>
+            <a:r>
+              <a:rPr lang="zh-CN" altLang="en-US" sz="1400" dirty="0" smtClean="0"/>
+              <a:t>代码性能优化</a:t>
+            </a:r>
+            <a:r>
+              <a:rPr lang="en-US" altLang="zh-CN" sz="1400" dirty="0" smtClean="0"/>
+              <a:t>:  </a:t>
+            </a:r>
+            <a:r>
+              <a:rPr lang="zh-CN" altLang="en-US" sz="1400" dirty="0"/>
+              <a:t>如合理使用选择器、避免适用</a:t>
+            </a:r>
+            <a:r>
+              <a:rPr lang="zh-CN" altLang="en-US" sz="1400" dirty="0" smtClean="0"/>
+              <a:t>通配符</a:t>
+            </a:r>
+            <a:r>
+              <a:rPr lang="zh-CN" altLang="en-US" sz="1400" dirty="0"/>
+              <a:t>等等</a:t>
+            </a:r>
+          </a:p>
+        </p:txBody>
+      </p:sp>
+      <p:sp>
+        <p:nvSpPr>
+          <p:cNvPr id="15" name="流程图: 可选过程 14"/>
+          <p:cNvSpPr/>
+          <p:nvPr/>
+        </p:nvSpPr>
+        <p:spPr>
+          <a:xfrm>
+            <a:off x="406946" y="2310808"/>
+            <a:ext cx="1212726" cy="510924"/>
+          </a:xfrm>
+          <a:prstGeom prst="flowChartAlternateProcess">
+            <a:avLst/>
+          </a:prstGeom>
+        </p:spPr>
+        <p:style>
+          <a:lnRef idx="3">
+            <a:schemeClr val="lt1"/>
+          </a:lnRef>
+          <a:fillRef idx="1">
+            <a:schemeClr val="accent3"/>
+          </a:fillRef>
+          <a:effectRef idx="1">
+            <a:schemeClr val="accent3"/>
+          </a:effectRef>
+          <a:fontRef idx="minor">
+            <a:schemeClr val="lt1"/>
+          </a:fontRef>
+        </p:style>
+        <p:txBody>
+          <a:bodyPr rtlCol="0" anchor="ctr"/>
+          <a:lstStyle/>
+          <a:p>
+            <a:pPr algn="ctr"/>
+            <a:r>
+              <a:rPr lang="en-US" altLang="zh-CN" dirty="0" smtClean="0"/>
+              <a:t>CSS</a:t>
+            </a:r>
+            <a:endParaRPr lang="zh-CN" altLang="en-US" dirty="0"/>
+          </a:p>
+        </p:txBody>
+      </p:sp>
+      <p:sp>
+        <p:nvSpPr>
+          <p:cNvPr id="16" name="线形标注 1(带边框和强调线) 15"/>
+          <p:cNvSpPr/>
+          <p:nvPr/>
+        </p:nvSpPr>
+        <p:spPr>
+          <a:xfrm>
+            <a:off x="2421284" y="3774182"/>
+            <a:ext cx="4815011" cy="288032"/>
+          </a:xfrm>
+          <a:prstGeom prst="accentBorderCallout1">
+            <a:avLst>
+              <a:gd name="adj1" fmla="val 51819"/>
+              <a:gd name="adj2" fmla="val -2664"/>
+              <a:gd name="adj3" fmla="val 56283"/>
+              <a:gd name="adj4" fmla="val -13174"/>
+            </a:avLst>
+          </a:prstGeom>
+        </p:spPr>
+        <p:style>
+          <a:lnRef idx="1">
+            <a:schemeClr val="accent5"/>
+          </a:lnRef>
+          <a:fillRef idx="2">
+            <a:schemeClr val="accent5"/>
+          </a:fillRef>
+          <a:effectRef idx="1">
+            <a:schemeClr val="accent5"/>
+          </a:effectRef>
+          <a:fontRef idx="minor">
+            <a:schemeClr val="dk1"/>
+          </a:fontRef>
+        </p:style>
+        <p:txBody>
+          <a:bodyPr rtlCol="0" anchor="ctr"/>
+          <a:lstStyle/>
+          <a:p>
+            <a:r>
+              <a:rPr lang="zh-CN" altLang="en-US" sz="1400" dirty="0"/>
+              <a:t>使用</a:t>
+            </a:r>
+            <a:r>
+              <a:rPr lang="en-US" altLang="zh-CN" sz="1400" dirty="0" smtClean="0"/>
+              <a:t>CSS sprites</a:t>
+            </a:r>
+            <a:r>
+              <a:rPr lang="zh-CN" altLang="en-US" sz="1400" dirty="0" smtClean="0"/>
+              <a:t>，合并图片，减少请求量</a:t>
+            </a:r>
+            <a:endParaRPr lang="en-US" altLang="zh-CN" sz="1400" dirty="0"/>
+          </a:p>
+        </p:txBody>
+      </p:sp>
+      <p:sp>
+        <p:nvSpPr>
+          <p:cNvPr id="17" name="左大括号 16"/>
+          <p:cNvSpPr/>
+          <p:nvPr/>
+        </p:nvSpPr>
+        <p:spPr>
+          <a:xfrm>
+            <a:off x="1619672" y="3931915"/>
+            <a:ext cx="162018" cy="979910"/>
+          </a:xfrm>
+          <a:prstGeom prst="leftBrace">
+            <a:avLst/>
+          </a:prstGeom>
+        </p:spPr>
+        <p:style>
+          <a:lnRef idx="1">
+            <a:schemeClr val="accent1"/>
+          </a:lnRef>
+          <a:fillRef idx="0">
+            <a:schemeClr val="accent1"/>
+          </a:fillRef>
+          <a:effectRef idx="0">
+            <a:schemeClr val="accent1"/>
+          </a:effectRef>
+          <a:fontRef idx="minor">
+            <a:schemeClr val="tx1"/>
+          </a:fontRef>
+        </p:style>
+        <p:txBody>
+          <a:bodyPr rtlCol="0" anchor="ctr"/>
+          <a:lstStyle/>
+          <a:p>
+            <a:pPr algn="ctr"/>
+            <a:endParaRPr lang="zh-CN" altLang="en-US"/>
+          </a:p>
+        </p:txBody>
+      </p:sp>
+      <p:sp>
+        <p:nvSpPr>
+          <p:cNvPr id="20" name="线形标注 1(带边框和强调线) 19"/>
+          <p:cNvSpPr/>
+          <p:nvPr/>
+        </p:nvSpPr>
+        <p:spPr>
+          <a:xfrm>
+            <a:off x="2392735" y="4767808"/>
+            <a:ext cx="4843560" cy="288032"/>
+          </a:xfrm>
+          <a:prstGeom prst="accentBorderCallout1">
+            <a:avLst>
+              <a:gd name="adj1" fmla="val 41898"/>
+              <a:gd name="adj2" fmla="val -2237"/>
+              <a:gd name="adj3" fmla="val 46362"/>
+              <a:gd name="adj4" fmla="val -12854"/>
+            </a:avLst>
+          </a:prstGeom>
+        </p:spPr>
+        <p:style>
+          <a:lnRef idx="1">
+            <a:schemeClr val="accent6"/>
+          </a:lnRef>
+          <a:fillRef idx="2">
+            <a:schemeClr val="accent6"/>
+          </a:fillRef>
+          <a:effectRef idx="1">
+            <a:schemeClr val="accent6"/>
+          </a:effectRef>
+          <a:fontRef idx="minor">
+            <a:schemeClr val="dk1"/>
+          </a:fontRef>
+        </p:style>
+        <p:txBody>
+          <a:bodyPr rtlCol="0" anchor="ctr"/>
+          <a:lstStyle/>
+          <a:p>
+            <a:r>
+              <a:rPr lang="zh-CN" altLang="en-US" sz="1400" dirty="0" smtClean="0"/>
+              <a:t>合理选择图片格式和清晰度，降低图片大小</a:t>
+            </a:r>
+            <a:endParaRPr lang="zh-CN" altLang="en-US" sz="1400" dirty="0"/>
+          </a:p>
+        </p:txBody>
+      </p:sp>
+      <p:sp>
+        <p:nvSpPr>
+          <p:cNvPr id="21" name="流程图: 可选过程 20"/>
+          <p:cNvSpPr/>
+          <p:nvPr/>
+        </p:nvSpPr>
+        <p:spPr>
+          <a:xfrm>
+            <a:off x="406946" y="4132340"/>
+            <a:ext cx="1212726" cy="510924"/>
+          </a:xfrm>
+          <a:prstGeom prst="flowChartAlternateProcess">
+            <a:avLst/>
+          </a:prstGeom>
+        </p:spPr>
+        <p:style>
+          <a:lnRef idx="3">
+            <a:schemeClr val="lt1"/>
+          </a:lnRef>
+          <a:fillRef idx="1">
+            <a:schemeClr val="accent3"/>
+          </a:fillRef>
+          <a:effectRef idx="1">
+            <a:schemeClr val="accent3"/>
+          </a:effectRef>
+          <a:fontRef idx="minor">
+            <a:schemeClr val="lt1"/>
+          </a:fontRef>
+        </p:style>
+        <p:txBody>
+          <a:bodyPr rtlCol="0" anchor="ctr"/>
+          <a:lstStyle/>
+          <a:p>
+            <a:pPr algn="ctr"/>
+            <a:r>
+              <a:rPr lang="en-US" altLang="zh-CN" dirty="0" smtClean="0"/>
+              <a:t>Image</a:t>
+            </a:r>
+            <a:endParaRPr lang="zh-CN" altLang="en-US" dirty="0"/>
+          </a:p>
+        </p:txBody>
+      </p:sp>
+      <p:sp>
+        <p:nvSpPr>
+          <p:cNvPr id="22" name="线形标注 1(带边框和强调线) 21"/>
+          <p:cNvSpPr/>
+          <p:nvPr/>
+        </p:nvSpPr>
+        <p:spPr>
+          <a:xfrm>
+            <a:off x="2421284" y="5301208"/>
+            <a:ext cx="4815011" cy="288032"/>
+          </a:xfrm>
+          <a:prstGeom prst="accentBorderCallout1">
+            <a:avLst>
+              <a:gd name="adj1" fmla="val 51819"/>
+              <a:gd name="adj2" fmla="val -2664"/>
+              <a:gd name="adj3" fmla="val 56283"/>
+              <a:gd name="adj4" fmla="val -13174"/>
+            </a:avLst>
+          </a:prstGeom>
+        </p:spPr>
+        <p:style>
+          <a:lnRef idx="1">
+            <a:schemeClr val="accent5"/>
+          </a:lnRef>
+          <a:fillRef idx="2">
+            <a:schemeClr val="accent5"/>
+          </a:fillRef>
+          <a:effectRef idx="1">
+            <a:schemeClr val="accent5"/>
+          </a:effectRef>
+          <a:fontRef idx="minor">
+            <a:schemeClr val="dk1"/>
+          </a:fontRef>
+        </p:style>
+        <p:txBody>
+          <a:bodyPr rtlCol="0" anchor="ctr"/>
+          <a:lstStyle/>
+          <a:p>
+            <a:r>
+              <a:rPr lang="zh-CN" altLang="en-US" sz="1400" dirty="0" smtClean="0"/>
+              <a:t>基础优化：多了解</a:t>
+            </a:r>
+            <a:r>
+              <a:rPr lang="en-US" altLang="zh-CN" sz="1400" dirty="0" err="1" smtClean="0"/>
+              <a:t>javascript</a:t>
+            </a:r>
+            <a:r>
+              <a:rPr lang="zh-CN" altLang="en-US" sz="1400" dirty="0" smtClean="0"/>
+              <a:t>语法基础及基础</a:t>
+            </a:r>
+            <a:r>
+              <a:rPr lang="en-US" altLang="zh-CN" sz="1400" dirty="0" smtClean="0"/>
+              <a:t>API</a:t>
+            </a:r>
+            <a:r>
+              <a:rPr lang="zh-CN" altLang="en-US" sz="1400" dirty="0" smtClean="0"/>
+              <a:t>。</a:t>
+            </a:r>
+            <a:endParaRPr lang="en-US" altLang="zh-CN" sz="1400" dirty="0"/>
+          </a:p>
+        </p:txBody>
+      </p:sp>
+      <p:sp>
+        <p:nvSpPr>
+          <p:cNvPr id="23" name="左大括号 22"/>
+          <p:cNvSpPr/>
+          <p:nvPr/>
+        </p:nvSpPr>
+        <p:spPr>
+          <a:xfrm>
+            <a:off x="1619672" y="5462392"/>
+            <a:ext cx="216024" cy="1143716"/>
+          </a:xfrm>
+          <a:prstGeom prst="leftBrace">
+            <a:avLst/>
+          </a:prstGeom>
+        </p:spPr>
+        <p:style>
+          <a:lnRef idx="1">
+            <a:schemeClr val="accent1"/>
+          </a:lnRef>
+          <a:fillRef idx="0">
+            <a:schemeClr val="accent1"/>
+          </a:fillRef>
+          <a:effectRef idx="0">
+            <a:schemeClr val="accent1"/>
+          </a:effectRef>
+          <a:fontRef idx="minor">
+            <a:schemeClr val="tx1"/>
+          </a:fontRef>
+        </p:style>
+        <p:txBody>
+          <a:bodyPr rtlCol="0" anchor="ctr"/>
+          <a:lstStyle/>
+          <a:p>
+            <a:pPr algn="ctr"/>
+            <a:endParaRPr lang="zh-CN" altLang="en-US"/>
+          </a:p>
+        </p:txBody>
+      </p:sp>
+      <p:sp>
+        <p:nvSpPr>
+          <p:cNvPr id="24" name="线形标注 1(带边框和强调线) 23"/>
+          <p:cNvSpPr/>
+          <p:nvPr/>
+        </p:nvSpPr>
+        <p:spPr>
+          <a:xfrm>
+            <a:off x="2411761" y="5892143"/>
+            <a:ext cx="4824535" cy="288032"/>
+          </a:xfrm>
+          <a:prstGeom prst="accentBorderCallout1">
+            <a:avLst>
+              <a:gd name="adj1" fmla="val 41898"/>
+              <a:gd name="adj2" fmla="val -2608"/>
+              <a:gd name="adj3" fmla="val 46362"/>
+              <a:gd name="adj4" fmla="val -14177"/>
+            </a:avLst>
+          </a:prstGeom>
+        </p:spPr>
+        <p:style>
+          <a:lnRef idx="1">
+            <a:schemeClr val="accent4"/>
+          </a:lnRef>
+          <a:fillRef idx="2">
+            <a:schemeClr val="accent4"/>
+          </a:fillRef>
+          <a:effectRef idx="1">
+            <a:schemeClr val="accent4"/>
+          </a:effectRef>
+          <a:fontRef idx="minor">
+            <a:schemeClr val="dk1"/>
+          </a:fontRef>
+        </p:style>
+        <p:txBody>
+          <a:bodyPr rtlCol="0" anchor="ctr"/>
+          <a:lstStyle/>
+          <a:p>
+            <a:r>
+              <a:rPr lang="zh-CN" altLang="en-US" sz="1400" dirty="0" smtClean="0"/>
+              <a:t>结构优化：模块化，</a:t>
+            </a:r>
+            <a:endParaRPr lang="zh-CN" altLang="en-US" sz="1400" dirty="0"/>
+          </a:p>
+        </p:txBody>
+      </p:sp>
+      <p:sp>
+        <p:nvSpPr>
+          <p:cNvPr id="25" name="线形标注 1(带边框和强调线) 24"/>
+          <p:cNvSpPr/>
+          <p:nvPr/>
+        </p:nvSpPr>
+        <p:spPr>
+          <a:xfrm>
+            <a:off x="2392735" y="6462092"/>
+            <a:ext cx="4843560" cy="288032"/>
+          </a:xfrm>
+          <a:prstGeom prst="accentBorderCallout1">
+            <a:avLst>
+              <a:gd name="adj1" fmla="val 41898"/>
+              <a:gd name="adj2" fmla="val -2237"/>
+              <a:gd name="adj3" fmla="val 46362"/>
+              <a:gd name="adj4" fmla="val -12854"/>
+            </a:avLst>
+          </a:prstGeom>
+        </p:spPr>
+        <p:style>
+          <a:lnRef idx="1">
+            <a:schemeClr val="accent6"/>
+          </a:lnRef>
+          <a:fillRef idx="2">
+            <a:schemeClr val="accent6"/>
+          </a:fillRef>
+          <a:effectRef idx="1">
+            <a:schemeClr val="accent6"/>
+          </a:effectRef>
+          <a:fontRef idx="minor">
+            <a:schemeClr val="dk1"/>
+          </a:fontRef>
+        </p:style>
+        <p:txBody>
+          <a:bodyPr rtlCol="0" anchor="ctr"/>
+          <a:lstStyle/>
+          <a:p>
+            <a:r>
+              <a:rPr lang="zh-CN" altLang="en-US" sz="1400" dirty="0" smtClean="0"/>
+              <a:t>合理选择图片格式和清晰度，降低图片大小</a:t>
+            </a:r>
+            <a:endParaRPr lang="zh-CN" altLang="en-US" sz="1400" dirty="0"/>
+          </a:p>
+        </p:txBody>
+      </p:sp>
+      <p:sp>
+        <p:nvSpPr>
+          <p:cNvPr id="26" name="流程图: 可选过程 25"/>
+          <p:cNvSpPr/>
+          <p:nvPr/>
+        </p:nvSpPr>
+        <p:spPr>
+          <a:xfrm>
+            <a:off x="406946" y="5750424"/>
+            <a:ext cx="1212726" cy="510924"/>
+          </a:xfrm>
+          <a:prstGeom prst="flowChartAlternateProcess">
+            <a:avLst/>
+          </a:prstGeom>
+        </p:spPr>
+        <p:style>
+          <a:lnRef idx="3">
+            <a:schemeClr val="lt1"/>
+          </a:lnRef>
+          <a:fillRef idx="1">
+            <a:schemeClr val="accent3"/>
+          </a:fillRef>
+          <a:effectRef idx="1">
+            <a:schemeClr val="accent3"/>
+          </a:effectRef>
+          <a:fontRef idx="minor">
+            <a:schemeClr val="lt1"/>
+          </a:fontRef>
+        </p:style>
+        <p:txBody>
+          <a:bodyPr rtlCol="0" anchor="ctr"/>
+          <a:lstStyle/>
+          <a:p>
+            <a:pPr algn="ctr"/>
+            <a:r>
+              <a:rPr lang="en-US" altLang="zh-CN" dirty="0" err="1" smtClean="0"/>
+              <a:t>Javascript</a:t>
+            </a:r>
+            <a:endParaRPr lang="zh-CN" altLang="en-US" dirty="0"/>
+          </a:p>
+        </p:txBody>
+      </p:sp>
+    </p:spTree>
+    <p:extLst>
+      <p:ext uri="{BB962C8B-B14F-4D97-AF65-F5344CB8AC3E}">
+        <p14:creationId xmlns:p14="http://schemas.microsoft.com/office/powerpoint/2010/main" val="91801320"/>
+      </p:ext>
+    </p:extLst>
+  </p:cSld>
+  <p:clrMapOvr>
+    <a:masterClrMapping/>
+  </p:clrMapOvr>
+  <mc:AlternateContent xmlns:mc="http://schemas.openxmlformats.org/markup-compatibility/2006" xmlns:p14="http://schemas.microsoft.com/office/powerpoint/2010/main">
+    <mc:Choice Requires="p14">
+      <p:transition spd="slow" p14:dur="800">
+        <p:circle/>
+      </p:transition>
+    </mc:Choice>
+    <mc:Fallback xmlns="">
+      <p:transition spd="slow">
+        <p:circle/>
+      </p:transition>
+    </mc:Fallback>
+  </mc:AlternateContent>
+  <p:timing>
+    <p:tnLst>
+      <p:par>
+        <p:cTn id="1" dur="indefinite" restart="never" nodeType="tmRoot"/>
+      </p:par>
+    </p:tnLst>
+  </p:timing>
+</p:sld>
+</file>
+
+<file path=ppt/slides/slide12.xml><?xml version="1.0" encoding="utf-8"?>
+<p:sld xmlns:a="http://schemas.openxmlformats.org/drawingml/2006/main" xmlns:r="http://schemas.openxmlformats.org/officeDocument/2006/relationships" xmlns:p="http://schemas.openxmlformats.org/presentationml/2006/main">
+  <p:cSld>
+    <p:spTree>
+      <p:nvGrpSpPr>
+        <p:cNvPr id="1" name=""/>
+        <p:cNvGrpSpPr/>
+        <p:nvPr/>
+      </p:nvGrpSpPr>
+      <p:grpSpPr>
+        <a:xfrm>
+          <a:off x="0" y="0"/>
+          <a:ext cx="0" cy="0"/>
+          <a:chOff x="0" y="0"/>
+          <a:chExt cx="0" cy="0"/>
+        </a:xfrm>
+      </p:grpSpPr>
+      <p:grpSp>
+        <p:nvGrpSpPr>
+          <p:cNvPr id="3" name="组合 2"/>
+          <p:cNvGrpSpPr/>
+          <p:nvPr/>
+        </p:nvGrpSpPr>
+        <p:grpSpPr>
+          <a:xfrm>
+            <a:off x="0" y="-27384"/>
+            <a:ext cx="9144000" cy="1080120"/>
+            <a:chOff x="0" y="1628800"/>
+            <a:chExt cx="9144000" cy="2592288"/>
+          </a:xfrm>
+        </p:grpSpPr>
+        <p:sp>
+          <p:nvSpPr>
+            <p:cNvPr id="4" name="矩形 3"/>
+            <p:cNvSpPr/>
+            <p:nvPr/>
+          </p:nvSpPr>
+          <p:spPr>
+            <a:xfrm>
+              <a:off x="0" y="1628800"/>
+              <a:ext cx="6948264" cy="2592288"/>
+            </a:xfrm>
+            <a:prstGeom prst="rect">
+              <a:avLst/>
+            </a:prstGeom>
+            <a:solidFill>
+              <a:srgbClr val="002060"/>
+            </a:solidFill>
+            <a:ln>
+              <a:noFill/>
+            </a:ln>
+          </p:spPr>
+          <p:style>
+            <a:lnRef idx="2">
+              <a:schemeClr val="accent1">
+                <a:shade val="50000"/>
+              </a:schemeClr>
+            </a:lnRef>
+            <a:fillRef idx="1">
+              <a:schemeClr val="accent1"/>
+            </a:fillRef>
+            <a:effectRef idx="0">
+              <a:schemeClr val="accent1"/>
+            </a:effectRef>
+            <a:fontRef idx="minor">
+              <a:schemeClr val="lt1"/>
+            </a:fontRef>
+          </p:style>
+          <p:txBody>
+            <a:bodyPr rtlCol="0" anchor="ctr"/>
+            <a:lstStyle/>
+            <a:p>
+              <a:pPr algn="ctr"/>
+              <a:endParaRPr lang="zh-CN" altLang="en-US"/>
+            </a:p>
+          </p:txBody>
+        </p:sp>
+        <p:sp>
+          <p:nvSpPr>
+            <p:cNvPr id="5" name="矩形 4"/>
+            <p:cNvSpPr/>
+            <p:nvPr/>
+          </p:nvSpPr>
+          <p:spPr>
+            <a:xfrm>
+              <a:off x="6948264" y="1628800"/>
+              <a:ext cx="2195736" cy="2592288"/>
+            </a:xfrm>
+            <a:prstGeom prst="rect">
+              <a:avLst/>
+            </a:prstGeom>
+            <a:solidFill>
+              <a:srgbClr val="00B050"/>
+            </a:solidFill>
+            <a:ln>
+              <a:noFill/>
+            </a:ln>
+          </p:spPr>
+          <p:style>
+            <a:lnRef idx="2">
+              <a:schemeClr val="accent1">
+                <a:shade val="50000"/>
+              </a:schemeClr>
+            </a:lnRef>
+            <a:fillRef idx="1">
+              <a:schemeClr val="accent1"/>
+            </a:fillRef>
+            <a:effectRef idx="0">
+              <a:schemeClr val="accent1"/>
+            </a:effectRef>
+            <a:fontRef idx="minor">
+              <a:schemeClr val="lt1"/>
+            </a:fontRef>
+          </p:style>
+          <p:txBody>
+            <a:bodyPr rtlCol="0" anchor="ctr"/>
+            <a:lstStyle/>
+            <a:p>
+              <a:pPr algn="ctr"/>
+              <a:endParaRPr lang="zh-CN" altLang="en-US"/>
+            </a:p>
+          </p:txBody>
+        </p:sp>
+      </p:grpSp>
+      <p:sp>
+        <p:nvSpPr>
+          <p:cNvPr id="6" name="标题 3"/>
+          <p:cNvSpPr txBox="1">
+            <a:spLocks/>
+          </p:cNvSpPr>
+          <p:nvPr/>
+        </p:nvSpPr>
+        <p:spPr>
+          <a:xfrm>
+            <a:off x="432048" y="125760"/>
+            <a:ext cx="7812360" cy="1143000"/>
+          </a:xfrm>
+          <a:prstGeom prst="rect">
+            <a:avLst/>
+          </a:prstGeom>
+        </p:spPr>
+        <p:txBody>
+          <a:bodyPr>
+            <a:normAutofit/>
+          </a:bodyPr>
+          <a:lstStyle>
+            <a:lvl1pPr algn="ctr" defTabSz="914400" rtl="0" eaLnBrk="1" latinLnBrk="0" hangingPunct="1">
+              <a:spcBef>
+                <a:spcPct val="0"/>
+              </a:spcBef>
+              <a:buNone/>
+              <a:defRPr sz="4400" kern="1200">
+                <a:solidFill>
+                  <a:schemeClr val="tx1"/>
+                </a:solidFill>
+                <a:latin typeface="+mj-lt"/>
+                <a:ea typeface="+mj-ea"/>
+                <a:cs typeface="+mj-cs"/>
+              </a:defRPr>
+            </a:lvl1pPr>
+          </a:lstStyle>
+          <a:p>
+            <a:pPr algn="l"/>
+            <a:r>
+              <a:rPr lang="zh-CN" altLang="en-US" dirty="0">
+                <a:solidFill>
+                  <a:schemeClr val="bg1"/>
+                </a:solidFill>
+                <a:latin typeface="方正大黑简体" pitchFamily="2" charset="-122"/>
+                <a:ea typeface="方正大黑简体" pitchFamily="2" charset="-122"/>
+              </a:rPr>
               <a:t>致谢</a:t>
             </a:r>
           </a:p>
@@ -5931,7 +7958,7 @@
       </p:grpSpPr>
       <p:grpSp>
         <p:nvGrpSpPr>
-          <p:cNvPr id="2" name="组合 11"/>
+          <p:cNvPr id="3" name="组合 2"/>
           <p:cNvGrpSpPr/>
           <p:nvPr/>
         </p:nvGrpSpPr>
@@ -5945,7 +7972,7 @@
         </p:grpSpPr>
         <p:sp>
           <p:nvSpPr>
-            <p:cNvPr id="13" name="矩形 12"/>
+            <p:cNvPr id="4" name="矩形 3"/>
             <p:cNvSpPr/>
             <p:nvPr/>
           </p:nvSpPr>
@@ -5991,7 +8018,7 @@
         </p:sp>
         <p:sp>
           <p:nvSpPr>
-            <p:cNvPr id="14" name="矩形 13"/>
+            <p:cNvPr id="5" name="矩形 4"/>
             <p:cNvSpPr/>
             <p:nvPr/>
           </p:nvSpPr>
@@ -6038,257 +8065,98 @@
       </p:grpSp>
       <p:sp>
         <p:nvSpPr>
-          <p:cNvPr id="85" name="AutoShape 12" descr="http://t2.baidu.com/it/u=2113212026,3013923243&amp;fm=11&amp;gp=0.jpg"/>
-          <p:cNvSpPr>
-            <a:spLocks noChangeAspect="1" noChangeArrowheads="1"/>
+          <p:cNvPr id="6" name="标题 3"/>
+          <p:cNvSpPr txBox="1">
+            <a:spLocks/>
           </p:cNvSpPr>
           <p:nvPr/>
         </p:nvSpPr>
-        <p:spPr bwMode="auto">
+        <p:spPr>
           <a:xfrm>
-            <a:off x="155575" y="-144463"/>
-            <a:ext cx="304800" cy="304801"/>
+            <a:off x="432048" y="125760"/>
+            <a:ext cx="7812360" cy="1143000"/>
           </a:xfrm>
           <a:prstGeom prst="rect">
             <a:avLst/>
           </a:prstGeom>
-          <a:noFill/>
-          <a:ln w="9525">
-            <a:noFill/>
-            <a:miter lim="800000"/>
-            <a:headEnd/>
-            <a:tailEnd/>
-          </a:ln>
         </p:spPr>
         <p:txBody>
-          <a:bodyPr/>
-          <a:lstStyle/>
-          <a:p>
-            <a:endParaRPr lang="zh-CN" altLang="en-US"/>
-          </a:p>
-        </p:txBody>
-      </p:sp>
-      <p:sp>
-        <p:nvSpPr>
-          <p:cNvPr id="86" name="AutoShape 14" descr="http://t2.baidu.com/it/u=2113212026,3013923243&amp;fm=11&amp;gp=0.jpg"/>
-          <p:cNvSpPr>
-            <a:spLocks noChangeAspect="1" noChangeArrowheads="1"/>
-          </p:cNvSpPr>
+          <a:bodyPr>
+            <a:normAutofit/>
+          </a:bodyPr>
+          <a:lstStyle>
+            <a:lvl1pPr algn="ctr" defTabSz="914400" rtl="0" eaLnBrk="1" latinLnBrk="0" hangingPunct="1">
+              <a:spcBef>
+                <a:spcPct val="0"/>
+              </a:spcBef>
+              <a:buNone/>
+              <a:defRPr sz="4400" kern="1200">
+                <a:solidFill>
+                  <a:schemeClr val="tx1"/>
+                </a:solidFill>
+                <a:latin typeface="+mj-lt"/>
+                <a:ea typeface="+mj-ea"/>
+                <a:cs typeface="+mj-cs"/>
+              </a:defRPr>
+            </a:lvl1pPr>
+          </a:lstStyle>
+          <a:p>
+            <a:pPr algn="l"/>
+            <a:r>
+              <a:rPr lang="zh-CN" altLang="en-US" dirty="0">
+                <a:solidFill>
+                  <a:schemeClr val="bg1"/>
+                </a:solidFill>
+                <a:latin typeface="方正大黑简体" pitchFamily="2" charset="-122"/>
+                <a:ea typeface="方正大黑简体" pitchFamily="2" charset="-122"/>
+              </a:rPr>
+              <a:t>各种</a:t>
+            </a:r>
+            <a:r>
+              <a:rPr lang="zh-CN" altLang="en-US" dirty="0" smtClean="0">
+                <a:solidFill>
+                  <a:schemeClr val="bg1"/>
+                </a:solidFill>
+                <a:latin typeface="方正大黑简体" pitchFamily="2" charset="-122"/>
+                <a:ea typeface="方正大黑简体" pitchFamily="2" charset="-122"/>
+              </a:rPr>
+              <a:t>优化对比</a:t>
+            </a:r>
+            <a:endParaRPr lang="zh-CN" altLang="en-US" dirty="0">
+              <a:solidFill>
+                <a:schemeClr val="bg1"/>
+              </a:solidFill>
+              <a:latin typeface="方正大黑简体" pitchFamily="2" charset="-122"/>
+              <a:ea typeface="方正大黑简体" pitchFamily="2" charset="-122"/>
+            </a:endParaRPr>
+          </a:p>
+        </p:txBody>
+      </p:sp>
+      <p:pic>
+        <p:nvPicPr>
+          <p:cNvPr id="1026" name="Picture 2"/>
+          <p:cNvPicPr>
+            <a:picLocks noChangeAspect="1" noChangeArrowheads="1"/>
+          </p:cNvPicPr>
           <p:nvPr/>
-        </p:nvSpPr>
+        </p:nvPicPr>
+        <p:blipFill>
+          <a:blip r:embed="rId3">
+            <a:extLst>
+              <a:ext uri="{28A0092B-C50C-407E-A947-70E740481C1C}">
+                <a14:useLocalDpi xmlns:a14="http://schemas.microsoft.com/office/drawing/2010/main" val="0"/>
+              </a:ext>
+            </a:extLst>
+          </a:blip>
+          <a:srcRect/>
+          <a:stretch>
+            <a:fillRect/>
+          </a:stretch>
+        </p:blipFill>
         <p:spPr bwMode="auto">
           <a:xfrm>
-            <a:off x="307975" y="7938"/>
-            <a:ext cx="304800" cy="304800"/>
-          </a:xfrm>
-          <a:prstGeom prst="rect">
-            <a:avLst/>
-          </a:prstGeom>
-          <a:noFill/>
-          <a:ln w="9525">
-            <a:noFill/>
-            <a:miter lim="800000"/>
-            <a:headEnd/>
-            <a:tailEnd/>
-          </a:ln>
-        </p:spPr>
-        <p:txBody>
-          <a:bodyPr/>
-          <a:lstStyle/>
-          <a:p>
-            <a:endParaRPr lang="zh-CN" altLang="en-US"/>
-          </a:p>
-        </p:txBody>
-      </p:sp>
-      <p:sp>
-        <p:nvSpPr>
-          <p:cNvPr id="87" name="AutoShape 16" descr="http://t2.baidu.com/it/u=2113212026,3013923243&amp;fm=11&amp;gp=0.jpg"/>
-          <p:cNvSpPr>
-            <a:spLocks noChangeAspect="1" noChangeArrowheads="1"/>
-          </p:cNvSpPr>
-          <p:nvPr/>
-        </p:nvSpPr>
-        <p:spPr bwMode="auto">
-          <a:xfrm>
-            <a:off x="460375" y="160338"/>
-            <a:ext cx="304800" cy="304800"/>
-          </a:xfrm>
-          <a:prstGeom prst="rect">
-            <a:avLst/>
-          </a:prstGeom>
-          <a:noFill/>
-          <a:ln w="9525">
-            <a:noFill/>
-            <a:miter lim="800000"/>
-            <a:headEnd/>
-            <a:tailEnd/>
-          </a:ln>
-        </p:spPr>
-        <p:txBody>
-          <a:bodyPr/>
-          <a:lstStyle/>
-          <a:p>
-            <a:endParaRPr lang="zh-CN" altLang="en-US"/>
-          </a:p>
-        </p:txBody>
-      </p:sp>
-      <p:sp>
-        <p:nvSpPr>
-          <p:cNvPr id="88" name="AutoShape 18" descr="http://t2.baidu.com/it/u=2113212026,3013923243&amp;fm=11&amp;gp=0.jpg"/>
-          <p:cNvSpPr>
-            <a:spLocks noChangeAspect="1" noChangeArrowheads="1"/>
-          </p:cNvSpPr>
-          <p:nvPr/>
-        </p:nvSpPr>
-        <p:spPr bwMode="auto">
-          <a:xfrm>
-            <a:off x="612775" y="312738"/>
-            <a:ext cx="304800" cy="304800"/>
-          </a:xfrm>
-          <a:prstGeom prst="rect">
-            <a:avLst/>
-          </a:prstGeom>
-          <a:noFill/>
-          <a:ln w="9525">
-            <a:noFill/>
-            <a:miter lim="800000"/>
-            <a:headEnd/>
-            <a:tailEnd/>
-          </a:ln>
-        </p:spPr>
-        <p:txBody>
-          <a:bodyPr/>
-          <a:lstStyle/>
-          <a:p>
-            <a:endParaRPr lang="zh-CN" altLang="en-US"/>
-          </a:p>
-        </p:txBody>
-      </p:sp>
-      <p:grpSp>
-        <p:nvGrpSpPr>
-          <p:cNvPr id="125" name="组合 45"/>
-          <p:cNvGrpSpPr>
-            <a:grpSpLocks/>
-          </p:cNvGrpSpPr>
-          <p:nvPr/>
-        </p:nvGrpSpPr>
-        <p:grpSpPr bwMode="auto">
-          <a:xfrm>
-            <a:off x="-7938" y="-26988"/>
-            <a:ext cx="9151938" cy="827088"/>
-            <a:chOff x="-7176" y="-27384"/>
-            <a:chExt cx="9151176" cy="1106707"/>
-          </a:xfrm>
-        </p:grpSpPr>
-        <p:sp>
-          <p:nvSpPr>
-            <p:cNvPr id="126" name="矩形 125"/>
-            <p:cNvSpPr/>
-            <p:nvPr/>
-          </p:nvSpPr>
-          <p:spPr>
-            <a:xfrm>
-              <a:off x="-7176" y="231"/>
-              <a:ext cx="6947909" cy="1079092"/>
-            </a:xfrm>
-            <a:prstGeom prst="rect">
-              <a:avLst/>
-            </a:prstGeom>
-            <a:solidFill>
-              <a:srgbClr val="002060"/>
-            </a:solidFill>
-            <a:ln>
-              <a:noFill/>
-            </a:ln>
-          </p:spPr>
-          <p:style>
-            <a:lnRef idx="2">
-              <a:schemeClr val="accent1">
-                <a:shade val="50000"/>
-              </a:schemeClr>
-            </a:lnRef>
-            <a:fillRef idx="1">
-              <a:schemeClr val="accent1"/>
-            </a:fillRef>
-            <a:effectRef idx="0">
-              <a:schemeClr val="accent1"/>
-            </a:effectRef>
-            <a:fontRef idx="minor">
-              <a:schemeClr val="lt1"/>
-            </a:fontRef>
-          </p:style>
-          <p:txBody>
-            <a:bodyPr anchor="ctr"/>
-            <a:lstStyle/>
-            <a:p>
-              <a:pPr>
-                <a:defRPr/>
-              </a:pPr>
-              <a:endParaRPr lang="zh-CN" altLang="en-US" dirty="0"/>
-            </a:p>
-          </p:txBody>
-        </p:sp>
-        <p:sp>
-          <p:nvSpPr>
-            <p:cNvPr id="127" name="矩形 126"/>
-            <p:cNvSpPr/>
-            <p:nvPr/>
-          </p:nvSpPr>
-          <p:spPr>
-            <a:xfrm>
-              <a:off x="6939147" y="-27384"/>
-              <a:ext cx="2204853" cy="1079093"/>
-            </a:xfrm>
-            <a:prstGeom prst="rect">
-              <a:avLst/>
-            </a:prstGeom>
-            <a:solidFill>
-              <a:srgbClr val="00B050"/>
-            </a:solidFill>
-            <a:ln>
-              <a:noFill/>
-            </a:ln>
-          </p:spPr>
-          <p:style>
-            <a:lnRef idx="2">
-              <a:schemeClr val="accent1">
-                <a:shade val="50000"/>
-              </a:schemeClr>
-            </a:lnRef>
-            <a:fillRef idx="1">
-              <a:schemeClr val="accent1"/>
-            </a:fillRef>
-            <a:effectRef idx="0">
-              <a:schemeClr val="accent1"/>
-            </a:effectRef>
-            <a:fontRef idx="minor">
-              <a:schemeClr val="lt1"/>
-            </a:fontRef>
-          </p:style>
-          <p:txBody>
-            <a:bodyPr anchor="ctr"/>
-            <a:lstStyle/>
-            <a:p>
-              <a:pPr algn="ctr">
-                <a:defRPr/>
-              </a:pPr>
-              <a:endParaRPr lang="zh-CN" altLang="en-US"/>
-            </a:p>
-          </p:txBody>
-        </p:sp>
-      </p:grpSp>
-      <p:sp>
-        <p:nvSpPr>
-          <p:cNvPr id="128" name="标题 1"/>
-          <p:cNvSpPr txBox="1">
-            <a:spLocks/>
-          </p:cNvSpPr>
-          <p:nvPr/>
-        </p:nvSpPr>
-        <p:spPr bwMode="auto">
-          <a:xfrm>
-            <a:off x="251520" y="173881"/>
-            <a:ext cx="5976664" cy="662831"/>
+            <a:off x="336550" y="1675234"/>
+            <a:ext cx="8469313" cy="3409950"/>
           </a:xfrm>
           <a:prstGeom prst="rect">
             <a:avLst/>
@@ -6297,351 +8165,105 @@
           <a:ln>
             <a:noFill/>
           </a:ln>
-          <a:extLst/>
-        </p:spPr>
-        <p:txBody>
-          <a:bodyPr/>
-          <a:lstStyle>
-            <a:lvl1pPr eaLnBrk="0" hangingPunct="0">
-              <a:defRPr sz="1600">
+          <a:effectLst/>
+          <a:extLst>
+            <a:ext uri="{909E8E84-426E-40DD-AFC4-6F175D3DCCD1}">
+              <a14:hiddenFill xmlns:a14="http://schemas.microsoft.com/office/drawing/2010/main">
+                <a:solidFill>
+                  <a:schemeClr val="accent1"/>
+                </a:solidFill>
+              </a14:hiddenFill>
+            </a:ext>
+            <a:ext uri="{91240B29-F687-4F45-9708-019B960494DF}">
+              <a14:hiddenLine xmlns:a14="http://schemas.microsoft.com/office/drawing/2010/main" w="9525">
                 <a:solidFill>
                   <a:schemeClr val="tx1"/>
                 </a:solidFill>
-                <a:latin typeface="Arial" pitchFamily="34" charset="0"/>
-                <a:ea typeface="微软雅黑" pitchFamily="34" charset="-122"/>
-              </a:defRPr>
-            </a:lvl1pPr>
-            <a:lvl2pPr marL="742950" indent="-285750" eaLnBrk="0" hangingPunct="0">
-              <a:defRPr sz="1600">
+                <a:miter lim="800000"/>
+                <a:headEnd/>
+                <a:tailEnd/>
+              </a14:hiddenLine>
+            </a:ext>
+            <a:ext uri="{AF507438-7753-43E0-B8FC-AC1667EBCBE1}">
+              <a14:hiddenEffects xmlns:a14="http://schemas.microsoft.com/office/drawing/2010/main">
+                <a:effectLst>
+                  <a:outerShdw dist="35921" dir="2700000" algn="ctr" rotWithShape="0">
+                    <a:schemeClr val="bg2"/>
+                  </a:outerShdw>
+                </a:effectLst>
+              </a14:hiddenEffects>
+            </a:ext>
+          </a:extLst>
+        </p:spPr>
+      </p:pic>
+      <p:pic>
+        <p:nvPicPr>
+          <p:cNvPr id="2050" name="Picture 2"/>
+          <p:cNvPicPr>
+            <a:picLocks noChangeAspect="1" noChangeArrowheads="1"/>
+          </p:cNvPicPr>
+          <p:nvPr/>
+        </p:nvPicPr>
+        <p:blipFill>
+          <a:blip r:embed="rId4">
+            <a:extLst>
+              <a:ext uri="{28A0092B-C50C-407E-A947-70E740481C1C}">
+                <a14:useLocalDpi xmlns:a14="http://schemas.microsoft.com/office/drawing/2010/main" val="0"/>
+              </a:ext>
+            </a:extLst>
+          </a:blip>
+          <a:srcRect/>
+          <a:stretch>
+            <a:fillRect/>
+          </a:stretch>
+        </p:blipFill>
+        <p:spPr bwMode="auto">
+          <a:xfrm>
+            <a:off x="-5560418" y="4982817"/>
+            <a:ext cx="13804826" cy="421075"/>
+          </a:xfrm>
+          <a:prstGeom prst="rect">
+            <a:avLst/>
+          </a:prstGeom>
+          <a:noFill/>
+          <a:ln>
+            <a:noFill/>
+          </a:ln>
+          <a:effectLst/>
+          <a:extLst>
+            <a:ext uri="{909E8E84-426E-40DD-AFC4-6F175D3DCCD1}">
+              <a14:hiddenFill xmlns:a14="http://schemas.microsoft.com/office/drawing/2010/main">
+                <a:solidFill>
+                  <a:schemeClr val="accent1"/>
+                </a:solidFill>
+              </a14:hiddenFill>
+            </a:ext>
+            <a:ext uri="{91240B29-F687-4F45-9708-019B960494DF}">
+              <a14:hiddenLine xmlns:a14="http://schemas.microsoft.com/office/drawing/2010/main" w="9525">
                 <a:solidFill>
                   <a:schemeClr val="tx1"/>
                 </a:solidFill>
-                <a:latin typeface="Arial" pitchFamily="34" charset="0"/>
-                <a:ea typeface="微软雅黑" pitchFamily="34" charset="-122"/>
-              </a:defRPr>
-            </a:lvl2pPr>
-            <a:lvl3pPr marL="1143000" indent="-228600" eaLnBrk="0" hangingPunct="0">
-              <a:defRPr sz="1600">
-                <a:solidFill>
-                  <a:schemeClr val="tx1"/>
-                </a:solidFill>
-                <a:latin typeface="Arial" pitchFamily="34" charset="0"/>
-                <a:ea typeface="微软雅黑" pitchFamily="34" charset="-122"/>
-              </a:defRPr>
-            </a:lvl3pPr>
-            <a:lvl4pPr marL="1600200" indent="-228600" eaLnBrk="0" hangingPunct="0">
-              <a:defRPr sz="1600">
-                <a:solidFill>
-                  <a:schemeClr val="tx1"/>
-                </a:solidFill>
-                <a:latin typeface="Arial" pitchFamily="34" charset="0"/>
-                <a:ea typeface="微软雅黑" pitchFamily="34" charset="-122"/>
-              </a:defRPr>
-            </a:lvl4pPr>
-            <a:lvl5pPr marL="2057400" indent="-228600" eaLnBrk="0" hangingPunct="0">
-              <a:defRPr sz="1600">
-                <a:solidFill>
-                  <a:schemeClr val="tx1"/>
-                </a:solidFill>
-                <a:latin typeface="Arial" pitchFamily="34" charset="0"/>
-                <a:ea typeface="微软雅黑" pitchFamily="34" charset="-122"/>
-              </a:defRPr>
-            </a:lvl5pPr>
-            <a:lvl6pPr marL="2514600" indent="-228600" eaLnBrk="0" fontAlgn="base" hangingPunct="0">
-              <a:spcBef>
-                <a:spcPct val="0"/>
-              </a:spcBef>
-              <a:spcAft>
-                <a:spcPct val="0"/>
-              </a:spcAft>
-              <a:defRPr sz="1600">
-                <a:solidFill>
-                  <a:schemeClr val="tx1"/>
-                </a:solidFill>
-                <a:latin typeface="Arial" pitchFamily="34" charset="0"/>
-                <a:ea typeface="微软雅黑" pitchFamily="34" charset="-122"/>
-              </a:defRPr>
-            </a:lvl6pPr>
-            <a:lvl7pPr marL="2971800" indent="-228600" eaLnBrk="0" fontAlgn="base" hangingPunct="0">
-              <a:spcBef>
-                <a:spcPct val="0"/>
-              </a:spcBef>
-              <a:spcAft>
-                <a:spcPct val="0"/>
-              </a:spcAft>
-              <a:defRPr sz="1600">
-                <a:solidFill>
-                  <a:schemeClr val="tx1"/>
-                </a:solidFill>
-                <a:latin typeface="Arial" pitchFamily="34" charset="0"/>
-                <a:ea typeface="微软雅黑" pitchFamily="34" charset="-122"/>
-              </a:defRPr>
-            </a:lvl7pPr>
-            <a:lvl8pPr marL="3429000" indent="-228600" eaLnBrk="0" fontAlgn="base" hangingPunct="0">
-              <a:spcBef>
-                <a:spcPct val="0"/>
-              </a:spcBef>
-              <a:spcAft>
-                <a:spcPct val="0"/>
-              </a:spcAft>
-              <a:defRPr sz="1600">
-                <a:solidFill>
-                  <a:schemeClr val="tx1"/>
-                </a:solidFill>
-                <a:latin typeface="Arial" pitchFamily="34" charset="0"/>
-                <a:ea typeface="微软雅黑" pitchFamily="34" charset="-122"/>
-              </a:defRPr>
-            </a:lvl8pPr>
-            <a:lvl9pPr marL="3886200" indent="-228600" eaLnBrk="0" fontAlgn="base" hangingPunct="0">
-              <a:spcBef>
-                <a:spcPct val="0"/>
-              </a:spcBef>
-              <a:spcAft>
-                <a:spcPct val="0"/>
-              </a:spcAft>
-              <a:defRPr sz="1600">
-                <a:solidFill>
-                  <a:schemeClr val="tx1"/>
-                </a:solidFill>
-                <a:latin typeface="Arial" pitchFamily="34" charset="0"/>
-                <a:ea typeface="微软雅黑" pitchFamily="34" charset="-122"/>
-              </a:defRPr>
-            </a:lvl9pPr>
-          </a:lstStyle>
-          <a:p>
-            <a:pPr fontAlgn="auto">
-              <a:spcBef>
-                <a:spcPts val="0"/>
-              </a:spcBef>
-              <a:spcAft>
-                <a:spcPts val="0"/>
-              </a:spcAft>
-              <a:defRPr/>
-            </a:pPr>
-            <a:r>
-              <a:rPr lang="zh-CN" altLang="en-US" sz="3200" b="1" dirty="0" smtClean="0">
-                <a:solidFill>
-                  <a:schemeClr val="bg1"/>
-                </a:solidFill>
-                <a:latin typeface="微软雅黑" pitchFamily="34" charset="-122"/>
-              </a:rPr>
-              <a:t>内容提要</a:t>
-            </a:r>
-            <a:endParaRPr lang="zh-CN" altLang="en-US" sz="3200" b="1" dirty="0">
-              <a:solidFill>
-                <a:schemeClr val="bg1"/>
-              </a:solidFill>
-              <a:latin typeface="微软雅黑" pitchFamily="34" charset="-122"/>
-            </a:endParaRPr>
-          </a:p>
-        </p:txBody>
-      </p:sp>
-      <p:sp>
-        <p:nvSpPr>
-          <p:cNvPr id="16" name="圆角矩形 15"/>
-          <p:cNvSpPr/>
-          <p:nvPr/>
-        </p:nvSpPr>
-        <p:spPr>
-          <a:xfrm>
-            <a:off x="1997040" y="1700808"/>
-            <a:ext cx="5269024" cy="1296144"/>
-          </a:xfrm>
-          <a:prstGeom prst="roundRect">
-            <a:avLst/>
-          </a:prstGeom>
+                <a:miter lim="800000"/>
+                <a:headEnd/>
+                <a:tailEnd/>
+              </a14:hiddenLine>
+            </a:ext>
+            <a:ext uri="{AF507438-7753-43E0-B8FC-AC1667EBCBE1}">
+              <a14:hiddenEffects xmlns:a14="http://schemas.microsoft.com/office/drawing/2010/main">
+                <a:effectLst>
+                  <a:outerShdw dist="35921" dir="2700000" algn="ctr" rotWithShape="0">
+                    <a:schemeClr val="bg2"/>
+                  </a:outerShdw>
+                </a:effectLst>
+              </a14:hiddenEffects>
+            </a:ext>
+          </a:extLst>
         </p:spPr>
-        <p:style>
-          <a:lnRef idx="1">
-            <a:schemeClr val="accent3"/>
-          </a:lnRef>
-          <a:fillRef idx="3">
-            <a:schemeClr val="accent3"/>
-          </a:fillRef>
-          <a:effectRef idx="2">
-            <a:schemeClr val="accent3"/>
-          </a:effectRef>
-          <a:fontRef idx="minor">
-            <a:schemeClr val="lt1"/>
-          </a:fontRef>
-        </p:style>
-        <p:txBody>
-          <a:bodyPr rtlCol="0" anchor="ctr"/>
-          <a:lstStyle/>
-          <a:p>
-            <a:pPr marL="457200" indent="-457200" algn="ctr">
-              <a:buFont typeface="Arial" pitchFamily="34" charset="0"/>
-              <a:buChar char="•"/>
-            </a:pPr>
-            <a:r>
-              <a:rPr lang="zh-CN" altLang="en-US" sz="3200" b="1" dirty="0">
-                <a:solidFill>
-                  <a:schemeClr val="tx2">
-                    <a:lumMod val="20000"/>
-                    <a:lumOff val="80000"/>
-                  </a:schemeClr>
-                </a:solidFill>
-                <a:latin typeface="微软雅黑" panose="020B0503020204020204" pitchFamily="34" charset="-122"/>
-                <a:ea typeface="微软雅黑" panose="020B0503020204020204" pitchFamily="34" charset="-122"/>
-              </a:rPr>
-              <a:t>为何</a:t>
-            </a:r>
-            <a:r>
-              <a:rPr lang="zh-CN" altLang="en-US" sz="3200" b="1" dirty="0" smtClean="0">
-                <a:solidFill>
-                  <a:schemeClr val="tx2">
-                    <a:lumMod val="20000"/>
-                    <a:lumOff val="80000"/>
-                  </a:schemeClr>
-                </a:solidFill>
-                <a:latin typeface="微软雅黑" panose="020B0503020204020204" pitchFamily="34" charset="-122"/>
-                <a:ea typeface="微软雅黑" panose="020B0503020204020204" pitchFamily="34" charset="-122"/>
-              </a:rPr>
-              <a:t>优化</a:t>
-            </a:r>
-            <a:endParaRPr lang="zh-CN" altLang="en-US" sz="3200" b="1" dirty="0">
-              <a:solidFill>
-                <a:schemeClr val="tx2">
-                  <a:lumMod val="20000"/>
-                  <a:lumOff val="80000"/>
-                </a:schemeClr>
-              </a:solidFill>
-              <a:latin typeface="微软雅黑" panose="020B0503020204020204" pitchFamily="34" charset="-122"/>
-              <a:ea typeface="微软雅黑" panose="020B0503020204020204" pitchFamily="34" charset="-122"/>
-            </a:endParaRPr>
-          </a:p>
-        </p:txBody>
-      </p:sp>
-      <p:sp>
-        <p:nvSpPr>
-          <p:cNvPr id="17" name="圆角矩形 16"/>
-          <p:cNvSpPr/>
-          <p:nvPr/>
-        </p:nvSpPr>
-        <p:spPr>
-          <a:xfrm>
-            <a:off x="1997040" y="3356992"/>
-            <a:ext cx="5269024" cy="1296144"/>
-          </a:xfrm>
-          <a:prstGeom prst="roundRect">
-            <a:avLst/>
-          </a:prstGeom>
-        </p:spPr>
-        <p:style>
-          <a:lnRef idx="1">
-            <a:schemeClr val="accent3"/>
-          </a:lnRef>
-          <a:fillRef idx="3">
-            <a:schemeClr val="accent3"/>
-          </a:fillRef>
-          <a:effectRef idx="2">
-            <a:schemeClr val="accent3"/>
-          </a:effectRef>
-          <a:fontRef idx="minor">
-            <a:schemeClr val="lt1"/>
-          </a:fontRef>
-        </p:style>
-        <p:txBody>
-          <a:bodyPr rtlCol="0" anchor="ctr"/>
-          <a:lstStyle/>
-          <a:p>
-            <a:pPr marL="457200" indent="-457200" algn="ctr">
-              <a:buFont typeface="Arial" pitchFamily="34" charset="0"/>
-              <a:buChar char="•"/>
-            </a:pPr>
-            <a:r>
-              <a:rPr lang="zh-CN" altLang="en-US" sz="3200" b="1" dirty="0" smtClean="0">
-                <a:solidFill>
-                  <a:schemeClr val="tx2">
-                    <a:lumMod val="20000"/>
-                    <a:lumOff val="80000"/>
-                  </a:schemeClr>
-                </a:solidFill>
-                <a:latin typeface="微软雅黑" panose="020B0503020204020204" pitchFamily="34" charset="-122"/>
-                <a:ea typeface="微软雅黑" panose="020B0503020204020204" pitchFamily="34" charset="-122"/>
-              </a:rPr>
-              <a:t>优化什么     </a:t>
-            </a:r>
-            <a:endParaRPr lang="zh-CN" altLang="en-US" sz="3200" b="1" dirty="0">
-              <a:solidFill>
-                <a:schemeClr val="tx2">
-                  <a:lumMod val="20000"/>
-                  <a:lumOff val="80000"/>
-                </a:schemeClr>
-              </a:solidFill>
-              <a:latin typeface="微软雅黑" panose="020B0503020204020204" pitchFamily="34" charset="-122"/>
-              <a:ea typeface="微软雅黑" panose="020B0503020204020204" pitchFamily="34" charset="-122"/>
-            </a:endParaRPr>
-          </a:p>
-        </p:txBody>
-      </p:sp>
-      <p:sp>
-        <p:nvSpPr>
-          <p:cNvPr id="18" name="圆角矩形 17"/>
-          <p:cNvSpPr/>
-          <p:nvPr/>
-        </p:nvSpPr>
-        <p:spPr>
-          <a:xfrm>
-            <a:off x="1997040" y="5013176"/>
-            <a:ext cx="5269024" cy="1296144"/>
-          </a:xfrm>
-          <a:prstGeom prst="roundRect">
-            <a:avLst/>
-          </a:prstGeom>
-        </p:spPr>
-        <p:style>
-          <a:lnRef idx="1">
-            <a:schemeClr val="accent3"/>
-          </a:lnRef>
-          <a:fillRef idx="3">
-            <a:schemeClr val="accent3"/>
-          </a:fillRef>
-          <a:effectRef idx="2">
-            <a:schemeClr val="accent3"/>
-          </a:effectRef>
-          <a:fontRef idx="minor">
-            <a:schemeClr val="lt1"/>
-          </a:fontRef>
-        </p:style>
-        <p:txBody>
-          <a:bodyPr rtlCol="0" anchor="ctr"/>
-          <a:lstStyle/>
-          <a:p>
-            <a:pPr marL="457200" indent="-457200" algn="ctr">
-              <a:buFont typeface="Arial" pitchFamily="34" charset="0"/>
-              <a:buChar char="•"/>
-            </a:pPr>
-            <a:r>
-              <a:rPr lang="zh-CN" altLang="en-US" sz="3200" b="1" dirty="0" smtClean="0">
-                <a:solidFill>
-                  <a:schemeClr val="tx2">
-                    <a:lumMod val="20000"/>
-                    <a:lumOff val="80000"/>
-                  </a:schemeClr>
-                </a:solidFill>
-                <a:latin typeface="微软雅黑" panose="020B0503020204020204" pitchFamily="34" charset="-122"/>
-                <a:ea typeface="微软雅黑" panose="020B0503020204020204" pitchFamily="34" charset="-122"/>
-              </a:rPr>
-              <a:t>如何优化</a:t>
-            </a:r>
-            <a:endParaRPr lang="zh-CN" altLang="en-US" sz="3200" b="1" dirty="0">
-              <a:solidFill>
-                <a:schemeClr val="tx2">
-                  <a:lumMod val="20000"/>
-                  <a:lumOff val="80000"/>
-                </a:schemeClr>
-              </a:solidFill>
-              <a:latin typeface="微软雅黑" panose="020B0503020204020204" pitchFamily="34" charset="-122"/>
-              <a:ea typeface="微软雅黑" panose="020B0503020204020204" pitchFamily="34" charset="-122"/>
-            </a:endParaRPr>
-          </a:p>
-        </p:txBody>
-      </p:sp>
+      </p:pic>
     </p:spTree>
     <p:extLst>
       <p:ext uri="{BB962C8B-B14F-4D97-AF65-F5344CB8AC3E}">
-        <p14:creationId xmlns:p14="http://schemas.microsoft.com/office/powerpoint/2010/main" val="3837962861"/>
+        <p14:creationId xmlns:p14="http://schemas.microsoft.com/office/powerpoint/2010/main" val="30049274"/>
       </p:ext>
     </p:extLst>
   </p:cSld>
@@ -6650,10 +8272,14 @@
   </p:clrMapOvr>
   <mc:AlternateContent xmlns:mc="http://schemas.openxmlformats.org/markup-compatibility/2006" xmlns:p14="http://schemas.microsoft.com/office/powerpoint/2010/main">
     <mc:Choice Requires="p14">
-      <p:transition p14:dur="0"/>
+      <p:transition spd="slow" p14:dur="800">
+        <p:circle/>
+      </p:transition>
     </mc:Choice>
     <mc:Fallback xmlns="">
-      <p:transition/>
+      <p:transition spd="slow">
+        <p:circle/>
+      </p:transition>
     </mc:Fallback>
   </mc:AlternateContent>
   <p:timing>
@@ -7041,8 +8667,8 @@
         </p:nvSpPr>
         <p:spPr bwMode="auto">
           <a:xfrm>
-            <a:off x="298648" y="286544"/>
-            <a:ext cx="8305800" cy="838200"/>
+            <a:off x="251520" y="173881"/>
+            <a:ext cx="5976664" cy="662831"/>
           </a:xfrm>
           <a:prstGeom prst="rect">
             <a:avLst/>
@@ -7179,6 +8805,1442 @@
                 </a:solidFill>
                 <a:latin typeface="微软雅黑" pitchFamily="34" charset="-122"/>
               </a:rPr>
+              <a:t>内容提要</a:t>
+            </a:r>
+            <a:endParaRPr lang="zh-CN" altLang="en-US" sz="3200" b="1" dirty="0">
+              <a:solidFill>
+                <a:schemeClr val="bg1"/>
+              </a:solidFill>
+              <a:latin typeface="微软雅黑" pitchFamily="34" charset="-122"/>
+            </a:endParaRPr>
+          </a:p>
+        </p:txBody>
+      </p:sp>
+      <p:sp>
+        <p:nvSpPr>
+          <p:cNvPr id="16" name="圆角矩形 15"/>
+          <p:cNvSpPr/>
+          <p:nvPr/>
+        </p:nvSpPr>
+        <p:spPr>
+          <a:xfrm>
+            <a:off x="1997040" y="1700808"/>
+            <a:ext cx="5269024" cy="1296144"/>
+          </a:xfrm>
+          <a:prstGeom prst="roundRect">
+            <a:avLst/>
+          </a:prstGeom>
+        </p:spPr>
+        <p:style>
+          <a:lnRef idx="1">
+            <a:schemeClr val="accent3"/>
+          </a:lnRef>
+          <a:fillRef idx="3">
+            <a:schemeClr val="accent3"/>
+          </a:fillRef>
+          <a:effectRef idx="2">
+            <a:schemeClr val="accent3"/>
+          </a:effectRef>
+          <a:fontRef idx="minor">
+            <a:schemeClr val="lt1"/>
+          </a:fontRef>
+        </p:style>
+        <p:txBody>
+          <a:bodyPr rtlCol="0" anchor="ctr"/>
+          <a:lstStyle/>
+          <a:p>
+            <a:pPr marL="457200" indent="-457200" algn="ctr">
+              <a:buFont typeface="Arial" pitchFamily="34" charset="0"/>
+              <a:buChar char="•"/>
+            </a:pPr>
+            <a:r>
+              <a:rPr lang="zh-CN" altLang="en-US" sz="3200" b="1" dirty="0">
+                <a:solidFill>
+                  <a:schemeClr val="tx2">
+                    <a:lumMod val="20000"/>
+                    <a:lumOff val="80000"/>
+                  </a:schemeClr>
+                </a:solidFill>
+                <a:latin typeface="微软雅黑" panose="020B0503020204020204" pitchFamily="34" charset="-122"/>
+                <a:ea typeface="微软雅黑" panose="020B0503020204020204" pitchFamily="34" charset="-122"/>
+              </a:rPr>
+              <a:t>为何</a:t>
+            </a:r>
+            <a:r>
+              <a:rPr lang="zh-CN" altLang="en-US" sz="3200" b="1" dirty="0" smtClean="0">
+                <a:solidFill>
+                  <a:schemeClr val="tx2">
+                    <a:lumMod val="20000"/>
+                    <a:lumOff val="80000"/>
+                  </a:schemeClr>
+                </a:solidFill>
+                <a:latin typeface="微软雅黑" panose="020B0503020204020204" pitchFamily="34" charset="-122"/>
+                <a:ea typeface="微软雅黑" panose="020B0503020204020204" pitchFamily="34" charset="-122"/>
+              </a:rPr>
+              <a:t>优化</a:t>
+            </a:r>
+            <a:endParaRPr lang="zh-CN" altLang="en-US" sz="3200" b="1" dirty="0">
+              <a:solidFill>
+                <a:schemeClr val="tx2">
+                  <a:lumMod val="20000"/>
+                  <a:lumOff val="80000"/>
+                </a:schemeClr>
+              </a:solidFill>
+              <a:latin typeface="微软雅黑" panose="020B0503020204020204" pitchFamily="34" charset="-122"/>
+              <a:ea typeface="微软雅黑" panose="020B0503020204020204" pitchFamily="34" charset="-122"/>
+            </a:endParaRPr>
+          </a:p>
+        </p:txBody>
+      </p:sp>
+      <p:sp>
+        <p:nvSpPr>
+          <p:cNvPr id="17" name="圆角矩形 16"/>
+          <p:cNvSpPr/>
+          <p:nvPr/>
+        </p:nvSpPr>
+        <p:spPr>
+          <a:xfrm>
+            <a:off x="1997040" y="3356992"/>
+            <a:ext cx="5269024" cy="1296144"/>
+          </a:xfrm>
+          <a:prstGeom prst="roundRect">
+            <a:avLst/>
+          </a:prstGeom>
+        </p:spPr>
+        <p:style>
+          <a:lnRef idx="1">
+            <a:schemeClr val="accent3"/>
+          </a:lnRef>
+          <a:fillRef idx="3">
+            <a:schemeClr val="accent3"/>
+          </a:fillRef>
+          <a:effectRef idx="2">
+            <a:schemeClr val="accent3"/>
+          </a:effectRef>
+          <a:fontRef idx="minor">
+            <a:schemeClr val="lt1"/>
+          </a:fontRef>
+        </p:style>
+        <p:txBody>
+          <a:bodyPr rtlCol="0" anchor="ctr"/>
+          <a:lstStyle/>
+          <a:p>
+            <a:pPr marL="457200" indent="-457200" algn="ctr">
+              <a:buFont typeface="Arial" pitchFamily="34" charset="0"/>
+              <a:buChar char="•"/>
+            </a:pPr>
+            <a:r>
+              <a:rPr lang="zh-CN" altLang="en-US" sz="3200" b="1" dirty="0" smtClean="0">
+                <a:solidFill>
+                  <a:schemeClr val="tx2">
+                    <a:lumMod val="20000"/>
+                    <a:lumOff val="80000"/>
+                  </a:schemeClr>
+                </a:solidFill>
+                <a:latin typeface="微软雅黑" panose="020B0503020204020204" pitchFamily="34" charset="-122"/>
+                <a:ea typeface="微软雅黑" panose="020B0503020204020204" pitchFamily="34" charset="-122"/>
+              </a:rPr>
+              <a:t>优化什么     </a:t>
+            </a:r>
+            <a:endParaRPr lang="zh-CN" altLang="en-US" sz="3200" b="1" dirty="0">
+              <a:solidFill>
+                <a:schemeClr val="tx2">
+                  <a:lumMod val="20000"/>
+                  <a:lumOff val="80000"/>
+                </a:schemeClr>
+              </a:solidFill>
+              <a:latin typeface="微软雅黑" panose="020B0503020204020204" pitchFamily="34" charset="-122"/>
+              <a:ea typeface="微软雅黑" panose="020B0503020204020204" pitchFamily="34" charset="-122"/>
+            </a:endParaRPr>
+          </a:p>
+        </p:txBody>
+      </p:sp>
+      <p:sp>
+        <p:nvSpPr>
+          <p:cNvPr id="18" name="圆角矩形 17"/>
+          <p:cNvSpPr/>
+          <p:nvPr/>
+        </p:nvSpPr>
+        <p:spPr>
+          <a:xfrm>
+            <a:off x="1997040" y="5013176"/>
+            <a:ext cx="5269024" cy="1296144"/>
+          </a:xfrm>
+          <a:prstGeom prst="roundRect">
+            <a:avLst/>
+          </a:prstGeom>
+        </p:spPr>
+        <p:style>
+          <a:lnRef idx="1">
+            <a:schemeClr val="accent3"/>
+          </a:lnRef>
+          <a:fillRef idx="3">
+            <a:schemeClr val="accent3"/>
+          </a:fillRef>
+          <a:effectRef idx="2">
+            <a:schemeClr val="accent3"/>
+          </a:effectRef>
+          <a:fontRef idx="minor">
+            <a:schemeClr val="lt1"/>
+          </a:fontRef>
+        </p:style>
+        <p:txBody>
+          <a:bodyPr rtlCol="0" anchor="ctr"/>
+          <a:lstStyle/>
+          <a:p>
+            <a:pPr marL="457200" indent="-457200" algn="ctr">
+              <a:buFont typeface="Arial" pitchFamily="34" charset="0"/>
+              <a:buChar char="•"/>
+            </a:pPr>
+            <a:r>
+              <a:rPr lang="zh-CN" altLang="en-US" sz="3200" b="1" dirty="0" smtClean="0">
+                <a:solidFill>
+                  <a:schemeClr val="tx2">
+                    <a:lumMod val="20000"/>
+                    <a:lumOff val="80000"/>
+                  </a:schemeClr>
+                </a:solidFill>
+                <a:latin typeface="微软雅黑" panose="020B0503020204020204" pitchFamily="34" charset="-122"/>
+                <a:ea typeface="微软雅黑" panose="020B0503020204020204" pitchFamily="34" charset="-122"/>
+              </a:rPr>
+              <a:t>如何优化</a:t>
+            </a:r>
+            <a:endParaRPr lang="zh-CN" altLang="en-US" sz="3200" b="1" dirty="0">
+              <a:solidFill>
+                <a:schemeClr val="tx2">
+                  <a:lumMod val="20000"/>
+                  <a:lumOff val="80000"/>
+                </a:schemeClr>
+              </a:solidFill>
+              <a:latin typeface="微软雅黑" panose="020B0503020204020204" pitchFamily="34" charset="-122"/>
+              <a:ea typeface="微软雅黑" panose="020B0503020204020204" pitchFamily="34" charset="-122"/>
+            </a:endParaRPr>
+          </a:p>
+        </p:txBody>
+      </p:sp>
+    </p:spTree>
+    <p:extLst>
+      <p:ext uri="{BB962C8B-B14F-4D97-AF65-F5344CB8AC3E}">
+        <p14:creationId xmlns:p14="http://schemas.microsoft.com/office/powerpoint/2010/main" val="3837962861"/>
+      </p:ext>
+    </p:extLst>
+  </p:cSld>
+  <p:clrMapOvr>
+    <a:masterClrMapping/>
+  </p:clrMapOvr>
+  <mc:AlternateContent xmlns:mc="http://schemas.openxmlformats.org/markup-compatibility/2006" xmlns:p14="http://schemas.microsoft.com/office/powerpoint/2010/main">
+    <mc:Choice Requires="p14">
+      <p:transition p14:dur="0"/>
+    </mc:Choice>
+    <mc:Fallback xmlns="">
+      <p:transition/>
+    </mc:Fallback>
+  </mc:AlternateContent>
+  <p:timing>
+    <p:tnLst>
+      <p:par>
+        <p:cTn id="1" dur="indefinite" restart="never" nodeType="tmRoot"/>
+      </p:par>
+    </p:tnLst>
+  </p:timing>
+</p:sld>
+</file>
+
+<file path=ppt/slides/slide4.xml><?xml version="1.0" encoding="utf-8"?>
+<p:sld xmlns:a="http://schemas.openxmlformats.org/drawingml/2006/main" xmlns:r="http://schemas.openxmlformats.org/officeDocument/2006/relationships" xmlns:p="http://schemas.openxmlformats.org/presentationml/2006/main">
+  <p:cSld>
+    <p:spTree>
+      <p:nvGrpSpPr>
+        <p:cNvPr id="1" name=""/>
+        <p:cNvGrpSpPr/>
+        <p:nvPr/>
+      </p:nvGrpSpPr>
+      <p:grpSpPr>
+        <a:xfrm>
+          <a:off x="0" y="0"/>
+          <a:ext cx="0" cy="0"/>
+          <a:chOff x="0" y="0"/>
+          <a:chExt cx="0" cy="0"/>
+        </a:xfrm>
+      </p:grpSpPr>
+      <p:grpSp>
+        <p:nvGrpSpPr>
+          <p:cNvPr id="2" name="组合 11"/>
+          <p:cNvGrpSpPr/>
+          <p:nvPr/>
+        </p:nvGrpSpPr>
+        <p:grpSpPr>
+          <a:xfrm>
+            <a:off x="0" y="-27384"/>
+            <a:ext cx="9144000" cy="1080120"/>
+            <a:chOff x="0" y="1628800"/>
+            <a:chExt cx="9144000" cy="2592288"/>
+          </a:xfrm>
+        </p:grpSpPr>
+        <p:sp>
+          <p:nvSpPr>
+            <p:cNvPr id="13" name="矩形 12"/>
+            <p:cNvSpPr/>
+            <p:nvPr/>
+          </p:nvSpPr>
+          <p:spPr>
+            <a:xfrm>
+              <a:off x="0" y="1628800"/>
+              <a:ext cx="6948264" cy="2592288"/>
+            </a:xfrm>
+            <a:prstGeom prst="rect">
+              <a:avLst/>
+            </a:prstGeom>
+            <a:solidFill>
+              <a:srgbClr val="002060"/>
+            </a:solidFill>
+            <a:ln>
+              <a:noFill/>
+            </a:ln>
+          </p:spPr>
+          <p:style>
+            <a:lnRef idx="2">
+              <a:schemeClr val="accent1">
+                <a:shade val="50000"/>
+              </a:schemeClr>
+            </a:lnRef>
+            <a:fillRef idx="1">
+              <a:schemeClr val="accent1"/>
+            </a:fillRef>
+            <a:effectRef idx="0">
+              <a:schemeClr val="accent1"/>
+            </a:effectRef>
+            <a:fontRef idx="minor">
+              <a:schemeClr val="lt1"/>
+            </a:fontRef>
+          </p:style>
+          <p:txBody>
+            <a:bodyPr rtlCol="0" anchor="ctr"/>
+            <a:lstStyle/>
+            <a:p>
+              <a:pPr algn="ctr"/>
+              <a:endParaRPr lang="zh-CN" altLang="en-US"/>
+            </a:p>
+          </p:txBody>
+        </p:sp>
+        <p:sp>
+          <p:nvSpPr>
+            <p:cNvPr id="14" name="矩形 13"/>
+            <p:cNvSpPr/>
+            <p:nvPr/>
+          </p:nvSpPr>
+          <p:spPr>
+            <a:xfrm>
+              <a:off x="6948264" y="1628800"/>
+              <a:ext cx="2195736" cy="2592288"/>
+            </a:xfrm>
+            <a:prstGeom prst="rect">
+              <a:avLst/>
+            </a:prstGeom>
+            <a:solidFill>
+              <a:srgbClr val="00B050"/>
+            </a:solidFill>
+            <a:ln>
+              <a:noFill/>
+            </a:ln>
+          </p:spPr>
+          <p:style>
+            <a:lnRef idx="2">
+              <a:schemeClr val="accent1">
+                <a:shade val="50000"/>
+              </a:schemeClr>
+            </a:lnRef>
+            <a:fillRef idx="1">
+              <a:schemeClr val="accent1"/>
+            </a:fillRef>
+            <a:effectRef idx="0">
+              <a:schemeClr val="accent1"/>
+            </a:effectRef>
+            <a:fontRef idx="minor">
+              <a:schemeClr val="lt1"/>
+            </a:fontRef>
+          </p:style>
+          <p:txBody>
+            <a:bodyPr rtlCol="0" anchor="ctr"/>
+            <a:lstStyle/>
+            <a:p>
+              <a:pPr algn="ctr"/>
+              <a:endParaRPr lang="zh-CN" altLang="en-US"/>
+            </a:p>
+          </p:txBody>
+        </p:sp>
+      </p:grpSp>
+      <p:sp>
+        <p:nvSpPr>
+          <p:cNvPr id="85" name="AutoShape 12" descr="http://t2.baidu.com/it/u=2113212026,3013923243&amp;fm=11&amp;gp=0.jpg"/>
+          <p:cNvSpPr>
+            <a:spLocks noChangeAspect="1" noChangeArrowheads="1"/>
+          </p:cNvSpPr>
+          <p:nvPr/>
+        </p:nvSpPr>
+        <p:spPr bwMode="auto">
+          <a:xfrm>
+            <a:off x="155575" y="-144463"/>
+            <a:ext cx="304800" cy="304801"/>
+          </a:xfrm>
+          <a:prstGeom prst="rect">
+            <a:avLst/>
+          </a:prstGeom>
+          <a:noFill/>
+          <a:ln w="9525">
+            <a:noFill/>
+            <a:miter lim="800000"/>
+            <a:headEnd/>
+            <a:tailEnd/>
+          </a:ln>
+        </p:spPr>
+        <p:txBody>
+          <a:bodyPr/>
+          <a:lstStyle/>
+          <a:p>
+            <a:endParaRPr lang="zh-CN" altLang="en-US"/>
+          </a:p>
+        </p:txBody>
+      </p:sp>
+      <p:sp>
+        <p:nvSpPr>
+          <p:cNvPr id="86" name="AutoShape 14" descr="http://t2.baidu.com/it/u=2113212026,3013923243&amp;fm=11&amp;gp=0.jpg"/>
+          <p:cNvSpPr>
+            <a:spLocks noChangeAspect="1" noChangeArrowheads="1"/>
+          </p:cNvSpPr>
+          <p:nvPr/>
+        </p:nvSpPr>
+        <p:spPr bwMode="auto">
+          <a:xfrm>
+            <a:off x="307975" y="7938"/>
+            <a:ext cx="304800" cy="304800"/>
+          </a:xfrm>
+          <a:prstGeom prst="rect">
+            <a:avLst/>
+          </a:prstGeom>
+          <a:noFill/>
+          <a:ln w="9525">
+            <a:noFill/>
+            <a:miter lim="800000"/>
+            <a:headEnd/>
+            <a:tailEnd/>
+          </a:ln>
+        </p:spPr>
+        <p:txBody>
+          <a:bodyPr/>
+          <a:lstStyle/>
+          <a:p>
+            <a:endParaRPr lang="zh-CN" altLang="en-US"/>
+          </a:p>
+        </p:txBody>
+      </p:sp>
+      <p:sp>
+        <p:nvSpPr>
+          <p:cNvPr id="87" name="AutoShape 16" descr="http://t2.baidu.com/it/u=2113212026,3013923243&amp;fm=11&amp;gp=0.jpg"/>
+          <p:cNvSpPr>
+            <a:spLocks noChangeAspect="1" noChangeArrowheads="1"/>
+          </p:cNvSpPr>
+          <p:nvPr/>
+        </p:nvSpPr>
+        <p:spPr bwMode="auto">
+          <a:xfrm>
+            <a:off x="460375" y="160338"/>
+            <a:ext cx="304800" cy="304800"/>
+          </a:xfrm>
+          <a:prstGeom prst="rect">
+            <a:avLst/>
+          </a:prstGeom>
+          <a:noFill/>
+          <a:ln w="9525">
+            <a:noFill/>
+            <a:miter lim="800000"/>
+            <a:headEnd/>
+            <a:tailEnd/>
+          </a:ln>
+        </p:spPr>
+        <p:txBody>
+          <a:bodyPr/>
+          <a:lstStyle/>
+          <a:p>
+            <a:endParaRPr lang="zh-CN" altLang="en-US"/>
+          </a:p>
+        </p:txBody>
+      </p:sp>
+      <p:sp>
+        <p:nvSpPr>
+          <p:cNvPr id="88" name="AutoShape 18" descr="http://t2.baidu.com/it/u=2113212026,3013923243&amp;fm=11&amp;gp=0.jpg"/>
+          <p:cNvSpPr>
+            <a:spLocks noChangeAspect="1" noChangeArrowheads="1"/>
+          </p:cNvSpPr>
+          <p:nvPr/>
+        </p:nvSpPr>
+        <p:spPr bwMode="auto">
+          <a:xfrm>
+            <a:off x="612775" y="312738"/>
+            <a:ext cx="304800" cy="304800"/>
+          </a:xfrm>
+          <a:prstGeom prst="rect">
+            <a:avLst/>
+          </a:prstGeom>
+          <a:noFill/>
+          <a:ln w="9525">
+            <a:noFill/>
+            <a:miter lim="800000"/>
+            <a:headEnd/>
+            <a:tailEnd/>
+          </a:ln>
+        </p:spPr>
+        <p:txBody>
+          <a:bodyPr/>
+          <a:lstStyle/>
+          <a:p>
+            <a:endParaRPr lang="zh-CN" altLang="en-US"/>
+          </a:p>
+        </p:txBody>
+      </p:sp>
+      <p:grpSp>
+        <p:nvGrpSpPr>
+          <p:cNvPr id="125" name="组合 45"/>
+          <p:cNvGrpSpPr>
+            <a:grpSpLocks/>
+          </p:cNvGrpSpPr>
+          <p:nvPr/>
+        </p:nvGrpSpPr>
+        <p:grpSpPr bwMode="auto">
+          <a:xfrm>
+            <a:off x="-7938" y="-26988"/>
+            <a:ext cx="9151938" cy="827088"/>
+            <a:chOff x="-7176" y="-27384"/>
+            <a:chExt cx="9151176" cy="1106707"/>
+          </a:xfrm>
+        </p:grpSpPr>
+        <p:sp>
+          <p:nvSpPr>
+            <p:cNvPr id="126" name="矩形 125"/>
+            <p:cNvSpPr/>
+            <p:nvPr/>
+          </p:nvSpPr>
+          <p:spPr>
+            <a:xfrm>
+              <a:off x="-7176" y="231"/>
+              <a:ext cx="6947909" cy="1079092"/>
+            </a:xfrm>
+            <a:prstGeom prst="rect">
+              <a:avLst/>
+            </a:prstGeom>
+            <a:solidFill>
+              <a:srgbClr val="002060"/>
+            </a:solidFill>
+            <a:ln>
+              <a:noFill/>
+            </a:ln>
+          </p:spPr>
+          <p:style>
+            <a:lnRef idx="2">
+              <a:schemeClr val="accent1">
+                <a:shade val="50000"/>
+              </a:schemeClr>
+            </a:lnRef>
+            <a:fillRef idx="1">
+              <a:schemeClr val="accent1"/>
+            </a:fillRef>
+            <a:effectRef idx="0">
+              <a:schemeClr val="accent1"/>
+            </a:effectRef>
+            <a:fontRef idx="minor">
+              <a:schemeClr val="lt1"/>
+            </a:fontRef>
+          </p:style>
+          <p:txBody>
+            <a:bodyPr anchor="ctr"/>
+            <a:lstStyle/>
+            <a:p>
+              <a:pPr>
+                <a:defRPr/>
+              </a:pPr>
+              <a:endParaRPr lang="zh-CN" altLang="en-US" dirty="0"/>
+            </a:p>
+          </p:txBody>
+        </p:sp>
+        <p:sp>
+          <p:nvSpPr>
+            <p:cNvPr id="127" name="矩形 126"/>
+            <p:cNvSpPr/>
+            <p:nvPr/>
+          </p:nvSpPr>
+          <p:spPr>
+            <a:xfrm>
+              <a:off x="6939147" y="-27384"/>
+              <a:ext cx="2204853" cy="1079093"/>
+            </a:xfrm>
+            <a:prstGeom prst="rect">
+              <a:avLst/>
+            </a:prstGeom>
+            <a:solidFill>
+              <a:srgbClr val="00B050"/>
+            </a:solidFill>
+            <a:ln>
+              <a:noFill/>
+            </a:ln>
+          </p:spPr>
+          <p:style>
+            <a:lnRef idx="2">
+              <a:schemeClr val="accent1">
+                <a:shade val="50000"/>
+              </a:schemeClr>
+            </a:lnRef>
+            <a:fillRef idx="1">
+              <a:schemeClr val="accent1"/>
+            </a:fillRef>
+            <a:effectRef idx="0">
+              <a:schemeClr val="accent1"/>
+            </a:effectRef>
+            <a:fontRef idx="minor">
+              <a:schemeClr val="lt1"/>
+            </a:fontRef>
+          </p:style>
+          <p:txBody>
+            <a:bodyPr anchor="ctr"/>
+            <a:lstStyle/>
+            <a:p>
+              <a:pPr algn="ctr">
+                <a:defRPr/>
+              </a:pPr>
+              <a:endParaRPr lang="zh-CN" altLang="en-US"/>
+            </a:p>
+          </p:txBody>
+        </p:sp>
+      </p:grpSp>
+      <p:sp>
+        <p:nvSpPr>
+          <p:cNvPr id="128" name="标题 1"/>
+          <p:cNvSpPr txBox="1">
+            <a:spLocks/>
+          </p:cNvSpPr>
+          <p:nvPr/>
+        </p:nvSpPr>
+        <p:spPr bwMode="auto">
+          <a:xfrm>
+            <a:off x="300013" y="188640"/>
+            <a:ext cx="5976664" cy="662831"/>
+          </a:xfrm>
+          <a:prstGeom prst="rect">
+            <a:avLst/>
+          </a:prstGeom>
+          <a:noFill/>
+          <a:ln>
+            <a:noFill/>
+          </a:ln>
+          <a:extLst/>
+        </p:spPr>
+        <p:txBody>
+          <a:bodyPr/>
+          <a:lstStyle>
+            <a:lvl1pPr eaLnBrk="0" hangingPunct="0">
+              <a:defRPr sz="1600">
+                <a:solidFill>
+                  <a:schemeClr val="tx1"/>
+                </a:solidFill>
+                <a:latin typeface="Arial" pitchFamily="34" charset="0"/>
+                <a:ea typeface="微软雅黑" pitchFamily="34" charset="-122"/>
+              </a:defRPr>
+            </a:lvl1pPr>
+            <a:lvl2pPr marL="742950" indent="-285750" eaLnBrk="0" hangingPunct="0">
+              <a:defRPr sz="1600">
+                <a:solidFill>
+                  <a:schemeClr val="tx1"/>
+                </a:solidFill>
+                <a:latin typeface="Arial" pitchFamily="34" charset="0"/>
+                <a:ea typeface="微软雅黑" pitchFamily="34" charset="-122"/>
+              </a:defRPr>
+            </a:lvl2pPr>
+            <a:lvl3pPr marL="1143000" indent="-228600" eaLnBrk="0" hangingPunct="0">
+              <a:defRPr sz="1600">
+                <a:solidFill>
+                  <a:schemeClr val="tx1"/>
+                </a:solidFill>
+                <a:latin typeface="Arial" pitchFamily="34" charset="0"/>
+                <a:ea typeface="微软雅黑" pitchFamily="34" charset="-122"/>
+              </a:defRPr>
+            </a:lvl3pPr>
+            <a:lvl4pPr marL="1600200" indent="-228600" eaLnBrk="0" hangingPunct="0">
+              <a:defRPr sz="1600">
+                <a:solidFill>
+                  <a:schemeClr val="tx1"/>
+                </a:solidFill>
+                <a:latin typeface="Arial" pitchFamily="34" charset="0"/>
+                <a:ea typeface="微软雅黑" pitchFamily="34" charset="-122"/>
+              </a:defRPr>
+            </a:lvl4pPr>
+            <a:lvl5pPr marL="2057400" indent="-228600" eaLnBrk="0" hangingPunct="0">
+              <a:defRPr sz="1600">
+                <a:solidFill>
+                  <a:schemeClr val="tx1"/>
+                </a:solidFill>
+                <a:latin typeface="Arial" pitchFamily="34" charset="0"/>
+                <a:ea typeface="微软雅黑" pitchFamily="34" charset="-122"/>
+              </a:defRPr>
+            </a:lvl5pPr>
+            <a:lvl6pPr marL="2514600" indent="-228600" eaLnBrk="0" fontAlgn="base" hangingPunct="0">
+              <a:spcBef>
+                <a:spcPct val="0"/>
+              </a:spcBef>
+              <a:spcAft>
+                <a:spcPct val="0"/>
+              </a:spcAft>
+              <a:defRPr sz="1600">
+                <a:solidFill>
+                  <a:schemeClr val="tx1"/>
+                </a:solidFill>
+                <a:latin typeface="Arial" pitchFamily="34" charset="0"/>
+                <a:ea typeface="微软雅黑" pitchFamily="34" charset="-122"/>
+              </a:defRPr>
+            </a:lvl6pPr>
+            <a:lvl7pPr marL="2971800" indent="-228600" eaLnBrk="0" fontAlgn="base" hangingPunct="0">
+              <a:spcBef>
+                <a:spcPct val="0"/>
+              </a:spcBef>
+              <a:spcAft>
+                <a:spcPct val="0"/>
+              </a:spcAft>
+              <a:defRPr sz="1600">
+                <a:solidFill>
+                  <a:schemeClr val="tx1"/>
+                </a:solidFill>
+                <a:latin typeface="Arial" pitchFamily="34" charset="0"/>
+                <a:ea typeface="微软雅黑" pitchFamily="34" charset="-122"/>
+              </a:defRPr>
+            </a:lvl7pPr>
+            <a:lvl8pPr marL="3429000" indent="-228600" eaLnBrk="0" fontAlgn="base" hangingPunct="0">
+              <a:spcBef>
+                <a:spcPct val="0"/>
+              </a:spcBef>
+              <a:spcAft>
+                <a:spcPct val="0"/>
+              </a:spcAft>
+              <a:defRPr sz="1600">
+                <a:solidFill>
+                  <a:schemeClr val="tx1"/>
+                </a:solidFill>
+                <a:latin typeface="Arial" pitchFamily="34" charset="0"/>
+                <a:ea typeface="微软雅黑" pitchFamily="34" charset="-122"/>
+              </a:defRPr>
+            </a:lvl8pPr>
+            <a:lvl9pPr marL="3886200" indent="-228600" eaLnBrk="0" fontAlgn="base" hangingPunct="0">
+              <a:spcBef>
+                <a:spcPct val="0"/>
+              </a:spcBef>
+              <a:spcAft>
+                <a:spcPct val="0"/>
+              </a:spcAft>
+              <a:defRPr sz="1600">
+                <a:solidFill>
+                  <a:schemeClr val="tx1"/>
+                </a:solidFill>
+                <a:latin typeface="Arial" pitchFamily="34" charset="0"/>
+                <a:ea typeface="微软雅黑" pitchFamily="34" charset="-122"/>
+              </a:defRPr>
+            </a:lvl9pPr>
+          </a:lstStyle>
+          <a:p>
+            <a:pPr fontAlgn="auto">
+              <a:spcBef>
+                <a:spcPts val="0"/>
+              </a:spcBef>
+              <a:spcAft>
+                <a:spcPts val="0"/>
+              </a:spcAft>
+              <a:defRPr/>
+            </a:pPr>
+            <a:r>
+              <a:rPr lang="zh-CN" altLang="en-US" sz="3200" b="1" dirty="0" smtClean="0">
+                <a:solidFill>
+                  <a:schemeClr val="bg1"/>
+                </a:solidFill>
+                <a:latin typeface="微软雅黑" pitchFamily="34" charset="-122"/>
+              </a:rPr>
+              <a:t>问题： 什么是前端</a:t>
+            </a:r>
+            <a:endParaRPr lang="zh-CN" altLang="en-US" sz="3200" b="1" dirty="0">
+              <a:solidFill>
+                <a:schemeClr val="bg1"/>
+              </a:solidFill>
+              <a:latin typeface="微软雅黑" pitchFamily="34" charset="-122"/>
+            </a:endParaRPr>
+          </a:p>
+        </p:txBody>
+      </p:sp>
+      <p:sp>
+        <p:nvSpPr>
+          <p:cNvPr id="3" name="TextBox 2"/>
+          <p:cNvSpPr txBox="1"/>
+          <p:nvPr/>
+        </p:nvSpPr>
+        <p:spPr>
+          <a:xfrm>
+            <a:off x="643285" y="1628800"/>
+            <a:ext cx="7961163" cy="4201150"/>
+          </a:xfrm>
+          <a:prstGeom prst="rect">
+            <a:avLst/>
+          </a:prstGeom>
+          <a:noFill/>
+        </p:spPr>
+        <p:txBody>
+          <a:bodyPr wrap="square" rtlCol="0">
+            <a:spAutoFit/>
+          </a:bodyPr>
+          <a:lstStyle/>
+          <a:p>
+            <a:r>
+              <a:rPr lang="zh-CN" altLang="en-US" sz="2400" dirty="0" smtClean="0"/>
+              <a:t>某百科：</a:t>
+            </a:r>
+            <a:endParaRPr lang="en-US" altLang="zh-CN" sz="2400" dirty="0" smtClean="0"/>
+          </a:p>
+          <a:p>
+            <a:pPr>
+              <a:lnSpc>
+                <a:spcPct val="150000"/>
+              </a:lnSpc>
+            </a:pPr>
+            <a:r>
+              <a:rPr lang="en-US" altLang="zh-CN" sz="2400" dirty="0" smtClean="0"/>
+              <a:t>         </a:t>
+            </a:r>
+            <a:r>
+              <a:rPr lang="zh-CN" altLang="en-US" sz="2400" dirty="0" smtClean="0"/>
+              <a:t>前端通常</a:t>
+            </a:r>
+            <a:r>
+              <a:rPr lang="zh-CN" altLang="en-US" sz="2400" dirty="0"/>
+              <a:t>是指网站的前台部分，包括网站的表现层和结构层</a:t>
+            </a:r>
+            <a:r>
+              <a:rPr lang="zh-CN" altLang="en-US" sz="2400" dirty="0" smtClean="0"/>
+              <a:t>。</a:t>
+            </a:r>
+            <a:r>
+              <a:rPr lang="zh-CN" altLang="en-US" sz="2400" dirty="0"/>
+              <a:t>因此</a:t>
+            </a:r>
+            <a:r>
+              <a:rPr lang="zh-CN" altLang="en-US" sz="2400" dirty="0" smtClean="0"/>
+              <a:t>前端</a:t>
+            </a:r>
+            <a:r>
+              <a:rPr lang="zh-CN" altLang="en-US" sz="2400" dirty="0"/>
+              <a:t>技术一般分为前端设计和前端开发，前端设计一般可以理解为网站的视觉设计，前端开发则是网站的前台代码实现，包括基本的</a:t>
+            </a:r>
+            <a:r>
+              <a:rPr lang="en-US" altLang="zh-CN" sz="2400" dirty="0"/>
+              <a:t>HTML</a:t>
+            </a:r>
+            <a:r>
+              <a:rPr lang="zh-CN" altLang="en-US" sz="2400" dirty="0"/>
+              <a:t>和</a:t>
+            </a:r>
+            <a:r>
+              <a:rPr lang="en-US" altLang="zh-CN" sz="2400" dirty="0"/>
+              <a:t>CSS</a:t>
+            </a:r>
+            <a:r>
+              <a:rPr lang="zh-CN" altLang="en-US" sz="2400" dirty="0"/>
+              <a:t>以及</a:t>
+            </a:r>
+            <a:r>
+              <a:rPr lang="en-US" altLang="zh-CN" sz="2400" dirty="0"/>
+              <a:t>JavaScript/</a:t>
+            </a:r>
+            <a:r>
+              <a:rPr lang="en-US" altLang="zh-CN" sz="2400" dirty="0" err="1"/>
+              <a:t>ajax</a:t>
+            </a:r>
+            <a:r>
+              <a:rPr lang="zh-CN" altLang="en-US" sz="2400" dirty="0"/>
+              <a:t>，现在最新的高级版本</a:t>
+            </a:r>
+            <a:r>
+              <a:rPr lang="en-US" altLang="zh-CN" sz="2400" dirty="0"/>
+              <a:t>HTML5</a:t>
+            </a:r>
+            <a:r>
+              <a:rPr lang="zh-CN" altLang="en-US" sz="2400" dirty="0"/>
+              <a:t>、</a:t>
+            </a:r>
+            <a:r>
+              <a:rPr lang="en-US" altLang="zh-CN" sz="2400" dirty="0"/>
+              <a:t>CSS3</a:t>
+            </a:r>
+            <a:r>
+              <a:rPr lang="zh-CN" altLang="en-US" sz="2400" dirty="0"/>
+              <a:t>，以及</a:t>
+            </a:r>
+            <a:r>
+              <a:rPr lang="en-US" altLang="zh-CN" sz="2400" dirty="0"/>
+              <a:t>SVG</a:t>
+            </a:r>
+            <a:r>
+              <a:rPr lang="zh-CN" altLang="en-US" sz="2400" dirty="0"/>
+              <a:t>等</a:t>
+            </a:r>
+            <a:r>
+              <a:rPr lang="zh-CN" altLang="en-US" sz="2400" dirty="0" smtClean="0"/>
+              <a:t>。</a:t>
+            </a:r>
+            <a:endParaRPr lang="en-US" altLang="zh-CN" sz="2400" dirty="0" smtClean="0"/>
+          </a:p>
+          <a:p>
+            <a:pPr>
+              <a:lnSpc>
+                <a:spcPct val="150000"/>
+              </a:lnSpc>
+            </a:pPr>
+            <a:endParaRPr lang="zh-CN" altLang="en-US" dirty="0"/>
+          </a:p>
+        </p:txBody>
+      </p:sp>
+    </p:spTree>
+    <p:extLst>
+      <p:ext uri="{BB962C8B-B14F-4D97-AF65-F5344CB8AC3E}">
+        <p14:creationId xmlns:p14="http://schemas.microsoft.com/office/powerpoint/2010/main" val="1172398456"/>
+      </p:ext>
+    </p:extLst>
+  </p:cSld>
+  <p:clrMapOvr>
+    <a:masterClrMapping/>
+  </p:clrMapOvr>
+  <mc:AlternateContent xmlns:mc="http://schemas.openxmlformats.org/markup-compatibility/2006" xmlns:p14="http://schemas.microsoft.com/office/powerpoint/2010/main">
+    <mc:Choice Requires="p14">
+      <p:transition p14:dur="0"/>
+    </mc:Choice>
+    <mc:Fallback xmlns="">
+      <p:transition/>
+    </mc:Fallback>
+  </mc:AlternateContent>
+  <p:timing>
+    <p:tnLst>
+      <p:par>
+        <p:cTn id="1" dur="indefinite" restart="never" nodeType="tmRoot"/>
+      </p:par>
+    </p:tnLst>
+  </p:timing>
+</p:sld>
+</file>
+
+<file path=ppt/slides/slide5.xml><?xml version="1.0" encoding="utf-8"?>
+<p:sld xmlns:a="http://schemas.openxmlformats.org/drawingml/2006/main" xmlns:r="http://schemas.openxmlformats.org/officeDocument/2006/relationships" xmlns:p="http://schemas.openxmlformats.org/presentationml/2006/main">
+  <p:cSld>
+    <p:spTree>
+      <p:nvGrpSpPr>
+        <p:cNvPr id="1" name=""/>
+        <p:cNvGrpSpPr/>
+        <p:nvPr/>
+      </p:nvGrpSpPr>
+      <p:grpSpPr>
+        <a:xfrm>
+          <a:off x="0" y="0"/>
+          <a:ext cx="0" cy="0"/>
+          <a:chOff x="0" y="0"/>
+          <a:chExt cx="0" cy="0"/>
+        </a:xfrm>
+      </p:grpSpPr>
+      <p:grpSp>
+        <p:nvGrpSpPr>
+          <p:cNvPr id="2" name="组合 11"/>
+          <p:cNvGrpSpPr/>
+          <p:nvPr/>
+        </p:nvGrpSpPr>
+        <p:grpSpPr>
+          <a:xfrm>
+            <a:off x="0" y="-27384"/>
+            <a:ext cx="9144000" cy="1080120"/>
+            <a:chOff x="0" y="1628800"/>
+            <a:chExt cx="9144000" cy="2592288"/>
+          </a:xfrm>
+        </p:grpSpPr>
+        <p:sp>
+          <p:nvSpPr>
+            <p:cNvPr id="13" name="矩形 12"/>
+            <p:cNvSpPr/>
+            <p:nvPr/>
+          </p:nvSpPr>
+          <p:spPr>
+            <a:xfrm>
+              <a:off x="0" y="1628800"/>
+              <a:ext cx="6948264" cy="2592288"/>
+            </a:xfrm>
+            <a:prstGeom prst="rect">
+              <a:avLst/>
+            </a:prstGeom>
+            <a:solidFill>
+              <a:srgbClr val="002060"/>
+            </a:solidFill>
+            <a:ln>
+              <a:noFill/>
+            </a:ln>
+          </p:spPr>
+          <p:style>
+            <a:lnRef idx="2">
+              <a:schemeClr val="accent1">
+                <a:shade val="50000"/>
+              </a:schemeClr>
+            </a:lnRef>
+            <a:fillRef idx="1">
+              <a:schemeClr val="accent1"/>
+            </a:fillRef>
+            <a:effectRef idx="0">
+              <a:schemeClr val="accent1"/>
+            </a:effectRef>
+            <a:fontRef idx="minor">
+              <a:schemeClr val="lt1"/>
+            </a:fontRef>
+          </p:style>
+          <p:txBody>
+            <a:bodyPr rtlCol="0" anchor="ctr"/>
+            <a:lstStyle/>
+            <a:p>
+              <a:pPr algn="ctr"/>
+              <a:endParaRPr lang="zh-CN" altLang="en-US"/>
+            </a:p>
+          </p:txBody>
+        </p:sp>
+        <p:sp>
+          <p:nvSpPr>
+            <p:cNvPr id="14" name="矩形 13"/>
+            <p:cNvSpPr/>
+            <p:nvPr/>
+          </p:nvSpPr>
+          <p:spPr>
+            <a:xfrm>
+              <a:off x="6948264" y="1628800"/>
+              <a:ext cx="2195736" cy="2592288"/>
+            </a:xfrm>
+            <a:prstGeom prst="rect">
+              <a:avLst/>
+            </a:prstGeom>
+            <a:solidFill>
+              <a:srgbClr val="00B050"/>
+            </a:solidFill>
+            <a:ln>
+              <a:noFill/>
+            </a:ln>
+          </p:spPr>
+          <p:style>
+            <a:lnRef idx="2">
+              <a:schemeClr val="accent1">
+                <a:shade val="50000"/>
+              </a:schemeClr>
+            </a:lnRef>
+            <a:fillRef idx="1">
+              <a:schemeClr val="accent1"/>
+            </a:fillRef>
+            <a:effectRef idx="0">
+              <a:schemeClr val="accent1"/>
+            </a:effectRef>
+            <a:fontRef idx="minor">
+              <a:schemeClr val="lt1"/>
+            </a:fontRef>
+          </p:style>
+          <p:txBody>
+            <a:bodyPr rtlCol="0" anchor="ctr"/>
+            <a:lstStyle/>
+            <a:p>
+              <a:pPr algn="ctr"/>
+              <a:endParaRPr lang="zh-CN" altLang="en-US"/>
+            </a:p>
+          </p:txBody>
+        </p:sp>
+      </p:grpSp>
+      <p:sp>
+        <p:nvSpPr>
+          <p:cNvPr id="85" name="AutoShape 12" descr="http://t2.baidu.com/it/u=2113212026,3013923243&amp;fm=11&amp;gp=0.jpg"/>
+          <p:cNvSpPr>
+            <a:spLocks noChangeAspect="1" noChangeArrowheads="1"/>
+          </p:cNvSpPr>
+          <p:nvPr/>
+        </p:nvSpPr>
+        <p:spPr bwMode="auto">
+          <a:xfrm>
+            <a:off x="155575" y="-144463"/>
+            <a:ext cx="304800" cy="304801"/>
+          </a:xfrm>
+          <a:prstGeom prst="rect">
+            <a:avLst/>
+          </a:prstGeom>
+          <a:noFill/>
+          <a:ln w="9525">
+            <a:noFill/>
+            <a:miter lim="800000"/>
+            <a:headEnd/>
+            <a:tailEnd/>
+          </a:ln>
+        </p:spPr>
+        <p:txBody>
+          <a:bodyPr/>
+          <a:lstStyle/>
+          <a:p>
+            <a:endParaRPr lang="zh-CN" altLang="en-US"/>
+          </a:p>
+        </p:txBody>
+      </p:sp>
+      <p:sp>
+        <p:nvSpPr>
+          <p:cNvPr id="86" name="AutoShape 14" descr="http://t2.baidu.com/it/u=2113212026,3013923243&amp;fm=11&amp;gp=0.jpg"/>
+          <p:cNvSpPr>
+            <a:spLocks noChangeAspect="1" noChangeArrowheads="1"/>
+          </p:cNvSpPr>
+          <p:nvPr/>
+        </p:nvSpPr>
+        <p:spPr bwMode="auto">
+          <a:xfrm>
+            <a:off x="307975" y="7938"/>
+            <a:ext cx="304800" cy="304800"/>
+          </a:xfrm>
+          <a:prstGeom prst="rect">
+            <a:avLst/>
+          </a:prstGeom>
+          <a:noFill/>
+          <a:ln w="9525">
+            <a:noFill/>
+            <a:miter lim="800000"/>
+            <a:headEnd/>
+            <a:tailEnd/>
+          </a:ln>
+        </p:spPr>
+        <p:txBody>
+          <a:bodyPr/>
+          <a:lstStyle/>
+          <a:p>
+            <a:endParaRPr lang="zh-CN" altLang="en-US"/>
+          </a:p>
+        </p:txBody>
+      </p:sp>
+      <p:sp>
+        <p:nvSpPr>
+          <p:cNvPr id="87" name="AutoShape 16" descr="http://t2.baidu.com/it/u=2113212026,3013923243&amp;fm=11&amp;gp=0.jpg"/>
+          <p:cNvSpPr>
+            <a:spLocks noChangeAspect="1" noChangeArrowheads="1"/>
+          </p:cNvSpPr>
+          <p:nvPr/>
+        </p:nvSpPr>
+        <p:spPr bwMode="auto">
+          <a:xfrm>
+            <a:off x="460375" y="160338"/>
+            <a:ext cx="304800" cy="304800"/>
+          </a:xfrm>
+          <a:prstGeom prst="rect">
+            <a:avLst/>
+          </a:prstGeom>
+          <a:noFill/>
+          <a:ln w="9525">
+            <a:noFill/>
+            <a:miter lim="800000"/>
+            <a:headEnd/>
+            <a:tailEnd/>
+          </a:ln>
+        </p:spPr>
+        <p:txBody>
+          <a:bodyPr/>
+          <a:lstStyle/>
+          <a:p>
+            <a:endParaRPr lang="zh-CN" altLang="en-US"/>
+          </a:p>
+        </p:txBody>
+      </p:sp>
+      <p:sp>
+        <p:nvSpPr>
+          <p:cNvPr id="88" name="AutoShape 18" descr="http://t2.baidu.com/it/u=2113212026,3013923243&amp;fm=11&amp;gp=0.jpg"/>
+          <p:cNvSpPr>
+            <a:spLocks noChangeAspect="1" noChangeArrowheads="1"/>
+          </p:cNvSpPr>
+          <p:nvPr/>
+        </p:nvSpPr>
+        <p:spPr bwMode="auto">
+          <a:xfrm>
+            <a:off x="612775" y="312738"/>
+            <a:ext cx="304800" cy="304800"/>
+          </a:xfrm>
+          <a:prstGeom prst="rect">
+            <a:avLst/>
+          </a:prstGeom>
+          <a:noFill/>
+          <a:ln w="9525">
+            <a:noFill/>
+            <a:miter lim="800000"/>
+            <a:headEnd/>
+            <a:tailEnd/>
+          </a:ln>
+        </p:spPr>
+        <p:txBody>
+          <a:bodyPr/>
+          <a:lstStyle/>
+          <a:p>
+            <a:endParaRPr lang="zh-CN" altLang="en-US"/>
+          </a:p>
+        </p:txBody>
+      </p:sp>
+      <p:grpSp>
+        <p:nvGrpSpPr>
+          <p:cNvPr id="125" name="组合 45"/>
+          <p:cNvGrpSpPr>
+            <a:grpSpLocks/>
+          </p:cNvGrpSpPr>
+          <p:nvPr/>
+        </p:nvGrpSpPr>
+        <p:grpSpPr bwMode="auto">
+          <a:xfrm>
+            <a:off x="-7938" y="-26988"/>
+            <a:ext cx="9151938" cy="827088"/>
+            <a:chOff x="-7176" y="-27384"/>
+            <a:chExt cx="9151176" cy="1106707"/>
+          </a:xfrm>
+        </p:grpSpPr>
+        <p:sp>
+          <p:nvSpPr>
+            <p:cNvPr id="126" name="矩形 125"/>
+            <p:cNvSpPr/>
+            <p:nvPr/>
+          </p:nvSpPr>
+          <p:spPr>
+            <a:xfrm>
+              <a:off x="-7176" y="231"/>
+              <a:ext cx="6947909" cy="1079092"/>
+            </a:xfrm>
+            <a:prstGeom prst="rect">
+              <a:avLst/>
+            </a:prstGeom>
+            <a:solidFill>
+              <a:srgbClr val="002060"/>
+            </a:solidFill>
+            <a:ln>
+              <a:noFill/>
+            </a:ln>
+          </p:spPr>
+          <p:style>
+            <a:lnRef idx="2">
+              <a:schemeClr val="accent1">
+                <a:shade val="50000"/>
+              </a:schemeClr>
+            </a:lnRef>
+            <a:fillRef idx="1">
+              <a:schemeClr val="accent1"/>
+            </a:fillRef>
+            <a:effectRef idx="0">
+              <a:schemeClr val="accent1"/>
+            </a:effectRef>
+            <a:fontRef idx="minor">
+              <a:schemeClr val="lt1"/>
+            </a:fontRef>
+          </p:style>
+          <p:txBody>
+            <a:bodyPr anchor="ctr"/>
+            <a:lstStyle/>
+            <a:p>
+              <a:pPr>
+                <a:defRPr/>
+              </a:pPr>
+              <a:endParaRPr lang="zh-CN" altLang="en-US" dirty="0"/>
+            </a:p>
+          </p:txBody>
+        </p:sp>
+        <p:sp>
+          <p:nvSpPr>
+            <p:cNvPr id="127" name="矩形 126"/>
+            <p:cNvSpPr/>
+            <p:nvPr/>
+          </p:nvSpPr>
+          <p:spPr>
+            <a:xfrm>
+              <a:off x="6939147" y="-27384"/>
+              <a:ext cx="2204853" cy="1079093"/>
+            </a:xfrm>
+            <a:prstGeom prst="rect">
+              <a:avLst/>
+            </a:prstGeom>
+            <a:solidFill>
+              <a:srgbClr val="00B050"/>
+            </a:solidFill>
+            <a:ln>
+              <a:noFill/>
+            </a:ln>
+          </p:spPr>
+          <p:style>
+            <a:lnRef idx="2">
+              <a:schemeClr val="accent1">
+                <a:shade val="50000"/>
+              </a:schemeClr>
+            </a:lnRef>
+            <a:fillRef idx="1">
+              <a:schemeClr val="accent1"/>
+            </a:fillRef>
+            <a:effectRef idx="0">
+              <a:schemeClr val="accent1"/>
+            </a:effectRef>
+            <a:fontRef idx="minor">
+              <a:schemeClr val="lt1"/>
+            </a:fontRef>
+          </p:style>
+          <p:txBody>
+            <a:bodyPr anchor="ctr"/>
+            <a:lstStyle/>
+            <a:p>
+              <a:pPr algn="ctr">
+                <a:defRPr/>
+              </a:pPr>
+              <a:endParaRPr lang="zh-CN" altLang="en-US"/>
+            </a:p>
+          </p:txBody>
+        </p:sp>
+      </p:grpSp>
+      <p:sp>
+        <p:nvSpPr>
+          <p:cNvPr id="128" name="标题 1"/>
+          <p:cNvSpPr txBox="1">
+            <a:spLocks/>
+          </p:cNvSpPr>
+          <p:nvPr/>
+        </p:nvSpPr>
+        <p:spPr bwMode="auto">
+          <a:xfrm>
+            <a:off x="298648" y="286544"/>
+            <a:ext cx="8305800" cy="838200"/>
+          </a:xfrm>
+          <a:prstGeom prst="rect">
+            <a:avLst/>
+          </a:prstGeom>
+          <a:noFill/>
+          <a:ln>
+            <a:noFill/>
+          </a:ln>
+          <a:extLst/>
+        </p:spPr>
+        <p:txBody>
+          <a:bodyPr/>
+          <a:lstStyle>
+            <a:lvl1pPr eaLnBrk="0" hangingPunct="0">
+              <a:defRPr sz="1600">
+                <a:solidFill>
+                  <a:schemeClr val="tx1"/>
+                </a:solidFill>
+                <a:latin typeface="Arial" pitchFamily="34" charset="0"/>
+                <a:ea typeface="微软雅黑" pitchFamily="34" charset="-122"/>
+              </a:defRPr>
+            </a:lvl1pPr>
+            <a:lvl2pPr marL="742950" indent="-285750" eaLnBrk="0" hangingPunct="0">
+              <a:defRPr sz="1600">
+                <a:solidFill>
+                  <a:schemeClr val="tx1"/>
+                </a:solidFill>
+                <a:latin typeface="Arial" pitchFamily="34" charset="0"/>
+                <a:ea typeface="微软雅黑" pitchFamily="34" charset="-122"/>
+              </a:defRPr>
+            </a:lvl2pPr>
+            <a:lvl3pPr marL="1143000" indent="-228600" eaLnBrk="0" hangingPunct="0">
+              <a:defRPr sz="1600">
+                <a:solidFill>
+                  <a:schemeClr val="tx1"/>
+                </a:solidFill>
+                <a:latin typeface="Arial" pitchFamily="34" charset="0"/>
+                <a:ea typeface="微软雅黑" pitchFamily="34" charset="-122"/>
+              </a:defRPr>
+            </a:lvl3pPr>
+            <a:lvl4pPr marL="1600200" indent="-228600" eaLnBrk="0" hangingPunct="0">
+              <a:defRPr sz="1600">
+                <a:solidFill>
+                  <a:schemeClr val="tx1"/>
+                </a:solidFill>
+                <a:latin typeface="Arial" pitchFamily="34" charset="0"/>
+                <a:ea typeface="微软雅黑" pitchFamily="34" charset="-122"/>
+              </a:defRPr>
+            </a:lvl4pPr>
+            <a:lvl5pPr marL="2057400" indent="-228600" eaLnBrk="0" hangingPunct="0">
+              <a:defRPr sz="1600">
+                <a:solidFill>
+                  <a:schemeClr val="tx1"/>
+                </a:solidFill>
+                <a:latin typeface="Arial" pitchFamily="34" charset="0"/>
+                <a:ea typeface="微软雅黑" pitchFamily="34" charset="-122"/>
+              </a:defRPr>
+            </a:lvl5pPr>
+            <a:lvl6pPr marL="2514600" indent="-228600" eaLnBrk="0" fontAlgn="base" hangingPunct="0">
+              <a:spcBef>
+                <a:spcPct val="0"/>
+              </a:spcBef>
+              <a:spcAft>
+                <a:spcPct val="0"/>
+              </a:spcAft>
+              <a:defRPr sz="1600">
+                <a:solidFill>
+                  <a:schemeClr val="tx1"/>
+                </a:solidFill>
+                <a:latin typeface="Arial" pitchFamily="34" charset="0"/>
+                <a:ea typeface="微软雅黑" pitchFamily="34" charset="-122"/>
+              </a:defRPr>
+            </a:lvl6pPr>
+            <a:lvl7pPr marL="2971800" indent="-228600" eaLnBrk="0" fontAlgn="base" hangingPunct="0">
+              <a:spcBef>
+                <a:spcPct val="0"/>
+              </a:spcBef>
+              <a:spcAft>
+                <a:spcPct val="0"/>
+              </a:spcAft>
+              <a:defRPr sz="1600">
+                <a:solidFill>
+                  <a:schemeClr val="tx1"/>
+                </a:solidFill>
+                <a:latin typeface="Arial" pitchFamily="34" charset="0"/>
+                <a:ea typeface="微软雅黑" pitchFamily="34" charset="-122"/>
+              </a:defRPr>
+            </a:lvl7pPr>
+            <a:lvl8pPr marL="3429000" indent="-228600" eaLnBrk="0" fontAlgn="base" hangingPunct="0">
+              <a:spcBef>
+                <a:spcPct val="0"/>
+              </a:spcBef>
+              <a:spcAft>
+                <a:spcPct val="0"/>
+              </a:spcAft>
+              <a:defRPr sz="1600">
+                <a:solidFill>
+                  <a:schemeClr val="tx1"/>
+                </a:solidFill>
+                <a:latin typeface="Arial" pitchFamily="34" charset="0"/>
+                <a:ea typeface="微软雅黑" pitchFamily="34" charset="-122"/>
+              </a:defRPr>
+            </a:lvl8pPr>
+            <a:lvl9pPr marL="3886200" indent="-228600" eaLnBrk="0" fontAlgn="base" hangingPunct="0">
+              <a:spcBef>
+                <a:spcPct val="0"/>
+              </a:spcBef>
+              <a:spcAft>
+                <a:spcPct val="0"/>
+              </a:spcAft>
+              <a:defRPr sz="1600">
+                <a:solidFill>
+                  <a:schemeClr val="tx1"/>
+                </a:solidFill>
+                <a:latin typeface="Arial" pitchFamily="34" charset="0"/>
+                <a:ea typeface="微软雅黑" pitchFamily="34" charset="-122"/>
+              </a:defRPr>
+            </a:lvl9pPr>
+          </a:lstStyle>
+          <a:p>
+            <a:pPr fontAlgn="auto">
+              <a:spcBef>
+                <a:spcPts val="0"/>
+              </a:spcBef>
+              <a:spcAft>
+                <a:spcPts val="0"/>
+              </a:spcAft>
+              <a:defRPr/>
+            </a:pPr>
+            <a:r>
+              <a:rPr lang="zh-CN" altLang="en-US" sz="3200" b="1" dirty="0" smtClean="0">
+                <a:solidFill>
+                  <a:schemeClr val="bg1"/>
+                </a:solidFill>
+                <a:latin typeface="微软雅黑" pitchFamily="34" charset="-122"/>
+              </a:rPr>
               <a:t>为何优化</a:t>
             </a:r>
             <a:endParaRPr lang="zh-CN" altLang="en-US" sz="3200" b="1" dirty="0">
@@ -7258,6 +10320,10 @@
           <a:p>
             <a:pPr algn="ctr"/>
             <a:r>
+              <a:rPr lang="zh-CN" altLang="en-US" b="1" dirty="0"/>
+              <a:t>提升</a:t>
+            </a:r>
+            <a:r>
               <a:rPr lang="zh-CN" altLang="en-US" b="1" dirty="0" smtClean="0"/>
               <a:t>用户体验</a:t>
             </a:r>
@@ -7304,7 +10370,7 @@
             <a:pPr algn="ctr"/>
             <a:r>
               <a:rPr lang="zh-CN" altLang="en-US" b="1" dirty="0" smtClean="0"/>
-              <a:t>性能瓶颈</a:t>
+              <a:t>解决性能瓶颈</a:t>
             </a:r>
             <a:endParaRPr lang="zh-CN" altLang="en-US" b="1" dirty="0"/>
           </a:p>
@@ -7318,7 +10384,7 @@
         </p:nvSpPr>
         <p:spPr>
           <a:xfrm rot="1437605">
-            <a:off x="5658731" y="1291770"/>
+            <a:off x="5709356" y="1325652"/>
             <a:ext cx="2051321" cy="1080120"/>
           </a:xfrm>
           <a:prstGeom prst="cloudCallout">
@@ -7349,7 +10415,7 @@
             <a:pPr algn="ctr"/>
             <a:r>
               <a:rPr lang="zh-CN" altLang="en-US" b="1" dirty="0" smtClean="0"/>
-              <a:t>兼容性</a:t>
+              <a:t>增加服务器利用率</a:t>
             </a:r>
             <a:endParaRPr lang="zh-CN" altLang="en-US" b="1" dirty="0"/>
           </a:p>
@@ -7394,7 +10460,7 @@
             <a:pPr algn="ctr"/>
             <a:r>
               <a:rPr lang="zh-CN" altLang="en-US" b="1" dirty="0" smtClean="0"/>
-              <a:t>扩展性</a:t>
+              <a:t>提高开发速度</a:t>
             </a:r>
             <a:endParaRPr lang="zh-CN" altLang="en-US" b="1" dirty="0"/>
           </a:p>
@@ -7908,7 +10974,7 @@
 </p:sld>
 </file>
 
-<file path=ppt/slides/slide4.xml><?xml version="1.0" encoding="utf-8"?>
+<file path=ppt/slides/slide6.xml><?xml version="1.0" encoding="utf-8"?>
 <p:sld xmlns:a="http://schemas.openxmlformats.org/drawingml/2006/main" xmlns:r="http://schemas.openxmlformats.org/officeDocument/2006/relationships" xmlns:p="http://schemas.openxmlformats.org/presentationml/2006/main">
   <p:cSld>
     <p:spTree>
@@ -8464,7 +11530,7 @@
             </a:pPr>
             <a:r>
               <a:rPr lang="zh-CN" altLang="en-US" b="1" dirty="0" smtClean="0"/>
-              <a:t>常规做法：</a:t>
+              <a:t>常见做法：</a:t>
             </a:r>
             <a:endParaRPr lang="en-US" altLang="zh-CN" b="1" dirty="0" smtClean="0"/>
           </a:p>
@@ -8584,7 +11650,7 @@
         <p:spPr>
           <a:xfrm>
             <a:off x="307974" y="4167371"/>
-            <a:ext cx="5488162" cy="1061829"/>
+            <a:ext cx="7576394" cy="1061829"/>
           </a:xfrm>
           <a:prstGeom prst="rect">
             <a:avLst/>
@@ -8619,7 +11685,7 @@
             </a:r>
             <a:r>
               <a:rPr lang="zh-CN" altLang="en-US" dirty="0" smtClean="0"/>
-              <a:t>找好目标，做好定位，以防为主，防治结合</a:t>
+              <a:t>具体问题具体分析，找好目标，做好定位；以防为主，防治结合</a:t>
             </a:r>
             <a:endParaRPr lang="zh-CN" altLang="en-US" dirty="0"/>
           </a:p>
@@ -9404,7 +12470,7 @@
 </p:sld>
 </file>
 
-<file path=ppt/slides/slide5.xml><?xml version="1.0" encoding="utf-8"?>
+<file path=ppt/slides/slide7.xml><?xml version="1.0" encoding="utf-8"?>
 <p:sld xmlns:a="http://schemas.openxmlformats.org/drawingml/2006/main" xmlns:r="http://schemas.openxmlformats.org/officeDocument/2006/relationships" xmlns:p="http://schemas.openxmlformats.org/presentationml/2006/main">
   <p:cSld>
     <p:spTree>
@@ -9918,85 +12984,14 @@
       </p:sp>
       <p:sp>
         <p:nvSpPr>
-          <p:cNvPr id="4" name="矩形 3"/>
-          <p:cNvSpPr/>
-          <p:nvPr/>
-        </p:nvSpPr>
-        <p:spPr>
-          <a:xfrm>
-            <a:off x="3124617" y="2967335"/>
-            <a:ext cx="2894767" cy="1569660"/>
-          </a:xfrm>
-          <a:prstGeom prst="rect">
-            <a:avLst/>
-          </a:prstGeom>
-          <a:noFill/>
-        </p:spPr>
-        <p:txBody>
-          <a:bodyPr wrap="none" lIns="91440" tIns="45720" rIns="91440" bIns="45720">
-            <a:spAutoFit/>
-          </a:bodyPr>
-          <a:lstStyle/>
-          <a:p>
-            <a:pPr algn="ctr"/>
-            <a:r>
-              <a:rPr lang="en-US" altLang="zh-CN" sz="9600" b="1" cap="none" spc="0" dirty="0" smtClean="0">
-                <a:ln w="19050">
-                  <a:solidFill>
-                    <a:schemeClr val="tx2">
-                      <a:tint val="1000"/>
-                    </a:schemeClr>
-                  </a:solidFill>
-                  <a:prstDash val="solid"/>
-                </a:ln>
-                <a:solidFill>
-                  <a:schemeClr val="accent3"/>
-                </a:solidFill>
-                <a:effectLst>
-                  <a:outerShdw blurRad="50000" dist="50800" dir="7500000" algn="tl">
-                    <a:srgbClr val="000000">
-                      <a:shade val="5000"/>
-                      <a:alpha val="35000"/>
-                    </a:srgbClr>
-                  </a:outerShdw>
-                </a:effectLst>
-              </a:rPr>
-              <a:t>HOW</a:t>
-            </a:r>
-            <a:endParaRPr lang="zh-CN" altLang="en-US" sz="9600" b="1" cap="none" spc="0" dirty="0">
-              <a:ln w="19050">
-                <a:solidFill>
-                  <a:schemeClr val="tx2">
-                    <a:tint val="1000"/>
-                  </a:schemeClr>
-                </a:solidFill>
-                <a:prstDash val="solid"/>
-              </a:ln>
-              <a:solidFill>
-                <a:schemeClr val="accent3"/>
-              </a:solidFill>
-              <a:effectLst>
-                <a:outerShdw blurRad="50000" dist="50800" dir="7500000" algn="tl">
-                  <a:srgbClr val="000000">
-                    <a:shade val="5000"/>
-                    <a:alpha val="35000"/>
-                  </a:srgbClr>
-                </a:outerShdw>
-              </a:effectLst>
-            </a:endParaRPr>
-          </a:p>
-        </p:txBody>
-      </p:sp>
-      <p:sp>
-        <p:nvSpPr>
           <p:cNvPr id="5" name="矩形 4"/>
           <p:cNvSpPr/>
           <p:nvPr/>
         </p:nvSpPr>
         <p:spPr>
           <a:xfrm>
-            <a:off x="539552" y="1556792"/>
-            <a:ext cx="6912768" cy="720080"/>
+            <a:off x="1045146" y="2276872"/>
+            <a:ext cx="6266234" cy="720080"/>
           </a:xfrm>
           <a:prstGeom prst="rect">
             <a:avLst/>
@@ -10030,7 +13025,7 @@
                   </a:schemeClr>
                 </a:solidFill>
               </a:rPr>
-              <a:t>用户端优化</a:t>
+              <a:t>实施优化</a:t>
             </a:r>
             <a:endParaRPr lang="zh-CN" altLang="en-US" sz="2800" b="1" dirty="0">
               <a:solidFill>
@@ -10045,62 +13040,14 @@
       </p:sp>
       <p:sp>
         <p:nvSpPr>
-          <p:cNvPr id="16" name="矩形 15"/>
-          <p:cNvSpPr/>
-          <p:nvPr/>
-        </p:nvSpPr>
-        <p:spPr>
-          <a:xfrm>
-            <a:off x="539552" y="3068960"/>
-            <a:ext cx="6912768" cy="720080"/>
-          </a:xfrm>
-          <a:prstGeom prst="rect">
-            <a:avLst/>
-          </a:prstGeom>
-        </p:spPr>
-        <p:style>
-          <a:lnRef idx="1">
-            <a:schemeClr val="accent4"/>
-          </a:lnRef>
-          <a:fillRef idx="2">
-            <a:schemeClr val="accent4"/>
-          </a:fillRef>
-          <a:effectRef idx="1">
-            <a:schemeClr val="accent4"/>
-          </a:effectRef>
-          <a:fontRef idx="minor">
-            <a:schemeClr val="dk1"/>
-          </a:fontRef>
-        </p:style>
-        <p:txBody>
-          <a:bodyPr rtlCol="0" anchor="ctr"/>
-          <a:lstStyle/>
-          <a:p>
-            <a:pPr algn="ctr"/>
-            <a:r>
-              <a:rPr lang="zh-CN" altLang="en-US" sz="2800" b="1" dirty="0">
-                <a:solidFill>
-                  <a:schemeClr val="tx1">
-                    <a:lumMod val="75000"/>
-                    <a:lumOff val="25000"/>
-                  </a:schemeClr>
-                </a:solidFill>
-              </a:rPr>
-              <a:t>开发端优化</a:t>
-            </a:r>
-          </a:p>
-        </p:txBody>
-      </p:sp>
-      <p:sp>
-        <p:nvSpPr>
           <p:cNvPr id="17" name="矩形 16"/>
           <p:cNvSpPr/>
           <p:nvPr/>
         </p:nvSpPr>
         <p:spPr>
           <a:xfrm>
-            <a:off x="539552" y="4509120"/>
-            <a:ext cx="6912768" cy="720080"/>
+            <a:off x="1045146" y="3684637"/>
+            <a:ext cx="6264696" cy="720080"/>
           </a:xfrm>
           <a:prstGeom prst="rect">
             <a:avLst/>
@@ -10134,8 +13081,27 @@
                   </a:schemeClr>
                 </a:solidFill>
               </a:rPr>
-              <a:t>产品端优化</a:t>
-            </a:r>
+              <a:t>开发</a:t>
+            </a:r>
+            <a:r>
+              <a:rPr lang="zh-CN" altLang="en-US" sz="2800" b="1" dirty="0" smtClean="0">
+                <a:solidFill>
+                  <a:schemeClr val="tx1">
+                    <a:lumMod val="75000"/>
+                    <a:lumOff val="25000"/>
+                  </a:schemeClr>
+                </a:solidFill>
+              </a:rPr>
+              <a:t>优化</a:t>
+            </a:r>
+            <a:endParaRPr lang="zh-CN" altLang="en-US" sz="2800" b="1" dirty="0">
+              <a:solidFill>
+                <a:schemeClr val="tx1">
+                  <a:lumMod val="75000"/>
+                  <a:lumOff val="25000"/>
+                </a:schemeClr>
+              </a:solidFill>
+            </a:endParaRPr>
           </a:p>
         </p:txBody>
       </p:sp>
@@ -10164,1236 +13130,9 @@
   <p:timing>
     <p:tnLst>
       <p:par>
-        <p:cTn id="1" dur="indefinite" restart="never" nodeType="tmRoot">
-          <p:childTnLst>
-            <p:seq concurrent="1" nextAc="seek">
-              <p:cTn id="2" dur="indefinite" nodeType="mainSeq">
-                <p:childTnLst>
-                  <p:par>
-                    <p:cTn id="3" fill="hold">
-                      <p:stCondLst>
-                        <p:cond delay="indefinite"/>
-                      </p:stCondLst>
-                      <p:childTnLst>
-                        <p:par>
-                          <p:cTn id="4" fill="hold">
-                            <p:stCondLst>
-                              <p:cond delay="0"/>
-                            </p:stCondLst>
-                            <p:childTnLst>
-                              <p:par>
-                                <p:cTn id="5" presetID="14" presetClass="exit" presetSubtype="10" fill="hold" grpId="0" nodeType="clickEffect">
-                                  <p:stCondLst>
-                                    <p:cond delay="0"/>
-                                  </p:stCondLst>
-                                  <p:childTnLst>
-                                    <p:animEffect transition="out" filter="randombar(horizontal)">
-                                      <p:cBhvr>
-                                        <p:cTn id="6" dur="500"/>
-                                        <p:tgtEl>
-                                          <p:spTgt spid="4"/>
-                                        </p:tgtEl>
-                                      </p:cBhvr>
-                                    </p:animEffect>
-                                    <p:set>
-                                      <p:cBhvr>
-                                        <p:cTn id="7" dur="1" fill="hold">
-                                          <p:stCondLst>
-                                            <p:cond delay="499"/>
-                                          </p:stCondLst>
-                                        </p:cTn>
-                                        <p:tgtEl>
-                                          <p:spTgt spid="4"/>
-                                        </p:tgtEl>
-                                        <p:attrNameLst>
-                                          <p:attrName>style.visibility</p:attrName>
-                                        </p:attrNameLst>
-                                      </p:cBhvr>
-                                      <p:to>
-                                        <p:strVal val="hidden"/>
-                                      </p:to>
-                                    </p:set>
-                                  </p:childTnLst>
-                                </p:cTn>
-                              </p:par>
-                            </p:childTnLst>
-                          </p:cTn>
-                        </p:par>
-                      </p:childTnLst>
-                    </p:cTn>
-                  </p:par>
-                </p:childTnLst>
-              </p:cTn>
-              <p:prevCondLst>
-                <p:cond evt="onPrev" delay="0">
-                  <p:tgtEl>
-                    <p:sldTgt/>
-                  </p:tgtEl>
-                </p:cond>
-              </p:prevCondLst>
-              <p:nextCondLst>
-                <p:cond evt="onNext" delay="0">
-                  <p:tgtEl>
-                    <p:sldTgt/>
-                  </p:tgtEl>
-                </p:cond>
-              </p:nextCondLst>
-            </p:seq>
-          </p:childTnLst>
-        </p:cTn>
-      </p:par>
-    </p:tnLst>
-    <p:bldLst>
-      <p:bldP spid="4" grpId="0"/>
-    </p:bldLst>
-  </p:timing>
-</p:sld>
-</file>
-
-<file path=ppt/slides/slide6.xml><?xml version="1.0" encoding="utf-8"?>
-<p:sld xmlns:a="http://schemas.openxmlformats.org/drawingml/2006/main" xmlns:r="http://schemas.openxmlformats.org/officeDocument/2006/relationships" xmlns:p="http://schemas.openxmlformats.org/presentationml/2006/main">
-  <p:cSld>
-    <p:spTree>
-      <p:nvGrpSpPr>
-        <p:cNvPr id="1" name=""/>
-        <p:cNvGrpSpPr/>
-        <p:nvPr/>
-      </p:nvGrpSpPr>
-      <p:grpSpPr>
-        <a:xfrm>
-          <a:off x="0" y="0"/>
-          <a:ext cx="0" cy="0"/>
-          <a:chOff x="0" y="0"/>
-          <a:chExt cx="0" cy="0"/>
-        </a:xfrm>
-      </p:grpSpPr>
-      <p:grpSp>
-        <p:nvGrpSpPr>
-          <p:cNvPr id="3" name="组合 2"/>
-          <p:cNvGrpSpPr/>
-          <p:nvPr/>
-        </p:nvGrpSpPr>
-        <p:grpSpPr>
-          <a:xfrm>
-            <a:off x="0" y="-27384"/>
-            <a:ext cx="9144000" cy="1080120"/>
-            <a:chOff x="0" y="1628800"/>
-            <a:chExt cx="9144000" cy="2592288"/>
-          </a:xfrm>
-        </p:grpSpPr>
-        <p:sp>
-          <p:nvSpPr>
-            <p:cNvPr id="4" name="矩形 3"/>
-            <p:cNvSpPr/>
-            <p:nvPr/>
-          </p:nvSpPr>
-          <p:spPr>
-            <a:xfrm>
-              <a:off x="0" y="1628800"/>
-              <a:ext cx="6948264" cy="2592288"/>
-            </a:xfrm>
-            <a:prstGeom prst="rect">
-              <a:avLst/>
-            </a:prstGeom>
-            <a:solidFill>
-              <a:srgbClr val="002060"/>
-            </a:solidFill>
-            <a:ln>
-              <a:noFill/>
-            </a:ln>
-          </p:spPr>
-          <p:style>
-            <a:lnRef idx="2">
-              <a:schemeClr val="accent1">
-                <a:shade val="50000"/>
-              </a:schemeClr>
-            </a:lnRef>
-            <a:fillRef idx="1">
-              <a:schemeClr val="accent1"/>
-            </a:fillRef>
-            <a:effectRef idx="0">
-              <a:schemeClr val="accent1"/>
-            </a:effectRef>
-            <a:fontRef idx="minor">
-              <a:schemeClr val="lt1"/>
-            </a:fontRef>
-          </p:style>
-          <p:txBody>
-            <a:bodyPr rtlCol="0" anchor="ctr"/>
-            <a:lstStyle/>
-            <a:p>
-              <a:pPr algn="ctr"/>
-              <a:endParaRPr lang="zh-CN" altLang="en-US"/>
-            </a:p>
-          </p:txBody>
-        </p:sp>
-        <p:sp>
-          <p:nvSpPr>
-            <p:cNvPr id="5" name="矩形 4"/>
-            <p:cNvSpPr/>
-            <p:nvPr/>
-          </p:nvSpPr>
-          <p:spPr>
-            <a:xfrm>
-              <a:off x="6948264" y="1628800"/>
-              <a:ext cx="2195736" cy="2592288"/>
-            </a:xfrm>
-            <a:prstGeom prst="rect">
-              <a:avLst/>
-            </a:prstGeom>
-            <a:solidFill>
-              <a:srgbClr val="00B050"/>
-            </a:solidFill>
-            <a:ln>
-              <a:noFill/>
-            </a:ln>
-          </p:spPr>
-          <p:style>
-            <a:lnRef idx="2">
-              <a:schemeClr val="accent1">
-                <a:shade val="50000"/>
-              </a:schemeClr>
-            </a:lnRef>
-            <a:fillRef idx="1">
-              <a:schemeClr val="accent1"/>
-            </a:fillRef>
-            <a:effectRef idx="0">
-              <a:schemeClr val="accent1"/>
-            </a:effectRef>
-            <a:fontRef idx="minor">
-              <a:schemeClr val="lt1"/>
-            </a:fontRef>
-          </p:style>
-          <p:txBody>
-            <a:bodyPr rtlCol="0" anchor="ctr"/>
-            <a:lstStyle/>
-            <a:p>
-              <a:pPr algn="ctr"/>
-              <a:endParaRPr lang="zh-CN" altLang="en-US"/>
-            </a:p>
-          </p:txBody>
-        </p:sp>
-      </p:grpSp>
-      <p:sp>
-        <p:nvSpPr>
-          <p:cNvPr id="6" name="标题 3"/>
-          <p:cNvSpPr txBox="1">
-            <a:spLocks/>
-          </p:cNvSpPr>
-          <p:nvPr/>
-        </p:nvSpPr>
-        <p:spPr>
-          <a:xfrm>
-            <a:off x="432048" y="125760"/>
-            <a:ext cx="7812360" cy="1143000"/>
-          </a:xfrm>
-          <a:prstGeom prst="rect">
-            <a:avLst/>
-          </a:prstGeom>
-        </p:spPr>
-        <p:txBody>
-          <a:bodyPr>
-            <a:normAutofit/>
-          </a:bodyPr>
-          <a:lstStyle>
-            <a:lvl1pPr algn="ctr" defTabSz="914400" rtl="0" eaLnBrk="1" latinLnBrk="0" hangingPunct="1">
-              <a:spcBef>
-                <a:spcPct val="0"/>
-              </a:spcBef>
-              <a:buNone/>
-              <a:defRPr sz="4400" kern="1200">
-                <a:solidFill>
-                  <a:schemeClr val="tx1"/>
-                </a:solidFill>
-                <a:latin typeface="+mj-lt"/>
-                <a:ea typeface="+mj-ea"/>
-                <a:cs typeface="+mj-cs"/>
-              </a:defRPr>
-            </a:lvl1pPr>
-          </a:lstStyle>
-          <a:p>
-            <a:pPr algn="l"/>
-            <a:r>
-              <a:rPr lang="zh-CN" altLang="en-US" dirty="0" smtClean="0">
-                <a:solidFill>
-                  <a:schemeClr val="bg1"/>
-                </a:solidFill>
-                <a:latin typeface="方正大黑简体" pitchFamily="2" charset="-122"/>
-                <a:ea typeface="方正大黑简体" pitchFamily="2" charset="-122"/>
-              </a:rPr>
-              <a:t>用户端优化</a:t>
-            </a:r>
-            <a:endParaRPr lang="zh-CN" altLang="en-US" dirty="0">
-              <a:solidFill>
-                <a:schemeClr val="bg1"/>
-              </a:solidFill>
-              <a:latin typeface="方正大黑简体" pitchFamily="2" charset="-122"/>
-              <a:ea typeface="方正大黑简体" pitchFamily="2" charset="-122"/>
-            </a:endParaRPr>
-          </a:p>
-        </p:txBody>
-      </p:sp>
-      <p:pic>
-        <p:nvPicPr>
-          <p:cNvPr id="1026" name="Picture 2"/>
-          <p:cNvPicPr>
-            <a:picLocks noChangeAspect="1" noChangeArrowheads="1"/>
-          </p:cNvPicPr>
-          <p:nvPr/>
-        </p:nvPicPr>
-        <p:blipFill>
-          <a:blip r:embed="rId3">
-            <a:extLst>
-              <a:ext uri="{28A0092B-C50C-407E-A947-70E740481C1C}">
-                <a14:useLocalDpi xmlns:a14="http://schemas.microsoft.com/office/drawing/2010/main" val="0"/>
-              </a:ext>
-            </a:extLst>
-          </a:blip>
-          <a:srcRect/>
-          <a:stretch>
-            <a:fillRect/>
-          </a:stretch>
-        </p:blipFill>
-        <p:spPr bwMode="auto">
-          <a:xfrm>
-            <a:off x="336550" y="1675234"/>
-            <a:ext cx="8469313" cy="3409950"/>
-          </a:xfrm>
-          <a:prstGeom prst="rect">
-            <a:avLst/>
-          </a:prstGeom>
-          <a:noFill/>
-          <a:ln>
-            <a:noFill/>
-          </a:ln>
-          <a:effectLst/>
-          <a:extLst>
-            <a:ext uri="{909E8E84-426E-40DD-AFC4-6F175D3DCCD1}">
-              <a14:hiddenFill xmlns:a14="http://schemas.microsoft.com/office/drawing/2010/main">
-                <a:solidFill>
-                  <a:schemeClr val="accent1"/>
-                </a:solidFill>
-              </a14:hiddenFill>
-            </a:ext>
-            <a:ext uri="{91240B29-F687-4F45-9708-019B960494DF}">
-              <a14:hiddenLine xmlns:a14="http://schemas.microsoft.com/office/drawing/2010/main" w="9525">
-                <a:solidFill>
-                  <a:schemeClr val="tx1"/>
-                </a:solidFill>
-                <a:miter lim="800000"/>
-                <a:headEnd/>
-                <a:tailEnd/>
-              </a14:hiddenLine>
-            </a:ext>
-            <a:ext uri="{AF507438-7753-43E0-B8FC-AC1667EBCBE1}">
-              <a14:hiddenEffects xmlns:a14="http://schemas.microsoft.com/office/drawing/2010/main">
-                <a:effectLst>
-                  <a:outerShdw dist="35921" dir="2700000" algn="ctr" rotWithShape="0">
-                    <a:schemeClr val="bg2"/>
-                  </a:outerShdw>
-                </a:effectLst>
-              </a14:hiddenEffects>
-            </a:ext>
-          </a:extLst>
-        </p:spPr>
-      </p:pic>
-    </p:spTree>
-    <p:extLst>
-      <p:ext uri="{BB962C8B-B14F-4D97-AF65-F5344CB8AC3E}">
-        <p14:creationId xmlns:p14="http://schemas.microsoft.com/office/powerpoint/2010/main" val="30049274"/>
-      </p:ext>
-    </p:extLst>
-  </p:cSld>
-  <p:clrMapOvr>
-    <a:masterClrMapping/>
-  </p:clrMapOvr>
-  <mc:AlternateContent xmlns:mc="http://schemas.openxmlformats.org/markup-compatibility/2006" xmlns:p14="http://schemas.microsoft.com/office/powerpoint/2010/main">
-    <mc:Choice Requires="p14">
-      <p:transition spd="slow" p14:dur="800">
-        <p:circle/>
-      </p:transition>
-    </mc:Choice>
-    <mc:Fallback xmlns="">
-      <p:transition spd="slow">
-        <p:circle/>
-      </p:transition>
-    </mc:Fallback>
-  </mc:AlternateContent>
-  <p:timing>
-    <p:tnLst>
-      <p:par>
         <p:cTn id="1" dur="indefinite" restart="never" nodeType="tmRoot"/>
       </p:par>
     </p:tnLst>
-  </p:timing>
-</p:sld>
-</file>
-
-<file path=ppt/slides/slide7.xml><?xml version="1.0" encoding="utf-8"?>
-<p:sld xmlns:a="http://schemas.openxmlformats.org/drawingml/2006/main" xmlns:r="http://schemas.openxmlformats.org/officeDocument/2006/relationships" xmlns:p="http://schemas.openxmlformats.org/presentationml/2006/main">
-  <p:cSld>
-    <p:spTree>
-      <p:nvGrpSpPr>
-        <p:cNvPr id="1" name=""/>
-        <p:cNvGrpSpPr/>
-        <p:nvPr/>
-      </p:nvGrpSpPr>
-      <p:grpSpPr>
-        <a:xfrm>
-          <a:off x="0" y="0"/>
-          <a:ext cx="0" cy="0"/>
-          <a:chOff x="0" y="0"/>
-          <a:chExt cx="0" cy="0"/>
-        </a:xfrm>
-      </p:grpSpPr>
-      <p:grpSp>
-        <p:nvGrpSpPr>
-          <p:cNvPr id="3" name="组合 2"/>
-          <p:cNvGrpSpPr/>
-          <p:nvPr/>
-        </p:nvGrpSpPr>
-        <p:grpSpPr>
-          <a:xfrm>
-            <a:off x="0" y="-27384"/>
-            <a:ext cx="9144000" cy="1080120"/>
-            <a:chOff x="0" y="1628800"/>
-            <a:chExt cx="9144000" cy="2592288"/>
-          </a:xfrm>
-        </p:grpSpPr>
-        <p:sp>
-          <p:nvSpPr>
-            <p:cNvPr id="4" name="矩形 3"/>
-            <p:cNvSpPr/>
-            <p:nvPr/>
-          </p:nvSpPr>
-          <p:spPr>
-            <a:xfrm>
-              <a:off x="0" y="1628800"/>
-              <a:ext cx="6948264" cy="2592288"/>
-            </a:xfrm>
-            <a:prstGeom prst="rect">
-              <a:avLst/>
-            </a:prstGeom>
-            <a:solidFill>
-              <a:srgbClr val="002060"/>
-            </a:solidFill>
-            <a:ln>
-              <a:noFill/>
-            </a:ln>
-          </p:spPr>
-          <p:style>
-            <a:lnRef idx="2">
-              <a:schemeClr val="accent1">
-                <a:shade val="50000"/>
-              </a:schemeClr>
-            </a:lnRef>
-            <a:fillRef idx="1">
-              <a:schemeClr val="accent1"/>
-            </a:fillRef>
-            <a:effectRef idx="0">
-              <a:schemeClr val="accent1"/>
-            </a:effectRef>
-            <a:fontRef idx="minor">
-              <a:schemeClr val="lt1"/>
-            </a:fontRef>
-          </p:style>
-          <p:txBody>
-            <a:bodyPr rtlCol="0" anchor="ctr"/>
-            <a:lstStyle/>
-            <a:p>
-              <a:pPr algn="ctr"/>
-              <a:endParaRPr lang="zh-CN" altLang="en-US"/>
-            </a:p>
-          </p:txBody>
-        </p:sp>
-        <p:sp>
-          <p:nvSpPr>
-            <p:cNvPr id="5" name="矩形 4"/>
-            <p:cNvSpPr/>
-            <p:nvPr/>
-          </p:nvSpPr>
-          <p:spPr>
-            <a:xfrm>
-              <a:off x="6948264" y="1628800"/>
-              <a:ext cx="2195736" cy="2592288"/>
-            </a:xfrm>
-            <a:prstGeom prst="rect">
-              <a:avLst/>
-            </a:prstGeom>
-            <a:solidFill>
-              <a:srgbClr val="00B050"/>
-            </a:solidFill>
-            <a:ln>
-              <a:noFill/>
-            </a:ln>
-          </p:spPr>
-          <p:style>
-            <a:lnRef idx="2">
-              <a:schemeClr val="accent1">
-                <a:shade val="50000"/>
-              </a:schemeClr>
-            </a:lnRef>
-            <a:fillRef idx="1">
-              <a:schemeClr val="accent1"/>
-            </a:fillRef>
-            <a:effectRef idx="0">
-              <a:schemeClr val="accent1"/>
-            </a:effectRef>
-            <a:fontRef idx="minor">
-              <a:schemeClr val="lt1"/>
-            </a:fontRef>
-          </p:style>
-          <p:txBody>
-            <a:bodyPr rtlCol="0" anchor="ctr"/>
-            <a:lstStyle/>
-            <a:p>
-              <a:pPr algn="ctr"/>
-              <a:endParaRPr lang="zh-CN" altLang="en-US"/>
-            </a:p>
-          </p:txBody>
-        </p:sp>
-      </p:grpSp>
-      <p:sp>
-        <p:nvSpPr>
-          <p:cNvPr id="6" name="标题 3"/>
-          <p:cNvSpPr txBox="1">
-            <a:spLocks/>
-          </p:cNvSpPr>
-          <p:nvPr/>
-        </p:nvSpPr>
-        <p:spPr>
-          <a:xfrm>
-            <a:off x="432048" y="125760"/>
-            <a:ext cx="7812360" cy="1143000"/>
-          </a:xfrm>
-          <a:prstGeom prst="rect">
-            <a:avLst/>
-          </a:prstGeom>
-        </p:spPr>
-        <p:txBody>
-          <a:bodyPr>
-            <a:normAutofit/>
-          </a:bodyPr>
-          <a:lstStyle>
-            <a:lvl1pPr algn="ctr" defTabSz="914400" rtl="0" eaLnBrk="1" latinLnBrk="0" hangingPunct="1">
-              <a:spcBef>
-                <a:spcPct val="0"/>
-              </a:spcBef>
-              <a:buNone/>
-              <a:defRPr sz="4400" kern="1200">
-                <a:solidFill>
-                  <a:schemeClr val="tx1"/>
-                </a:solidFill>
-                <a:latin typeface="+mj-lt"/>
-                <a:ea typeface="+mj-ea"/>
-                <a:cs typeface="+mj-cs"/>
-              </a:defRPr>
-            </a:lvl1pPr>
-          </a:lstStyle>
-          <a:p>
-            <a:pPr algn="l"/>
-            <a:r>
-              <a:rPr lang="zh-CN" altLang="en-US" dirty="0">
-                <a:solidFill>
-                  <a:schemeClr val="bg1"/>
-                </a:solidFill>
-                <a:latin typeface="方正大黑简体" pitchFamily="2" charset="-122"/>
-                <a:ea typeface="方正大黑简体" pitchFamily="2" charset="-122"/>
-              </a:rPr>
-              <a:t>用户端优化</a:t>
-            </a:r>
-          </a:p>
-        </p:txBody>
-      </p:sp>
-      <p:sp>
-        <p:nvSpPr>
-          <p:cNvPr id="10" name="内容占位符 2"/>
-          <p:cNvSpPr txBox="1">
-            <a:spLocks/>
-          </p:cNvSpPr>
-          <p:nvPr/>
-        </p:nvSpPr>
-        <p:spPr bwMode="auto">
-          <a:xfrm>
-            <a:off x="125796" y="1412776"/>
-            <a:ext cx="8910700" cy="648072"/>
-          </a:xfrm>
-          <a:prstGeom prst="rect">
-            <a:avLst/>
-          </a:prstGeom>
-          <a:noFill/>
-          <a:ln w="9525">
-            <a:noFill/>
-            <a:miter lim="800000"/>
-            <a:headEnd/>
-            <a:tailEnd/>
-          </a:ln>
-          <a:effectLst/>
-        </p:spPr>
-        <p:txBody>
-          <a:bodyPr vert="horz" wrap="square" lIns="91440" tIns="45720" rIns="91440" bIns="45720" numCol="1" anchor="t" anchorCtr="0" compatLnSpc="1">
-            <a:prstTxWarp prst="textNoShape">
-              <a:avLst/>
-            </a:prstTxWarp>
-          </a:bodyPr>
-          <a:lstStyle/>
-          <a:p>
-            <a:pPr marR="0" lvl="0" algn="l" defTabSz="914400" rtl="0" eaLnBrk="1" fontAlgn="base" latinLnBrk="0" hangingPunct="1">
-              <a:lnSpc>
-                <a:spcPct val="100000"/>
-              </a:lnSpc>
-              <a:spcBef>
-                <a:spcPct val="20000"/>
-              </a:spcBef>
-              <a:spcAft>
-                <a:spcPct val="0"/>
-              </a:spcAft>
-              <a:buClrTx/>
-              <a:buSzTx/>
-              <a:tabLst/>
-              <a:defRPr/>
-            </a:pPr>
-            <a:r>
-              <a:rPr kumimoji="1" lang="zh-CN" altLang="en-US" sz="2400" b="0" i="0" u="none" strike="noStrike" kern="0" cap="none" spc="0" normalizeH="0" baseline="0" noProof="0" dirty="0" smtClean="0">
-                <a:ln>
-                  <a:noFill/>
-                </a:ln>
-                <a:solidFill>
-                  <a:schemeClr val="tx1"/>
-                </a:solidFill>
-                <a:effectLst/>
-                <a:uLnTx/>
-                <a:uFillTx/>
-                <a:latin typeface="微软雅黑" pitchFamily="34" charset="-122"/>
-                <a:ea typeface="微软雅黑" pitchFamily="34" charset="-122"/>
-              </a:rPr>
-              <a:t>一场对抗用户请求的战争</a:t>
-            </a:r>
-            <a:r>
-              <a:rPr kumimoji="1" lang="en-US" altLang="zh-CN" sz="2400" kern="0" dirty="0" smtClean="0">
-                <a:latin typeface="微软雅黑" pitchFamily="34" charset="-122"/>
-                <a:ea typeface="微软雅黑" pitchFamily="34" charset="-122"/>
-              </a:rPr>
-              <a:t>, </a:t>
-            </a:r>
-            <a:r>
-              <a:rPr kumimoji="1" lang="zh-CN" altLang="en-US" sz="2400" kern="0" dirty="0" smtClean="0">
-                <a:latin typeface="微软雅黑" pitchFamily="34" charset="-122"/>
-                <a:ea typeface="微软雅黑" pitchFamily="34" charset="-122"/>
-              </a:rPr>
-              <a:t>我们的战术就是</a:t>
-            </a:r>
-            <a:r>
-              <a:rPr kumimoji="1" lang="zh-CN" altLang="en-US" sz="2400" b="0" i="0" u="none" strike="noStrike" kern="0" cap="none" spc="0" normalizeH="0" baseline="0" noProof="0" dirty="0" smtClean="0">
-                <a:ln>
-                  <a:noFill/>
-                </a:ln>
-                <a:solidFill>
-                  <a:schemeClr val="tx1"/>
-                </a:solidFill>
-                <a:effectLst/>
-                <a:uLnTx/>
-                <a:uFillTx/>
-                <a:latin typeface="微软雅黑" pitchFamily="34" charset="-122"/>
-                <a:ea typeface="微软雅黑" pitchFamily="34" charset="-122"/>
-              </a:rPr>
-              <a:t>做到“少”、近”、“小”</a:t>
-            </a:r>
-            <a:endParaRPr kumimoji="1" lang="zh-CN" altLang="en-US" sz="2400" b="0" i="0" u="none" strike="noStrike" kern="0" cap="none" spc="0" normalizeH="0" baseline="0" noProof="0" dirty="0">
-              <a:ln>
-                <a:noFill/>
-              </a:ln>
-              <a:solidFill>
-                <a:schemeClr val="tx1"/>
-              </a:solidFill>
-              <a:effectLst/>
-              <a:uLnTx/>
-              <a:uFillTx/>
-              <a:latin typeface="微软雅黑" pitchFamily="34" charset="-122"/>
-              <a:ea typeface="微软雅黑" pitchFamily="34" charset="-122"/>
-            </a:endParaRPr>
-          </a:p>
-        </p:txBody>
-      </p:sp>
-      <p:sp>
-        <p:nvSpPr>
-          <p:cNvPr id="2" name="椭圆 1"/>
-          <p:cNvSpPr/>
-          <p:nvPr/>
-        </p:nvSpPr>
-        <p:spPr>
-          <a:xfrm>
-            <a:off x="2699792" y="2564904"/>
-            <a:ext cx="2790020" cy="2376264"/>
-          </a:xfrm>
-          <a:prstGeom prst="ellipse">
-            <a:avLst/>
-          </a:prstGeom>
-        </p:spPr>
-        <p:style>
-          <a:lnRef idx="3">
-            <a:schemeClr val="lt1"/>
-          </a:lnRef>
-          <a:fillRef idx="1">
-            <a:schemeClr val="accent1"/>
-          </a:fillRef>
-          <a:effectRef idx="1">
-            <a:schemeClr val="accent1"/>
-          </a:effectRef>
-          <a:fontRef idx="minor">
-            <a:schemeClr val="lt1"/>
-          </a:fontRef>
-        </p:style>
-        <p:txBody>
-          <a:bodyPr rtlCol="0" anchor="ctr"/>
-          <a:lstStyle/>
-          <a:p>
-            <a:pPr algn="ctr"/>
-            <a:r>
-              <a:rPr lang="zh-CN" altLang="en-US" sz="3600" b="1" dirty="0" smtClean="0"/>
-              <a:t>少</a:t>
-            </a:r>
-            <a:endParaRPr lang="en-US" altLang="zh-CN" b="1" dirty="0" smtClean="0"/>
-          </a:p>
-          <a:p>
-            <a:r>
-              <a:rPr lang="zh-CN" altLang="en-US" dirty="0" smtClean="0"/>
-              <a:t>目的：少请求</a:t>
-            </a:r>
-            <a:endParaRPr lang="en-US" altLang="zh-CN" dirty="0" smtClean="0"/>
-          </a:p>
-          <a:p>
-            <a:r>
-              <a:rPr lang="zh-CN" altLang="en-US" dirty="0" smtClean="0"/>
-              <a:t>实现：合并</a:t>
-            </a:r>
-            <a:r>
-              <a:rPr lang="en-US" altLang="zh-CN" dirty="0" smtClean="0"/>
-              <a:t>+</a:t>
-            </a:r>
-            <a:r>
-              <a:rPr lang="zh-CN" altLang="en-US" dirty="0" smtClean="0"/>
-              <a:t>缓存</a:t>
-            </a:r>
-            <a:endParaRPr lang="zh-CN" altLang="en-US" dirty="0"/>
-          </a:p>
-        </p:txBody>
-      </p:sp>
-      <p:sp>
-        <p:nvSpPr>
-          <p:cNvPr id="8" name="线形标注 2(带强调线) 7"/>
-          <p:cNvSpPr/>
-          <p:nvPr/>
-        </p:nvSpPr>
-        <p:spPr>
-          <a:xfrm>
-            <a:off x="432047" y="3753036"/>
-            <a:ext cx="1715727" cy="1116124"/>
-          </a:xfrm>
-          <a:prstGeom prst="accentCallout2">
-            <a:avLst>
-              <a:gd name="adj1" fmla="val 80195"/>
-              <a:gd name="adj2" fmla="val 113551"/>
-              <a:gd name="adj3" fmla="val 78489"/>
-              <a:gd name="adj4" fmla="val 148206"/>
-              <a:gd name="adj5" fmla="val 51955"/>
-              <a:gd name="adj6" fmla="val 194265"/>
-            </a:avLst>
-          </a:prstGeom>
-        </p:spPr>
-        <p:style>
-          <a:lnRef idx="1">
-            <a:schemeClr val="accent1"/>
-          </a:lnRef>
-          <a:fillRef idx="2">
-            <a:schemeClr val="accent1"/>
-          </a:fillRef>
-          <a:effectRef idx="1">
-            <a:schemeClr val="accent1"/>
-          </a:effectRef>
-          <a:fontRef idx="minor">
-            <a:schemeClr val="dk1"/>
-          </a:fontRef>
-        </p:style>
-        <p:txBody>
-          <a:bodyPr rtlCol="0" anchor="ctr"/>
-          <a:lstStyle/>
-          <a:p>
-            <a:pPr marL="285750" indent="-285750">
-              <a:buFont typeface="Arial" pitchFamily="34" charset="0"/>
-              <a:buChar char="•"/>
-            </a:pPr>
-            <a:r>
-              <a:rPr lang="en-US" altLang="zh-CN" dirty="0" smtClean="0">
-                <a:solidFill>
-                  <a:srgbClr val="00B050"/>
-                </a:solidFill>
-              </a:rPr>
-              <a:t>JS </a:t>
-            </a:r>
-            <a:r>
-              <a:rPr lang="zh-CN" altLang="en-US" dirty="0" smtClean="0">
-                <a:solidFill>
-                  <a:srgbClr val="00B050"/>
-                </a:solidFill>
-              </a:rPr>
-              <a:t>合并</a:t>
-            </a:r>
-            <a:endParaRPr lang="en-US" altLang="zh-CN" dirty="0" smtClean="0">
-              <a:solidFill>
-                <a:srgbClr val="00B050"/>
-              </a:solidFill>
-            </a:endParaRPr>
-          </a:p>
-          <a:p>
-            <a:pPr marL="285750" indent="-285750">
-              <a:buFont typeface="Arial" pitchFamily="34" charset="0"/>
-              <a:buChar char="•"/>
-            </a:pPr>
-            <a:r>
-              <a:rPr lang="en-US" altLang="zh-CN" dirty="0" smtClean="0">
-                <a:solidFill>
-                  <a:srgbClr val="00B050"/>
-                </a:solidFill>
-              </a:rPr>
-              <a:t>CSS </a:t>
-            </a:r>
-            <a:r>
-              <a:rPr lang="zh-CN" altLang="en-US" dirty="0" smtClean="0">
-                <a:solidFill>
-                  <a:srgbClr val="00B050"/>
-                </a:solidFill>
-              </a:rPr>
-              <a:t>合并</a:t>
-            </a:r>
-            <a:endParaRPr lang="en-US" altLang="zh-CN" dirty="0" smtClean="0">
-              <a:solidFill>
-                <a:srgbClr val="00B050"/>
-              </a:solidFill>
-            </a:endParaRPr>
-          </a:p>
-          <a:p>
-            <a:pPr marL="285750" indent="-285750">
-              <a:buFont typeface="Arial" pitchFamily="34" charset="0"/>
-              <a:buChar char="•"/>
-            </a:pPr>
-            <a:r>
-              <a:rPr lang="zh-CN" altLang="en-US" dirty="0" smtClean="0">
-                <a:solidFill>
-                  <a:srgbClr val="00B050"/>
-                </a:solidFill>
-              </a:rPr>
-              <a:t>图片合并</a:t>
-            </a:r>
-            <a:endParaRPr lang="zh-CN" altLang="en-US" dirty="0">
-              <a:solidFill>
-                <a:srgbClr val="00B050"/>
-              </a:solidFill>
-            </a:endParaRPr>
-          </a:p>
-        </p:txBody>
-      </p:sp>
-      <p:sp>
-        <p:nvSpPr>
-          <p:cNvPr id="11" name="线形标注 2(带强调线) 10"/>
-          <p:cNvSpPr/>
-          <p:nvPr/>
-        </p:nvSpPr>
-        <p:spPr>
-          <a:xfrm>
-            <a:off x="6732240" y="2996952"/>
-            <a:ext cx="2016224" cy="966006"/>
-          </a:xfrm>
-          <a:prstGeom prst="accentCallout2">
-            <a:avLst>
-              <a:gd name="adj1" fmla="val 44352"/>
-              <a:gd name="adj2" fmla="val -15419"/>
-              <a:gd name="adj3" fmla="val 44353"/>
-              <a:gd name="adj4" fmla="val -67216"/>
-              <a:gd name="adj5" fmla="val 104012"/>
-              <a:gd name="adj6" fmla="val -93437"/>
-            </a:avLst>
-          </a:prstGeom>
-        </p:spPr>
-        <p:style>
-          <a:lnRef idx="1">
-            <a:schemeClr val="accent1"/>
-          </a:lnRef>
-          <a:fillRef idx="2">
-            <a:schemeClr val="accent1"/>
-          </a:fillRef>
-          <a:effectRef idx="1">
-            <a:schemeClr val="accent1"/>
-          </a:effectRef>
-          <a:fontRef idx="minor">
-            <a:schemeClr val="dk1"/>
-          </a:fontRef>
-        </p:style>
-        <p:txBody>
-          <a:bodyPr rtlCol="0" anchor="ctr"/>
-          <a:lstStyle/>
-          <a:p>
-            <a:pPr marL="285750" indent="-285750">
-              <a:buFont typeface="Arial" pitchFamily="34" charset="0"/>
-              <a:buChar char="•"/>
-            </a:pPr>
-            <a:endParaRPr lang="en-US" altLang="zh-CN" dirty="0" smtClean="0">
-              <a:solidFill>
-                <a:srgbClr val="00B050"/>
-              </a:solidFill>
-            </a:endParaRPr>
-          </a:p>
-          <a:p>
-            <a:pPr marL="285750" indent="-285750">
-              <a:buFont typeface="Arial" pitchFamily="34" charset="0"/>
-              <a:buChar char="•"/>
-            </a:pPr>
-            <a:r>
-              <a:rPr lang="zh-CN" altLang="en-US" dirty="0" smtClean="0">
-                <a:solidFill>
-                  <a:srgbClr val="00B050"/>
-                </a:solidFill>
-              </a:rPr>
-              <a:t>页面缓存</a:t>
-            </a:r>
-            <a:endParaRPr lang="en-US" altLang="zh-CN" dirty="0" smtClean="0">
-              <a:solidFill>
-                <a:srgbClr val="00B050"/>
-              </a:solidFill>
-            </a:endParaRPr>
-          </a:p>
-          <a:p>
-            <a:pPr marL="285750" indent="-285750">
-              <a:buFont typeface="Arial" pitchFamily="34" charset="0"/>
-              <a:buChar char="•"/>
-            </a:pPr>
-            <a:r>
-              <a:rPr lang="en-US" altLang="zh-CN" dirty="0" smtClean="0">
-                <a:solidFill>
-                  <a:srgbClr val="00B050"/>
-                </a:solidFill>
-              </a:rPr>
-              <a:t>AJAX </a:t>
-            </a:r>
-            <a:r>
-              <a:rPr lang="zh-CN" altLang="en-US" dirty="0" smtClean="0">
-                <a:solidFill>
-                  <a:srgbClr val="00B050"/>
-                </a:solidFill>
-              </a:rPr>
-              <a:t>结果缓存</a:t>
-            </a:r>
-            <a:endParaRPr lang="en-US" altLang="zh-CN" dirty="0" smtClean="0">
-              <a:solidFill>
-                <a:srgbClr val="00B050"/>
-              </a:solidFill>
-            </a:endParaRPr>
-          </a:p>
-          <a:p>
-            <a:pPr marL="285750" indent="-285750">
-              <a:buFont typeface="Arial" pitchFamily="34" charset="0"/>
-              <a:buChar char="•"/>
-            </a:pPr>
-            <a:endParaRPr lang="zh-CN" altLang="en-US" dirty="0">
-              <a:solidFill>
-                <a:srgbClr val="00B050"/>
-              </a:solidFill>
-            </a:endParaRPr>
-          </a:p>
-        </p:txBody>
-      </p:sp>
-      <p:sp>
-        <p:nvSpPr>
-          <p:cNvPr id="7" name="线形标注 1(带强调线) 6"/>
-          <p:cNvSpPr/>
-          <p:nvPr/>
-        </p:nvSpPr>
-        <p:spPr>
-          <a:xfrm rot="5400000">
-            <a:off x="965874" y="4767381"/>
-            <a:ext cx="648072" cy="1715726"/>
-          </a:xfrm>
-          <a:prstGeom prst="accentCallout1">
-            <a:avLst>
-              <a:gd name="adj1" fmla="val 48813"/>
-              <a:gd name="adj2" fmla="val -8333"/>
-              <a:gd name="adj3" fmla="val 48767"/>
-              <a:gd name="adj4" fmla="val -68831"/>
-            </a:avLst>
-          </a:prstGeom>
-        </p:spPr>
-        <p:style>
-          <a:lnRef idx="2">
-            <a:schemeClr val="accent4">
-              <a:shade val="50000"/>
-            </a:schemeClr>
-          </a:lnRef>
-          <a:fillRef idx="1">
-            <a:schemeClr val="accent4"/>
-          </a:fillRef>
-          <a:effectRef idx="0">
-            <a:schemeClr val="accent4"/>
-          </a:effectRef>
-          <a:fontRef idx="minor">
-            <a:schemeClr val="lt1"/>
-          </a:fontRef>
-        </p:style>
-        <p:txBody>
-          <a:bodyPr rtlCol="0" anchor="ctr"/>
-          <a:lstStyle/>
-          <a:p>
-            <a:pPr algn="ctr"/>
-            <a:endParaRPr lang="zh-CN" altLang="en-US" dirty="0"/>
-          </a:p>
-        </p:txBody>
-      </p:sp>
-      <p:sp>
-        <p:nvSpPr>
-          <p:cNvPr id="9" name="TextBox 8"/>
-          <p:cNvSpPr txBox="1"/>
-          <p:nvPr/>
-        </p:nvSpPr>
-        <p:spPr>
-          <a:xfrm>
-            <a:off x="909117" y="5343599"/>
-            <a:ext cx="800219" cy="461665"/>
-          </a:xfrm>
-          <a:prstGeom prst="rect">
-            <a:avLst/>
-          </a:prstGeom>
-          <a:noFill/>
-        </p:spPr>
-        <p:txBody>
-          <a:bodyPr wrap="none" rtlCol="0">
-            <a:spAutoFit/>
-          </a:bodyPr>
-          <a:lstStyle/>
-          <a:p>
-            <a:r>
-              <a:rPr lang="zh-CN" altLang="en-US" sz="2400" dirty="0" smtClean="0">
-                <a:solidFill>
-                  <a:schemeClr val="bg1"/>
-                </a:solidFill>
-              </a:rPr>
-              <a:t>适度</a:t>
-            </a:r>
-            <a:endParaRPr lang="zh-CN" altLang="en-US" sz="2400" dirty="0">
-              <a:solidFill>
-                <a:schemeClr val="bg1"/>
-              </a:solidFill>
-            </a:endParaRPr>
-          </a:p>
-        </p:txBody>
-      </p:sp>
-      <p:sp>
-        <p:nvSpPr>
-          <p:cNvPr id="12" name="线形标注 1(带强调线) 11"/>
-          <p:cNvSpPr/>
-          <p:nvPr/>
-        </p:nvSpPr>
-        <p:spPr>
-          <a:xfrm rot="5400000">
-            <a:off x="7416316" y="3978560"/>
-            <a:ext cx="648071" cy="2016223"/>
-          </a:xfrm>
-          <a:prstGeom prst="accentCallout1">
-            <a:avLst>
-              <a:gd name="adj1" fmla="val 48813"/>
-              <a:gd name="adj2" fmla="val -8333"/>
-              <a:gd name="adj3" fmla="val 49239"/>
-              <a:gd name="adj4" fmla="val -107044"/>
-            </a:avLst>
-          </a:prstGeom>
-        </p:spPr>
-        <p:style>
-          <a:lnRef idx="2">
-            <a:schemeClr val="accent4">
-              <a:shade val="50000"/>
-            </a:schemeClr>
-          </a:lnRef>
-          <a:fillRef idx="1">
-            <a:schemeClr val="accent4"/>
-          </a:fillRef>
-          <a:effectRef idx="0">
-            <a:schemeClr val="accent4"/>
-          </a:effectRef>
-          <a:fontRef idx="minor">
-            <a:schemeClr val="lt1"/>
-          </a:fontRef>
-        </p:style>
-        <p:txBody>
-          <a:bodyPr rtlCol="0" anchor="ctr"/>
-          <a:lstStyle/>
-          <a:p>
-            <a:pPr algn="ctr"/>
-            <a:endParaRPr lang="zh-CN" altLang="en-US" dirty="0"/>
-          </a:p>
-        </p:txBody>
-      </p:sp>
-      <p:sp>
-        <p:nvSpPr>
-          <p:cNvPr id="13" name="TextBox 12"/>
-          <p:cNvSpPr txBox="1"/>
-          <p:nvPr/>
-        </p:nvSpPr>
-        <p:spPr>
-          <a:xfrm>
-            <a:off x="7044660" y="4710335"/>
-            <a:ext cx="1415772" cy="461665"/>
-          </a:xfrm>
-          <a:prstGeom prst="rect">
-            <a:avLst/>
-          </a:prstGeom>
-          <a:noFill/>
-        </p:spPr>
-        <p:txBody>
-          <a:bodyPr wrap="none" rtlCol="0">
-            <a:spAutoFit/>
-          </a:bodyPr>
-          <a:lstStyle/>
-          <a:p>
-            <a:r>
-              <a:rPr lang="zh-CN" altLang="en-US" sz="2400" dirty="0" smtClean="0">
-                <a:solidFill>
-                  <a:schemeClr val="bg1"/>
-                </a:solidFill>
-              </a:rPr>
-              <a:t>缓存更新</a:t>
-            </a:r>
-            <a:endParaRPr lang="zh-CN" altLang="en-US" sz="2400" dirty="0">
-              <a:solidFill>
-                <a:schemeClr val="bg1"/>
-              </a:solidFill>
-            </a:endParaRPr>
-          </a:p>
-        </p:txBody>
-      </p:sp>
-    </p:spTree>
-    <p:extLst>
-      <p:ext uri="{BB962C8B-B14F-4D97-AF65-F5344CB8AC3E}">
-        <p14:creationId xmlns:p14="http://schemas.microsoft.com/office/powerpoint/2010/main" val="3072570691"/>
-      </p:ext>
-    </p:extLst>
-  </p:cSld>
-  <p:clrMapOvr>
-    <a:masterClrMapping/>
-  </p:clrMapOvr>
-  <mc:AlternateContent xmlns:mc="http://schemas.openxmlformats.org/markup-compatibility/2006" xmlns:p14="http://schemas.microsoft.com/office/powerpoint/2010/main">
-    <mc:Choice Requires="p14">
-      <p:transition spd="slow" p14:dur="800">
-        <p:circle/>
-      </p:transition>
-    </mc:Choice>
-    <mc:Fallback xmlns="">
-      <p:transition spd="slow">
-        <p:circle/>
-      </p:transition>
-    </mc:Fallback>
-  </mc:AlternateContent>
-  <p:timing>
-    <p:tnLst>
-      <p:par>
-        <p:cTn id="1" dur="indefinite" restart="never" nodeType="tmRoot">
-          <p:childTnLst>
-            <p:seq concurrent="1" nextAc="seek">
-              <p:cTn id="2" dur="indefinite" nodeType="mainSeq">
-                <p:childTnLst>
-                  <p:par>
-                    <p:cTn id="3" fill="hold">
-                      <p:stCondLst>
-                        <p:cond delay="indefinite"/>
-                      </p:stCondLst>
-                      <p:childTnLst>
-                        <p:par>
-                          <p:cTn id="4" fill="hold">
-                            <p:stCondLst>
-                              <p:cond delay="0"/>
-                            </p:stCondLst>
-                            <p:childTnLst>
-                              <p:par>
-                                <p:cTn id="5" presetID="10" presetClass="entr" presetSubtype="0" fill="hold" grpId="0" nodeType="clickEffect">
-                                  <p:stCondLst>
-                                    <p:cond delay="0"/>
-                                  </p:stCondLst>
-                                  <p:iterate type="wd">
-                                    <p:tmPct val="9000"/>
-                                  </p:iterate>
-                                  <p:childTnLst>
-                                    <p:set>
-                                      <p:cBhvr>
-                                        <p:cTn id="6" dur="1" fill="hold">
-                                          <p:stCondLst>
-                                            <p:cond delay="0"/>
-                                          </p:stCondLst>
-                                        </p:cTn>
-                                        <p:tgtEl>
-                                          <p:spTgt spid="10"/>
-                                        </p:tgtEl>
-                                        <p:attrNameLst>
-                                          <p:attrName>style.visibility</p:attrName>
-                                        </p:attrNameLst>
-                                      </p:cBhvr>
-                                      <p:to>
-                                        <p:strVal val="visible"/>
-                                      </p:to>
-                                    </p:set>
-                                    <p:animEffect transition="in" filter="fade">
-                                      <p:cBhvr>
-                                        <p:cTn id="7" dur="500"/>
-                                        <p:tgtEl>
-                                          <p:spTgt spid="10"/>
-                                        </p:tgtEl>
-                                      </p:cBhvr>
-                                    </p:animEffect>
-                                  </p:childTnLst>
-                                  <p:subTnLst>
-                                    <p:animClr clrSpc="rgb" dir="cw">
-                                      <p:cBhvr override="childStyle">
-                                        <p:cTn dur="1" fill="hold" display="0" masterRel="nextClick" afterEffect="1"/>
-                                        <p:tgtEl>
-                                          <p:spTgt spid="10"/>
-                                        </p:tgtEl>
-                                        <p:attrNameLst>
-                                          <p:attrName>ppt_c</p:attrName>
-                                        </p:attrNameLst>
-                                      </p:cBhvr>
-                                      <p:to>
-                                        <a:srgbClr val="FF0000"/>
-                                      </p:to>
-                                    </p:animClr>
-                                  </p:subTnLst>
-                                </p:cTn>
-                              </p:par>
-                            </p:childTnLst>
-                          </p:cTn>
-                        </p:par>
-                      </p:childTnLst>
-                    </p:cTn>
-                  </p:par>
-                </p:childTnLst>
-              </p:cTn>
-              <p:prevCondLst>
-                <p:cond evt="onPrev" delay="0">
-                  <p:tgtEl>
-                    <p:sldTgt/>
-                  </p:tgtEl>
-                </p:cond>
-              </p:prevCondLst>
-              <p:nextCondLst>
-                <p:cond evt="onNext" delay="0">
-                  <p:tgtEl>
-                    <p:sldTgt/>
-                  </p:tgtEl>
-                </p:cond>
-              </p:nextCondLst>
-            </p:seq>
-          </p:childTnLst>
-        </p:cTn>
-      </p:par>
-    </p:tnLst>
-    <p:bldLst>
-      <p:bldP spid="10" grpId="0"/>
-    </p:bldLst>
   </p:timing>
 </p:sld>
 </file>
@@ -11562,133 +13301,35 @@
           <a:p>
             <a:pPr algn="l"/>
             <a:r>
-              <a:rPr lang="zh-CN" altLang="en-US" dirty="0">
+              <a:rPr lang="zh-CN" altLang="en-US" dirty="0" smtClean="0">
                 <a:solidFill>
                   <a:schemeClr val="bg1"/>
                 </a:solidFill>
                 <a:latin typeface="方正大黑简体" pitchFamily="2" charset="-122"/>
                 <a:ea typeface="方正大黑简体" pitchFamily="2" charset="-122"/>
               </a:rPr>
-              <a:t>用户端优化</a:t>
-            </a:r>
-          </a:p>
-        </p:txBody>
-      </p:sp>
-      <p:sp>
-        <p:nvSpPr>
-          <p:cNvPr id="2" name="椭圆 1"/>
-          <p:cNvSpPr/>
+              <a:t>实施优化</a:t>
+            </a:r>
+            <a:endParaRPr lang="zh-CN" altLang="en-US" dirty="0">
+              <a:solidFill>
+                <a:schemeClr val="bg1"/>
+              </a:solidFill>
+              <a:latin typeface="方正大黑简体" pitchFamily="2" charset="-122"/>
+              <a:ea typeface="方正大黑简体" pitchFamily="2" charset="-122"/>
+            </a:endParaRPr>
+          </a:p>
+        </p:txBody>
+      </p:sp>
+      <p:sp>
+        <p:nvSpPr>
+          <p:cNvPr id="7" name="TextBox 6"/>
+          <p:cNvSpPr txBox="1"/>
           <p:nvPr/>
         </p:nvSpPr>
         <p:spPr>
           <a:xfrm>
-            <a:off x="539552" y="1700808"/>
-            <a:ext cx="2790020" cy="2376264"/>
-          </a:xfrm>
-          <a:prstGeom prst="ellipse">
-            <a:avLst/>
-          </a:prstGeom>
-        </p:spPr>
-        <p:style>
-          <a:lnRef idx="3">
-            <a:schemeClr val="lt1"/>
-          </a:lnRef>
-          <a:fillRef idx="1">
-            <a:schemeClr val="accent1"/>
-          </a:fillRef>
-          <a:effectRef idx="1">
-            <a:schemeClr val="accent1"/>
-          </a:effectRef>
-          <a:fontRef idx="minor">
-            <a:schemeClr val="lt1"/>
-          </a:fontRef>
-        </p:style>
-        <p:txBody>
-          <a:bodyPr rtlCol="0" anchor="ctr"/>
-          <a:lstStyle/>
-          <a:p>
-            <a:pPr algn="ctr"/>
-            <a:r>
-              <a:rPr lang="zh-CN" altLang="en-US" sz="3600" b="1" dirty="0" smtClean="0"/>
-              <a:t>近</a:t>
-            </a:r>
-            <a:endParaRPr lang="en-US" altLang="zh-CN" b="1" dirty="0" smtClean="0"/>
-          </a:p>
-          <a:p>
-            <a:r>
-              <a:rPr lang="zh-CN" altLang="en-US" dirty="0" smtClean="0"/>
-              <a:t>目的：减距离</a:t>
-            </a:r>
-            <a:endParaRPr lang="en-US" altLang="zh-CN" dirty="0" smtClean="0"/>
-          </a:p>
-          <a:p>
-            <a:r>
-              <a:rPr lang="zh-CN" altLang="en-US" dirty="0" smtClean="0"/>
-              <a:t>实现：代理</a:t>
-            </a:r>
-            <a:r>
-              <a:rPr lang="en-US" altLang="zh-CN" dirty="0" smtClean="0"/>
-              <a:t>+CDN</a:t>
-            </a:r>
-            <a:endParaRPr lang="zh-CN" altLang="en-US" dirty="0"/>
-          </a:p>
-        </p:txBody>
-      </p:sp>
-      <p:sp>
-        <p:nvSpPr>
-          <p:cNvPr id="7" name="线形标注 1(带强调线) 6"/>
-          <p:cNvSpPr/>
-          <p:nvPr/>
-        </p:nvSpPr>
-        <p:spPr>
-          <a:xfrm rot="5400000">
-            <a:off x="1610526" y="4314137"/>
-            <a:ext cx="648072" cy="1715726"/>
-          </a:xfrm>
-          <a:prstGeom prst="accentCallout1">
-            <a:avLst>
-              <a:gd name="adj1" fmla="val 48813"/>
-              <a:gd name="adj2" fmla="val -8333"/>
-              <a:gd name="adj3" fmla="val 48212"/>
-              <a:gd name="adj4" fmla="val -114393"/>
-            </a:avLst>
-          </a:prstGeom>
-        </p:spPr>
-        <p:style>
-          <a:lnRef idx="2">
-            <a:schemeClr val="accent4">
-              <a:shade val="50000"/>
-            </a:schemeClr>
-          </a:lnRef>
-          <a:fillRef idx="1">
-            <a:schemeClr val="accent4"/>
-          </a:fillRef>
-          <a:effectRef idx="0">
-            <a:schemeClr val="accent4"/>
-          </a:effectRef>
-          <a:fontRef idx="minor">
-            <a:schemeClr val="lt1"/>
-          </a:fontRef>
-        </p:style>
-        <p:txBody>
-          <a:bodyPr rtlCol="0" anchor="ctr"/>
-          <a:lstStyle/>
-          <a:p>
-            <a:pPr algn="ctr"/>
-            <a:endParaRPr lang="zh-CN" altLang="en-US" dirty="0"/>
-          </a:p>
-        </p:txBody>
-      </p:sp>
-      <p:sp>
-        <p:nvSpPr>
-          <p:cNvPr id="9" name="TextBox 8"/>
-          <p:cNvSpPr txBox="1"/>
-          <p:nvPr/>
-        </p:nvSpPr>
-        <p:spPr>
-          <a:xfrm>
-            <a:off x="1534452" y="4941167"/>
-            <a:ext cx="800219" cy="461665"/>
+            <a:off x="432048" y="1700808"/>
+            <a:ext cx="8388424" cy="3416320"/>
           </a:xfrm>
           <a:prstGeom prst="rect">
             <a:avLst/>
@@ -11696,203 +13337,99 @@
           <a:noFill/>
         </p:spPr>
         <p:txBody>
-          <a:bodyPr wrap="none" rtlCol="0">
+          <a:bodyPr wrap="square" rtlCol="0">
             <a:spAutoFit/>
           </a:bodyPr>
           <a:lstStyle/>
           <a:p>
-            <a:r>
-              <a:rPr lang="zh-CN" altLang="en-US" sz="2400" dirty="0">
-                <a:solidFill>
-                  <a:schemeClr val="bg1"/>
-                </a:solidFill>
-              </a:rPr>
-              <a:t>成本</a:t>
-            </a:r>
-          </a:p>
-        </p:txBody>
-      </p:sp>
-      <p:sp>
-        <p:nvSpPr>
-          <p:cNvPr id="13" name="TextBox 12"/>
-          <p:cNvSpPr txBox="1"/>
-          <p:nvPr/>
-        </p:nvSpPr>
-        <p:spPr>
-          <a:xfrm>
-            <a:off x="7044660" y="4710335"/>
-            <a:ext cx="1415772" cy="461665"/>
-          </a:xfrm>
-          <a:prstGeom prst="rect">
-            <a:avLst/>
-          </a:prstGeom>
-          <a:noFill/>
-        </p:spPr>
-        <p:txBody>
-          <a:bodyPr wrap="none" rtlCol="0">
-            <a:spAutoFit/>
-          </a:bodyPr>
-          <a:lstStyle/>
-          <a:p>
-            <a:r>
-              <a:rPr lang="zh-CN" altLang="en-US" sz="2400" dirty="0" smtClean="0">
-                <a:solidFill>
-                  <a:schemeClr val="bg1"/>
-                </a:solidFill>
-              </a:rPr>
-              <a:t>缓存更新</a:t>
-            </a:r>
-            <a:endParaRPr lang="zh-CN" altLang="en-US" sz="2400" dirty="0">
-              <a:solidFill>
-                <a:schemeClr val="bg1"/>
-              </a:solidFill>
-            </a:endParaRPr>
-          </a:p>
-        </p:txBody>
-      </p:sp>
-      <p:sp>
-        <p:nvSpPr>
-          <p:cNvPr id="14" name="椭圆 13"/>
-          <p:cNvSpPr/>
-          <p:nvPr/>
-        </p:nvSpPr>
-        <p:spPr>
-          <a:xfrm>
-            <a:off x="4962526" y="1630896"/>
-            <a:ext cx="2790020" cy="2376264"/>
-          </a:xfrm>
-          <a:prstGeom prst="ellipse">
-            <a:avLst/>
-          </a:prstGeom>
-        </p:spPr>
-        <p:style>
-          <a:lnRef idx="3">
-            <a:schemeClr val="lt1"/>
-          </a:lnRef>
-          <a:fillRef idx="1">
-            <a:schemeClr val="accent1"/>
-          </a:fillRef>
-          <a:effectRef idx="1">
-            <a:schemeClr val="accent1"/>
-          </a:effectRef>
-          <a:fontRef idx="minor">
-            <a:schemeClr val="lt1"/>
-          </a:fontRef>
-        </p:style>
-        <p:txBody>
-          <a:bodyPr rtlCol="0" anchor="ctr"/>
-          <a:lstStyle/>
-          <a:p>
-            <a:pPr algn="ctr"/>
-            <a:r>
-              <a:rPr lang="zh-CN" altLang="en-US" sz="3600" b="1" dirty="0" smtClean="0"/>
-              <a:t>小</a:t>
-            </a:r>
-            <a:endParaRPr lang="en-US" altLang="zh-CN" b="1" dirty="0" smtClean="0"/>
-          </a:p>
-          <a:p>
-            <a:r>
-              <a:rPr lang="zh-CN" altLang="en-US" dirty="0" smtClean="0"/>
-              <a:t>目的：降体积</a:t>
-            </a:r>
-            <a:endParaRPr lang="en-US" altLang="zh-CN" dirty="0" smtClean="0"/>
-          </a:p>
-          <a:p>
-            <a:r>
-              <a:rPr lang="zh-CN" altLang="en-US" dirty="0" smtClean="0"/>
-              <a:t>实现：压缩</a:t>
-            </a:r>
-            <a:endParaRPr lang="zh-CN" altLang="en-US" dirty="0"/>
-          </a:p>
-        </p:txBody>
-      </p:sp>
-      <p:sp>
-        <p:nvSpPr>
-          <p:cNvPr id="11" name="线形标注 1(带强调线) 10"/>
-          <p:cNvSpPr/>
-          <p:nvPr/>
-        </p:nvSpPr>
-        <p:spPr>
-          <a:xfrm rot="5400000">
-            <a:off x="6033500" y="4220933"/>
-            <a:ext cx="648072" cy="1715726"/>
-          </a:xfrm>
-          <a:prstGeom prst="accentCallout1">
-            <a:avLst>
-              <a:gd name="adj1" fmla="val 48813"/>
-              <a:gd name="adj2" fmla="val -8333"/>
-              <a:gd name="adj3" fmla="val 48212"/>
-              <a:gd name="adj4" fmla="val -114393"/>
-            </a:avLst>
-          </a:prstGeom>
-        </p:spPr>
-        <p:style>
-          <a:lnRef idx="2">
-            <a:schemeClr val="accent4">
-              <a:shade val="50000"/>
-            </a:schemeClr>
-          </a:lnRef>
-          <a:fillRef idx="1">
-            <a:schemeClr val="accent4"/>
-          </a:fillRef>
-          <a:effectRef idx="0">
-            <a:schemeClr val="accent4"/>
-          </a:effectRef>
-          <a:fontRef idx="minor">
-            <a:schemeClr val="lt1"/>
-          </a:fontRef>
-        </p:style>
-        <p:txBody>
-          <a:bodyPr rtlCol="0" anchor="ctr"/>
-          <a:lstStyle/>
-          <a:p>
-            <a:pPr algn="ctr"/>
-            <a:endParaRPr lang="zh-CN" altLang="en-US" dirty="0"/>
-          </a:p>
-        </p:txBody>
-      </p:sp>
-      <p:sp>
-        <p:nvSpPr>
-          <p:cNvPr id="12" name="TextBox 11"/>
-          <p:cNvSpPr txBox="1"/>
-          <p:nvPr/>
-        </p:nvSpPr>
-        <p:spPr>
-          <a:xfrm>
-            <a:off x="6111314" y="4847964"/>
-            <a:ext cx="492443" cy="461665"/>
-          </a:xfrm>
-          <a:prstGeom prst="rect">
-            <a:avLst/>
-          </a:prstGeom>
-          <a:noFill/>
-        </p:spPr>
-        <p:txBody>
-          <a:bodyPr wrap="none" rtlCol="0">
-            <a:spAutoFit/>
-          </a:bodyPr>
-          <a:lstStyle/>
-          <a:p>
-            <a:r>
-              <a:rPr lang="zh-CN" altLang="en-US" sz="2400" dirty="0" smtClean="0">
-                <a:solidFill>
-                  <a:schemeClr val="bg1"/>
-                </a:solidFill>
-              </a:rPr>
-              <a:t>度</a:t>
-            </a:r>
-            <a:endParaRPr lang="zh-CN" altLang="en-US" sz="2400" dirty="0">
-              <a:solidFill>
-                <a:schemeClr val="bg1"/>
-              </a:solidFill>
-            </a:endParaRPr>
+            <a:pPr marL="342900" indent="-342900">
+              <a:buFont typeface="+mj-lt"/>
+              <a:buAutoNum type="arabicPeriod"/>
+            </a:pPr>
+            <a:r>
+              <a:rPr lang="zh-CN" altLang="en-US" sz="2400" dirty="0" smtClean="0"/>
+              <a:t>动静分离。 使用不同的服务端软件分别处理动静态内容。</a:t>
+            </a:r>
+            <a:endParaRPr lang="en-US" altLang="zh-CN" sz="2400" dirty="0" smtClean="0"/>
+          </a:p>
+          <a:p>
+            <a:pPr marL="342900" indent="-342900">
+              <a:lnSpc>
+                <a:spcPct val="200000"/>
+              </a:lnSpc>
+              <a:buFont typeface="+mj-lt"/>
+              <a:buAutoNum type="arabicPeriod"/>
+            </a:pPr>
+            <a:r>
+              <a:rPr lang="zh-CN" altLang="en-US" sz="2400" dirty="0" smtClean="0"/>
+              <a:t>服务端缓存。在服务端用户需要的内容缓存起来。</a:t>
+            </a:r>
+            <a:endParaRPr lang="en-US" altLang="zh-CN" sz="2400" dirty="0" smtClean="0"/>
+          </a:p>
+          <a:p>
+            <a:pPr marL="342900" indent="-342900">
+              <a:lnSpc>
+                <a:spcPct val="200000"/>
+              </a:lnSpc>
+              <a:buFont typeface="+mj-lt"/>
+              <a:buAutoNum type="arabicPeriod"/>
+            </a:pPr>
+            <a:r>
+              <a:rPr lang="en-US" altLang="zh-CN" sz="2400" dirty="0" smtClean="0"/>
+              <a:t>CDN </a:t>
+            </a:r>
+            <a:r>
+              <a:rPr lang="zh-CN" altLang="en-US" sz="2400" dirty="0" smtClean="0"/>
+              <a:t>部署。部署或配置</a:t>
+            </a:r>
+            <a:r>
+              <a:rPr lang="en-US" altLang="zh-CN" sz="2400" dirty="0" smtClean="0"/>
+              <a:t>CDN </a:t>
+            </a:r>
+            <a:r>
+              <a:rPr lang="zh-CN" altLang="en-US" sz="2400" dirty="0" smtClean="0"/>
+              <a:t>服务。</a:t>
+            </a:r>
+            <a:endParaRPr lang="en-US" altLang="zh-CN" sz="2400" dirty="0" smtClean="0"/>
+          </a:p>
+          <a:p>
+            <a:pPr marL="342900" indent="-342900">
+              <a:lnSpc>
+                <a:spcPct val="200000"/>
+              </a:lnSpc>
+              <a:buFont typeface="+mj-lt"/>
+              <a:buAutoNum type="arabicPeriod"/>
+            </a:pPr>
+            <a:r>
+              <a:rPr lang="zh-CN" altLang="en-US" sz="2400" dirty="0" smtClean="0"/>
+              <a:t>服务器参数优化。结合各种实际情况优化服务器参数。</a:t>
+            </a:r>
+            <a:endParaRPr lang="en-US" altLang="zh-CN" sz="2400" dirty="0" smtClean="0"/>
+          </a:p>
+          <a:p>
+            <a:pPr marL="342900" indent="-342900">
+              <a:lnSpc>
+                <a:spcPct val="200000"/>
+              </a:lnSpc>
+              <a:buFont typeface="+mj-lt"/>
+              <a:buAutoNum type="arabicPeriod"/>
+            </a:pPr>
+            <a:r>
+              <a:rPr lang="en-US" altLang="zh-CN" sz="2400" dirty="0"/>
+              <a:t> </a:t>
+            </a:r>
+            <a:r>
+              <a:rPr lang="en-US" altLang="zh-CN" sz="2400" dirty="0" smtClean="0"/>
+              <a:t>... ...</a:t>
+            </a:r>
+            <a:endParaRPr lang="zh-CN" altLang="en-US" sz="2400" dirty="0"/>
           </a:p>
         </p:txBody>
       </p:sp>
     </p:spTree>
     <p:extLst>
       <p:ext uri="{BB962C8B-B14F-4D97-AF65-F5344CB8AC3E}">
-        <p14:creationId xmlns:p14="http://schemas.microsoft.com/office/powerpoint/2010/main" val="1894262755"/>
+        <p14:creationId xmlns:p14="http://schemas.microsoft.com/office/powerpoint/2010/main" val="1318162383"/>
       </p:ext>
     </p:extLst>
   </p:cSld>
@@ -12092,7 +13629,7 @@
                 <a:latin typeface="方正大黑简体" pitchFamily="2" charset="-122"/>
                 <a:ea typeface="方正大黑简体" pitchFamily="2" charset="-122"/>
               </a:rPr>
-              <a:t>开发端优化</a:t>
+              <a:t>开发优化</a:t>
             </a:r>
             <a:endParaRPr lang="zh-CN" altLang="en-US" dirty="0">
               <a:solidFill>
@@ -12106,374 +13643,126 @@
       </p:sp>
       <p:sp>
         <p:nvSpPr>
-          <p:cNvPr id="2" name="TextBox 1"/>
-          <p:cNvSpPr txBox="1"/>
+          <p:cNvPr id="10" name="内容占位符 2"/>
+          <p:cNvSpPr txBox="1">
+            <a:spLocks/>
+          </p:cNvSpPr>
           <p:nvPr/>
         </p:nvSpPr>
-        <p:spPr>
+        <p:spPr bwMode="auto">
           <a:xfrm>
-            <a:off x="0" y="1043737"/>
-            <a:ext cx="9144000" cy="369332"/>
+            <a:off x="125796" y="1412776"/>
+            <a:ext cx="8910700" cy="648072"/>
           </a:xfrm>
           <a:prstGeom prst="rect">
             <a:avLst/>
           </a:prstGeom>
+          <a:noFill/>
+          <a:ln w="9525">
+            <a:noFill/>
+            <a:miter lim="800000"/>
+            <a:headEnd/>
+            <a:tailEnd/>
+          </a:ln>
+          <a:effectLst/>
         </p:spPr>
-        <p:style>
-          <a:lnRef idx="1">
-            <a:schemeClr val="accent5"/>
-          </a:lnRef>
-          <a:fillRef idx="2">
-            <a:schemeClr val="accent5"/>
-          </a:fillRef>
-          <a:effectRef idx="1">
-            <a:schemeClr val="accent5"/>
-          </a:effectRef>
-          <a:fontRef idx="minor">
-            <a:schemeClr val="dk1"/>
-          </a:fontRef>
-        </p:style>
-        <p:txBody>
-          <a:bodyPr wrap="square" rtlCol="0">
-            <a:spAutoFit/>
+        <p:txBody>
+          <a:bodyPr vert="horz" wrap="square" lIns="91440" tIns="45720" rIns="91440" bIns="45720" numCol="1" anchor="t" anchorCtr="0" compatLnSpc="1">
+            <a:prstTxWarp prst="textNoShape">
+              <a:avLst/>
+            </a:prstTxWarp>
           </a:bodyPr>
           <a:lstStyle/>
           <a:p>
-            <a:r>
-              <a:rPr lang="zh-CN" altLang="en-US" dirty="0"/>
-              <a:t>主要</a:t>
-            </a:r>
-            <a:r>
-              <a:rPr lang="zh-CN" altLang="en-US" dirty="0" smtClean="0"/>
-              <a:t>目的：优化资源体积，提高</a:t>
-            </a:r>
-            <a:r>
-              <a:rPr lang="zh-CN" altLang="en-US" dirty="0"/>
-              <a:t>运行</a:t>
-            </a:r>
-            <a:r>
-              <a:rPr lang="zh-CN" altLang="en-US" dirty="0" smtClean="0"/>
-              <a:t>效率，</a:t>
-            </a:r>
-            <a:r>
-              <a:rPr lang="zh-CN" altLang="en-US" dirty="0"/>
-              <a:t>降低维护难度</a:t>
-            </a:r>
-          </a:p>
-        </p:txBody>
-      </p:sp>
-      <p:sp>
-        <p:nvSpPr>
-          <p:cNvPr id="10" name="线形标注 1(带边框和强调线) 9"/>
+            <a:pPr marR="0" lvl="0" algn="l" defTabSz="914400" rtl="0" eaLnBrk="1" fontAlgn="base" latinLnBrk="0" hangingPunct="1">
+              <a:lnSpc>
+                <a:spcPct val="100000"/>
+              </a:lnSpc>
+              <a:spcBef>
+                <a:spcPct val="20000"/>
+              </a:spcBef>
+              <a:spcAft>
+                <a:spcPct val="0"/>
+              </a:spcAft>
+              <a:buClrTx/>
+              <a:buSzTx/>
+              <a:tabLst/>
+              <a:defRPr/>
+            </a:pPr>
+            <a:r>
+              <a:rPr kumimoji="1" lang="zh-CN" altLang="en-US" sz="2400" b="0" i="0" u="none" strike="noStrike" kern="0" cap="none" spc="0" normalizeH="0" baseline="0" noProof="0" dirty="0" smtClean="0">
+                <a:ln>
+                  <a:noFill/>
+                </a:ln>
+                <a:solidFill>
+                  <a:schemeClr val="tx1"/>
+                </a:solidFill>
+                <a:effectLst/>
+                <a:uLnTx/>
+                <a:uFillTx/>
+                <a:latin typeface="微软雅黑" pitchFamily="34" charset="-122"/>
+                <a:ea typeface="微软雅黑" pitchFamily="34" charset="-122"/>
+              </a:rPr>
+              <a:t>一场对抗用户请求的战争</a:t>
+            </a:r>
+            <a:r>
+              <a:rPr kumimoji="1" lang="en-US" altLang="zh-CN" sz="2400" kern="0" dirty="0" smtClean="0">
+                <a:latin typeface="微软雅黑" pitchFamily="34" charset="-122"/>
+                <a:ea typeface="微软雅黑" pitchFamily="34" charset="-122"/>
+              </a:rPr>
+              <a:t>, </a:t>
+            </a:r>
+            <a:r>
+              <a:rPr kumimoji="1" lang="zh-CN" altLang="en-US" sz="2400" kern="0" dirty="0" smtClean="0">
+                <a:latin typeface="微软雅黑" pitchFamily="34" charset="-122"/>
+                <a:ea typeface="微软雅黑" pitchFamily="34" charset="-122"/>
+              </a:rPr>
+              <a:t>我们的战术就是</a:t>
+            </a:r>
+            <a:r>
+              <a:rPr kumimoji="1" lang="zh-CN" altLang="en-US" sz="2400" b="0" i="0" u="none" strike="noStrike" kern="0" cap="none" spc="0" normalizeH="0" baseline="0" noProof="0" dirty="0" smtClean="0">
+                <a:ln>
+                  <a:noFill/>
+                </a:ln>
+                <a:solidFill>
+                  <a:schemeClr val="tx1"/>
+                </a:solidFill>
+                <a:effectLst/>
+                <a:uLnTx/>
+                <a:uFillTx/>
+                <a:latin typeface="微软雅黑" pitchFamily="34" charset="-122"/>
+                <a:ea typeface="微软雅黑" pitchFamily="34" charset="-122"/>
+              </a:rPr>
+              <a:t>做到“少”、近”、“小”</a:t>
+            </a:r>
+            <a:endParaRPr kumimoji="1" lang="zh-CN" altLang="en-US" sz="2400" b="0" i="0" u="none" strike="noStrike" kern="0" cap="none" spc="0" normalizeH="0" baseline="0" noProof="0" dirty="0">
+              <a:ln>
+                <a:noFill/>
+              </a:ln>
+              <a:solidFill>
+                <a:schemeClr val="tx1"/>
+              </a:solidFill>
+              <a:effectLst/>
+              <a:uLnTx/>
+              <a:uFillTx/>
+              <a:latin typeface="微软雅黑" pitchFamily="34" charset="-122"/>
+              <a:ea typeface="微软雅黑" pitchFamily="34" charset="-122"/>
+            </a:endParaRPr>
+          </a:p>
+        </p:txBody>
+      </p:sp>
+      <p:sp>
+        <p:nvSpPr>
+          <p:cNvPr id="2" name="椭圆 1"/>
           <p:cNvSpPr/>
           <p:nvPr/>
         </p:nvSpPr>
         <p:spPr>
           <a:xfrm>
-            <a:off x="2421284" y="1594892"/>
-            <a:ext cx="4815011" cy="288032"/>
+            <a:off x="2699792" y="2564904"/>
+            <a:ext cx="2790020" cy="2376264"/>
           </a:xfrm>
-          <a:prstGeom prst="accentBorderCallout1">
-            <a:avLst>
-              <a:gd name="adj1" fmla="val 51819"/>
-              <a:gd name="adj2" fmla="val -2664"/>
-              <a:gd name="adj3" fmla="val 56283"/>
-              <a:gd name="adj4" fmla="val -13174"/>
-            </a:avLst>
-          </a:prstGeom>
-        </p:spPr>
-        <p:style>
-          <a:lnRef idx="1">
-            <a:schemeClr val="accent5"/>
-          </a:lnRef>
-          <a:fillRef idx="2">
-            <a:schemeClr val="accent5"/>
-          </a:fillRef>
-          <a:effectRef idx="1">
-            <a:schemeClr val="accent5"/>
-          </a:effectRef>
-          <a:fontRef idx="minor">
-            <a:schemeClr val="dk1"/>
-          </a:fontRef>
-        </p:style>
-        <p:txBody>
-          <a:bodyPr rtlCol="0" anchor="ctr"/>
-          <a:lstStyle/>
-          <a:p>
-            <a:r>
-              <a:rPr lang="zh-CN" altLang="en-US" sz="1400" dirty="0"/>
-              <a:t>合写</a:t>
-            </a:r>
-            <a:r>
-              <a:rPr lang="en-US" altLang="zh-CN" sz="1400" dirty="0" smtClean="0"/>
-              <a:t>CSS:   </a:t>
-            </a:r>
-            <a:r>
-              <a:rPr lang="zh-CN" altLang="en-US" sz="1400" dirty="0" smtClean="0"/>
-              <a:t>如</a:t>
-            </a:r>
-            <a:r>
-              <a:rPr lang="en-US" altLang="zh-CN" sz="1400" dirty="0" smtClean="0"/>
-              <a:t>background</a:t>
-            </a:r>
-            <a:r>
-              <a:rPr lang="zh-CN" altLang="en-US" sz="1400" dirty="0" smtClean="0"/>
-              <a:t>，</a:t>
-            </a:r>
-            <a:r>
-              <a:rPr lang="en-US" altLang="zh-CN" sz="1400" dirty="0" smtClean="0"/>
-              <a:t>font</a:t>
-            </a:r>
-            <a:r>
-              <a:rPr lang="zh-CN" altLang="en-US" sz="1400" dirty="0" smtClean="0"/>
-              <a:t>，</a:t>
-            </a:r>
-            <a:r>
-              <a:rPr lang="en-US" altLang="zh-CN" sz="1400" dirty="0" smtClean="0"/>
-              <a:t>margin/padding</a:t>
-            </a:r>
-            <a:r>
-              <a:rPr lang="zh-CN" altLang="en-US" sz="1400" dirty="0" smtClean="0"/>
-              <a:t>，</a:t>
-            </a:r>
-            <a:r>
-              <a:rPr lang="en-US" altLang="zh-CN" sz="1400" dirty="0"/>
-              <a:t>border</a:t>
-            </a:r>
-          </a:p>
-        </p:txBody>
-      </p:sp>
-      <p:sp>
-        <p:nvSpPr>
-          <p:cNvPr id="11" name="左大括号 10"/>
-          <p:cNvSpPr/>
-          <p:nvPr/>
-        </p:nvSpPr>
-        <p:spPr>
-          <a:xfrm>
-            <a:off x="1619672" y="1756073"/>
-            <a:ext cx="216024" cy="1600919"/>
-          </a:xfrm>
-          <a:prstGeom prst="leftBrace">
-            <a:avLst/>
-          </a:prstGeom>
-        </p:spPr>
-        <p:style>
-          <a:lnRef idx="1">
-            <a:schemeClr val="accent1"/>
-          </a:lnRef>
-          <a:fillRef idx="0">
-            <a:schemeClr val="accent1"/>
-          </a:fillRef>
-          <a:effectRef idx="0">
-            <a:schemeClr val="accent1"/>
-          </a:effectRef>
-          <a:fontRef idx="minor">
-            <a:schemeClr val="tx1"/>
-          </a:fontRef>
-        </p:style>
-        <p:txBody>
-          <a:bodyPr rtlCol="0" anchor="ctr"/>
-          <a:lstStyle/>
-          <a:p>
-            <a:pPr algn="ctr"/>
-            <a:endParaRPr lang="zh-CN" altLang="en-US"/>
-          </a:p>
-        </p:txBody>
-      </p:sp>
-      <p:sp>
-        <p:nvSpPr>
-          <p:cNvPr id="12" name="线形标注 1(带边框和强调线) 11"/>
-          <p:cNvSpPr/>
-          <p:nvPr/>
-        </p:nvSpPr>
-        <p:spPr>
-          <a:xfrm>
-            <a:off x="2411759" y="2119152"/>
-            <a:ext cx="4824535" cy="288032"/>
-          </a:xfrm>
-          <a:prstGeom prst="accentBorderCallout1">
-            <a:avLst>
-              <a:gd name="adj1" fmla="val 41898"/>
-              <a:gd name="adj2" fmla="val -2608"/>
-              <a:gd name="adj3" fmla="val 46362"/>
-              <a:gd name="adj4" fmla="val -14177"/>
-            </a:avLst>
-          </a:prstGeom>
-        </p:spPr>
-        <p:style>
-          <a:lnRef idx="1">
-            <a:schemeClr val="accent5"/>
-          </a:lnRef>
-          <a:fillRef idx="2">
-            <a:schemeClr val="accent5"/>
-          </a:fillRef>
-          <a:effectRef idx="1">
-            <a:schemeClr val="accent5"/>
-          </a:effectRef>
-          <a:fontRef idx="minor">
-            <a:schemeClr val="dk1"/>
-          </a:fontRef>
-        </p:style>
-        <p:txBody>
-          <a:bodyPr rtlCol="0" anchor="ctr"/>
-          <a:lstStyle/>
-          <a:p>
-            <a:r>
-              <a:rPr lang="zh-CN" altLang="en-US" sz="1400" dirty="0"/>
-              <a:t>利用</a:t>
-            </a:r>
-            <a:r>
-              <a:rPr lang="zh-CN" altLang="en-US" sz="1400" dirty="0" smtClean="0"/>
-              <a:t>继承</a:t>
-            </a:r>
-            <a:r>
-              <a:rPr lang="en-US" altLang="zh-CN" sz="1400" dirty="0" smtClean="0"/>
-              <a:t>:  </a:t>
-            </a:r>
-            <a:r>
-              <a:rPr lang="zh-CN" altLang="en-US" sz="1400" dirty="0" smtClean="0"/>
-              <a:t>把可共用的样式设置在父级元素上</a:t>
-            </a:r>
-            <a:endParaRPr lang="zh-CN" altLang="en-US" sz="1400" dirty="0"/>
-          </a:p>
-        </p:txBody>
-      </p:sp>
-      <p:sp>
-        <p:nvSpPr>
-          <p:cNvPr id="13" name="线形标注 1(带边框和强调线) 12"/>
-          <p:cNvSpPr/>
-          <p:nvPr/>
-        </p:nvSpPr>
-        <p:spPr>
-          <a:xfrm>
-            <a:off x="2392734" y="2677716"/>
-            <a:ext cx="4843559" cy="288032"/>
-          </a:xfrm>
-          <a:prstGeom prst="accentBorderCallout1">
-            <a:avLst>
-              <a:gd name="adj1" fmla="val 45205"/>
-              <a:gd name="adj2" fmla="val -2040"/>
-              <a:gd name="adj3" fmla="val 46362"/>
-              <a:gd name="adj4" fmla="val -13375"/>
-            </a:avLst>
-          </a:prstGeom>
-        </p:spPr>
-        <p:style>
-          <a:lnRef idx="1">
-            <a:schemeClr val="accent4"/>
-          </a:lnRef>
-          <a:fillRef idx="2">
-            <a:schemeClr val="accent4"/>
-          </a:fillRef>
-          <a:effectRef idx="1">
-            <a:schemeClr val="accent4"/>
-          </a:effectRef>
-          <a:fontRef idx="minor">
-            <a:schemeClr val="dk1"/>
-          </a:fontRef>
-        </p:style>
-        <p:txBody>
-          <a:bodyPr rtlCol="0" anchor="ctr"/>
-          <a:lstStyle/>
-          <a:p>
-            <a:r>
-              <a:rPr lang="zh-CN" altLang="en-US" sz="1400" dirty="0"/>
-              <a:t>移除多余的结构</a:t>
-            </a:r>
-            <a:r>
-              <a:rPr lang="en-US" altLang="zh-CN" sz="1400" dirty="0"/>
-              <a:t>(frameworks)</a:t>
-            </a:r>
-            <a:r>
-              <a:rPr lang="zh-CN" altLang="en-US" sz="1400" dirty="0"/>
-              <a:t>和重</a:t>
-            </a:r>
-            <a:r>
-              <a:rPr lang="zh-CN" altLang="en-US" sz="1400" dirty="0" smtClean="0"/>
-              <a:t>设</a:t>
-            </a:r>
-            <a:r>
-              <a:rPr lang="en-US" altLang="zh-CN" sz="1400" dirty="0" smtClean="0"/>
-              <a:t>(reset)</a:t>
-            </a:r>
-            <a:endParaRPr lang="zh-CN" altLang="en-US" sz="1400" dirty="0"/>
-          </a:p>
-        </p:txBody>
-      </p:sp>
-      <p:sp>
-        <p:nvSpPr>
-          <p:cNvPr id="14" name="线形标注 1(带边框和强调线) 13"/>
-          <p:cNvSpPr/>
-          <p:nvPr/>
-        </p:nvSpPr>
-        <p:spPr>
-          <a:xfrm>
-            <a:off x="2392735" y="3222501"/>
-            <a:ext cx="4843560" cy="288032"/>
-          </a:xfrm>
-          <a:prstGeom prst="accentBorderCallout1">
-            <a:avLst>
-              <a:gd name="adj1" fmla="val 41898"/>
-              <a:gd name="adj2" fmla="val -2237"/>
-              <a:gd name="adj3" fmla="val 46362"/>
-              <a:gd name="adj4" fmla="val -12854"/>
-            </a:avLst>
-          </a:prstGeom>
-        </p:spPr>
-        <p:style>
-          <a:lnRef idx="1">
-            <a:schemeClr val="accent6"/>
-          </a:lnRef>
-          <a:fillRef idx="2">
-            <a:schemeClr val="accent6"/>
-          </a:fillRef>
-          <a:effectRef idx="1">
-            <a:schemeClr val="accent6"/>
-          </a:effectRef>
-          <a:fontRef idx="minor">
-            <a:schemeClr val="dk1"/>
-          </a:fontRef>
-        </p:style>
-        <p:txBody>
-          <a:bodyPr rtlCol="0" anchor="ctr"/>
-          <a:lstStyle/>
-          <a:p>
-            <a:r>
-              <a:rPr lang="zh-CN" altLang="en-US" sz="1400" dirty="0" smtClean="0"/>
-              <a:t>代码性能优化</a:t>
-            </a:r>
-            <a:r>
-              <a:rPr lang="en-US" altLang="zh-CN" sz="1400" dirty="0" smtClean="0"/>
-              <a:t>:  </a:t>
-            </a:r>
-            <a:r>
-              <a:rPr lang="zh-CN" altLang="en-US" sz="1400" dirty="0"/>
-              <a:t>如合理使用选择器、避免适用</a:t>
-            </a:r>
-            <a:r>
-              <a:rPr lang="zh-CN" altLang="en-US" sz="1400" dirty="0" smtClean="0"/>
-              <a:t>通配符</a:t>
-            </a:r>
-            <a:r>
-              <a:rPr lang="zh-CN" altLang="en-US" sz="1400" dirty="0"/>
-              <a:t>等等</a:t>
-            </a:r>
-          </a:p>
-        </p:txBody>
-      </p:sp>
-      <p:sp>
-        <p:nvSpPr>
-          <p:cNvPr id="15" name="流程图: 可选过程 14"/>
-          <p:cNvSpPr/>
-          <p:nvPr/>
-        </p:nvSpPr>
-        <p:spPr>
-          <a:xfrm>
-            <a:off x="406946" y="2310808"/>
-            <a:ext cx="1212726" cy="510924"/>
-          </a:xfrm>
-          <a:prstGeom prst="flowChartAlternateProcess">
+          <a:prstGeom prst="ellipse">
             <a:avLst/>
           </a:prstGeom>
         </p:spPr>
@@ -12482,10 +13771,10 @@
             <a:schemeClr val="lt1"/>
           </a:lnRef>
           <a:fillRef idx="1">
-            <a:schemeClr val="accent3"/>
+            <a:schemeClr val="accent1"/>
           </a:fillRef>
           <a:effectRef idx="1">
-            <a:schemeClr val="accent3"/>
+            <a:schemeClr val="accent1"/>
           </a:effectRef>
           <a:fontRef idx="minor">
             <a:schemeClr val="lt1"/>
@@ -12497,8 +13786,30 @@
           <a:p>
             <a:pPr algn="ctr"/>
             <a:r>
+              <a:rPr lang="zh-CN" altLang="en-US" sz="3600" b="1" dirty="0" smtClean="0"/>
+              <a:t>少</a:t>
+            </a:r>
+            <a:endParaRPr lang="en-US" altLang="zh-CN" b="1" dirty="0" smtClean="0"/>
+          </a:p>
+          <a:p>
+            <a:r>
+              <a:rPr lang="zh-CN" altLang="en-US" dirty="0" smtClean="0"/>
+              <a:t>目的：少请求</a:t>
+            </a:r>
+            <a:endParaRPr lang="en-US" altLang="zh-CN" dirty="0" smtClean="0"/>
+          </a:p>
+          <a:p>
+            <a:r>
+              <a:rPr lang="zh-CN" altLang="en-US" dirty="0" smtClean="0"/>
+              <a:t>实现：合并</a:t>
+            </a:r>
+            <a:r>
               <a:rPr lang="en-US" altLang="zh-CN" dirty="0" smtClean="0"/>
-              <a:t>CSS</a:t>
+              <a:t>+</a:t>
+            </a:r>
+            <a:r>
+              <a:rPr lang="zh-CN" altLang="en-US" dirty="0" smtClean="0"/>
+              <a:t>缓存</a:t>
             </a:r>
             <a:endParaRPr lang="zh-CN" altLang="en-US" dirty="0"/>
           </a:p>
@@ -12506,125 +13817,35 @@
       </p:sp>
       <p:sp>
         <p:nvSpPr>
-          <p:cNvPr id="16" name="线形标注 1(带边框和强调线) 15"/>
+          <p:cNvPr id="8" name="线形标注 2(带强调线) 7"/>
           <p:cNvSpPr/>
           <p:nvPr/>
         </p:nvSpPr>
         <p:spPr>
           <a:xfrm>
-            <a:off x="2421284" y="3683124"/>
-            <a:ext cx="4815011" cy="288032"/>
+            <a:off x="432047" y="3753036"/>
+            <a:ext cx="1715727" cy="1116124"/>
           </a:xfrm>
-          <a:prstGeom prst="accentBorderCallout1">
+          <a:prstGeom prst="accentCallout2">
             <a:avLst>
-              <a:gd name="adj1" fmla="val 51819"/>
-              <a:gd name="adj2" fmla="val -2664"/>
-              <a:gd name="adj3" fmla="val 56283"/>
-              <a:gd name="adj4" fmla="val -13174"/>
+              <a:gd name="adj1" fmla="val 80195"/>
+              <a:gd name="adj2" fmla="val 113551"/>
+              <a:gd name="adj3" fmla="val 78489"/>
+              <a:gd name="adj4" fmla="val 148206"/>
+              <a:gd name="adj5" fmla="val 51955"/>
+              <a:gd name="adj6" fmla="val 194265"/>
             </a:avLst>
-          </a:prstGeom>
-        </p:spPr>
-        <p:style>
-          <a:lnRef idx="1">
-            <a:schemeClr val="accent5"/>
-          </a:lnRef>
-          <a:fillRef idx="2">
-            <a:schemeClr val="accent5"/>
-          </a:fillRef>
-          <a:effectRef idx="1">
-            <a:schemeClr val="accent5"/>
-          </a:effectRef>
-          <a:fontRef idx="minor">
-            <a:schemeClr val="dk1"/>
-          </a:fontRef>
-        </p:style>
-        <p:txBody>
-          <a:bodyPr rtlCol="0" anchor="ctr"/>
-          <a:lstStyle/>
-          <a:p>
-            <a:r>
-              <a:rPr lang="zh-CN" altLang="en-US" sz="1400" dirty="0"/>
-              <a:t>使用</a:t>
-            </a:r>
-            <a:r>
-              <a:rPr lang="en-US" altLang="zh-CN" sz="1400" dirty="0" smtClean="0"/>
-              <a:t>CSS sprites</a:t>
-            </a:r>
-            <a:r>
-              <a:rPr lang="zh-CN" altLang="en-US" sz="1400" dirty="0" smtClean="0"/>
-              <a:t>，合并图片，减少请求量</a:t>
-            </a:r>
-            <a:endParaRPr lang="en-US" altLang="zh-CN" sz="1400" dirty="0"/>
-          </a:p>
-        </p:txBody>
-      </p:sp>
-      <p:sp>
-        <p:nvSpPr>
-          <p:cNvPr id="17" name="左大括号 16"/>
-          <p:cNvSpPr/>
-          <p:nvPr/>
-        </p:nvSpPr>
-        <p:spPr>
-          <a:xfrm>
-            <a:off x="1619672" y="3844308"/>
-            <a:ext cx="216024" cy="1143716"/>
-          </a:xfrm>
-          <a:prstGeom prst="leftBrace">
-            <a:avLst/>
           </a:prstGeom>
         </p:spPr>
         <p:style>
           <a:lnRef idx="1">
             <a:schemeClr val="accent1"/>
           </a:lnRef>
-          <a:fillRef idx="0">
+          <a:fillRef idx="2">
             <a:schemeClr val="accent1"/>
           </a:fillRef>
-          <a:effectRef idx="0">
+          <a:effectRef idx="1">
             <a:schemeClr val="accent1"/>
-          </a:effectRef>
-          <a:fontRef idx="minor">
-            <a:schemeClr val="tx1"/>
-          </a:fontRef>
-        </p:style>
-        <p:txBody>
-          <a:bodyPr rtlCol="0" anchor="ctr"/>
-          <a:lstStyle/>
-          <a:p>
-            <a:pPr algn="ctr"/>
-            <a:endParaRPr lang="zh-CN" altLang="en-US"/>
-          </a:p>
-        </p:txBody>
-      </p:sp>
-      <p:sp>
-        <p:nvSpPr>
-          <p:cNvPr id="18" name="线形标注 1(带边框和强调线) 17"/>
-          <p:cNvSpPr/>
-          <p:nvPr/>
-        </p:nvSpPr>
-        <p:spPr>
-          <a:xfrm>
-            <a:off x="2411761" y="4274059"/>
-            <a:ext cx="4824535" cy="288032"/>
-          </a:xfrm>
-          <a:prstGeom prst="accentBorderCallout1">
-            <a:avLst>
-              <a:gd name="adj1" fmla="val 41898"/>
-              <a:gd name="adj2" fmla="val -2608"/>
-              <a:gd name="adj3" fmla="val 46362"/>
-              <a:gd name="adj4" fmla="val -14177"/>
-            </a:avLst>
-          </a:prstGeom>
-        </p:spPr>
-        <p:style>
-          <a:lnRef idx="1">
-            <a:schemeClr val="accent4"/>
-          </a:lnRef>
-          <a:fillRef idx="2">
-            <a:schemeClr val="accent4"/>
-          </a:fillRef>
-          <a:effectRef idx="1">
-            <a:schemeClr val="accent4"/>
           </a:effectRef>
           <a:fontRef idx="minor">
             <a:schemeClr val="dk1"/>
@@ -12634,231 +13855,111 @@
           <a:bodyPr rtlCol="0" anchor="ctr"/>
           <a:lstStyle/>
           <a:p>
-            <a:r>
-              <a:rPr lang="zh-CN" altLang="en-US" sz="1400" dirty="0" smtClean="0"/>
-              <a:t>使用</a:t>
-            </a:r>
-            <a:r>
-              <a:rPr lang="en-US" altLang="zh-CN" sz="1400" dirty="0" smtClean="0"/>
+            <a:pPr marL="285750" indent="-285750">
+              <a:buFont typeface="Arial" pitchFamily="34" charset="0"/>
+              <a:buChar char="•"/>
+            </a:pPr>
+            <a:r>
+              <a:rPr lang="en-US" altLang="zh-CN" dirty="0" smtClean="0">
+                <a:solidFill>
+                  <a:srgbClr val="00B050"/>
+                </a:solidFill>
+              </a:rPr>
+              <a:t>JS </a:t>
+            </a:r>
+            <a:r>
+              <a:rPr lang="zh-CN" altLang="en-US" dirty="0" smtClean="0">
+                <a:solidFill>
+                  <a:srgbClr val="00B050"/>
+                </a:solidFill>
+              </a:rPr>
+              <a:t>合并</a:t>
+            </a:r>
+            <a:endParaRPr lang="en-US" altLang="zh-CN" dirty="0" smtClean="0">
+              <a:solidFill>
+                <a:srgbClr val="00B050"/>
+              </a:solidFill>
+            </a:endParaRPr>
+          </a:p>
+          <a:p>
+            <a:pPr marL="285750" indent="-285750">
+              <a:buFont typeface="Arial" pitchFamily="34" charset="0"/>
+              <a:buChar char="•"/>
+            </a:pPr>
+            <a:r>
+              <a:rPr lang="en-US" altLang="zh-CN" dirty="0" smtClean="0">
+                <a:solidFill>
+                  <a:srgbClr val="00B050"/>
+                </a:solidFill>
+              </a:rPr>
               <a:t>CSS </a:t>
             </a:r>
             <a:r>
-              <a:rPr lang="zh-CN" altLang="en-US" sz="1400" dirty="0" smtClean="0"/>
-              <a:t>平铺，降低图片尺寸</a:t>
-            </a:r>
-            <a:endParaRPr lang="zh-CN" altLang="en-US" sz="1400" dirty="0"/>
-          </a:p>
-        </p:txBody>
-      </p:sp>
-      <p:sp>
-        <p:nvSpPr>
-          <p:cNvPr id="20" name="线形标注 1(带边框和强调线) 19"/>
+              <a:rPr lang="zh-CN" altLang="en-US" dirty="0" smtClean="0">
+                <a:solidFill>
+                  <a:srgbClr val="00B050"/>
+                </a:solidFill>
+              </a:rPr>
+              <a:t>合并</a:t>
+            </a:r>
+            <a:endParaRPr lang="en-US" altLang="zh-CN" dirty="0" smtClean="0">
+              <a:solidFill>
+                <a:srgbClr val="00B050"/>
+              </a:solidFill>
+            </a:endParaRPr>
+          </a:p>
+          <a:p>
+            <a:pPr marL="285750" indent="-285750">
+              <a:buFont typeface="Arial" pitchFamily="34" charset="0"/>
+              <a:buChar char="•"/>
+            </a:pPr>
+            <a:r>
+              <a:rPr lang="zh-CN" altLang="en-US" dirty="0" smtClean="0">
+                <a:solidFill>
+                  <a:srgbClr val="00B050"/>
+                </a:solidFill>
+              </a:rPr>
+              <a:t>图片合并</a:t>
+            </a:r>
+            <a:endParaRPr lang="zh-CN" altLang="en-US" dirty="0">
+              <a:solidFill>
+                <a:srgbClr val="00B050"/>
+              </a:solidFill>
+            </a:endParaRPr>
+          </a:p>
+        </p:txBody>
+      </p:sp>
+      <p:sp>
+        <p:nvSpPr>
+          <p:cNvPr id="11" name="线形标注 2(带强调线) 10"/>
           <p:cNvSpPr/>
           <p:nvPr/>
         </p:nvSpPr>
         <p:spPr>
           <a:xfrm>
-            <a:off x="2392735" y="4844008"/>
-            <a:ext cx="4843560" cy="288032"/>
+            <a:off x="6732240" y="2996952"/>
+            <a:ext cx="2016224" cy="966006"/>
           </a:xfrm>
-          <a:prstGeom prst="accentBorderCallout1">
+          <a:prstGeom prst="accentCallout2">
             <a:avLst>
-              <a:gd name="adj1" fmla="val 41898"/>
-              <a:gd name="adj2" fmla="val -2237"/>
-              <a:gd name="adj3" fmla="val 46362"/>
-              <a:gd name="adj4" fmla="val -12854"/>
+              <a:gd name="adj1" fmla="val 44352"/>
+              <a:gd name="adj2" fmla="val -15419"/>
+              <a:gd name="adj3" fmla="val 44353"/>
+              <a:gd name="adj4" fmla="val -67216"/>
+              <a:gd name="adj5" fmla="val 104012"/>
+              <a:gd name="adj6" fmla="val -93437"/>
             </a:avLst>
-          </a:prstGeom>
-        </p:spPr>
-        <p:style>
-          <a:lnRef idx="1">
-            <a:schemeClr val="accent6"/>
-          </a:lnRef>
-          <a:fillRef idx="2">
-            <a:schemeClr val="accent6"/>
-          </a:fillRef>
-          <a:effectRef idx="1">
-            <a:schemeClr val="accent6"/>
-          </a:effectRef>
-          <a:fontRef idx="minor">
-            <a:schemeClr val="dk1"/>
-          </a:fontRef>
-        </p:style>
-        <p:txBody>
-          <a:bodyPr rtlCol="0" anchor="ctr"/>
-          <a:lstStyle/>
-          <a:p>
-            <a:r>
-              <a:rPr lang="zh-CN" altLang="en-US" sz="1400" dirty="0" smtClean="0"/>
-              <a:t>合理选择图片格式和清晰度，降低图片大小</a:t>
-            </a:r>
-            <a:endParaRPr lang="zh-CN" altLang="en-US" sz="1400" dirty="0"/>
-          </a:p>
-        </p:txBody>
-      </p:sp>
-      <p:sp>
-        <p:nvSpPr>
-          <p:cNvPr id="21" name="流程图: 可选过程 20"/>
-          <p:cNvSpPr/>
-          <p:nvPr/>
-        </p:nvSpPr>
-        <p:spPr>
-          <a:xfrm>
-            <a:off x="406946" y="4132340"/>
-            <a:ext cx="1212726" cy="510924"/>
-          </a:xfrm>
-          <a:prstGeom prst="flowChartAlternateProcess">
-            <a:avLst/>
-          </a:prstGeom>
-        </p:spPr>
-        <p:style>
-          <a:lnRef idx="3">
-            <a:schemeClr val="lt1"/>
-          </a:lnRef>
-          <a:fillRef idx="1">
-            <a:schemeClr val="accent3"/>
-          </a:fillRef>
-          <a:effectRef idx="1">
-            <a:schemeClr val="accent3"/>
-          </a:effectRef>
-          <a:fontRef idx="minor">
-            <a:schemeClr val="lt1"/>
-          </a:fontRef>
-        </p:style>
-        <p:txBody>
-          <a:bodyPr rtlCol="0" anchor="ctr"/>
-          <a:lstStyle/>
-          <a:p>
-            <a:pPr algn="ctr"/>
-            <a:r>
-              <a:rPr lang="en-US" altLang="zh-CN" dirty="0" smtClean="0"/>
-              <a:t>Image</a:t>
-            </a:r>
-            <a:endParaRPr lang="zh-CN" altLang="en-US" dirty="0"/>
-          </a:p>
-        </p:txBody>
-      </p:sp>
-      <p:sp>
-        <p:nvSpPr>
-          <p:cNvPr id="22" name="线形标注 1(带边框和强调线) 21"/>
-          <p:cNvSpPr/>
-          <p:nvPr/>
-        </p:nvSpPr>
-        <p:spPr>
-          <a:xfrm>
-            <a:off x="2421284" y="5301208"/>
-            <a:ext cx="4815011" cy="288032"/>
-          </a:xfrm>
-          <a:prstGeom prst="accentBorderCallout1">
-            <a:avLst>
-              <a:gd name="adj1" fmla="val 51819"/>
-              <a:gd name="adj2" fmla="val -2664"/>
-              <a:gd name="adj3" fmla="val 56283"/>
-              <a:gd name="adj4" fmla="val -13174"/>
-            </a:avLst>
-          </a:prstGeom>
-        </p:spPr>
-        <p:style>
-          <a:lnRef idx="1">
-            <a:schemeClr val="accent5"/>
-          </a:lnRef>
-          <a:fillRef idx="2">
-            <a:schemeClr val="accent5"/>
-          </a:fillRef>
-          <a:effectRef idx="1">
-            <a:schemeClr val="accent5"/>
-          </a:effectRef>
-          <a:fontRef idx="minor">
-            <a:schemeClr val="dk1"/>
-          </a:fontRef>
-        </p:style>
-        <p:txBody>
-          <a:bodyPr rtlCol="0" anchor="ctr"/>
-          <a:lstStyle/>
-          <a:p>
-            <a:r>
-              <a:rPr lang="zh-CN" altLang="en-US" sz="1400" dirty="0" smtClean="0"/>
-              <a:t>语言层面优化：变量作用域</a:t>
-            </a:r>
-            <a:r>
-              <a:rPr lang="zh-CN" altLang="en-US" sz="1400" dirty="0"/>
-              <a:t>，函数作用域链，</a:t>
-            </a:r>
-            <a:r>
-              <a:rPr lang="zh-CN" altLang="en-US" sz="1400" dirty="0" smtClean="0"/>
-              <a:t>闭包等等</a:t>
-            </a:r>
-            <a:endParaRPr lang="en-US" altLang="zh-CN" sz="1400" dirty="0"/>
-          </a:p>
-        </p:txBody>
-      </p:sp>
-      <p:sp>
-        <p:nvSpPr>
-          <p:cNvPr id="23" name="左大括号 22"/>
-          <p:cNvSpPr/>
-          <p:nvPr/>
-        </p:nvSpPr>
-        <p:spPr>
-          <a:xfrm>
-            <a:off x="1619672" y="5462392"/>
-            <a:ext cx="216024" cy="1143716"/>
-          </a:xfrm>
-          <a:prstGeom prst="leftBrace">
-            <a:avLst/>
           </a:prstGeom>
         </p:spPr>
         <p:style>
           <a:lnRef idx="1">
             <a:schemeClr val="accent1"/>
           </a:lnRef>
-          <a:fillRef idx="0">
+          <a:fillRef idx="2">
             <a:schemeClr val="accent1"/>
           </a:fillRef>
-          <a:effectRef idx="0">
+          <a:effectRef idx="1">
             <a:schemeClr val="accent1"/>
-          </a:effectRef>
-          <a:fontRef idx="minor">
-            <a:schemeClr val="tx1"/>
-          </a:fontRef>
-        </p:style>
-        <p:txBody>
-          <a:bodyPr rtlCol="0" anchor="ctr"/>
-          <a:lstStyle/>
-          <a:p>
-            <a:pPr algn="ctr"/>
-            <a:endParaRPr lang="zh-CN" altLang="en-US"/>
-          </a:p>
-        </p:txBody>
-      </p:sp>
-      <p:sp>
-        <p:nvSpPr>
-          <p:cNvPr id="24" name="线形标注 1(带边框和强调线) 23"/>
-          <p:cNvSpPr/>
-          <p:nvPr/>
-        </p:nvSpPr>
-        <p:spPr>
-          <a:xfrm>
-            <a:off x="2411761" y="5892143"/>
-            <a:ext cx="4824535" cy="288032"/>
-          </a:xfrm>
-          <a:prstGeom prst="accentBorderCallout1">
-            <a:avLst>
-              <a:gd name="adj1" fmla="val 41898"/>
-              <a:gd name="adj2" fmla="val -2608"/>
-              <a:gd name="adj3" fmla="val 46362"/>
-              <a:gd name="adj4" fmla="val -14177"/>
-            </a:avLst>
-          </a:prstGeom>
-        </p:spPr>
-        <p:style>
-          <a:lnRef idx="1">
-            <a:schemeClr val="accent4"/>
-          </a:lnRef>
-          <a:fillRef idx="2">
-            <a:schemeClr val="accent4"/>
-          </a:fillRef>
-          <a:effectRef idx="1">
-            <a:schemeClr val="accent4"/>
           </a:effectRef>
           <a:fontRef idx="minor">
             <a:schemeClr val="dk1"/>
@@ -12868,84 +13969,106 @@
           <a:bodyPr rtlCol="0" anchor="ctr"/>
           <a:lstStyle/>
           <a:p>
-            <a:r>
-              <a:rPr lang="zh-CN" altLang="en-US" sz="1400" smtClean="0"/>
-              <a:t>结构优化：模块化，</a:t>
-            </a:r>
-            <a:endParaRPr lang="zh-CN" altLang="en-US" sz="1400" dirty="0"/>
-          </a:p>
-        </p:txBody>
-      </p:sp>
-      <p:sp>
-        <p:nvSpPr>
-          <p:cNvPr id="25" name="线形标注 1(带边框和强调线) 24"/>
+            <a:pPr marL="285750" indent="-285750">
+              <a:buFont typeface="Arial" pitchFamily="34" charset="0"/>
+              <a:buChar char="•"/>
+            </a:pPr>
+            <a:endParaRPr lang="en-US" altLang="zh-CN" dirty="0" smtClean="0">
+              <a:solidFill>
+                <a:srgbClr val="00B050"/>
+              </a:solidFill>
+            </a:endParaRPr>
+          </a:p>
+          <a:p>
+            <a:pPr marL="285750" indent="-285750">
+              <a:buFont typeface="Arial" pitchFamily="34" charset="0"/>
+              <a:buChar char="•"/>
+            </a:pPr>
+            <a:r>
+              <a:rPr lang="zh-CN" altLang="en-US" dirty="0" smtClean="0">
+                <a:solidFill>
+                  <a:srgbClr val="00B050"/>
+                </a:solidFill>
+              </a:rPr>
+              <a:t>页面缓存</a:t>
+            </a:r>
+            <a:endParaRPr lang="en-US" altLang="zh-CN" dirty="0" smtClean="0">
+              <a:solidFill>
+                <a:srgbClr val="00B050"/>
+              </a:solidFill>
+            </a:endParaRPr>
+          </a:p>
+          <a:p>
+            <a:pPr marL="285750" indent="-285750">
+              <a:buFont typeface="Arial" pitchFamily="34" charset="0"/>
+              <a:buChar char="•"/>
+            </a:pPr>
+            <a:r>
+              <a:rPr lang="en-US" altLang="zh-CN" dirty="0" smtClean="0">
+                <a:solidFill>
+                  <a:srgbClr val="00B050"/>
+                </a:solidFill>
+              </a:rPr>
+              <a:t>AJAX </a:t>
+            </a:r>
+            <a:r>
+              <a:rPr lang="zh-CN" altLang="en-US" dirty="0" smtClean="0">
+                <a:solidFill>
+                  <a:srgbClr val="00B050"/>
+                </a:solidFill>
+              </a:rPr>
+              <a:t>结果缓存</a:t>
+            </a:r>
+            <a:endParaRPr lang="en-US" altLang="zh-CN" dirty="0" smtClean="0">
+              <a:solidFill>
+                <a:srgbClr val="00B050"/>
+              </a:solidFill>
+            </a:endParaRPr>
+          </a:p>
+          <a:p>
+            <a:pPr marL="285750" indent="-285750">
+              <a:buFont typeface="Arial" pitchFamily="34" charset="0"/>
+              <a:buChar char="•"/>
+            </a:pPr>
+            <a:endParaRPr lang="zh-CN" altLang="en-US" dirty="0">
+              <a:solidFill>
+                <a:srgbClr val="00B050"/>
+              </a:solidFill>
+            </a:endParaRPr>
+          </a:p>
+        </p:txBody>
+      </p:sp>
+      <p:sp>
+        <p:nvSpPr>
+          <p:cNvPr id="7" name="线形标注 1(带强调线) 6"/>
           <p:cNvSpPr/>
           <p:nvPr/>
         </p:nvSpPr>
         <p:spPr>
-          <a:xfrm>
-            <a:off x="2392735" y="6462092"/>
-            <a:ext cx="4843560" cy="288032"/>
+          <a:xfrm rot="5400000">
+            <a:off x="965874" y="4767381"/>
+            <a:ext cx="648072" cy="1715726"/>
           </a:xfrm>
-          <a:prstGeom prst="accentBorderCallout1">
+          <a:prstGeom prst="accentCallout1">
             <a:avLst>
-              <a:gd name="adj1" fmla="val 41898"/>
-              <a:gd name="adj2" fmla="val -2237"/>
-              <a:gd name="adj3" fmla="val 46362"/>
-              <a:gd name="adj4" fmla="val -12854"/>
+              <a:gd name="adj1" fmla="val 48813"/>
+              <a:gd name="adj2" fmla="val -8333"/>
+              <a:gd name="adj3" fmla="val 48767"/>
+              <a:gd name="adj4" fmla="val -68831"/>
             </a:avLst>
           </a:prstGeom>
         </p:spPr>
         <p:style>
-          <a:lnRef idx="1">
-            <a:schemeClr val="accent6"/>
-          </a:lnRef>
-          <a:fillRef idx="2">
-            <a:schemeClr val="accent6"/>
-          </a:fillRef>
-          <a:effectRef idx="1">
-            <a:schemeClr val="accent6"/>
-          </a:effectRef>
-          <a:fontRef idx="minor">
-            <a:schemeClr val="dk1"/>
-          </a:fontRef>
-        </p:style>
-        <p:txBody>
-          <a:bodyPr rtlCol="0" anchor="ctr"/>
-          <a:lstStyle/>
-          <a:p>
-            <a:r>
-              <a:rPr lang="zh-CN" altLang="en-US" sz="1400" dirty="0" smtClean="0"/>
-              <a:t>合理选择图片格式和清晰度，降低图片大小</a:t>
-            </a:r>
-            <a:endParaRPr lang="zh-CN" altLang="en-US" sz="1400" dirty="0"/>
-          </a:p>
-        </p:txBody>
-      </p:sp>
-      <p:sp>
-        <p:nvSpPr>
-          <p:cNvPr id="26" name="流程图: 可选过程 25"/>
-          <p:cNvSpPr/>
-          <p:nvPr/>
-        </p:nvSpPr>
-        <p:spPr>
-          <a:xfrm>
-            <a:off x="406946" y="5750424"/>
-            <a:ext cx="1212726" cy="510924"/>
-          </a:xfrm>
-          <a:prstGeom prst="flowChartAlternateProcess">
-            <a:avLst/>
-          </a:prstGeom>
-        </p:spPr>
-        <p:style>
-          <a:lnRef idx="3">
-            <a:schemeClr val="lt1"/>
+          <a:lnRef idx="2">
+            <a:schemeClr val="accent4">
+              <a:shade val="50000"/>
+            </a:schemeClr>
           </a:lnRef>
           <a:fillRef idx="1">
-            <a:schemeClr val="accent3"/>
+            <a:schemeClr val="accent4"/>
           </a:fillRef>
-          <a:effectRef idx="1">
-            <a:schemeClr val="accent3"/>
+          <a:effectRef idx="0">
+            <a:schemeClr val="accent4"/>
           </a:effectRef>
           <a:fontRef idx="minor">
             <a:schemeClr val="lt1"/>
@@ -12956,18 +14079,135 @@
           <a:lstStyle/>
           <a:p>
             <a:pPr algn="ctr"/>
-            <a:r>
-              <a:rPr lang="en-US" altLang="zh-CN" dirty="0" err="1" smtClean="0"/>
-              <a:t>Javascript</a:t>
-            </a:r>
             <a:endParaRPr lang="zh-CN" altLang="en-US" dirty="0"/>
+          </a:p>
+        </p:txBody>
+      </p:sp>
+      <p:sp>
+        <p:nvSpPr>
+          <p:cNvPr id="9" name="TextBox 8"/>
+          <p:cNvSpPr txBox="1"/>
+          <p:nvPr/>
+        </p:nvSpPr>
+        <p:spPr>
+          <a:xfrm>
+            <a:off x="909117" y="5343599"/>
+            <a:ext cx="800219" cy="461665"/>
+          </a:xfrm>
+          <a:prstGeom prst="rect">
+            <a:avLst/>
+          </a:prstGeom>
+          <a:noFill/>
+        </p:spPr>
+        <p:txBody>
+          <a:bodyPr wrap="none" rtlCol="0">
+            <a:spAutoFit/>
+          </a:bodyPr>
+          <a:lstStyle/>
+          <a:p>
+            <a:r>
+              <a:rPr lang="zh-CN" altLang="en-US" sz="2400" dirty="0" smtClean="0">
+                <a:solidFill>
+                  <a:schemeClr val="bg1"/>
+                </a:solidFill>
+              </a:rPr>
+              <a:t>适度</a:t>
+            </a:r>
+            <a:endParaRPr lang="zh-CN" altLang="en-US" sz="2400" dirty="0">
+              <a:solidFill>
+                <a:schemeClr val="bg1"/>
+              </a:solidFill>
+            </a:endParaRPr>
+          </a:p>
+        </p:txBody>
+      </p:sp>
+      <p:sp>
+        <p:nvSpPr>
+          <p:cNvPr id="12" name="线形标注 1(带强调线) 11"/>
+          <p:cNvSpPr/>
+          <p:nvPr/>
+        </p:nvSpPr>
+        <p:spPr>
+          <a:xfrm rot="5400000">
+            <a:off x="7416316" y="3978560"/>
+            <a:ext cx="648071" cy="2016223"/>
+          </a:xfrm>
+          <a:prstGeom prst="accentCallout1">
+            <a:avLst>
+              <a:gd name="adj1" fmla="val 48813"/>
+              <a:gd name="adj2" fmla="val -8333"/>
+              <a:gd name="adj3" fmla="val 49239"/>
+              <a:gd name="adj4" fmla="val -107044"/>
+            </a:avLst>
+          </a:prstGeom>
+        </p:spPr>
+        <p:style>
+          <a:lnRef idx="2">
+            <a:schemeClr val="accent4">
+              <a:shade val="50000"/>
+            </a:schemeClr>
+          </a:lnRef>
+          <a:fillRef idx="1">
+            <a:schemeClr val="accent4"/>
+          </a:fillRef>
+          <a:effectRef idx="0">
+            <a:schemeClr val="accent4"/>
+          </a:effectRef>
+          <a:fontRef idx="minor">
+            <a:schemeClr val="lt1"/>
+          </a:fontRef>
+        </p:style>
+        <p:txBody>
+          <a:bodyPr rtlCol="0" anchor="ctr"/>
+          <a:lstStyle/>
+          <a:p>
+            <a:pPr algn="ctr"/>
+            <a:endParaRPr lang="zh-CN" altLang="en-US" dirty="0"/>
+          </a:p>
+        </p:txBody>
+      </p:sp>
+      <p:sp>
+        <p:nvSpPr>
+          <p:cNvPr id="13" name="TextBox 12"/>
+          <p:cNvSpPr txBox="1"/>
+          <p:nvPr/>
+        </p:nvSpPr>
+        <p:spPr>
+          <a:xfrm>
+            <a:off x="7044660" y="4710335"/>
+            <a:ext cx="1415772" cy="461665"/>
+          </a:xfrm>
+          <a:prstGeom prst="rect">
+            <a:avLst/>
+          </a:prstGeom>
+          <a:noFill/>
+        </p:spPr>
+        <p:txBody>
+          <a:bodyPr wrap="none" rtlCol="0">
+            <a:spAutoFit/>
+          </a:bodyPr>
+          <a:lstStyle/>
+          <a:p>
+            <a:r>
+              <a:rPr lang="zh-CN" altLang="en-US" sz="2400" dirty="0" smtClean="0">
+                <a:solidFill>
+                  <a:schemeClr val="bg1"/>
+                </a:solidFill>
+              </a:rPr>
+              <a:t>缓存更新</a:t>
+            </a:r>
+            <a:endParaRPr lang="zh-CN" altLang="en-US" sz="2400" dirty="0">
+              <a:solidFill>
+                <a:schemeClr val="bg1"/>
+              </a:solidFill>
+            </a:endParaRPr>
           </a:p>
         </p:txBody>
       </p:sp>
     </p:spTree>
     <p:extLst>
       <p:ext uri="{BB962C8B-B14F-4D97-AF65-F5344CB8AC3E}">
-        <p14:creationId xmlns:p14="http://schemas.microsoft.com/office/powerpoint/2010/main" val="91801320"/>
+        <p14:creationId xmlns:p14="http://schemas.microsoft.com/office/powerpoint/2010/main" val="3072570691"/>
       </p:ext>
     </p:extLst>
   </p:cSld>
@@ -12989,9 +14229,153 @@
   <p:timing>
     <p:tnLst>
       <p:par>
-        <p:cTn id="1" dur="indefinite" restart="never" nodeType="tmRoot"/>
+        <p:cTn id="1" dur="indefinite" restart="never" nodeType="tmRoot">
+          <p:childTnLst>
+            <p:seq concurrent="1" nextAc="seek">
+              <p:cTn id="2" dur="indefinite" nodeType="mainSeq">
+                <p:childTnLst>
+                  <p:par>
+                    <p:cTn id="3" fill="hold">
+                      <p:stCondLst>
+                        <p:cond delay="indefinite"/>
+                      </p:stCondLst>
+                      <p:childTnLst>
+                        <p:par>
+                          <p:cTn id="4" fill="hold">
+                            <p:stCondLst>
+                              <p:cond delay="0"/>
+                            </p:stCondLst>
+                            <p:childTnLst>
+                              <p:par>
+                                <p:cTn id="5" presetID="10" presetClass="entr" presetSubtype="0" fill="hold" grpId="0" nodeType="clickEffect">
+                                  <p:stCondLst>
+                                    <p:cond delay="0"/>
+                                  </p:stCondLst>
+                                  <p:iterate type="wd">
+                                    <p:tmPct val="9000"/>
+                                  </p:iterate>
+                                  <p:childTnLst>
+                                    <p:set>
+                                      <p:cBhvr>
+                                        <p:cTn id="6" dur="1" fill="hold">
+                                          <p:stCondLst>
+                                            <p:cond delay="0"/>
+                                          </p:stCondLst>
+                                        </p:cTn>
+                                        <p:tgtEl>
+                                          <p:spTgt spid="10"/>
+                                        </p:tgtEl>
+                                        <p:attrNameLst>
+                                          <p:attrName>style.visibility</p:attrName>
+                                        </p:attrNameLst>
+                                      </p:cBhvr>
+                                      <p:to>
+                                        <p:strVal val="visible"/>
+                                      </p:to>
+                                    </p:set>
+                                    <p:animEffect transition="in" filter="fade">
+                                      <p:cBhvr>
+                                        <p:cTn id="7" dur="500"/>
+                                        <p:tgtEl>
+                                          <p:spTgt spid="10"/>
+                                        </p:tgtEl>
+                                      </p:cBhvr>
+                                    </p:animEffect>
+                                  </p:childTnLst>
+                                  <p:subTnLst>
+                                    <p:animClr clrSpc="rgb" dir="cw">
+                                      <p:cBhvr override="childStyle">
+                                        <p:cTn dur="1" fill="hold" display="0" masterRel="nextClick" afterEffect="1"/>
+                                        <p:tgtEl>
+                                          <p:spTgt spid="10"/>
+                                        </p:tgtEl>
+                                        <p:attrNameLst>
+                                          <p:attrName>ppt_c</p:attrName>
+                                        </p:attrNameLst>
+                                      </p:cBhvr>
+                                      <p:to>
+                                        <a:srgbClr val="FF0000"/>
+                                      </p:to>
+                                    </p:animClr>
+                                  </p:subTnLst>
+                                </p:cTn>
+                              </p:par>
+                            </p:childTnLst>
+                          </p:cTn>
+                        </p:par>
+                      </p:childTnLst>
+                    </p:cTn>
+                  </p:par>
+                  <p:par>
+                    <p:cTn id="8" fill="hold">
+                      <p:stCondLst>
+                        <p:cond delay="indefinite"/>
+                      </p:stCondLst>
+                      <p:childTnLst>
+                        <p:par>
+                          <p:cTn id="9" fill="hold">
+                            <p:stCondLst>
+                              <p:cond delay="0"/>
+                            </p:stCondLst>
+                            <p:childTnLst>
+                              <p:par>
+                                <p:cTn id="10" presetID="1" presetClass="entr" presetSubtype="0" fill="hold" grpId="0" nodeType="clickEffect">
+                                  <p:stCondLst>
+                                    <p:cond delay="0"/>
+                                  </p:stCondLst>
+                                  <p:childTnLst>
+                                    <p:set>
+                                      <p:cBhvr>
+                                        <p:cTn id="11" dur="1" fill="hold">
+                                          <p:stCondLst>
+                                            <p:cond delay="0"/>
+                                          </p:stCondLst>
+                                        </p:cTn>
+                                        <p:tgtEl>
+                                          <p:spTgt spid="2"/>
+                                        </p:tgtEl>
+                                        <p:attrNameLst>
+                                          <p:attrName>style.visibility</p:attrName>
+                                        </p:attrNameLst>
+                                      </p:cBhvr>
+                                      <p:to>
+                                        <p:strVal val="visible"/>
+                                      </p:to>
+                                    </p:set>
+                                  </p:childTnLst>
+                                </p:cTn>
+                              </p:par>
+                            </p:childTnLst>
+                          </p:cTn>
+                        </p:par>
+                      </p:childTnLst>
+                    </p:cTn>
+                  </p:par>
+                </p:childTnLst>
+              </p:cTn>
+              <p:prevCondLst>
+                <p:cond evt="onPrev" delay="0">
+                  <p:tgtEl>
+                    <p:sldTgt/>
+                  </p:tgtEl>
+                </p:cond>
+              </p:prevCondLst>
+              <p:nextCondLst>
+                <p:cond evt="onNext" delay="0">
+                  <p:tgtEl>
+                    <p:sldTgt/>
+                  </p:tgtEl>
+                </p:cond>
+              </p:nextCondLst>
+            </p:seq>
+          </p:childTnLst>
+        </p:cTn>
       </p:par>
     </p:tnLst>
+    <p:bldLst>
+      <p:bldP spid="10" grpId="0"/>
+      <p:bldP spid="2" grpId="0" animBg="1"/>
+    </p:bldLst>
   </p:timing>
 </p:sld>
 </file>

--- a/前端优化.pptx
+++ b/前端优化.pptx
@@ -5,7 +5,7 @@
     <p:sldMasterId id="2147483660" r:id="rId1"/>
   </p:sldMasterIdLst>
   <p:notesMasterIdLst>
-    <p:notesMasterId r:id="rId14"/>
+    <p:notesMasterId r:id="rId18"/>
   </p:notesMasterIdLst>
   <p:sldIdLst>
     <p:sldId id="256" r:id="rId2"/>
@@ -20,6 +20,10 @@
     <p:sldId id="558" r:id="rId11"/>
     <p:sldId id="559" r:id="rId12"/>
     <p:sldId id="557" r:id="rId13"/>
+    <p:sldId id="564" r:id="rId14"/>
+    <p:sldId id="563" r:id="rId15"/>
+    <p:sldId id="565" r:id="rId16"/>
+    <p:sldId id="562" r:id="rId17"/>
   </p:sldIdLst>
   <p:sldSz cx="9144000" cy="6858000" type="screen4x3"/>
   <p:notesSz cx="6858000" cy="9144000"/>
@@ -204,7 +208,7 @@
             <a:fld id="{CE1D0BA2-A4A1-4B11-81FA-5EAFBA8CF391}" type="datetimeFigureOut">
               <a:rPr lang="zh-CN" altLang="en-US" smtClean="0"/>
               <a:pPr/>
-              <a:t>2016/8/16</a:t>
+              <a:t>2016/8/26</a:t>
             </a:fld>
             <a:endParaRPr lang="zh-CN" altLang="en-US"/>
           </a:p>
@@ -656,14 +660,125 @@
           <a:p>
             <a:r>
               <a:rPr lang="zh-CN" altLang="en-US" dirty="0" smtClean="0"/>
-              <a:t>近，也很好理解，两成含义： </a:t>
+              <a:t>近，也很好理解，就是将用户需要的内容尽量放距用户最近的地方，这个距离有两次含义</a:t>
             </a:r>
             <a:endParaRPr lang="en-US" altLang="zh-CN" dirty="0" smtClean="0"/>
           </a:p>
           <a:p>
             <a:r>
               <a:rPr lang="zh-CN" altLang="en-US" dirty="0" smtClean="0"/>
-              <a:t>一 就是减少资源经过处理层次。通俗的将就是减少中间环节。</a:t>
+              <a:t>一 数据处理层次。层次又包含网络传输层次和应用处理层次。大家知道</a:t>
+            </a:r>
+            <a:r>
+              <a:rPr lang="en-US" altLang="zh-CN" dirty="0" smtClean="0"/>
+              <a:t>web</a:t>
+            </a:r>
+            <a:r>
+              <a:rPr lang="zh-CN" altLang="en-US" dirty="0" smtClean="0"/>
+              <a:t>使用</a:t>
+            </a:r>
+            <a:r>
+              <a:rPr lang="zh-CN" altLang="en-US" baseline="0" dirty="0" smtClean="0"/>
+              <a:t>的是</a:t>
+            </a:r>
+            <a:r>
+              <a:rPr lang="en-US" altLang="zh-CN" baseline="0" dirty="0" smtClean="0"/>
+              <a:t>http </a:t>
+            </a:r>
+            <a:r>
+              <a:rPr lang="zh-CN" altLang="en-US" baseline="0" dirty="0" smtClean="0"/>
+              <a:t>协议，</a:t>
+            </a:r>
+            <a:r>
+              <a:rPr lang="en-US" altLang="zh-CN" baseline="0" dirty="0" smtClean="0"/>
+              <a:t>http</a:t>
+            </a:r>
+            <a:r>
+              <a:rPr lang="zh-CN" altLang="en-US" baseline="0" dirty="0" smtClean="0"/>
+              <a:t>协议又是工作在</a:t>
+            </a:r>
+            <a:r>
+              <a:rPr lang="en-US" altLang="zh-CN" baseline="0" dirty="0" err="1" smtClean="0"/>
+              <a:t>tcp</a:t>
+            </a:r>
+            <a:r>
+              <a:rPr lang="en-US" altLang="zh-CN" baseline="0" dirty="0" smtClean="0"/>
+              <a:t>/</a:t>
+            </a:r>
+            <a:r>
+              <a:rPr lang="en-US" altLang="zh-CN" baseline="0" dirty="0" err="1" smtClean="0"/>
+              <a:t>ip</a:t>
+            </a:r>
+            <a:r>
+              <a:rPr lang="zh-CN" altLang="en-US" baseline="0" dirty="0" smtClean="0"/>
+              <a:t>协议簇之上的，这里面的层次很多，相关优化也只能运维和网络管理人员来做，大家体验比较深的可能就是跨网络运营商的访问问题。应用处理层次是我们开发需要关心的，</a:t>
+            </a:r>
+            <a:endParaRPr lang="en-US" altLang="zh-CN" baseline="0" dirty="0" smtClean="0"/>
+          </a:p>
+          <a:p>
+            <a:r>
+              <a:rPr lang="zh-CN" altLang="en-US" dirty="0" smtClean="0"/>
+              <a:t>现在开发都是用</a:t>
+            </a:r>
+            <a:r>
+              <a:rPr lang="en-US" altLang="zh-CN" dirty="0" err="1" smtClean="0"/>
+              <a:t>mvc</a:t>
+            </a:r>
+            <a:r>
+              <a:rPr lang="en-US" altLang="zh-CN" dirty="0" smtClean="0"/>
+              <a:t>,</a:t>
+            </a:r>
+            <a:r>
+              <a:rPr lang="en-US" altLang="zh-CN" baseline="0" dirty="0" smtClean="0"/>
+              <a:t> </a:t>
+            </a:r>
+            <a:r>
+              <a:rPr lang="zh-CN" altLang="en-US" baseline="0" dirty="0" smtClean="0"/>
+              <a:t>一个请求到达应用后往往需要经过层层拦截器或过滤器，而对于静态资源来说可能是就是一种资源浪费了</a:t>
+            </a:r>
+            <a:r>
+              <a:rPr lang="zh-CN" altLang="en-US" dirty="0" smtClean="0"/>
+              <a:t>。这是针对不同的环境有不同的优化方法，如</a:t>
+            </a:r>
+            <a:r>
+              <a:rPr lang="en-US" altLang="zh-CN" dirty="0" smtClean="0"/>
+              <a:t>spring </a:t>
+            </a:r>
+            <a:r>
+              <a:rPr lang="en-US" altLang="zh-CN" dirty="0" err="1" smtClean="0"/>
+              <a:t>mvc</a:t>
+            </a:r>
+            <a:r>
+              <a:rPr lang="en-US" altLang="zh-CN" baseline="0" dirty="0" smtClean="0"/>
+              <a:t> </a:t>
+            </a:r>
+            <a:r>
+              <a:rPr lang="zh-CN" altLang="en-US" baseline="0" dirty="0" smtClean="0"/>
+              <a:t>可以配置专门的静态资源拦截器，</a:t>
+            </a:r>
+            <a:r>
+              <a:rPr lang="en-US" altLang="zh-CN" baseline="0" dirty="0" smtClean="0"/>
+              <a:t>tomcat</a:t>
+            </a:r>
+            <a:r>
+              <a:rPr lang="zh-CN" altLang="en-US" baseline="0" dirty="0" smtClean="0"/>
+              <a:t>也可以配置专门静态处理</a:t>
+            </a:r>
+            <a:r>
+              <a:rPr lang="en-US" altLang="zh-CN" baseline="0" dirty="0" smtClean="0"/>
+              <a:t>servlet</a:t>
+            </a:r>
+            <a:r>
+              <a:rPr lang="zh-CN" altLang="en-US" baseline="0" dirty="0" smtClean="0"/>
+              <a:t>等等，效果其实都有限，目前所知比较好的方法，还是动静分离</a:t>
+            </a:r>
+            <a:r>
+              <a:rPr lang="en-US" altLang="zh-CN" baseline="0" dirty="0" smtClean="0"/>
+              <a:t>+</a:t>
+            </a:r>
+            <a:r>
+              <a:rPr lang="zh-CN" altLang="en-US" baseline="0" dirty="0" smtClean="0"/>
+              <a:t>方向代理。</a:t>
             </a:r>
             <a:endParaRPr lang="en-US" altLang="zh-CN" dirty="0" smtClean="0"/>
           </a:p>
@@ -674,7 +789,7 @@
             </a:r>
             <a:r>
               <a:rPr lang="zh-CN" altLang="en-US" baseline="0" dirty="0" smtClean="0"/>
-              <a:t> 反向代理，让更时候处理静态资源的容器去处理，常用的方案</a:t>
+              <a:t> 原理就是让更适合处理静态资源的容器去处理静态资源，常用的方案</a:t>
             </a:r>
             <a:r>
               <a:rPr lang="en-US" altLang="zh-CN" baseline="0" dirty="0" err="1" smtClean="0"/>
@@ -694,86 +809,47 @@
             </a:r>
             <a:r>
               <a:rPr lang="zh-CN" altLang="en-US" baseline="0" dirty="0" smtClean="0"/>
-              <a:t>做反向代理。</a:t>
+              <a:t>做反向代理。这个方案主要是运维层面，对开发的要求是动静分离，稍后会重点讲下。</a:t>
             </a:r>
             <a:endParaRPr lang="en-US" altLang="zh-CN" baseline="0" dirty="0" smtClean="0"/>
           </a:p>
           <a:p>
             <a:r>
               <a:rPr lang="zh-CN" altLang="en-US" baseline="0" dirty="0" smtClean="0"/>
-              <a:t>不用代理的，也要在容器上做响应的优化，如</a:t>
+              <a:t>二 物理距离。这个比较好理解，虽然信号是光速传输，但不是直线传输，而是经过层层路由中转的，距离越远经过的中转越多，网络质量就越不容易保证。这中间需要优化的地方也有很多，方法也很多。对于</a:t>
             </a:r>
             <a:r>
               <a:rPr lang="en-US" altLang="zh-CN" baseline="0" dirty="0" smtClean="0"/>
-              <a:t>tomcat </a:t>
+              <a:t>web</a:t>
             </a:r>
             <a:r>
               <a:rPr lang="zh-CN" altLang="en-US" baseline="0" dirty="0" smtClean="0"/>
-              <a:t>可以配置专用的</a:t>
+              <a:t>应用来说，最常用的就使用</a:t>
             </a:r>
             <a:r>
               <a:rPr lang="en-US" altLang="zh-CN" baseline="0" dirty="0" smtClean="0"/>
-              <a:t>servlet</a:t>
+              <a:t>CND</a:t>
             </a:r>
             <a:r>
               <a:rPr lang="zh-CN" altLang="en-US" baseline="0" dirty="0" smtClean="0"/>
-              <a:t>处理等等</a:t>
+              <a:t>，这个讲实施优化时讲过就不再细讲了。</a:t>
             </a:r>
             <a:endParaRPr lang="en-US" altLang="zh-CN" baseline="0" dirty="0" smtClean="0"/>
           </a:p>
           <a:p>
+            <a:endParaRPr lang="en-US" altLang="zh-CN" baseline="0" dirty="0" smtClean="0"/>
+          </a:p>
+          <a:p>
             <a:r>
               <a:rPr lang="zh-CN" altLang="en-US" baseline="0" dirty="0" smtClean="0"/>
-              <a:t>二 就是拉近资源与用户的距离。看起来是光速传输，远点近点似乎关系不大。但参与过秒杀的就知道，没这么简单。况且秒杀的系统都是专门架构和优化过的。其实你们跟踪下路由就知道，我在公司跟踪了下教研平台的外网，经过了</a:t>
-            </a:r>
-            <a:r>
-              <a:rPr lang="en-US" altLang="zh-CN" baseline="0" dirty="0" smtClean="0"/>
-              <a:t>11</a:t>
-            </a:r>
+              <a:t>小，也比较好理解，就是减少体积，这是我们开发端优化的重要部分。 </a:t>
+            </a:r>
+            <a:endParaRPr lang="en-US" altLang="zh-CN" baseline="0" dirty="0" smtClean="0"/>
+          </a:p>
+          <a:p>
             <a:r>
               <a:rPr lang="zh-CN" altLang="en-US" baseline="0" dirty="0" smtClean="0"/>
-              <a:t>个路由，这是机房在北京的，另外我国的网络运营商间的距离还是那么的遥远，即使使用</a:t>
-            </a:r>
-            <a:r>
-              <a:rPr lang="en-US" altLang="zh-CN" baseline="0" dirty="0" smtClean="0"/>
-              <a:t>BGP</a:t>
-            </a:r>
-            <a:r>
-              <a:rPr lang="zh-CN" altLang="en-US" baseline="0" dirty="0" smtClean="0"/>
-              <a:t>，跨个网依然快不了。这是就只能依赖。</a:t>
-            </a:r>
-            <a:r>
-              <a:rPr lang="en-US" altLang="zh-CN" baseline="0" dirty="0" smtClean="0"/>
-              <a:t>CND </a:t>
-            </a:r>
-            <a:r>
-              <a:rPr lang="zh-CN" altLang="en-US" baseline="0" dirty="0" smtClean="0"/>
-              <a:t>原理很简单，本质就是缓存，只是说它是缓存到距离用户最近或响应较快的服务器端，这样用户请求不用跑老远来请求我们自己的服务器了</a:t>
-            </a:r>
-            <a:r>
-              <a:rPr lang="en-US" altLang="zh-CN" baseline="0" dirty="0" smtClean="0"/>
-              <a:t>,</a:t>
-            </a:r>
-            <a:r>
-              <a:rPr lang="zh-CN" altLang="en-US" baseline="0" dirty="0" smtClean="0"/>
-              <a:t>即降低了服务器压力，又增加了用户体验。</a:t>
-            </a:r>
-            <a:endParaRPr lang="en-US" altLang="zh-CN" baseline="0" dirty="0" smtClean="0"/>
-          </a:p>
-          <a:p>
-            <a:r>
-              <a:rPr lang="zh-CN" altLang="en-US" baseline="0" dirty="0" smtClean="0"/>
-              <a:t>而且实施起来也比较简单的，除了要发钱外。所以我们唯一要做的就是计算好收益与成本，当然既然是缓存，他也就有缓存的缺点。</a:t>
-            </a:r>
-            <a:endParaRPr lang="en-US" altLang="zh-CN" baseline="0" dirty="0" smtClean="0"/>
-          </a:p>
-          <a:p>
-            <a:endParaRPr lang="en-US" altLang="zh-CN" baseline="0" dirty="0" smtClean="0"/>
-          </a:p>
-          <a:p>
-            <a:r>
-              <a:rPr lang="zh-CN" altLang="en-US" baseline="0" dirty="0" smtClean="0"/>
-              <a:t>小，也比较好理解，就是减少体积。 常见的方法就是压缩，图片压缩，</a:t>
+              <a:t>常见的方法包含代码优化和压缩。代码优化是指通过选择合适库、代码复用，代码结构优化来减少代码的量，这类优化主要是针对性能图片压缩，</a:t>
             </a:r>
             <a:r>
               <a:rPr lang="en-US" altLang="zh-CN" baseline="0" dirty="0" err="1" smtClean="0"/>
@@ -785,6 +861,18 @@
             </a:r>
             <a:r>
               <a:rPr lang="zh-CN" altLang="en-US" baseline="0" dirty="0" smtClean="0"/>
+              <a:t>压缩，</a:t>
+            </a:r>
+            <a:r>
+              <a:rPr lang="en-US" altLang="zh-CN" baseline="0" dirty="0" err="1" smtClean="0"/>
+              <a:t>css</a:t>
+            </a:r>
+            <a:r>
+              <a:rPr lang="en-US" altLang="zh-CN" baseline="0" dirty="0" smtClean="0"/>
+              <a:t> </a:t>
+            </a:r>
+            <a:r>
+              <a:rPr lang="zh-CN" altLang="en-US" baseline="0" dirty="0" smtClean="0"/>
               <a:t>压缩，甚至用</a:t>
             </a:r>
             <a:r>
@@ -839,31 +927,7 @@
           <a:p>
             <a:r>
               <a:rPr lang="zh-CN" altLang="en-US" baseline="0" dirty="0" smtClean="0"/>
-              <a:t>另外还有一点，因为压缩并不技术问题，都是工具使用问题，那我们希望能自动化，关于自动化我们稍后在讲，先来看看三大战术在前端四大元素</a:t>
-            </a:r>
-            <a:r>
-              <a:rPr lang="en-US" altLang="zh-CN" baseline="0" dirty="0" err="1" smtClean="0"/>
-              <a:t>css</a:t>
-            </a:r>
-            <a:r>
-              <a:rPr lang="zh-CN" altLang="en-US" baseline="0" dirty="0" smtClean="0"/>
-              <a:t>，</a:t>
-            </a:r>
-            <a:r>
-              <a:rPr lang="en-US" altLang="zh-CN" baseline="0" dirty="0" err="1" smtClean="0"/>
-              <a:t>js</a:t>
-            </a:r>
-            <a:r>
-              <a:rPr lang="zh-CN" altLang="en-US" baseline="0" dirty="0" smtClean="0"/>
-              <a:t>、</a:t>
-            </a:r>
-            <a:r>
-              <a:rPr lang="en-US" altLang="zh-CN" baseline="0" dirty="0" smtClean="0"/>
-              <a:t>html</a:t>
-            </a:r>
-            <a:r>
-              <a:rPr lang="zh-CN" altLang="en-US" baseline="0" dirty="0" smtClean="0"/>
-              <a:t>以及图片中都有哪些优化点。</a:t>
+              <a:t>另外还有一点，因为压缩并不技术问题，都是工具使用问题，那我们希望能自动化，关于自动化我们稍后在讲，先来总结下四大战术在前端优化中的技术体现。</a:t>
             </a:r>
             <a:endParaRPr lang="en-US" altLang="zh-CN" baseline="0" dirty="0" smtClean="0"/>
           </a:p>
@@ -952,15 +1016,11 @@
           <a:p>
             <a:r>
               <a:rPr lang="zh-CN" altLang="en-US" dirty="0" smtClean="0"/>
-              <a:t>开发端优化，不只是说由开发来做的优化，而是说需要编码或架构实现的优化。这类优化主要目的是降低维护难度，减少重复工作，提高运行效率。那我们来梳理可在哪些方面上做哪些优化。</a:t>
+              <a:t>其实前端优化技术上难点并不多，但是可优化的点很多，我们开发过程中往往容易忽略其中的某些点，这也是为什么要做整理的原因。</a:t>
             </a:r>
             <a:endParaRPr lang="en-US" altLang="zh-CN" dirty="0" smtClean="0"/>
           </a:p>
           <a:p>
-            <a:r>
-              <a:rPr lang="zh-CN" altLang="en-US" dirty="0" smtClean="0"/>
-              <a:t>先说编码层面的，</a:t>
-            </a:r>
             <a:endParaRPr lang="en-US" altLang="zh-CN" dirty="0" smtClean="0"/>
           </a:p>
           <a:p>
@@ -1216,6 +1276,17 @@
             <a:endParaRPr lang="en-US" altLang="zh-CN" sz="1200" dirty="0" smtClean="0"/>
           </a:p>
           <a:p>
+            <a:r>
+              <a:rPr lang="zh-CN" altLang="en-US" dirty="0" smtClean="0"/>
+              <a:t>总结完了，以上就是我要分享的前端优化全部内容，是不是很简单。</a:t>
+            </a:r>
+            <a:endParaRPr lang="en-US" altLang="zh-CN" dirty="0" smtClean="0"/>
+          </a:p>
+          <a:p>
+            <a:r>
+              <a:rPr lang="zh-CN" altLang="en-US" dirty="0" smtClean="0"/>
+              <a:t>听的认真的同事可能已经发现，还有几个坑没填呢，好吧，接下来我们就来填坑。今天内容都没有深入到技术点，填坑我就偏点的方式来讲。这个点就动静分离。</a:t>
+            </a:r>
             <a:endParaRPr lang="en-US" altLang="zh-CN" dirty="0" smtClean="0"/>
           </a:p>
           <a:p>
@@ -1254,6 +1325,1288 @@
     <p:extLst>
       <p:ext uri="{BB962C8B-B14F-4D97-AF65-F5344CB8AC3E}">
         <p14:creationId xmlns:p14="http://schemas.microsoft.com/office/powerpoint/2010/main" val="1236333229"/>
+      </p:ext>
+    </p:extLst>
+  </p:cSld>
+  <p:clrMapOvr>
+    <a:masterClrMapping/>
+  </p:clrMapOvr>
+</p:notes>
+</file>
+
+<file path=ppt/notesSlides/notesSlide12.xml><?xml version="1.0" encoding="utf-8"?>
+<p:notes xmlns:a="http://schemas.openxmlformats.org/drawingml/2006/main" xmlns:r="http://schemas.openxmlformats.org/officeDocument/2006/relationships" xmlns:p="http://schemas.openxmlformats.org/presentationml/2006/main">
+  <p:cSld>
+    <p:spTree>
+      <p:nvGrpSpPr>
+        <p:cNvPr id="1" name=""/>
+        <p:cNvGrpSpPr/>
+        <p:nvPr/>
+      </p:nvGrpSpPr>
+      <p:grpSpPr>
+        <a:xfrm>
+          <a:off x="0" y="0"/>
+          <a:ext cx="0" cy="0"/>
+          <a:chOff x="0" y="0"/>
+          <a:chExt cx="0" cy="0"/>
+        </a:xfrm>
+      </p:grpSpPr>
+      <p:sp>
+        <p:nvSpPr>
+          <p:cNvPr id="2" name="幻灯片图像占位符 1"/>
+          <p:cNvSpPr>
+            <a:spLocks noGrp="1" noRot="1" noChangeAspect="1"/>
+          </p:cNvSpPr>
+          <p:nvPr>
+            <p:ph type="sldImg"/>
+          </p:nvPr>
+        </p:nvSpPr>
+        <p:spPr/>
+      </p:sp>
+      <p:sp>
+        <p:nvSpPr>
+          <p:cNvPr id="3" name="备注占位符 2"/>
+          <p:cNvSpPr>
+            <a:spLocks noGrp="1"/>
+          </p:cNvSpPr>
+          <p:nvPr>
+            <p:ph type="body" idx="1"/>
+          </p:nvPr>
+        </p:nvSpPr>
+        <p:spPr/>
+        <p:txBody>
+          <a:bodyPr/>
+          <a:lstStyle/>
+          <a:p>
+            <a:r>
+              <a:rPr lang="zh-CN" altLang="en-US" dirty="0" smtClean="0"/>
+              <a:t>动静分离对于现在的开发来说不是什么新鲜事物了，大多数系统或多或少的都使用了一些动静分离技术，但对于最早的</a:t>
+            </a:r>
+            <a:r>
+              <a:rPr lang="en-US" altLang="zh-CN" dirty="0" smtClean="0"/>
+              <a:t>web</a:t>
+            </a:r>
+            <a:r>
+              <a:rPr lang="zh-CN" altLang="en-US" baseline="0" dirty="0" smtClean="0"/>
+              <a:t>项目来说说就不是这样了，我最早接触项目</a:t>
+            </a:r>
+            <a:r>
+              <a:rPr lang="en-US" altLang="zh-CN" baseline="0" dirty="0" err="1" smtClean="0"/>
+              <a:t>css</a:t>
+            </a:r>
+            <a:r>
+              <a:rPr lang="en-US" altLang="zh-CN" baseline="0" dirty="0" smtClean="0"/>
+              <a:t> </a:t>
+            </a:r>
+            <a:r>
+              <a:rPr lang="zh-CN" altLang="en-US" baseline="0" dirty="0" smtClean="0"/>
+              <a:t>和 </a:t>
+            </a:r>
+            <a:r>
+              <a:rPr lang="en-US" altLang="zh-CN" baseline="0" dirty="0" err="1" smtClean="0"/>
+              <a:t>js</a:t>
+            </a:r>
+            <a:r>
+              <a:rPr lang="en-US" altLang="zh-CN" baseline="0" dirty="0" smtClean="0"/>
+              <a:t> </a:t>
+            </a:r>
+            <a:r>
+              <a:rPr lang="zh-CN" altLang="en-US" baseline="0" dirty="0" smtClean="0"/>
+              <a:t>都直接在</a:t>
+            </a:r>
+            <a:r>
+              <a:rPr lang="en-US" altLang="zh-CN" baseline="0" dirty="0" err="1" smtClean="0"/>
+              <a:t>jsp</a:t>
+            </a:r>
+            <a:r>
+              <a:rPr lang="zh-CN" altLang="en-US" baseline="0" dirty="0" smtClean="0"/>
+              <a:t>里的</a:t>
+            </a:r>
+            <a:r>
+              <a:rPr lang="zh-CN" altLang="en-US" dirty="0" smtClean="0"/>
+              <a:t>。既然大家都提动静分离，动静分离到达指什么，实施动静分离又到底有什么好处呢。简单总结了下，有以下三大优点。。。</a:t>
+            </a:r>
+            <a:endParaRPr lang="en-US" altLang="zh-CN" dirty="0" smtClean="0"/>
+          </a:p>
+          <a:p>
+            <a:r>
+              <a:rPr lang="zh-CN" altLang="en-US" dirty="0" smtClean="0"/>
+              <a:t>这都是我自己在不同项目不同动静分离方案中总结出来的。</a:t>
+            </a:r>
+            <a:r>
+              <a:rPr lang="zh-CN" altLang="en-US" baseline="0" dirty="0" smtClean="0"/>
+              <a:t> 第一点有利代码复用，是因为我最初接触项目，</a:t>
+            </a:r>
+            <a:r>
+              <a:rPr lang="en-US" altLang="zh-CN" baseline="0" dirty="0" err="1" smtClean="0"/>
+              <a:t>css</a:t>
+            </a:r>
+            <a:r>
+              <a:rPr lang="en-US" altLang="zh-CN" baseline="0" dirty="0" smtClean="0"/>
+              <a:t> </a:t>
+            </a:r>
+            <a:r>
+              <a:rPr lang="zh-CN" altLang="en-US" baseline="0" dirty="0" smtClean="0"/>
+              <a:t>和</a:t>
+            </a:r>
+            <a:r>
+              <a:rPr lang="en-US" altLang="zh-CN" baseline="0" dirty="0" err="1" smtClean="0"/>
+              <a:t>js</a:t>
+            </a:r>
+            <a:r>
+              <a:rPr lang="en-US" altLang="zh-CN" baseline="0" dirty="0" smtClean="0"/>
+              <a:t> </a:t>
+            </a:r>
+            <a:r>
+              <a:rPr lang="zh-CN" altLang="en-US" baseline="0" dirty="0" smtClean="0"/>
+              <a:t>都是写在</a:t>
+            </a:r>
+            <a:r>
+              <a:rPr lang="en-US" altLang="zh-CN" baseline="0" dirty="0" err="1" smtClean="0"/>
+              <a:t>jsp</a:t>
+            </a:r>
+            <a:r>
+              <a:rPr lang="en-US" altLang="zh-CN" baseline="0" dirty="0" smtClean="0"/>
+              <a:t> </a:t>
+            </a:r>
+            <a:r>
+              <a:rPr lang="zh-CN" altLang="en-US" baseline="0" dirty="0" smtClean="0"/>
+              <a:t>里的。结果不同页面有很多相同或相似的</a:t>
+            </a:r>
+            <a:r>
+              <a:rPr lang="en-US" altLang="zh-CN" baseline="0" dirty="0" err="1" smtClean="0"/>
+              <a:t>css</a:t>
+            </a:r>
+            <a:r>
+              <a:rPr lang="en-US" altLang="zh-CN" baseline="0" dirty="0" smtClean="0"/>
+              <a:t> </a:t>
+            </a:r>
+            <a:r>
+              <a:rPr lang="zh-CN" altLang="en-US" baseline="0" dirty="0" smtClean="0"/>
+              <a:t>或</a:t>
+            </a:r>
+            <a:r>
+              <a:rPr lang="en-US" altLang="zh-CN" baseline="0" dirty="0" err="1" smtClean="0"/>
+              <a:t>js</a:t>
+            </a:r>
+            <a:r>
+              <a:rPr lang="en-US" altLang="zh-CN" baseline="0" dirty="0" smtClean="0"/>
+              <a:t> </a:t>
+            </a:r>
+            <a:r>
+              <a:rPr lang="zh-CN" altLang="en-US" baseline="0" dirty="0" smtClean="0"/>
+              <a:t>代码。</a:t>
+            </a:r>
+            <a:endParaRPr lang="en-US" altLang="zh-CN" baseline="0" dirty="0" smtClean="0"/>
+          </a:p>
+          <a:p>
+            <a:r>
+              <a:rPr lang="zh-CN" altLang="en-US" baseline="0" dirty="0" smtClean="0"/>
+              <a:t>第二点就不用说了，没有人是全能的，现在的</a:t>
+            </a:r>
+            <a:r>
+              <a:rPr lang="en-US" altLang="zh-CN" baseline="0" dirty="0" smtClean="0"/>
+              <a:t>web</a:t>
+            </a:r>
+            <a:r>
+              <a:rPr lang="zh-CN" altLang="en-US" baseline="0" dirty="0" smtClean="0"/>
+              <a:t>项目都是必须有前端</a:t>
+            </a:r>
+            <a:r>
+              <a:rPr lang="en-US" altLang="zh-CN" baseline="0" dirty="0" smtClean="0"/>
+              <a:t>,</a:t>
+            </a:r>
+            <a:r>
+              <a:rPr lang="zh-CN" altLang="en-US" baseline="0" dirty="0" smtClean="0"/>
+              <a:t>并且前端占项目开发的比重会越来越大。</a:t>
+            </a:r>
+            <a:endParaRPr lang="en-US" altLang="zh-CN" baseline="0" dirty="0" smtClean="0"/>
+          </a:p>
+          <a:p>
+            <a:r>
+              <a:rPr lang="zh-CN" altLang="en-US" baseline="0" dirty="0" smtClean="0"/>
+              <a:t>第三点，教研就是比较好的例子，教研目前实施的常规的动静分离，</a:t>
+            </a:r>
+            <a:r>
+              <a:rPr lang="en-US" altLang="zh-CN" baseline="0" dirty="0" err="1" smtClean="0"/>
+              <a:t>js,css</a:t>
+            </a:r>
+            <a:r>
+              <a:rPr lang="zh-CN" altLang="en-US" baseline="0" dirty="0" smtClean="0"/>
+              <a:t>，图片等静态资源放独立的目录，</a:t>
+            </a:r>
+            <a:r>
+              <a:rPr lang="en-US" altLang="zh-CN" baseline="0" dirty="0" err="1" smtClean="0"/>
+              <a:t>jsp</a:t>
+            </a:r>
+            <a:r>
+              <a:rPr lang="en-US" altLang="zh-CN" baseline="0" dirty="0" smtClean="0"/>
+              <a:t> </a:t>
+            </a:r>
+            <a:r>
+              <a:rPr lang="zh-CN" altLang="en-US" baseline="0" dirty="0" smtClean="0"/>
+              <a:t>放</a:t>
+            </a:r>
+            <a:r>
+              <a:rPr lang="en-US" altLang="zh-CN" baseline="0" dirty="0" smtClean="0"/>
+              <a:t>servlet </a:t>
+            </a:r>
+            <a:r>
+              <a:rPr lang="zh-CN" altLang="en-US" baseline="0" dirty="0" smtClean="0"/>
+              <a:t>规范保护目录，在压力测试时，未实施优化，几十并发</a:t>
+            </a:r>
+            <a:r>
+              <a:rPr lang="en-US" altLang="zh-CN" baseline="0" dirty="0" err="1" smtClean="0"/>
+              <a:t>cpu</a:t>
+            </a:r>
+            <a:r>
+              <a:rPr lang="en-US" altLang="zh-CN" baseline="0" dirty="0" smtClean="0"/>
+              <a:t> </a:t>
+            </a:r>
+            <a:r>
+              <a:rPr lang="zh-CN" altLang="en-US" baseline="0" dirty="0" smtClean="0"/>
+              <a:t>很快就跑满了，后面仅仅加上</a:t>
+            </a:r>
+            <a:r>
+              <a:rPr lang="en-US" altLang="zh-CN" baseline="0" dirty="0" err="1" smtClean="0"/>
+              <a:t>nginx</a:t>
+            </a:r>
+            <a:r>
+              <a:rPr lang="en-US" altLang="zh-CN" baseline="0" dirty="0" smtClean="0"/>
+              <a:t> </a:t>
+            </a:r>
+            <a:r>
+              <a:rPr lang="zh-CN" altLang="en-US" baseline="0" dirty="0" smtClean="0"/>
+              <a:t>反向代理，开启后最高压到五百多并发，但还不是静态内容导致的，压了下</a:t>
+            </a:r>
+            <a:r>
+              <a:rPr lang="en-US" altLang="zh-CN" baseline="0" dirty="0" err="1" smtClean="0"/>
+              <a:t>ngix</a:t>
+            </a:r>
+            <a:r>
+              <a:rPr lang="zh-CN" altLang="en-US" baseline="0" dirty="0" smtClean="0"/>
+              <a:t>纯静态，没进行任何优化可以跑</a:t>
+            </a:r>
+            <a:r>
+              <a:rPr lang="en-US" altLang="zh-CN" baseline="0" dirty="0" smtClean="0"/>
+              <a:t>2000</a:t>
+            </a:r>
+            <a:r>
+              <a:rPr lang="zh-CN" altLang="en-US" baseline="0" dirty="0" smtClean="0"/>
+              <a:t>多并发，好像还是带宽先满。</a:t>
+            </a:r>
+            <a:endParaRPr lang="en-US" altLang="zh-CN" baseline="0" dirty="0" smtClean="0"/>
+          </a:p>
+          <a:p>
+            <a:r>
+              <a:rPr lang="zh-CN" altLang="en-US" baseline="0" dirty="0" smtClean="0"/>
+              <a:t>第四点是更深一层优化带来的优点</a:t>
+            </a:r>
+            <a:r>
+              <a:rPr lang="zh-CN" altLang="en-US" baseline="0" dirty="0" smtClean="0"/>
+              <a:t>。比如说在教研的动静分离基础上，我们需要进一步优化，可以怎么做呢。</a:t>
+            </a:r>
+            <a:endParaRPr lang="en-US" altLang="zh-CN" baseline="0" dirty="0" smtClean="0"/>
+          </a:p>
+          <a:p>
+            <a:r>
+              <a:rPr lang="zh-CN" altLang="en-US" baseline="0" dirty="0" smtClean="0"/>
+              <a:t>一种思路是不断减少</a:t>
+            </a:r>
+            <a:r>
+              <a:rPr lang="en-US" altLang="zh-CN" baseline="0" dirty="0" smtClean="0"/>
+              <a:t>web </a:t>
+            </a:r>
+            <a:r>
+              <a:rPr lang="zh-CN" altLang="en-US" baseline="0" dirty="0" smtClean="0"/>
+              <a:t>服务器的工作，能不在</a:t>
+            </a:r>
+            <a:r>
+              <a:rPr lang="en-US" altLang="zh-CN" baseline="0" dirty="0" smtClean="0"/>
+              <a:t>web </a:t>
+            </a:r>
+            <a:r>
+              <a:rPr lang="zh-CN" altLang="en-US" baseline="0" dirty="0" smtClean="0"/>
+              <a:t>服务器处理的就不在</a:t>
+            </a:r>
+            <a:r>
+              <a:rPr lang="en-US" altLang="zh-CN" baseline="0" dirty="0" smtClean="0"/>
+              <a:t>web </a:t>
+            </a:r>
+            <a:r>
+              <a:rPr lang="zh-CN" altLang="en-US" baseline="0" dirty="0" smtClean="0"/>
+              <a:t>服务器处理。首先我们看看</a:t>
+            </a:r>
+            <a:r>
+              <a:rPr lang="en-US" altLang="zh-CN" baseline="0" dirty="0" smtClean="0"/>
+              <a:t>view </a:t>
+            </a:r>
+            <a:r>
+              <a:rPr lang="zh-CN" altLang="en-US" baseline="0" dirty="0" smtClean="0"/>
+              <a:t>层，</a:t>
+            </a:r>
+            <a:r>
+              <a:rPr lang="en-US" altLang="zh-CN" baseline="0" dirty="0" smtClean="0"/>
+              <a:t>java </a:t>
+            </a:r>
+            <a:r>
+              <a:rPr lang="zh-CN" altLang="en-US" baseline="0" dirty="0" smtClean="0"/>
+              <a:t>的话是</a:t>
+            </a:r>
+            <a:r>
+              <a:rPr lang="en-US" altLang="zh-CN" baseline="0" dirty="0" err="1" smtClean="0"/>
+              <a:t>jsp</a:t>
+            </a:r>
+            <a:r>
+              <a:rPr lang="en-US" altLang="zh-CN" baseline="0" dirty="0" smtClean="0"/>
+              <a:t> </a:t>
+            </a:r>
+            <a:r>
+              <a:rPr lang="zh-CN" altLang="en-US" baseline="0" dirty="0" smtClean="0"/>
+              <a:t>。大家看看自己做的</a:t>
+            </a:r>
+            <a:r>
+              <a:rPr lang="en-US" altLang="zh-CN" baseline="0" dirty="0" err="1" smtClean="0"/>
+              <a:t>jsp</a:t>
+            </a:r>
+            <a:r>
+              <a:rPr lang="en-US" altLang="zh-CN" baseline="0" dirty="0" smtClean="0"/>
+              <a:t> </a:t>
+            </a:r>
+            <a:r>
+              <a:rPr lang="zh-CN" altLang="en-US" baseline="0" dirty="0" smtClean="0"/>
+              <a:t>内容可能就会发现，现在</a:t>
+            </a:r>
+            <a:r>
+              <a:rPr lang="en-US" altLang="zh-CN" baseline="0" dirty="0" err="1" smtClean="0"/>
+              <a:t>jsp</a:t>
+            </a:r>
+            <a:r>
+              <a:rPr lang="en-US" altLang="zh-CN" baseline="0" dirty="0" smtClean="0"/>
+              <a:t> </a:t>
+            </a:r>
+            <a:r>
+              <a:rPr lang="zh-CN" altLang="en-US" baseline="0" dirty="0" smtClean="0"/>
+              <a:t>里动态内容其实并不多，纯动态内容的</a:t>
+            </a:r>
+            <a:r>
+              <a:rPr lang="en-US" altLang="zh-CN" baseline="0" dirty="0" err="1" smtClean="0"/>
+              <a:t>jsp</a:t>
+            </a:r>
+            <a:r>
+              <a:rPr lang="zh-CN" altLang="en-US" baseline="0" dirty="0" smtClean="0"/>
+              <a:t>几乎没有，很多都是一些静态或伪静态内容。那这里是不是就有近一步分离空间了呢。我们一步一步来，首先是那些静态与伪静态内容，</a:t>
+            </a:r>
+            <a:r>
+              <a:rPr lang="en-US" altLang="zh-CN" baseline="0" dirty="0" err="1" smtClean="0"/>
+              <a:t>jsp</a:t>
+            </a:r>
+            <a:r>
+              <a:rPr lang="en-US" altLang="zh-CN" baseline="0" dirty="0" smtClean="0"/>
+              <a:t> </a:t>
+            </a:r>
+            <a:r>
+              <a:rPr lang="zh-CN" altLang="en-US" baseline="0" dirty="0" smtClean="0"/>
+              <a:t>通常是使用</a:t>
+            </a:r>
+            <a:r>
+              <a:rPr lang="en-US" altLang="zh-CN" baseline="0" dirty="0" smtClean="0"/>
+              <a:t>include </a:t>
+            </a:r>
+            <a:r>
+              <a:rPr lang="zh-CN" altLang="en-US" baseline="0" dirty="0" smtClean="0"/>
+              <a:t>方式引入，比如头，尾，工具栏，菜单，侧边栏等，既然是静态或伪静态是否可以将这类资源往前移呢，方法肯定是有的，那就是</a:t>
+            </a:r>
+            <a:r>
+              <a:rPr lang="en-US" altLang="zh-CN" baseline="0" dirty="0" smtClean="0"/>
+              <a:t>SSI </a:t>
+            </a:r>
+            <a:r>
+              <a:rPr lang="zh-CN" altLang="en-US" baseline="0" dirty="0" smtClean="0"/>
+              <a:t>和 </a:t>
+            </a:r>
+            <a:r>
+              <a:rPr lang="en-US" altLang="zh-CN" baseline="0" dirty="0" smtClean="0"/>
+              <a:t>ESI ,</a:t>
+            </a:r>
+            <a:r>
+              <a:rPr lang="zh-CN" altLang="en-US" baseline="0" dirty="0" smtClean="0"/>
+              <a:t>两种都是服务端引入技术，但是可以由静态服务器来实现，如</a:t>
+            </a:r>
+            <a:r>
+              <a:rPr lang="en-US" altLang="zh-CN" baseline="0" dirty="0" smtClean="0"/>
+              <a:t>apache</a:t>
+            </a:r>
+            <a:r>
+              <a:rPr lang="zh-CN" altLang="en-US" baseline="0" dirty="0" smtClean="0"/>
+              <a:t>、</a:t>
+            </a:r>
+            <a:r>
+              <a:rPr lang="en-US" altLang="zh-CN" baseline="0" dirty="0" err="1" smtClean="0"/>
+              <a:t>ngix</a:t>
+            </a:r>
+            <a:r>
+              <a:rPr lang="en-US" altLang="zh-CN" baseline="0" dirty="0" smtClean="0"/>
+              <a:t> </a:t>
+            </a:r>
+            <a:r>
+              <a:rPr lang="zh-CN" altLang="en-US" baseline="0" dirty="0" smtClean="0"/>
+              <a:t>都有相应的实现，</a:t>
+            </a:r>
+            <a:r>
+              <a:rPr lang="en-US" altLang="zh-CN" baseline="0" dirty="0" smtClean="0"/>
+              <a:t>SSI </a:t>
+            </a:r>
+            <a:r>
+              <a:rPr lang="zh-CN" altLang="en-US" baseline="0" dirty="0" smtClean="0"/>
+              <a:t>引入静态内容，</a:t>
+            </a:r>
+            <a:r>
+              <a:rPr lang="en-US" altLang="zh-CN" baseline="0" dirty="0" smtClean="0"/>
+              <a:t>ESI </a:t>
+            </a:r>
+            <a:r>
+              <a:rPr lang="zh-CN" altLang="en-US" baseline="0" dirty="0" smtClean="0"/>
+              <a:t>是引入动态内容。</a:t>
+            </a:r>
+            <a:endParaRPr lang="en-US" altLang="zh-CN" baseline="0" dirty="0" smtClean="0"/>
+          </a:p>
+          <a:p>
+            <a:r>
+              <a:rPr lang="zh-CN" altLang="en-US" baseline="0" dirty="0" smtClean="0"/>
+              <a:t>这里不深入介绍，有兴趣的可以自己了解，不会太难。并且这两个技术对开发调试有一定影响，优化效果也有限，所以非并发要求很高，一般不会使用。</a:t>
+            </a:r>
+            <a:endParaRPr lang="en-US" altLang="zh-CN" baseline="0" dirty="0" smtClean="0"/>
+          </a:p>
+          <a:p>
+            <a:r>
+              <a:rPr lang="zh-CN" altLang="en-US" baseline="0" dirty="0" smtClean="0"/>
+              <a:t>而目前使用最多的，更近一步的优化</a:t>
+            </a:r>
+            <a:r>
+              <a:rPr lang="en-US" altLang="zh-CN" baseline="0" dirty="0" smtClean="0"/>
+              <a:t>CSI,</a:t>
+            </a:r>
+            <a:r>
+              <a:rPr lang="zh-CN" altLang="en-US" baseline="0" dirty="0" smtClean="0"/>
+              <a:t>即将后端控制层前移，前端逐渐工程化，甚至由前端驱动开发。这方案能得以实现还主要得感谢</a:t>
+            </a:r>
+            <a:r>
+              <a:rPr lang="en-US" altLang="zh-CN" baseline="0" dirty="0" err="1" smtClean="0"/>
+              <a:t>nodejs</a:t>
+            </a:r>
+            <a:r>
+              <a:rPr lang="en-US" altLang="zh-CN" baseline="0" dirty="0" smtClean="0"/>
+              <a:t> </a:t>
+            </a:r>
+            <a:r>
+              <a:rPr lang="zh-CN" altLang="en-US" baseline="0" dirty="0" smtClean="0"/>
+              <a:t>， </a:t>
+            </a:r>
+            <a:r>
+              <a:rPr lang="en-US" altLang="zh-CN" baseline="0" dirty="0" err="1" smtClean="0"/>
+              <a:t>nodejs</a:t>
+            </a:r>
+            <a:r>
+              <a:rPr lang="en-US" altLang="zh-CN" baseline="0" dirty="0" smtClean="0"/>
+              <a:t> </a:t>
+            </a:r>
+            <a:r>
+              <a:rPr lang="zh-CN" altLang="en-US" baseline="0" dirty="0" smtClean="0"/>
+              <a:t>的出现算是前端的一个历程碑，各自框架，技术层出不穷，一些开发模式如</a:t>
+            </a:r>
+            <a:r>
+              <a:rPr lang="en-US" altLang="zh-CN" sz="1200" b="0" i="0" kern="1200" dirty="0" smtClean="0">
+                <a:solidFill>
+                  <a:schemeClr val="tx1"/>
+                </a:solidFill>
+                <a:effectLst/>
+                <a:latin typeface="+mn-lt"/>
+                <a:ea typeface="+mn-ea"/>
+                <a:cs typeface="+mn-cs"/>
+              </a:rPr>
+              <a:t>MVVM</a:t>
+            </a:r>
+            <a:r>
+              <a:rPr lang="zh-CN" altLang="en-US" sz="1200" b="0" i="0" kern="1200" dirty="0" smtClean="0">
+                <a:solidFill>
+                  <a:schemeClr val="tx1"/>
+                </a:solidFill>
+                <a:effectLst/>
+                <a:latin typeface="+mn-lt"/>
+                <a:ea typeface="+mn-ea"/>
+                <a:cs typeface="+mn-cs"/>
+              </a:rPr>
+              <a:t>（</a:t>
+            </a:r>
+            <a:r>
+              <a:rPr lang="en-US" altLang="zh-CN" sz="1200" b="0" i="0" kern="1200" dirty="0" smtClean="0">
+                <a:solidFill>
+                  <a:schemeClr val="tx1"/>
+                </a:solidFill>
+                <a:effectLst/>
+                <a:latin typeface="+mn-lt"/>
+                <a:ea typeface="+mn-ea"/>
+                <a:cs typeface="+mn-cs"/>
+              </a:rPr>
+              <a:t>Model-View-</a:t>
+            </a:r>
+            <a:r>
+              <a:rPr lang="en-US" altLang="zh-CN" sz="1200" b="0" i="0" kern="1200" dirty="0" err="1" smtClean="0">
+                <a:solidFill>
+                  <a:schemeClr val="tx1"/>
+                </a:solidFill>
+                <a:effectLst/>
+                <a:latin typeface="+mn-lt"/>
+                <a:ea typeface="+mn-ea"/>
+                <a:cs typeface="+mn-cs"/>
+              </a:rPr>
+              <a:t>ViewModel</a:t>
+            </a:r>
+            <a:r>
+              <a:rPr lang="zh-CN" altLang="en-US" sz="1200" b="0" i="0" kern="1200" dirty="0" smtClean="0">
+                <a:solidFill>
+                  <a:schemeClr val="tx1"/>
+                </a:solidFill>
+                <a:effectLst/>
+                <a:latin typeface="+mn-lt"/>
+                <a:ea typeface="+mn-ea"/>
+                <a:cs typeface="+mn-cs"/>
+              </a:rPr>
+              <a:t>）也在前端重新焕发。我们先来看看这种新开发模型的项目结构。</a:t>
+            </a:r>
+            <a:endParaRPr lang="en-US" altLang="zh-CN" sz="1200" b="0" i="0" kern="1200" dirty="0" smtClean="0">
+              <a:solidFill>
+                <a:schemeClr val="tx1"/>
+              </a:solidFill>
+              <a:effectLst/>
+              <a:latin typeface="+mn-lt"/>
+              <a:ea typeface="+mn-ea"/>
+              <a:cs typeface="+mn-cs"/>
+            </a:endParaRPr>
+          </a:p>
+          <a:p>
+            <a:endParaRPr lang="en-US" altLang="zh-CN" dirty="0" smtClean="0"/>
+          </a:p>
+          <a:p>
+            <a:endParaRPr lang="en-US" altLang="zh-CN" dirty="0" smtClean="0"/>
+          </a:p>
+          <a:p>
+            <a:endParaRPr lang="en-US" altLang="zh-CN" dirty="0" smtClean="0"/>
+          </a:p>
+        </p:txBody>
+      </p:sp>
+      <p:sp>
+        <p:nvSpPr>
+          <p:cNvPr id="4" name="灯片编号占位符 3"/>
+          <p:cNvSpPr>
+            <a:spLocks noGrp="1"/>
+          </p:cNvSpPr>
+          <p:nvPr>
+            <p:ph type="sldNum" sz="quarter" idx="10"/>
+          </p:nvPr>
+        </p:nvSpPr>
+        <p:spPr/>
+        <p:txBody>
+          <a:bodyPr/>
+          <a:lstStyle/>
+          <a:p>
+            <a:fld id="{2721F026-A56C-44A0-B1B5-6544C30C2BED}" type="slidenum">
+              <a:rPr lang="zh-CN" altLang="en-US" smtClean="0"/>
+              <a:pPr/>
+              <a:t>12</a:t>
+            </a:fld>
+            <a:endParaRPr lang="zh-CN" altLang="en-US"/>
+          </a:p>
+        </p:txBody>
+      </p:sp>
+    </p:spTree>
+    <p:extLst>
+      <p:ext uri="{BB962C8B-B14F-4D97-AF65-F5344CB8AC3E}">
+        <p14:creationId xmlns:p14="http://schemas.microsoft.com/office/powerpoint/2010/main" val="3128872979"/>
+      </p:ext>
+    </p:extLst>
+  </p:cSld>
+  <p:clrMapOvr>
+    <a:masterClrMapping/>
+  </p:clrMapOvr>
+</p:notes>
+</file>
+
+<file path=ppt/notesSlides/notesSlide13.xml><?xml version="1.0" encoding="utf-8"?>
+<p:notes xmlns:a="http://schemas.openxmlformats.org/drawingml/2006/main" xmlns:r="http://schemas.openxmlformats.org/officeDocument/2006/relationships" xmlns:p="http://schemas.openxmlformats.org/presentationml/2006/main">
+  <p:cSld>
+    <p:spTree>
+      <p:nvGrpSpPr>
+        <p:cNvPr id="1" name=""/>
+        <p:cNvGrpSpPr/>
+        <p:nvPr/>
+      </p:nvGrpSpPr>
+      <p:grpSpPr>
+        <a:xfrm>
+          <a:off x="0" y="0"/>
+          <a:ext cx="0" cy="0"/>
+          <a:chOff x="0" y="0"/>
+          <a:chExt cx="0" cy="0"/>
+        </a:xfrm>
+      </p:grpSpPr>
+      <p:sp>
+        <p:nvSpPr>
+          <p:cNvPr id="2" name="幻灯片图像占位符 1"/>
+          <p:cNvSpPr>
+            <a:spLocks noGrp="1" noRot="1" noChangeAspect="1"/>
+          </p:cNvSpPr>
+          <p:nvPr>
+            <p:ph type="sldImg"/>
+          </p:nvPr>
+        </p:nvSpPr>
+        <p:spPr/>
+      </p:sp>
+      <p:sp>
+        <p:nvSpPr>
+          <p:cNvPr id="3" name="备注占位符 2"/>
+          <p:cNvSpPr>
+            <a:spLocks noGrp="1"/>
+          </p:cNvSpPr>
+          <p:nvPr>
+            <p:ph type="body" idx="1"/>
+          </p:nvPr>
+        </p:nvSpPr>
+        <p:spPr/>
+        <p:txBody>
+          <a:bodyPr/>
+          <a:lstStyle/>
+          <a:p>
+            <a:pPr algn="l"/>
+            <a:endParaRPr lang="en-US" altLang="zh-CN" dirty="0" smtClean="0"/>
+          </a:p>
+        </p:txBody>
+      </p:sp>
+      <p:sp>
+        <p:nvSpPr>
+          <p:cNvPr id="4" name="灯片编号占位符 3"/>
+          <p:cNvSpPr>
+            <a:spLocks noGrp="1"/>
+          </p:cNvSpPr>
+          <p:nvPr>
+            <p:ph type="sldNum" sz="quarter" idx="10"/>
+          </p:nvPr>
+        </p:nvSpPr>
+        <p:spPr/>
+        <p:txBody>
+          <a:bodyPr/>
+          <a:lstStyle/>
+          <a:p>
+            <a:fld id="{2721F026-A56C-44A0-B1B5-6544C30C2BED}" type="slidenum">
+              <a:rPr lang="zh-CN" altLang="en-US" smtClean="0"/>
+              <a:pPr/>
+              <a:t>13</a:t>
+            </a:fld>
+            <a:endParaRPr lang="zh-CN" altLang="en-US"/>
+          </a:p>
+        </p:txBody>
+      </p:sp>
+    </p:spTree>
+    <p:extLst>
+      <p:ext uri="{BB962C8B-B14F-4D97-AF65-F5344CB8AC3E}">
+        <p14:creationId xmlns:p14="http://schemas.microsoft.com/office/powerpoint/2010/main" val="3128872979"/>
+      </p:ext>
+    </p:extLst>
+  </p:cSld>
+  <p:clrMapOvr>
+    <a:masterClrMapping/>
+  </p:clrMapOvr>
+</p:notes>
+</file>
+
+<file path=ppt/notesSlides/notesSlide14.xml><?xml version="1.0" encoding="utf-8"?>
+<p:notes xmlns:a="http://schemas.openxmlformats.org/drawingml/2006/main" xmlns:r="http://schemas.openxmlformats.org/officeDocument/2006/relationships" xmlns:p="http://schemas.openxmlformats.org/presentationml/2006/main">
+  <p:cSld>
+    <p:spTree>
+      <p:nvGrpSpPr>
+        <p:cNvPr id="1" name=""/>
+        <p:cNvGrpSpPr/>
+        <p:nvPr/>
+      </p:nvGrpSpPr>
+      <p:grpSpPr>
+        <a:xfrm>
+          <a:off x="0" y="0"/>
+          <a:ext cx="0" cy="0"/>
+          <a:chOff x="0" y="0"/>
+          <a:chExt cx="0" cy="0"/>
+        </a:xfrm>
+      </p:grpSpPr>
+      <p:sp>
+        <p:nvSpPr>
+          <p:cNvPr id="2" name="幻灯片图像占位符 1"/>
+          <p:cNvSpPr>
+            <a:spLocks noGrp="1" noRot="1" noChangeAspect="1"/>
+          </p:cNvSpPr>
+          <p:nvPr>
+            <p:ph type="sldImg"/>
+          </p:nvPr>
+        </p:nvSpPr>
+        <p:spPr/>
+      </p:sp>
+      <p:sp>
+        <p:nvSpPr>
+          <p:cNvPr id="3" name="备注占位符 2"/>
+          <p:cNvSpPr>
+            <a:spLocks noGrp="1"/>
+          </p:cNvSpPr>
+          <p:nvPr>
+            <p:ph type="body" idx="1"/>
+          </p:nvPr>
+        </p:nvSpPr>
+        <p:spPr/>
+        <p:txBody>
+          <a:bodyPr/>
+          <a:lstStyle/>
+          <a:p>
+            <a:r>
+              <a:rPr lang="zh-CN" altLang="en-US" dirty="0" smtClean="0"/>
+              <a:t>我们最后在总结下</a:t>
+            </a:r>
+            <a:r>
+              <a:rPr lang="en-US" altLang="zh-CN" dirty="0" smtClean="0"/>
+              <a:t>CSI</a:t>
+            </a:r>
+            <a:r>
+              <a:rPr lang="en-US" altLang="zh-CN" baseline="0" dirty="0" smtClean="0"/>
+              <a:t> </a:t>
+            </a:r>
+            <a:r>
+              <a:rPr lang="zh-CN" altLang="en-US" baseline="0" dirty="0" smtClean="0"/>
+              <a:t>的相关优点和一些相关技术，因为</a:t>
+            </a:r>
+            <a:r>
+              <a:rPr lang="en-US" altLang="zh-CN" baseline="0" dirty="0" smtClean="0"/>
+              <a:t>CSI </a:t>
+            </a:r>
+            <a:r>
+              <a:rPr lang="zh-CN" altLang="en-US" baseline="0" dirty="0" smtClean="0"/>
+              <a:t>并没有在我做过的项目中实际应用，所以只是参考总结，相关技术的深入也需要有兴趣的同事，自己去研究。但</a:t>
+            </a:r>
+            <a:r>
+              <a:rPr lang="en-US" altLang="zh-CN" baseline="0" dirty="0" smtClean="0"/>
+              <a:t>CSI </a:t>
+            </a:r>
+            <a:r>
+              <a:rPr lang="zh-CN" altLang="en-US" baseline="0" dirty="0" smtClean="0"/>
+              <a:t>在互联网行业内，特别是高并发的互联网产品中早就在大规模引用了，如京东，淘宝，他们不仅是应用，还做了更深层次的优化。我最近就看到一篇京东前端的介绍文章，他们就在</a:t>
+            </a:r>
+            <a:r>
+              <a:rPr lang="en-US" altLang="zh-CN" baseline="0" dirty="0" smtClean="0"/>
+              <a:t>gulp </a:t>
+            </a:r>
+            <a:r>
+              <a:rPr lang="zh-CN" altLang="en-US" baseline="0" dirty="0" smtClean="0"/>
+              <a:t>及</a:t>
+            </a:r>
+            <a:r>
+              <a:rPr lang="en-US" altLang="zh-CN" baseline="0" dirty="0" err="1" smtClean="0"/>
+              <a:t>webpack</a:t>
+            </a:r>
+            <a:r>
+              <a:rPr lang="en-US" altLang="zh-CN" baseline="0" dirty="0" smtClean="0"/>
+              <a:t> </a:t>
+            </a:r>
+            <a:r>
+              <a:rPr lang="zh-CN" altLang="en-US" baseline="0" dirty="0" smtClean="0"/>
+              <a:t>基础上封装了自己自动化框架。</a:t>
+            </a:r>
+            <a:endParaRPr lang="en-US" altLang="zh-CN" baseline="0" dirty="0" smtClean="0"/>
+          </a:p>
+          <a:p>
+            <a:r>
+              <a:rPr lang="zh-CN" altLang="en-US" dirty="0" smtClean="0"/>
+              <a:t>优点和总结</a:t>
+            </a:r>
+            <a:endParaRPr lang="en-US" altLang="zh-CN" dirty="0" smtClean="0"/>
+          </a:p>
+          <a:p>
+            <a:r>
+              <a:rPr lang="zh-CN" altLang="en-US" dirty="0" smtClean="0"/>
+              <a:t>使用</a:t>
+            </a:r>
+            <a:r>
+              <a:rPr lang="en-US" altLang="zh-CN" dirty="0" smtClean="0"/>
+              <a:t>gulp</a:t>
+            </a:r>
+            <a:r>
+              <a:rPr lang="en-US" altLang="zh-CN" baseline="0" dirty="0" smtClean="0"/>
+              <a:t> </a:t>
+            </a:r>
+            <a:r>
+              <a:rPr lang="zh-CN" altLang="en-US" baseline="0" dirty="0" smtClean="0"/>
+              <a:t>及相关插件，基本可以做到自动合并</a:t>
+            </a:r>
+            <a:r>
+              <a:rPr lang="en-US" altLang="zh-CN" baseline="0" dirty="0" err="1" smtClean="0"/>
+              <a:t>css</a:t>
+            </a:r>
+            <a:r>
+              <a:rPr lang="en-US" altLang="zh-CN" baseline="0" dirty="0" smtClean="0"/>
+              <a:t>, </a:t>
+            </a:r>
+            <a:r>
+              <a:rPr lang="zh-CN" altLang="en-US" baseline="0" dirty="0" smtClean="0"/>
+              <a:t>解析</a:t>
+            </a:r>
+            <a:r>
+              <a:rPr lang="en-US" altLang="zh-CN" baseline="0" dirty="0" err="1" smtClean="0"/>
+              <a:t>less,sass</a:t>
+            </a:r>
+            <a:r>
+              <a:rPr lang="en-US" altLang="zh-CN" baseline="0" dirty="0" smtClean="0"/>
+              <a:t>,</a:t>
+            </a:r>
+            <a:r>
+              <a:rPr lang="zh-CN" altLang="en-US" baseline="0" dirty="0" smtClean="0"/>
+              <a:t>自动压缩</a:t>
+            </a:r>
+            <a:r>
+              <a:rPr lang="en-US" altLang="zh-CN" baseline="0" dirty="0" err="1" smtClean="0"/>
+              <a:t>js</a:t>
+            </a:r>
+            <a:r>
+              <a:rPr lang="en-US" altLang="zh-CN" baseline="0" dirty="0" smtClean="0"/>
+              <a:t>,</a:t>
+            </a:r>
+            <a:r>
+              <a:rPr lang="zh-CN" altLang="en-US" sz="1200" b="0" i="0" kern="1200" baseline="0" dirty="0" smtClean="0">
+                <a:solidFill>
+                  <a:schemeClr val="tx1"/>
+                </a:solidFill>
+                <a:effectLst/>
+                <a:latin typeface="+mn-lt"/>
+                <a:ea typeface="+mn-ea"/>
+                <a:cs typeface="+mn-cs"/>
+              </a:rPr>
+              <a:t>方便使用</a:t>
+            </a:r>
+            <a:r>
+              <a:rPr lang="zh-CN" altLang="en-US" sz="1200" b="0" i="0" kern="1200" dirty="0" smtClean="0">
+                <a:solidFill>
+                  <a:schemeClr val="tx1"/>
+                </a:solidFill>
+                <a:effectLst/>
+                <a:latin typeface="+mn-lt"/>
+                <a:ea typeface="+mn-ea"/>
+                <a:cs typeface="+mn-cs"/>
+              </a:rPr>
+              <a:t>图片雪碧图，自动化测试，热启动，浏览器自动刷新等等。</a:t>
+            </a:r>
+            <a:endParaRPr lang="en-US" altLang="zh-CN" sz="1200" b="0" i="0" kern="1200" dirty="0" smtClean="0">
+              <a:solidFill>
+                <a:schemeClr val="tx1"/>
+              </a:solidFill>
+              <a:effectLst/>
+              <a:latin typeface="+mn-lt"/>
+              <a:ea typeface="+mn-ea"/>
+              <a:cs typeface="+mn-cs"/>
+            </a:endParaRPr>
+          </a:p>
+          <a:p>
+            <a:r>
+              <a:rPr lang="zh-CN" altLang="en-US" sz="1200" b="0" i="0" kern="1200" dirty="0" smtClean="0">
+                <a:solidFill>
+                  <a:schemeClr val="tx1"/>
+                </a:solidFill>
+                <a:effectLst/>
+                <a:latin typeface="+mn-lt"/>
+                <a:ea typeface="+mn-ea"/>
+                <a:cs typeface="+mn-cs"/>
+              </a:rPr>
+              <a:t>控制层前移，实现原来在后端控制层及</a:t>
+            </a:r>
+            <a:r>
+              <a:rPr lang="en-US" altLang="zh-CN" sz="1200" b="0" i="0" kern="1200" dirty="0" smtClean="0">
+                <a:solidFill>
+                  <a:schemeClr val="tx1"/>
+                </a:solidFill>
+                <a:effectLst/>
+                <a:latin typeface="+mn-lt"/>
+                <a:ea typeface="+mn-ea"/>
+                <a:cs typeface="+mn-cs"/>
+              </a:rPr>
+              <a:t>view</a:t>
+            </a:r>
+            <a:r>
+              <a:rPr lang="en-US" altLang="zh-CN" sz="1200" b="0" i="0" kern="1200" baseline="0" dirty="0" smtClean="0">
+                <a:solidFill>
+                  <a:schemeClr val="tx1"/>
+                </a:solidFill>
+                <a:effectLst/>
+                <a:latin typeface="+mn-lt"/>
+                <a:ea typeface="+mn-ea"/>
+                <a:cs typeface="+mn-cs"/>
+              </a:rPr>
+              <a:t> </a:t>
+            </a:r>
+            <a:r>
+              <a:rPr lang="zh-CN" altLang="en-US" sz="1200" b="0" i="0" kern="1200" baseline="0" dirty="0" smtClean="0">
+                <a:solidFill>
+                  <a:schemeClr val="tx1"/>
+                </a:solidFill>
+                <a:effectLst/>
+                <a:latin typeface="+mn-lt"/>
+                <a:ea typeface="+mn-ea"/>
+                <a:cs typeface="+mn-cs"/>
+              </a:rPr>
+              <a:t>功能。</a:t>
+            </a:r>
+            <a:endParaRPr lang="en-US" altLang="zh-CN" sz="1200" b="0" i="0" kern="1200" baseline="0" dirty="0" smtClean="0">
+              <a:solidFill>
+                <a:schemeClr val="tx1"/>
+              </a:solidFill>
+              <a:effectLst/>
+              <a:latin typeface="+mn-lt"/>
+              <a:ea typeface="+mn-ea"/>
+              <a:cs typeface="+mn-cs"/>
+            </a:endParaRPr>
+          </a:p>
+          <a:p>
+            <a:r>
+              <a:rPr lang="zh-CN" altLang="en-US" sz="1200" b="0" i="0" kern="1200" baseline="0" dirty="0" smtClean="0">
+                <a:solidFill>
+                  <a:schemeClr val="tx1"/>
+                </a:solidFill>
+                <a:effectLst/>
+                <a:latin typeface="+mn-lt"/>
+                <a:ea typeface="+mn-ea"/>
+                <a:cs typeface="+mn-cs"/>
+              </a:rPr>
+              <a:t>模块化开发，随着前端的复杂化，通常会采用模块化开发，这又会引入模块关系管理难及加载顺序与速度问题，而</a:t>
+            </a:r>
+            <a:r>
+              <a:rPr lang="en-US" altLang="zh-CN" sz="1200" b="0" i="0" kern="1200" baseline="0" dirty="0" err="1" smtClean="0">
+                <a:solidFill>
+                  <a:schemeClr val="tx1"/>
+                </a:solidFill>
+                <a:effectLst/>
+                <a:latin typeface="+mn-lt"/>
+                <a:ea typeface="+mn-ea"/>
+                <a:cs typeface="+mn-cs"/>
+              </a:rPr>
+              <a:t>requireJs,SeaJs</a:t>
+            </a:r>
+            <a:r>
+              <a:rPr lang="en-US" altLang="zh-CN" sz="1200" b="0" i="0" kern="1200" baseline="0" dirty="0" smtClean="0">
+                <a:solidFill>
+                  <a:schemeClr val="tx1"/>
+                </a:solidFill>
+                <a:effectLst/>
+                <a:latin typeface="+mn-lt"/>
+                <a:ea typeface="+mn-ea"/>
+                <a:cs typeface="+mn-cs"/>
+              </a:rPr>
+              <a:t> </a:t>
+            </a:r>
+            <a:r>
+              <a:rPr lang="zh-CN" altLang="en-US" sz="1200" b="0" i="0" kern="1200" baseline="0" dirty="0" smtClean="0">
+                <a:solidFill>
+                  <a:schemeClr val="tx1"/>
+                </a:solidFill>
+                <a:effectLst/>
+                <a:latin typeface="+mn-lt"/>
+                <a:ea typeface="+mn-ea"/>
+                <a:cs typeface="+mn-cs"/>
+              </a:rPr>
+              <a:t>就是为解决这类问题而生</a:t>
+            </a:r>
+            <a:r>
+              <a:rPr lang="en-US" altLang="zh-CN" sz="1200" b="0" i="0" kern="1200" baseline="0" dirty="0" smtClean="0">
+                <a:solidFill>
+                  <a:schemeClr val="tx1"/>
+                </a:solidFill>
+                <a:effectLst/>
+                <a:latin typeface="+mn-lt"/>
+                <a:ea typeface="+mn-ea"/>
+                <a:cs typeface="+mn-cs"/>
+              </a:rPr>
+              <a:t> </a:t>
+            </a:r>
+            <a:r>
+              <a:rPr lang="zh-CN" altLang="en-US" sz="1200" b="0" i="0" kern="1200" baseline="0" dirty="0" smtClean="0">
+                <a:solidFill>
+                  <a:schemeClr val="tx1"/>
+                </a:solidFill>
+                <a:effectLst/>
+                <a:latin typeface="+mn-lt"/>
+                <a:ea typeface="+mn-ea"/>
+                <a:cs typeface="+mn-cs"/>
+              </a:rPr>
+              <a:t>。</a:t>
+            </a:r>
+            <a:endParaRPr lang="en-US" altLang="zh-CN" sz="1200" b="0" i="0" kern="1200" baseline="0" dirty="0" smtClean="0">
+              <a:solidFill>
+                <a:schemeClr val="tx1"/>
+              </a:solidFill>
+              <a:effectLst/>
+              <a:latin typeface="+mn-lt"/>
+              <a:ea typeface="+mn-ea"/>
+              <a:cs typeface="+mn-cs"/>
+            </a:endParaRPr>
+          </a:p>
+          <a:p>
+            <a:r>
+              <a:rPr lang="zh-CN" altLang="en-US" dirty="0" smtClean="0"/>
+              <a:t>与后端解耦，指的是前端开发过程可以不依赖后端，只需要与后端沟通好接口定义，开发过程完全可以借助</a:t>
+            </a:r>
+            <a:r>
+              <a:rPr lang="en-US" altLang="zh-CN" dirty="0" err="1" smtClean="0"/>
+              <a:t>nodejs</a:t>
+            </a:r>
+            <a:r>
+              <a:rPr lang="en-US" altLang="zh-CN" baseline="0" dirty="0" smtClean="0"/>
+              <a:t> </a:t>
+            </a:r>
+            <a:r>
+              <a:rPr lang="zh-CN" altLang="en-US" baseline="0" dirty="0" smtClean="0"/>
+              <a:t>的服务端功能来模拟后端接口，以调试程序，待后端接口开发完成，只需将接口地址做下更换即可。</a:t>
+            </a:r>
+            <a:endParaRPr lang="en-US" altLang="zh-CN" baseline="0" dirty="0" smtClean="0"/>
+          </a:p>
+          <a:p>
+            <a:endParaRPr lang="en-US" altLang="zh-CN" baseline="0" dirty="0" smtClean="0"/>
+          </a:p>
+          <a:p>
+            <a:r>
+              <a:rPr lang="zh-CN" altLang="en-US" baseline="0" dirty="0" smtClean="0"/>
+              <a:t>说了这么多优点，接下来也说说缺点：</a:t>
+            </a:r>
+            <a:endParaRPr lang="en-US" altLang="zh-CN" baseline="0" dirty="0" smtClean="0"/>
+          </a:p>
+          <a:p>
+            <a:r>
+              <a:rPr lang="en-US" altLang="zh-CN" baseline="0" dirty="0" smtClean="0"/>
+              <a:t>   </a:t>
+            </a:r>
+            <a:r>
+              <a:rPr lang="zh-CN" altLang="en-US" baseline="0" dirty="0" smtClean="0"/>
+              <a:t>最大缺点就是对前端开发人员要求较高，需要学习各种新技术，要求较高的编程能力。</a:t>
+            </a:r>
+            <a:endParaRPr lang="en-US" altLang="zh-CN" baseline="0" dirty="0" smtClean="0"/>
+          </a:p>
+          <a:p>
+            <a:r>
+              <a:rPr lang="en-US" altLang="zh-CN" baseline="0" dirty="0" smtClean="0"/>
+              <a:t>   </a:t>
+            </a:r>
+            <a:r>
+              <a:rPr lang="zh-CN" altLang="en-US" baseline="0" dirty="0" smtClean="0"/>
+              <a:t>第二是一些可能动态页面很容易处理的问题变得比较复杂，如</a:t>
+            </a:r>
+            <a:r>
+              <a:rPr lang="en-US" altLang="zh-CN" baseline="0" dirty="0" smtClean="0"/>
+              <a:t>session </a:t>
+            </a:r>
+            <a:r>
+              <a:rPr lang="zh-CN" altLang="en-US" baseline="0" dirty="0" smtClean="0"/>
+              <a:t>值，权限控制，关联信息输出等等。</a:t>
+            </a:r>
+            <a:endParaRPr lang="en-US" altLang="zh-CN" baseline="0" dirty="0" smtClean="0"/>
+          </a:p>
+        </p:txBody>
+      </p:sp>
+      <p:sp>
+        <p:nvSpPr>
+          <p:cNvPr id="4" name="灯片编号占位符 3"/>
+          <p:cNvSpPr>
+            <a:spLocks noGrp="1"/>
+          </p:cNvSpPr>
+          <p:nvPr>
+            <p:ph type="sldNum" sz="quarter" idx="10"/>
+          </p:nvPr>
+        </p:nvSpPr>
+        <p:spPr/>
+        <p:txBody>
+          <a:bodyPr/>
+          <a:lstStyle/>
+          <a:p>
+            <a:fld id="{2721F026-A56C-44A0-B1B5-6544C30C2BED}" type="slidenum">
+              <a:rPr lang="zh-CN" altLang="en-US" smtClean="0"/>
+              <a:pPr/>
+              <a:t>14</a:t>
+            </a:fld>
+            <a:endParaRPr lang="zh-CN" altLang="en-US"/>
+          </a:p>
+        </p:txBody>
+      </p:sp>
+    </p:spTree>
+    <p:extLst>
+      <p:ext uri="{BB962C8B-B14F-4D97-AF65-F5344CB8AC3E}">
+        <p14:creationId xmlns:p14="http://schemas.microsoft.com/office/powerpoint/2010/main" val="3128872979"/>
+      </p:ext>
+    </p:extLst>
+  </p:cSld>
+  <p:clrMapOvr>
+    <a:masterClrMapping/>
+  </p:clrMapOvr>
+</p:notes>
+</file>
+
+<file path=ppt/notesSlides/notesSlide15.xml><?xml version="1.0" encoding="utf-8"?>
+<p:notes xmlns:a="http://schemas.openxmlformats.org/drawingml/2006/main" xmlns:r="http://schemas.openxmlformats.org/officeDocument/2006/relationships" xmlns:p="http://schemas.openxmlformats.org/presentationml/2006/main">
+  <p:cSld>
+    <p:spTree>
+      <p:nvGrpSpPr>
+        <p:cNvPr id="1" name=""/>
+        <p:cNvGrpSpPr/>
+        <p:nvPr/>
+      </p:nvGrpSpPr>
+      <p:grpSpPr>
+        <a:xfrm>
+          <a:off x="0" y="0"/>
+          <a:ext cx="0" cy="0"/>
+          <a:chOff x="0" y="0"/>
+          <a:chExt cx="0" cy="0"/>
+        </a:xfrm>
+      </p:grpSpPr>
+      <p:sp>
+        <p:nvSpPr>
+          <p:cNvPr id="2" name="幻灯片图像占位符 1"/>
+          <p:cNvSpPr>
+            <a:spLocks noGrp="1" noRot="1" noChangeAspect="1"/>
+          </p:cNvSpPr>
+          <p:nvPr>
+            <p:ph type="sldImg"/>
+          </p:nvPr>
+        </p:nvSpPr>
+        <p:spPr/>
+      </p:sp>
+      <p:sp>
+        <p:nvSpPr>
+          <p:cNvPr id="3" name="备注占位符 2"/>
+          <p:cNvSpPr>
+            <a:spLocks noGrp="1"/>
+          </p:cNvSpPr>
+          <p:nvPr>
+            <p:ph type="body" idx="1"/>
+          </p:nvPr>
+        </p:nvSpPr>
+        <p:spPr/>
+        <p:txBody>
+          <a:bodyPr/>
+          <a:lstStyle/>
+          <a:p>
+            <a:pPr marL="0" marR="0" indent="0" algn="l" defTabSz="914400" rtl="0" eaLnBrk="1" fontAlgn="auto" latinLnBrk="0" hangingPunct="1">
+              <a:lnSpc>
+                <a:spcPct val="100000"/>
+              </a:lnSpc>
+              <a:spcBef>
+                <a:spcPts val="0"/>
+              </a:spcBef>
+              <a:spcAft>
+                <a:spcPts val="0"/>
+              </a:spcAft>
+              <a:buClrTx/>
+              <a:buSzTx/>
+              <a:buFontTx/>
+              <a:buNone/>
+              <a:tabLst/>
+              <a:defRPr/>
+            </a:pPr>
+            <a:r>
+              <a:rPr lang="zh-CN" altLang="en-US" dirty="0" smtClean="0"/>
+              <a:t>到这，</a:t>
+            </a:r>
+            <a:r>
+              <a:rPr lang="en-US" altLang="zh-CN" dirty="0" smtClean="0"/>
+              <a:t>web</a:t>
+            </a:r>
+            <a:r>
+              <a:rPr lang="en-US" altLang="zh-CN" baseline="0" dirty="0" smtClean="0"/>
+              <a:t> </a:t>
+            </a:r>
+            <a:r>
+              <a:rPr lang="zh-CN" altLang="en-US" baseline="0" dirty="0" smtClean="0"/>
+              <a:t>前端优化介绍的差不多了，最后还是要强调下，优化都是有成本的。</a:t>
+            </a:r>
+            <a:endParaRPr lang="en-US" altLang="zh-CN" dirty="0" smtClean="0"/>
+          </a:p>
+          <a:p>
+            <a:pPr marL="0" marR="0" indent="0" algn="l" defTabSz="914400" rtl="0" eaLnBrk="1" fontAlgn="auto" latinLnBrk="0" hangingPunct="1">
+              <a:lnSpc>
+                <a:spcPct val="100000"/>
+              </a:lnSpc>
+              <a:spcBef>
+                <a:spcPts val="0"/>
+              </a:spcBef>
+              <a:spcAft>
+                <a:spcPts val="0"/>
+              </a:spcAft>
+              <a:buClrTx/>
+              <a:buSzTx/>
+              <a:buFontTx/>
+              <a:buNone/>
+              <a:tabLst/>
+              <a:defRPr/>
+            </a:pPr>
+            <a:r>
+              <a:rPr lang="zh-CN" altLang="en-US" dirty="0" smtClean="0"/>
+              <a:t>，这点来说说就不是这样了，我最早接触的</a:t>
+            </a:r>
+            <a:r>
+              <a:rPr lang="en-US" altLang="zh-CN" dirty="0" smtClean="0"/>
+              <a:t>web</a:t>
+            </a:r>
+            <a:r>
+              <a:rPr lang="zh-CN" altLang="en-US" dirty="0" smtClean="0"/>
+              <a:t>就是纯静态的，那时开发工具还是</a:t>
+            </a:r>
+            <a:r>
+              <a:rPr lang="zh-CN" altLang="en-US" baseline="0" dirty="0" smtClean="0"/>
+              <a:t>三剑客的天下，但不要小看纯静态站，如果过能把动态内容静态化，那什么高并发都不在话下，解决起来会非常简单，现在的</a:t>
+            </a:r>
+            <a:r>
+              <a:rPr lang="en-US" altLang="zh-CN" baseline="0" dirty="0" err="1" smtClean="0"/>
+              <a:t>cms</a:t>
+            </a:r>
+            <a:r>
+              <a:rPr lang="en-US" altLang="zh-CN" baseline="0" dirty="0" smtClean="0"/>
+              <a:t> </a:t>
+            </a:r>
+            <a:r>
+              <a:rPr lang="zh-CN" altLang="en-US" baseline="0" dirty="0" smtClean="0"/>
+              <a:t>系统，新闻系统都会有这类机制。。。</a:t>
+            </a:r>
+            <a:endParaRPr lang="en-US" altLang="zh-CN" dirty="0" smtClean="0"/>
+          </a:p>
+          <a:p>
+            <a:endParaRPr lang="en-US" altLang="zh-CN" baseline="0" dirty="0" smtClean="0"/>
+          </a:p>
+        </p:txBody>
+      </p:sp>
+      <p:sp>
+        <p:nvSpPr>
+          <p:cNvPr id="4" name="灯片编号占位符 3"/>
+          <p:cNvSpPr>
+            <a:spLocks noGrp="1"/>
+          </p:cNvSpPr>
+          <p:nvPr>
+            <p:ph type="sldNum" sz="quarter" idx="10"/>
+          </p:nvPr>
+        </p:nvSpPr>
+        <p:spPr/>
+        <p:txBody>
+          <a:bodyPr/>
+          <a:lstStyle/>
+          <a:p>
+            <a:fld id="{2721F026-A56C-44A0-B1B5-6544C30C2BED}" type="slidenum">
+              <a:rPr lang="zh-CN" altLang="en-US" smtClean="0"/>
+              <a:pPr/>
+              <a:t>15</a:t>
+            </a:fld>
+            <a:endParaRPr lang="zh-CN" altLang="en-US"/>
+          </a:p>
+        </p:txBody>
+      </p:sp>
+    </p:spTree>
+    <p:extLst>
+      <p:ext uri="{BB962C8B-B14F-4D97-AF65-F5344CB8AC3E}">
+        <p14:creationId xmlns:p14="http://schemas.microsoft.com/office/powerpoint/2010/main" val="3128872979"/>
       </p:ext>
     </p:extLst>
   </p:cSld>
@@ -2436,14 +3789,33 @@
           <a:p>
             <a:r>
               <a:rPr lang="zh-CN" altLang="en-US" dirty="0" smtClean="0"/>
-              <a:t>有一句比较好的总结前端优化的内容，说的是前端优化就是。。。，这三战术官方一点表述就是，优化的三大原理。接下来我们先来看看这三大战术的具体内容。</a:t>
+              <a:t>有一句话比较好的总结前端优化的本质，说的是前端优化就是。。。，这三战术官方一点表述就是，优化的三大原理。接下来我们先来看看这三大战术的具体内容。</a:t>
             </a:r>
             <a:endParaRPr lang="en-US" altLang="zh-CN" dirty="0" smtClean="0"/>
           </a:p>
           <a:p>
             <a:r>
               <a:rPr lang="zh-CN" altLang="en-US" dirty="0" smtClean="0"/>
-              <a:t>首先是少，是少请求。请求是服务器最大的敌人之一，因为每个请求都是要消耗资源的，不仅耗客户端资源，也消耗服务端资源。所以我们希望在达到用户需求需求情况下，请求越少越好。</a:t>
+              <a:t>首先快，快的主要目的是增加用户体验。实现快两个方面进行优化，一是环境，包括网络环境和运行环境，这个主要偏实施，不细讲。第二是代码优化，加快执行速度，前端来说就是优化</a:t>
+            </a:r>
+            <a:r>
+              <a:rPr lang="en-US" altLang="zh-CN" dirty="0" err="1" smtClean="0"/>
+              <a:t>js,css</a:t>
+            </a:r>
+            <a:r>
+              <a:rPr lang="en-US" altLang="zh-CN" baseline="0" dirty="0" smtClean="0"/>
+              <a:t> </a:t>
+            </a:r>
+            <a:r>
+              <a:rPr lang="zh-CN" altLang="en-US" baseline="0" dirty="0" smtClean="0"/>
+              <a:t>代码性能， 涉及代码性能优化，那点上的内容会很多，今天也不能展开讲了。</a:t>
+            </a:r>
+            <a:endParaRPr lang="en-US" altLang="zh-CN" dirty="0" smtClean="0"/>
+          </a:p>
+          <a:p>
+            <a:r>
+              <a:rPr lang="zh-CN" altLang="en-US" dirty="0" smtClean="0"/>
+              <a:t>是少，是少请求。请求是服务器最大的敌人之一，因为每个请求都是要消耗资源的，不仅耗客户端资源，也消耗服务端资源。所以我们希望在达到用户需求需求情况下，请求越少越好。</a:t>
             </a:r>
             <a:endParaRPr lang="en-US" altLang="zh-CN" dirty="0" smtClean="0"/>
           </a:p>
@@ -2537,9 +3909,12 @@
             <a:endParaRPr lang="en-US" altLang="zh-CN" dirty="0" smtClean="0"/>
           </a:p>
           <a:p>
+            <a:endParaRPr lang="en-US" altLang="zh-CN" dirty="0" smtClean="0"/>
+          </a:p>
+          <a:p>
             <a:r>
               <a:rPr lang="zh-CN" altLang="en-US" baseline="0" dirty="0" smtClean="0"/>
-              <a:t>那有解决方案没呢，有，我们在讲完这三个战术后，在来综合探讨。接下我们看另一个战术点“近”</a:t>
+              <a:t>那有解决方案没呢，有，我们在讲完这四个战术后，在来综合探讨。接下我们看另一个战术点“近”</a:t>
             </a:r>
             <a:endParaRPr lang="en-US" altLang="zh-CN" dirty="0" smtClean="0"/>
           </a:p>
@@ -2776,7 +4151,7 @@
             <a:fld id="{D22439AA-DE3E-4136-8738-0A92E0638C7F}" type="datetimeFigureOut">
               <a:rPr lang="zh-CN" altLang="en-US" smtClean="0"/>
               <a:pPr/>
-              <a:t>2016/8/16</a:t>
+              <a:t>2016/8/26</a:t>
             </a:fld>
             <a:endParaRPr lang="zh-CN" altLang="en-US"/>
           </a:p>
@@ -2964,7 +4339,7 @@
             <a:fld id="{D22439AA-DE3E-4136-8738-0A92E0638C7F}" type="datetimeFigureOut">
               <a:rPr lang="zh-CN" altLang="en-US" smtClean="0"/>
               <a:pPr/>
-              <a:t>2016/8/16</a:t>
+              <a:t>2016/8/26</a:t>
             </a:fld>
             <a:endParaRPr lang="zh-CN" altLang="en-US"/>
           </a:p>
@@ -3152,7 +4527,7 @@
             <a:fld id="{D22439AA-DE3E-4136-8738-0A92E0638C7F}" type="datetimeFigureOut">
               <a:rPr lang="zh-CN" altLang="en-US" smtClean="0"/>
               <a:pPr/>
-              <a:t>2016/8/16</a:t>
+              <a:t>2016/8/26</a:t>
             </a:fld>
             <a:endParaRPr lang="zh-CN" altLang="en-US"/>
           </a:p>
@@ -3365,7 +4740,7 @@
             <a:fld id="{D22439AA-DE3E-4136-8738-0A92E0638C7F}" type="datetimeFigureOut">
               <a:rPr lang="zh-CN" altLang="en-US" smtClean="0"/>
               <a:pPr/>
-              <a:t>2016/8/16</a:t>
+              <a:t>2016/8/26</a:t>
             </a:fld>
             <a:endParaRPr lang="zh-CN" altLang="en-US"/>
           </a:p>
@@ -3619,7 +4994,7 @@
             <a:fld id="{D22439AA-DE3E-4136-8738-0A92E0638C7F}" type="datetimeFigureOut">
               <a:rPr lang="zh-CN" altLang="en-US" smtClean="0"/>
               <a:pPr/>
-              <a:t>2016/8/16</a:t>
+              <a:t>2016/8/26</a:t>
             </a:fld>
             <a:endParaRPr lang="zh-CN" altLang="en-US"/>
           </a:p>
@@ -3923,7 +5298,7 @@
             <a:fld id="{D22439AA-DE3E-4136-8738-0A92E0638C7F}" type="datetimeFigureOut">
               <a:rPr lang="zh-CN" altLang="en-US" smtClean="0"/>
               <a:pPr/>
-              <a:t>2016/8/16</a:t>
+              <a:t>2016/8/26</a:t>
             </a:fld>
             <a:endParaRPr lang="zh-CN" altLang="en-US"/>
           </a:p>
@@ -4367,7 +5742,7 @@
             <a:fld id="{D22439AA-DE3E-4136-8738-0A92E0638C7F}" type="datetimeFigureOut">
               <a:rPr lang="zh-CN" altLang="en-US" smtClean="0"/>
               <a:pPr/>
-              <a:t>2016/8/16</a:t>
+              <a:t>2016/8/26</a:t>
             </a:fld>
             <a:endParaRPr lang="zh-CN" altLang="en-US"/>
           </a:p>
@@ -4495,7 +5870,7 @@
             <a:fld id="{D22439AA-DE3E-4136-8738-0A92E0638C7F}" type="datetimeFigureOut">
               <a:rPr lang="zh-CN" altLang="en-US" smtClean="0"/>
               <a:pPr/>
-              <a:t>2016/8/16</a:t>
+              <a:t>2016/8/26</a:t>
             </a:fld>
             <a:endParaRPr lang="zh-CN" altLang="en-US"/>
           </a:p>
@@ -4592,7 +5967,7 @@
             <a:fld id="{D22439AA-DE3E-4136-8738-0A92E0638C7F}" type="datetimeFigureOut">
               <a:rPr lang="zh-CN" altLang="en-US" smtClean="0"/>
               <a:pPr/>
-              <a:t>2016/8/16</a:t>
+              <a:t>2016/8/26</a:t>
             </a:fld>
             <a:endParaRPr lang="zh-CN" altLang="en-US"/>
           </a:p>
@@ -4880,7 +6255,7 @@
             <a:fld id="{D22439AA-DE3E-4136-8738-0A92E0638C7F}" type="datetimeFigureOut">
               <a:rPr lang="zh-CN" altLang="en-US" smtClean="0"/>
               <a:pPr/>
-              <a:t>2016/8/16</a:t>
+              <a:t>2016/8/26</a:t>
             </a:fld>
             <a:endParaRPr lang="zh-CN" altLang="en-US"/>
           </a:p>
@@ -5144,7 +6519,7 @@
             <a:fld id="{D22439AA-DE3E-4136-8738-0A92E0638C7F}" type="datetimeFigureOut">
               <a:rPr lang="zh-CN" altLang="en-US" smtClean="0"/>
               <a:pPr/>
-              <a:t>2016/8/16</a:t>
+              <a:t>2016/8/26</a:t>
             </a:fld>
             <a:endParaRPr lang="zh-CN" altLang="en-US"/>
           </a:p>
@@ -5264,7 +6639,7 @@
             <a:fld id="{D22439AA-DE3E-4136-8738-0A92E0638C7F}" type="datetimeFigureOut">
               <a:rPr lang="zh-CN" altLang="en-US" smtClean="0"/>
               <a:pPr/>
-              <a:t>2016/8/16</a:t>
+              <a:t>2016/8/26</a:t>
             </a:fld>
             <a:endParaRPr lang="zh-CN" altLang="en-US"/>
           </a:p>
@@ -6283,7 +7658,7 @@
           <a:p>
             <a:r>
               <a:rPr lang="zh-CN" altLang="en-US" dirty="0" smtClean="0"/>
-              <a:t>目的：减距离</a:t>
+              <a:t>目的：减“距离”</a:t>
             </a:r>
             <a:endParaRPr lang="en-US" altLang="zh-CN" dirty="0" smtClean="0"/>
           </a:p>
@@ -6296,51 +7671,6 @@
               <a:rPr lang="en-US" altLang="zh-CN" dirty="0" smtClean="0"/>
               <a:t>+CDN</a:t>
             </a:r>
-            <a:endParaRPr lang="zh-CN" altLang="en-US" dirty="0"/>
-          </a:p>
-        </p:txBody>
-      </p:sp>
-      <p:sp>
-        <p:nvSpPr>
-          <p:cNvPr id="7" name="线形标注 1(带强调线) 6"/>
-          <p:cNvSpPr/>
-          <p:nvPr/>
-        </p:nvSpPr>
-        <p:spPr>
-          <a:xfrm rot="5400000">
-            <a:off x="1610526" y="4314137"/>
-            <a:ext cx="648072" cy="1715726"/>
-          </a:xfrm>
-          <a:prstGeom prst="accentCallout1">
-            <a:avLst>
-              <a:gd name="adj1" fmla="val 48813"/>
-              <a:gd name="adj2" fmla="val -8333"/>
-              <a:gd name="adj3" fmla="val 48212"/>
-              <a:gd name="adj4" fmla="val -114393"/>
-            </a:avLst>
-          </a:prstGeom>
-        </p:spPr>
-        <p:style>
-          <a:lnRef idx="2">
-            <a:schemeClr val="accent4">
-              <a:shade val="50000"/>
-            </a:schemeClr>
-          </a:lnRef>
-          <a:fillRef idx="1">
-            <a:schemeClr val="accent4"/>
-          </a:fillRef>
-          <a:effectRef idx="0">
-            <a:schemeClr val="accent4"/>
-          </a:effectRef>
-          <a:fontRef idx="minor">
-            <a:schemeClr val="lt1"/>
-          </a:fontRef>
-        </p:style>
-        <p:txBody>
-          <a:bodyPr rtlCol="0" anchor="ctr"/>
-          <a:lstStyle/>
-          <a:p>
-            <a:pPr algn="ctr"/>
             <a:endParaRPr lang="zh-CN" altLang="en-US" dirty="0"/>
           </a:p>
         </p:txBody>
@@ -6424,8 +7754,8 @@
         </p:nvSpPr>
         <p:spPr>
           <a:xfrm>
-            <a:off x="4962526" y="1630896"/>
-            <a:ext cx="2790020" cy="2376264"/>
+            <a:off x="4716016" y="1630896"/>
+            <a:ext cx="3330116" cy="2376264"/>
           </a:xfrm>
           <a:prstGeom prst="ellipse">
             <a:avLst/>
@@ -6466,53 +7796,16 @@
           <a:p>
             <a:r>
               <a:rPr lang="zh-CN" altLang="en-US" dirty="0" smtClean="0"/>
-              <a:t>实现：压缩</a:t>
-            </a:r>
-            <a:endParaRPr lang="zh-CN" altLang="en-US" dirty="0"/>
-          </a:p>
-        </p:txBody>
-      </p:sp>
-      <p:sp>
-        <p:nvSpPr>
-          <p:cNvPr id="11" name="线形标注 1(带强调线) 10"/>
-          <p:cNvSpPr/>
-          <p:nvPr/>
-        </p:nvSpPr>
-        <p:spPr>
-          <a:xfrm rot="5400000">
-            <a:off x="6033500" y="4220933"/>
-            <a:ext cx="648072" cy="1715726"/>
-          </a:xfrm>
-          <a:prstGeom prst="accentCallout1">
-            <a:avLst>
-              <a:gd name="adj1" fmla="val 48813"/>
-              <a:gd name="adj2" fmla="val -8333"/>
-              <a:gd name="adj3" fmla="val 48212"/>
-              <a:gd name="adj4" fmla="val -114393"/>
-            </a:avLst>
-          </a:prstGeom>
-        </p:spPr>
-        <p:style>
-          <a:lnRef idx="2">
-            <a:schemeClr val="accent4">
-              <a:shade val="50000"/>
-            </a:schemeClr>
-          </a:lnRef>
-          <a:fillRef idx="1">
-            <a:schemeClr val="accent4"/>
-          </a:fillRef>
-          <a:effectRef idx="0">
-            <a:schemeClr val="accent4"/>
-          </a:effectRef>
-          <a:fontRef idx="minor">
-            <a:schemeClr val="lt1"/>
-          </a:fontRef>
-        </p:style>
-        <p:txBody>
-          <a:bodyPr rtlCol="0" anchor="ctr"/>
-          <a:lstStyle/>
-          <a:p>
-            <a:pPr algn="ctr"/>
+              <a:t>实现：代码优化</a:t>
+            </a:r>
+            <a:r>
+              <a:rPr lang="en-US" altLang="zh-CN" dirty="0" smtClean="0"/>
+              <a:t>+</a:t>
+            </a:r>
+            <a:r>
+              <a:rPr lang="zh-CN" altLang="en-US" dirty="0" smtClean="0"/>
+              <a:t>压缩</a:t>
+            </a:r>
             <a:endParaRPr lang="zh-CN" altLang="en-US" dirty="0"/>
           </a:p>
         </p:txBody>
@@ -6550,6 +7843,191 @@
             <a:endParaRPr lang="zh-CN" altLang="en-US" sz="2400" dirty="0">
               <a:solidFill>
                 <a:schemeClr val="bg1"/>
+              </a:solidFill>
+            </a:endParaRPr>
+          </a:p>
+        </p:txBody>
+      </p:sp>
+      <p:sp>
+        <p:nvSpPr>
+          <p:cNvPr id="10" name="线形标注 2 9"/>
+          <p:cNvSpPr/>
+          <p:nvPr/>
+        </p:nvSpPr>
+        <p:spPr>
+          <a:xfrm>
+            <a:off x="535013" y="4710335"/>
+            <a:ext cx="2166175" cy="864097"/>
+          </a:xfrm>
+          <a:prstGeom prst="borderCallout2">
+            <a:avLst>
+              <a:gd name="adj1" fmla="val 11"/>
+              <a:gd name="adj2" fmla="val 48577"/>
+              <a:gd name="adj3" fmla="val -33058"/>
+              <a:gd name="adj4" fmla="val 48241"/>
+              <a:gd name="adj5" fmla="val -176305"/>
+              <a:gd name="adj6" fmla="val 79828"/>
+            </a:avLst>
+          </a:prstGeom>
+        </p:spPr>
+        <p:style>
+          <a:lnRef idx="1">
+            <a:schemeClr val="accent5"/>
+          </a:lnRef>
+          <a:fillRef idx="2">
+            <a:schemeClr val="accent5"/>
+          </a:fillRef>
+          <a:effectRef idx="1">
+            <a:schemeClr val="accent5"/>
+          </a:effectRef>
+          <a:fontRef idx="minor">
+            <a:schemeClr val="dk1"/>
+          </a:fontRef>
+        </p:style>
+        <p:txBody>
+          <a:bodyPr rtlCol="0" anchor="ctr"/>
+          <a:lstStyle/>
+          <a:p>
+            <a:pPr marL="285750" indent="-285750">
+              <a:buFont typeface="Arial" pitchFamily="34" charset="0"/>
+              <a:buChar char="•"/>
+            </a:pPr>
+            <a:r>
+              <a:rPr lang="zh-CN" altLang="en-US" dirty="0" smtClean="0">
+                <a:solidFill>
+                  <a:srgbClr val="00B050"/>
+                </a:solidFill>
+              </a:rPr>
+              <a:t> </a:t>
+            </a:r>
+            <a:r>
+              <a:rPr lang="zh-CN" altLang="en-US" dirty="0">
+                <a:solidFill>
+                  <a:srgbClr val="00B050"/>
+                </a:solidFill>
+              </a:rPr>
+              <a:t>数据处理层次</a:t>
+            </a:r>
+            <a:endParaRPr lang="en-US" altLang="zh-CN" dirty="0">
+              <a:solidFill>
+                <a:srgbClr val="00B050"/>
+              </a:solidFill>
+            </a:endParaRPr>
+          </a:p>
+          <a:p>
+            <a:pPr marL="285750" indent="-285750">
+              <a:buFont typeface="Arial" pitchFamily="34" charset="0"/>
+              <a:buChar char="•"/>
+            </a:pPr>
+            <a:r>
+              <a:rPr lang="zh-CN" altLang="en-US" dirty="0" smtClean="0">
+                <a:solidFill>
+                  <a:srgbClr val="00B050"/>
+                </a:solidFill>
+              </a:rPr>
+              <a:t> </a:t>
+            </a:r>
+            <a:r>
+              <a:rPr lang="zh-CN" altLang="en-US" dirty="0">
+                <a:solidFill>
+                  <a:srgbClr val="00B050"/>
+                </a:solidFill>
+              </a:rPr>
+              <a:t>物理距离</a:t>
+            </a:r>
+          </a:p>
+        </p:txBody>
+      </p:sp>
+      <p:sp>
+        <p:nvSpPr>
+          <p:cNvPr id="17" name="线形标注 2 16"/>
+          <p:cNvSpPr/>
+          <p:nvPr/>
+        </p:nvSpPr>
+        <p:spPr>
+          <a:xfrm>
+            <a:off x="5076056" y="4750406"/>
+            <a:ext cx="2520280" cy="864097"/>
+          </a:xfrm>
+          <a:prstGeom prst="borderCallout2">
+            <a:avLst>
+              <a:gd name="adj1" fmla="val 11"/>
+              <a:gd name="adj2" fmla="val 48577"/>
+              <a:gd name="adj3" fmla="val -33058"/>
+              <a:gd name="adj4" fmla="val 48241"/>
+              <a:gd name="adj5" fmla="val -160873"/>
+              <a:gd name="adj6" fmla="val 62749"/>
+            </a:avLst>
+          </a:prstGeom>
+        </p:spPr>
+        <p:style>
+          <a:lnRef idx="1">
+            <a:schemeClr val="accent5"/>
+          </a:lnRef>
+          <a:fillRef idx="2">
+            <a:schemeClr val="accent5"/>
+          </a:fillRef>
+          <a:effectRef idx="1">
+            <a:schemeClr val="accent5"/>
+          </a:effectRef>
+          <a:fontRef idx="minor">
+            <a:schemeClr val="dk1"/>
+          </a:fontRef>
+        </p:style>
+        <p:txBody>
+          <a:bodyPr rtlCol="0" anchor="ctr"/>
+          <a:lstStyle/>
+          <a:p>
+            <a:pPr marL="285750" indent="-285750">
+              <a:buFont typeface="Arial" pitchFamily="34" charset="0"/>
+              <a:buChar char="•"/>
+            </a:pPr>
+            <a:r>
+              <a:rPr lang="zh-CN" altLang="en-US" dirty="0" smtClean="0">
+                <a:solidFill>
+                  <a:srgbClr val="00B050"/>
+                </a:solidFill>
+              </a:rPr>
+              <a:t> </a:t>
+            </a:r>
+            <a:r>
+              <a:rPr lang="en-US" altLang="zh-CN" dirty="0" err="1" smtClean="0">
+                <a:solidFill>
+                  <a:srgbClr val="00B050"/>
+                </a:solidFill>
+              </a:rPr>
+              <a:t>js,html,css</a:t>
+            </a:r>
+            <a:r>
+              <a:rPr lang="zh-CN" altLang="en-US" dirty="0" smtClean="0">
+                <a:solidFill>
+                  <a:srgbClr val="00B050"/>
+                </a:solidFill>
+              </a:rPr>
+              <a:t>代码优化</a:t>
+            </a:r>
+            <a:endParaRPr lang="en-US" altLang="zh-CN" dirty="0" smtClean="0">
+              <a:solidFill>
+                <a:srgbClr val="00B050"/>
+              </a:solidFill>
+            </a:endParaRPr>
+          </a:p>
+          <a:p>
+            <a:pPr marL="285750" indent="-285750">
+              <a:buFont typeface="Arial" pitchFamily="34" charset="0"/>
+              <a:buChar char="•"/>
+            </a:pPr>
+            <a:r>
+              <a:rPr lang="zh-CN" altLang="en-US" dirty="0" smtClean="0">
+                <a:solidFill>
+                  <a:srgbClr val="00B050"/>
+                </a:solidFill>
+              </a:rPr>
+              <a:t>各种静态资源压缩</a:t>
+            </a:r>
+            <a:endParaRPr lang="zh-CN" altLang="en-US" dirty="0">
+              <a:solidFill>
+                <a:srgbClr val="00B050"/>
               </a:solidFill>
             </a:endParaRPr>
           </a:p>
@@ -6772,33 +8250,20 @@
       </p:sp>
       <p:sp>
         <p:nvSpPr>
-          <p:cNvPr id="2" name="TextBox 1"/>
+          <p:cNvPr id="7" name="TextBox 6"/>
           <p:cNvSpPr txBox="1"/>
           <p:nvPr/>
         </p:nvSpPr>
         <p:spPr>
           <a:xfrm>
-            <a:off x="0" y="1043737"/>
-            <a:ext cx="9144000" cy="369332"/>
+            <a:off x="432048" y="1340768"/>
+            <a:ext cx="8034436" cy="1754326"/>
           </a:xfrm>
           <a:prstGeom prst="rect">
             <a:avLst/>
           </a:prstGeom>
+          <a:noFill/>
         </p:spPr>
-        <p:style>
-          <a:lnRef idx="1">
-            <a:schemeClr val="accent5"/>
-          </a:lnRef>
-          <a:fillRef idx="2">
-            <a:schemeClr val="accent5"/>
-          </a:fillRef>
-          <a:effectRef idx="1">
-            <a:schemeClr val="accent5"/>
-          </a:effectRef>
-          <a:fontRef idx="minor">
-            <a:schemeClr val="dk1"/>
-          </a:fontRef>
-        </p:style>
         <p:txBody>
           <a:bodyPr wrap="square" rtlCol="0">
             <a:spAutoFit/>
@@ -6806,781 +8271,714 @@
           <a:lstStyle/>
           <a:p>
             <a:r>
-              <a:rPr lang="zh-CN" altLang="en-US" dirty="0"/>
-              <a:t>主要</a:t>
-            </a:r>
-            <a:r>
-              <a:rPr lang="zh-CN" altLang="en-US" dirty="0" smtClean="0"/>
-              <a:t>目的：优化资源体积，提高</a:t>
-            </a:r>
-            <a:r>
-              <a:rPr lang="zh-CN" altLang="en-US" dirty="0"/>
-              <a:t>运行</a:t>
-            </a:r>
-            <a:r>
-              <a:rPr lang="zh-CN" altLang="en-US" dirty="0" smtClean="0"/>
-              <a:t>效率，</a:t>
-            </a:r>
-            <a:r>
-              <a:rPr lang="zh-CN" altLang="en-US" dirty="0"/>
-              <a:t>降低维护难度</a:t>
-            </a:r>
+              <a:rPr lang="en-US" altLang="zh-CN" b="1" dirty="0" smtClean="0"/>
+              <a:t>CSS</a:t>
+            </a:r>
+            <a:r>
+              <a:rPr lang="zh-CN" altLang="en-US" b="1" dirty="0" smtClean="0"/>
+              <a:t>：</a:t>
+            </a:r>
+            <a:endParaRPr lang="zh-CN" altLang="en-US" b="1" dirty="0"/>
+          </a:p>
+          <a:p>
+            <a:pPr marL="720000" indent="-285750">
+              <a:buFont typeface="Arial" pitchFamily="34" charset="0"/>
+              <a:buChar char="•"/>
+            </a:pPr>
+            <a:r>
+              <a:rPr lang="zh-CN" altLang="en-US" dirty="0">
+                <a:solidFill>
+                  <a:schemeClr val="tx1">
+                    <a:lumMod val="75000"/>
+                    <a:lumOff val="25000"/>
+                  </a:schemeClr>
+                </a:solidFill>
+              </a:rPr>
+              <a:t>合并</a:t>
+            </a:r>
+            <a:r>
+              <a:rPr lang="en-US" altLang="zh-CN" dirty="0" smtClean="0">
+                <a:solidFill>
+                  <a:schemeClr val="tx1">
+                    <a:lumMod val="75000"/>
+                    <a:lumOff val="25000"/>
+                  </a:schemeClr>
+                </a:solidFill>
+              </a:rPr>
+              <a:t>CSS</a:t>
+            </a:r>
+            <a:r>
+              <a:rPr lang="zh-CN" altLang="en-US" dirty="0" smtClean="0">
+                <a:solidFill>
+                  <a:schemeClr val="tx1">
+                    <a:lumMod val="75000"/>
+                    <a:lumOff val="25000"/>
+                  </a:schemeClr>
+                </a:solidFill>
+              </a:rPr>
+              <a:t>。</a:t>
+            </a:r>
+            <a:r>
+              <a:rPr lang="en-US" altLang="zh-CN" dirty="0" smtClean="0">
+                <a:solidFill>
+                  <a:schemeClr val="tx1">
+                    <a:lumMod val="75000"/>
+                    <a:lumOff val="25000"/>
+                  </a:schemeClr>
+                </a:solidFill>
+              </a:rPr>
+              <a:t> </a:t>
+            </a:r>
+            <a:r>
+              <a:rPr lang="zh-CN" altLang="en-US" dirty="0">
+                <a:solidFill>
+                  <a:schemeClr val="tx1">
+                    <a:lumMod val="75000"/>
+                    <a:lumOff val="25000"/>
+                  </a:schemeClr>
+                </a:solidFill>
+              </a:rPr>
+              <a:t>如</a:t>
+            </a:r>
+            <a:r>
+              <a:rPr lang="en-US" altLang="zh-CN" dirty="0">
+                <a:solidFill>
+                  <a:schemeClr val="tx1">
+                    <a:lumMod val="75000"/>
+                    <a:lumOff val="25000"/>
+                  </a:schemeClr>
+                </a:solidFill>
+              </a:rPr>
+              <a:t>background</a:t>
+            </a:r>
+            <a:r>
+              <a:rPr lang="zh-CN" altLang="en-US" dirty="0">
+                <a:solidFill>
+                  <a:schemeClr val="tx1">
+                    <a:lumMod val="75000"/>
+                    <a:lumOff val="25000"/>
+                  </a:schemeClr>
+                </a:solidFill>
+              </a:rPr>
+              <a:t>，</a:t>
+            </a:r>
+            <a:r>
+              <a:rPr lang="en-US" altLang="zh-CN" dirty="0">
+                <a:solidFill>
+                  <a:schemeClr val="tx1">
+                    <a:lumMod val="75000"/>
+                    <a:lumOff val="25000"/>
+                  </a:schemeClr>
+                </a:solidFill>
+              </a:rPr>
+              <a:t>font</a:t>
+            </a:r>
+            <a:r>
+              <a:rPr lang="zh-CN" altLang="en-US" dirty="0">
+                <a:solidFill>
+                  <a:schemeClr val="tx1">
+                    <a:lumMod val="75000"/>
+                    <a:lumOff val="25000"/>
+                  </a:schemeClr>
+                </a:solidFill>
+              </a:rPr>
+              <a:t>，</a:t>
+            </a:r>
+            <a:r>
+              <a:rPr lang="en-US" altLang="zh-CN" dirty="0">
+                <a:solidFill>
+                  <a:schemeClr val="tx1">
+                    <a:lumMod val="75000"/>
+                    <a:lumOff val="25000"/>
+                  </a:schemeClr>
+                </a:solidFill>
+              </a:rPr>
+              <a:t>margin/padding</a:t>
+            </a:r>
+            <a:r>
+              <a:rPr lang="zh-CN" altLang="en-US" dirty="0">
+                <a:solidFill>
+                  <a:schemeClr val="tx1">
+                    <a:lumMod val="75000"/>
+                    <a:lumOff val="25000"/>
+                  </a:schemeClr>
+                </a:solidFill>
+              </a:rPr>
+              <a:t>，</a:t>
+            </a:r>
+            <a:r>
+              <a:rPr lang="en-US" altLang="zh-CN" dirty="0">
+                <a:solidFill>
+                  <a:schemeClr val="tx1">
+                    <a:lumMod val="75000"/>
+                    <a:lumOff val="25000"/>
+                  </a:schemeClr>
+                </a:solidFill>
+              </a:rPr>
+              <a:t>border</a:t>
+            </a:r>
+          </a:p>
+          <a:p>
+            <a:pPr marL="720000" indent="-285750">
+              <a:buFont typeface="Arial" pitchFamily="34" charset="0"/>
+              <a:buChar char="•"/>
+            </a:pPr>
+            <a:r>
+              <a:rPr lang="zh-CN" altLang="en-US" dirty="0">
+                <a:solidFill>
+                  <a:schemeClr val="tx1">
+                    <a:lumMod val="75000"/>
+                    <a:lumOff val="25000"/>
+                  </a:schemeClr>
+                </a:solidFill>
+              </a:rPr>
+              <a:t>利用继承</a:t>
+            </a:r>
+            <a:r>
+              <a:rPr lang="en-US" altLang="zh-CN" dirty="0">
+                <a:solidFill>
+                  <a:schemeClr val="tx1">
+                    <a:lumMod val="75000"/>
+                    <a:lumOff val="25000"/>
+                  </a:schemeClr>
+                </a:solidFill>
+              </a:rPr>
+              <a:t>:  </a:t>
+            </a:r>
+            <a:r>
+              <a:rPr lang="zh-CN" altLang="en-US" dirty="0">
+                <a:solidFill>
+                  <a:schemeClr val="tx1">
+                    <a:lumMod val="75000"/>
+                    <a:lumOff val="25000"/>
+                  </a:schemeClr>
+                </a:solidFill>
+              </a:rPr>
+              <a:t>把可共用的样式设置在父级元素上</a:t>
+            </a:r>
+            <a:endParaRPr lang="en-US" altLang="zh-CN" dirty="0">
+              <a:solidFill>
+                <a:schemeClr val="tx1">
+                  <a:lumMod val="75000"/>
+                  <a:lumOff val="25000"/>
+                </a:schemeClr>
+              </a:solidFill>
+            </a:endParaRPr>
+          </a:p>
+          <a:p>
+            <a:pPr marL="720000" indent="-285750">
+              <a:buFont typeface="Arial" pitchFamily="34" charset="0"/>
+              <a:buChar char="•"/>
+            </a:pPr>
+            <a:r>
+              <a:rPr lang="zh-CN" altLang="en-US" dirty="0">
+                <a:solidFill>
+                  <a:schemeClr val="tx1">
+                    <a:lumMod val="75000"/>
+                    <a:lumOff val="25000"/>
+                  </a:schemeClr>
+                </a:solidFill>
+              </a:rPr>
+              <a:t>移除多余的结构</a:t>
+            </a:r>
+            <a:r>
+              <a:rPr lang="en-US" altLang="zh-CN" dirty="0">
+                <a:solidFill>
+                  <a:schemeClr val="tx1">
+                    <a:lumMod val="75000"/>
+                    <a:lumOff val="25000"/>
+                  </a:schemeClr>
+                </a:solidFill>
+              </a:rPr>
+              <a:t>(frameworks)</a:t>
+            </a:r>
+            <a:r>
+              <a:rPr lang="zh-CN" altLang="en-US" dirty="0">
+                <a:solidFill>
+                  <a:schemeClr val="tx1">
+                    <a:lumMod val="75000"/>
+                    <a:lumOff val="25000"/>
+                  </a:schemeClr>
+                </a:solidFill>
+              </a:rPr>
+              <a:t>和重设</a:t>
+            </a:r>
+            <a:r>
+              <a:rPr lang="en-US" altLang="zh-CN" dirty="0">
+                <a:solidFill>
+                  <a:schemeClr val="tx1">
+                    <a:lumMod val="75000"/>
+                    <a:lumOff val="25000"/>
+                  </a:schemeClr>
+                </a:solidFill>
+              </a:rPr>
+              <a:t>(reset)</a:t>
+            </a:r>
+          </a:p>
+          <a:p>
+            <a:pPr marL="720000" indent="-285750">
+              <a:buFont typeface="Arial" pitchFamily="34" charset="0"/>
+              <a:buChar char="•"/>
+            </a:pPr>
+            <a:r>
+              <a:rPr lang="zh-CN" altLang="en-US" dirty="0">
+                <a:solidFill>
+                  <a:schemeClr val="tx1">
+                    <a:lumMod val="75000"/>
+                    <a:lumOff val="25000"/>
+                  </a:schemeClr>
+                </a:solidFill>
+              </a:rPr>
+              <a:t>代码性能优化</a:t>
+            </a:r>
+            <a:r>
+              <a:rPr lang="en-US" altLang="zh-CN" dirty="0">
+                <a:solidFill>
+                  <a:schemeClr val="tx1">
+                    <a:lumMod val="75000"/>
+                    <a:lumOff val="25000"/>
+                  </a:schemeClr>
+                </a:solidFill>
+              </a:rPr>
+              <a:t>:  </a:t>
+            </a:r>
+            <a:r>
+              <a:rPr lang="zh-CN" altLang="en-US" dirty="0">
+                <a:solidFill>
+                  <a:schemeClr val="tx1">
+                    <a:lumMod val="75000"/>
+                    <a:lumOff val="25000"/>
+                  </a:schemeClr>
+                </a:solidFill>
+              </a:rPr>
+              <a:t>如合理使用选择器、避免适用通配符</a:t>
+            </a:r>
+            <a:endParaRPr lang="en-US" altLang="zh-CN" dirty="0">
+              <a:solidFill>
+                <a:schemeClr val="tx1">
+                  <a:lumMod val="75000"/>
+                  <a:lumOff val="25000"/>
+                </a:schemeClr>
+              </a:solidFill>
+            </a:endParaRPr>
+          </a:p>
+          <a:p>
+            <a:endParaRPr lang="zh-CN" altLang="en-US" dirty="0">
+              <a:solidFill>
+                <a:schemeClr val="tx1">
+                  <a:lumMod val="75000"/>
+                  <a:lumOff val="25000"/>
+                </a:schemeClr>
+              </a:solidFill>
+            </a:endParaRPr>
           </a:p>
         </p:txBody>
       </p:sp>
       <p:sp>
         <p:nvSpPr>
-          <p:cNvPr id="10" name="线形标注 1(带边框和强调线) 9"/>
-          <p:cNvSpPr/>
+          <p:cNvPr id="27" name="TextBox 26"/>
+          <p:cNvSpPr txBox="1"/>
           <p:nvPr/>
         </p:nvSpPr>
         <p:spPr>
           <a:xfrm>
-            <a:off x="2421284" y="1594892"/>
-            <a:ext cx="4815011" cy="288032"/>
+            <a:off x="467544" y="3140968"/>
+            <a:ext cx="8034436" cy="1200329"/>
           </a:xfrm>
-          <a:prstGeom prst="accentBorderCallout1">
-            <a:avLst>
-              <a:gd name="adj1" fmla="val 51819"/>
-              <a:gd name="adj2" fmla="val -2664"/>
-              <a:gd name="adj3" fmla="val 56283"/>
-              <a:gd name="adj4" fmla="val -13174"/>
-            </a:avLst>
+          <a:prstGeom prst="rect">
+            <a:avLst/>
           </a:prstGeom>
+          <a:noFill/>
         </p:spPr>
-        <p:style>
-          <a:lnRef idx="1">
-            <a:schemeClr val="accent5"/>
-          </a:lnRef>
-          <a:fillRef idx="2">
-            <a:schemeClr val="accent5"/>
-          </a:fillRef>
-          <a:effectRef idx="1">
-            <a:schemeClr val="accent5"/>
-          </a:effectRef>
-          <a:fontRef idx="minor">
-            <a:schemeClr val="dk1"/>
-          </a:fontRef>
-        </p:style>
         <p:txBody>
-          <a:bodyPr rtlCol="0" anchor="ctr"/>
+          <a:bodyPr wrap="square" rtlCol="0">
+            <a:spAutoFit/>
+          </a:bodyPr>
           <a:lstStyle/>
           <a:p>
             <a:r>
-              <a:rPr lang="zh-CN" altLang="en-US" sz="1400" dirty="0"/>
-              <a:t>合写</a:t>
-            </a:r>
-            <a:r>
-              <a:rPr lang="en-US" altLang="zh-CN" sz="1400" dirty="0" smtClean="0"/>
-              <a:t>CSS:   </a:t>
-            </a:r>
-            <a:r>
-              <a:rPr lang="zh-CN" altLang="en-US" sz="1400" dirty="0" smtClean="0"/>
-              <a:t>如</a:t>
-            </a:r>
-            <a:r>
-              <a:rPr lang="en-US" altLang="zh-CN" sz="1400" dirty="0" smtClean="0"/>
-              <a:t>background</a:t>
-            </a:r>
-            <a:r>
-              <a:rPr lang="zh-CN" altLang="en-US" sz="1400" dirty="0" smtClean="0"/>
-              <a:t>，</a:t>
-            </a:r>
-            <a:r>
-              <a:rPr lang="en-US" altLang="zh-CN" sz="1400" dirty="0" smtClean="0"/>
-              <a:t>font</a:t>
-            </a:r>
-            <a:r>
-              <a:rPr lang="zh-CN" altLang="en-US" sz="1400" dirty="0" smtClean="0"/>
-              <a:t>，</a:t>
-            </a:r>
-            <a:r>
-              <a:rPr lang="en-US" altLang="zh-CN" sz="1400" dirty="0" smtClean="0"/>
-              <a:t>margin/padding</a:t>
-            </a:r>
-            <a:r>
-              <a:rPr lang="zh-CN" altLang="en-US" sz="1400" dirty="0" smtClean="0"/>
-              <a:t>，</a:t>
-            </a:r>
-            <a:r>
-              <a:rPr lang="en-US" altLang="zh-CN" sz="1400" dirty="0"/>
-              <a:t>border</a:t>
-            </a:r>
+              <a:rPr lang="en-US" altLang="zh-CN" b="1" dirty="0" smtClean="0"/>
+              <a:t>JAVASCRIPT</a:t>
+            </a:r>
+            <a:r>
+              <a:rPr lang="zh-CN" altLang="en-US" b="1" dirty="0" smtClean="0"/>
+              <a:t>：</a:t>
+            </a:r>
+            <a:endParaRPr lang="zh-CN" altLang="en-US" b="1" dirty="0"/>
+          </a:p>
+          <a:p>
+            <a:pPr marL="720000" indent="-285750">
+              <a:buFont typeface="Arial" pitchFamily="34" charset="0"/>
+              <a:buChar char="•"/>
+            </a:pPr>
+            <a:r>
+              <a:rPr lang="zh-CN" altLang="en-US" dirty="0" smtClean="0">
+                <a:solidFill>
+                  <a:schemeClr val="tx1">
+                    <a:lumMod val="75000"/>
+                    <a:lumOff val="25000"/>
+                  </a:schemeClr>
+                </a:solidFill>
+              </a:rPr>
+              <a:t>性能优化。避免全局查找、避免</a:t>
+            </a:r>
+            <a:r>
+              <a:rPr lang="en-US" altLang="zh-CN" dirty="0" smtClean="0">
+                <a:solidFill>
+                  <a:schemeClr val="tx1">
+                    <a:lumMod val="75000"/>
+                    <a:lumOff val="25000"/>
+                  </a:schemeClr>
+                </a:solidFill>
+              </a:rPr>
+              <a:t>with</a:t>
+            </a:r>
+            <a:r>
+              <a:rPr lang="zh-CN" altLang="en-US" dirty="0">
+                <a:solidFill>
+                  <a:schemeClr val="tx1">
+                    <a:lumMod val="75000"/>
+                    <a:lumOff val="25000"/>
+                  </a:schemeClr>
+                </a:solidFill>
+              </a:rPr>
+              <a:t>语句、避免全局</a:t>
+            </a:r>
+            <a:r>
+              <a:rPr lang="zh-CN" altLang="en-US" dirty="0" smtClean="0">
+                <a:solidFill>
+                  <a:schemeClr val="tx1">
+                    <a:lumMod val="75000"/>
+                    <a:lumOff val="25000"/>
+                  </a:schemeClr>
+                </a:solidFill>
+              </a:rPr>
+              <a:t>量等等</a:t>
+            </a:r>
+            <a:endParaRPr lang="en-US" altLang="zh-CN" dirty="0" smtClean="0">
+              <a:solidFill>
+                <a:schemeClr val="tx1">
+                  <a:lumMod val="75000"/>
+                  <a:lumOff val="25000"/>
+                </a:schemeClr>
+              </a:solidFill>
+            </a:endParaRPr>
+          </a:p>
+          <a:p>
+            <a:pPr marL="720000" indent="-285750">
+              <a:buFont typeface="Arial" pitchFamily="34" charset="0"/>
+              <a:buChar char="•"/>
+            </a:pPr>
+            <a:r>
+              <a:rPr lang="zh-CN" altLang="en-US" dirty="0" smtClean="0">
+                <a:solidFill>
+                  <a:schemeClr val="tx1">
+                    <a:lumMod val="75000"/>
+                    <a:lumOff val="25000"/>
+                  </a:schemeClr>
+                </a:solidFill>
+              </a:rPr>
+              <a:t>结构优化。模块化开发、工程化、规范化等等</a:t>
+            </a:r>
+            <a:endParaRPr lang="en-US" altLang="zh-CN" dirty="0">
+              <a:solidFill>
+                <a:schemeClr val="tx1">
+                  <a:lumMod val="75000"/>
+                  <a:lumOff val="25000"/>
+                </a:schemeClr>
+              </a:solidFill>
+            </a:endParaRPr>
+          </a:p>
+          <a:p>
+            <a:pPr marL="720000" indent="-285750">
+              <a:buFont typeface="Arial" pitchFamily="34" charset="0"/>
+              <a:buChar char="•"/>
+            </a:pPr>
+            <a:r>
+              <a:rPr lang="zh-CN" altLang="en-US" dirty="0" smtClean="0">
+                <a:solidFill>
+                  <a:schemeClr val="tx1">
+                    <a:lumMod val="75000"/>
+                    <a:lumOff val="25000"/>
+                  </a:schemeClr>
+                </a:solidFill>
+              </a:rPr>
+              <a:t>加载优化。代码压缩、模块化异步加载（</a:t>
+            </a:r>
+            <a:r>
+              <a:rPr lang="en-US" altLang="zh-CN" dirty="0" smtClean="0">
+                <a:solidFill>
+                  <a:schemeClr val="tx1">
+                    <a:lumMod val="75000"/>
+                    <a:lumOff val="25000"/>
+                  </a:schemeClr>
+                </a:solidFill>
+              </a:rPr>
+              <a:t>AMD</a:t>
+            </a:r>
+            <a:r>
+              <a:rPr lang="zh-CN" altLang="en-US" dirty="0" smtClean="0">
+                <a:solidFill>
+                  <a:schemeClr val="tx1">
+                    <a:lumMod val="75000"/>
+                    <a:lumOff val="25000"/>
+                  </a:schemeClr>
+                </a:solidFill>
+              </a:rPr>
+              <a:t>）</a:t>
+            </a:r>
+            <a:endParaRPr lang="en-US" altLang="zh-CN" dirty="0" smtClean="0">
+              <a:solidFill>
+                <a:schemeClr val="tx1">
+                  <a:lumMod val="75000"/>
+                  <a:lumOff val="25000"/>
+                </a:schemeClr>
+              </a:solidFill>
+            </a:endParaRPr>
           </a:p>
         </p:txBody>
       </p:sp>
       <p:sp>
         <p:nvSpPr>
-          <p:cNvPr id="11" name="左大括号 10"/>
-          <p:cNvSpPr/>
+          <p:cNvPr id="28" name="TextBox 27"/>
+          <p:cNvSpPr txBox="1"/>
           <p:nvPr/>
         </p:nvSpPr>
         <p:spPr>
           <a:xfrm>
-            <a:off x="1619672" y="1756073"/>
-            <a:ext cx="216024" cy="1600919"/>
+            <a:off x="467544" y="4581128"/>
+            <a:ext cx="8034436" cy="923330"/>
           </a:xfrm>
-          <a:prstGeom prst="leftBrace">
+          <a:prstGeom prst="rect">
             <a:avLst/>
           </a:prstGeom>
+          <a:noFill/>
         </p:spPr>
-        <p:style>
-          <a:lnRef idx="1">
-            <a:schemeClr val="accent1"/>
-          </a:lnRef>
-          <a:fillRef idx="0">
-            <a:schemeClr val="accent1"/>
-          </a:fillRef>
-          <a:effectRef idx="0">
-            <a:schemeClr val="accent1"/>
-          </a:effectRef>
-          <a:fontRef idx="minor">
-            <a:schemeClr val="tx1"/>
-          </a:fontRef>
-        </p:style>
         <p:txBody>
-          <a:bodyPr rtlCol="0" anchor="ctr"/>
+          <a:bodyPr wrap="square" rtlCol="0">
+            <a:spAutoFit/>
+          </a:bodyPr>
           <a:lstStyle/>
           <a:p>
-            <a:pPr algn="ctr"/>
-            <a:endParaRPr lang="zh-CN" altLang="en-US"/>
+            <a:r>
+              <a:rPr lang="zh-CN" altLang="en-US" b="1" dirty="0" smtClean="0"/>
+              <a:t>图片：</a:t>
+            </a:r>
+            <a:endParaRPr lang="zh-CN" altLang="en-US" b="1" dirty="0"/>
+          </a:p>
+          <a:p>
+            <a:pPr marL="720000" indent="-285750">
+              <a:buFont typeface="Arial" pitchFamily="34" charset="0"/>
+              <a:buChar char="•"/>
+            </a:pPr>
+            <a:r>
+              <a:rPr lang="zh-CN" altLang="en-US" dirty="0" smtClean="0">
+                <a:solidFill>
+                  <a:schemeClr val="tx1">
+                    <a:lumMod val="75000"/>
+                    <a:lumOff val="25000"/>
+                  </a:schemeClr>
+                </a:solidFill>
+              </a:rPr>
+              <a:t>图片合并。结合</a:t>
+            </a:r>
+            <a:r>
+              <a:rPr lang="en-US" altLang="zh-CN" dirty="0" smtClean="0">
+                <a:solidFill>
+                  <a:schemeClr val="tx1">
+                    <a:lumMod val="75000"/>
+                    <a:lumOff val="25000"/>
+                  </a:schemeClr>
+                </a:solidFill>
+              </a:rPr>
+              <a:t>CSS </a:t>
+            </a:r>
+            <a:r>
+              <a:rPr lang="en-US" altLang="zh-CN" dirty="0">
+                <a:solidFill>
+                  <a:schemeClr val="tx1">
+                    <a:lumMod val="75000"/>
+                    <a:lumOff val="25000"/>
+                  </a:schemeClr>
+                </a:solidFill>
+              </a:rPr>
+              <a:t>sprites</a:t>
+            </a:r>
+            <a:r>
+              <a:rPr lang="zh-CN" altLang="en-US" dirty="0">
+                <a:solidFill>
+                  <a:schemeClr val="tx1">
+                    <a:lumMod val="75000"/>
+                    <a:lumOff val="25000"/>
+                  </a:schemeClr>
+                </a:solidFill>
+              </a:rPr>
+              <a:t>，合并图片，减少请求</a:t>
+            </a:r>
+            <a:endParaRPr lang="en-US" altLang="zh-CN" dirty="0">
+              <a:solidFill>
+                <a:schemeClr val="tx1">
+                  <a:lumMod val="75000"/>
+                  <a:lumOff val="25000"/>
+                </a:schemeClr>
+              </a:solidFill>
+            </a:endParaRPr>
+          </a:p>
+          <a:p>
+            <a:pPr marL="720000" indent="-285750">
+              <a:buFont typeface="Arial" pitchFamily="34" charset="0"/>
+              <a:buChar char="•"/>
+            </a:pPr>
+            <a:r>
+              <a:rPr lang="zh-CN" altLang="en-US" dirty="0" smtClean="0">
+                <a:solidFill>
+                  <a:schemeClr val="tx1">
+                    <a:lumMod val="75000"/>
+                    <a:lumOff val="25000"/>
+                  </a:schemeClr>
+                </a:solidFill>
+              </a:rPr>
+              <a:t>图片大小优化。合理</a:t>
+            </a:r>
+            <a:r>
+              <a:rPr lang="zh-CN" altLang="en-US" dirty="0">
+                <a:solidFill>
+                  <a:schemeClr val="tx1">
+                    <a:lumMod val="75000"/>
+                    <a:lumOff val="25000"/>
+                  </a:schemeClr>
+                </a:solidFill>
+              </a:rPr>
+              <a:t>选择图片格式和清晰度，降低图片大小</a:t>
+            </a:r>
           </a:p>
         </p:txBody>
       </p:sp>
       <p:sp>
         <p:nvSpPr>
-          <p:cNvPr id="12" name="线形标注 1(带边框和强调线) 11"/>
-          <p:cNvSpPr/>
+          <p:cNvPr id="29" name="TextBox 28"/>
+          <p:cNvSpPr txBox="1"/>
           <p:nvPr/>
         </p:nvSpPr>
         <p:spPr>
           <a:xfrm>
-            <a:off x="2411759" y="2119152"/>
-            <a:ext cx="4824535" cy="288032"/>
+            <a:off x="427508" y="5733256"/>
+            <a:ext cx="8320955" cy="923330"/>
           </a:xfrm>
-          <a:prstGeom prst="accentBorderCallout1">
-            <a:avLst>
-              <a:gd name="adj1" fmla="val 41898"/>
-              <a:gd name="adj2" fmla="val -2608"/>
-              <a:gd name="adj3" fmla="val 46362"/>
-              <a:gd name="adj4" fmla="val -14177"/>
-            </a:avLst>
-          </a:prstGeom>
-        </p:spPr>
-        <p:style>
-          <a:lnRef idx="1">
-            <a:schemeClr val="accent5"/>
-          </a:lnRef>
-          <a:fillRef idx="2">
-            <a:schemeClr val="accent5"/>
-          </a:fillRef>
-          <a:effectRef idx="1">
-            <a:schemeClr val="accent5"/>
-          </a:effectRef>
-          <a:fontRef idx="minor">
-            <a:schemeClr val="dk1"/>
-          </a:fontRef>
-        </p:style>
-        <p:txBody>
-          <a:bodyPr rtlCol="0" anchor="ctr"/>
-          <a:lstStyle/>
-          <a:p>
-            <a:r>
-              <a:rPr lang="zh-CN" altLang="en-US" sz="1400" dirty="0"/>
-              <a:t>利用</a:t>
-            </a:r>
-            <a:r>
-              <a:rPr lang="zh-CN" altLang="en-US" sz="1400" dirty="0" smtClean="0"/>
-              <a:t>继承</a:t>
-            </a:r>
-            <a:r>
-              <a:rPr lang="en-US" altLang="zh-CN" sz="1400" dirty="0" smtClean="0"/>
-              <a:t>:  </a:t>
-            </a:r>
-            <a:r>
-              <a:rPr lang="zh-CN" altLang="en-US" sz="1400" dirty="0" smtClean="0"/>
-              <a:t>把可共用的样式设置在父级元素上</a:t>
-            </a:r>
-            <a:endParaRPr lang="zh-CN" altLang="en-US" sz="1400" dirty="0"/>
-          </a:p>
-        </p:txBody>
-      </p:sp>
-      <p:sp>
-        <p:nvSpPr>
-          <p:cNvPr id="13" name="线形标注 1(带边框和强调线) 12"/>
-          <p:cNvSpPr/>
-          <p:nvPr/>
-        </p:nvSpPr>
-        <p:spPr>
-          <a:xfrm>
-            <a:off x="2392734" y="2677716"/>
-            <a:ext cx="4843559" cy="288032"/>
-          </a:xfrm>
-          <a:prstGeom prst="accentBorderCallout1">
-            <a:avLst>
-              <a:gd name="adj1" fmla="val 45205"/>
-              <a:gd name="adj2" fmla="val -2040"/>
-              <a:gd name="adj3" fmla="val 46362"/>
-              <a:gd name="adj4" fmla="val -13375"/>
-            </a:avLst>
-          </a:prstGeom>
-        </p:spPr>
-        <p:style>
-          <a:lnRef idx="1">
-            <a:schemeClr val="accent4"/>
-          </a:lnRef>
-          <a:fillRef idx="2">
-            <a:schemeClr val="accent4"/>
-          </a:fillRef>
-          <a:effectRef idx="1">
-            <a:schemeClr val="accent4"/>
-          </a:effectRef>
-          <a:fontRef idx="minor">
-            <a:schemeClr val="dk1"/>
-          </a:fontRef>
-        </p:style>
-        <p:txBody>
-          <a:bodyPr rtlCol="0" anchor="ctr"/>
-          <a:lstStyle/>
-          <a:p>
-            <a:r>
-              <a:rPr lang="zh-CN" altLang="en-US" sz="1400" dirty="0"/>
-              <a:t>移除多余的结构</a:t>
-            </a:r>
-            <a:r>
-              <a:rPr lang="en-US" altLang="zh-CN" sz="1400" dirty="0"/>
-              <a:t>(frameworks)</a:t>
-            </a:r>
-            <a:r>
-              <a:rPr lang="zh-CN" altLang="en-US" sz="1400" dirty="0"/>
-              <a:t>和重</a:t>
-            </a:r>
-            <a:r>
-              <a:rPr lang="zh-CN" altLang="en-US" sz="1400" dirty="0" smtClean="0"/>
-              <a:t>设</a:t>
-            </a:r>
-            <a:r>
-              <a:rPr lang="en-US" altLang="zh-CN" sz="1400" dirty="0" smtClean="0"/>
-              <a:t>(reset)</a:t>
-            </a:r>
-            <a:endParaRPr lang="zh-CN" altLang="en-US" sz="1400" dirty="0"/>
-          </a:p>
-        </p:txBody>
-      </p:sp>
-      <p:sp>
-        <p:nvSpPr>
-          <p:cNvPr id="14" name="线形标注 1(带边框和强调线) 13"/>
-          <p:cNvSpPr/>
-          <p:nvPr/>
-        </p:nvSpPr>
-        <p:spPr>
-          <a:xfrm>
-            <a:off x="2392735" y="3222501"/>
-            <a:ext cx="4843560" cy="288032"/>
-          </a:xfrm>
-          <a:prstGeom prst="accentBorderCallout1">
-            <a:avLst>
-              <a:gd name="adj1" fmla="val 41898"/>
-              <a:gd name="adj2" fmla="val -2237"/>
-              <a:gd name="adj3" fmla="val 46362"/>
-              <a:gd name="adj4" fmla="val -12854"/>
-            </a:avLst>
-          </a:prstGeom>
-        </p:spPr>
-        <p:style>
-          <a:lnRef idx="1">
-            <a:schemeClr val="accent6"/>
-          </a:lnRef>
-          <a:fillRef idx="2">
-            <a:schemeClr val="accent6"/>
-          </a:fillRef>
-          <a:effectRef idx="1">
-            <a:schemeClr val="accent6"/>
-          </a:effectRef>
-          <a:fontRef idx="minor">
-            <a:schemeClr val="dk1"/>
-          </a:fontRef>
-        </p:style>
-        <p:txBody>
-          <a:bodyPr rtlCol="0" anchor="ctr"/>
-          <a:lstStyle/>
-          <a:p>
-            <a:r>
-              <a:rPr lang="zh-CN" altLang="en-US" sz="1400" dirty="0" smtClean="0"/>
-              <a:t>代码性能优化</a:t>
-            </a:r>
-            <a:r>
-              <a:rPr lang="en-US" altLang="zh-CN" sz="1400" dirty="0" smtClean="0"/>
-              <a:t>:  </a:t>
-            </a:r>
-            <a:r>
-              <a:rPr lang="zh-CN" altLang="en-US" sz="1400" dirty="0"/>
-              <a:t>如合理使用选择器、避免适用</a:t>
-            </a:r>
-            <a:r>
-              <a:rPr lang="zh-CN" altLang="en-US" sz="1400" dirty="0" smtClean="0"/>
-              <a:t>通配符</a:t>
-            </a:r>
-            <a:r>
-              <a:rPr lang="zh-CN" altLang="en-US" sz="1400" dirty="0"/>
-              <a:t>等等</a:t>
-            </a:r>
-          </a:p>
-        </p:txBody>
-      </p:sp>
-      <p:sp>
-        <p:nvSpPr>
-          <p:cNvPr id="15" name="流程图: 可选过程 14"/>
-          <p:cNvSpPr/>
-          <p:nvPr/>
-        </p:nvSpPr>
-        <p:spPr>
-          <a:xfrm>
-            <a:off x="406946" y="2310808"/>
-            <a:ext cx="1212726" cy="510924"/>
-          </a:xfrm>
-          <a:prstGeom prst="flowChartAlternateProcess">
+          <a:prstGeom prst="rect">
             <a:avLst/>
           </a:prstGeom>
+          <a:noFill/>
         </p:spPr>
-        <p:style>
-          <a:lnRef idx="3">
-            <a:schemeClr val="lt1"/>
-          </a:lnRef>
-          <a:fillRef idx="1">
-            <a:schemeClr val="accent3"/>
-          </a:fillRef>
-          <a:effectRef idx="1">
-            <a:schemeClr val="accent3"/>
-          </a:effectRef>
-          <a:fontRef idx="minor">
-            <a:schemeClr val="lt1"/>
-          </a:fontRef>
-        </p:style>
         <p:txBody>
-          <a:bodyPr rtlCol="0" anchor="ctr"/>
+          <a:bodyPr wrap="square" rtlCol="0">
+            <a:spAutoFit/>
+          </a:bodyPr>
           <a:lstStyle/>
           <a:p>
-            <a:pPr algn="ctr"/>
-            <a:r>
-              <a:rPr lang="en-US" altLang="zh-CN" dirty="0" smtClean="0"/>
-              <a:t>CSS</a:t>
-            </a:r>
-            <a:endParaRPr lang="zh-CN" altLang="en-US" dirty="0"/>
-          </a:p>
-        </p:txBody>
-      </p:sp>
-      <p:sp>
-        <p:nvSpPr>
-          <p:cNvPr id="16" name="线形标注 1(带边框和强调线) 15"/>
-          <p:cNvSpPr/>
-          <p:nvPr/>
-        </p:nvSpPr>
-        <p:spPr>
-          <a:xfrm>
-            <a:off x="2421284" y="3774182"/>
-            <a:ext cx="4815011" cy="288032"/>
-          </a:xfrm>
-          <a:prstGeom prst="accentBorderCallout1">
-            <a:avLst>
-              <a:gd name="adj1" fmla="val 51819"/>
-              <a:gd name="adj2" fmla="val -2664"/>
-              <a:gd name="adj3" fmla="val 56283"/>
-              <a:gd name="adj4" fmla="val -13174"/>
-            </a:avLst>
-          </a:prstGeom>
-        </p:spPr>
-        <p:style>
-          <a:lnRef idx="1">
-            <a:schemeClr val="accent5"/>
-          </a:lnRef>
-          <a:fillRef idx="2">
-            <a:schemeClr val="accent5"/>
-          </a:fillRef>
-          <a:effectRef idx="1">
-            <a:schemeClr val="accent5"/>
-          </a:effectRef>
-          <a:fontRef idx="minor">
-            <a:schemeClr val="dk1"/>
-          </a:fontRef>
-        </p:style>
-        <p:txBody>
-          <a:bodyPr rtlCol="0" anchor="ctr"/>
-          <a:lstStyle/>
-          <a:p>
-            <a:r>
-              <a:rPr lang="zh-CN" altLang="en-US" sz="1400" dirty="0"/>
-              <a:t>使用</a:t>
-            </a:r>
-            <a:r>
-              <a:rPr lang="en-US" altLang="zh-CN" sz="1400" dirty="0" smtClean="0"/>
-              <a:t>CSS sprites</a:t>
-            </a:r>
-            <a:r>
-              <a:rPr lang="zh-CN" altLang="en-US" sz="1400" dirty="0" smtClean="0"/>
-              <a:t>，合并图片，减少请求量</a:t>
-            </a:r>
-            <a:endParaRPr lang="en-US" altLang="zh-CN" sz="1400" dirty="0"/>
-          </a:p>
-        </p:txBody>
-      </p:sp>
-      <p:sp>
-        <p:nvSpPr>
-          <p:cNvPr id="17" name="左大括号 16"/>
-          <p:cNvSpPr/>
-          <p:nvPr/>
-        </p:nvSpPr>
-        <p:spPr>
-          <a:xfrm>
-            <a:off x="1619672" y="3931915"/>
-            <a:ext cx="162018" cy="979910"/>
-          </a:xfrm>
-          <a:prstGeom prst="leftBrace">
-            <a:avLst/>
-          </a:prstGeom>
-        </p:spPr>
-        <p:style>
-          <a:lnRef idx="1">
-            <a:schemeClr val="accent1"/>
-          </a:lnRef>
-          <a:fillRef idx="0">
-            <a:schemeClr val="accent1"/>
-          </a:fillRef>
-          <a:effectRef idx="0">
-            <a:schemeClr val="accent1"/>
-          </a:effectRef>
-          <a:fontRef idx="minor">
-            <a:schemeClr val="tx1"/>
-          </a:fontRef>
-        </p:style>
-        <p:txBody>
-          <a:bodyPr rtlCol="0" anchor="ctr"/>
-          <a:lstStyle/>
-          <a:p>
-            <a:pPr algn="ctr"/>
-            <a:endParaRPr lang="zh-CN" altLang="en-US"/>
-          </a:p>
-        </p:txBody>
-      </p:sp>
-      <p:sp>
-        <p:nvSpPr>
-          <p:cNvPr id="20" name="线形标注 1(带边框和强调线) 19"/>
-          <p:cNvSpPr/>
-          <p:nvPr/>
-        </p:nvSpPr>
-        <p:spPr>
-          <a:xfrm>
-            <a:off x="2392735" y="4767808"/>
-            <a:ext cx="4843560" cy="288032"/>
-          </a:xfrm>
-          <a:prstGeom prst="accentBorderCallout1">
-            <a:avLst>
-              <a:gd name="adj1" fmla="val 41898"/>
-              <a:gd name="adj2" fmla="val -2237"/>
-              <a:gd name="adj3" fmla="val 46362"/>
-              <a:gd name="adj4" fmla="val -12854"/>
-            </a:avLst>
-          </a:prstGeom>
-        </p:spPr>
-        <p:style>
-          <a:lnRef idx="1">
-            <a:schemeClr val="accent6"/>
-          </a:lnRef>
-          <a:fillRef idx="2">
-            <a:schemeClr val="accent6"/>
-          </a:fillRef>
-          <a:effectRef idx="1">
-            <a:schemeClr val="accent6"/>
-          </a:effectRef>
-          <a:fontRef idx="minor">
-            <a:schemeClr val="dk1"/>
-          </a:fontRef>
-        </p:style>
-        <p:txBody>
-          <a:bodyPr rtlCol="0" anchor="ctr"/>
-          <a:lstStyle/>
-          <a:p>
-            <a:r>
-              <a:rPr lang="zh-CN" altLang="en-US" sz="1400" dirty="0" smtClean="0"/>
-              <a:t>合理选择图片格式和清晰度，降低图片大小</a:t>
-            </a:r>
-            <a:endParaRPr lang="zh-CN" altLang="en-US" sz="1400" dirty="0"/>
-          </a:p>
-        </p:txBody>
-      </p:sp>
-      <p:sp>
-        <p:nvSpPr>
-          <p:cNvPr id="21" name="流程图: 可选过程 20"/>
-          <p:cNvSpPr/>
-          <p:nvPr/>
-        </p:nvSpPr>
-        <p:spPr>
-          <a:xfrm>
-            <a:off x="406946" y="4132340"/>
-            <a:ext cx="1212726" cy="510924"/>
-          </a:xfrm>
-          <a:prstGeom prst="flowChartAlternateProcess">
-            <a:avLst/>
-          </a:prstGeom>
-        </p:spPr>
-        <p:style>
-          <a:lnRef idx="3">
-            <a:schemeClr val="lt1"/>
-          </a:lnRef>
-          <a:fillRef idx="1">
-            <a:schemeClr val="accent3"/>
-          </a:fillRef>
-          <a:effectRef idx="1">
-            <a:schemeClr val="accent3"/>
-          </a:effectRef>
-          <a:fontRef idx="minor">
-            <a:schemeClr val="lt1"/>
-          </a:fontRef>
-        </p:style>
-        <p:txBody>
-          <a:bodyPr rtlCol="0" anchor="ctr"/>
-          <a:lstStyle/>
-          <a:p>
-            <a:pPr algn="ctr"/>
-            <a:r>
-              <a:rPr lang="en-US" altLang="zh-CN" dirty="0" smtClean="0"/>
-              <a:t>Image</a:t>
-            </a:r>
-            <a:endParaRPr lang="zh-CN" altLang="en-US" dirty="0"/>
-          </a:p>
-        </p:txBody>
-      </p:sp>
-      <p:sp>
-        <p:nvSpPr>
-          <p:cNvPr id="22" name="线形标注 1(带边框和强调线) 21"/>
-          <p:cNvSpPr/>
-          <p:nvPr/>
-        </p:nvSpPr>
-        <p:spPr>
-          <a:xfrm>
-            <a:off x="2421284" y="5301208"/>
-            <a:ext cx="4815011" cy="288032"/>
-          </a:xfrm>
-          <a:prstGeom prst="accentBorderCallout1">
-            <a:avLst>
-              <a:gd name="adj1" fmla="val 51819"/>
-              <a:gd name="adj2" fmla="val -2664"/>
-              <a:gd name="adj3" fmla="val 56283"/>
-              <a:gd name="adj4" fmla="val -13174"/>
-            </a:avLst>
-          </a:prstGeom>
-        </p:spPr>
-        <p:style>
-          <a:lnRef idx="1">
-            <a:schemeClr val="accent5"/>
-          </a:lnRef>
-          <a:fillRef idx="2">
-            <a:schemeClr val="accent5"/>
-          </a:fillRef>
-          <a:effectRef idx="1">
-            <a:schemeClr val="accent5"/>
-          </a:effectRef>
-          <a:fontRef idx="minor">
-            <a:schemeClr val="dk1"/>
-          </a:fontRef>
-        </p:style>
-        <p:txBody>
-          <a:bodyPr rtlCol="0" anchor="ctr"/>
-          <a:lstStyle/>
-          <a:p>
-            <a:r>
-              <a:rPr lang="zh-CN" altLang="en-US" sz="1400" dirty="0" smtClean="0"/>
-              <a:t>基础优化：多了解</a:t>
-            </a:r>
-            <a:r>
-              <a:rPr lang="en-US" altLang="zh-CN" sz="1400" dirty="0" err="1" smtClean="0"/>
-              <a:t>javascript</a:t>
-            </a:r>
-            <a:r>
-              <a:rPr lang="zh-CN" altLang="en-US" sz="1400" dirty="0" smtClean="0"/>
-              <a:t>语法基础及基础</a:t>
-            </a:r>
-            <a:r>
-              <a:rPr lang="en-US" altLang="zh-CN" sz="1400" dirty="0" smtClean="0"/>
-              <a:t>API</a:t>
-            </a:r>
-            <a:r>
-              <a:rPr lang="zh-CN" altLang="en-US" sz="1400" dirty="0" smtClean="0"/>
-              <a:t>。</a:t>
-            </a:r>
-            <a:endParaRPr lang="en-US" altLang="zh-CN" sz="1400" dirty="0"/>
-          </a:p>
-        </p:txBody>
-      </p:sp>
-      <p:sp>
-        <p:nvSpPr>
-          <p:cNvPr id="23" name="左大括号 22"/>
-          <p:cNvSpPr/>
-          <p:nvPr/>
-        </p:nvSpPr>
-        <p:spPr>
-          <a:xfrm>
-            <a:off x="1619672" y="5462392"/>
-            <a:ext cx="216024" cy="1143716"/>
-          </a:xfrm>
-          <a:prstGeom prst="leftBrace">
-            <a:avLst/>
-          </a:prstGeom>
-        </p:spPr>
-        <p:style>
-          <a:lnRef idx="1">
-            <a:schemeClr val="accent1"/>
-          </a:lnRef>
-          <a:fillRef idx="0">
-            <a:schemeClr val="accent1"/>
-          </a:fillRef>
-          <a:effectRef idx="0">
-            <a:schemeClr val="accent1"/>
-          </a:effectRef>
-          <a:fontRef idx="minor">
-            <a:schemeClr val="tx1"/>
-          </a:fontRef>
-        </p:style>
-        <p:txBody>
-          <a:bodyPr rtlCol="0" anchor="ctr"/>
-          <a:lstStyle/>
-          <a:p>
-            <a:pPr algn="ctr"/>
-            <a:endParaRPr lang="zh-CN" altLang="en-US"/>
-          </a:p>
-        </p:txBody>
-      </p:sp>
-      <p:sp>
-        <p:nvSpPr>
-          <p:cNvPr id="24" name="线形标注 1(带边框和强调线) 23"/>
-          <p:cNvSpPr/>
-          <p:nvPr/>
-        </p:nvSpPr>
-        <p:spPr>
-          <a:xfrm>
-            <a:off x="2411761" y="5892143"/>
-            <a:ext cx="4824535" cy="288032"/>
-          </a:xfrm>
-          <a:prstGeom prst="accentBorderCallout1">
-            <a:avLst>
-              <a:gd name="adj1" fmla="val 41898"/>
-              <a:gd name="adj2" fmla="val -2608"/>
-              <a:gd name="adj3" fmla="val 46362"/>
-              <a:gd name="adj4" fmla="val -14177"/>
-            </a:avLst>
-          </a:prstGeom>
-        </p:spPr>
-        <p:style>
-          <a:lnRef idx="1">
-            <a:schemeClr val="accent4"/>
-          </a:lnRef>
-          <a:fillRef idx="2">
-            <a:schemeClr val="accent4"/>
-          </a:fillRef>
-          <a:effectRef idx="1">
-            <a:schemeClr val="accent4"/>
-          </a:effectRef>
-          <a:fontRef idx="minor">
-            <a:schemeClr val="dk1"/>
-          </a:fontRef>
-        </p:style>
-        <p:txBody>
-          <a:bodyPr rtlCol="0" anchor="ctr"/>
-          <a:lstStyle/>
-          <a:p>
-            <a:r>
-              <a:rPr lang="zh-CN" altLang="en-US" sz="1400" dirty="0" smtClean="0"/>
-              <a:t>结构优化：模块化，</a:t>
-            </a:r>
-            <a:endParaRPr lang="zh-CN" altLang="en-US" sz="1400" dirty="0"/>
-          </a:p>
-        </p:txBody>
-      </p:sp>
-      <p:sp>
-        <p:nvSpPr>
-          <p:cNvPr id="25" name="线形标注 1(带边框和强调线) 24"/>
-          <p:cNvSpPr/>
-          <p:nvPr/>
-        </p:nvSpPr>
-        <p:spPr>
-          <a:xfrm>
-            <a:off x="2392735" y="6462092"/>
-            <a:ext cx="4843560" cy="288032"/>
-          </a:xfrm>
-          <a:prstGeom prst="accentBorderCallout1">
-            <a:avLst>
-              <a:gd name="adj1" fmla="val 41898"/>
-              <a:gd name="adj2" fmla="val -2237"/>
-              <a:gd name="adj3" fmla="val 46362"/>
-              <a:gd name="adj4" fmla="val -12854"/>
-            </a:avLst>
-          </a:prstGeom>
-        </p:spPr>
-        <p:style>
-          <a:lnRef idx="1">
-            <a:schemeClr val="accent6"/>
-          </a:lnRef>
-          <a:fillRef idx="2">
-            <a:schemeClr val="accent6"/>
-          </a:fillRef>
-          <a:effectRef idx="1">
-            <a:schemeClr val="accent6"/>
-          </a:effectRef>
-          <a:fontRef idx="minor">
-            <a:schemeClr val="dk1"/>
-          </a:fontRef>
-        </p:style>
-        <p:txBody>
-          <a:bodyPr rtlCol="0" anchor="ctr"/>
-          <a:lstStyle/>
-          <a:p>
-            <a:r>
-              <a:rPr lang="zh-CN" altLang="en-US" sz="1400" dirty="0" smtClean="0"/>
-              <a:t>合理选择图片格式和清晰度，降低图片大小</a:t>
-            </a:r>
-            <a:endParaRPr lang="zh-CN" altLang="en-US" sz="1400" dirty="0"/>
-          </a:p>
-        </p:txBody>
-      </p:sp>
-      <p:sp>
-        <p:nvSpPr>
-          <p:cNvPr id="26" name="流程图: 可选过程 25"/>
-          <p:cNvSpPr/>
-          <p:nvPr/>
-        </p:nvSpPr>
-        <p:spPr>
-          <a:xfrm>
-            <a:off x="406946" y="5750424"/>
-            <a:ext cx="1212726" cy="510924"/>
-          </a:xfrm>
-          <a:prstGeom prst="flowChartAlternateProcess">
-            <a:avLst/>
-          </a:prstGeom>
-        </p:spPr>
-        <p:style>
-          <a:lnRef idx="3">
-            <a:schemeClr val="lt1"/>
-          </a:lnRef>
-          <a:fillRef idx="1">
-            <a:schemeClr val="accent3"/>
-          </a:fillRef>
-          <a:effectRef idx="1">
-            <a:schemeClr val="accent3"/>
-          </a:effectRef>
-          <a:fontRef idx="minor">
-            <a:schemeClr val="lt1"/>
-          </a:fontRef>
-        </p:style>
-        <p:txBody>
-          <a:bodyPr rtlCol="0" anchor="ctr"/>
-          <a:lstStyle/>
-          <a:p>
-            <a:pPr algn="ctr"/>
-            <a:r>
-              <a:rPr lang="en-US" altLang="zh-CN" dirty="0" err="1" smtClean="0"/>
-              <a:t>Javascript</a:t>
-            </a:r>
-            <a:endParaRPr lang="zh-CN" altLang="en-US" dirty="0"/>
+            <a:r>
+              <a:rPr lang="en-US" altLang="zh-CN" b="1" dirty="0" smtClean="0"/>
+              <a:t>HTML</a:t>
+            </a:r>
+            <a:r>
+              <a:rPr lang="zh-CN" altLang="en-US" b="1" dirty="0" smtClean="0"/>
+              <a:t>：</a:t>
+            </a:r>
+            <a:endParaRPr lang="zh-CN" altLang="en-US" b="1" dirty="0"/>
+          </a:p>
+          <a:p>
+            <a:pPr marL="720000" indent="-285750">
+              <a:buFont typeface="Arial" pitchFamily="34" charset="0"/>
+              <a:buChar char="•"/>
+            </a:pPr>
+            <a:r>
+              <a:rPr lang="zh-CN" altLang="en-US" dirty="0">
+                <a:solidFill>
+                  <a:schemeClr val="tx1">
+                    <a:lumMod val="75000"/>
+                    <a:lumOff val="25000"/>
+                  </a:schemeClr>
+                </a:solidFill>
+              </a:rPr>
+              <a:t>文档</a:t>
+            </a:r>
+            <a:r>
+              <a:rPr lang="zh-CN" altLang="en-US" dirty="0" smtClean="0">
+                <a:solidFill>
+                  <a:schemeClr val="tx1">
+                    <a:lumMod val="75000"/>
+                    <a:lumOff val="25000"/>
+                  </a:schemeClr>
+                </a:solidFill>
+              </a:rPr>
+              <a:t>结构优化。</a:t>
+            </a:r>
+            <a:r>
+              <a:rPr lang="en-US" altLang="zh-CN" dirty="0" err="1" smtClean="0">
+                <a:solidFill>
+                  <a:schemeClr val="tx1">
+                    <a:lumMod val="75000"/>
+                    <a:lumOff val="25000"/>
+                  </a:schemeClr>
+                </a:solidFill>
+              </a:rPr>
+              <a:t>css,js</a:t>
+            </a:r>
+            <a:r>
+              <a:rPr lang="en-US" altLang="zh-CN" dirty="0" smtClean="0">
+                <a:solidFill>
+                  <a:schemeClr val="tx1">
+                    <a:lumMod val="75000"/>
+                    <a:lumOff val="25000"/>
+                  </a:schemeClr>
+                </a:solidFill>
+              </a:rPr>
+              <a:t> </a:t>
+            </a:r>
+            <a:r>
+              <a:rPr lang="zh-CN" altLang="en-US" dirty="0" smtClean="0">
+                <a:solidFill>
+                  <a:schemeClr val="tx1">
+                    <a:lumMod val="75000"/>
+                    <a:lumOff val="25000"/>
+                  </a:schemeClr>
+                </a:solidFill>
+              </a:rPr>
+              <a:t>分离、尽量使用语义标记、站内使用相对路径等等</a:t>
+            </a:r>
+            <a:endParaRPr lang="en-US" altLang="zh-CN" dirty="0" smtClean="0">
+              <a:solidFill>
+                <a:schemeClr val="tx1">
+                  <a:lumMod val="75000"/>
+                  <a:lumOff val="25000"/>
+                </a:schemeClr>
+              </a:solidFill>
+            </a:endParaRPr>
+          </a:p>
+          <a:p>
+            <a:pPr marL="720000" indent="-285750">
+              <a:buFont typeface="Arial" pitchFamily="34" charset="0"/>
+              <a:buChar char="•"/>
+            </a:pPr>
+            <a:r>
+              <a:rPr lang="zh-CN" altLang="en-US" dirty="0" smtClean="0">
+                <a:solidFill>
+                  <a:schemeClr val="tx1">
+                    <a:lumMod val="75000"/>
+                    <a:lumOff val="25000"/>
+                  </a:schemeClr>
+                </a:solidFill>
+              </a:rPr>
+              <a:t>体积优化。合理复用、代码压缩</a:t>
+            </a:r>
+            <a:endParaRPr lang="zh-CN" altLang="en-US" dirty="0">
+              <a:solidFill>
+                <a:schemeClr val="tx1">
+                  <a:lumMod val="75000"/>
+                  <a:lumOff val="25000"/>
+                </a:schemeClr>
+              </a:solidFill>
+            </a:endParaRPr>
           </a:p>
         </p:txBody>
       </p:sp>
@@ -7780,28 +9178,408 @@
           <a:p>
             <a:pPr algn="l"/>
             <a:r>
-              <a:rPr lang="zh-CN" altLang="en-US" dirty="0">
+              <a:rPr lang="zh-CN" altLang="en-US" dirty="0" smtClean="0">
                 <a:solidFill>
                   <a:schemeClr val="bg1"/>
                 </a:solidFill>
                 <a:latin typeface="方正大黑简体" pitchFamily="2" charset="-122"/>
                 <a:ea typeface="方正大黑简体" pitchFamily="2" charset="-122"/>
               </a:rPr>
-              <a:t>致谢</a:t>
-            </a:r>
+              <a:t>动静分离</a:t>
+            </a:r>
+            <a:endParaRPr lang="zh-CN" altLang="en-US" dirty="0">
+              <a:solidFill>
+                <a:schemeClr val="bg1"/>
+              </a:solidFill>
+              <a:latin typeface="方正大黑简体" pitchFamily="2" charset="-122"/>
+              <a:ea typeface="方正大黑简体" pitchFamily="2" charset="-122"/>
+            </a:endParaRPr>
+          </a:p>
+        </p:txBody>
+      </p:sp>
+      <p:sp>
+        <p:nvSpPr>
+          <p:cNvPr id="7" name="TextBox 6"/>
+          <p:cNvSpPr txBox="1"/>
+          <p:nvPr/>
+        </p:nvSpPr>
+        <p:spPr>
+          <a:xfrm>
+            <a:off x="432048" y="1292402"/>
+            <a:ext cx="8028384" cy="2523768"/>
+          </a:xfrm>
+          <a:prstGeom prst="rect">
+            <a:avLst/>
+          </a:prstGeom>
+          <a:noFill/>
+        </p:spPr>
+        <p:txBody>
+          <a:bodyPr wrap="square" rtlCol="0">
+            <a:spAutoFit/>
+          </a:bodyPr>
+          <a:lstStyle/>
+          <a:p>
+            <a:r>
+              <a:rPr lang="zh-CN" altLang="en-US" sz="2800" b="1" dirty="0" smtClean="0"/>
+              <a:t>动静分离优点</a:t>
+            </a:r>
+            <a:endParaRPr lang="en-US" altLang="zh-CN" sz="2800" b="1" dirty="0" smtClean="0"/>
+          </a:p>
+          <a:p>
+            <a:pPr marL="914400" lvl="1" indent="-457200">
+              <a:spcBef>
+                <a:spcPts val="1200"/>
+              </a:spcBef>
+              <a:buFont typeface="Arial" pitchFamily="34" charset="0"/>
+              <a:buChar char="•"/>
+            </a:pPr>
+            <a:r>
+              <a:rPr lang="zh-CN" altLang="en-US" sz="2400" dirty="0" smtClean="0"/>
+              <a:t>有利于代码复用</a:t>
+            </a:r>
+            <a:endParaRPr lang="en-US" altLang="zh-CN" sz="2400" dirty="0" smtClean="0"/>
+          </a:p>
+          <a:p>
+            <a:pPr marL="914400" lvl="1" indent="-457200">
+              <a:buFont typeface="Arial" pitchFamily="34" charset="0"/>
+              <a:buChar char="•"/>
+            </a:pPr>
+            <a:r>
+              <a:rPr lang="zh-CN" altLang="en-US" sz="2400" dirty="0" smtClean="0"/>
+              <a:t>职责分离，让专业人做专业的事</a:t>
+            </a:r>
+            <a:endParaRPr lang="en-US" altLang="zh-CN" sz="2400" dirty="0" smtClean="0"/>
+          </a:p>
+          <a:p>
+            <a:pPr marL="914400" lvl="1" indent="-457200">
+              <a:buFont typeface="Arial" pitchFamily="34" charset="0"/>
+              <a:buChar char="•"/>
+            </a:pPr>
+            <a:r>
+              <a:rPr lang="zh-CN" altLang="en-US" sz="2400" dirty="0" smtClean="0"/>
+              <a:t>方便实施优化，可对不同内容使用不同优化方案</a:t>
+            </a:r>
+            <a:endParaRPr lang="en-US" altLang="zh-CN" sz="2400" dirty="0" smtClean="0"/>
+          </a:p>
+          <a:p>
+            <a:pPr marL="914400" lvl="1" indent="-457200">
+              <a:buFont typeface="Arial" pitchFamily="34" charset="0"/>
+              <a:buChar char="•"/>
+            </a:pPr>
+            <a:r>
+              <a:rPr lang="zh-CN" altLang="en-US" sz="2400" dirty="0" smtClean="0"/>
+              <a:t>方便实施前端构建自动化，规范化</a:t>
+            </a:r>
+            <a:endParaRPr lang="en-US" altLang="zh-CN" sz="2400" dirty="0" smtClean="0"/>
+          </a:p>
+          <a:p>
+            <a:pPr lvl="1"/>
+            <a:endParaRPr lang="zh-CN" altLang="en-US" sz="2400" dirty="0"/>
+          </a:p>
+        </p:txBody>
+      </p:sp>
+      <p:sp>
+        <p:nvSpPr>
+          <p:cNvPr id="8" name="TextBox 7"/>
+          <p:cNvSpPr txBox="1"/>
+          <p:nvPr/>
+        </p:nvSpPr>
+        <p:spPr>
+          <a:xfrm>
+            <a:off x="466846" y="4581128"/>
+            <a:ext cx="8028384" cy="1415772"/>
+          </a:xfrm>
+          <a:prstGeom prst="rect">
+            <a:avLst/>
+          </a:prstGeom>
+          <a:noFill/>
+        </p:spPr>
+        <p:txBody>
+          <a:bodyPr wrap="square" rtlCol="0">
+            <a:spAutoFit/>
+          </a:bodyPr>
+          <a:lstStyle/>
+          <a:p>
+            <a:r>
+              <a:rPr lang="zh-CN" altLang="en-US" sz="2800" b="1" dirty="0"/>
+              <a:t>优化</a:t>
+            </a:r>
+            <a:r>
+              <a:rPr lang="zh-CN" altLang="en-US" sz="2800" b="1" dirty="0" smtClean="0"/>
+              <a:t>技术</a:t>
+            </a:r>
+            <a:endParaRPr lang="en-US" altLang="zh-CN" sz="2800" b="1" dirty="0" smtClean="0"/>
+          </a:p>
+          <a:p>
+            <a:pPr marL="914400" lvl="1" indent="-457200">
+              <a:spcBef>
+                <a:spcPts val="1200"/>
+              </a:spcBef>
+              <a:buFont typeface="Arial" pitchFamily="34" charset="0"/>
+              <a:buChar char="•"/>
+            </a:pPr>
+            <a:r>
+              <a:rPr lang="zh-CN" altLang="en-US" sz="2400" dirty="0" smtClean="0"/>
+              <a:t>动静</a:t>
+            </a:r>
+            <a:r>
+              <a:rPr lang="zh-CN" altLang="en-US" sz="2400" dirty="0"/>
+              <a:t>整合操作往前</a:t>
+            </a:r>
+            <a:r>
+              <a:rPr lang="zh-CN" altLang="en-US" sz="2400" dirty="0" smtClean="0"/>
+              <a:t>移。相关技术</a:t>
+            </a:r>
+            <a:r>
+              <a:rPr lang="en-US" altLang="zh-CN" sz="2400" dirty="0" smtClean="0"/>
+              <a:t>ESI,SSI</a:t>
+            </a:r>
+            <a:endParaRPr lang="zh-CN" altLang="en-US" sz="2400" dirty="0"/>
+          </a:p>
+          <a:p>
+            <a:pPr marL="914400" lvl="1" indent="-457200">
+              <a:buFont typeface="Arial" pitchFamily="34" charset="0"/>
+              <a:buChar char="•"/>
+            </a:pPr>
+            <a:r>
+              <a:rPr lang="zh-CN" altLang="en-US" sz="2400" dirty="0" smtClean="0"/>
+              <a:t>控制层前移，前端工程化，前端驱动开发。</a:t>
+            </a:r>
+            <a:endParaRPr lang="zh-CN" altLang="en-US" sz="2400" dirty="0"/>
+          </a:p>
+        </p:txBody>
+      </p:sp>
+    </p:spTree>
+    <p:extLst>
+      <p:ext uri="{BB962C8B-B14F-4D97-AF65-F5344CB8AC3E}">
+        <p14:creationId xmlns:p14="http://schemas.microsoft.com/office/powerpoint/2010/main" val="3072570691"/>
+      </p:ext>
+    </p:extLst>
+  </p:cSld>
+  <p:clrMapOvr>
+    <a:masterClrMapping/>
+  </p:clrMapOvr>
+  <mc:AlternateContent xmlns:mc="http://schemas.openxmlformats.org/markup-compatibility/2006" xmlns:p14="http://schemas.microsoft.com/office/powerpoint/2010/main">
+    <mc:Choice Requires="p14">
+      <p:transition spd="slow" p14:dur="800">
+        <p:circle/>
+      </p:transition>
+    </mc:Choice>
+    <mc:Fallback xmlns="">
+      <p:transition spd="slow">
+        <p:circle/>
+      </p:transition>
+    </mc:Fallback>
+  </mc:AlternateContent>
+  <p:timing>
+    <p:tnLst>
+      <p:par>
+        <p:cTn id="1" dur="indefinite" restart="never" nodeType="tmRoot"/>
+      </p:par>
+    </p:tnLst>
+  </p:timing>
+</p:sld>
+</file>
+
+<file path=ppt/slides/slide13.xml><?xml version="1.0" encoding="utf-8"?>
+<p:sld xmlns:a="http://schemas.openxmlformats.org/drawingml/2006/main" xmlns:r="http://schemas.openxmlformats.org/officeDocument/2006/relationships" xmlns:p="http://schemas.openxmlformats.org/presentationml/2006/main">
+  <p:cSld>
+    <p:spTree>
+      <p:nvGrpSpPr>
+        <p:cNvPr id="1" name=""/>
+        <p:cNvGrpSpPr/>
+        <p:nvPr/>
+      </p:nvGrpSpPr>
+      <p:grpSpPr>
+        <a:xfrm>
+          <a:off x="0" y="0"/>
+          <a:ext cx="0" cy="0"/>
+          <a:chOff x="0" y="0"/>
+          <a:chExt cx="0" cy="0"/>
+        </a:xfrm>
+      </p:grpSpPr>
+      <p:grpSp>
+        <p:nvGrpSpPr>
+          <p:cNvPr id="3" name="组合 2"/>
+          <p:cNvGrpSpPr/>
+          <p:nvPr/>
+        </p:nvGrpSpPr>
+        <p:grpSpPr>
+          <a:xfrm>
+            <a:off x="0" y="-27384"/>
+            <a:ext cx="9144000" cy="1080120"/>
+            <a:chOff x="0" y="1628800"/>
+            <a:chExt cx="9144000" cy="2592288"/>
+          </a:xfrm>
+        </p:grpSpPr>
+        <p:sp>
+          <p:nvSpPr>
+            <p:cNvPr id="4" name="矩形 3"/>
+            <p:cNvSpPr/>
+            <p:nvPr/>
+          </p:nvSpPr>
+          <p:spPr>
+            <a:xfrm>
+              <a:off x="0" y="1628800"/>
+              <a:ext cx="6948264" cy="2592288"/>
+            </a:xfrm>
+            <a:prstGeom prst="rect">
+              <a:avLst/>
+            </a:prstGeom>
+            <a:solidFill>
+              <a:srgbClr val="002060"/>
+            </a:solidFill>
+            <a:ln>
+              <a:noFill/>
+            </a:ln>
+          </p:spPr>
+          <p:style>
+            <a:lnRef idx="2">
+              <a:schemeClr val="accent1">
+                <a:shade val="50000"/>
+              </a:schemeClr>
+            </a:lnRef>
+            <a:fillRef idx="1">
+              <a:schemeClr val="accent1"/>
+            </a:fillRef>
+            <a:effectRef idx="0">
+              <a:schemeClr val="accent1"/>
+            </a:effectRef>
+            <a:fontRef idx="minor">
+              <a:schemeClr val="lt1"/>
+            </a:fontRef>
+          </p:style>
+          <p:txBody>
+            <a:bodyPr rtlCol="0" anchor="ctr"/>
+            <a:lstStyle/>
+            <a:p>
+              <a:pPr algn="ctr"/>
+              <a:endParaRPr lang="zh-CN" altLang="en-US"/>
+            </a:p>
+          </p:txBody>
+        </p:sp>
+        <p:sp>
+          <p:nvSpPr>
+            <p:cNvPr id="5" name="矩形 4"/>
+            <p:cNvSpPr/>
+            <p:nvPr/>
+          </p:nvSpPr>
+          <p:spPr>
+            <a:xfrm>
+              <a:off x="6948264" y="1628800"/>
+              <a:ext cx="2195736" cy="2592288"/>
+            </a:xfrm>
+            <a:prstGeom prst="rect">
+              <a:avLst/>
+            </a:prstGeom>
+            <a:solidFill>
+              <a:srgbClr val="00B050"/>
+            </a:solidFill>
+            <a:ln>
+              <a:noFill/>
+            </a:ln>
+          </p:spPr>
+          <p:style>
+            <a:lnRef idx="2">
+              <a:schemeClr val="accent1">
+                <a:shade val="50000"/>
+              </a:schemeClr>
+            </a:lnRef>
+            <a:fillRef idx="1">
+              <a:schemeClr val="accent1"/>
+            </a:fillRef>
+            <a:effectRef idx="0">
+              <a:schemeClr val="accent1"/>
+            </a:effectRef>
+            <a:fontRef idx="minor">
+              <a:schemeClr val="lt1"/>
+            </a:fontRef>
+          </p:style>
+          <p:txBody>
+            <a:bodyPr rtlCol="0" anchor="ctr"/>
+            <a:lstStyle/>
+            <a:p>
+              <a:pPr algn="ctr"/>
+              <a:endParaRPr lang="zh-CN" altLang="en-US"/>
+            </a:p>
+          </p:txBody>
+        </p:sp>
+      </p:grpSp>
+      <p:sp>
+        <p:nvSpPr>
+          <p:cNvPr id="6" name="标题 3"/>
+          <p:cNvSpPr txBox="1">
+            <a:spLocks/>
+          </p:cNvSpPr>
+          <p:nvPr/>
+        </p:nvSpPr>
+        <p:spPr>
+          <a:xfrm>
+            <a:off x="432048" y="125760"/>
+            <a:ext cx="7812360" cy="1143000"/>
+          </a:xfrm>
+          <a:prstGeom prst="rect">
+            <a:avLst/>
+          </a:prstGeom>
+        </p:spPr>
+        <p:txBody>
+          <a:bodyPr>
+            <a:normAutofit/>
+          </a:bodyPr>
+          <a:lstStyle>
+            <a:lvl1pPr algn="ctr" defTabSz="914400" rtl="0" eaLnBrk="1" latinLnBrk="0" hangingPunct="1">
+              <a:spcBef>
+                <a:spcPct val="0"/>
+              </a:spcBef>
+              <a:buNone/>
+              <a:defRPr sz="4400" kern="1200">
+                <a:solidFill>
+                  <a:schemeClr val="tx1"/>
+                </a:solidFill>
+                <a:latin typeface="+mj-lt"/>
+                <a:ea typeface="+mj-ea"/>
+                <a:cs typeface="+mj-cs"/>
+              </a:defRPr>
+            </a:lvl1pPr>
+          </a:lstStyle>
+          <a:p>
+            <a:pPr algn="l"/>
+            <a:r>
+              <a:rPr lang="zh-CN" altLang="en-US" dirty="0" smtClean="0">
+                <a:solidFill>
+                  <a:schemeClr val="bg1"/>
+                </a:solidFill>
+                <a:latin typeface="方正大黑简体" pitchFamily="2" charset="-122"/>
+                <a:ea typeface="方正大黑简体" pitchFamily="2" charset="-122"/>
+              </a:rPr>
+              <a:t>动静分离</a:t>
+            </a:r>
+            <a:endParaRPr lang="zh-CN" altLang="en-US" dirty="0">
+              <a:solidFill>
+                <a:schemeClr val="bg1"/>
+              </a:solidFill>
+              <a:latin typeface="方正大黑简体" pitchFamily="2" charset="-122"/>
+              <a:ea typeface="方正大黑简体" pitchFamily="2" charset="-122"/>
+            </a:endParaRPr>
           </a:p>
         </p:txBody>
       </p:sp>
       <p:pic>
         <p:nvPicPr>
-          <p:cNvPr id="8" name="Picture 7" descr="D:\Program Files\Microsoft Office\MEDIA\CAGCAT10\j0284916.jpg"/>
+          <p:cNvPr id="1026" name="Picture 2"/>
           <p:cNvPicPr>
             <a:picLocks noChangeAspect="1" noChangeArrowheads="1"/>
           </p:cNvPicPr>
           <p:nvPr/>
         </p:nvPicPr>
         <p:blipFill>
-          <a:blip r:embed="rId2"/>
+          <a:blip r:embed="rId3">
+            <a:extLst>
+              <a:ext uri="{28A0092B-C50C-407E-A947-70E740481C1C}">
+                <a14:useLocalDpi xmlns:a14="http://schemas.microsoft.com/office/drawing/2010/main" val="0"/>
+              </a:ext>
+            </a:extLst>
+          </a:blip>
           <a:srcRect/>
           <a:stretch>
             <a:fillRect/>
@@ -7809,15 +9587,1133 @@
         </p:blipFill>
         <p:spPr bwMode="auto">
           <a:xfrm>
-            <a:off x="4857752" y="2143116"/>
-            <a:ext cx="3888027" cy="2571768"/>
+            <a:off x="691726" y="1412776"/>
+            <a:ext cx="2664296" cy="4594110"/>
+          </a:xfrm>
+          <a:prstGeom prst="rect">
+            <a:avLst/>
+          </a:prstGeom>
+          <a:noFill/>
+          <a:ln>
+            <a:noFill/>
+          </a:ln>
+          <a:effectLst/>
+          <a:extLst>
+            <a:ext uri="{909E8E84-426E-40DD-AFC4-6F175D3DCCD1}">
+              <a14:hiddenFill xmlns:a14="http://schemas.microsoft.com/office/drawing/2010/main">
+                <a:solidFill>
+                  <a:schemeClr val="accent1"/>
+                </a:solidFill>
+              </a14:hiddenFill>
+            </a:ext>
+            <a:ext uri="{91240B29-F687-4F45-9708-019B960494DF}">
+              <a14:hiddenLine xmlns:a14="http://schemas.microsoft.com/office/drawing/2010/main" w="9525">
+                <a:solidFill>
+                  <a:schemeClr val="tx1"/>
+                </a:solidFill>
+                <a:miter lim="800000"/>
+                <a:headEnd/>
+                <a:tailEnd/>
+              </a14:hiddenLine>
+            </a:ext>
+            <a:ext uri="{AF507438-7753-43E0-B8FC-AC1667EBCBE1}">
+              <a14:hiddenEffects xmlns:a14="http://schemas.microsoft.com/office/drawing/2010/main">
+                <a:effectLst>
+                  <a:outerShdw dist="35921" dir="2700000" algn="ctr" rotWithShape="0">
+                    <a:schemeClr val="bg2"/>
+                  </a:outerShdw>
+                </a:effectLst>
+              </a14:hiddenEffects>
+            </a:ext>
+          </a:extLst>
+        </p:spPr>
+      </p:pic>
+      <p:pic>
+        <p:nvPicPr>
+          <p:cNvPr id="2050" name="Picture 2"/>
+          <p:cNvPicPr>
+            <a:picLocks noChangeAspect="1" noChangeArrowheads="1"/>
+          </p:cNvPicPr>
+          <p:nvPr/>
+        </p:nvPicPr>
+        <p:blipFill>
+          <a:blip r:embed="rId4">
+            <a:extLst>
+              <a:ext uri="{28A0092B-C50C-407E-A947-70E740481C1C}">
+                <a14:useLocalDpi xmlns:a14="http://schemas.microsoft.com/office/drawing/2010/main" val="0"/>
+              </a:ext>
+            </a:extLst>
+          </a:blip>
+          <a:srcRect/>
+          <a:stretch>
+            <a:fillRect/>
+          </a:stretch>
+        </p:blipFill>
+        <p:spPr bwMode="auto">
+          <a:xfrm>
+            <a:off x="4572000" y="1403581"/>
+            <a:ext cx="3756191" cy="4594110"/>
+          </a:xfrm>
+          <a:prstGeom prst="rect">
+            <a:avLst/>
+          </a:prstGeom>
+          <a:noFill/>
+          <a:ln>
+            <a:noFill/>
+          </a:ln>
+          <a:effectLst/>
+          <a:extLst>
+            <a:ext uri="{909E8E84-426E-40DD-AFC4-6F175D3DCCD1}">
+              <a14:hiddenFill xmlns:a14="http://schemas.microsoft.com/office/drawing/2010/main">
+                <a:solidFill>
+                  <a:schemeClr val="accent1"/>
+                </a:solidFill>
+              </a14:hiddenFill>
+            </a:ext>
+            <a:ext uri="{91240B29-F687-4F45-9708-019B960494DF}">
+              <a14:hiddenLine xmlns:a14="http://schemas.microsoft.com/office/drawing/2010/main" w="9525">
+                <a:solidFill>
+                  <a:schemeClr val="tx1"/>
+                </a:solidFill>
+                <a:miter lim="800000"/>
+                <a:headEnd/>
+                <a:tailEnd/>
+              </a14:hiddenLine>
+            </a:ext>
+            <a:ext uri="{AF507438-7753-43E0-B8FC-AC1667EBCBE1}">
+              <a14:hiddenEffects xmlns:a14="http://schemas.microsoft.com/office/drawing/2010/main">
+                <a:effectLst>
+                  <a:outerShdw dist="35921" dir="2700000" algn="ctr" rotWithShape="0">
+                    <a:schemeClr val="bg2"/>
+                  </a:outerShdw>
+                </a:effectLst>
+              </a14:hiddenEffects>
+            </a:ext>
+          </a:extLst>
+        </p:spPr>
+      </p:pic>
+      <p:sp>
+        <p:nvSpPr>
+          <p:cNvPr id="7" name="TextBox 6"/>
+          <p:cNvSpPr txBox="1"/>
+          <p:nvPr/>
+        </p:nvSpPr>
+        <p:spPr>
+          <a:xfrm>
+            <a:off x="467544" y="6292177"/>
+            <a:ext cx="3278462" cy="461665"/>
           </a:xfrm>
           <a:prstGeom prst="rect">
             <a:avLst/>
           </a:prstGeom>
           <a:noFill/>
         </p:spPr>
-      </p:pic>
+        <p:txBody>
+          <a:bodyPr wrap="none" rtlCol="0">
+            <a:spAutoFit/>
+          </a:bodyPr>
+          <a:lstStyle/>
+          <a:p>
+            <a:r>
+              <a:rPr lang="zh-CN" altLang="en-US" sz="2400" b="1" dirty="0" smtClean="0">
+                <a:solidFill>
+                  <a:srgbClr val="00B050"/>
+                </a:solidFill>
+              </a:rPr>
+              <a:t>简单动静分离项目结构</a:t>
+            </a:r>
+            <a:endParaRPr lang="zh-CN" altLang="en-US" sz="2400" b="1" dirty="0">
+              <a:solidFill>
+                <a:srgbClr val="00B050"/>
+              </a:solidFill>
+            </a:endParaRPr>
+          </a:p>
+        </p:txBody>
+      </p:sp>
+      <p:sp>
+        <p:nvSpPr>
+          <p:cNvPr id="10" name="TextBox 9"/>
+          <p:cNvSpPr txBox="1"/>
+          <p:nvPr/>
+        </p:nvSpPr>
+        <p:spPr>
+          <a:xfrm>
+            <a:off x="4807298" y="6292177"/>
+            <a:ext cx="2501006" cy="461665"/>
+          </a:xfrm>
+          <a:prstGeom prst="rect">
+            <a:avLst/>
+          </a:prstGeom>
+          <a:noFill/>
+        </p:spPr>
+        <p:txBody>
+          <a:bodyPr wrap="none" rtlCol="0">
+            <a:spAutoFit/>
+          </a:bodyPr>
+          <a:lstStyle/>
+          <a:p>
+            <a:r>
+              <a:rPr lang="en-US" altLang="zh-CN" sz="2400" b="1" dirty="0" smtClean="0">
+                <a:solidFill>
+                  <a:srgbClr val="00B050"/>
+                </a:solidFill>
+              </a:rPr>
+              <a:t>CSI </a:t>
+            </a:r>
+            <a:r>
+              <a:rPr lang="zh-CN" altLang="en-US" sz="2400" b="1" dirty="0" smtClean="0">
+                <a:solidFill>
+                  <a:srgbClr val="00B050"/>
+                </a:solidFill>
+              </a:rPr>
+              <a:t>前端项目结构</a:t>
+            </a:r>
+            <a:endParaRPr lang="zh-CN" altLang="en-US" sz="2400" b="1" dirty="0">
+              <a:solidFill>
+                <a:srgbClr val="00B050"/>
+              </a:solidFill>
+            </a:endParaRPr>
+          </a:p>
+        </p:txBody>
+      </p:sp>
+    </p:spTree>
+    <p:extLst>
+      <p:ext uri="{BB962C8B-B14F-4D97-AF65-F5344CB8AC3E}">
+        <p14:creationId xmlns:p14="http://schemas.microsoft.com/office/powerpoint/2010/main" val="3766300"/>
+      </p:ext>
+    </p:extLst>
+  </p:cSld>
+  <p:clrMapOvr>
+    <a:masterClrMapping/>
+  </p:clrMapOvr>
+  <mc:AlternateContent xmlns:mc="http://schemas.openxmlformats.org/markup-compatibility/2006" xmlns:p14="http://schemas.microsoft.com/office/powerpoint/2010/main">
+    <mc:Choice Requires="p14">
+      <p:transition spd="slow" p14:dur="800">
+        <p:circle/>
+      </p:transition>
+    </mc:Choice>
+    <mc:Fallback xmlns="">
+      <p:transition spd="slow">
+        <p:circle/>
+      </p:transition>
+    </mc:Fallback>
+  </mc:AlternateContent>
+  <p:timing>
+    <p:tnLst>
+      <p:par>
+        <p:cTn id="1" dur="indefinite" restart="never" nodeType="tmRoot"/>
+      </p:par>
+    </p:tnLst>
+  </p:timing>
+</p:sld>
+</file>
+
+<file path=ppt/slides/slide14.xml><?xml version="1.0" encoding="utf-8"?>
+<p:sld xmlns:a="http://schemas.openxmlformats.org/drawingml/2006/main" xmlns:r="http://schemas.openxmlformats.org/officeDocument/2006/relationships" xmlns:p="http://schemas.openxmlformats.org/presentationml/2006/main">
+  <p:cSld>
+    <p:spTree>
+      <p:nvGrpSpPr>
+        <p:cNvPr id="1" name=""/>
+        <p:cNvGrpSpPr/>
+        <p:nvPr/>
+      </p:nvGrpSpPr>
+      <p:grpSpPr>
+        <a:xfrm>
+          <a:off x="0" y="0"/>
+          <a:ext cx="0" cy="0"/>
+          <a:chOff x="0" y="0"/>
+          <a:chExt cx="0" cy="0"/>
+        </a:xfrm>
+      </p:grpSpPr>
+      <p:grpSp>
+        <p:nvGrpSpPr>
+          <p:cNvPr id="3" name="组合 2"/>
+          <p:cNvGrpSpPr/>
+          <p:nvPr/>
+        </p:nvGrpSpPr>
+        <p:grpSpPr>
+          <a:xfrm>
+            <a:off x="0" y="-27384"/>
+            <a:ext cx="9144000" cy="1080120"/>
+            <a:chOff x="0" y="1628800"/>
+            <a:chExt cx="9144000" cy="2592288"/>
+          </a:xfrm>
+        </p:grpSpPr>
+        <p:sp>
+          <p:nvSpPr>
+            <p:cNvPr id="4" name="矩形 3"/>
+            <p:cNvSpPr/>
+            <p:nvPr/>
+          </p:nvSpPr>
+          <p:spPr>
+            <a:xfrm>
+              <a:off x="0" y="1628800"/>
+              <a:ext cx="6948264" cy="2592288"/>
+            </a:xfrm>
+            <a:prstGeom prst="rect">
+              <a:avLst/>
+            </a:prstGeom>
+            <a:solidFill>
+              <a:srgbClr val="002060"/>
+            </a:solidFill>
+            <a:ln>
+              <a:noFill/>
+            </a:ln>
+          </p:spPr>
+          <p:style>
+            <a:lnRef idx="2">
+              <a:schemeClr val="accent1">
+                <a:shade val="50000"/>
+              </a:schemeClr>
+            </a:lnRef>
+            <a:fillRef idx="1">
+              <a:schemeClr val="accent1"/>
+            </a:fillRef>
+            <a:effectRef idx="0">
+              <a:schemeClr val="accent1"/>
+            </a:effectRef>
+            <a:fontRef idx="minor">
+              <a:schemeClr val="lt1"/>
+            </a:fontRef>
+          </p:style>
+          <p:txBody>
+            <a:bodyPr rtlCol="0" anchor="ctr"/>
+            <a:lstStyle/>
+            <a:p>
+              <a:pPr algn="ctr"/>
+              <a:endParaRPr lang="zh-CN" altLang="en-US"/>
+            </a:p>
+          </p:txBody>
+        </p:sp>
+        <p:sp>
+          <p:nvSpPr>
+            <p:cNvPr id="5" name="矩形 4"/>
+            <p:cNvSpPr/>
+            <p:nvPr/>
+          </p:nvSpPr>
+          <p:spPr>
+            <a:xfrm>
+              <a:off x="6948264" y="1628800"/>
+              <a:ext cx="2195736" cy="2592288"/>
+            </a:xfrm>
+            <a:prstGeom prst="rect">
+              <a:avLst/>
+            </a:prstGeom>
+            <a:solidFill>
+              <a:srgbClr val="00B050"/>
+            </a:solidFill>
+            <a:ln>
+              <a:noFill/>
+            </a:ln>
+          </p:spPr>
+          <p:style>
+            <a:lnRef idx="2">
+              <a:schemeClr val="accent1">
+                <a:shade val="50000"/>
+              </a:schemeClr>
+            </a:lnRef>
+            <a:fillRef idx="1">
+              <a:schemeClr val="accent1"/>
+            </a:fillRef>
+            <a:effectRef idx="0">
+              <a:schemeClr val="accent1"/>
+            </a:effectRef>
+            <a:fontRef idx="minor">
+              <a:schemeClr val="lt1"/>
+            </a:fontRef>
+          </p:style>
+          <p:txBody>
+            <a:bodyPr rtlCol="0" anchor="ctr"/>
+            <a:lstStyle/>
+            <a:p>
+              <a:pPr algn="ctr"/>
+              <a:endParaRPr lang="zh-CN" altLang="en-US"/>
+            </a:p>
+          </p:txBody>
+        </p:sp>
+      </p:grpSp>
+      <p:sp>
+        <p:nvSpPr>
+          <p:cNvPr id="6" name="标题 3"/>
+          <p:cNvSpPr txBox="1">
+            <a:spLocks/>
+          </p:cNvSpPr>
+          <p:nvPr/>
+        </p:nvSpPr>
+        <p:spPr>
+          <a:xfrm>
+            <a:off x="432048" y="125760"/>
+            <a:ext cx="7812360" cy="1143000"/>
+          </a:xfrm>
+          <a:prstGeom prst="rect">
+            <a:avLst/>
+          </a:prstGeom>
+        </p:spPr>
+        <p:txBody>
+          <a:bodyPr>
+            <a:normAutofit/>
+          </a:bodyPr>
+          <a:lstStyle>
+            <a:lvl1pPr algn="ctr" defTabSz="914400" rtl="0" eaLnBrk="1" latinLnBrk="0" hangingPunct="1">
+              <a:spcBef>
+                <a:spcPct val="0"/>
+              </a:spcBef>
+              <a:buNone/>
+              <a:defRPr sz="4400" kern="1200">
+                <a:solidFill>
+                  <a:schemeClr val="tx1"/>
+                </a:solidFill>
+                <a:latin typeface="+mj-lt"/>
+                <a:ea typeface="+mj-ea"/>
+                <a:cs typeface="+mj-cs"/>
+              </a:defRPr>
+            </a:lvl1pPr>
+          </a:lstStyle>
+          <a:p>
+            <a:pPr algn="l"/>
+            <a:r>
+              <a:rPr lang="zh-CN" altLang="en-US" dirty="0" smtClean="0">
+                <a:solidFill>
+                  <a:schemeClr val="bg1"/>
+                </a:solidFill>
+                <a:latin typeface="方正大黑简体" pitchFamily="2" charset="-122"/>
+                <a:ea typeface="方正大黑简体" pitchFamily="2" charset="-122"/>
+              </a:rPr>
+              <a:t>动静分离</a:t>
+            </a:r>
+            <a:endParaRPr lang="zh-CN" altLang="en-US" dirty="0">
+              <a:solidFill>
+                <a:schemeClr val="bg1"/>
+              </a:solidFill>
+              <a:latin typeface="方正大黑简体" pitchFamily="2" charset="-122"/>
+              <a:ea typeface="方正大黑简体" pitchFamily="2" charset="-122"/>
+            </a:endParaRPr>
+          </a:p>
+        </p:txBody>
+      </p:sp>
+      <p:sp>
+        <p:nvSpPr>
+          <p:cNvPr id="9" name="TextBox 8"/>
+          <p:cNvSpPr txBox="1"/>
+          <p:nvPr/>
+        </p:nvSpPr>
+        <p:spPr>
+          <a:xfrm>
+            <a:off x="442325" y="1628800"/>
+            <a:ext cx="8028384" cy="3262432"/>
+          </a:xfrm>
+          <a:prstGeom prst="rect">
+            <a:avLst/>
+          </a:prstGeom>
+          <a:noFill/>
+        </p:spPr>
+        <p:txBody>
+          <a:bodyPr wrap="square" rtlCol="0">
+            <a:spAutoFit/>
+          </a:bodyPr>
+          <a:lstStyle/>
+          <a:p>
+            <a:r>
+              <a:rPr lang="en-US" altLang="zh-CN" sz="2800" b="1" dirty="0" smtClean="0"/>
+              <a:t>CSI</a:t>
+            </a:r>
+            <a:r>
+              <a:rPr lang="zh-CN" altLang="en-US" sz="2800" b="1" dirty="0" smtClean="0"/>
+              <a:t>化优点与相关技术</a:t>
+            </a:r>
+            <a:endParaRPr lang="en-US" altLang="zh-CN" sz="2800" b="1" dirty="0" smtClean="0"/>
+          </a:p>
+          <a:p>
+            <a:pPr marL="914400" lvl="1" indent="-457200">
+              <a:spcBef>
+                <a:spcPts val="1200"/>
+              </a:spcBef>
+              <a:buFont typeface="Arial" pitchFamily="34" charset="0"/>
+              <a:buChar char="•"/>
+            </a:pPr>
+            <a:r>
+              <a:rPr lang="zh-CN" altLang="en-US" sz="2400" dirty="0" smtClean="0"/>
+              <a:t>自动化构建。相关技术</a:t>
+            </a:r>
+            <a:r>
+              <a:rPr lang="en-US" altLang="zh-CN" sz="2400" dirty="0" err="1" smtClean="0"/>
+              <a:t>gulp,grant</a:t>
+            </a:r>
+            <a:endParaRPr lang="zh-CN" altLang="en-US" sz="2400" dirty="0"/>
+          </a:p>
+          <a:p>
+            <a:pPr marL="914400" lvl="1" indent="-457200">
+              <a:buFont typeface="Arial" pitchFamily="34" charset="0"/>
+              <a:buChar char="•"/>
+            </a:pPr>
+            <a:r>
+              <a:rPr lang="zh-CN" altLang="en-US" sz="2400" dirty="0" smtClean="0"/>
+              <a:t>控制层前移</a:t>
+            </a:r>
+            <a:r>
+              <a:rPr lang="en-US" altLang="zh-CN" sz="2400" dirty="0" smtClean="0"/>
+              <a:t>,</a:t>
+            </a:r>
+            <a:r>
+              <a:rPr lang="zh-CN" altLang="en-US" sz="2400" dirty="0" smtClean="0"/>
+              <a:t>可以使用</a:t>
+            </a:r>
+            <a:r>
+              <a:rPr lang="en-US" altLang="zh-CN" sz="2400" dirty="0" err="1" smtClean="0"/>
+              <a:t>mvvm</a:t>
+            </a:r>
+            <a:r>
+              <a:rPr lang="zh-CN" altLang="en-US" sz="2400" dirty="0" smtClean="0"/>
+              <a:t>架构。相关技术</a:t>
+            </a:r>
+            <a:r>
+              <a:rPr lang="en-US" altLang="zh-CN" sz="2400" dirty="0"/>
+              <a:t>React </a:t>
+            </a:r>
+            <a:r>
+              <a:rPr lang="zh-CN" altLang="en-US" sz="2400" dirty="0" smtClean="0"/>
+              <a:t>，</a:t>
+            </a:r>
+            <a:r>
+              <a:rPr lang="en-US" altLang="zh-CN" sz="2400" dirty="0" smtClean="0"/>
+              <a:t>angular</a:t>
+            </a:r>
+            <a:r>
+              <a:rPr lang="zh-CN" altLang="en-US" sz="2400" dirty="0" smtClean="0"/>
+              <a:t>。</a:t>
+            </a:r>
+            <a:endParaRPr lang="en-US" altLang="zh-CN" sz="2400" dirty="0" smtClean="0"/>
+          </a:p>
+          <a:p>
+            <a:pPr marL="914400" lvl="1" indent="-457200">
+              <a:buFont typeface="Arial" pitchFamily="34" charset="0"/>
+              <a:buChar char="•"/>
+            </a:pPr>
+            <a:r>
+              <a:rPr lang="zh-CN" altLang="en-US" sz="2400" dirty="0" smtClean="0"/>
+              <a:t>模块化开发，模块关系管理及自动加载。 相关技术</a:t>
+            </a:r>
+            <a:r>
+              <a:rPr lang="en-US" altLang="zh-CN" sz="2400" dirty="0" err="1" smtClean="0"/>
+              <a:t>Webpack</a:t>
+            </a:r>
+            <a:r>
+              <a:rPr lang="en-US" altLang="zh-CN" sz="2400" dirty="0" smtClean="0"/>
+              <a:t>, </a:t>
+            </a:r>
+            <a:r>
+              <a:rPr lang="en-US" altLang="zh-CN" sz="2400" dirty="0" err="1" smtClean="0"/>
+              <a:t>requireJs</a:t>
+            </a:r>
+            <a:r>
+              <a:rPr lang="zh-CN" altLang="en-US" sz="2400" dirty="0" smtClean="0"/>
+              <a:t>，</a:t>
+            </a:r>
+            <a:r>
+              <a:rPr lang="en-US" altLang="zh-CN" sz="2400" dirty="0" err="1"/>
+              <a:t>SeaJS</a:t>
+            </a:r>
+            <a:r>
+              <a:rPr lang="en-US" altLang="zh-CN" sz="2400" dirty="0"/>
+              <a:t> </a:t>
+            </a:r>
+            <a:endParaRPr lang="en-US" altLang="zh-CN" sz="2400" dirty="0" smtClean="0"/>
+          </a:p>
+          <a:p>
+            <a:pPr marL="914400" lvl="1" indent="-457200">
+              <a:buFont typeface="Arial" pitchFamily="34" charset="0"/>
+              <a:buChar char="•"/>
+            </a:pPr>
+            <a:r>
+              <a:rPr lang="zh-CN" altLang="en-US" sz="2400" dirty="0" smtClean="0"/>
+              <a:t>后端解耦。相关</a:t>
+            </a:r>
+            <a:r>
+              <a:rPr lang="en-US" altLang="zh-CN" sz="2400" dirty="0" smtClean="0"/>
+              <a:t>Express</a:t>
+            </a:r>
+          </a:p>
+          <a:p>
+            <a:pPr marL="914400" lvl="1" indent="-457200">
+              <a:buFont typeface="Arial" pitchFamily="34" charset="0"/>
+              <a:buChar char="•"/>
+            </a:pPr>
+            <a:endParaRPr lang="zh-CN" altLang="en-US" sz="2400" dirty="0"/>
+          </a:p>
+        </p:txBody>
+      </p:sp>
+      <p:sp>
+        <p:nvSpPr>
+          <p:cNvPr id="10" name="TextBox 9"/>
+          <p:cNvSpPr txBox="1"/>
+          <p:nvPr/>
+        </p:nvSpPr>
+        <p:spPr>
+          <a:xfrm>
+            <a:off x="324036" y="4891232"/>
+            <a:ext cx="8028384" cy="1938992"/>
+          </a:xfrm>
+          <a:prstGeom prst="rect">
+            <a:avLst/>
+          </a:prstGeom>
+          <a:noFill/>
+        </p:spPr>
+        <p:txBody>
+          <a:bodyPr wrap="square" rtlCol="0">
+            <a:spAutoFit/>
+          </a:bodyPr>
+          <a:lstStyle/>
+          <a:p>
+            <a:r>
+              <a:rPr lang="zh-CN" altLang="en-US" sz="2800" b="1" dirty="0" smtClean="0"/>
+              <a:t>实施前提</a:t>
+            </a:r>
+            <a:endParaRPr lang="en-US" altLang="zh-CN" sz="2800" b="1" dirty="0" smtClean="0"/>
+          </a:p>
+          <a:p>
+            <a:pPr marL="914400" lvl="1" indent="-457200">
+              <a:spcBef>
+                <a:spcPts val="1200"/>
+              </a:spcBef>
+              <a:buFont typeface="Arial" pitchFamily="34" charset="0"/>
+              <a:buChar char="•"/>
+            </a:pPr>
+            <a:r>
+              <a:rPr lang="zh-CN" altLang="en-US" sz="2400" dirty="0" smtClean="0"/>
+              <a:t>网站即包含动态内容，也包含静态内容</a:t>
+            </a:r>
+            <a:endParaRPr lang="en-US" altLang="zh-CN" sz="2400" dirty="0" smtClean="0"/>
+          </a:p>
+          <a:p>
+            <a:pPr marL="914400" lvl="1" indent="-457200">
+              <a:spcBef>
+                <a:spcPts val="1200"/>
+              </a:spcBef>
+              <a:buFont typeface="Arial" pitchFamily="34" charset="0"/>
+              <a:buChar char="•"/>
+            </a:pPr>
+            <a:r>
+              <a:rPr lang="zh-CN" altLang="en-US" sz="2400" dirty="0" smtClean="0"/>
+              <a:t>页面访问量到一定量</a:t>
+            </a:r>
+            <a:endParaRPr lang="en-US" altLang="zh-CN" sz="2400" dirty="0" smtClean="0"/>
+          </a:p>
+          <a:p>
+            <a:pPr marL="914400" lvl="1" indent="-457200">
+              <a:buFont typeface="Arial" pitchFamily="34" charset="0"/>
+              <a:buChar char="•"/>
+            </a:pPr>
+            <a:endParaRPr lang="zh-CN" altLang="en-US" sz="2400" dirty="0"/>
+          </a:p>
+        </p:txBody>
+      </p:sp>
+    </p:spTree>
+    <p:extLst>
+      <p:ext uri="{BB962C8B-B14F-4D97-AF65-F5344CB8AC3E}">
+        <p14:creationId xmlns:p14="http://schemas.microsoft.com/office/powerpoint/2010/main" val="2931214943"/>
+      </p:ext>
+    </p:extLst>
+  </p:cSld>
+  <p:clrMapOvr>
+    <a:masterClrMapping/>
+  </p:clrMapOvr>
+  <mc:AlternateContent xmlns:mc="http://schemas.openxmlformats.org/markup-compatibility/2006" xmlns:p14="http://schemas.microsoft.com/office/powerpoint/2010/main">
+    <mc:Choice Requires="p14">
+      <p:transition spd="slow" p14:dur="800">
+        <p:circle/>
+      </p:transition>
+    </mc:Choice>
+    <mc:Fallback xmlns="">
+      <p:transition spd="slow">
+        <p:circle/>
+      </p:transition>
+    </mc:Fallback>
+  </mc:AlternateContent>
+  <p:timing>
+    <p:tnLst>
+      <p:par>
+        <p:cTn id="1" dur="indefinite" restart="never" nodeType="tmRoot"/>
+      </p:par>
+    </p:tnLst>
+  </p:timing>
+</p:sld>
+</file>
+
+<file path=ppt/slides/slide15.xml><?xml version="1.0" encoding="utf-8"?>
+<p:sld xmlns:a="http://schemas.openxmlformats.org/drawingml/2006/main" xmlns:r="http://schemas.openxmlformats.org/officeDocument/2006/relationships" xmlns:p="http://schemas.openxmlformats.org/presentationml/2006/main">
+  <p:cSld>
+    <p:spTree>
+      <p:nvGrpSpPr>
+        <p:cNvPr id="1" name=""/>
+        <p:cNvGrpSpPr/>
+        <p:nvPr/>
+      </p:nvGrpSpPr>
+      <p:grpSpPr>
+        <a:xfrm>
+          <a:off x="0" y="0"/>
+          <a:ext cx="0" cy="0"/>
+          <a:chOff x="0" y="0"/>
+          <a:chExt cx="0" cy="0"/>
+        </a:xfrm>
+      </p:grpSpPr>
+      <p:grpSp>
+        <p:nvGrpSpPr>
+          <p:cNvPr id="3" name="组合 2"/>
+          <p:cNvGrpSpPr/>
+          <p:nvPr/>
+        </p:nvGrpSpPr>
+        <p:grpSpPr>
+          <a:xfrm>
+            <a:off x="0" y="-27384"/>
+            <a:ext cx="9144000" cy="1080120"/>
+            <a:chOff x="0" y="1628800"/>
+            <a:chExt cx="9144000" cy="2592288"/>
+          </a:xfrm>
+        </p:grpSpPr>
+        <p:sp>
+          <p:nvSpPr>
+            <p:cNvPr id="4" name="矩形 3"/>
+            <p:cNvSpPr/>
+            <p:nvPr/>
+          </p:nvSpPr>
+          <p:spPr>
+            <a:xfrm>
+              <a:off x="0" y="1628800"/>
+              <a:ext cx="6948264" cy="2592288"/>
+            </a:xfrm>
+            <a:prstGeom prst="rect">
+              <a:avLst/>
+            </a:prstGeom>
+            <a:solidFill>
+              <a:srgbClr val="002060"/>
+            </a:solidFill>
+            <a:ln>
+              <a:noFill/>
+            </a:ln>
+          </p:spPr>
+          <p:style>
+            <a:lnRef idx="2">
+              <a:schemeClr val="accent1">
+                <a:shade val="50000"/>
+              </a:schemeClr>
+            </a:lnRef>
+            <a:fillRef idx="1">
+              <a:schemeClr val="accent1"/>
+            </a:fillRef>
+            <a:effectRef idx="0">
+              <a:schemeClr val="accent1"/>
+            </a:effectRef>
+            <a:fontRef idx="minor">
+              <a:schemeClr val="lt1"/>
+            </a:fontRef>
+          </p:style>
+          <p:txBody>
+            <a:bodyPr rtlCol="0" anchor="ctr"/>
+            <a:lstStyle/>
+            <a:p>
+              <a:pPr algn="ctr"/>
+              <a:endParaRPr lang="zh-CN" altLang="en-US"/>
+            </a:p>
+          </p:txBody>
+        </p:sp>
+        <p:sp>
+          <p:nvSpPr>
+            <p:cNvPr id="5" name="矩形 4"/>
+            <p:cNvSpPr/>
+            <p:nvPr/>
+          </p:nvSpPr>
+          <p:spPr>
+            <a:xfrm>
+              <a:off x="6948264" y="1628800"/>
+              <a:ext cx="2195736" cy="2592288"/>
+            </a:xfrm>
+            <a:prstGeom prst="rect">
+              <a:avLst/>
+            </a:prstGeom>
+            <a:solidFill>
+              <a:srgbClr val="00B050"/>
+            </a:solidFill>
+            <a:ln>
+              <a:noFill/>
+            </a:ln>
+          </p:spPr>
+          <p:style>
+            <a:lnRef idx="2">
+              <a:schemeClr val="accent1">
+                <a:shade val="50000"/>
+              </a:schemeClr>
+            </a:lnRef>
+            <a:fillRef idx="1">
+              <a:schemeClr val="accent1"/>
+            </a:fillRef>
+            <a:effectRef idx="0">
+              <a:schemeClr val="accent1"/>
+            </a:effectRef>
+            <a:fontRef idx="minor">
+              <a:schemeClr val="lt1"/>
+            </a:fontRef>
+          </p:style>
+          <p:txBody>
+            <a:bodyPr rtlCol="0" anchor="ctr"/>
+            <a:lstStyle/>
+            <a:p>
+              <a:pPr algn="ctr"/>
+              <a:endParaRPr lang="zh-CN" altLang="en-US"/>
+            </a:p>
+          </p:txBody>
+        </p:sp>
+      </p:grpSp>
+      <p:sp>
+        <p:nvSpPr>
+          <p:cNvPr id="6" name="标题 3"/>
+          <p:cNvSpPr txBox="1">
+            <a:spLocks/>
+          </p:cNvSpPr>
+          <p:nvPr/>
+        </p:nvSpPr>
+        <p:spPr>
+          <a:xfrm>
+            <a:off x="432048" y="125760"/>
+            <a:ext cx="7812360" cy="1143000"/>
+          </a:xfrm>
+          <a:prstGeom prst="rect">
+            <a:avLst/>
+          </a:prstGeom>
+        </p:spPr>
+        <p:txBody>
+          <a:bodyPr>
+            <a:normAutofit/>
+          </a:bodyPr>
+          <a:lstStyle>
+            <a:lvl1pPr algn="ctr" defTabSz="914400" rtl="0" eaLnBrk="1" latinLnBrk="0" hangingPunct="1">
+              <a:spcBef>
+                <a:spcPct val="0"/>
+              </a:spcBef>
+              <a:buNone/>
+              <a:defRPr sz="4400" kern="1200">
+                <a:solidFill>
+                  <a:schemeClr val="tx1"/>
+                </a:solidFill>
+                <a:latin typeface="+mj-lt"/>
+                <a:ea typeface="+mj-ea"/>
+                <a:cs typeface="+mj-cs"/>
+              </a:defRPr>
+            </a:lvl1pPr>
+          </a:lstStyle>
+          <a:p>
+            <a:pPr algn="l"/>
+            <a:r>
+              <a:rPr lang="zh-CN" altLang="en-US" dirty="0" smtClean="0">
+                <a:solidFill>
+                  <a:schemeClr val="bg1"/>
+                </a:solidFill>
+                <a:latin typeface="方正大黑简体" pitchFamily="2" charset="-122"/>
+                <a:ea typeface="方正大黑简体" pitchFamily="2" charset="-122"/>
+              </a:rPr>
+              <a:t>总结</a:t>
+            </a:r>
+            <a:endParaRPr lang="zh-CN" altLang="en-US" dirty="0">
+              <a:solidFill>
+                <a:schemeClr val="bg1"/>
+              </a:solidFill>
+              <a:latin typeface="方正大黑简体" pitchFamily="2" charset="-122"/>
+              <a:ea typeface="方正大黑简体" pitchFamily="2" charset="-122"/>
+            </a:endParaRPr>
+          </a:p>
+        </p:txBody>
+      </p:sp>
+      <p:sp>
+        <p:nvSpPr>
+          <p:cNvPr id="10" name="TextBox 9"/>
+          <p:cNvSpPr txBox="1"/>
+          <p:nvPr/>
+        </p:nvSpPr>
+        <p:spPr>
+          <a:xfrm>
+            <a:off x="216024" y="1772816"/>
+            <a:ext cx="8028384" cy="1877437"/>
+          </a:xfrm>
+          <a:prstGeom prst="rect">
+            <a:avLst/>
+          </a:prstGeom>
+          <a:noFill/>
+        </p:spPr>
+        <p:txBody>
+          <a:bodyPr wrap="square" rtlCol="0">
+            <a:spAutoFit/>
+          </a:bodyPr>
+          <a:lstStyle/>
+          <a:p>
+            <a:pPr marL="914400" lvl="1" indent="-457200">
+              <a:spcBef>
+                <a:spcPts val="1200"/>
+              </a:spcBef>
+              <a:buFont typeface="Arial" pitchFamily="34" charset="0"/>
+              <a:buChar char="•"/>
+            </a:pPr>
+            <a:r>
+              <a:rPr lang="zh-CN" altLang="en-US" sz="2400" dirty="0" smtClean="0"/>
+              <a:t>网站</a:t>
+            </a:r>
+            <a:r>
+              <a:rPr lang="zh-CN" altLang="en-US" sz="2400" dirty="0" smtClean="0"/>
+              <a:t>即包含动态内容，也包含静态内容</a:t>
+            </a:r>
+            <a:endParaRPr lang="en-US" altLang="zh-CN" sz="2400" dirty="0" smtClean="0"/>
+          </a:p>
+          <a:p>
+            <a:pPr marL="914400" lvl="1" indent="-457200">
+              <a:spcBef>
+                <a:spcPts val="1200"/>
+              </a:spcBef>
+              <a:buFont typeface="Arial" pitchFamily="34" charset="0"/>
+              <a:buChar char="•"/>
+            </a:pPr>
+            <a:r>
+              <a:rPr lang="zh-CN" altLang="en-US" sz="2400" dirty="0" smtClean="0"/>
+              <a:t>页面访问量到一</a:t>
+            </a:r>
+            <a:r>
+              <a:rPr lang="zh-CN" altLang="en-US" sz="2400" dirty="0" smtClean="0"/>
+              <a:t>定量，优化效果作用强</a:t>
+            </a:r>
+            <a:endParaRPr lang="en-US" altLang="zh-CN" sz="2400" dirty="0" smtClean="0"/>
+          </a:p>
+          <a:p>
+            <a:pPr marL="914400" lvl="1" indent="-457200">
+              <a:spcBef>
+                <a:spcPts val="1200"/>
+              </a:spcBef>
+              <a:buFont typeface="Arial" pitchFamily="34" charset="0"/>
+              <a:buChar char="•"/>
+            </a:pPr>
+            <a:r>
+              <a:rPr lang="zh-CN" altLang="en-US" sz="2400" dirty="0"/>
+              <a:t>符合</a:t>
+            </a:r>
+            <a:r>
+              <a:rPr lang="zh-CN" altLang="en-US" sz="2400" dirty="0" smtClean="0"/>
+              <a:t>项目业务及人员实际情况</a:t>
+            </a:r>
+            <a:endParaRPr lang="en-US" altLang="zh-CN" sz="2400" dirty="0" smtClean="0"/>
+          </a:p>
+          <a:p>
+            <a:pPr marL="914400" lvl="1" indent="-457200">
+              <a:buFont typeface="Arial" pitchFamily="34" charset="0"/>
+              <a:buChar char="•"/>
+            </a:pPr>
+            <a:endParaRPr lang="zh-CN" altLang="en-US" sz="2400" dirty="0"/>
+          </a:p>
+        </p:txBody>
+      </p:sp>
+    </p:spTree>
+    <p:extLst>
+      <p:ext uri="{BB962C8B-B14F-4D97-AF65-F5344CB8AC3E}">
+        <p14:creationId xmlns:p14="http://schemas.microsoft.com/office/powerpoint/2010/main" val="1575198505"/>
+      </p:ext>
+    </p:extLst>
+  </p:cSld>
+  <p:clrMapOvr>
+    <a:masterClrMapping/>
+  </p:clrMapOvr>
+  <mc:AlternateContent xmlns:mc="http://schemas.openxmlformats.org/markup-compatibility/2006" xmlns:p14="http://schemas.microsoft.com/office/powerpoint/2010/main">
+    <mc:Choice Requires="p14">
+      <p:transition spd="slow" p14:dur="800">
+        <p:circle/>
+      </p:transition>
+    </mc:Choice>
+    <mc:Fallback xmlns="">
+      <p:transition spd="slow">
+        <p:circle/>
+      </p:transition>
+    </mc:Fallback>
+  </mc:AlternateContent>
+  <p:timing>
+    <p:tnLst>
+      <p:par>
+        <p:cTn id="1" dur="indefinite" restart="never" nodeType="tmRoot"/>
+      </p:par>
+    </p:tnLst>
+  </p:timing>
+</p:sld>
+</file>
+
+<file path=ppt/slides/slide16.xml><?xml version="1.0" encoding="utf-8"?>
+<p:sld xmlns:a="http://schemas.openxmlformats.org/drawingml/2006/main" xmlns:r="http://schemas.openxmlformats.org/officeDocument/2006/relationships" xmlns:p="http://schemas.openxmlformats.org/presentationml/2006/main">
+  <p:cSld>
+    <p:spTree>
+      <p:nvGrpSpPr>
+        <p:cNvPr id="1" name=""/>
+        <p:cNvGrpSpPr/>
+        <p:nvPr/>
+      </p:nvGrpSpPr>
+      <p:grpSpPr>
+        <a:xfrm>
+          <a:off x="0" y="0"/>
+          <a:ext cx="0" cy="0"/>
+          <a:chOff x="0" y="0"/>
+          <a:chExt cx="0" cy="0"/>
+        </a:xfrm>
+      </p:grpSpPr>
+      <p:grpSp>
+        <p:nvGrpSpPr>
+          <p:cNvPr id="3" name="组合 2"/>
+          <p:cNvGrpSpPr/>
+          <p:nvPr/>
+        </p:nvGrpSpPr>
+        <p:grpSpPr>
+          <a:xfrm>
+            <a:off x="0" y="-27384"/>
+            <a:ext cx="9144000" cy="1080120"/>
+            <a:chOff x="0" y="1628800"/>
+            <a:chExt cx="9144000" cy="2592288"/>
+          </a:xfrm>
+        </p:grpSpPr>
+        <p:sp>
+          <p:nvSpPr>
+            <p:cNvPr id="4" name="矩形 3"/>
+            <p:cNvSpPr/>
+            <p:nvPr/>
+          </p:nvSpPr>
+          <p:spPr>
+            <a:xfrm>
+              <a:off x="0" y="1628800"/>
+              <a:ext cx="6948264" cy="2592288"/>
+            </a:xfrm>
+            <a:prstGeom prst="rect">
+              <a:avLst/>
+            </a:prstGeom>
+            <a:solidFill>
+              <a:srgbClr val="002060"/>
+            </a:solidFill>
+            <a:ln>
+              <a:noFill/>
+            </a:ln>
+          </p:spPr>
+          <p:style>
+            <a:lnRef idx="2">
+              <a:schemeClr val="accent1">
+                <a:shade val="50000"/>
+              </a:schemeClr>
+            </a:lnRef>
+            <a:fillRef idx="1">
+              <a:schemeClr val="accent1"/>
+            </a:fillRef>
+            <a:effectRef idx="0">
+              <a:schemeClr val="accent1"/>
+            </a:effectRef>
+            <a:fontRef idx="minor">
+              <a:schemeClr val="lt1"/>
+            </a:fontRef>
+          </p:style>
+          <p:txBody>
+            <a:bodyPr rtlCol="0" anchor="ctr"/>
+            <a:lstStyle/>
+            <a:p>
+              <a:pPr algn="ctr"/>
+              <a:endParaRPr lang="zh-CN" altLang="en-US"/>
+            </a:p>
+          </p:txBody>
+        </p:sp>
+        <p:sp>
+          <p:nvSpPr>
+            <p:cNvPr id="5" name="矩形 4"/>
+            <p:cNvSpPr/>
+            <p:nvPr/>
+          </p:nvSpPr>
+          <p:spPr>
+            <a:xfrm>
+              <a:off x="6948264" y="1628800"/>
+              <a:ext cx="2195736" cy="2592288"/>
+            </a:xfrm>
+            <a:prstGeom prst="rect">
+              <a:avLst/>
+            </a:prstGeom>
+            <a:solidFill>
+              <a:srgbClr val="00B050"/>
+            </a:solidFill>
+            <a:ln>
+              <a:noFill/>
+            </a:ln>
+          </p:spPr>
+          <p:style>
+            <a:lnRef idx="2">
+              <a:schemeClr val="accent1">
+                <a:shade val="50000"/>
+              </a:schemeClr>
+            </a:lnRef>
+            <a:fillRef idx="1">
+              <a:schemeClr val="accent1"/>
+            </a:fillRef>
+            <a:effectRef idx="0">
+              <a:schemeClr val="accent1"/>
+            </a:effectRef>
+            <a:fontRef idx="minor">
+              <a:schemeClr val="lt1"/>
+            </a:fontRef>
+          </p:style>
+          <p:txBody>
+            <a:bodyPr rtlCol="0" anchor="ctr"/>
+            <a:lstStyle/>
+            <a:p>
+              <a:pPr algn="ctr"/>
+              <a:endParaRPr lang="zh-CN" altLang="en-US"/>
+            </a:p>
+          </p:txBody>
+        </p:sp>
+      </p:grpSp>
+      <p:sp>
+        <p:nvSpPr>
+          <p:cNvPr id="6" name="标题 3"/>
+          <p:cNvSpPr txBox="1">
+            <a:spLocks/>
+          </p:cNvSpPr>
+          <p:nvPr/>
+        </p:nvSpPr>
+        <p:spPr>
+          <a:xfrm>
+            <a:off x="432048" y="125760"/>
+            <a:ext cx="7812360" cy="1143000"/>
+          </a:xfrm>
+          <a:prstGeom prst="rect">
+            <a:avLst/>
+          </a:prstGeom>
+        </p:spPr>
+        <p:txBody>
+          <a:bodyPr>
+            <a:normAutofit/>
+          </a:bodyPr>
+          <a:lstStyle>
+            <a:lvl1pPr algn="ctr" defTabSz="914400" rtl="0" eaLnBrk="1" latinLnBrk="0" hangingPunct="1">
+              <a:spcBef>
+                <a:spcPct val="0"/>
+              </a:spcBef>
+              <a:buNone/>
+              <a:defRPr sz="4400" kern="1200">
+                <a:solidFill>
+                  <a:schemeClr val="tx1"/>
+                </a:solidFill>
+                <a:latin typeface="+mj-lt"/>
+                <a:ea typeface="+mj-ea"/>
+                <a:cs typeface="+mj-cs"/>
+              </a:defRPr>
+            </a:lvl1pPr>
+          </a:lstStyle>
+          <a:p>
+            <a:pPr algn="l"/>
+            <a:r>
+              <a:rPr lang="zh-CN" altLang="en-US" dirty="0">
+                <a:solidFill>
+                  <a:schemeClr val="bg1"/>
+                </a:solidFill>
+                <a:latin typeface="方正大黑简体" pitchFamily="2" charset="-122"/>
+                <a:ea typeface="方正大黑简体" pitchFamily="2" charset="-122"/>
+              </a:rPr>
+              <a:t>致谢</a:t>
+            </a:r>
+          </a:p>
+        </p:txBody>
+      </p:sp>
       <p:sp>
         <p:nvSpPr>
           <p:cNvPr id="9" name="内容占位符 2"/>
@@ -7828,8 +10724,8 @@
         </p:nvSpPr>
         <p:spPr bwMode="auto">
           <a:xfrm>
-            <a:off x="-36512" y="3286124"/>
-            <a:ext cx="8424863" cy="1428760"/>
+            <a:off x="2701734" y="3203715"/>
+            <a:ext cx="4212431" cy="1428760"/>
           </a:xfrm>
           <a:prstGeom prst="rect">
             <a:avLst/>
@@ -7851,7 +10747,7 @@
           </a:bodyPr>
           <a:lstStyle/>
           <a:p>
-            <a:pPr marL="342900" marR="0" lvl="0" indent="-342900" algn="l" defTabSz="914400" rtl="0" eaLnBrk="1" fontAlgn="base" latinLnBrk="0" hangingPunct="1">
+            <a:pPr marR="0" lvl="0" algn="l" defTabSz="914400" rtl="0" eaLnBrk="1" fontAlgn="base" latinLnBrk="0" hangingPunct="1">
               <a:lnSpc>
                 <a:spcPct val="100000"/>
               </a:lnSpc>
@@ -7863,20 +10759,25 @@
               </a:spcAft>
               <a:buClrTx/>
               <a:buSzTx/>
-              <a:buFontTx/>
-              <a:buChar char="•"/>
               <a:tabLst/>
               <a:defRPr/>
             </a:pPr>
             <a:r>
-              <a:rPr kumimoji="1" lang="zh-CN" altLang="en-US" sz="3600" kern="0" dirty="0">
+              <a:rPr kumimoji="1" lang="zh-CN" altLang="en-US" sz="6600" kern="0" dirty="0" smtClean="0">
                 <a:latin typeface="微软雅黑" pitchFamily="34" charset="-122"/>
                 <a:ea typeface="微软雅黑" pitchFamily="34" charset="-122"/>
               </a:rPr>
-              <a:t>感谢聆听，</a:t>
-            </a:r>
-            <a:r>
-              <a:rPr kumimoji="1" lang="zh-CN" altLang="en-US" sz="3600" b="0" i="0" u="none" strike="noStrike" kern="0" cap="none" spc="0" normalizeH="0" baseline="0" noProof="0" dirty="0" smtClean="0">
+              <a:t>感谢</a:t>
+            </a:r>
+            <a:r>
+              <a:rPr kumimoji="1" lang="zh-CN" altLang="en-US" sz="6600" kern="0" dirty="0" smtClean="0">
+                <a:latin typeface="微软雅黑" pitchFamily="34" charset="-122"/>
+                <a:ea typeface="微软雅黑" pitchFamily="34" charset="-122"/>
+              </a:rPr>
+              <a:t>聆听</a:t>
+            </a:r>
+            <a:r>
+              <a:rPr kumimoji="1" lang="zh-CN" altLang="en-US" sz="6600" b="0" i="0" u="none" strike="noStrike" kern="0" cap="none" spc="0" normalizeH="0" baseline="0" noProof="0" dirty="0" smtClean="0">
                 <a:ln>
                   <a:noFill/>
                 </a:ln>
@@ -7889,9 +10790,9 @@
                 <a:latin typeface="微软雅黑" pitchFamily="34" charset="-122"/>
                 <a:ea typeface="微软雅黑" pitchFamily="34" charset="-122"/>
               </a:rPr>
-              <a:t>讨论交流！</a:t>
-            </a:r>
-            <a:endParaRPr kumimoji="1" lang="zh-CN" altLang="en-US" sz="2800" b="0" i="0" u="none" strike="noStrike" kern="0" cap="none" spc="0" normalizeH="0" baseline="0" noProof="0" dirty="0">
+              <a:t>！</a:t>
+            </a:r>
+            <a:endParaRPr kumimoji="1" lang="zh-CN" altLang="en-US" sz="6600" b="0" i="0" u="none" strike="noStrike" kern="0" cap="none" spc="0" normalizeH="0" baseline="0" noProof="0" dirty="0">
               <a:ln>
                 <a:noFill/>
               </a:ln>
@@ -7910,7 +10811,7 @@
     </p:spTree>
     <p:extLst>
       <p:ext uri="{BB962C8B-B14F-4D97-AF65-F5344CB8AC3E}">
-        <p14:creationId xmlns:p14="http://schemas.microsoft.com/office/powerpoint/2010/main" val="3072570691"/>
+        <p14:creationId xmlns:p14="http://schemas.microsoft.com/office/powerpoint/2010/main" val="2804701535"/>
       </p:ext>
     </p:extLst>
   </p:cSld>
@@ -13652,7 +16553,7 @@
         <p:spPr bwMode="auto">
           <a:xfrm>
             <a:off x="125796" y="1412776"/>
-            <a:ext cx="8910700" cy="648072"/>
+            <a:ext cx="9126724" cy="792088"/>
           </a:xfrm>
           <a:prstGeom prst="rect">
             <a:avLst/>
@@ -13674,19 +16575,13 @@
           </a:bodyPr>
           <a:lstStyle/>
           <a:p>
-            <a:pPr marR="0" lvl="0" algn="l" defTabSz="914400" rtl="0" eaLnBrk="1" fontAlgn="base" latinLnBrk="0" hangingPunct="1">
-              <a:lnSpc>
-                <a:spcPct val="100000"/>
-              </a:lnSpc>
+            <a:pPr lvl="0" fontAlgn="base">
               <a:spcBef>
                 <a:spcPct val="20000"/>
               </a:spcBef>
               <a:spcAft>
                 <a:spcPct val="0"/>
               </a:spcAft>
-              <a:buClrTx/>
-              <a:buSzTx/>
-              <a:tabLst/>
               <a:defRPr/>
             </a:pPr>
             <a:r>
@@ -13717,7 +16612,7 @@
                 <a:latin typeface="微软雅黑" pitchFamily="34" charset="-122"/>
                 <a:ea typeface="微软雅黑" pitchFamily="34" charset="-122"/>
               </a:rPr>
-              <a:t>我们的战术就是</a:t>
+              <a:t>战术就是</a:t>
             </a:r>
             <a:r>
               <a:rPr kumimoji="1" lang="zh-CN" altLang="en-US" sz="2400" b="0" i="0" u="none" strike="noStrike" kern="0" cap="none" spc="0" normalizeH="0" baseline="0" noProof="0" dirty="0" smtClean="0">
@@ -13733,7 +16628,46 @@
                 <a:latin typeface="微软雅黑" pitchFamily="34" charset="-122"/>
                 <a:ea typeface="微软雅黑" pitchFamily="34" charset="-122"/>
               </a:rPr>
-              <a:t>做到“少”、近”、“小”</a:t>
+              <a:t>做到</a:t>
+            </a:r>
+            <a:r>
+              <a:rPr kumimoji="1" lang="zh-CN" altLang="en-US" sz="2400" b="0" i="0" u="none" strike="noStrike" kern="0" cap="none" spc="0" normalizeH="0" noProof="0" dirty="0" smtClean="0">
+                <a:ln>
+                  <a:noFill/>
+                </a:ln>
+                <a:solidFill>
+                  <a:schemeClr val="tx1"/>
+                </a:solidFill>
+                <a:effectLst/>
+                <a:uLnTx/>
+                <a:uFillTx/>
+                <a:latin typeface="微软雅黑" pitchFamily="34" charset="-122"/>
+                <a:ea typeface="微软雅黑" pitchFamily="34" charset="-122"/>
+              </a:rPr>
+              <a:t> “</a:t>
+            </a:r>
+            <a:r>
+              <a:rPr kumimoji="1" lang="zh-CN" altLang="en-US" sz="2400" kern="0" dirty="0">
+                <a:latin typeface="微软雅黑" pitchFamily="34" charset="-122"/>
+                <a:ea typeface="微软雅黑" pitchFamily="34" charset="-122"/>
+              </a:rPr>
+              <a:t>快、少、近</a:t>
+            </a:r>
+            <a:r>
+              <a:rPr kumimoji="1" lang="zh-CN" altLang="en-US" sz="2400" b="0" i="0" u="none" strike="noStrike" kern="0" cap="none" spc="0" normalizeH="0" baseline="0" noProof="0" dirty="0" smtClean="0">
+                <a:ln>
+                  <a:noFill/>
+                </a:ln>
+                <a:solidFill>
+                  <a:schemeClr val="tx1"/>
+                </a:solidFill>
+                <a:effectLst/>
+                <a:uLnTx/>
+                <a:uFillTx/>
+                <a:latin typeface="微软雅黑" pitchFamily="34" charset="-122"/>
+                <a:ea typeface="微软雅黑" pitchFamily="34" charset="-122"/>
+              </a:rPr>
+              <a:t>、小”</a:t>
             </a:r>
             <a:endParaRPr kumimoji="1" lang="zh-CN" altLang="en-US" sz="2400" b="0" i="0" u="none" strike="noStrike" kern="0" cap="none" spc="0" normalizeH="0" baseline="0" noProof="0" dirty="0">
               <a:ln>
@@ -13759,8 +16693,8 @@
         </p:nvSpPr>
         <p:spPr>
           <a:xfrm>
-            <a:off x="2699792" y="2564904"/>
-            <a:ext cx="2790020" cy="2376264"/>
+            <a:off x="5256076" y="2204864"/>
+            <a:ext cx="3384376" cy="2376264"/>
           </a:xfrm>
           <a:prstGeom prst="ellipse">
             <a:avLst/>
@@ -13817,35 +16751,35 @@
       </p:sp>
       <p:sp>
         <p:nvSpPr>
-          <p:cNvPr id="8" name="线形标注 2(带强调线) 7"/>
+          <p:cNvPr id="14" name="线形标注 2 13"/>
           <p:cNvSpPr/>
           <p:nvPr/>
         </p:nvSpPr>
         <p:spPr>
           <a:xfrm>
-            <a:off x="432047" y="3753036"/>
-            <a:ext cx="1715727" cy="1116124"/>
+            <a:off x="5400092" y="5004183"/>
+            <a:ext cx="3240360" cy="1115009"/>
           </a:xfrm>
-          <a:prstGeom prst="accentCallout2">
+          <a:prstGeom prst="borderCallout2">
             <a:avLst>
-              <a:gd name="adj1" fmla="val 80195"/>
-              <a:gd name="adj2" fmla="val 113551"/>
-              <a:gd name="adj3" fmla="val 78489"/>
-              <a:gd name="adj4" fmla="val 148206"/>
-              <a:gd name="adj5" fmla="val 51955"/>
-              <a:gd name="adj6" fmla="val 194265"/>
+              <a:gd name="adj1" fmla="val 11"/>
+              <a:gd name="adj2" fmla="val 48577"/>
+              <a:gd name="adj3" fmla="val -33058"/>
+              <a:gd name="adj4" fmla="val 48241"/>
+              <a:gd name="adj5" fmla="val -96790"/>
+              <a:gd name="adj6" fmla="val 63955"/>
             </a:avLst>
           </a:prstGeom>
         </p:spPr>
         <p:style>
           <a:lnRef idx="1">
-            <a:schemeClr val="accent1"/>
+            <a:schemeClr val="accent5"/>
           </a:lnRef>
           <a:fillRef idx="2">
-            <a:schemeClr val="accent1"/>
+            <a:schemeClr val="accent5"/>
           </a:fillRef>
           <a:effectRef idx="1">
-            <a:schemeClr val="accent1"/>
+            <a:schemeClr val="accent5"/>
           </a:effectRef>
           <a:fontRef idx="minor">
             <a:schemeClr val="dk1"/>
@@ -13860,7 +16794,15 @@
               <a:buChar char="•"/>
             </a:pPr>
             <a:r>
-              <a:rPr lang="en-US" altLang="zh-CN" dirty="0" smtClean="0">
+              <a:rPr lang="zh-CN" altLang="en-US" dirty="0" smtClean="0">
+                <a:solidFill>
+                  <a:srgbClr val="00B050"/>
+                </a:solidFill>
+              </a:rPr>
+              <a:t> </a:t>
+            </a:r>
+            <a:r>
+              <a:rPr lang="en-US" altLang="zh-CN" dirty="0">
                 <a:solidFill>
                   <a:srgbClr val="00B050"/>
                 </a:solidFill>
@@ -13873,7 +16815,31 @@
                   <a:srgbClr val="00B050"/>
                 </a:solidFill>
               </a:rPr>
-              <a:t>合并</a:t>
+              <a:t>、</a:t>
+            </a:r>
+            <a:r>
+              <a:rPr lang="en-US" altLang="zh-CN" dirty="0" err="1" smtClean="0">
+                <a:solidFill>
+                  <a:srgbClr val="00B050"/>
+                </a:solidFill>
+              </a:rPr>
+              <a:t>cssCSS</a:t>
+            </a:r>
+            <a:r>
+              <a:rPr lang="en-US" altLang="zh-CN" dirty="0" smtClean="0">
+                <a:solidFill>
+                  <a:srgbClr val="00B050"/>
+                </a:solidFill>
+              </a:rPr>
+              <a:t> </a:t>
+            </a:r>
+            <a:r>
+              <a:rPr lang="zh-CN" altLang="en-US" dirty="0" smtClean="0">
+                <a:solidFill>
+                  <a:srgbClr val="00B050"/>
+                </a:solidFill>
+              </a:rPr>
+              <a:t>、图片合并</a:t>
             </a:r>
             <a:endParaRPr lang="en-US" altLang="zh-CN" dirty="0" smtClean="0">
               <a:solidFill>
@@ -13887,40 +16853,20 @@
               <a:buChar char="•"/>
             </a:pPr>
             <a:r>
-              <a:rPr lang="en-US" altLang="zh-CN" dirty="0" smtClean="0">
+              <a:rPr lang="zh-CN" altLang="en-US" dirty="0" smtClean="0">
                 <a:solidFill>
                   <a:srgbClr val="00B050"/>
                 </a:solidFill>
               </a:rPr>
-              <a:t>CSS </a:t>
-            </a:r>
-            <a:r>
-              <a:rPr lang="zh-CN" altLang="en-US" dirty="0" smtClean="0">
-                <a:solidFill>
-                  <a:srgbClr val="00B050"/>
-                </a:solidFill>
-              </a:rPr>
-              <a:t>合并</a:t>
-            </a:r>
-            <a:endParaRPr lang="en-US" altLang="zh-CN" dirty="0" smtClean="0">
+              <a:t>静态资源缓存、数据缓存</a:t>
+            </a:r>
+            <a:endParaRPr lang="en-US" altLang="zh-CN" dirty="0">
               <a:solidFill>
                 <a:srgbClr val="00B050"/>
               </a:solidFill>
             </a:endParaRPr>
           </a:p>
           <a:p>
-            <a:pPr marL="285750" indent="-285750">
-              <a:buFont typeface="Arial" pitchFamily="34" charset="0"/>
-              <a:buChar char="•"/>
-            </a:pPr>
-            <a:r>
-              <a:rPr lang="zh-CN" altLang="en-US" dirty="0" smtClean="0">
-                <a:solidFill>
-                  <a:srgbClr val="00B050"/>
-                </a:solidFill>
-              </a:rPr>
-              <a:t>图片合并</a:t>
-            </a:r>
             <a:endParaRPr lang="zh-CN" altLang="en-US" dirty="0">
               <a:solidFill>
                 <a:srgbClr val="00B050"/>
@@ -13931,35 +16877,99 @@
       </p:sp>
       <p:sp>
         <p:nvSpPr>
-          <p:cNvPr id="11" name="线形标注 2(带强调线) 10"/>
+          <p:cNvPr id="15" name="椭圆 14"/>
           <p:cNvSpPr/>
           <p:nvPr/>
         </p:nvSpPr>
         <p:spPr>
           <a:xfrm>
-            <a:off x="6732240" y="2996952"/>
-            <a:ext cx="2016224" cy="966006"/>
+            <a:off x="827584" y="2204864"/>
+            <a:ext cx="3510792" cy="2376264"/>
           </a:xfrm>
-          <a:prstGeom prst="accentCallout2">
+          <a:prstGeom prst="ellipse">
+            <a:avLst/>
+          </a:prstGeom>
+        </p:spPr>
+        <p:style>
+          <a:lnRef idx="3">
+            <a:schemeClr val="lt1"/>
+          </a:lnRef>
+          <a:fillRef idx="1">
+            <a:schemeClr val="accent1"/>
+          </a:fillRef>
+          <a:effectRef idx="1">
+            <a:schemeClr val="accent1"/>
+          </a:effectRef>
+          <a:fontRef idx="minor">
+            <a:schemeClr val="lt1"/>
+          </a:fontRef>
+        </p:style>
+        <p:txBody>
+          <a:bodyPr rtlCol="0" anchor="ctr"/>
+          <a:lstStyle/>
+          <a:p>
+            <a:pPr algn="ctr"/>
+            <a:r>
+              <a:rPr lang="zh-CN" altLang="en-US" sz="3600" b="1" dirty="0"/>
+              <a:t>快</a:t>
+            </a:r>
+            <a:endParaRPr lang="en-US" altLang="zh-CN" b="1" dirty="0" smtClean="0"/>
+          </a:p>
+          <a:p>
+            <a:r>
+              <a:rPr lang="zh-CN" altLang="en-US" dirty="0" smtClean="0"/>
+              <a:t>目的：增体验</a:t>
+            </a:r>
+            <a:endParaRPr lang="en-US" altLang="zh-CN" dirty="0" smtClean="0"/>
+          </a:p>
+          <a:p>
+            <a:r>
+              <a:rPr lang="zh-CN" altLang="en-US" dirty="0" smtClean="0"/>
+              <a:t>实现：环境</a:t>
+            </a:r>
+            <a:r>
+              <a:rPr lang="en-US" altLang="zh-CN" dirty="0" smtClean="0"/>
+              <a:t>+</a:t>
+            </a:r>
+            <a:r>
+              <a:rPr lang="zh-CN" altLang="en-US" dirty="0" smtClean="0"/>
+              <a:t>代码优化</a:t>
+            </a:r>
+            <a:endParaRPr lang="zh-CN" altLang="en-US" dirty="0"/>
+          </a:p>
+        </p:txBody>
+      </p:sp>
+      <p:sp>
+        <p:nvSpPr>
+          <p:cNvPr id="16" name="线形标注 2 15"/>
+          <p:cNvSpPr/>
+          <p:nvPr/>
+        </p:nvSpPr>
+        <p:spPr>
+          <a:xfrm>
+            <a:off x="755576" y="5004183"/>
+            <a:ext cx="3240360" cy="1102061"/>
+          </a:xfrm>
+          <a:prstGeom prst="borderCallout2">
             <a:avLst>
-              <a:gd name="adj1" fmla="val 44352"/>
-              <a:gd name="adj2" fmla="val -15419"/>
-              <a:gd name="adj3" fmla="val 44353"/>
-              <a:gd name="adj4" fmla="val -67216"/>
-              <a:gd name="adj5" fmla="val 104012"/>
-              <a:gd name="adj6" fmla="val -93437"/>
+              <a:gd name="adj1" fmla="val 11"/>
+              <a:gd name="adj2" fmla="val 48577"/>
+              <a:gd name="adj3" fmla="val -33058"/>
+              <a:gd name="adj4" fmla="val 48241"/>
+              <a:gd name="adj5" fmla="val -96790"/>
+              <a:gd name="adj6" fmla="val 63955"/>
             </a:avLst>
           </a:prstGeom>
         </p:spPr>
         <p:style>
           <a:lnRef idx="1">
-            <a:schemeClr val="accent1"/>
+            <a:schemeClr val="accent5"/>
           </a:lnRef>
           <a:fillRef idx="2">
-            <a:schemeClr val="accent1"/>
+            <a:schemeClr val="accent5"/>
           </a:fillRef>
           <a:effectRef idx="1">
-            <a:schemeClr val="accent1"/>
+            <a:schemeClr val="accent5"/>
           </a:effectRef>
           <a:fontRef idx="minor">
             <a:schemeClr val="dk1"/>
@@ -13973,7 +16983,15 @@
               <a:buFont typeface="Arial" pitchFamily="34" charset="0"/>
               <a:buChar char="•"/>
             </a:pPr>
-            <a:endParaRPr lang="en-US" altLang="zh-CN" dirty="0" smtClean="0">
+            <a:r>
+              <a:rPr lang="zh-CN" altLang="en-US" dirty="0" smtClean="0">
+                <a:solidFill>
+                  <a:srgbClr val="00B050"/>
+                </a:solidFill>
+              </a:rPr>
+              <a:t> 网络环境、运行环境</a:t>
+            </a:r>
+            <a:endParaRPr lang="en-US" altLang="zh-CN" dirty="0">
               <a:solidFill>
                 <a:srgbClr val="00B050"/>
               </a:solidFill>
@@ -13990,26 +17008,31 @@
                   <a:srgbClr val="00B050"/>
                 </a:solidFill>
               </a:rPr>
-              <a:t>页面缓存</a:t>
-            </a:r>
-            <a:endParaRPr lang="en-US" altLang="zh-CN" dirty="0" smtClean="0">
-              <a:solidFill>
-                <a:srgbClr val="00B050"/>
-              </a:solidFill>
-            </a:endParaRPr>
-          </a:p>
-          <a:p>
-            <a:pPr marL="285750" indent="-285750">
-              <a:buFont typeface="Arial" pitchFamily="34" charset="0"/>
-              <a:buChar char="•"/>
-            </a:pPr>
-            <a:r>
-              <a:rPr lang="en-US" altLang="zh-CN" dirty="0" smtClean="0">
+              <a:t> </a:t>
+            </a:r>
+            <a:r>
+              <a:rPr lang="en-US" altLang="zh-CN" dirty="0" err="1" smtClean="0">
                 <a:solidFill>
                   <a:srgbClr val="00B050"/>
                 </a:solidFill>
               </a:rPr>
-              <a:t>AJAX </a:t>
+              <a:t>js</a:t>
+            </a:r>
+            <a:r>
+              <a:rPr lang="zh-CN" altLang="en-US" dirty="0">
+                <a:solidFill>
+                  <a:srgbClr val="00B050"/>
+                </a:solidFill>
+              </a:rPr>
+              <a:t>、</a:t>
+            </a:r>
+            <a:r>
+              <a:rPr lang="en-US" altLang="zh-CN" dirty="0" err="1" smtClean="0">
+                <a:solidFill>
+                  <a:srgbClr val="00B050"/>
+                </a:solidFill>
+              </a:rPr>
+              <a:t>css</a:t>
             </a:r>
             <a:r>
               <a:rPr lang="zh-CN" altLang="en-US" dirty="0" smtClean="0">
@@ -14017,188 +17040,11 @@
                   <a:srgbClr val="00B050"/>
                 </a:solidFill>
               </a:rPr>
-              <a:t>结果缓存</a:t>
-            </a:r>
-            <a:endParaRPr lang="en-US" altLang="zh-CN" dirty="0" smtClean="0">
-              <a:solidFill>
-                <a:srgbClr val="00B050"/>
-              </a:solidFill>
-            </a:endParaRPr>
-          </a:p>
-          <a:p>
-            <a:pPr marL="285750" indent="-285750">
-              <a:buFont typeface="Arial" pitchFamily="34" charset="0"/>
-              <a:buChar char="•"/>
-            </a:pPr>
+              <a:t>代码性能优化</a:t>
+            </a:r>
             <a:endParaRPr lang="zh-CN" altLang="en-US" dirty="0">
               <a:solidFill>
                 <a:srgbClr val="00B050"/>
-              </a:solidFill>
-            </a:endParaRPr>
-          </a:p>
-        </p:txBody>
-      </p:sp>
-      <p:sp>
-        <p:nvSpPr>
-          <p:cNvPr id="7" name="线形标注 1(带强调线) 6"/>
-          <p:cNvSpPr/>
-          <p:nvPr/>
-        </p:nvSpPr>
-        <p:spPr>
-          <a:xfrm rot="5400000">
-            <a:off x="965874" y="4767381"/>
-            <a:ext cx="648072" cy="1715726"/>
-          </a:xfrm>
-          <a:prstGeom prst="accentCallout1">
-            <a:avLst>
-              <a:gd name="adj1" fmla="val 48813"/>
-              <a:gd name="adj2" fmla="val -8333"/>
-              <a:gd name="adj3" fmla="val 48767"/>
-              <a:gd name="adj4" fmla="val -68831"/>
-            </a:avLst>
-          </a:prstGeom>
-        </p:spPr>
-        <p:style>
-          <a:lnRef idx="2">
-            <a:schemeClr val="accent4">
-              <a:shade val="50000"/>
-            </a:schemeClr>
-          </a:lnRef>
-          <a:fillRef idx="1">
-            <a:schemeClr val="accent4"/>
-          </a:fillRef>
-          <a:effectRef idx="0">
-            <a:schemeClr val="accent4"/>
-          </a:effectRef>
-          <a:fontRef idx="minor">
-            <a:schemeClr val="lt1"/>
-          </a:fontRef>
-        </p:style>
-        <p:txBody>
-          <a:bodyPr rtlCol="0" anchor="ctr"/>
-          <a:lstStyle/>
-          <a:p>
-            <a:pPr algn="ctr"/>
-            <a:endParaRPr lang="zh-CN" altLang="en-US" dirty="0"/>
-          </a:p>
-        </p:txBody>
-      </p:sp>
-      <p:sp>
-        <p:nvSpPr>
-          <p:cNvPr id="9" name="TextBox 8"/>
-          <p:cNvSpPr txBox="1"/>
-          <p:nvPr/>
-        </p:nvSpPr>
-        <p:spPr>
-          <a:xfrm>
-            <a:off x="909117" y="5343599"/>
-            <a:ext cx="800219" cy="461665"/>
-          </a:xfrm>
-          <a:prstGeom prst="rect">
-            <a:avLst/>
-          </a:prstGeom>
-          <a:noFill/>
-        </p:spPr>
-        <p:txBody>
-          <a:bodyPr wrap="none" rtlCol="0">
-            <a:spAutoFit/>
-          </a:bodyPr>
-          <a:lstStyle/>
-          <a:p>
-            <a:r>
-              <a:rPr lang="zh-CN" altLang="en-US" sz="2400" dirty="0" smtClean="0">
-                <a:solidFill>
-                  <a:schemeClr val="bg1"/>
-                </a:solidFill>
-              </a:rPr>
-              <a:t>适度</a:t>
-            </a:r>
-            <a:endParaRPr lang="zh-CN" altLang="en-US" sz="2400" dirty="0">
-              <a:solidFill>
-                <a:schemeClr val="bg1"/>
-              </a:solidFill>
-            </a:endParaRPr>
-          </a:p>
-        </p:txBody>
-      </p:sp>
-      <p:sp>
-        <p:nvSpPr>
-          <p:cNvPr id="12" name="线形标注 1(带强调线) 11"/>
-          <p:cNvSpPr/>
-          <p:nvPr/>
-        </p:nvSpPr>
-        <p:spPr>
-          <a:xfrm rot="5400000">
-            <a:off x="7416316" y="3978560"/>
-            <a:ext cx="648071" cy="2016223"/>
-          </a:xfrm>
-          <a:prstGeom prst="accentCallout1">
-            <a:avLst>
-              <a:gd name="adj1" fmla="val 48813"/>
-              <a:gd name="adj2" fmla="val -8333"/>
-              <a:gd name="adj3" fmla="val 49239"/>
-              <a:gd name="adj4" fmla="val -107044"/>
-            </a:avLst>
-          </a:prstGeom>
-        </p:spPr>
-        <p:style>
-          <a:lnRef idx="2">
-            <a:schemeClr val="accent4">
-              <a:shade val="50000"/>
-            </a:schemeClr>
-          </a:lnRef>
-          <a:fillRef idx="1">
-            <a:schemeClr val="accent4"/>
-          </a:fillRef>
-          <a:effectRef idx="0">
-            <a:schemeClr val="accent4"/>
-          </a:effectRef>
-          <a:fontRef idx="minor">
-            <a:schemeClr val="lt1"/>
-          </a:fontRef>
-        </p:style>
-        <p:txBody>
-          <a:bodyPr rtlCol="0" anchor="ctr"/>
-          <a:lstStyle/>
-          <a:p>
-            <a:pPr algn="ctr"/>
-            <a:endParaRPr lang="zh-CN" altLang="en-US" dirty="0"/>
-          </a:p>
-        </p:txBody>
-      </p:sp>
-      <p:sp>
-        <p:nvSpPr>
-          <p:cNvPr id="13" name="TextBox 12"/>
-          <p:cNvSpPr txBox="1"/>
-          <p:nvPr/>
-        </p:nvSpPr>
-        <p:spPr>
-          <a:xfrm>
-            <a:off x="7044660" y="4710335"/>
-            <a:ext cx="1415772" cy="461665"/>
-          </a:xfrm>
-          <a:prstGeom prst="rect">
-            <a:avLst/>
-          </a:prstGeom>
-          <a:noFill/>
-        </p:spPr>
-        <p:txBody>
-          <a:bodyPr wrap="none" rtlCol="0">
-            <a:spAutoFit/>
-          </a:bodyPr>
-          <a:lstStyle/>
-          <a:p>
-            <a:r>
-              <a:rPr lang="zh-CN" altLang="en-US" sz="2400" dirty="0" smtClean="0">
-                <a:solidFill>
-                  <a:schemeClr val="bg1"/>
-                </a:solidFill>
-              </a:rPr>
-              <a:t>缓存更新</a:t>
-            </a:r>
-            <a:endParaRPr lang="zh-CN" altLang="en-US" sz="2400" dirty="0">
-              <a:solidFill>
-                <a:schemeClr val="bg1"/>
               </a:solidFill>
             </a:endParaRPr>
           </a:p>
@@ -14351,6 +17197,51 @@
                       </p:childTnLst>
                     </p:cTn>
                   </p:par>
+                  <p:par>
+                    <p:cTn id="12" fill="hold">
+                      <p:stCondLst>
+                        <p:cond delay="indefinite"/>
+                      </p:stCondLst>
+                      <p:childTnLst>
+                        <p:par>
+                          <p:cTn id="13" fill="hold">
+                            <p:stCondLst>
+                              <p:cond delay="0"/>
+                            </p:stCondLst>
+                            <p:childTnLst>
+                              <p:par>
+                                <p:cTn id="14" presetID="1" presetClass="entr" presetSubtype="0" fill="hold" grpId="0" nodeType="clickEffect">
+                                  <p:stCondLst>
+                                    <p:cond delay="0"/>
+                                  </p:stCondLst>
+                                  <p:childTnLst>
+                                    <p:set>
+                                      <p:cBhvr>
+                                        <p:cTn id="15" dur="1" fill="hold">
+                                          <p:stCondLst>
+                                            <p:cond delay="0"/>
+                                          </p:stCondLst>
+                                        </p:cTn>
+                                        <p:tgtEl>
+                                          <p:spTgt spid="15"/>
+                                        </p:tgtEl>
+                                        <p:attrNameLst>
+                                          <p:attrName>style.visibility</p:attrName>
+                                        </p:attrNameLst>
+                                      </p:cBhvr>
+                                      <p:to>
+                                        <p:strVal val="visible"/>
+                                      </p:to>
+                                    </p:set>
+                                  </p:childTnLst>
+                                </p:cTn>
+                              </p:par>
+                            </p:childTnLst>
+                          </p:cTn>
+                        </p:par>
+                      </p:childTnLst>
+                    </p:cTn>
+                  </p:par>
                 </p:childTnLst>
               </p:cTn>
               <p:prevCondLst>
@@ -14375,6 +17266,7 @@
     <p:bldLst>
       <p:bldP spid="10" grpId="0"/>
       <p:bldP spid="2" grpId="0" animBg="1"/>
+      <p:bldP spid="15" grpId="0" animBg="1"/>
     </p:bldLst>
   </p:timing>
 </p:sld>

--- a/前端优化.pptx
+++ b/前端优化.pptx
@@ -208,7 +208,7 @@
             <a:fld id="{CE1D0BA2-A4A1-4B11-81FA-5EAFBA8CF391}" type="datetimeFigureOut">
               <a:rPr lang="zh-CN" altLang="en-US" smtClean="0"/>
               <a:pPr/>
-              <a:t>2016/8/26</a:t>
+              <a:t>2016/8/28</a:t>
             </a:fld>
             <a:endParaRPr lang="zh-CN" altLang="en-US"/>
           </a:p>
@@ -538,7 +538,15 @@
           <a:p>
             <a:r>
               <a:rPr lang="zh-CN" altLang="en-US" dirty="0" smtClean="0"/>
-              <a:t>大家知道我是在做后台的，对前端其实并没有太深入的研究，今天来分享前端内容有点赶鸭子上架，所以今天内容不会太深，只是分享下我对前端优化的看法，算是抛砖引玉吧。</a:t>
+              <a:t>大家知道我是在做后台的，对前端其实并没有太深入的研究，今天来分享前端</a:t>
+            </a:r>
+            <a:r>
+              <a:rPr lang="zh-CN" altLang="en-US" dirty="0" smtClean="0"/>
+              <a:t>内容，</a:t>
+            </a:r>
+            <a:r>
+              <a:rPr lang="zh-CN" altLang="en-US" dirty="0" smtClean="0"/>
+              <a:t>所以今天内容不会太深，只是分享下我对前端优化的看法，算是抛砖引玉吧。</a:t>
             </a:r>
             <a:endParaRPr lang="en-US" altLang="zh-CN" dirty="0" smtClean="0"/>
           </a:p>
@@ -1600,11 +1608,7 @@
           <a:p>
             <a:r>
               <a:rPr lang="zh-CN" altLang="en-US" baseline="0" dirty="0" smtClean="0"/>
-              <a:t>第四点是更深一层优化带来的优点</a:t>
-            </a:r>
-            <a:r>
-              <a:rPr lang="zh-CN" altLang="en-US" baseline="0" dirty="0" smtClean="0"/>
-              <a:t>。比如说在教研的动静分离基础上，我们需要进一步优化，可以怎么做呢。</a:t>
+              <a:t>第四点是更深一层优化带来的优点。比如说在教研的动静分离基础上，我们需要进一步优化，可以怎么做呢。</a:t>
             </a:r>
             <a:endParaRPr lang="en-US" altLang="zh-CN" baseline="0" dirty="0" smtClean="0"/>
           </a:p>
@@ -2510,7 +2514,7 @@
             </a:pPr>
             <a:r>
               <a:rPr lang="zh-CN" altLang="en-US" dirty="0" smtClean="0"/>
-              <a:t>到这，</a:t>
+              <a:t>到这</a:t>
             </a:r>
             <a:r>
               <a:rPr lang="en-US" altLang="zh-CN" dirty="0" smtClean="0"/>
@@ -2522,7 +2526,7 @@
             </a:r>
             <a:r>
               <a:rPr lang="zh-CN" altLang="en-US" baseline="0" dirty="0" smtClean="0"/>
-              <a:t>前端优化介绍的差不多了，最后还是要强调下，优化都是有成本的。</a:t>
+              <a:t>前端优化介绍的差不多了，最后还是要强调下，前端优化是提高网站用户体验，增强网站并发，降低运营成本的有效方法，但也是有代价的，不同的优化有不同的代价。</a:t>
             </a:r>
             <a:endParaRPr lang="en-US" altLang="zh-CN" dirty="0" smtClean="0"/>
           </a:p>
@@ -2546,7 +2550,7 @@
             </a:pPr>
             <a:r>
               <a:rPr lang="zh-CN" altLang="en-US" dirty="0" smtClean="0"/>
-              <a:t>，这点来说说就不是这样了，我最早接触的</a:t>
+              <a:t>不是这样了，我最早接触的</a:t>
             </a:r>
             <a:r>
               <a:rPr lang="en-US" altLang="zh-CN" dirty="0" smtClean="0"/>
@@ -4151,7 +4155,7 @@
             <a:fld id="{D22439AA-DE3E-4136-8738-0A92E0638C7F}" type="datetimeFigureOut">
               <a:rPr lang="zh-CN" altLang="en-US" smtClean="0"/>
               <a:pPr/>
-              <a:t>2016/8/26</a:t>
+              <a:t>2016/8/28</a:t>
             </a:fld>
             <a:endParaRPr lang="zh-CN" altLang="en-US"/>
           </a:p>
@@ -4339,7 +4343,7 @@
             <a:fld id="{D22439AA-DE3E-4136-8738-0A92E0638C7F}" type="datetimeFigureOut">
               <a:rPr lang="zh-CN" altLang="en-US" smtClean="0"/>
               <a:pPr/>
-              <a:t>2016/8/26</a:t>
+              <a:t>2016/8/28</a:t>
             </a:fld>
             <a:endParaRPr lang="zh-CN" altLang="en-US"/>
           </a:p>
@@ -4527,7 +4531,7 @@
             <a:fld id="{D22439AA-DE3E-4136-8738-0A92E0638C7F}" type="datetimeFigureOut">
               <a:rPr lang="zh-CN" altLang="en-US" smtClean="0"/>
               <a:pPr/>
-              <a:t>2016/8/26</a:t>
+              <a:t>2016/8/28</a:t>
             </a:fld>
             <a:endParaRPr lang="zh-CN" altLang="en-US"/>
           </a:p>
@@ -4740,7 +4744,7 @@
             <a:fld id="{D22439AA-DE3E-4136-8738-0A92E0638C7F}" type="datetimeFigureOut">
               <a:rPr lang="zh-CN" altLang="en-US" smtClean="0"/>
               <a:pPr/>
-              <a:t>2016/8/26</a:t>
+              <a:t>2016/8/28</a:t>
             </a:fld>
             <a:endParaRPr lang="zh-CN" altLang="en-US"/>
           </a:p>
@@ -4994,7 +4998,7 @@
             <a:fld id="{D22439AA-DE3E-4136-8738-0A92E0638C7F}" type="datetimeFigureOut">
               <a:rPr lang="zh-CN" altLang="en-US" smtClean="0"/>
               <a:pPr/>
-              <a:t>2016/8/26</a:t>
+              <a:t>2016/8/28</a:t>
             </a:fld>
             <a:endParaRPr lang="zh-CN" altLang="en-US"/>
           </a:p>
@@ -5298,7 +5302,7 @@
             <a:fld id="{D22439AA-DE3E-4136-8738-0A92E0638C7F}" type="datetimeFigureOut">
               <a:rPr lang="zh-CN" altLang="en-US" smtClean="0"/>
               <a:pPr/>
-              <a:t>2016/8/26</a:t>
+              <a:t>2016/8/28</a:t>
             </a:fld>
             <a:endParaRPr lang="zh-CN" altLang="en-US"/>
           </a:p>
@@ -5742,7 +5746,7 @@
             <a:fld id="{D22439AA-DE3E-4136-8738-0A92E0638C7F}" type="datetimeFigureOut">
               <a:rPr lang="zh-CN" altLang="en-US" smtClean="0"/>
               <a:pPr/>
-              <a:t>2016/8/26</a:t>
+              <a:t>2016/8/28</a:t>
             </a:fld>
             <a:endParaRPr lang="zh-CN" altLang="en-US"/>
           </a:p>
@@ -5870,7 +5874,7 @@
             <a:fld id="{D22439AA-DE3E-4136-8738-0A92E0638C7F}" type="datetimeFigureOut">
               <a:rPr lang="zh-CN" altLang="en-US" smtClean="0"/>
               <a:pPr/>
-              <a:t>2016/8/26</a:t>
+              <a:t>2016/8/28</a:t>
             </a:fld>
             <a:endParaRPr lang="zh-CN" altLang="en-US"/>
           </a:p>
@@ -5967,7 +5971,7 @@
             <a:fld id="{D22439AA-DE3E-4136-8738-0A92E0638C7F}" type="datetimeFigureOut">
               <a:rPr lang="zh-CN" altLang="en-US" smtClean="0"/>
               <a:pPr/>
-              <a:t>2016/8/26</a:t>
+              <a:t>2016/8/28</a:t>
             </a:fld>
             <a:endParaRPr lang="zh-CN" altLang="en-US"/>
           </a:p>
@@ -6255,7 +6259,7 @@
             <a:fld id="{D22439AA-DE3E-4136-8738-0A92E0638C7F}" type="datetimeFigureOut">
               <a:rPr lang="zh-CN" altLang="en-US" smtClean="0"/>
               <a:pPr/>
-              <a:t>2016/8/26</a:t>
+              <a:t>2016/8/28</a:t>
             </a:fld>
             <a:endParaRPr lang="zh-CN" altLang="en-US"/>
           </a:p>
@@ -6519,7 +6523,7 @@
             <a:fld id="{D22439AA-DE3E-4136-8738-0A92E0638C7F}" type="datetimeFigureOut">
               <a:rPr lang="zh-CN" altLang="en-US" smtClean="0"/>
               <a:pPr/>
-              <a:t>2016/8/26</a:t>
+              <a:t>2016/8/28</a:t>
             </a:fld>
             <a:endParaRPr lang="zh-CN" altLang="en-US"/>
           </a:p>
@@ -6639,7 +6643,7 @@
             <a:fld id="{D22439AA-DE3E-4136-8738-0A92E0638C7F}" type="datetimeFigureOut">
               <a:rPr lang="zh-CN" altLang="en-US" smtClean="0"/>
               <a:pPr/>
-              <a:t>2016/8/26</a:t>
+              <a:t>2016/8/28</a:t>
             </a:fld>
             <a:endParaRPr lang="zh-CN" altLang="en-US"/>
           </a:p>
@@ -10144,14 +10148,14 @@
       </p:sp>
       <p:sp>
         <p:nvSpPr>
-          <p:cNvPr id="10" name="TextBox 9"/>
+          <p:cNvPr id="8" name="TextBox 7"/>
           <p:cNvSpPr txBox="1"/>
           <p:nvPr/>
         </p:nvSpPr>
         <p:spPr>
           <a:xfrm>
-            <a:off x="324036" y="4891232"/>
-            <a:ext cx="8028384" cy="1938992"/>
+            <a:off x="475996" y="5085184"/>
+            <a:ext cx="8028384" cy="1785104"/>
           </a:xfrm>
           <a:prstGeom prst="rect">
             <a:avLst/>
@@ -10166,7 +10170,7 @@
           <a:p>
             <a:r>
               <a:rPr lang="zh-CN" altLang="en-US" sz="2800" b="1" dirty="0" smtClean="0"/>
-              <a:t>实施前提</a:t>
+              <a:t>缺点</a:t>
             </a:r>
             <a:endParaRPr lang="en-US" altLang="zh-CN" sz="2800" b="1" dirty="0" smtClean="0"/>
           </a:p>
@@ -10180,29 +10184,35 @@
             </a:pPr>
             <a:r>
               <a:rPr lang="zh-CN" altLang="en-US" sz="2400" dirty="0" smtClean="0"/>
-              <a:t>网站即包含动态内容，也包含静态内容</a:t>
-            </a:r>
-            <a:endParaRPr lang="en-US" altLang="zh-CN" sz="2400" dirty="0" smtClean="0"/>
-          </a:p>
-          <a:p>
-            <a:pPr marL="914400" lvl="1" indent="-457200">
-              <a:spcBef>
-                <a:spcPts val="1200"/>
-              </a:spcBef>
-              <a:buFont typeface="Arial" pitchFamily="34" charset="0"/>
-              <a:buChar char="•"/>
-            </a:pPr>
-            <a:r>
-              <a:rPr lang="zh-CN" altLang="en-US" sz="2400" dirty="0" smtClean="0"/>
-              <a:t>页面访问量到一定量</a:t>
-            </a:r>
-            <a:endParaRPr lang="en-US" altLang="zh-CN" sz="2400" dirty="0" smtClean="0"/>
+              <a:t>对前端开发要求较高。部分技术学习曲线较陡</a:t>
+            </a:r>
+            <a:endParaRPr lang="zh-CN" altLang="en-US" sz="2400" dirty="0"/>
           </a:p>
           <a:p>
             <a:pPr marL="914400" lvl="1" indent="-457200">
               <a:buFont typeface="Arial" pitchFamily="34" charset="0"/>
               <a:buChar char="•"/>
             </a:pPr>
+            <a:r>
+              <a:rPr lang="zh-CN" altLang="en-US" sz="2400" dirty="0"/>
+              <a:t>有</a:t>
+            </a:r>
+            <a:r>
+              <a:rPr lang="zh-CN" altLang="en-US" sz="2400" dirty="0" smtClean="0"/>
+              <a:t>状态，前端处理将复杂化</a:t>
+            </a:r>
+            <a:r>
+              <a:rPr lang="zh-CN" altLang="en-US" sz="2400" dirty="0" smtClean="0"/>
+              <a:t>。如</a:t>
+            </a:r>
+            <a:r>
+              <a:rPr lang="en-US" altLang="zh-CN" sz="2400" dirty="0" smtClean="0"/>
+              <a:t>session </a:t>
+            </a:r>
+            <a:r>
+              <a:rPr lang="zh-CN" altLang="en-US" sz="2400" dirty="0" smtClean="0"/>
+              <a:t>，权限控制，关联信息输出。</a:t>
+            </a:r>
             <a:endParaRPr lang="zh-CN" altLang="en-US" sz="2400" dirty="0"/>
           </a:p>
         </p:txBody>
@@ -10430,7 +10440,79 @@
         </p:nvSpPr>
         <p:spPr>
           <a:xfrm>
-            <a:off x="216024" y="1772816"/>
+            <a:off x="360040" y="1320597"/>
+            <a:ext cx="8028384" cy="2246769"/>
+          </a:xfrm>
+          <a:prstGeom prst="rect">
+            <a:avLst/>
+          </a:prstGeom>
+          <a:noFill/>
+        </p:spPr>
+        <p:txBody>
+          <a:bodyPr wrap="square" rtlCol="0">
+            <a:spAutoFit/>
+          </a:bodyPr>
+          <a:lstStyle/>
+          <a:p>
+            <a:pPr marL="914400" lvl="1" indent="-457200">
+              <a:spcBef>
+                <a:spcPts val="1200"/>
+              </a:spcBef>
+              <a:buFont typeface="Arial" pitchFamily="34" charset="0"/>
+              <a:buChar char="•"/>
+            </a:pPr>
+            <a:r>
+              <a:rPr lang="zh-CN" altLang="en-US" sz="2400" dirty="0" smtClean="0"/>
+              <a:t>单点技术难度较小，但细节较多，需要良好的编码规范，及前端工具配合，才能达到最佳效果。</a:t>
+            </a:r>
+            <a:endParaRPr lang="en-US" altLang="zh-CN" sz="2400" dirty="0" smtClean="0"/>
+          </a:p>
+          <a:p>
+            <a:pPr marL="914400" lvl="1" indent="-457200">
+              <a:spcBef>
+                <a:spcPts val="1200"/>
+              </a:spcBef>
+              <a:buFont typeface="Arial" pitchFamily="34" charset="0"/>
+              <a:buChar char="•"/>
+            </a:pPr>
+            <a:r>
+              <a:rPr lang="zh-CN" altLang="en-US" sz="2400" dirty="0" smtClean="0"/>
+              <a:t>优化方案较多，要分析实际项目情况合理选择实施。</a:t>
+            </a:r>
+            <a:endParaRPr lang="en-US" altLang="zh-CN" sz="2400" dirty="0" smtClean="0"/>
+          </a:p>
+          <a:p>
+            <a:pPr marL="914400" lvl="1" indent="-457200">
+              <a:spcBef>
+                <a:spcPts val="1200"/>
+              </a:spcBef>
+              <a:buFont typeface="Arial" pitchFamily="34" charset="0"/>
+              <a:buChar char="•"/>
+            </a:pPr>
+            <a:r>
+              <a:rPr lang="zh-CN" altLang="en-US" sz="2400" dirty="0" smtClean="0"/>
+              <a:t>技术发展较快，需要不断学习。</a:t>
+            </a:r>
+            <a:endParaRPr lang="en-US" altLang="zh-CN" sz="2400" dirty="0" smtClean="0"/>
+          </a:p>
+          <a:p>
+            <a:pPr marL="914400" lvl="1" indent="-457200">
+              <a:buFont typeface="Arial" pitchFamily="34" charset="0"/>
+              <a:buChar char="•"/>
+            </a:pPr>
+            <a:endParaRPr lang="zh-CN" altLang="en-US" sz="2400" dirty="0"/>
+          </a:p>
+        </p:txBody>
+      </p:sp>
+      <p:sp>
+        <p:nvSpPr>
+          <p:cNvPr id="7" name="TextBox 6"/>
+          <p:cNvSpPr txBox="1"/>
+          <p:nvPr/>
+        </p:nvSpPr>
+        <p:spPr>
+          <a:xfrm>
+            <a:off x="390961" y="3658637"/>
             <a:ext cx="8028384" cy="1877437"/>
           </a:xfrm>
           <a:prstGeom prst="rect">
@@ -10453,11 +10535,7 @@
             </a:pPr>
             <a:r>
               <a:rPr lang="zh-CN" altLang="en-US" sz="2400" dirty="0" smtClean="0"/>
-              <a:t>网站</a:t>
-            </a:r>
-            <a:r>
-              <a:rPr lang="zh-CN" altLang="en-US" sz="2400" dirty="0" smtClean="0"/>
-              <a:t>即包含动态内容，也包含静态内容</a:t>
+              <a:t>网站即包含动态内容，也包含静态内容</a:t>
             </a:r>
             <a:endParaRPr lang="en-US" altLang="zh-CN" sz="2400" dirty="0" smtClean="0"/>
           </a:p>
@@ -10471,11 +10549,7 @@
             </a:pPr>
             <a:r>
               <a:rPr lang="zh-CN" altLang="en-US" sz="2400" dirty="0" smtClean="0"/>
-              <a:t>页面访问量到一</a:t>
-            </a:r>
-            <a:r>
-              <a:rPr lang="zh-CN" altLang="en-US" sz="2400" dirty="0" smtClean="0"/>
-              <a:t>定量，优化效果作用强</a:t>
+              <a:t>页面访问量到一定量，优化效果作用强</a:t>
             </a:r>
             <a:endParaRPr lang="en-US" altLang="zh-CN" sz="2400" dirty="0" smtClean="0"/>
           </a:p>
@@ -10767,14 +10841,7 @@
                 <a:latin typeface="微软雅黑" pitchFamily="34" charset="-122"/>
                 <a:ea typeface="微软雅黑" pitchFamily="34" charset="-122"/>
               </a:rPr>
-              <a:t>感谢</a:t>
-            </a:r>
-            <a:r>
-              <a:rPr kumimoji="1" lang="zh-CN" altLang="en-US" sz="6600" kern="0" dirty="0" smtClean="0">
-                <a:latin typeface="微软雅黑" pitchFamily="34" charset="-122"/>
-                <a:ea typeface="微软雅黑" pitchFamily="34" charset="-122"/>
-              </a:rPr>
-              <a:t>聆听</a:t>
+              <a:t>感谢聆听</a:t>
             </a:r>
             <a:r>
               <a:rPr kumimoji="1" lang="zh-CN" altLang="en-US" sz="6600" b="0" i="0" u="none" strike="noStrike" kern="0" cap="none" spc="0" normalizeH="0" baseline="0" noProof="0" dirty="0" smtClean="0">

--- a/前端优化.pptx
+++ b/前端优化.pptx
@@ -208,7 +208,7 @@
             <a:fld id="{CE1D0BA2-A4A1-4B11-81FA-5EAFBA8CF391}" type="datetimeFigureOut">
               <a:rPr lang="zh-CN" altLang="en-US" smtClean="0"/>
               <a:pPr/>
-              <a:t>2016/8/28</a:t>
+              <a:t>2016/8/30</a:t>
             </a:fld>
             <a:endParaRPr lang="zh-CN" altLang="en-US"/>
           </a:p>
@@ -538,30 +538,46 @@
           <a:p>
             <a:r>
               <a:rPr lang="zh-CN" altLang="en-US" dirty="0" smtClean="0"/>
-              <a:t>大家知道我是在做后台的，对前端其实并没有太深入的研究，今天来分享前端</a:t>
+              <a:t>大家知道我是在做后台的，对前端其实并没有太深入的研究</a:t>
             </a:r>
             <a:r>
               <a:rPr lang="zh-CN" altLang="en-US" dirty="0" smtClean="0"/>
-              <a:t>内容，</a:t>
+              <a:t>，不过幸好只是分享优化方面内容，但也讲不了太</a:t>
             </a:r>
             <a:r>
               <a:rPr lang="zh-CN" altLang="en-US" dirty="0" smtClean="0"/>
-              <a:t>所以今天内容不会太深，只是分享下我对前端优化的看法，算是抛砖引玉吧。</a:t>
+              <a:t>深，只是分享</a:t>
+            </a:r>
+            <a:r>
+              <a:rPr lang="zh-CN" altLang="en-US" dirty="0" smtClean="0"/>
+              <a:t>下自己对</a:t>
+            </a:r>
+            <a:r>
+              <a:rPr lang="zh-CN" altLang="en-US" dirty="0" smtClean="0"/>
+              <a:t>前端优化的看法，算是抛砖引玉吧。</a:t>
             </a:r>
             <a:endParaRPr lang="en-US" altLang="zh-CN" dirty="0" smtClean="0"/>
           </a:p>
           <a:p>
             <a:r>
+              <a:rPr lang="en-US" altLang="zh-CN" dirty="0" smtClean="0"/>
+              <a:t>J2EE </a:t>
+            </a:r>
+            <a:r>
               <a:rPr lang="zh-CN" altLang="en-US" dirty="0" smtClean="0"/>
-              <a:t>大家知道</a:t>
-            </a:r>
-            <a:r>
-              <a:rPr lang="en-US" altLang="zh-CN" dirty="0" smtClean="0"/>
-              <a:t>web </a:t>
+              <a:t>优化</a:t>
+            </a:r>
+            <a:r>
+              <a:rPr lang="zh-CN" altLang="en-US" baseline="0" dirty="0" smtClean="0"/>
+              <a:t>是</a:t>
             </a:r>
             <a:r>
               <a:rPr lang="zh-CN" altLang="en-US" dirty="0" smtClean="0"/>
-              <a:t>优化可以在很多方面入手的，粗一点分也有前端优化、代码优化、数据库优化、</a:t>
+              <a:t>可以</a:t>
+            </a:r>
+            <a:r>
+              <a:rPr lang="zh-CN" altLang="en-US" dirty="0" smtClean="0"/>
+              <a:t>在很多方面入手的，粗一点分也有前端优化、代码优化、数据库优化、</a:t>
             </a:r>
             <a:r>
               <a:rPr lang="en-US" altLang="zh-CN" dirty="0" smtClean="0"/>
@@ -4155,7 +4171,7 @@
             <a:fld id="{D22439AA-DE3E-4136-8738-0A92E0638C7F}" type="datetimeFigureOut">
               <a:rPr lang="zh-CN" altLang="en-US" smtClean="0"/>
               <a:pPr/>
-              <a:t>2016/8/28</a:t>
+              <a:t>2016/8/30</a:t>
             </a:fld>
             <a:endParaRPr lang="zh-CN" altLang="en-US"/>
           </a:p>
@@ -4343,7 +4359,7 @@
             <a:fld id="{D22439AA-DE3E-4136-8738-0A92E0638C7F}" type="datetimeFigureOut">
               <a:rPr lang="zh-CN" altLang="en-US" smtClean="0"/>
               <a:pPr/>
-              <a:t>2016/8/28</a:t>
+              <a:t>2016/8/30</a:t>
             </a:fld>
             <a:endParaRPr lang="zh-CN" altLang="en-US"/>
           </a:p>
@@ -4531,7 +4547,7 @@
             <a:fld id="{D22439AA-DE3E-4136-8738-0A92E0638C7F}" type="datetimeFigureOut">
               <a:rPr lang="zh-CN" altLang="en-US" smtClean="0"/>
               <a:pPr/>
-              <a:t>2016/8/28</a:t>
+              <a:t>2016/8/30</a:t>
             </a:fld>
             <a:endParaRPr lang="zh-CN" altLang="en-US"/>
           </a:p>
@@ -4744,7 +4760,7 @@
             <a:fld id="{D22439AA-DE3E-4136-8738-0A92E0638C7F}" type="datetimeFigureOut">
               <a:rPr lang="zh-CN" altLang="en-US" smtClean="0"/>
               <a:pPr/>
-              <a:t>2016/8/28</a:t>
+              <a:t>2016/8/30</a:t>
             </a:fld>
             <a:endParaRPr lang="zh-CN" altLang="en-US"/>
           </a:p>
@@ -4998,7 +5014,7 @@
             <a:fld id="{D22439AA-DE3E-4136-8738-0A92E0638C7F}" type="datetimeFigureOut">
               <a:rPr lang="zh-CN" altLang="en-US" smtClean="0"/>
               <a:pPr/>
-              <a:t>2016/8/28</a:t>
+              <a:t>2016/8/30</a:t>
             </a:fld>
             <a:endParaRPr lang="zh-CN" altLang="en-US"/>
           </a:p>
@@ -5302,7 +5318,7 @@
             <a:fld id="{D22439AA-DE3E-4136-8738-0A92E0638C7F}" type="datetimeFigureOut">
               <a:rPr lang="zh-CN" altLang="en-US" smtClean="0"/>
               <a:pPr/>
-              <a:t>2016/8/28</a:t>
+              <a:t>2016/8/30</a:t>
             </a:fld>
             <a:endParaRPr lang="zh-CN" altLang="en-US"/>
           </a:p>
@@ -5746,7 +5762,7 @@
             <a:fld id="{D22439AA-DE3E-4136-8738-0A92E0638C7F}" type="datetimeFigureOut">
               <a:rPr lang="zh-CN" altLang="en-US" smtClean="0"/>
               <a:pPr/>
-              <a:t>2016/8/28</a:t>
+              <a:t>2016/8/30</a:t>
             </a:fld>
             <a:endParaRPr lang="zh-CN" altLang="en-US"/>
           </a:p>
@@ -5874,7 +5890,7 @@
             <a:fld id="{D22439AA-DE3E-4136-8738-0A92E0638C7F}" type="datetimeFigureOut">
               <a:rPr lang="zh-CN" altLang="en-US" smtClean="0"/>
               <a:pPr/>
-              <a:t>2016/8/28</a:t>
+              <a:t>2016/8/30</a:t>
             </a:fld>
             <a:endParaRPr lang="zh-CN" altLang="en-US"/>
           </a:p>
@@ -5971,7 +5987,7 @@
             <a:fld id="{D22439AA-DE3E-4136-8738-0A92E0638C7F}" type="datetimeFigureOut">
               <a:rPr lang="zh-CN" altLang="en-US" smtClean="0"/>
               <a:pPr/>
-              <a:t>2016/8/28</a:t>
+              <a:t>2016/8/30</a:t>
             </a:fld>
             <a:endParaRPr lang="zh-CN" altLang="en-US"/>
           </a:p>
@@ -6259,7 +6275,7 @@
             <a:fld id="{D22439AA-DE3E-4136-8738-0A92E0638C7F}" type="datetimeFigureOut">
               <a:rPr lang="zh-CN" altLang="en-US" smtClean="0"/>
               <a:pPr/>
-              <a:t>2016/8/28</a:t>
+              <a:t>2016/8/30</a:t>
             </a:fld>
             <a:endParaRPr lang="zh-CN" altLang="en-US"/>
           </a:p>
@@ -6523,7 +6539,7 @@
             <a:fld id="{D22439AA-DE3E-4136-8738-0A92E0638C7F}" type="datetimeFigureOut">
               <a:rPr lang="zh-CN" altLang="en-US" smtClean="0"/>
               <a:pPr/>
-              <a:t>2016/8/28</a:t>
+              <a:t>2016/8/30</a:t>
             </a:fld>
             <a:endParaRPr lang="zh-CN" altLang="en-US"/>
           </a:p>
@@ -6643,7 +6659,7 @@
             <a:fld id="{D22439AA-DE3E-4136-8738-0A92E0638C7F}" type="datetimeFigureOut">
               <a:rPr lang="zh-CN" altLang="en-US" smtClean="0"/>
               <a:pPr/>
-              <a:t>2016/8/28</a:t>
+              <a:t>2016/8/30</a:t>
             </a:fld>
             <a:endParaRPr lang="zh-CN" altLang="en-US"/>
           </a:p>
@@ -7382,7 +7398,7 @@
                   </a:schemeClr>
                 </a:solidFill>
               </a:rPr>
-              <a:t>web </a:t>
+              <a:t>J2EE </a:t>
             </a:r>
             <a:r>
               <a:rPr lang="zh-CN" altLang="en-US" sz="2800" dirty="0" smtClean="0">
@@ -10199,11 +10215,7 @@
             </a:r>
             <a:r>
               <a:rPr lang="zh-CN" altLang="en-US" sz="2400" dirty="0" smtClean="0"/>
-              <a:t>状态，前端处理将复杂化</a:t>
-            </a:r>
-            <a:r>
-              <a:rPr lang="zh-CN" altLang="en-US" sz="2400" dirty="0" smtClean="0"/>
-              <a:t>。如</a:t>
+              <a:t>状态，前端处理将复杂化。如</a:t>
             </a:r>
             <a:r>
               <a:rPr lang="en-US" altLang="zh-CN" sz="2400" dirty="0" smtClean="0"/>
@@ -11187,7 +11199,7 @@
         </p:blipFill>
         <p:spPr bwMode="auto">
           <a:xfrm>
-            <a:off x="-5560418" y="4982817"/>
+            <a:off x="-5869160" y="4664109"/>
             <a:ext cx="13804826" cy="421075"/>
           </a:xfrm>
           <a:prstGeom prst="rect">
